--- a/cpp_231023.pptx
+++ b/cpp_231023.pptx
@@ -12,6 +12,9 @@
     <p:sldId id="260" r:id="rId6"/>
     <p:sldId id="261" r:id="rId7"/>
     <p:sldId id="262" r:id="rId8"/>
+    <p:sldId id="264" r:id="rId9"/>
+    <p:sldId id="265" r:id="rId10"/>
+    <p:sldId id="266" r:id="rId11"/>
   </p:sldIdLst>
   <p:sldSz cx="12192000" cy="6858000"/>
   <p:notesSz cx="6858000" cy="9144000"/>
@@ -3749,6 +3752,606 @@
 </p:sld>
 </file>
 
+<file path=ppt/slides/slide10.xml><?xml version="1.0" encoding="utf-8"?>
+<p:sld xmlns:a="http://schemas.openxmlformats.org/drawingml/2006/main" xmlns:r="http://schemas.openxmlformats.org/officeDocument/2006/relationships" xmlns:p="http://schemas.openxmlformats.org/presentationml/2006/main">
+  <p:cSld>
+    <p:spTree>
+      <p:nvGrpSpPr>
+        <p:cNvPr id="1" name=""/>
+        <p:cNvGrpSpPr/>
+        <p:nvPr/>
+      </p:nvGrpSpPr>
+      <p:grpSpPr>
+        <a:xfrm>
+          <a:off x="0" y="0"/>
+          <a:ext cx="0" cy="0"/>
+          <a:chOff x="0" y="0"/>
+          <a:chExt cx="0" cy="0"/>
+        </a:xfrm>
+      </p:grpSpPr>
+      <p:sp>
+        <p:nvSpPr>
+          <p:cNvPr id="10" name="모서리가 둥근 직사각형 9">
+            <a:extLst>
+              <a:ext uri="{FF2B5EF4-FFF2-40B4-BE49-F238E27FC236}">
+                <a16:creationId xmlns:a16="http://schemas.microsoft.com/office/drawing/2014/main" id="{97980E80-8691-80B9-39F4-2F35F2627032}"/>
+              </a:ext>
+            </a:extLst>
+          </p:cNvPr>
+          <p:cNvSpPr/>
+          <p:nvPr/>
+        </p:nvSpPr>
+        <p:spPr>
+          <a:xfrm>
+            <a:off x="554636" y="3317823"/>
+            <a:ext cx="3112957" cy="1983698"/>
+          </a:xfrm>
+          <a:prstGeom prst="roundRect">
+            <a:avLst/>
+          </a:prstGeom>
+          <a:solidFill>
+            <a:schemeClr val="bg1"/>
+          </a:solidFill>
+        </p:spPr>
+        <p:style>
+          <a:lnRef idx="2">
+            <a:schemeClr val="accent1">
+              <a:shade val="15000"/>
+            </a:schemeClr>
+          </a:lnRef>
+          <a:fillRef idx="1">
+            <a:schemeClr val="accent1"/>
+          </a:fillRef>
+          <a:effectRef idx="0">
+            <a:schemeClr val="accent1"/>
+          </a:effectRef>
+          <a:fontRef idx="minor">
+            <a:schemeClr val="lt1"/>
+          </a:fontRef>
+        </p:style>
+        <p:txBody>
+          <a:bodyPr rtlCol="0" anchor="ctr"/>
+          <a:lstStyle/>
+          <a:p>
+            <a:pPr algn="ctr"/>
+            <a:endParaRPr kumimoji="1" lang="ko-KR" altLang="en-US"/>
+          </a:p>
+        </p:txBody>
+      </p:sp>
+      <p:sp>
+        <p:nvSpPr>
+          <p:cNvPr id="5" name="TextBox 4">
+            <a:extLst>
+              <a:ext uri="{FF2B5EF4-FFF2-40B4-BE49-F238E27FC236}">
+                <a16:creationId xmlns:a16="http://schemas.microsoft.com/office/drawing/2014/main" id="{B118E131-E2D7-DC51-E334-C7AD79077E0B}"/>
+              </a:ext>
+            </a:extLst>
+          </p:cNvPr>
+          <p:cNvSpPr txBox="1"/>
+          <p:nvPr/>
+        </p:nvSpPr>
+        <p:spPr>
+          <a:xfrm>
+            <a:off x="359764" y="138128"/>
+            <a:ext cx="6096000" cy="2677656"/>
+          </a:xfrm>
+          <a:prstGeom prst="rect">
+            <a:avLst/>
+          </a:prstGeom>
+          <a:noFill/>
+        </p:spPr>
+        <p:txBody>
+          <a:bodyPr wrap="square">
+            <a:spAutoFit/>
+          </a:bodyPr>
+          <a:lstStyle/>
+          <a:p>
+            <a:r>
+              <a:rPr lang="en" altLang="ko-KR" sz="1400" dirty="0">
+                <a:latin typeface="DM Mono" panose="020B0509040201040103" pitchFamily="49" charset="0"/>
+              </a:rPr>
+              <a:t>void Increment3(int&amp; </a:t>
+            </a:r>
+            <a:r>
+              <a:rPr lang="en" altLang="ko-KR" sz="1400" dirty="0" err="1">
+                <a:latin typeface="DM Mono" panose="020B0509040201040103" pitchFamily="49" charset="0"/>
+              </a:rPr>
+              <a:t>rx</a:t>
+            </a:r>
+            <a:r>
+              <a:rPr lang="en" altLang="ko-KR" sz="1400" dirty="0">
+                <a:latin typeface="DM Mono" panose="020B0509040201040103" pitchFamily="49" charset="0"/>
+              </a:rPr>
+              <a:t>)</a:t>
+            </a:r>
+          </a:p>
+          <a:p>
+            <a:r>
+              <a:rPr lang="en" altLang="ko-KR" sz="1400" dirty="0">
+                <a:latin typeface="DM Mono" panose="020B0509040201040103" pitchFamily="49" charset="0"/>
+              </a:rPr>
+              <a:t>{</a:t>
+            </a:r>
+          </a:p>
+          <a:p>
+            <a:r>
+              <a:rPr lang="en" altLang="ko-KR" sz="1400" dirty="0">
+                <a:latin typeface="DM Mono" panose="020B0509040201040103" pitchFamily="49" charset="0"/>
+              </a:rPr>
+              <a:t>    ++</a:t>
+            </a:r>
+            <a:r>
+              <a:rPr lang="en" altLang="ko-KR" sz="1400" dirty="0" err="1">
+                <a:latin typeface="DM Mono" panose="020B0509040201040103" pitchFamily="49" charset="0"/>
+              </a:rPr>
+              <a:t>rx</a:t>
+            </a:r>
+            <a:r>
+              <a:rPr lang="en" altLang="ko-KR" sz="1400" dirty="0">
+                <a:latin typeface="DM Mono" panose="020B0509040201040103" pitchFamily="49" charset="0"/>
+              </a:rPr>
+              <a:t>;</a:t>
+            </a:r>
+          </a:p>
+          <a:p>
+            <a:r>
+              <a:rPr lang="en" altLang="ko-KR" sz="1400" dirty="0">
+                <a:latin typeface="DM Mono" panose="020B0509040201040103" pitchFamily="49" charset="0"/>
+              </a:rPr>
+              <a:t>}</a:t>
+            </a:r>
+          </a:p>
+          <a:p>
+            <a:endParaRPr lang="en" altLang="ko-KR" sz="1400" dirty="0">
+              <a:latin typeface="DM Mono" panose="020B0509040201040103" pitchFamily="49" charset="0"/>
+            </a:endParaRPr>
+          </a:p>
+          <a:p>
+            <a:r>
+              <a:rPr lang="en" altLang="ko-KR" sz="1400" dirty="0">
+                <a:latin typeface="DM Mono" panose="020B0509040201040103" pitchFamily="49" charset="0"/>
+              </a:rPr>
+              <a:t>int main()</a:t>
+            </a:r>
+          </a:p>
+          <a:p>
+            <a:r>
+              <a:rPr lang="en" altLang="ko-KR" sz="1400" dirty="0">
+                <a:latin typeface="DM Mono" panose="020B0509040201040103" pitchFamily="49" charset="0"/>
+              </a:rPr>
+              <a:t>{</a:t>
+            </a:r>
+          </a:p>
+          <a:p>
+            <a:r>
+              <a:rPr lang="en" altLang="ko-KR" sz="1400" dirty="0">
+                <a:latin typeface="DM Mono" panose="020B0509040201040103" pitchFamily="49" charset="0"/>
+              </a:rPr>
+              <a:t>    int x = 10;</a:t>
+            </a:r>
+          </a:p>
+          <a:p>
+            <a:r>
+              <a:rPr lang="en" altLang="ko-KR" sz="1400" dirty="0">
+                <a:latin typeface="DM Mono" panose="020B0509040201040103" pitchFamily="49" charset="0"/>
+              </a:rPr>
+              <a:t>    Increment3(x);</a:t>
+            </a:r>
+          </a:p>
+          <a:p>
+            <a:endParaRPr lang="en" altLang="ko-KR" sz="1400" dirty="0">
+              <a:latin typeface="DM Mono" panose="020B0509040201040103" pitchFamily="49" charset="0"/>
+            </a:endParaRPr>
+          </a:p>
+          <a:p>
+            <a:r>
+              <a:rPr lang="en" altLang="ko-KR" sz="1400" dirty="0">
+                <a:latin typeface="DM Mono" panose="020B0509040201040103" pitchFamily="49" charset="0"/>
+              </a:rPr>
+              <a:t>    </a:t>
+            </a:r>
+            <a:r>
+              <a:rPr lang="en" altLang="ko-KR" sz="1400" dirty="0" err="1">
+                <a:latin typeface="DM Mono" panose="020B0509040201040103" pitchFamily="49" charset="0"/>
+              </a:rPr>
+              <a:t>cout</a:t>
+            </a:r>
+            <a:r>
+              <a:rPr lang="en" altLang="ko-KR" sz="1400" dirty="0">
+                <a:latin typeface="DM Mono" panose="020B0509040201040103" pitchFamily="49" charset="0"/>
+              </a:rPr>
+              <a:t> &lt;&lt; x &lt;&lt; </a:t>
+            </a:r>
+            <a:r>
+              <a:rPr lang="en" altLang="ko-KR" sz="1400" dirty="0" err="1">
+                <a:latin typeface="DM Mono" panose="020B0509040201040103" pitchFamily="49" charset="0"/>
+              </a:rPr>
+              <a:t>endl</a:t>
+            </a:r>
+            <a:r>
+              <a:rPr lang="en" altLang="ko-KR" sz="1400" dirty="0">
+                <a:latin typeface="DM Mono" panose="020B0509040201040103" pitchFamily="49" charset="0"/>
+              </a:rPr>
+              <a:t>;</a:t>
+            </a:r>
+          </a:p>
+          <a:p>
+            <a:r>
+              <a:rPr lang="en" altLang="ko-KR" sz="1400" dirty="0">
+                <a:latin typeface="DM Mono" panose="020B0509040201040103" pitchFamily="49" charset="0"/>
+              </a:rPr>
+              <a:t>}</a:t>
+            </a:r>
+          </a:p>
+        </p:txBody>
+      </p:sp>
+      <p:sp>
+        <p:nvSpPr>
+          <p:cNvPr id="6" name="직사각형 5">
+            <a:extLst>
+              <a:ext uri="{FF2B5EF4-FFF2-40B4-BE49-F238E27FC236}">
+                <a16:creationId xmlns:a16="http://schemas.microsoft.com/office/drawing/2014/main" id="{A33F7E1D-E02C-6AF9-4B85-04BFCA7EC357}"/>
+              </a:ext>
+            </a:extLst>
+          </p:cNvPr>
+          <p:cNvSpPr/>
+          <p:nvPr/>
+        </p:nvSpPr>
+        <p:spPr>
+          <a:xfrm>
+            <a:off x="1224196" y="3827357"/>
+            <a:ext cx="1114269" cy="559633"/>
+          </a:xfrm>
+          <a:prstGeom prst="rect">
+            <a:avLst/>
+          </a:prstGeom>
+          <a:solidFill>
+            <a:srgbClr val="FFFF00"/>
+          </a:solidFill>
+        </p:spPr>
+        <p:style>
+          <a:lnRef idx="2">
+            <a:schemeClr val="accent1">
+              <a:shade val="15000"/>
+            </a:schemeClr>
+          </a:lnRef>
+          <a:fillRef idx="1">
+            <a:schemeClr val="accent1"/>
+          </a:fillRef>
+          <a:effectRef idx="0">
+            <a:schemeClr val="accent1"/>
+          </a:effectRef>
+          <a:fontRef idx="minor">
+            <a:schemeClr val="lt1"/>
+          </a:fontRef>
+        </p:style>
+        <p:txBody>
+          <a:bodyPr rtlCol="0" anchor="ctr"/>
+          <a:lstStyle/>
+          <a:p>
+            <a:pPr algn="ctr"/>
+            <a:r>
+              <a:rPr kumimoji="1" lang="en-US" altLang="ko-KR" sz="1600" dirty="0">
+                <a:solidFill>
+                  <a:srgbClr val="FF0000"/>
+                </a:solidFill>
+                <a:latin typeface="DM Mono" panose="020B0509040201040103" pitchFamily="49" charset="0"/>
+              </a:rPr>
+              <a:t>11</a:t>
+            </a:r>
+            <a:endParaRPr kumimoji="1" lang="ko-KR" altLang="en-US" sz="1600" dirty="0">
+              <a:solidFill>
+                <a:srgbClr val="FF0000"/>
+              </a:solidFill>
+              <a:latin typeface="DM Mono" panose="020B0509040201040103" pitchFamily="49" charset="0"/>
+            </a:endParaRPr>
+          </a:p>
+        </p:txBody>
+      </p:sp>
+      <p:sp>
+        <p:nvSpPr>
+          <p:cNvPr id="8" name="TextBox 7">
+            <a:extLst>
+              <a:ext uri="{FF2B5EF4-FFF2-40B4-BE49-F238E27FC236}">
+                <a16:creationId xmlns:a16="http://schemas.microsoft.com/office/drawing/2014/main" id="{426682D5-8B1C-D0F9-C9C6-D819C0D4F6AF}"/>
+              </a:ext>
+            </a:extLst>
+          </p:cNvPr>
+          <p:cNvSpPr txBox="1"/>
+          <p:nvPr/>
+        </p:nvSpPr>
+        <p:spPr>
+          <a:xfrm>
+            <a:off x="844445" y="3827357"/>
+            <a:ext cx="379751" cy="276999"/>
+          </a:xfrm>
+          <a:prstGeom prst="rect">
+            <a:avLst/>
+          </a:prstGeom>
+          <a:noFill/>
+        </p:spPr>
+        <p:txBody>
+          <a:bodyPr wrap="square">
+            <a:spAutoFit/>
+          </a:bodyPr>
+          <a:lstStyle/>
+          <a:p>
+            <a:r>
+              <a:rPr kumimoji="1" lang="en-US" altLang="ko-KR" sz="1200" dirty="0">
+                <a:solidFill>
+                  <a:schemeClr val="tx1"/>
+                </a:solidFill>
+                <a:latin typeface="DM Mono" panose="020B0509040201040103" pitchFamily="49" charset="0"/>
+              </a:rPr>
+              <a:t>x</a:t>
+            </a:r>
+            <a:endParaRPr lang="ko-KR" altLang="en-US" sz="1200" dirty="0"/>
+          </a:p>
+        </p:txBody>
+      </p:sp>
+      <p:sp>
+        <p:nvSpPr>
+          <p:cNvPr id="12" name="TextBox 11">
+            <a:extLst>
+              <a:ext uri="{FF2B5EF4-FFF2-40B4-BE49-F238E27FC236}">
+                <a16:creationId xmlns:a16="http://schemas.microsoft.com/office/drawing/2014/main" id="{20E5EB25-3C2A-0AA7-F79C-E6F1C0F0A5EA}"/>
+              </a:ext>
+            </a:extLst>
+          </p:cNvPr>
+          <p:cNvSpPr txBox="1"/>
+          <p:nvPr/>
+        </p:nvSpPr>
+        <p:spPr>
+          <a:xfrm>
+            <a:off x="1653915" y="3010046"/>
+            <a:ext cx="764498" cy="307777"/>
+          </a:xfrm>
+          <a:prstGeom prst="rect">
+            <a:avLst/>
+          </a:prstGeom>
+          <a:noFill/>
+        </p:spPr>
+        <p:txBody>
+          <a:bodyPr wrap="square">
+            <a:spAutoFit/>
+          </a:bodyPr>
+          <a:lstStyle/>
+          <a:p>
+            <a:pPr algn="ctr"/>
+            <a:r>
+              <a:rPr lang="en" altLang="ko-KR" sz="1400" dirty="0">
+                <a:latin typeface="DM Mono" panose="020B0509040201040103" pitchFamily="49" charset="0"/>
+              </a:rPr>
+              <a:t>main</a:t>
+            </a:r>
+            <a:endParaRPr lang="ko-KR" altLang="en-US" sz="1400" dirty="0"/>
+          </a:p>
+        </p:txBody>
+      </p:sp>
+      <p:sp>
+        <p:nvSpPr>
+          <p:cNvPr id="13" name="모서리가 둥근 직사각형 12">
+            <a:extLst>
+              <a:ext uri="{FF2B5EF4-FFF2-40B4-BE49-F238E27FC236}">
+                <a16:creationId xmlns:a16="http://schemas.microsoft.com/office/drawing/2014/main" id="{B4B54149-CCD6-7639-4498-8D11ECB0A9CE}"/>
+              </a:ext>
+            </a:extLst>
+          </p:cNvPr>
+          <p:cNvSpPr/>
+          <p:nvPr/>
+        </p:nvSpPr>
+        <p:spPr>
+          <a:xfrm>
+            <a:off x="6758066" y="1091784"/>
+            <a:ext cx="3112957" cy="1983698"/>
+          </a:xfrm>
+          <a:prstGeom prst="roundRect">
+            <a:avLst/>
+          </a:prstGeom>
+          <a:solidFill>
+            <a:schemeClr val="bg1"/>
+          </a:solidFill>
+        </p:spPr>
+        <p:style>
+          <a:lnRef idx="2">
+            <a:schemeClr val="accent1">
+              <a:shade val="15000"/>
+            </a:schemeClr>
+          </a:lnRef>
+          <a:fillRef idx="1">
+            <a:schemeClr val="accent1"/>
+          </a:fillRef>
+          <a:effectRef idx="0">
+            <a:schemeClr val="accent1"/>
+          </a:effectRef>
+          <a:fontRef idx="minor">
+            <a:schemeClr val="lt1"/>
+          </a:fontRef>
+        </p:style>
+        <p:txBody>
+          <a:bodyPr rtlCol="0" anchor="ctr"/>
+          <a:lstStyle/>
+          <a:p>
+            <a:pPr algn="ctr"/>
+            <a:endParaRPr kumimoji="1" lang="ko-KR" altLang="en-US"/>
+          </a:p>
+        </p:txBody>
+      </p:sp>
+      <p:sp>
+        <p:nvSpPr>
+          <p:cNvPr id="15" name="TextBox 14">
+            <a:extLst>
+              <a:ext uri="{FF2B5EF4-FFF2-40B4-BE49-F238E27FC236}">
+                <a16:creationId xmlns:a16="http://schemas.microsoft.com/office/drawing/2014/main" id="{C0FFAAA4-FE29-FE56-6BD9-3DFFAB73FCB4}"/>
+              </a:ext>
+            </a:extLst>
+          </p:cNvPr>
+          <p:cNvSpPr txBox="1"/>
+          <p:nvPr/>
+        </p:nvSpPr>
+        <p:spPr>
+          <a:xfrm>
+            <a:off x="7047875" y="1601318"/>
+            <a:ext cx="379751" cy="276999"/>
+          </a:xfrm>
+          <a:prstGeom prst="rect">
+            <a:avLst/>
+          </a:prstGeom>
+          <a:noFill/>
+        </p:spPr>
+        <p:txBody>
+          <a:bodyPr wrap="square">
+            <a:spAutoFit/>
+          </a:bodyPr>
+          <a:lstStyle/>
+          <a:p>
+            <a:r>
+              <a:rPr kumimoji="1" lang="en-US" altLang="ko-KR" sz="1200" dirty="0" err="1">
+                <a:solidFill>
+                  <a:schemeClr val="tx1"/>
+                </a:solidFill>
+                <a:latin typeface="DM Mono" panose="020B0509040201040103" pitchFamily="49" charset="0"/>
+              </a:rPr>
+              <a:t>rx</a:t>
+            </a:r>
+            <a:endParaRPr lang="ko-KR" altLang="en-US" sz="1200" dirty="0"/>
+          </a:p>
+        </p:txBody>
+      </p:sp>
+      <p:sp>
+        <p:nvSpPr>
+          <p:cNvPr id="16" name="TextBox 15">
+            <a:extLst>
+              <a:ext uri="{FF2B5EF4-FFF2-40B4-BE49-F238E27FC236}">
+                <a16:creationId xmlns:a16="http://schemas.microsoft.com/office/drawing/2014/main" id="{2EA060E3-2675-DBEB-8808-DD52608550E4}"/>
+              </a:ext>
+            </a:extLst>
+          </p:cNvPr>
+          <p:cNvSpPr txBox="1"/>
+          <p:nvPr/>
+        </p:nvSpPr>
+        <p:spPr>
+          <a:xfrm>
+            <a:off x="7647481" y="784007"/>
+            <a:ext cx="1334125" cy="307777"/>
+          </a:xfrm>
+          <a:prstGeom prst="rect">
+            <a:avLst/>
+          </a:prstGeom>
+          <a:noFill/>
+        </p:spPr>
+        <p:txBody>
+          <a:bodyPr wrap="square">
+            <a:spAutoFit/>
+          </a:bodyPr>
+          <a:lstStyle/>
+          <a:p>
+            <a:pPr algn="ctr"/>
+            <a:r>
+              <a:rPr lang="en" altLang="ko-KR" sz="1400" dirty="0">
+                <a:latin typeface="DM Mono" panose="020B0509040201040103" pitchFamily="49" charset="0"/>
+              </a:rPr>
+              <a:t>Increment</a:t>
+            </a:r>
+            <a:endParaRPr lang="ko-KR" altLang="en-US" sz="1400" dirty="0"/>
+          </a:p>
+        </p:txBody>
+      </p:sp>
+      <p:sp>
+        <p:nvSpPr>
+          <p:cNvPr id="2" name="TextBox 1">
+            <a:extLst>
+              <a:ext uri="{FF2B5EF4-FFF2-40B4-BE49-F238E27FC236}">
+                <a16:creationId xmlns:a16="http://schemas.microsoft.com/office/drawing/2014/main" id="{B12DD2C6-85B9-7519-AC2C-A28B5DF8BBA4}"/>
+              </a:ext>
+            </a:extLst>
+          </p:cNvPr>
+          <p:cNvSpPr txBox="1"/>
+          <p:nvPr/>
+        </p:nvSpPr>
+        <p:spPr>
+          <a:xfrm>
+            <a:off x="851941" y="3557201"/>
+            <a:ext cx="856938" cy="307777"/>
+          </a:xfrm>
+          <a:prstGeom prst="rect">
+            <a:avLst/>
+          </a:prstGeom>
+          <a:noFill/>
+        </p:spPr>
+        <p:txBody>
+          <a:bodyPr wrap="square">
+            <a:spAutoFit/>
+          </a:bodyPr>
+          <a:lstStyle/>
+          <a:p>
+            <a:pPr algn="ctr"/>
+            <a:r>
+              <a:rPr lang="en-US" altLang="ko-KR" sz="1400" dirty="0">
+                <a:latin typeface="DM Mono" panose="020B0509040201040103" pitchFamily="49" charset="0"/>
+              </a:rPr>
+              <a:t>0x200</a:t>
+            </a:r>
+            <a:endParaRPr lang="ko-KR" altLang="en-US" sz="1400" dirty="0"/>
+          </a:p>
+        </p:txBody>
+      </p:sp>
+      <p:cxnSp>
+        <p:nvCxnSpPr>
+          <p:cNvPr id="4" name="구부러진 연결선[U] 3">
+            <a:extLst>
+              <a:ext uri="{FF2B5EF4-FFF2-40B4-BE49-F238E27FC236}">
+                <a16:creationId xmlns:a16="http://schemas.microsoft.com/office/drawing/2014/main" id="{9A360419-E1C8-3C00-4015-4F48052BDA4C}"/>
+              </a:ext>
+            </a:extLst>
+          </p:cNvPr>
+          <p:cNvCxnSpPr>
+            <a:cxnSpLocks/>
+            <a:stCxn id="15" idx="1"/>
+            <a:endCxn id="6" idx="0"/>
+          </p:cNvCxnSpPr>
+          <p:nvPr/>
+        </p:nvCxnSpPr>
+        <p:spPr>
+          <a:xfrm rot="10800000" flipV="1">
+            <a:off x="1781331" y="1739817"/>
+            <a:ext cx="5266544" cy="2087539"/>
+          </a:xfrm>
+          <a:prstGeom prst="curvedConnector2">
+            <a:avLst/>
+          </a:prstGeom>
+          <a:ln>
+            <a:tailEnd type="triangle"/>
+          </a:ln>
+        </p:spPr>
+        <p:style>
+          <a:lnRef idx="1">
+            <a:schemeClr val="dk1"/>
+          </a:lnRef>
+          <a:fillRef idx="0">
+            <a:schemeClr val="dk1"/>
+          </a:fillRef>
+          <a:effectRef idx="0">
+            <a:schemeClr val="dk1"/>
+          </a:effectRef>
+          <a:fontRef idx="minor">
+            <a:schemeClr val="tx1"/>
+          </a:fontRef>
+        </p:style>
+      </p:cxnSp>
+    </p:spTree>
+    <p:extLst>
+      <p:ext uri="{BB962C8B-B14F-4D97-AF65-F5344CB8AC3E}">
+        <p14:creationId xmlns:p14="http://schemas.microsoft.com/office/powerpoint/2010/main" val="3719378410"/>
+      </p:ext>
+    </p:extLst>
+  </p:cSld>
+  <p:clrMapOvr>
+    <a:masterClrMapping/>
+  </p:clrMapOvr>
+</p:sld>
+</file>
+
 <file path=ppt/slides/slide2.xml><?xml version="1.0" encoding="utf-8"?>
 <p:sld xmlns:a="http://schemas.openxmlformats.org/drawingml/2006/main" xmlns:r="http://schemas.openxmlformats.org/officeDocument/2006/relationships" xmlns:p="http://schemas.openxmlformats.org/presentationml/2006/main">
   <p:cSld>
@@ -6573,6 +7176,1352 @@
     <p:extLst>
       <p:ext uri="{BB962C8B-B14F-4D97-AF65-F5344CB8AC3E}">
         <p14:creationId xmlns:p14="http://schemas.microsoft.com/office/powerpoint/2010/main" val="1741694975"/>
+      </p:ext>
+    </p:extLst>
+  </p:cSld>
+  <p:clrMapOvr>
+    <a:masterClrMapping/>
+  </p:clrMapOvr>
+</p:sld>
+</file>
+
+<file path=ppt/slides/slide8.xml><?xml version="1.0" encoding="utf-8"?>
+<p:sld xmlns:a="http://schemas.openxmlformats.org/drawingml/2006/main" xmlns:r="http://schemas.openxmlformats.org/officeDocument/2006/relationships" xmlns:p="http://schemas.openxmlformats.org/presentationml/2006/main">
+  <p:cSld>
+    <p:spTree>
+      <p:nvGrpSpPr>
+        <p:cNvPr id="1" name=""/>
+        <p:cNvGrpSpPr/>
+        <p:nvPr/>
+      </p:nvGrpSpPr>
+      <p:grpSpPr>
+        <a:xfrm>
+          <a:off x="0" y="0"/>
+          <a:ext cx="0" cy="0"/>
+          <a:chOff x="0" y="0"/>
+          <a:chExt cx="0" cy="0"/>
+        </a:xfrm>
+      </p:grpSpPr>
+      <p:sp>
+        <p:nvSpPr>
+          <p:cNvPr id="10" name="모서리가 둥근 직사각형 9">
+            <a:extLst>
+              <a:ext uri="{FF2B5EF4-FFF2-40B4-BE49-F238E27FC236}">
+                <a16:creationId xmlns:a16="http://schemas.microsoft.com/office/drawing/2014/main" id="{97980E80-8691-80B9-39F4-2F35F2627032}"/>
+              </a:ext>
+            </a:extLst>
+          </p:cNvPr>
+          <p:cNvSpPr/>
+          <p:nvPr/>
+        </p:nvSpPr>
+        <p:spPr>
+          <a:xfrm>
+            <a:off x="554636" y="3317823"/>
+            <a:ext cx="3112957" cy="1983698"/>
+          </a:xfrm>
+          <a:prstGeom prst="roundRect">
+            <a:avLst/>
+          </a:prstGeom>
+          <a:solidFill>
+            <a:schemeClr val="bg1"/>
+          </a:solidFill>
+        </p:spPr>
+        <p:style>
+          <a:lnRef idx="2">
+            <a:schemeClr val="accent1">
+              <a:shade val="15000"/>
+            </a:schemeClr>
+          </a:lnRef>
+          <a:fillRef idx="1">
+            <a:schemeClr val="accent1"/>
+          </a:fillRef>
+          <a:effectRef idx="0">
+            <a:schemeClr val="accent1"/>
+          </a:effectRef>
+          <a:fontRef idx="minor">
+            <a:schemeClr val="lt1"/>
+          </a:fontRef>
+        </p:style>
+        <p:txBody>
+          <a:bodyPr rtlCol="0" anchor="ctr"/>
+          <a:lstStyle/>
+          <a:p>
+            <a:pPr algn="ctr"/>
+            <a:endParaRPr kumimoji="1" lang="ko-KR" altLang="en-US"/>
+          </a:p>
+        </p:txBody>
+      </p:sp>
+      <p:sp>
+        <p:nvSpPr>
+          <p:cNvPr id="5" name="TextBox 4">
+            <a:extLst>
+              <a:ext uri="{FF2B5EF4-FFF2-40B4-BE49-F238E27FC236}">
+                <a16:creationId xmlns:a16="http://schemas.microsoft.com/office/drawing/2014/main" id="{B118E131-E2D7-DC51-E334-C7AD79077E0B}"/>
+              </a:ext>
+            </a:extLst>
+          </p:cNvPr>
+          <p:cNvSpPr txBox="1"/>
+          <p:nvPr/>
+        </p:nvSpPr>
+        <p:spPr>
+          <a:xfrm>
+            <a:off x="359764" y="138128"/>
+            <a:ext cx="6096000" cy="2677656"/>
+          </a:xfrm>
+          <a:prstGeom prst="rect">
+            <a:avLst/>
+          </a:prstGeom>
+          <a:noFill/>
+        </p:spPr>
+        <p:txBody>
+          <a:bodyPr wrap="square">
+            <a:spAutoFit/>
+          </a:bodyPr>
+          <a:lstStyle/>
+          <a:p>
+            <a:r>
+              <a:rPr lang="en" altLang="ko-KR" sz="1400" dirty="0">
+                <a:latin typeface="DM Mono" panose="020B0509040201040103" pitchFamily="49" charset="0"/>
+              </a:rPr>
+              <a:t>void Increment(int x)</a:t>
+            </a:r>
+          </a:p>
+          <a:p>
+            <a:r>
+              <a:rPr lang="en" altLang="ko-KR" sz="1400" dirty="0">
+                <a:latin typeface="DM Mono" panose="020B0509040201040103" pitchFamily="49" charset="0"/>
+              </a:rPr>
+              <a:t>{</a:t>
+            </a:r>
+          </a:p>
+          <a:p>
+            <a:r>
+              <a:rPr lang="en" altLang="ko-KR" sz="1400" dirty="0">
+                <a:latin typeface="DM Mono" panose="020B0509040201040103" pitchFamily="49" charset="0"/>
+              </a:rPr>
+              <a:t>    ++x;</a:t>
+            </a:r>
+          </a:p>
+          <a:p>
+            <a:r>
+              <a:rPr lang="en" altLang="ko-KR" sz="1400" dirty="0">
+                <a:latin typeface="DM Mono" panose="020B0509040201040103" pitchFamily="49" charset="0"/>
+              </a:rPr>
+              <a:t>}</a:t>
+            </a:r>
+          </a:p>
+          <a:p>
+            <a:endParaRPr lang="en" altLang="ko-KR" sz="1400" dirty="0">
+              <a:latin typeface="DM Mono" panose="020B0509040201040103" pitchFamily="49" charset="0"/>
+            </a:endParaRPr>
+          </a:p>
+          <a:p>
+            <a:r>
+              <a:rPr lang="en" altLang="ko-KR" sz="1400" dirty="0">
+                <a:latin typeface="DM Mono" panose="020B0509040201040103" pitchFamily="49" charset="0"/>
+              </a:rPr>
+              <a:t>int main()</a:t>
+            </a:r>
+          </a:p>
+          <a:p>
+            <a:r>
+              <a:rPr lang="en" altLang="ko-KR" sz="1400" dirty="0">
+                <a:latin typeface="DM Mono" panose="020B0509040201040103" pitchFamily="49" charset="0"/>
+              </a:rPr>
+              <a:t>{</a:t>
+            </a:r>
+          </a:p>
+          <a:p>
+            <a:r>
+              <a:rPr lang="en" altLang="ko-KR" sz="1400" dirty="0">
+                <a:latin typeface="DM Mono" panose="020B0509040201040103" pitchFamily="49" charset="0"/>
+              </a:rPr>
+              <a:t>    int x = 10;</a:t>
+            </a:r>
+          </a:p>
+          <a:p>
+            <a:r>
+              <a:rPr lang="en" altLang="ko-KR" sz="1400" dirty="0">
+                <a:latin typeface="DM Mono" panose="020B0509040201040103" pitchFamily="49" charset="0"/>
+              </a:rPr>
+              <a:t>    Increment(x);</a:t>
+            </a:r>
+          </a:p>
+          <a:p>
+            <a:endParaRPr lang="en" altLang="ko-KR" sz="1400" dirty="0">
+              <a:latin typeface="DM Mono" panose="020B0509040201040103" pitchFamily="49" charset="0"/>
+            </a:endParaRPr>
+          </a:p>
+          <a:p>
+            <a:r>
+              <a:rPr lang="en" altLang="ko-KR" sz="1400" dirty="0">
+                <a:latin typeface="DM Mono" panose="020B0509040201040103" pitchFamily="49" charset="0"/>
+              </a:rPr>
+              <a:t>    </a:t>
+            </a:r>
+            <a:r>
+              <a:rPr lang="en" altLang="ko-KR" sz="1400" dirty="0" err="1">
+                <a:latin typeface="DM Mono" panose="020B0509040201040103" pitchFamily="49" charset="0"/>
+              </a:rPr>
+              <a:t>cout</a:t>
+            </a:r>
+            <a:r>
+              <a:rPr lang="en" altLang="ko-KR" sz="1400" dirty="0">
+                <a:latin typeface="DM Mono" panose="020B0509040201040103" pitchFamily="49" charset="0"/>
+              </a:rPr>
+              <a:t> &lt;&lt; x &lt;&lt; </a:t>
+            </a:r>
+            <a:r>
+              <a:rPr lang="en" altLang="ko-KR" sz="1400" dirty="0" err="1">
+                <a:latin typeface="DM Mono" panose="020B0509040201040103" pitchFamily="49" charset="0"/>
+              </a:rPr>
+              <a:t>endl</a:t>
+            </a:r>
+            <a:r>
+              <a:rPr lang="en" altLang="ko-KR" sz="1400" dirty="0">
+                <a:latin typeface="DM Mono" panose="020B0509040201040103" pitchFamily="49" charset="0"/>
+              </a:rPr>
+              <a:t>;</a:t>
+            </a:r>
+          </a:p>
+          <a:p>
+            <a:r>
+              <a:rPr lang="en" altLang="ko-KR" sz="1400" dirty="0">
+                <a:latin typeface="DM Mono" panose="020B0509040201040103" pitchFamily="49" charset="0"/>
+              </a:rPr>
+              <a:t>}</a:t>
+            </a:r>
+          </a:p>
+        </p:txBody>
+      </p:sp>
+      <p:sp>
+        <p:nvSpPr>
+          <p:cNvPr id="6" name="직사각형 5">
+            <a:extLst>
+              <a:ext uri="{FF2B5EF4-FFF2-40B4-BE49-F238E27FC236}">
+                <a16:creationId xmlns:a16="http://schemas.microsoft.com/office/drawing/2014/main" id="{A33F7E1D-E02C-6AF9-4B85-04BFCA7EC357}"/>
+              </a:ext>
+            </a:extLst>
+          </p:cNvPr>
+          <p:cNvSpPr/>
+          <p:nvPr/>
+        </p:nvSpPr>
+        <p:spPr>
+          <a:xfrm>
+            <a:off x="1224196" y="3827357"/>
+            <a:ext cx="1114269" cy="559633"/>
+          </a:xfrm>
+          <a:prstGeom prst="rect">
+            <a:avLst/>
+          </a:prstGeom>
+          <a:solidFill>
+            <a:srgbClr val="FFFF00"/>
+          </a:solidFill>
+        </p:spPr>
+        <p:style>
+          <a:lnRef idx="2">
+            <a:schemeClr val="accent1">
+              <a:shade val="15000"/>
+            </a:schemeClr>
+          </a:lnRef>
+          <a:fillRef idx="1">
+            <a:schemeClr val="accent1"/>
+          </a:fillRef>
+          <a:effectRef idx="0">
+            <a:schemeClr val="accent1"/>
+          </a:effectRef>
+          <a:fontRef idx="minor">
+            <a:schemeClr val="lt1"/>
+          </a:fontRef>
+        </p:style>
+        <p:txBody>
+          <a:bodyPr rtlCol="0" anchor="ctr"/>
+          <a:lstStyle/>
+          <a:p>
+            <a:pPr algn="ctr"/>
+            <a:r>
+              <a:rPr kumimoji="1" lang="en-US" altLang="ko-KR" sz="1600" dirty="0">
+                <a:solidFill>
+                  <a:srgbClr val="FF0000"/>
+                </a:solidFill>
+                <a:latin typeface="DM Mono" panose="020B0509040201040103" pitchFamily="49" charset="0"/>
+              </a:rPr>
+              <a:t>10</a:t>
+            </a:r>
+            <a:endParaRPr kumimoji="1" lang="ko-KR" altLang="en-US" sz="1600" dirty="0">
+              <a:solidFill>
+                <a:srgbClr val="FF0000"/>
+              </a:solidFill>
+              <a:latin typeface="DM Mono" panose="020B0509040201040103" pitchFamily="49" charset="0"/>
+            </a:endParaRPr>
+          </a:p>
+        </p:txBody>
+      </p:sp>
+      <p:sp>
+        <p:nvSpPr>
+          <p:cNvPr id="8" name="TextBox 7">
+            <a:extLst>
+              <a:ext uri="{FF2B5EF4-FFF2-40B4-BE49-F238E27FC236}">
+                <a16:creationId xmlns:a16="http://schemas.microsoft.com/office/drawing/2014/main" id="{426682D5-8B1C-D0F9-C9C6-D819C0D4F6AF}"/>
+              </a:ext>
+            </a:extLst>
+          </p:cNvPr>
+          <p:cNvSpPr txBox="1"/>
+          <p:nvPr/>
+        </p:nvSpPr>
+        <p:spPr>
+          <a:xfrm>
+            <a:off x="844445" y="3827357"/>
+            <a:ext cx="379751" cy="276999"/>
+          </a:xfrm>
+          <a:prstGeom prst="rect">
+            <a:avLst/>
+          </a:prstGeom>
+          <a:noFill/>
+        </p:spPr>
+        <p:txBody>
+          <a:bodyPr wrap="square">
+            <a:spAutoFit/>
+          </a:bodyPr>
+          <a:lstStyle/>
+          <a:p>
+            <a:r>
+              <a:rPr kumimoji="1" lang="en-US" altLang="ko-KR" sz="1200" dirty="0">
+                <a:solidFill>
+                  <a:schemeClr val="tx1"/>
+                </a:solidFill>
+                <a:latin typeface="DM Mono" panose="020B0509040201040103" pitchFamily="49" charset="0"/>
+              </a:rPr>
+              <a:t>x</a:t>
+            </a:r>
+            <a:endParaRPr lang="ko-KR" altLang="en-US" sz="1200" dirty="0"/>
+          </a:p>
+        </p:txBody>
+      </p:sp>
+      <p:sp>
+        <p:nvSpPr>
+          <p:cNvPr id="12" name="TextBox 11">
+            <a:extLst>
+              <a:ext uri="{FF2B5EF4-FFF2-40B4-BE49-F238E27FC236}">
+                <a16:creationId xmlns:a16="http://schemas.microsoft.com/office/drawing/2014/main" id="{20E5EB25-3C2A-0AA7-F79C-E6F1C0F0A5EA}"/>
+              </a:ext>
+            </a:extLst>
+          </p:cNvPr>
+          <p:cNvSpPr txBox="1"/>
+          <p:nvPr/>
+        </p:nvSpPr>
+        <p:spPr>
+          <a:xfrm>
+            <a:off x="1653915" y="3010046"/>
+            <a:ext cx="764498" cy="307777"/>
+          </a:xfrm>
+          <a:prstGeom prst="rect">
+            <a:avLst/>
+          </a:prstGeom>
+          <a:noFill/>
+        </p:spPr>
+        <p:txBody>
+          <a:bodyPr wrap="square">
+            <a:spAutoFit/>
+          </a:bodyPr>
+          <a:lstStyle/>
+          <a:p>
+            <a:pPr algn="ctr"/>
+            <a:r>
+              <a:rPr lang="en" altLang="ko-KR" sz="1400" dirty="0">
+                <a:latin typeface="DM Mono" panose="020B0509040201040103" pitchFamily="49" charset="0"/>
+              </a:rPr>
+              <a:t>main</a:t>
+            </a:r>
+            <a:endParaRPr lang="ko-KR" altLang="en-US" sz="1400" dirty="0"/>
+          </a:p>
+        </p:txBody>
+      </p:sp>
+      <p:sp>
+        <p:nvSpPr>
+          <p:cNvPr id="13" name="모서리가 둥근 직사각형 12">
+            <a:extLst>
+              <a:ext uri="{FF2B5EF4-FFF2-40B4-BE49-F238E27FC236}">
+                <a16:creationId xmlns:a16="http://schemas.microsoft.com/office/drawing/2014/main" id="{B4B54149-CCD6-7639-4498-8D11ECB0A9CE}"/>
+              </a:ext>
+            </a:extLst>
+          </p:cNvPr>
+          <p:cNvSpPr/>
+          <p:nvPr/>
+        </p:nvSpPr>
+        <p:spPr>
+          <a:xfrm>
+            <a:off x="6758066" y="1091784"/>
+            <a:ext cx="3112957" cy="1983698"/>
+          </a:xfrm>
+          <a:prstGeom prst="roundRect">
+            <a:avLst/>
+          </a:prstGeom>
+          <a:solidFill>
+            <a:schemeClr val="bg1"/>
+          </a:solidFill>
+        </p:spPr>
+        <p:style>
+          <a:lnRef idx="2">
+            <a:schemeClr val="accent1">
+              <a:shade val="15000"/>
+            </a:schemeClr>
+          </a:lnRef>
+          <a:fillRef idx="1">
+            <a:schemeClr val="accent1"/>
+          </a:fillRef>
+          <a:effectRef idx="0">
+            <a:schemeClr val="accent1"/>
+          </a:effectRef>
+          <a:fontRef idx="minor">
+            <a:schemeClr val="lt1"/>
+          </a:fontRef>
+        </p:style>
+        <p:txBody>
+          <a:bodyPr rtlCol="0" anchor="ctr"/>
+          <a:lstStyle/>
+          <a:p>
+            <a:pPr algn="ctr"/>
+            <a:endParaRPr kumimoji="1" lang="ko-KR" altLang="en-US"/>
+          </a:p>
+        </p:txBody>
+      </p:sp>
+      <p:sp>
+        <p:nvSpPr>
+          <p:cNvPr id="14" name="직사각형 13">
+            <a:extLst>
+              <a:ext uri="{FF2B5EF4-FFF2-40B4-BE49-F238E27FC236}">
+                <a16:creationId xmlns:a16="http://schemas.microsoft.com/office/drawing/2014/main" id="{997B8B2D-ABBA-8CAA-89AD-47F90C1B60F4}"/>
+              </a:ext>
+            </a:extLst>
+          </p:cNvPr>
+          <p:cNvSpPr/>
+          <p:nvPr/>
+        </p:nvSpPr>
+        <p:spPr>
+          <a:xfrm>
+            <a:off x="7427626" y="1601318"/>
+            <a:ext cx="1114269" cy="559633"/>
+          </a:xfrm>
+          <a:prstGeom prst="rect">
+            <a:avLst/>
+          </a:prstGeom>
+          <a:solidFill>
+            <a:srgbClr val="FFFF00"/>
+          </a:solidFill>
+        </p:spPr>
+        <p:style>
+          <a:lnRef idx="2">
+            <a:schemeClr val="accent1">
+              <a:shade val="15000"/>
+            </a:schemeClr>
+          </a:lnRef>
+          <a:fillRef idx="1">
+            <a:schemeClr val="accent1"/>
+          </a:fillRef>
+          <a:effectRef idx="0">
+            <a:schemeClr val="accent1"/>
+          </a:effectRef>
+          <a:fontRef idx="minor">
+            <a:schemeClr val="lt1"/>
+          </a:fontRef>
+        </p:style>
+        <p:txBody>
+          <a:bodyPr rtlCol="0" anchor="ctr"/>
+          <a:lstStyle/>
+          <a:p>
+            <a:pPr algn="ctr"/>
+            <a:r>
+              <a:rPr kumimoji="1" lang="en-US" altLang="ko-KR" sz="1600" dirty="0">
+                <a:solidFill>
+                  <a:srgbClr val="FF0000"/>
+                </a:solidFill>
+                <a:latin typeface="DM Mono" panose="020B0509040201040103" pitchFamily="49" charset="0"/>
+              </a:rPr>
+              <a:t>11</a:t>
+            </a:r>
+            <a:endParaRPr kumimoji="1" lang="ko-KR" altLang="en-US" sz="1600" dirty="0">
+              <a:solidFill>
+                <a:srgbClr val="FF0000"/>
+              </a:solidFill>
+              <a:latin typeface="DM Mono" panose="020B0509040201040103" pitchFamily="49" charset="0"/>
+            </a:endParaRPr>
+          </a:p>
+        </p:txBody>
+      </p:sp>
+      <p:sp>
+        <p:nvSpPr>
+          <p:cNvPr id="15" name="TextBox 14">
+            <a:extLst>
+              <a:ext uri="{FF2B5EF4-FFF2-40B4-BE49-F238E27FC236}">
+                <a16:creationId xmlns:a16="http://schemas.microsoft.com/office/drawing/2014/main" id="{C0FFAAA4-FE29-FE56-6BD9-3DFFAB73FCB4}"/>
+              </a:ext>
+            </a:extLst>
+          </p:cNvPr>
+          <p:cNvSpPr txBox="1"/>
+          <p:nvPr/>
+        </p:nvSpPr>
+        <p:spPr>
+          <a:xfrm>
+            <a:off x="7047875" y="1601318"/>
+            <a:ext cx="379751" cy="276999"/>
+          </a:xfrm>
+          <a:prstGeom prst="rect">
+            <a:avLst/>
+          </a:prstGeom>
+          <a:noFill/>
+        </p:spPr>
+        <p:txBody>
+          <a:bodyPr wrap="square">
+            <a:spAutoFit/>
+          </a:bodyPr>
+          <a:lstStyle/>
+          <a:p>
+            <a:r>
+              <a:rPr kumimoji="1" lang="en-US" altLang="ko-KR" sz="1200" dirty="0">
+                <a:solidFill>
+                  <a:schemeClr val="tx1"/>
+                </a:solidFill>
+                <a:latin typeface="DM Mono" panose="020B0509040201040103" pitchFamily="49" charset="0"/>
+              </a:rPr>
+              <a:t>x</a:t>
+            </a:r>
+            <a:endParaRPr lang="ko-KR" altLang="en-US" sz="1200" dirty="0"/>
+          </a:p>
+        </p:txBody>
+      </p:sp>
+      <p:sp>
+        <p:nvSpPr>
+          <p:cNvPr id="16" name="TextBox 15">
+            <a:extLst>
+              <a:ext uri="{FF2B5EF4-FFF2-40B4-BE49-F238E27FC236}">
+                <a16:creationId xmlns:a16="http://schemas.microsoft.com/office/drawing/2014/main" id="{2EA060E3-2675-DBEB-8808-DD52608550E4}"/>
+              </a:ext>
+            </a:extLst>
+          </p:cNvPr>
+          <p:cNvSpPr txBox="1"/>
+          <p:nvPr/>
+        </p:nvSpPr>
+        <p:spPr>
+          <a:xfrm>
+            <a:off x="7647481" y="784007"/>
+            <a:ext cx="1334125" cy="307777"/>
+          </a:xfrm>
+          <a:prstGeom prst="rect">
+            <a:avLst/>
+          </a:prstGeom>
+          <a:noFill/>
+        </p:spPr>
+        <p:txBody>
+          <a:bodyPr wrap="square">
+            <a:spAutoFit/>
+          </a:bodyPr>
+          <a:lstStyle/>
+          <a:p>
+            <a:pPr algn="ctr"/>
+            <a:r>
+              <a:rPr lang="en" altLang="ko-KR" sz="1400" dirty="0">
+                <a:latin typeface="DM Mono" panose="020B0509040201040103" pitchFamily="49" charset="0"/>
+              </a:rPr>
+              <a:t>Increment</a:t>
+            </a:r>
+            <a:endParaRPr lang="ko-KR" altLang="en-US" sz="1400" dirty="0"/>
+          </a:p>
+        </p:txBody>
+      </p:sp>
+      <p:cxnSp>
+        <p:nvCxnSpPr>
+          <p:cNvPr id="18" name="구부러진 연결선[U] 17">
+            <a:extLst>
+              <a:ext uri="{FF2B5EF4-FFF2-40B4-BE49-F238E27FC236}">
+                <a16:creationId xmlns:a16="http://schemas.microsoft.com/office/drawing/2014/main" id="{646C8604-EA8E-E837-5D0C-23D73DE3921E}"/>
+              </a:ext>
+            </a:extLst>
+          </p:cNvPr>
+          <p:cNvCxnSpPr>
+            <a:endCxn id="14" idx="2"/>
+          </p:cNvCxnSpPr>
+          <p:nvPr/>
+        </p:nvCxnSpPr>
+        <p:spPr>
+          <a:xfrm flipV="1">
+            <a:off x="2353456" y="2160951"/>
+            <a:ext cx="5631305" cy="1943405"/>
+          </a:xfrm>
+          <a:prstGeom prst="curvedConnector2">
+            <a:avLst/>
+          </a:prstGeom>
+          <a:ln>
+            <a:tailEnd type="triangle"/>
+          </a:ln>
+        </p:spPr>
+        <p:style>
+          <a:lnRef idx="1">
+            <a:schemeClr val="dk1"/>
+          </a:lnRef>
+          <a:fillRef idx="0">
+            <a:schemeClr val="dk1"/>
+          </a:fillRef>
+          <a:effectRef idx="0">
+            <a:schemeClr val="dk1"/>
+          </a:effectRef>
+          <a:fontRef idx="minor">
+            <a:schemeClr val="tx1"/>
+          </a:fontRef>
+        </p:style>
+      </p:cxnSp>
+      <p:sp>
+        <p:nvSpPr>
+          <p:cNvPr id="19" name="TextBox 18">
+            <a:extLst>
+              <a:ext uri="{FF2B5EF4-FFF2-40B4-BE49-F238E27FC236}">
+                <a16:creationId xmlns:a16="http://schemas.microsoft.com/office/drawing/2014/main" id="{FC36AF78-22D2-F13F-1CE1-F50509922FB0}"/>
+              </a:ext>
+            </a:extLst>
+          </p:cNvPr>
+          <p:cNvSpPr txBox="1"/>
+          <p:nvPr/>
+        </p:nvSpPr>
+        <p:spPr>
+          <a:xfrm>
+            <a:off x="5169108" y="3796579"/>
+            <a:ext cx="856938" cy="307777"/>
+          </a:xfrm>
+          <a:prstGeom prst="rect">
+            <a:avLst/>
+          </a:prstGeom>
+          <a:noFill/>
+        </p:spPr>
+        <p:txBody>
+          <a:bodyPr wrap="square">
+            <a:spAutoFit/>
+          </a:bodyPr>
+          <a:lstStyle/>
+          <a:p>
+            <a:pPr algn="ctr"/>
+            <a:r>
+              <a:rPr lang="ko-KR" altLang="en-US" sz="1400" dirty="0">
+                <a:latin typeface="DM Mono" panose="020B0509040201040103" pitchFamily="49" charset="0"/>
+              </a:rPr>
+              <a:t>값 복사</a:t>
+            </a:r>
+            <a:endParaRPr lang="ko-KR" altLang="en-US" sz="1400" dirty="0"/>
+          </a:p>
+        </p:txBody>
+      </p:sp>
+    </p:spTree>
+    <p:extLst>
+      <p:ext uri="{BB962C8B-B14F-4D97-AF65-F5344CB8AC3E}">
+        <p14:creationId xmlns:p14="http://schemas.microsoft.com/office/powerpoint/2010/main" val="742328587"/>
+      </p:ext>
+    </p:extLst>
+  </p:cSld>
+  <p:clrMapOvr>
+    <a:masterClrMapping/>
+  </p:clrMapOvr>
+</p:sld>
+</file>
+
+<file path=ppt/slides/slide9.xml><?xml version="1.0" encoding="utf-8"?>
+<p:sld xmlns:a="http://schemas.openxmlformats.org/drawingml/2006/main" xmlns:r="http://schemas.openxmlformats.org/officeDocument/2006/relationships" xmlns:p="http://schemas.openxmlformats.org/presentationml/2006/main">
+  <p:cSld>
+    <p:spTree>
+      <p:nvGrpSpPr>
+        <p:cNvPr id="1" name=""/>
+        <p:cNvGrpSpPr/>
+        <p:nvPr/>
+      </p:nvGrpSpPr>
+      <p:grpSpPr>
+        <a:xfrm>
+          <a:off x="0" y="0"/>
+          <a:ext cx="0" cy="0"/>
+          <a:chOff x="0" y="0"/>
+          <a:chExt cx="0" cy="0"/>
+        </a:xfrm>
+      </p:grpSpPr>
+      <p:sp>
+        <p:nvSpPr>
+          <p:cNvPr id="10" name="모서리가 둥근 직사각형 9">
+            <a:extLst>
+              <a:ext uri="{FF2B5EF4-FFF2-40B4-BE49-F238E27FC236}">
+                <a16:creationId xmlns:a16="http://schemas.microsoft.com/office/drawing/2014/main" id="{97980E80-8691-80B9-39F4-2F35F2627032}"/>
+              </a:ext>
+            </a:extLst>
+          </p:cNvPr>
+          <p:cNvSpPr/>
+          <p:nvPr/>
+        </p:nvSpPr>
+        <p:spPr>
+          <a:xfrm>
+            <a:off x="554636" y="3317823"/>
+            <a:ext cx="3112957" cy="1983698"/>
+          </a:xfrm>
+          <a:prstGeom prst="roundRect">
+            <a:avLst/>
+          </a:prstGeom>
+          <a:solidFill>
+            <a:schemeClr val="bg1"/>
+          </a:solidFill>
+        </p:spPr>
+        <p:style>
+          <a:lnRef idx="2">
+            <a:schemeClr val="accent1">
+              <a:shade val="15000"/>
+            </a:schemeClr>
+          </a:lnRef>
+          <a:fillRef idx="1">
+            <a:schemeClr val="accent1"/>
+          </a:fillRef>
+          <a:effectRef idx="0">
+            <a:schemeClr val="accent1"/>
+          </a:effectRef>
+          <a:fontRef idx="minor">
+            <a:schemeClr val="lt1"/>
+          </a:fontRef>
+        </p:style>
+        <p:txBody>
+          <a:bodyPr rtlCol="0" anchor="ctr"/>
+          <a:lstStyle/>
+          <a:p>
+            <a:pPr algn="ctr"/>
+            <a:endParaRPr kumimoji="1" lang="ko-KR" altLang="en-US"/>
+          </a:p>
+        </p:txBody>
+      </p:sp>
+      <p:sp>
+        <p:nvSpPr>
+          <p:cNvPr id="5" name="TextBox 4">
+            <a:extLst>
+              <a:ext uri="{FF2B5EF4-FFF2-40B4-BE49-F238E27FC236}">
+                <a16:creationId xmlns:a16="http://schemas.microsoft.com/office/drawing/2014/main" id="{B118E131-E2D7-DC51-E334-C7AD79077E0B}"/>
+              </a:ext>
+            </a:extLst>
+          </p:cNvPr>
+          <p:cNvSpPr txBox="1"/>
+          <p:nvPr/>
+        </p:nvSpPr>
+        <p:spPr>
+          <a:xfrm>
+            <a:off x="359764" y="138128"/>
+            <a:ext cx="6096000" cy="2677656"/>
+          </a:xfrm>
+          <a:prstGeom prst="rect">
+            <a:avLst/>
+          </a:prstGeom>
+          <a:noFill/>
+        </p:spPr>
+        <p:txBody>
+          <a:bodyPr wrap="square">
+            <a:spAutoFit/>
+          </a:bodyPr>
+          <a:lstStyle/>
+          <a:p>
+            <a:r>
+              <a:rPr lang="en" altLang="ko-KR" sz="1400" dirty="0">
+                <a:latin typeface="DM Mono" panose="020B0509040201040103" pitchFamily="49" charset="0"/>
+              </a:rPr>
+              <a:t>void Increment2(int* </a:t>
+            </a:r>
+            <a:r>
+              <a:rPr lang="en" altLang="ko-KR" sz="1400" dirty="0" err="1">
+                <a:latin typeface="DM Mono" panose="020B0509040201040103" pitchFamily="49" charset="0"/>
+              </a:rPr>
+              <a:t>px</a:t>
+            </a:r>
+            <a:r>
+              <a:rPr lang="en" altLang="ko-KR" sz="1400" dirty="0">
+                <a:latin typeface="DM Mono" panose="020B0509040201040103" pitchFamily="49" charset="0"/>
+              </a:rPr>
+              <a:t>)</a:t>
+            </a:r>
+          </a:p>
+          <a:p>
+            <a:r>
+              <a:rPr lang="en" altLang="ko-KR" sz="1400" dirty="0">
+                <a:latin typeface="DM Mono" panose="020B0509040201040103" pitchFamily="49" charset="0"/>
+              </a:rPr>
+              <a:t>{</a:t>
+            </a:r>
+          </a:p>
+          <a:p>
+            <a:r>
+              <a:rPr lang="en" altLang="ko-KR" sz="1400" dirty="0">
+                <a:solidFill>
+                  <a:srgbClr val="FF0000"/>
+                </a:solidFill>
+                <a:latin typeface="DM Mono" panose="020B0509040201040103" pitchFamily="49" charset="0"/>
+              </a:rPr>
+              <a:t>    ++(*</a:t>
+            </a:r>
+            <a:r>
+              <a:rPr lang="en" altLang="ko-KR" sz="1400" dirty="0" err="1">
+                <a:solidFill>
+                  <a:srgbClr val="FF0000"/>
+                </a:solidFill>
+                <a:latin typeface="DM Mono" panose="020B0509040201040103" pitchFamily="49" charset="0"/>
+              </a:rPr>
+              <a:t>px</a:t>
+            </a:r>
+            <a:r>
+              <a:rPr lang="en" altLang="ko-KR" sz="1400" dirty="0">
+                <a:solidFill>
+                  <a:srgbClr val="FF0000"/>
+                </a:solidFill>
+                <a:latin typeface="DM Mono" panose="020B0509040201040103" pitchFamily="49" charset="0"/>
+              </a:rPr>
+              <a:t>);</a:t>
+            </a:r>
+          </a:p>
+          <a:p>
+            <a:r>
+              <a:rPr lang="en" altLang="ko-KR" sz="1400" dirty="0">
+                <a:latin typeface="DM Mono" panose="020B0509040201040103" pitchFamily="49" charset="0"/>
+              </a:rPr>
+              <a:t>}</a:t>
+            </a:r>
+          </a:p>
+          <a:p>
+            <a:endParaRPr lang="en" altLang="ko-KR" sz="1400" dirty="0">
+              <a:latin typeface="DM Mono" panose="020B0509040201040103" pitchFamily="49" charset="0"/>
+            </a:endParaRPr>
+          </a:p>
+          <a:p>
+            <a:r>
+              <a:rPr lang="en" altLang="ko-KR" sz="1400" dirty="0">
+                <a:latin typeface="DM Mono" panose="020B0509040201040103" pitchFamily="49" charset="0"/>
+              </a:rPr>
+              <a:t>int main()</a:t>
+            </a:r>
+          </a:p>
+          <a:p>
+            <a:r>
+              <a:rPr lang="en" altLang="ko-KR" sz="1400" dirty="0">
+                <a:latin typeface="DM Mono" panose="020B0509040201040103" pitchFamily="49" charset="0"/>
+              </a:rPr>
+              <a:t>{</a:t>
+            </a:r>
+          </a:p>
+          <a:p>
+            <a:r>
+              <a:rPr lang="en" altLang="ko-KR" sz="1400" dirty="0">
+                <a:latin typeface="DM Mono" panose="020B0509040201040103" pitchFamily="49" charset="0"/>
+              </a:rPr>
+              <a:t>    int x = 10;</a:t>
+            </a:r>
+          </a:p>
+          <a:p>
+            <a:r>
+              <a:rPr lang="en" altLang="ko-KR" sz="1400" dirty="0">
+                <a:latin typeface="DM Mono" panose="020B0509040201040103" pitchFamily="49" charset="0"/>
+              </a:rPr>
+              <a:t>    Increment2(&amp;x);</a:t>
+            </a:r>
+          </a:p>
+          <a:p>
+            <a:endParaRPr lang="en" altLang="ko-KR" sz="1400" dirty="0">
+              <a:latin typeface="DM Mono" panose="020B0509040201040103" pitchFamily="49" charset="0"/>
+            </a:endParaRPr>
+          </a:p>
+          <a:p>
+            <a:r>
+              <a:rPr lang="en" altLang="ko-KR" sz="1400" dirty="0">
+                <a:latin typeface="DM Mono" panose="020B0509040201040103" pitchFamily="49" charset="0"/>
+              </a:rPr>
+              <a:t>    </a:t>
+            </a:r>
+            <a:r>
+              <a:rPr lang="en" altLang="ko-KR" sz="1400" dirty="0" err="1">
+                <a:latin typeface="DM Mono" panose="020B0509040201040103" pitchFamily="49" charset="0"/>
+              </a:rPr>
+              <a:t>cout</a:t>
+            </a:r>
+            <a:r>
+              <a:rPr lang="en" altLang="ko-KR" sz="1400" dirty="0">
+                <a:latin typeface="DM Mono" panose="020B0509040201040103" pitchFamily="49" charset="0"/>
+              </a:rPr>
+              <a:t> &lt;&lt; x &lt;&lt; </a:t>
+            </a:r>
+            <a:r>
+              <a:rPr lang="en" altLang="ko-KR" sz="1400" dirty="0" err="1">
+                <a:latin typeface="DM Mono" panose="020B0509040201040103" pitchFamily="49" charset="0"/>
+              </a:rPr>
+              <a:t>endl</a:t>
+            </a:r>
+            <a:r>
+              <a:rPr lang="en" altLang="ko-KR" sz="1400" dirty="0">
+                <a:latin typeface="DM Mono" panose="020B0509040201040103" pitchFamily="49" charset="0"/>
+              </a:rPr>
+              <a:t>;</a:t>
+            </a:r>
+          </a:p>
+          <a:p>
+            <a:r>
+              <a:rPr lang="en" altLang="ko-KR" sz="1400" dirty="0">
+                <a:latin typeface="DM Mono" panose="020B0509040201040103" pitchFamily="49" charset="0"/>
+              </a:rPr>
+              <a:t>}</a:t>
+            </a:r>
+          </a:p>
+        </p:txBody>
+      </p:sp>
+      <p:sp>
+        <p:nvSpPr>
+          <p:cNvPr id="6" name="직사각형 5">
+            <a:extLst>
+              <a:ext uri="{FF2B5EF4-FFF2-40B4-BE49-F238E27FC236}">
+                <a16:creationId xmlns:a16="http://schemas.microsoft.com/office/drawing/2014/main" id="{A33F7E1D-E02C-6AF9-4B85-04BFCA7EC357}"/>
+              </a:ext>
+            </a:extLst>
+          </p:cNvPr>
+          <p:cNvSpPr/>
+          <p:nvPr/>
+        </p:nvSpPr>
+        <p:spPr>
+          <a:xfrm>
+            <a:off x="1224196" y="3827357"/>
+            <a:ext cx="1114269" cy="559633"/>
+          </a:xfrm>
+          <a:prstGeom prst="rect">
+            <a:avLst/>
+          </a:prstGeom>
+          <a:solidFill>
+            <a:srgbClr val="FFFF00"/>
+          </a:solidFill>
+        </p:spPr>
+        <p:style>
+          <a:lnRef idx="2">
+            <a:schemeClr val="accent1">
+              <a:shade val="15000"/>
+            </a:schemeClr>
+          </a:lnRef>
+          <a:fillRef idx="1">
+            <a:schemeClr val="accent1"/>
+          </a:fillRef>
+          <a:effectRef idx="0">
+            <a:schemeClr val="accent1"/>
+          </a:effectRef>
+          <a:fontRef idx="minor">
+            <a:schemeClr val="lt1"/>
+          </a:fontRef>
+        </p:style>
+        <p:txBody>
+          <a:bodyPr rtlCol="0" anchor="ctr"/>
+          <a:lstStyle/>
+          <a:p>
+            <a:pPr algn="ctr"/>
+            <a:r>
+              <a:rPr kumimoji="1" lang="en-US" altLang="ko-KR" sz="1600" dirty="0">
+                <a:solidFill>
+                  <a:srgbClr val="FF0000"/>
+                </a:solidFill>
+                <a:latin typeface="DM Mono" panose="020B0509040201040103" pitchFamily="49" charset="0"/>
+              </a:rPr>
+              <a:t>11</a:t>
+            </a:r>
+            <a:endParaRPr kumimoji="1" lang="ko-KR" altLang="en-US" sz="1600" dirty="0">
+              <a:solidFill>
+                <a:srgbClr val="FF0000"/>
+              </a:solidFill>
+              <a:latin typeface="DM Mono" panose="020B0509040201040103" pitchFamily="49" charset="0"/>
+            </a:endParaRPr>
+          </a:p>
+        </p:txBody>
+      </p:sp>
+      <p:sp>
+        <p:nvSpPr>
+          <p:cNvPr id="8" name="TextBox 7">
+            <a:extLst>
+              <a:ext uri="{FF2B5EF4-FFF2-40B4-BE49-F238E27FC236}">
+                <a16:creationId xmlns:a16="http://schemas.microsoft.com/office/drawing/2014/main" id="{426682D5-8B1C-D0F9-C9C6-D819C0D4F6AF}"/>
+              </a:ext>
+            </a:extLst>
+          </p:cNvPr>
+          <p:cNvSpPr txBox="1"/>
+          <p:nvPr/>
+        </p:nvSpPr>
+        <p:spPr>
+          <a:xfrm>
+            <a:off x="844445" y="3827357"/>
+            <a:ext cx="379751" cy="276999"/>
+          </a:xfrm>
+          <a:prstGeom prst="rect">
+            <a:avLst/>
+          </a:prstGeom>
+          <a:noFill/>
+        </p:spPr>
+        <p:txBody>
+          <a:bodyPr wrap="square">
+            <a:spAutoFit/>
+          </a:bodyPr>
+          <a:lstStyle/>
+          <a:p>
+            <a:r>
+              <a:rPr kumimoji="1" lang="en-US" altLang="ko-KR" sz="1200" dirty="0">
+                <a:solidFill>
+                  <a:schemeClr val="tx1"/>
+                </a:solidFill>
+                <a:latin typeface="DM Mono" panose="020B0509040201040103" pitchFamily="49" charset="0"/>
+              </a:rPr>
+              <a:t>x</a:t>
+            </a:r>
+            <a:endParaRPr lang="ko-KR" altLang="en-US" sz="1200" dirty="0"/>
+          </a:p>
+        </p:txBody>
+      </p:sp>
+      <p:sp>
+        <p:nvSpPr>
+          <p:cNvPr id="12" name="TextBox 11">
+            <a:extLst>
+              <a:ext uri="{FF2B5EF4-FFF2-40B4-BE49-F238E27FC236}">
+                <a16:creationId xmlns:a16="http://schemas.microsoft.com/office/drawing/2014/main" id="{20E5EB25-3C2A-0AA7-F79C-E6F1C0F0A5EA}"/>
+              </a:ext>
+            </a:extLst>
+          </p:cNvPr>
+          <p:cNvSpPr txBox="1"/>
+          <p:nvPr/>
+        </p:nvSpPr>
+        <p:spPr>
+          <a:xfrm>
+            <a:off x="1653915" y="3010046"/>
+            <a:ext cx="764498" cy="307777"/>
+          </a:xfrm>
+          <a:prstGeom prst="rect">
+            <a:avLst/>
+          </a:prstGeom>
+          <a:noFill/>
+        </p:spPr>
+        <p:txBody>
+          <a:bodyPr wrap="square">
+            <a:spAutoFit/>
+          </a:bodyPr>
+          <a:lstStyle/>
+          <a:p>
+            <a:pPr algn="ctr"/>
+            <a:r>
+              <a:rPr lang="en" altLang="ko-KR" sz="1400" dirty="0">
+                <a:latin typeface="DM Mono" panose="020B0509040201040103" pitchFamily="49" charset="0"/>
+              </a:rPr>
+              <a:t>main</a:t>
+            </a:r>
+            <a:endParaRPr lang="ko-KR" altLang="en-US" sz="1400" dirty="0"/>
+          </a:p>
+        </p:txBody>
+      </p:sp>
+      <p:sp>
+        <p:nvSpPr>
+          <p:cNvPr id="13" name="모서리가 둥근 직사각형 12">
+            <a:extLst>
+              <a:ext uri="{FF2B5EF4-FFF2-40B4-BE49-F238E27FC236}">
+                <a16:creationId xmlns:a16="http://schemas.microsoft.com/office/drawing/2014/main" id="{B4B54149-CCD6-7639-4498-8D11ECB0A9CE}"/>
+              </a:ext>
+            </a:extLst>
+          </p:cNvPr>
+          <p:cNvSpPr/>
+          <p:nvPr/>
+        </p:nvSpPr>
+        <p:spPr>
+          <a:xfrm>
+            <a:off x="6758066" y="1091784"/>
+            <a:ext cx="3112957" cy="1983698"/>
+          </a:xfrm>
+          <a:prstGeom prst="roundRect">
+            <a:avLst/>
+          </a:prstGeom>
+          <a:solidFill>
+            <a:schemeClr val="bg1"/>
+          </a:solidFill>
+        </p:spPr>
+        <p:style>
+          <a:lnRef idx="2">
+            <a:schemeClr val="accent1">
+              <a:shade val="15000"/>
+            </a:schemeClr>
+          </a:lnRef>
+          <a:fillRef idx="1">
+            <a:schemeClr val="accent1"/>
+          </a:fillRef>
+          <a:effectRef idx="0">
+            <a:schemeClr val="accent1"/>
+          </a:effectRef>
+          <a:fontRef idx="minor">
+            <a:schemeClr val="lt1"/>
+          </a:fontRef>
+        </p:style>
+        <p:txBody>
+          <a:bodyPr rtlCol="0" anchor="ctr"/>
+          <a:lstStyle/>
+          <a:p>
+            <a:pPr algn="ctr"/>
+            <a:endParaRPr kumimoji="1" lang="ko-KR" altLang="en-US"/>
+          </a:p>
+        </p:txBody>
+      </p:sp>
+      <p:sp>
+        <p:nvSpPr>
+          <p:cNvPr id="14" name="직사각형 13">
+            <a:extLst>
+              <a:ext uri="{FF2B5EF4-FFF2-40B4-BE49-F238E27FC236}">
+                <a16:creationId xmlns:a16="http://schemas.microsoft.com/office/drawing/2014/main" id="{997B8B2D-ABBA-8CAA-89AD-47F90C1B60F4}"/>
+              </a:ext>
+            </a:extLst>
+          </p:cNvPr>
+          <p:cNvSpPr/>
+          <p:nvPr/>
+        </p:nvSpPr>
+        <p:spPr>
+          <a:xfrm>
+            <a:off x="7427626" y="1601318"/>
+            <a:ext cx="1114269" cy="559633"/>
+          </a:xfrm>
+          <a:prstGeom prst="rect">
+            <a:avLst/>
+          </a:prstGeom>
+          <a:solidFill>
+            <a:srgbClr val="FFFF00"/>
+          </a:solidFill>
+        </p:spPr>
+        <p:style>
+          <a:lnRef idx="2">
+            <a:schemeClr val="accent1">
+              <a:shade val="15000"/>
+            </a:schemeClr>
+          </a:lnRef>
+          <a:fillRef idx="1">
+            <a:schemeClr val="accent1"/>
+          </a:fillRef>
+          <a:effectRef idx="0">
+            <a:schemeClr val="accent1"/>
+          </a:effectRef>
+          <a:fontRef idx="minor">
+            <a:schemeClr val="lt1"/>
+          </a:fontRef>
+        </p:style>
+        <p:txBody>
+          <a:bodyPr rtlCol="0" anchor="ctr"/>
+          <a:lstStyle/>
+          <a:p>
+            <a:pPr algn="ctr"/>
+            <a:r>
+              <a:rPr kumimoji="1" lang="en-US" altLang="ko-KR" sz="1600" dirty="0">
+                <a:solidFill>
+                  <a:srgbClr val="FF0000"/>
+                </a:solidFill>
+                <a:latin typeface="DM Mono" panose="020B0509040201040103" pitchFamily="49" charset="0"/>
+              </a:rPr>
+              <a:t>0x200</a:t>
+            </a:r>
+            <a:endParaRPr kumimoji="1" lang="ko-KR" altLang="en-US" sz="1600" dirty="0">
+              <a:solidFill>
+                <a:srgbClr val="FF0000"/>
+              </a:solidFill>
+              <a:latin typeface="DM Mono" panose="020B0509040201040103" pitchFamily="49" charset="0"/>
+            </a:endParaRPr>
+          </a:p>
+        </p:txBody>
+      </p:sp>
+      <p:sp>
+        <p:nvSpPr>
+          <p:cNvPr id="15" name="TextBox 14">
+            <a:extLst>
+              <a:ext uri="{FF2B5EF4-FFF2-40B4-BE49-F238E27FC236}">
+                <a16:creationId xmlns:a16="http://schemas.microsoft.com/office/drawing/2014/main" id="{C0FFAAA4-FE29-FE56-6BD9-3DFFAB73FCB4}"/>
+              </a:ext>
+            </a:extLst>
+          </p:cNvPr>
+          <p:cNvSpPr txBox="1"/>
+          <p:nvPr/>
+        </p:nvSpPr>
+        <p:spPr>
+          <a:xfrm>
+            <a:off x="7047875" y="1601318"/>
+            <a:ext cx="379751" cy="276999"/>
+          </a:xfrm>
+          <a:prstGeom prst="rect">
+            <a:avLst/>
+          </a:prstGeom>
+          <a:noFill/>
+        </p:spPr>
+        <p:txBody>
+          <a:bodyPr wrap="square">
+            <a:spAutoFit/>
+          </a:bodyPr>
+          <a:lstStyle/>
+          <a:p>
+            <a:r>
+              <a:rPr kumimoji="1" lang="en-US" altLang="ko-KR" sz="1200" dirty="0" err="1">
+                <a:solidFill>
+                  <a:schemeClr val="tx1"/>
+                </a:solidFill>
+                <a:latin typeface="DM Mono" panose="020B0509040201040103" pitchFamily="49" charset="0"/>
+              </a:rPr>
+              <a:t>px</a:t>
+            </a:r>
+            <a:endParaRPr lang="ko-KR" altLang="en-US" sz="1200" dirty="0"/>
+          </a:p>
+        </p:txBody>
+      </p:sp>
+      <p:sp>
+        <p:nvSpPr>
+          <p:cNvPr id="16" name="TextBox 15">
+            <a:extLst>
+              <a:ext uri="{FF2B5EF4-FFF2-40B4-BE49-F238E27FC236}">
+                <a16:creationId xmlns:a16="http://schemas.microsoft.com/office/drawing/2014/main" id="{2EA060E3-2675-DBEB-8808-DD52608550E4}"/>
+              </a:ext>
+            </a:extLst>
+          </p:cNvPr>
+          <p:cNvSpPr txBox="1"/>
+          <p:nvPr/>
+        </p:nvSpPr>
+        <p:spPr>
+          <a:xfrm>
+            <a:off x="7647481" y="784007"/>
+            <a:ext cx="1334125" cy="307777"/>
+          </a:xfrm>
+          <a:prstGeom prst="rect">
+            <a:avLst/>
+          </a:prstGeom>
+          <a:noFill/>
+        </p:spPr>
+        <p:txBody>
+          <a:bodyPr wrap="square">
+            <a:spAutoFit/>
+          </a:bodyPr>
+          <a:lstStyle/>
+          <a:p>
+            <a:pPr algn="ctr"/>
+            <a:r>
+              <a:rPr lang="en" altLang="ko-KR" sz="1400" dirty="0">
+                <a:latin typeface="DM Mono" panose="020B0509040201040103" pitchFamily="49" charset="0"/>
+              </a:rPr>
+              <a:t>Increment</a:t>
+            </a:r>
+            <a:endParaRPr lang="ko-KR" altLang="en-US" sz="1400" dirty="0"/>
+          </a:p>
+        </p:txBody>
+      </p:sp>
+      <p:cxnSp>
+        <p:nvCxnSpPr>
+          <p:cNvPr id="18" name="구부러진 연결선[U] 17">
+            <a:extLst>
+              <a:ext uri="{FF2B5EF4-FFF2-40B4-BE49-F238E27FC236}">
+                <a16:creationId xmlns:a16="http://schemas.microsoft.com/office/drawing/2014/main" id="{646C8604-EA8E-E837-5D0C-23D73DE3921E}"/>
+              </a:ext>
+            </a:extLst>
+          </p:cNvPr>
+          <p:cNvCxnSpPr>
+            <a:endCxn id="14" idx="2"/>
+          </p:cNvCxnSpPr>
+          <p:nvPr/>
+        </p:nvCxnSpPr>
+        <p:spPr>
+          <a:xfrm flipV="1">
+            <a:off x="2353456" y="2160951"/>
+            <a:ext cx="5631305" cy="1943405"/>
+          </a:xfrm>
+          <a:prstGeom prst="curvedConnector2">
+            <a:avLst/>
+          </a:prstGeom>
+          <a:ln>
+            <a:tailEnd type="triangle"/>
+          </a:ln>
+        </p:spPr>
+        <p:style>
+          <a:lnRef idx="1">
+            <a:schemeClr val="dk1"/>
+          </a:lnRef>
+          <a:fillRef idx="0">
+            <a:schemeClr val="dk1"/>
+          </a:fillRef>
+          <a:effectRef idx="0">
+            <a:schemeClr val="dk1"/>
+          </a:effectRef>
+          <a:fontRef idx="minor">
+            <a:schemeClr val="tx1"/>
+          </a:fontRef>
+        </p:style>
+      </p:cxnSp>
+      <p:sp>
+        <p:nvSpPr>
+          <p:cNvPr id="19" name="TextBox 18">
+            <a:extLst>
+              <a:ext uri="{FF2B5EF4-FFF2-40B4-BE49-F238E27FC236}">
+                <a16:creationId xmlns:a16="http://schemas.microsoft.com/office/drawing/2014/main" id="{FC36AF78-22D2-F13F-1CE1-F50509922FB0}"/>
+              </a:ext>
+            </a:extLst>
+          </p:cNvPr>
+          <p:cNvSpPr txBox="1"/>
+          <p:nvPr/>
+        </p:nvSpPr>
+        <p:spPr>
+          <a:xfrm>
+            <a:off x="4723150" y="3796579"/>
+            <a:ext cx="1486525" cy="307777"/>
+          </a:xfrm>
+          <a:prstGeom prst="rect">
+            <a:avLst/>
+          </a:prstGeom>
+          <a:noFill/>
+        </p:spPr>
+        <p:txBody>
+          <a:bodyPr wrap="square">
+            <a:spAutoFit/>
+          </a:bodyPr>
+          <a:lstStyle/>
+          <a:p>
+            <a:pPr algn="ctr"/>
+            <a:r>
+              <a:rPr lang="ko-KR" altLang="en-US" sz="1400" dirty="0">
+                <a:latin typeface="DM Mono" panose="020B0509040201040103" pitchFamily="49" charset="0"/>
+              </a:rPr>
+              <a:t>주소 전달</a:t>
+            </a:r>
+            <a:endParaRPr lang="ko-KR" altLang="en-US" sz="1400" dirty="0"/>
+          </a:p>
+        </p:txBody>
+      </p:sp>
+      <p:sp>
+        <p:nvSpPr>
+          <p:cNvPr id="2" name="TextBox 1">
+            <a:extLst>
+              <a:ext uri="{FF2B5EF4-FFF2-40B4-BE49-F238E27FC236}">
+                <a16:creationId xmlns:a16="http://schemas.microsoft.com/office/drawing/2014/main" id="{B12DD2C6-85B9-7519-AC2C-A28B5DF8BBA4}"/>
+              </a:ext>
+            </a:extLst>
+          </p:cNvPr>
+          <p:cNvSpPr txBox="1"/>
+          <p:nvPr/>
+        </p:nvSpPr>
+        <p:spPr>
+          <a:xfrm>
+            <a:off x="851941" y="3557201"/>
+            <a:ext cx="856938" cy="307777"/>
+          </a:xfrm>
+          <a:prstGeom prst="rect">
+            <a:avLst/>
+          </a:prstGeom>
+          <a:noFill/>
+        </p:spPr>
+        <p:txBody>
+          <a:bodyPr wrap="square">
+            <a:spAutoFit/>
+          </a:bodyPr>
+          <a:lstStyle/>
+          <a:p>
+            <a:pPr algn="ctr"/>
+            <a:r>
+              <a:rPr lang="en-US" altLang="ko-KR" sz="1400" dirty="0">
+                <a:latin typeface="DM Mono" panose="020B0509040201040103" pitchFamily="49" charset="0"/>
+              </a:rPr>
+              <a:t>0x200</a:t>
+            </a:r>
+            <a:endParaRPr lang="ko-KR" altLang="en-US" sz="1400" dirty="0"/>
+          </a:p>
+        </p:txBody>
+      </p:sp>
+    </p:spTree>
+    <p:extLst>
+      <p:ext uri="{BB962C8B-B14F-4D97-AF65-F5344CB8AC3E}">
+        <p14:creationId xmlns:p14="http://schemas.microsoft.com/office/powerpoint/2010/main" val="3388714760"/>
       </p:ext>
     </p:extLst>
   </p:cSld>

--- a/cpp_231023.pptx
+++ b/cpp_231023.pptx
@@ -15,6 +15,9 @@
     <p:sldId id="264" r:id="rId9"/>
     <p:sldId id="265" r:id="rId10"/>
     <p:sldId id="266" r:id="rId11"/>
+    <p:sldId id="267" r:id="rId12"/>
+    <p:sldId id="268" r:id="rId13"/>
+    <p:sldId id="269" r:id="rId14"/>
   </p:sldIdLst>
   <p:sldSz cx="12192000" cy="6858000"/>
   <p:notesSz cx="6858000" cy="9144000"/>
@@ -113,6 +116,11 @@
       </a:defRPr>
     </a:lvl9pPr>
   </p:defaultTextStyle>
+  <p:extLst>
+    <p:ext uri="{EFAFB233-063F-42B5-8137-9DF3F51BA10A}">
+      <p15:sldGuideLst xmlns:p15="http://schemas.microsoft.com/office/powerpoint/2012/main"/>
+    </p:ext>
+  </p:extLst>
 </p:presentation>
 </file>
 
@@ -263,7 +271,7 @@
           <a:p>
             <a:fld id="{03F4DA63-DE34-4D44-8FF9-6910F7181B76}" type="datetimeFigureOut">
               <a:rPr kumimoji="1" lang="ko-KR" altLang="en-US" smtClean="0"/>
-              <a:t>2023. 10. 23.</a:t>
+              <a:t>2023. 10. 24.</a:t>
             </a:fld>
             <a:endParaRPr kumimoji="1" lang="ko-KR" altLang="en-US"/>
           </a:p>
@@ -461,7 +469,7 @@
           <a:p>
             <a:fld id="{03F4DA63-DE34-4D44-8FF9-6910F7181B76}" type="datetimeFigureOut">
               <a:rPr kumimoji="1" lang="ko-KR" altLang="en-US" smtClean="0"/>
-              <a:t>2023. 10. 23.</a:t>
+              <a:t>2023. 10. 24.</a:t>
             </a:fld>
             <a:endParaRPr kumimoji="1" lang="ko-KR" altLang="en-US"/>
           </a:p>
@@ -669,7 +677,7 @@
           <a:p>
             <a:fld id="{03F4DA63-DE34-4D44-8FF9-6910F7181B76}" type="datetimeFigureOut">
               <a:rPr kumimoji="1" lang="ko-KR" altLang="en-US" smtClean="0"/>
-              <a:t>2023. 10. 23.</a:t>
+              <a:t>2023. 10. 24.</a:t>
             </a:fld>
             <a:endParaRPr kumimoji="1" lang="ko-KR" altLang="en-US"/>
           </a:p>
@@ -867,7 +875,7 @@
           <a:p>
             <a:fld id="{03F4DA63-DE34-4D44-8FF9-6910F7181B76}" type="datetimeFigureOut">
               <a:rPr kumimoji="1" lang="ko-KR" altLang="en-US" smtClean="0"/>
-              <a:t>2023. 10. 23.</a:t>
+              <a:t>2023. 10. 24.</a:t>
             </a:fld>
             <a:endParaRPr kumimoji="1" lang="ko-KR" altLang="en-US"/>
           </a:p>
@@ -1142,7 +1150,7 @@
           <a:p>
             <a:fld id="{03F4DA63-DE34-4D44-8FF9-6910F7181B76}" type="datetimeFigureOut">
               <a:rPr kumimoji="1" lang="ko-KR" altLang="en-US" smtClean="0"/>
-              <a:t>2023. 10. 23.</a:t>
+              <a:t>2023. 10. 24.</a:t>
             </a:fld>
             <a:endParaRPr kumimoji="1" lang="ko-KR" altLang="en-US"/>
           </a:p>
@@ -1407,7 +1415,7 @@
           <a:p>
             <a:fld id="{03F4DA63-DE34-4D44-8FF9-6910F7181B76}" type="datetimeFigureOut">
               <a:rPr kumimoji="1" lang="ko-KR" altLang="en-US" smtClean="0"/>
-              <a:t>2023. 10. 23.</a:t>
+              <a:t>2023. 10. 24.</a:t>
             </a:fld>
             <a:endParaRPr kumimoji="1" lang="ko-KR" altLang="en-US"/>
           </a:p>
@@ -1819,7 +1827,7 @@
           <a:p>
             <a:fld id="{03F4DA63-DE34-4D44-8FF9-6910F7181B76}" type="datetimeFigureOut">
               <a:rPr kumimoji="1" lang="ko-KR" altLang="en-US" smtClean="0"/>
-              <a:t>2023. 10. 23.</a:t>
+              <a:t>2023. 10. 24.</a:t>
             </a:fld>
             <a:endParaRPr kumimoji="1" lang="ko-KR" altLang="en-US"/>
           </a:p>
@@ -1960,7 +1968,7 @@
           <a:p>
             <a:fld id="{03F4DA63-DE34-4D44-8FF9-6910F7181B76}" type="datetimeFigureOut">
               <a:rPr kumimoji="1" lang="ko-KR" altLang="en-US" smtClean="0"/>
-              <a:t>2023. 10. 23.</a:t>
+              <a:t>2023. 10. 24.</a:t>
             </a:fld>
             <a:endParaRPr kumimoji="1" lang="ko-KR" altLang="en-US"/>
           </a:p>
@@ -2073,7 +2081,7 @@
           <a:p>
             <a:fld id="{03F4DA63-DE34-4D44-8FF9-6910F7181B76}" type="datetimeFigureOut">
               <a:rPr kumimoji="1" lang="ko-KR" altLang="en-US" smtClean="0"/>
-              <a:t>2023. 10. 23.</a:t>
+              <a:t>2023. 10. 24.</a:t>
             </a:fld>
             <a:endParaRPr kumimoji="1" lang="ko-KR" altLang="en-US"/>
           </a:p>
@@ -2384,7 +2392,7 @@
           <a:p>
             <a:fld id="{03F4DA63-DE34-4D44-8FF9-6910F7181B76}" type="datetimeFigureOut">
               <a:rPr kumimoji="1" lang="ko-KR" altLang="en-US" smtClean="0"/>
-              <a:t>2023. 10. 23.</a:t>
+              <a:t>2023. 10. 24.</a:t>
             </a:fld>
             <a:endParaRPr kumimoji="1" lang="ko-KR" altLang="en-US"/>
           </a:p>
@@ -2672,7 +2680,7 @@
           <a:p>
             <a:fld id="{03F4DA63-DE34-4D44-8FF9-6910F7181B76}" type="datetimeFigureOut">
               <a:rPr kumimoji="1" lang="ko-KR" altLang="en-US" smtClean="0"/>
-              <a:t>2023. 10. 23.</a:t>
+              <a:t>2023. 10. 24.</a:t>
             </a:fld>
             <a:endParaRPr kumimoji="1" lang="ko-KR" altLang="en-US"/>
           </a:p>
@@ -2913,7 +2921,7 @@
           <a:p>
             <a:fld id="{03F4DA63-DE34-4D44-8FF9-6910F7181B76}" type="datetimeFigureOut">
               <a:rPr kumimoji="1" lang="ko-KR" altLang="en-US" smtClean="0"/>
-              <a:t>2023. 10. 23.</a:t>
+              <a:t>2023. 10. 24.</a:t>
             </a:fld>
             <a:endParaRPr kumimoji="1" lang="ko-KR" altLang="en-US"/>
           </a:p>
@@ -4352,6 +4360,3952 @@
 </p:sld>
 </file>
 
+<file path=ppt/slides/slide11.xml><?xml version="1.0" encoding="utf-8"?>
+<p:sld xmlns:a="http://schemas.openxmlformats.org/drawingml/2006/main" xmlns:r="http://schemas.openxmlformats.org/officeDocument/2006/relationships" xmlns:p="http://schemas.openxmlformats.org/presentationml/2006/main">
+  <p:cSld>
+    <p:spTree>
+      <p:nvGrpSpPr>
+        <p:cNvPr id="1" name=""/>
+        <p:cNvGrpSpPr/>
+        <p:nvPr/>
+      </p:nvGrpSpPr>
+      <p:grpSpPr>
+        <a:xfrm>
+          <a:off x="0" y="0"/>
+          <a:ext cx="0" cy="0"/>
+          <a:chOff x="0" y="0"/>
+          <a:chExt cx="0" cy="0"/>
+        </a:xfrm>
+      </p:grpSpPr>
+      <p:sp>
+        <p:nvSpPr>
+          <p:cNvPr id="5" name="TextBox 4">
+            <a:extLst>
+              <a:ext uri="{FF2B5EF4-FFF2-40B4-BE49-F238E27FC236}">
+                <a16:creationId xmlns:a16="http://schemas.microsoft.com/office/drawing/2014/main" id="{9A9D1FFE-CF90-EAF6-40D0-19E8F9A89833}"/>
+              </a:ext>
+            </a:extLst>
+          </p:cNvPr>
+          <p:cNvSpPr txBox="1"/>
+          <p:nvPr/>
+        </p:nvSpPr>
+        <p:spPr>
+          <a:xfrm>
+            <a:off x="574623" y="83033"/>
+            <a:ext cx="2903095" cy="3600986"/>
+          </a:xfrm>
+          <a:prstGeom prst="rect">
+            <a:avLst/>
+          </a:prstGeom>
+          <a:noFill/>
+        </p:spPr>
+        <p:txBody>
+          <a:bodyPr wrap="square">
+            <a:spAutoFit/>
+          </a:bodyPr>
+          <a:lstStyle/>
+          <a:p>
+            <a:r>
+              <a:rPr lang="ko-KR" altLang="en-US" sz="1200" dirty="0" err="1">
+                <a:latin typeface="DM Mono" panose="020B0509040201040103" pitchFamily="49" charset="0"/>
+              </a:rPr>
+              <a:t>class</a:t>
+            </a:r>
+            <a:r>
+              <a:rPr lang="ko-KR" altLang="en-US" sz="1200" dirty="0">
+                <a:latin typeface="DM Mono" panose="020B0509040201040103" pitchFamily="49" charset="0"/>
+              </a:rPr>
+              <a:t> </a:t>
+            </a:r>
+            <a:r>
+              <a:rPr lang="ko-KR" altLang="en-US" sz="1200" dirty="0" err="1">
+                <a:latin typeface="DM Mono" panose="020B0509040201040103" pitchFamily="49" charset="0"/>
+              </a:rPr>
+              <a:t>Point</a:t>
+            </a:r>
+            <a:r>
+              <a:rPr lang="ko-KR" altLang="en-US" sz="1200" dirty="0">
+                <a:latin typeface="DM Mono" panose="020B0509040201040103" pitchFamily="49" charset="0"/>
+              </a:rPr>
+              <a:t> {</a:t>
+            </a:r>
+          </a:p>
+          <a:p>
+            <a:r>
+              <a:rPr lang="ko-KR" altLang="en-US" sz="1200" dirty="0">
+                <a:latin typeface="DM Mono" panose="020B0509040201040103" pitchFamily="49" charset="0"/>
+              </a:rPr>
+              <a:t>    </a:t>
+            </a:r>
+            <a:r>
+              <a:rPr lang="ko-KR" altLang="en-US" sz="1200" dirty="0" err="1">
+                <a:latin typeface="DM Mono" panose="020B0509040201040103" pitchFamily="49" charset="0"/>
+              </a:rPr>
+              <a:t>int</a:t>
+            </a:r>
+            <a:r>
+              <a:rPr lang="ko-KR" altLang="en-US" sz="1200" dirty="0">
+                <a:latin typeface="DM Mono" panose="020B0509040201040103" pitchFamily="49" charset="0"/>
+              </a:rPr>
+              <a:t> </a:t>
+            </a:r>
+            <a:r>
+              <a:rPr lang="ko-KR" altLang="en-US" sz="1200" dirty="0" err="1">
+                <a:latin typeface="DM Mono" panose="020B0509040201040103" pitchFamily="49" charset="0"/>
+              </a:rPr>
+              <a:t>x</a:t>
+            </a:r>
+            <a:r>
+              <a:rPr lang="ko-KR" altLang="en-US" sz="1200" dirty="0">
+                <a:latin typeface="DM Mono" panose="020B0509040201040103" pitchFamily="49" charset="0"/>
+              </a:rPr>
+              <a:t>;</a:t>
+            </a:r>
+          </a:p>
+          <a:p>
+            <a:r>
+              <a:rPr lang="ko-KR" altLang="en-US" sz="1200" dirty="0">
+                <a:latin typeface="DM Mono" panose="020B0509040201040103" pitchFamily="49" charset="0"/>
+              </a:rPr>
+              <a:t>    </a:t>
+            </a:r>
+            <a:r>
+              <a:rPr lang="ko-KR" altLang="en-US" sz="1200" dirty="0" err="1">
+                <a:latin typeface="DM Mono" panose="020B0509040201040103" pitchFamily="49" charset="0"/>
+              </a:rPr>
+              <a:t>int</a:t>
+            </a:r>
+            <a:r>
+              <a:rPr lang="ko-KR" altLang="en-US" sz="1200" dirty="0">
+                <a:latin typeface="DM Mono" panose="020B0509040201040103" pitchFamily="49" charset="0"/>
+              </a:rPr>
+              <a:t> </a:t>
+            </a:r>
+            <a:r>
+              <a:rPr lang="ko-KR" altLang="en-US" sz="1200" dirty="0" err="1">
+                <a:latin typeface="DM Mono" panose="020B0509040201040103" pitchFamily="49" charset="0"/>
+              </a:rPr>
+              <a:t>y</a:t>
+            </a:r>
+            <a:r>
+              <a:rPr lang="ko-KR" altLang="en-US" sz="1200" dirty="0">
+                <a:latin typeface="DM Mono" panose="020B0509040201040103" pitchFamily="49" charset="0"/>
+              </a:rPr>
+              <a:t>;</a:t>
+            </a:r>
+          </a:p>
+          <a:p>
+            <a:endParaRPr lang="ko-KR" altLang="en-US" sz="1200" dirty="0">
+              <a:latin typeface="DM Mono" panose="020B0509040201040103" pitchFamily="49" charset="0"/>
+            </a:endParaRPr>
+          </a:p>
+          <a:p>
+            <a:r>
+              <a:rPr lang="ko-KR" altLang="en-US" sz="1200" dirty="0" err="1">
+                <a:latin typeface="DM Mono" panose="020B0509040201040103" pitchFamily="49" charset="0"/>
+              </a:rPr>
+              <a:t>public</a:t>
+            </a:r>
+            <a:r>
+              <a:rPr lang="ko-KR" altLang="en-US" sz="1200" dirty="0">
+                <a:latin typeface="DM Mono" panose="020B0509040201040103" pitchFamily="49" charset="0"/>
+              </a:rPr>
+              <a:t>:</a:t>
+            </a:r>
+          </a:p>
+          <a:p>
+            <a:r>
+              <a:rPr lang="ko-KR" altLang="en-US" sz="1200" dirty="0">
+                <a:latin typeface="DM Mono" panose="020B0509040201040103" pitchFamily="49" charset="0"/>
+              </a:rPr>
+              <a:t>    </a:t>
+            </a:r>
+            <a:r>
+              <a:rPr lang="ko-KR" altLang="en-US" sz="1200" dirty="0" err="1">
+                <a:latin typeface="DM Mono" panose="020B0509040201040103" pitchFamily="49" charset="0"/>
+              </a:rPr>
+              <a:t>void</a:t>
+            </a:r>
+            <a:r>
+              <a:rPr lang="ko-KR" altLang="en-US" sz="1200" dirty="0">
+                <a:latin typeface="DM Mono" panose="020B0509040201040103" pitchFamily="49" charset="0"/>
+              </a:rPr>
+              <a:t> </a:t>
+            </a:r>
+            <a:r>
+              <a:rPr lang="ko-KR" altLang="en-US" sz="1200" dirty="0" err="1">
+                <a:latin typeface="DM Mono" panose="020B0509040201040103" pitchFamily="49" charset="0"/>
+              </a:rPr>
+              <a:t>Set</a:t>
+            </a:r>
+            <a:r>
+              <a:rPr lang="ko-KR" altLang="en-US" sz="1200" dirty="0">
+                <a:latin typeface="DM Mono" panose="020B0509040201040103" pitchFamily="49" charset="0"/>
+              </a:rPr>
+              <a:t>(</a:t>
+            </a:r>
+            <a:r>
+              <a:rPr lang="ko-KR" altLang="en-US" sz="1200" dirty="0" err="1">
+                <a:latin typeface="DM Mono" panose="020B0509040201040103" pitchFamily="49" charset="0"/>
+              </a:rPr>
+              <a:t>int</a:t>
+            </a:r>
+            <a:r>
+              <a:rPr lang="ko-KR" altLang="en-US" sz="1200" dirty="0">
+                <a:latin typeface="DM Mono" panose="020B0509040201040103" pitchFamily="49" charset="0"/>
+              </a:rPr>
+              <a:t> </a:t>
+            </a:r>
+            <a:r>
+              <a:rPr lang="ko-KR" altLang="en-US" sz="1200" dirty="0" err="1">
+                <a:latin typeface="DM Mono" panose="020B0509040201040103" pitchFamily="49" charset="0"/>
+              </a:rPr>
+              <a:t>a</a:t>
+            </a:r>
+            <a:r>
+              <a:rPr lang="ko-KR" altLang="en-US" sz="1200" dirty="0">
+                <a:latin typeface="DM Mono" panose="020B0509040201040103" pitchFamily="49" charset="0"/>
+              </a:rPr>
+              <a:t>, </a:t>
+            </a:r>
+            <a:r>
+              <a:rPr lang="ko-KR" altLang="en-US" sz="1200" dirty="0" err="1">
+                <a:latin typeface="DM Mono" panose="020B0509040201040103" pitchFamily="49" charset="0"/>
+              </a:rPr>
+              <a:t>int</a:t>
+            </a:r>
+            <a:r>
+              <a:rPr lang="ko-KR" altLang="en-US" sz="1200" dirty="0">
+                <a:latin typeface="DM Mono" panose="020B0509040201040103" pitchFamily="49" charset="0"/>
+              </a:rPr>
+              <a:t> </a:t>
+            </a:r>
+            <a:r>
+              <a:rPr lang="ko-KR" altLang="en-US" sz="1200" dirty="0" err="1">
+                <a:latin typeface="DM Mono" panose="020B0509040201040103" pitchFamily="49" charset="0"/>
+              </a:rPr>
+              <a:t>b</a:t>
+            </a:r>
+            <a:r>
+              <a:rPr lang="ko-KR" altLang="en-US" sz="1200" dirty="0">
+                <a:latin typeface="DM Mono" panose="020B0509040201040103" pitchFamily="49" charset="0"/>
+              </a:rPr>
+              <a:t>)</a:t>
+            </a:r>
+          </a:p>
+          <a:p>
+            <a:r>
+              <a:rPr lang="ko-KR" altLang="en-US" sz="1200" dirty="0">
+                <a:latin typeface="DM Mono" panose="020B0509040201040103" pitchFamily="49" charset="0"/>
+              </a:rPr>
+              <a:t>    {</a:t>
+            </a:r>
+          </a:p>
+          <a:p>
+            <a:r>
+              <a:rPr lang="ko-KR" altLang="en-US" sz="1200" dirty="0">
+                <a:latin typeface="DM Mono" panose="020B0509040201040103" pitchFamily="49" charset="0"/>
+              </a:rPr>
+              <a:t>        </a:t>
+            </a:r>
+            <a:r>
+              <a:rPr lang="ko-KR" altLang="en-US" sz="1200" dirty="0" err="1">
+                <a:latin typeface="DM Mono" panose="020B0509040201040103" pitchFamily="49" charset="0"/>
+              </a:rPr>
+              <a:t>x</a:t>
+            </a:r>
+            <a:r>
+              <a:rPr lang="ko-KR" altLang="en-US" sz="1200" dirty="0">
+                <a:latin typeface="DM Mono" panose="020B0509040201040103" pitchFamily="49" charset="0"/>
+              </a:rPr>
+              <a:t> = </a:t>
+            </a:r>
+            <a:r>
+              <a:rPr lang="ko-KR" altLang="en-US" sz="1200" dirty="0" err="1">
+                <a:latin typeface="DM Mono" panose="020B0509040201040103" pitchFamily="49" charset="0"/>
+              </a:rPr>
+              <a:t>a</a:t>
+            </a:r>
+            <a:r>
+              <a:rPr lang="ko-KR" altLang="en-US" sz="1200" dirty="0">
+                <a:latin typeface="DM Mono" panose="020B0509040201040103" pitchFamily="49" charset="0"/>
+              </a:rPr>
+              <a:t>;</a:t>
+            </a:r>
+          </a:p>
+          <a:p>
+            <a:r>
+              <a:rPr lang="ko-KR" altLang="en-US" sz="1200" dirty="0">
+                <a:latin typeface="DM Mono" panose="020B0509040201040103" pitchFamily="49" charset="0"/>
+              </a:rPr>
+              <a:t>        </a:t>
+            </a:r>
+            <a:r>
+              <a:rPr lang="ko-KR" altLang="en-US" sz="1200" dirty="0" err="1">
+                <a:latin typeface="DM Mono" panose="020B0509040201040103" pitchFamily="49" charset="0"/>
+              </a:rPr>
+              <a:t>y</a:t>
+            </a:r>
+            <a:r>
+              <a:rPr lang="ko-KR" altLang="en-US" sz="1200" dirty="0">
+                <a:latin typeface="DM Mono" panose="020B0509040201040103" pitchFamily="49" charset="0"/>
+              </a:rPr>
+              <a:t> = </a:t>
+            </a:r>
+            <a:r>
+              <a:rPr lang="ko-KR" altLang="en-US" sz="1200" dirty="0" err="1">
+                <a:latin typeface="DM Mono" panose="020B0509040201040103" pitchFamily="49" charset="0"/>
+              </a:rPr>
+              <a:t>b</a:t>
+            </a:r>
+            <a:r>
+              <a:rPr lang="ko-KR" altLang="en-US" sz="1200" dirty="0">
+                <a:latin typeface="DM Mono" panose="020B0509040201040103" pitchFamily="49" charset="0"/>
+              </a:rPr>
+              <a:t>;</a:t>
+            </a:r>
+          </a:p>
+          <a:p>
+            <a:r>
+              <a:rPr lang="ko-KR" altLang="en-US" sz="1200" dirty="0">
+                <a:latin typeface="DM Mono" panose="020B0509040201040103" pitchFamily="49" charset="0"/>
+              </a:rPr>
+              <a:t>    }</a:t>
+            </a:r>
+          </a:p>
+          <a:p>
+            <a:r>
+              <a:rPr lang="ko-KR" altLang="en-US" sz="1200" dirty="0">
+                <a:latin typeface="DM Mono" panose="020B0509040201040103" pitchFamily="49" charset="0"/>
+              </a:rPr>
+              <a:t>};</a:t>
+            </a:r>
+          </a:p>
+          <a:p>
+            <a:endParaRPr lang="ko-KR" altLang="en-US" sz="1200" dirty="0">
+              <a:latin typeface="DM Mono" panose="020B0509040201040103" pitchFamily="49" charset="0"/>
+            </a:endParaRPr>
+          </a:p>
+          <a:p>
+            <a:r>
+              <a:rPr lang="ko-KR" altLang="en-US" sz="1200" dirty="0" err="1">
+                <a:latin typeface="DM Mono" panose="020B0509040201040103" pitchFamily="49" charset="0"/>
+              </a:rPr>
+              <a:t>int</a:t>
+            </a:r>
+            <a:r>
+              <a:rPr lang="ko-KR" altLang="en-US" sz="1200" dirty="0">
+                <a:latin typeface="DM Mono" panose="020B0509040201040103" pitchFamily="49" charset="0"/>
+              </a:rPr>
+              <a:t> </a:t>
+            </a:r>
+            <a:r>
+              <a:rPr lang="ko-KR" altLang="en-US" sz="1200" dirty="0" err="1">
+                <a:latin typeface="DM Mono" panose="020B0509040201040103" pitchFamily="49" charset="0"/>
+              </a:rPr>
+              <a:t>main</a:t>
+            </a:r>
+            <a:r>
+              <a:rPr lang="ko-KR" altLang="en-US" sz="1200" dirty="0">
+                <a:latin typeface="DM Mono" panose="020B0509040201040103" pitchFamily="49" charset="0"/>
+              </a:rPr>
+              <a:t>()</a:t>
+            </a:r>
+          </a:p>
+          <a:p>
+            <a:r>
+              <a:rPr lang="ko-KR" altLang="en-US" sz="1200" dirty="0">
+                <a:latin typeface="DM Mono" panose="020B0509040201040103" pitchFamily="49" charset="0"/>
+              </a:rPr>
+              <a:t>{</a:t>
+            </a:r>
+          </a:p>
+          <a:p>
+            <a:r>
+              <a:rPr lang="ko-KR" altLang="en-US" sz="1200" dirty="0">
+                <a:solidFill>
+                  <a:srgbClr val="FF0000"/>
+                </a:solidFill>
+                <a:latin typeface="DM Mono" panose="020B0509040201040103" pitchFamily="49" charset="0"/>
+              </a:rPr>
+              <a:t>    </a:t>
+            </a:r>
+            <a:r>
+              <a:rPr lang="ko-KR" altLang="en-US" sz="1200" dirty="0" err="1">
+                <a:solidFill>
+                  <a:srgbClr val="FF0000"/>
+                </a:solidFill>
+                <a:latin typeface="DM Mono" panose="020B0509040201040103" pitchFamily="49" charset="0"/>
+              </a:rPr>
+              <a:t>Point</a:t>
+            </a:r>
+            <a:r>
+              <a:rPr lang="ko-KR" altLang="en-US" sz="1200" dirty="0">
+                <a:solidFill>
+                  <a:srgbClr val="FF0000"/>
+                </a:solidFill>
+                <a:latin typeface="DM Mono" panose="020B0509040201040103" pitchFamily="49" charset="0"/>
+              </a:rPr>
+              <a:t> pt1, pt2;</a:t>
+            </a:r>
+          </a:p>
+          <a:p>
+            <a:endParaRPr lang="ko-KR" altLang="en-US" sz="1200" dirty="0">
+              <a:latin typeface="DM Mono" panose="020B0509040201040103" pitchFamily="49" charset="0"/>
+            </a:endParaRPr>
+          </a:p>
+          <a:p>
+            <a:r>
+              <a:rPr lang="ko-KR" altLang="en-US" sz="1200" dirty="0">
+                <a:latin typeface="DM Mono" panose="020B0509040201040103" pitchFamily="49" charset="0"/>
+              </a:rPr>
+              <a:t>    pt1.Set(10, 20);</a:t>
+            </a:r>
+          </a:p>
+          <a:p>
+            <a:r>
+              <a:rPr lang="ko-KR" altLang="en-US" sz="1200" dirty="0">
+                <a:latin typeface="DM Mono" panose="020B0509040201040103" pitchFamily="49" charset="0"/>
+              </a:rPr>
+              <a:t>    pt2.Set(100, 200);</a:t>
+            </a:r>
+          </a:p>
+          <a:p>
+            <a:r>
+              <a:rPr lang="ko-KR" altLang="en-US" sz="1200" dirty="0">
+                <a:latin typeface="DM Mono" panose="020B0509040201040103" pitchFamily="49" charset="0"/>
+              </a:rPr>
+              <a:t>}</a:t>
+            </a:r>
+          </a:p>
+        </p:txBody>
+      </p:sp>
+      <p:sp>
+        <p:nvSpPr>
+          <p:cNvPr id="6" name="직사각형 5">
+            <a:extLst>
+              <a:ext uri="{FF2B5EF4-FFF2-40B4-BE49-F238E27FC236}">
+                <a16:creationId xmlns:a16="http://schemas.microsoft.com/office/drawing/2014/main" id="{497AF81D-76D7-8056-0E48-A27D2DAED0B0}"/>
+              </a:ext>
+            </a:extLst>
+          </p:cNvPr>
+          <p:cNvSpPr/>
+          <p:nvPr/>
+        </p:nvSpPr>
+        <p:spPr>
+          <a:xfrm>
+            <a:off x="4826831" y="4292052"/>
+            <a:ext cx="894414" cy="489811"/>
+          </a:xfrm>
+          <a:prstGeom prst="rect">
+            <a:avLst/>
+          </a:prstGeom>
+          <a:solidFill>
+            <a:srgbClr val="FFFF00"/>
+          </a:solidFill>
+        </p:spPr>
+        <p:style>
+          <a:lnRef idx="2">
+            <a:schemeClr val="accent1">
+              <a:shade val="15000"/>
+            </a:schemeClr>
+          </a:lnRef>
+          <a:fillRef idx="1">
+            <a:schemeClr val="accent1"/>
+          </a:fillRef>
+          <a:effectRef idx="0">
+            <a:schemeClr val="accent1"/>
+          </a:effectRef>
+          <a:fontRef idx="minor">
+            <a:schemeClr val="lt1"/>
+          </a:fontRef>
+        </p:style>
+        <p:txBody>
+          <a:bodyPr rtlCol="0" anchor="ctr"/>
+          <a:lstStyle/>
+          <a:p>
+            <a:pPr algn="ctr"/>
+            <a:endParaRPr kumimoji="1" lang="ko-KR" altLang="en-US" sz="1200" dirty="0">
+              <a:solidFill>
+                <a:schemeClr val="tx1"/>
+              </a:solidFill>
+              <a:latin typeface="DM Mono" panose="020B0509040201040103" pitchFamily="49" charset="0"/>
+            </a:endParaRPr>
+          </a:p>
+        </p:txBody>
+      </p:sp>
+      <p:sp>
+        <p:nvSpPr>
+          <p:cNvPr id="7" name="직사각형 6">
+            <a:extLst>
+              <a:ext uri="{FF2B5EF4-FFF2-40B4-BE49-F238E27FC236}">
+                <a16:creationId xmlns:a16="http://schemas.microsoft.com/office/drawing/2014/main" id="{AF2EE9A3-8F09-096C-A367-508A10D26DAB}"/>
+              </a:ext>
+            </a:extLst>
+          </p:cNvPr>
+          <p:cNvSpPr/>
+          <p:nvPr/>
+        </p:nvSpPr>
+        <p:spPr>
+          <a:xfrm>
+            <a:off x="4826831" y="4781863"/>
+            <a:ext cx="894414" cy="489811"/>
+          </a:xfrm>
+          <a:prstGeom prst="rect">
+            <a:avLst/>
+          </a:prstGeom>
+          <a:solidFill>
+            <a:srgbClr val="FFFF00"/>
+          </a:solidFill>
+        </p:spPr>
+        <p:style>
+          <a:lnRef idx="2">
+            <a:schemeClr val="accent1">
+              <a:shade val="15000"/>
+            </a:schemeClr>
+          </a:lnRef>
+          <a:fillRef idx="1">
+            <a:schemeClr val="accent1"/>
+          </a:fillRef>
+          <a:effectRef idx="0">
+            <a:schemeClr val="accent1"/>
+          </a:effectRef>
+          <a:fontRef idx="minor">
+            <a:schemeClr val="lt1"/>
+          </a:fontRef>
+        </p:style>
+        <p:txBody>
+          <a:bodyPr rtlCol="0" anchor="ctr"/>
+          <a:lstStyle/>
+          <a:p>
+            <a:pPr algn="ctr"/>
+            <a:endParaRPr kumimoji="1" lang="ko-KR" altLang="en-US" sz="1200" dirty="0">
+              <a:solidFill>
+                <a:schemeClr val="tx1"/>
+              </a:solidFill>
+              <a:latin typeface="DM Mono" panose="020B0509040201040103" pitchFamily="49" charset="0"/>
+            </a:endParaRPr>
+          </a:p>
+        </p:txBody>
+      </p:sp>
+      <p:sp>
+        <p:nvSpPr>
+          <p:cNvPr id="9" name="TextBox 8">
+            <a:extLst>
+              <a:ext uri="{FF2B5EF4-FFF2-40B4-BE49-F238E27FC236}">
+                <a16:creationId xmlns:a16="http://schemas.microsoft.com/office/drawing/2014/main" id="{6C3683A3-A4A3-5B51-3881-A52E2CBE11D0}"/>
+              </a:ext>
+            </a:extLst>
+          </p:cNvPr>
+          <p:cNvSpPr txBox="1"/>
+          <p:nvPr/>
+        </p:nvSpPr>
+        <p:spPr>
+          <a:xfrm>
+            <a:off x="4926766" y="3975304"/>
+            <a:ext cx="694544" cy="276999"/>
+          </a:xfrm>
+          <a:prstGeom prst="rect">
+            <a:avLst/>
+          </a:prstGeom>
+          <a:noFill/>
+        </p:spPr>
+        <p:txBody>
+          <a:bodyPr wrap="square">
+            <a:spAutoFit/>
+          </a:bodyPr>
+          <a:lstStyle/>
+          <a:p>
+            <a:pPr algn="ctr"/>
+            <a:r>
+              <a:rPr lang="ko-KR" altLang="en-US" sz="1200" dirty="0">
+                <a:latin typeface="DM Mono" panose="020B0509040201040103" pitchFamily="49" charset="0"/>
+              </a:rPr>
+              <a:t>pt1</a:t>
+            </a:r>
+          </a:p>
+        </p:txBody>
+      </p:sp>
+      <p:sp>
+        <p:nvSpPr>
+          <p:cNvPr id="11" name="직사각형 10">
+            <a:extLst>
+              <a:ext uri="{FF2B5EF4-FFF2-40B4-BE49-F238E27FC236}">
+                <a16:creationId xmlns:a16="http://schemas.microsoft.com/office/drawing/2014/main" id="{CF948216-1FED-FA1C-FAA9-07A59622A43E}"/>
+              </a:ext>
+            </a:extLst>
+          </p:cNvPr>
+          <p:cNvSpPr/>
+          <p:nvPr/>
+        </p:nvSpPr>
+        <p:spPr>
+          <a:xfrm>
+            <a:off x="6997906" y="4292052"/>
+            <a:ext cx="894414" cy="489811"/>
+          </a:xfrm>
+          <a:prstGeom prst="rect">
+            <a:avLst/>
+          </a:prstGeom>
+          <a:solidFill>
+            <a:srgbClr val="FFFF00"/>
+          </a:solidFill>
+        </p:spPr>
+        <p:style>
+          <a:lnRef idx="2">
+            <a:schemeClr val="accent1">
+              <a:shade val="15000"/>
+            </a:schemeClr>
+          </a:lnRef>
+          <a:fillRef idx="1">
+            <a:schemeClr val="accent1"/>
+          </a:fillRef>
+          <a:effectRef idx="0">
+            <a:schemeClr val="accent1"/>
+          </a:effectRef>
+          <a:fontRef idx="minor">
+            <a:schemeClr val="lt1"/>
+          </a:fontRef>
+        </p:style>
+        <p:txBody>
+          <a:bodyPr rtlCol="0" anchor="ctr"/>
+          <a:lstStyle/>
+          <a:p>
+            <a:pPr algn="ctr"/>
+            <a:endParaRPr kumimoji="1" lang="ko-KR" altLang="en-US" sz="1200" dirty="0">
+              <a:solidFill>
+                <a:schemeClr val="tx1"/>
+              </a:solidFill>
+              <a:latin typeface="DM Mono" panose="020B0509040201040103" pitchFamily="49" charset="0"/>
+            </a:endParaRPr>
+          </a:p>
+        </p:txBody>
+      </p:sp>
+      <p:sp>
+        <p:nvSpPr>
+          <p:cNvPr id="12" name="직사각형 11">
+            <a:extLst>
+              <a:ext uri="{FF2B5EF4-FFF2-40B4-BE49-F238E27FC236}">
+                <a16:creationId xmlns:a16="http://schemas.microsoft.com/office/drawing/2014/main" id="{BEBF9B94-B8C6-FF21-125A-25A4058080CB}"/>
+              </a:ext>
+            </a:extLst>
+          </p:cNvPr>
+          <p:cNvSpPr/>
+          <p:nvPr/>
+        </p:nvSpPr>
+        <p:spPr>
+          <a:xfrm>
+            <a:off x="6997906" y="4781863"/>
+            <a:ext cx="894414" cy="489811"/>
+          </a:xfrm>
+          <a:prstGeom prst="rect">
+            <a:avLst/>
+          </a:prstGeom>
+          <a:solidFill>
+            <a:srgbClr val="FFFF00"/>
+          </a:solidFill>
+        </p:spPr>
+        <p:style>
+          <a:lnRef idx="2">
+            <a:schemeClr val="accent1">
+              <a:shade val="15000"/>
+            </a:schemeClr>
+          </a:lnRef>
+          <a:fillRef idx="1">
+            <a:schemeClr val="accent1"/>
+          </a:fillRef>
+          <a:effectRef idx="0">
+            <a:schemeClr val="accent1"/>
+          </a:effectRef>
+          <a:fontRef idx="minor">
+            <a:schemeClr val="lt1"/>
+          </a:fontRef>
+        </p:style>
+        <p:txBody>
+          <a:bodyPr rtlCol="0" anchor="ctr"/>
+          <a:lstStyle/>
+          <a:p>
+            <a:pPr algn="ctr"/>
+            <a:endParaRPr kumimoji="1" lang="ko-KR" altLang="en-US" sz="1200" dirty="0">
+              <a:solidFill>
+                <a:schemeClr val="tx1"/>
+              </a:solidFill>
+              <a:latin typeface="DM Mono" panose="020B0509040201040103" pitchFamily="49" charset="0"/>
+            </a:endParaRPr>
+          </a:p>
+        </p:txBody>
+      </p:sp>
+      <p:sp>
+        <p:nvSpPr>
+          <p:cNvPr id="13" name="TextBox 12">
+            <a:extLst>
+              <a:ext uri="{FF2B5EF4-FFF2-40B4-BE49-F238E27FC236}">
+                <a16:creationId xmlns:a16="http://schemas.microsoft.com/office/drawing/2014/main" id="{7B8F2939-5FC0-C0E3-CA26-4DC9FB3F9051}"/>
+              </a:ext>
+            </a:extLst>
+          </p:cNvPr>
+          <p:cNvSpPr txBox="1"/>
+          <p:nvPr/>
+        </p:nvSpPr>
+        <p:spPr>
+          <a:xfrm>
+            <a:off x="7097841" y="3975304"/>
+            <a:ext cx="694544" cy="276999"/>
+          </a:xfrm>
+          <a:prstGeom prst="rect">
+            <a:avLst/>
+          </a:prstGeom>
+          <a:noFill/>
+        </p:spPr>
+        <p:txBody>
+          <a:bodyPr wrap="square">
+            <a:spAutoFit/>
+          </a:bodyPr>
+          <a:lstStyle/>
+          <a:p>
+            <a:pPr algn="ctr"/>
+            <a:r>
+              <a:rPr lang="ko-KR" altLang="en-US" sz="1200" dirty="0" err="1">
+                <a:latin typeface="DM Mono" panose="020B0509040201040103" pitchFamily="49" charset="0"/>
+              </a:rPr>
+              <a:t>pt</a:t>
+            </a:r>
+            <a:r>
+              <a:rPr lang="en-US" altLang="ko-KR" sz="1200" dirty="0">
+                <a:latin typeface="DM Mono" panose="020B0509040201040103" pitchFamily="49" charset="0"/>
+              </a:rPr>
+              <a:t>2</a:t>
+            </a:r>
+            <a:endParaRPr lang="ko-KR" altLang="en-US" sz="1200" dirty="0">
+              <a:latin typeface="DM Mono" panose="020B0509040201040103" pitchFamily="49" charset="0"/>
+            </a:endParaRPr>
+          </a:p>
+        </p:txBody>
+      </p:sp>
+      <p:sp>
+        <p:nvSpPr>
+          <p:cNvPr id="14" name="TextBox 13">
+            <a:extLst>
+              <a:ext uri="{FF2B5EF4-FFF2-40B4-BE49-F238E27FC236}">
+                <a16:creationId xmlns:a16="http://schemas.microsoft.com/office/drawing/2014/main" id="{7B8D3D8A-83B0-16ED-6010-D127867DDC34}"/>
+              </a:ext>
+            </a:extLst>
+          </p:cNvPr>
+          <p:cNvSpPr txBox="1"/>
+          <p:nvPr/>
+        </p:nvSpPr>
+        <p:spPr>
+          <a:xfrm>
+            <a:off x="4132287" y="4399801"/>
+            <a:ext cx="694544" cy="276999"/>
+          </a:xfrm>
+          <a:prstGeom prst="rect">
+            <a:avLst/>
+          </a:prstGeom>
+          <a:noFill/>
+        </p:spPr>
+        <p:txBody>
+          <a:bodyPr wrap="square">
+            <a:spAutoFit/>
+          </a:bodyPr>
+          <a:lstStyle/>
+          <a:p>
+            <a:pPr algn="r"/>
+            <a:r>
+              <a:rPr lang="en-US" altLang="ko-KR" sz="1200" dirty="0">
+                <a:latin typeface="DM Mono" panose="020B0509040201040103" pitchFamily="49" charset="0"/>
+              </a:rPr>
+              <a:t>x</a:t>
+            </a:r>
+            <a:endParaRPr lang="ko-KR" altLang="en-US" sz="1200" dirty="0">
+              <a:latin typeface="DM Mono" panose="020B0509040201040103" pitchFamily="49" charset="0"/>
+            </a:endParaRPr>
+          </a:p>
+        </p:txBody>
+      </p:sp>
+      <p:sp>
+        <p:nvSpPr>
+          <p:cNvPr id="15" name="TextBox 14">
+            <a:extLst>
+              <a:ext uri="{FF2B5EF4-FFF2-40B4-BE49-F238E27FC236}">
+                <a16:creationId xmlns:a16="http://schemas.microsoft.com/office/drawing/2014/main" id="{52FBE72B-9F5D-3D91-2325-FC6269AF9E29}"/>
+              </a:ext>
+            </a:extLst>
+          </p:cNvPr>
+          <p:cNvSpPr txBox="1"/>
+          <p:nvPr/>
+        </p:nvSpPr>
+        <p:spPr>
+          <a:xfrm>
+            <a:off x="4132287" y="4886926"/>
+            <a:ext cx="694544" cy="276999"/>
+          </a:xfrm>
+          <a:prstGeom prst="rect">
+            <a:avLst/>
+          </a:prstGeom>
+          <a:noFill/>
+        </p:spPr>
+        <p:txBody>
+          <a:bodyPr wrap="square">
+            <a:spAutoFit/>
+          </a:bodyPr>
+          <a:lstStyle/>
+          <a:p>
+            <a:pPr algn="r"/>
+            <a:r>
+              <a:rPr lang="en-US" altLang="ko-KR" sz="1200" dirty="0">
+                <a:latin typeface="DM Mono" panose="020B0509040201040103" pitchFamily="49" charset="0"/>
+              </a:rPr>
+              <a:t>y</a:t>
+            </a:r>
+            <a:endParaRPr lang="ko-KR" altLang="en-US" sz="1200" dirty="0">
+              <a:latin typeface="DM Mono" panose="020B0509040201040103" pitchFamily="49" charset="0"/>
+            </a:endParaRPr>
+          </a:p>
+        </p:txBody>
+      </p:sp>
+      <p:sp>
+        <p:nvSpPr>
+          <p:cNvPr id="16" name="TextBox 15">
+            <a:extLst>
+              <a:ext uri="{FF2B5EF4-FFF2-40B4-BE49-F238E27FC236}">
+                <a16:creationId xmlns:a16="http://schemas.microsoft.com/office/drawing/2014/main" id="{FFC6CDD4-E241-D487-B453-995D7E652956}"/>
+              </a:ext>
+            </a:extLst>
+          </p:cNvPr>
+          <p:cNvSpPr txBox="1"/>
+          <p:nvPr/>
+        </p:nvSpPr>
+        <p:spPr>
+          <a:xfrm>
+            <a:off x="6303362" y="4399801"/>
+            <a:ext cx="694544" cy="276999"/>
+          </a:xfrm>
+          <a:prstGeom prst="rect">
+            <a:avLst/>
+          </a:prstGeom>
+          <a:noFill/>
+        </p:spPr>
+        <p:txBody>
+          <a:bodyPr wrap="square">
+            <a:spAutoFit/>
+          </a:bodyPr>
+          <a:lstStyle/>
+          <a:p>
+            <a:pPr algn="r"/>
+            <a:r>
+              <a:rPr lang="en-US" altLang="ko-KR" sz="1200" dirty="0">
+                <a:latin typeface="DM Mono" panose="020B0509040201040103" pitchFamily="49" charset="0"/>
+              </a:rPr>
+              <a:t>x</a:t>
+            </a:r>
+            <a:endParaRPr lang="ko-KR" altLang="en-US" sz="1200" dirty="0">
+              <a:latin typeface="DM Mono" panose="020B0509040201040103" pitchFamily="49" charset="0"/>
+            </a:endParaRPr>
+          </a:p>
+        </p:txBody>
+      </p:sp>
+      <p:sp>
+        <p:nvSpPr>
+          <p:cNvPr id="17" name="TextBox 16">
+            <a:extLst>
+              <a:ext uri="{FF2B5EF4-FFF2-40B4-BE49-F238E27FC236}">
+                <a16:creationId xmlns:a16="http://schemas.microsoft.com/office/drawing/2014/main" id="{06DD7A42-F96D-D40A-5C00-F280A639F83E}"/>
+              </a:ext>
+            </a:extLst>
+          </p:cNvPr>
+          <p:cNvSpPr txBox="1"/>
+          <p:nvPr/>
+        </p:nvSpPr>
+        <p:spPr>
+          <a:xfrm>
+            <a:off x="6303362" y="4886926"/>
+            <a:ext cx="694544" cy="276999"/>
+          </a:xfrm>
+          <a:prstGeom prst="rect">
+            <a:avLst/>
+          </a:prstGeom>
+          <a:noFill/>
+        </p:spPr>
+        <p:txBody>
+          <a:bodyPr wrap="square">
+            <a:spAutoFit/>
+          </a:bodyPr>
+          <a:lstStyle/>
+          <a:p>
+            <a:pPr algn="r"/>
+            <a:r>
+              <a:rPr lang="en-US" altLang="ko-KR" sz="1200" dirty="0">
+                <a:latin typeface="DM Mono" panose="020B0509040201040103" pitchFamily="49" charset="0"/>
+              </a:rPr>
+              <a:t>y</a:t>
+            </a:r>
+            <a:endParaRPr lang="ko-KR" altLang="en-US" sz="1200" dirty="0">
+              <a:latin typeface="DM Mono" panose="020B0509040201040103" pitchFamily="49" charset="0"/>
+            </a:endParaRPr>
+          </a:p>
+        </p:txBody>
+      </p:sp>
+      <p:sp>
+        <p:nvSpPr>
+          <p:cNvPr id="19" name="TextBox 18">
+            <a:extLst>
+              <a:ext uri="{FF2B5EF4-FFF2-40B4-BE49-F238E27FC236}">
+                <a16:creationId xmlns:a16="http://schemas.microsoft.com/office/drawing/2014/main" id="{AD22D008-43A8-0361-7711-1040865B16B9}"/>
+              </a:ext>
+            </a:extLst>
+          </p:cNvPr>
+          <p:cNvSpPr txBox="1"/>
+          <p:nvPr/>
+        </p:nvSpPr>
+        <p:spPr>
+          <a:xfrm>
+            <a:off x="4132287" y="1405368"/>
+            <a:ext cx="6096000" cy="1323439"/>
+          </a:xfrm>
+          <a:prstGeom prst="rect">
+            <a:avLst/>
+          </a:prstGeom>
+          <a:noFill/>
+        </p:spPr>
+        <p:txBody>
+          <a:bodyPr wrap="square">
+            <a:spAutoFit/>
+          </a:bodyPr>
+          <a:lstStyle/>
+          <a:p>
+            <a:r>
+              <a:rPr lang="ko-KR" altLang="en-US" sz="1600" dirty="0">
+                <a:latin typeface="DM Mono" panose="020B0509040201040103" pitchFamily="49" charset="0"/>
+              </a:rPr>
+              <a:t> </a:t>
+            </a:r>
+            <a:r>
+              <a:rPr lang="en-US" altLang="ko-KR" sz="1600" dirty="0">
+                <a:latin typeface="DM Mono" panose="020B0509040201040103" pitchFamily="49" charset="0"/>
+              </a:rPr>
+              <a:t>   </a:t>
+            </a:r>
+            <a:r>
+              <a:rPr lang="ko-KR" altLang="en-US" sz="1600" dirty="0" err="1">
+                <a:latin typeface="DM Mono" panose="020B0509040201040103" pitchFamily="49" charset="0"/>
+              </a:rPr>
+              <a:t>void</a:t>
+            </a:r>
+            <a:r>
+              <a:rPr lang="ko-KR" altLang="en-US" sz="1600" dirty="0">
+                <a:latin typeface="DM Mono" panose="020B0509040201040103" pitchFamily="49" charset="0"/>
+              </a:rPr>
+              <a:t> </a:t>
+            </a:r>
+            <a:r>
+              <a:rPr lang="en-US" altLang="ko-KR" sz="1600" dirty="0">
+                <a:latin typeface="DM Mono" panose="020B0509040201040103" pitchFamily="49" charset="0"/>
+              </a:rPr>
+              <a:t>Point::</a:t>
+            </a:r>
+            <a:r>
+              <a:rPr lang="ko-KR" altLang="en-US" sz="1600" dirty="0" err="1">
+                <a:latin typeface="DM Mono" panose="020B0509040201040103" pitchFamily="49" charset="0"/>
+              </a:rPr>
+              <a:t>Set</a:t>
+            </a:r>
+            <a:r>
+              <a:rPr lang="ko-KR" altLang="en-US" sz="1600" dirty="0">
+                <a:latin typeface="DM Mono" panose="020B0509040201040103" pitchFamily="49" charset="0"/>
+              </a:rPr>
+              <a:t>(</a:t>
+            </a:r>
+            <a:r>
+              <a:rPr lang="en-US" altLang="ko-KR" sz="1600" dirty="0">
+                <a:solidFill>
+                  <a:srgbClr val="FF0000"/>
+                </a:solidFill>
+                <a:latin typeface="DM Mono" panose="020B0509040201040103" pitchFamily="49" charset="0"/>
+              </a:rPr>
+              <a:t>Point* this</a:t>
+            </a:r>
+            <a:r>
+              <a:rPr lang="en-US" altLang="ko-KR" sz="1600" dirty="0">
+                <a:latin typeface="DM Mono" panose="020B0509040201040103" pitchFamily="49" charset="0"/>
+              </a:rPr>
+              <a:t>, </a:t>
+            </a:r>
+            <a:r>
+              <a:rPr lang="ko-KR" altLang="en-US" sz="1600" dirty="0" err="1">
+                <a:latin typeface="DM Mono" panose="020B0509040201040103" pitchFamily="49" charset="0"/>
+              </a:rPr>
+              <a:t>int</a:t>
+            </a:r>
+            <a:r>
+              <a:rPr lang="ko-KR" altLang="en-US" sz="1600" dirty="0">
+                <a:latin typeface="DM Mono" panose="020B0509040201040103" pitchFamily="49" charset="0"/>
+              </a:rPr>
+              <a:t> </a:t>
+            </a:r>
+            <a:r>
+              <a:rPr lang="ko-KR" altLang="en-US" sz="1600" dirty="0" err="1">
+                <a:latin typeface="DM Mono" panose="020B0509040201040103" pitchFamily="49" charset="0"/>
+              </a:rPr>
+              <a:t>a</a:t>
+            </a:r>
+            <a:r>
+              <a:rPr lang="ko-KR" altLang="en-US" sz="1600" dirty="0">
+                <a:latin typeface="DM Mono" panose="020B0509040201040103" pitchFamily="49" charset="0"/>
+              </a:rPr>
+              <a:t>, </a:t>
+            </a:r>
+            <a:r>
+              <a:rPr lang="ko-KR" altLang="en-US" sz="1600" dirty="0" err="1">
+                <a:latin typeface="DM Mono" panose="020B0509040201040103" pitchFamily="49" charset="0"/>
+              </a:rPr>
+              <a:t>int</a:t>
+            </a:r>
+            <a:r>
+              <a:rPr lang="ko-KR" altLang="en-US" sz="1600" dirty="0">
+                <a:latin typeface="DM Mono" panose="020B0509040201040103" pitchFamily="49" charset="0"/>
+              </a:rPr>
+              <a:t> </a:t>
+            </a:r>
+            <a:r>
+              <a:rPr lang="ko-KR" altLang="en-US" sz="1600" dirty="0" err="1">
+                <a:latin typeface="DM Mono" panose="020B0509040201040103" pitchFamily="49" charset="0"/>
+              </a:rPr>
+              <a:t>b</a:t>
+            </a:r>
+            <a:r>
+              <a:rPr lang="ko-KR" altLang="en-US" sz="1600" dirty="0">
+                <a:latin typeface="DM Mono" panose="020B0509040201040103" pitchFamily="49" charset="0"/>
+              </a:rPr>
+              <a:t>)</a:t>
+            </a:r>
+          </a:p>
+          <a:p>
+            <a:r>
+              <a:rPr lang="ko-KR" altLang="en-US" sz="1600" dirty="0">
+                <a:latin typeface="DM Mono" panose="020B0509040201040103" pitchFamily="49" charset="0"/>
+              </a:rPr>
+              <a:t>    {</a:t>
+            </a:r>
+          </a:p>
+          <a:p>
+            <a:r>
+              <a:rPr lang="ko-KR" altLang="en-US" sz="1600" dirty="0">
+                <a:latin typeface="DM Mono" panose="020B0509040201040103" pitchFamily="49" charset="0"/>
+              </a:rPr>
+              <a:t>        </a:t>
+            </a:r>
+            <a:r>
+              <a:rPr lang="en-US" altLang="ko-KR" sz="1600" dirty="0">
+                <a:solidFill>
+                  <a:srgbClr val="FF0000"/>
+                </a:solidFill>
+                <a:latin typeface="DM Mono" panose="020B0509040201040103" pitchFamily="49" charset="0"/>
+              </a:rPr>
+              <a:t>this-&gt;</a:t>
+            </a:r>
+            <a:r>
+              <a:rPr lang="ko-KR" altLang="en-US" sz="1600" dirty="0" err="1">
+                <a:latin typeface="DM Mono" panose="020B0509040201040103" pitchFamily="49" charset="0"/>
+              </a:rPr>
+              <a:t>x</a:t>
+            </a:r>
+            <a:r>
+              <a:rPr lang="ko-KR" altLang="en-US" sz="1600" dirty="0">
+                <a:latin typeface="DM Mono" panose="020B0509040201040103" pitchFamily="49" charset="0"/>
+              </a:rPr>
+              <a:t> = </a:t>
+            </a:r>
+            <a:r>
+              <a:rPr lang="ko-KR" altLang="en-US" sz="1600" dirty="0" err="1">
+                <a:latin typeface="DM Mono" panose="020B0509040201040103" pitchFamily="49" charset="0"/>
+              </a:rPr>
+              <a:t>a</a:t>
+            </a:r>
+            <a:r>
+              <a:rPr lang="ko-KR" altLang="en-US" sz="1600" dirty="0">
+                <a:latin typeface="DM Mono" panose="020B0509040201040103" pitchFamily="49" charset="0"/>
+              </a:rPr>
+              <a:t>;</a:t>
+            </a:r>
+          </a:p>
+          <a:p>
+            <a:r>
+              <a:rPr lang="ko-KR" altLang="en-US" sz="1600" dirty="0">
+                <a:latin typeface="DM Mono" panose="020B0509040201040103" pitchFamily="49" charset="0"/>
+              </a:rPr>
+              <a:t>        </a:t>
+            </a:r>
+            <a:r>
+              <a:rPr lang="en-US" altLang="ko-KR" sz="1600" dirty="0">
+                <a:solidFill>
+                  <a:srgbClr val="FF0000"/>
+                </a:solidFill>
+                <a:latin typeface="DM Mono" panose="020B0509040201040103" pitchFamily="49" charset="0"/>
+              </a:rPr>
+              <a:t>this-&gt;</a:t>
+            </a:r>
+            <a:r>
+              <a:rPr lang="ko-KR" altLang="en-US" sz="1600" dirty="0" err="1">
+                <a:latin typeface="DM Mono" panose="020B0509040201040103" pitchFamily="49" charset="0"/>
+              </a:rPr>
+              <a:t>y</a:t>
+            </a:r>
+            <a:r>
+              <a:rPr lang="ko-KR" altLang="en-US" sz="1600" dirty="0">
+                <a:latin typeface="DM Mono" panose="020B0509040201040103" pitchFamily="49" charset="0"/>
+              </a:rPr>
+              <a:t> = </a:t>
+            </a:r>
+            <a:r>
+              <a:rPr lang="ko-KR" altLang="en-US" sz="1600" dirty="0" err="1">
+                <a:latin typeface="DM Mono" panose="020B0509040201040103" pitchFamily="49" charset="0"/>
+              </a:rPr>
+              <a:t>b</a:t>
+            </a:r>
+            <a:r>
+              <a:rPr lang="ko-KR" altLang="en-US" sz="1600" dirty="0">
+                <a:latin typeface="DM Mono" panose="020B0509040201040103" pitchFamily="49" charset="0"/>
+              </a:rPr>
+              <a:t>;</a:t>
+            </a:r>
+          </a:p>
+          <a:p>
+            <a:r>
+              <a:rPr lang="ko-KR" altLang="en-US" sz="1600" dirty="0">
+                <a:latin typeface="DM Mono" panose="020B0509040201040103" pitchFamily="49" charset="0"/>
+              </a:rPr>
+              <a:t>    }</a:t>
+            </a:r>
+          </a:p>
+        </p:txBody>
+      </p:sp>
+      <p:sp>
+        <p:nvSpPr>
+          <p:cNvPr id="20" name="직사각형 19">
+            <a:extLst>
+              <a:ext uri="{FF2B5EF4-FFF2-40B4-BE49-F238E27FC236}">
+                <a16:creationId xmlns:a16="http://schemas.microsoft.com/office/drawing/2014/main" id="{352B7BFB-46A4-BBCD-DB13-421E590C05DB}"/>
+              </a:ext>
+            </a:extLst>
+          </p:cNvPr>
+          <p:cNvSpPr/>
+          <p:nvPr/>
+        </p:nvSpPr>
+        <p:spPr>
+          <a:xfrm>
+            <a:off x="874426" y="929803"/>
+            <a:ext cx="2468381" cy="1253764"/>
+          </a:xfrm>
+          <a:prstGeom prst="rect">
+            <a:avLst/>
+          </a:prstGeom>
+          <a:noFill/>
+        </p:spPr>
+        <p:style>
+          <a:lnRef idx="2">
+            <a:schemeClr val="accent1">
+              <a:shade val="15000"/>
+            </a:schemeClr>
+          </a:lnRef>
+          <a:fillRef idx="1">
+            <a:schemeClr val="accent1"/>
+          </a:fillRef>
+          <a:effectRef idx="0">
+            <a:schemeClr val="accent1"/>
+          </a:effectRef>
+          <a:fontRef idx="minor">
+            <a:schemeClr val="lt1"/>
+          </a:fontRef>
+        </p:style>
+        <p:txBody>
+          <a:bodyPr rtlCol="0" anchor="ctr"/>
+          <a:lstStyle/>
+          <a:p>
+            <a:pPr algn="ctr"/>
+            <a:endParaRPr kumimoji="1" lang="ko-KR" altLang="en-US"/>
+          </a:p>
+        </p:txBody>
+      </p:sp>
+      <p:cxnSp>
+        <p:nvCxnSpPr>
+          <p:cNvPr id="22" name="구부러진 연결선[U] 21">
+            <a:extLst>
+              <a:ext uri="{FF2B5EF4-FFF2-40B4-BE49-F238E27FC236}">
+                <a16:creationId xmlns:a16="http://schemas.microsoft.com/office/drawing/2014/main" id="{BDE9F4A6-8820-8E90-26AD-840D961E229C}"/>
+              </a:ext>
+            </a:extLst>
+          </p:cNvPr>
+          <p:cNvCxnSpPr>
+            <a:endCxn id="19" idx="1"/>
+          </p:cNvCxnSpPr>
+          <p:nvPr/>
+        </p:nvCxnSpPr>
+        <p:spPr>
+          <a:xfrm>
+            <a:off x="3332813" y="1533993"/>
+            <a:ext cx="799474" cy="533095"/>
+          </a:xfrm>
+          <a:prstGeom prst="curvedConnector3">
+            <a:avLst/>
+          </a:prstGeom>
+          <a:ln>
+            <a:tailEnd type="triangle"/>
+          </a:ln>
+        </p:spPr>
+        <p:style>
+          <a:lnRef idx="1">
+            <a:schemeClr val="accent1"/>
+          </a:lnRef>
+          <a:fillRef idx="0">
+            <a:schemeClr val="accent1"/>
+          </a:fillRef>
+          <a:effectRef idx="0">
+            <a:schemeClr val="accent1"/>
+          </a:effectRef>
+          <a:fontRef idx="minor">
+            <a:schemeClr val="tx1"/>
+          </a:fontRef>
+        </p:style>
+      </p:cxnSp>
+    </p:spTree>
+    <p:extLst>
+      <p:ext uri="{BB962C8B-B14F-4D97-AF65-F5344CB8AC3E}">
+        <p14:creationId xmlns:p14="http://schemas.microsoft.com/office/powerpoint/2010/main" val="1113965650"/>
+      </p:ext>
+    </p:extLst>
+  </p:cSld>
+  <p:clrMapOvr>
+    <a:masterClrMapping/>
+  </p:clrMapOvr>
+</p:sld>
+</file>
+
+<file path=ppt/slides/slide12.xml><?xml version="1.0" encoding="utf-8"?>
+<p:sld xmlns:a="http://schemas.openxmlformats.org/drawingml/2006/main" xmlns:r="http://schemas.openxmlformats.org/officeDocument/2006/relationships" xmlns:p="http://schemas.openxmlformats.org/presentationml/2006/main">
+  <p:cSld>
+    <p:spTree>
+      <p:nvGrpSpPr>
+        <p:cNvPr id="1" name=""/>
+        <p:cNvGrpSpPr/>
+        <p:nvPr/>
+      </p:nvGrpSpPr>
+      <p:grpSpPr>
+        <a:xfrm>
+          <a:off x="0" y="0"/>
+          <a:ext cx="0" cy="0"/>
+          <a:chOff x="0" y="0"/>
+          <a:chExt cx="0" cy="0"/>
+        </a:xfrm>
+      </p:grpSpPr>
+      <p:sp>
+        <p:nvSpPr>
+          <p:cNvPr id="5" name="TextBox 4">
+            <a:extLst>
+              <a:ext uri="{FF2B5EF4-FFF2-40B4-BE49-F238E27FC236}">
+                <a16:creationId xmlns:a16="http://schemas.microsoft.com/office/drawing/2014/main" id="{9A9D1FFE-CF90-EAF6-40D0-19E8F9A89833}"/>
+              </a:ext>
+            </a:extLst>
+          </p:cNvPr>
+          <p:cNvSpPr txBox="1"/>
+          <p:nvPr/>
+        </p:nvSpPr>
+        <p:spPr>
+          <a:xfrm>
+            <a:off x="574623" y="83033"/>
+            <a:ext cx="3672590" cy="3970318"/>
+          </a:xfrm>
+          <a:prstGeom prst="rect">
+            <a:avLst/>
+          </a:prstGeom>
+          <a:noFill/>
+        </p:spPr>
+        <p:txBody>
+          <a:bodyPr wrap="square">
+            <a:spAutoFit/>
+          </a:bodyPr>
+          <a:lstStyle/>
+          <a:p>
+            <a:r>
+              <a:rPr lang="ko-KR" altLang="en-US" sz="1200" dirty="0" err="1">
+                <a:latin typeface="DM Mono" panose="020B0509040201040103" pitchFamily="49" charset="0"/>
+              </a:rPr>
+              <a:t>class</a:t>
+            </a:r>
+            <a:r>
+              <a:rPr lang="ko-KR" altLang="en-US" sz="1200" dirty="0">
+                <a:latin typeface="DM Mono" panose="020B0509040201040103" pitchFamily="49" charset="0"/>
+              </a:rPr>
+              <a:t> </a:t>
+            </a:r>
+            <a:r>
+              <a:rPr lang="ko-KR" altLang="en-US" sz="1200" dirty="0" err="1">
+                <a:latin typeface="DM Mono" panose="020B0509040201040103" pitchFamily="49" charset="0"/>
+              </a:rPr>
+              <a:t>Point</a:t>
+            </a:r>
+            <a:r>
+              <a:rPr lang="ko-KR" altLang="en-US" sz="1200" dirty="0">
+                <a:latin typeface="DM Mono" panose="020B0509040201040103" pitchFamily="49" charset="0"/>
+              </a:rPr>
+              <a:t> {</a:t>
+            </a:r>
+          </a:p>
+          <a:p>
+            <a:r>
+              <a:rPr lang="ko-KR" altLang="en-US" sz="1200" dirty="0">
+                <a:latin typeface="DM Mono" panose="020B0509040201040103" pitchFamily="49" charset="0"/>
+              </a:rPr>
+              <a:t>    </a:t>
+            </a:r>
+            <a:r>
+              <a:rPr lang="ko-KR" altLang="en-US" sz="1200" dirty="0" err="1">
+                <a:latin typeface="DM Mono" panose="020B0509040201040103" pitchFamily="49" charset="0"/>
+              </a:rPr>
+              <a:t>int</a:t>
+            </a:r>
+            <a:r>
+              <a:rPr lang="ko-KR" altLang="en-US" sz="1200" dirty="0">
+                <a:latin typeface="DM Mono" panose="020B0509040201040103" pitchFamily="49" charset="0"/>
+              </a:rPr>
+              <a:t> </a:t>
+            </a:r>
+            <a:r>
+              <a:rPr lang="ko-KR" altLang="en-US" sz="1200" dirty="0" err="1">
+                <a:latin typeface="DM Mono" panose="020B0509040201040103" pitchFamily="49" charset="0"/>
+              </a:rPr>
+              <a:t>x</a:t>
+            </a:r>
+            <a:r>
+              <a:rPr lang="ko-KR" altLang="en-US" sz="1200" dirty="0">
+                <a:latin typeface="DM Mono" panose="020B0509040201040103" pitchFamily="49" charset="0"/>
+              </a:rPr>
+              <a:t>;</a:t>
+            </a:r>
+          </a:p>
+          <a:p>
+            <a:r>
+              <a:rPr lang="ko-KR" altLang="en-US" sz="1200" dirty="0">
+                <a:latin typeface="DM Mono" panose="020B0509040201040103" pitchFamily="49" charset="0"/>
+              </a:rPr>
+              <a:t>    </a:t>
+            </a:r>
+            <a:r>
+              <a:rPr lang="ko-KR" altLang="en-US" sz="1200" dirty="0" err="1">
+                <a:latin typeface="DM Mono" panose="020B0509040201040103" pitchFamily="49" charset="0"/>
+              </a:rPr>
+              <a:t>int</a:t>
+            </a:r>
+            <a:r>
+              <a:rPr lang="ko-KR" altLang="en-US" sz="1200" dirty="0">
+                <a:latin typeface="DM Mono" panose="020B0509040201040103" pitchFamily="49" charset="0"/>
+              </a:rPr>
+              <a:t> </a:t>
+            </a:r>
+            <a:r>
+              <a:rPr lang="ko-KR" altLang="en-US" sz="1200" dirty="0" err="1">
+                <a:latin typeface="DM Mono" panose="020B0509040201040103" pitchFamily="49" charset="0"/>
+              </a:rPr>
+              <a:t>y</a:t>
+            </a:r>
+            <a:r>
+              <a:rPr lang="ko-KR" altLang="en-US" sz="1200" dirty="0">
+                <a:latin typeface="DM Mono" panose="020B0509040201040103" pitchFamily="49" charset="0"/>
+              </a:rPr>
+              <a:t>;</a:t>
+            </a:r>
+          </a:p>
+          <a:p>
+            <a:endParaRPr lang="ko-KR" altLang="en-US" sz="1200" dirty="0">
+              <a:latin typeface="DM Mono" panose="020B0509040201040103" pitchFamily="49" charset="0"/>
+            </a:endParaRPr>
+          </a:p>
+          <a:p>
+            <a:r>
+              <a:rPr lang="ko-KR" altLang="en-US" sz="1200" dirty="0" err="1">
+                <a:latin typeface="DM Mono" panose="020B0509040201040103" pitchFamily="49" charset="0"/>
+              </a:rPr>
+              <a:t>public</a:t>
+            </a:r>
+            <a:r>
+              <a:rPr lang="ko-KR" altLang="en-US" sz="1200" dirty="0">
+                <a:latin typeface="DM Mono" panose="020B0509040201040103" pitchFamily="49" charset="0"/>
+              </a:rPr>
+              <a:t>:</a:t>
+            </a:r>
+          </a:p>
+          <a:p>
+            <a:r>
+              <a:rPr lang="ko-KR" altLang="en-US" sz="1200" dirty="0">
+                <a:latin typeface="DM Mono" panose="020B0509040201040103" pitchFamily="49" charset="0"/>
+              </a:rPr>
+              <a:t>    </a:t>
+            </a:r>
+            <a:r>
+              <a:rPr lang="ko-KR" altLang="en-US" sz="1200" dirty="0" err="1">
+                <a:latin typeface="DM Mono" panose="020B0509040201040103" pitchFamily="49" charset="0"/>
+              </a:rPr>
+              <a:t>void</a:t>
+            </a:r>
+            <a:r>
+              <a:rPr lang="ko-KR" altLang="en-US" sz="1200" dirty="0">
+                <a:latin typeface="DM Mono" panose="020B0509040201040103" pitchFamily="49" charset="0"/>
+              </a:rPr>
+              <a:t> </a:t>
+            </a:r>
+            <a:r>
+              <a:rPr lang="ko-KR" altLang="en-US" sz="1200" dirty="0" err="1">
+                <a:latin typeface="DM Mono" panose="020B0509040201040103" pitchFamily="49" charset="0"/>
+              </a:rPr>
+              <a:t>Set</a:t>
+            </a:r>
+            <a:r>
+              <a:rPr lang="ko-KR" altLang="en-US" sz="1200" dirty="0">
+                <a:latin typeface="DM Mono" panose="020B0509040201040103" pitchFamily="49" charset="0"/>
+              </a:rPr>
+              <a:t>(</a:t>
+            </a:r>
+            <a:r>
+              <a:rPr lang="ko-KR" altLang="en-US" sz="1200" dirty="0" err="1">
+                <a:latin typeface="DM Mono" panose="020B0509040201040103" pitchFamily="49" charset="0"/>
+              </a:rPr>
+              <a:t>int</a:t>
+            </a:r>
+            <a:r>
+              <a:rPr lang="ko-KR" altLang="en-US" sz="1200" dirty="0">
+                <a:latin typeface="DM Mono" panose="020B0509040201040103" pitchFamily="49" charset="0"/>
+              </a:rPr>
+              <a:t> </a:t>
+            </a:r>
+            <a:r>
+              <a:rPr lang="ko-KR" altLang="en-US" sz="1200" dirty="0" err="1">
+                <a:latin typeface="DM Mono" panose="020B0509040201040103" pitchFamily="49" charset="0"/>
+              </a:rPr>
+              <a:t>a</a:t>
+            </a:r>
+            <a:r>
+              <a:rPr lang="ko-KR" altLang="en-US" sz="1200" dirty="0">
+                <a:latin typeface="DM Mono" panose="020B0509040201040103" pitchFamily="49" charset="0"/>
+              </a:rPr>
+              <a:t>, </a:t>
+            </a:r>
+            <a:r>
+              <a:rPr lang="ko-KR" altLang="en-US" sz="1200" dirty="0" err="1">
+                <a:latin typeface="DM Mono" panose="020B0509040201040103" pitchFamily="49" charset="0"/>
+              </a:rPr>
+              <a:t>int</a:t>
+            </a:r>
+            <a:r>
+              <a:rPr lang="ko-KR" altLang="en-US" sz="1200" dirty="0">
+                <a:latin typeface="DM Mono" panose="020B0509040201040103" pitchFamily="49" charset="0"/>
+              </a:rPr>
+              <a:t> </a:t>
+            </a:r>
+            <a:r>
+              <a:rPr lang="ko-KR" altLang="en-US" sz="1200" dirty="0" err="1">
+                <a:latin typeface="DM Mono" panose="020B0509040201040103" pitchFamily="49" charset="0"/>
+              </a:rPr>
+              <a:t>b</a:t>
+            </a:r>
+            <a:r>
+              <a:rPr lang="ko-KR" altLang="en-US" sz="1200" dirty="0">
+                <a:latin typeface="DM Mono" panose="020B0509040201040103" pitchFamily="49" charset="0"/>
+              </a:rPr>
+              <a:t>)</a:t>
+            </a:r>
+          </a:p>
+          <a:p>
+            <a:r>
+              <a:rPr lang="ko-KR" altLang="en-US" sz="1200" dirty="0">
+                <a:latin typeface="DM Mono" panose="020B0509040201040103" pitchFamily="49" charset="0"/>
+              </a:rPr>
+              <a:t>    {</a:t>
+            </a:r>
+          </a:p>
+          <a:p>
+            <a:r>
+              <a:rPr lang="ko-KR" altLang="en-US" sz="1200" dirty="0">
+                <a:latin typeface="DM Mono" panose="020B0509040201040103" pitchFamily="49" charset="0"/>
+              </a:rPr>
+              <a:t>        </a:t>
+            </a:r>
+            <a:r>
+              <a:rPr lang="ko-KR" altLang="en-US" sz="1200" dirty="0" err="1">
+                <a:latin typeface="DM Mono" panose="020B0509040201040103" pitchFamily="49" charset="0"/>
+              </a:rPr>
+              <a:t>x</a:t>
+            </a:r>
+            <a:r>
+              <a:rPr lang="ko-KR" altLang="en-US" sz="1200" dirty="0">
+                <a:latin typeface="DM Mono" panose="020B0509040201040103" pitchFamily="49" charset="0"/>
+              </a:rPr>
+              <a:t> = </a:t>
+            </a:r>
+            <a:r>
+              <a:rPr lang="ko-KR" altLang="en-US" sz="1200" dirty="0" err="1">
+                <a:latin typeface="DM Mono" panose="020B0509040201040103" pitchFamily="49" charset="0"/>
+              </a:rPr>
+              <a:t>a</a:t>
+            </a:r>
+            <a:r>
+              <a:rPr lang="ko-KR" altLang="en-US" sz="1200" dirty="0">
+                <a:latin typeface="DM Mono" panose="020B0509040201040103" pitchFamily="49" charset="0"/>
+              </a:rPr>
+              <a:t>;</a:t>
+            </a:r>
+          </a:p>
+          <a:p>
+            <a:r>
+              <a:rPr lang="ko-KR" altLang="en-US" sz="1200" dirty="0">
+                <a:latin typeface="DM Mono" panose="020B0509040201040103" pitchFamily="49" charset="0"/>
+              </a:rPr>
+              <a:t>        </a:t>
+            </a:r>
+            <a:r>
+              <a:rPr lang="ko-KR" altLang="en-US" sz="1200" dirty="0" err="1">
+                <a:latin typeface="DM Mono" panose="020B0509040201040103" pitchFamily="49" charset="0"/>
+              </a:rPr>
+              <a:t>y</a:t>
+            </a:r>
+            <a:r>
+              <a:rPr lang="ko-KR" altLang="en-US" sz="1200" dirty="0">
+                <a:latin typeface="DM Mono" panose="020B0509040201040103" pitchFamily="49" charset="0"/>
+              </a:rPr>
+              <a:t> = </a:t>
+            </a:r>
+            <a:r>
+              <a:rPr lang="ko-KR" altLang="en-US" sz="1200" dirty="0" err="1">
+                <a:latin typeface="DM Mono" panose="020B0509040201040103" pitchFamily="49" charset="0"/>
+              </a:rPr>
+              <a:t>b</a:t>
+            </a:r>
+            <a:r>
+              <a:rPr lang="ko-KR" altLang="en-US" sz="1200" dirty="0">
+                <a:latin typeface="DM Mono" panose="020B0509040201040103" pitchFamily="49" charset="0"/>
+              </a:rPr>
+              <a:t>;</a:t>
+            </a:r>
+          </a:p>
+          <a:p>
+            <a:r>
+              <a:rPr lang="ko-KR" altLang="en-US" sz="1200" dirty="0">
+                <a:latin typeface="DM Mono" panose="020B0509040201040103" pitchFamily="49" charset="0"/>
+              </a:rPr>
+              <a:t>    }</a:t>
+            </a:r>
+          </a:p>
+          <a:p>
+            <a:r>
+              <a:rPr lang="ko-KR" altLang="en-US" sz="1200" dirty="0">
+                <a:latin typeface="DM Mono" panose="020B0509040201040103" pitchFamily="49" charset="0"/>
+              </a:rPr>
+              <a:t>};</a:t>
+            </a:r>
+          </a:p>
+          <a:p>
+            <a:endParaRPr lang="ko-KR" altLang="en-US" sz="1200" dirty="0">
+              <a:latin typeface="DM Mono" panose="020B0509040201040103" pitchFamily="49" charset="0"/>
+            </a:endParaRPr>
+          </a:p>
+          <a:p>
+            <a:r>
+              <a:rPr lang="ko-KR" altLang="en-US" sz="1200" dirty="0" err="1">
+                <a:latin typeface="DM Mono" panose="020B0509040201040103" pitchFamily="49" charset="0"/>
+              </a:rPr>
+              <a:t>int</a:t>
+            </a:r>
+            <a:r>
+              <a:rPr lang="ko-KR" altLang="en-US" sz="1200" dirty="0">
+                <a:latin typeface="DM Mono" panose="020B0509040201040103" pitchFamily="49" charset="0"/>
+              </a:rPr>
+              <a:t> </a:t>
+            </a:r>
+            <a:r>
+              <a:rPr lang="ko-KR" altLang="en-US" sz="1200" dirty="0" err="1">
+                <a:latin typeface="DM Mono" panose="020B0509040201040103" pitchFamily="49" charset="0"/>
+              </a:rPr>
+              <a:t>main</a:t>
+            </a:r>
+            <a:r>
+              <a:rPr lang="ko-KR" altLang="en-US" sz="1200" dirty="0">
+                <a:latin typeface="DM Mono" panose="020B0509040201040103" pitchFamily="49" charset="0"/>
+              </a:rPr>
+              <a:t>()</a:t>
+            </a:r>
+          </a:p>
+          <a:p>
+            <a:r>
+              <a:rPr lang="ko-KR" altLang="en-US" sz="1200" dirty="0">
+                <a:latin typeface="DM Mono" panose="020B0509040201040103" pitchFamily="49" charset="0"/>
+              </a:rPr>
+              <a:t>{</a:t>
+            </a:r>
+          </a:p>
+          <a:p>
+            <a:r>
+              <a:rPr lang="ko-KR" altLang="en-US" sz="1200" dirty="0">
+                <a:latin typeface="DM Mono" panose="020B0509040201040103" pitchFamily="49" charset="0"/>
+              </a:rPr>
+              <a:t>    </a:t>
+            </a:r>
+            <a:r>
+              <a:rPr lang="ko-KR" altLang="en-US" sz="1200" dirty="0" err="1">
+                <a:latin typeface="DM Mono" panose="020B0509040201040103" pitchFamily="49" charset="0"/>
+              </a:rPr>
+              <a:t>Point</a:t>
+            </a:r>
+            <a:r>
+              <a:rPr lang="ko-KR" altLang="en-US" sz="1200" dirty="0">
+                <a:latin typeface="DM Mono" panose="020B0509040201040103" pitchFamily="49" charset="0"/>
+              </a:rPr>
+              <a:t> pt1, pt2;</a:t>
+            </a:r>
+          </a:p>
+          <a:p>
+            <a:endParaRPr lang="ko-KR" altLang="en-US" sz="1200" dirty="0">
+              <a:latin typeface="DM Mono" panose="020B0509040201040103" pitchFamily="49" charset="0"/>
+            </a:endParaRPr>
+          </a:p>
+          <a:p>
+            <a:r>
+              <a:rPr lang="ko-KR" altLang="en-US" sz="1200" dirty="0">
+                <a:solidFill>
+                  <a:srgbClr val="FF0000"/>
+                </a:solidFill>
+                <a:latin typeface="DM Mono" panose="020B0509040201040103" pitchFamily="49" charset="0"/>
+              </a:rPr>
+              <a:t>    pt1.Set(10, 20);</a:t>
+            </a:r>
+            <a:endParaRPr lang="en-US" altLang="ko-KR" sz="1200" dirty="0">
+              <a:solidFill>
+                <a:srgbClr val="FF0000"/>
+              </a:solidFill>
+              <a:latin typeface="DM Mono" panose="020B0509040201040103" pitchFamily="49" charset="0"/>
+            </a:endParaRPr>
+          </a:p>
+          <a:p>
+            <a:r>
+              <a:rPr lang="en-US" altLang="ko-KR" sz="1200" dirty="0">
+                <a:solidFill>
+                  <a:srgbClr val="FF0000"/>
+                </a:solidFill>
+                <a:latin typeface="DM Mono" panose="020B0509040201040103" pitchFamily="49" charset="0"/>
+              </a:rPr>
+              <a:t>    // Point::Set(&amp;pt1, 10, 20);</a:t>
+            </a:r>
+          </a:p>
+          <a:p>
+            <a:endParaRPr lang="ko-KR" altLang="en-US" sz="1200" dirty="0">
+              <a:solidFill>
+                <a:srgbClr val="FF0000"/>
+              </a:solidFill>
+              <a:latin typeface="DM Mono" panose="020B0509040201040103" pitchFamily="49" charset="0"/>
+            </a:endParaRPr>
+          </a:p>
+          <a:p>
+            <a:r>
+              <a:rPr lang="ko-KR" altLang="en-US" sz="1200" dirty="0">
+                <a:latin typeface="DM Mono" panose="020B0509040201040103" pitchFamily="49" charset="0"/>
+              </a:rPr>
+              <a:t>    pt2.Set(100, 200);</a:t>
+            </a:r>
+          </a:p>
+          <a:p>
+            <a:r>
+              <a:rPr lang="ko-KR" altLang="en-US" sz="1200" dirty="0">
+                <a:latin typeface="DM Mono" panose="020B0509040201040103" pitchFamily="49" charset="0"/>
+              </a:rPr>
+              <a:t>}</a:t>
+            </a:r>
+          </a:p>
+        </p:txBody>
+      </p:sp>
+      <p:sp>
+        <p:nvSpPr>
+          <p:cNvPr id="6" name="직사각형 5">
+            <a:extLst>
+              <a:ext uri="{FF2B5EF4-FFF2-40B4-BE49-F238E27FC236}">
+                <a16:creationId xmlns:a16="http://schemas.microsoft.com/office/drawing/2014/main" id="{497AF81D-76D7-8056-0E48-A27D2DAED0B0}"/>
+              </a:ext>
+            </a:extLst>
+          </p:cNvPr>
+          <p:cNvSpPr/>
+          <p:nvPr/>
+        </p:nvSpPr>
+        <p:spPr>
+          <a:xfrm>
+            <a:off x="4826831" y="4292052"/>
+            <a:ext cx="894414" cy="489811"/>
+          </a:xfrm>
+          <a:prstGeom prst="rect">
+            <a:avLst/>
+          </a:prstGeom>
+          <a:solidFill>
+            <a:srgbClr val="FFFF00"/>
+          </a:solidFill>
+        </p:spPr>
+        <p:style>
+          <a:lnRef idx="2">
+            <a:schemeClr val="accent1">
+              <a:shade val="15000"/>
+            </a:schemeClr>
+          </a:lnRef>
+          <a:fillRef idx="1">
+            <a:schemeClr val="accent1"/>
+          </a:fillRef>
+          <a:effectRef idx="0">
+            <a:schemeClr val="accent1"/>
+          </a:effectRef>
+          <a:fontRef idx="minor">
+            <a:schemeClr val="lt1"/>
+          </a:fontRef>
+        </p:style>
+        <p:txBody>
+          <a:bodyPr rtlCol="0" anchor="ctr"/>
+          <a:lstStyle/>
+          <a:p>
+            <a:pPr algn="ctr"/>
+            <a:r>
+              <a:rPr kumimoji="1" lang="en-US" altLang="ko-KR" sz="1200" dirty="0">
+                <a:solidFill>
+                  <a:srgbClr val="FF0000"/>
+                </a:solidFill>
+                <a:latin typeface="DM Mono" panose="020B0509040201040103" pitchFamily="49" charset="0"/>
+              </a:rPr>
+              <a:t>10</a:t>
+            </a:r>
+            <a:endParaRPr kumimoji="1" lang="ko-KR" altLang="en-US" sz="1200" dirty="0">
+              <a:solidFill>
+                <a:srgbClr val="FF0000"/>
+              </a:solidFill>
+              <a:latin typeface="DM Mono" panose="020B0509040201040103" pitchFamily="49" charset="0"/>
+            </a:endParaRPr>
+          </a:p>
+        </p:txBody>
+      </p:sp>
+      <p:sp>
+        <p:nvSpPr>
+          <p:cNvPr id="7" name="직사각형 6">
+            <a:extLst>
+              <a:ext uri="{FF2B5EF4-FFF2-40B4-BE49-F238E27FC236}">
+                <a16:creationId xmlns:a16="http://schemas.microsoft.com/office/drawing/2014/main" id="{AF2EE9A3-8F09-096C-A367-508A10D26DAB}"/>
+              </a:ext>
+            </a:extLst>
+          </p:cNvPr>
+          <p:cNvSpPr/>
+          <p:nvPr/>
+        </p:nvSpPr>
+        <p:spPr>
+          <a:xfrm>
+            <a:off x="4826831" y="4781863"/>
+            <a:ext cx="894414" cy="489811"/>
+          </a:xfrm>
+          <a:prstGeom prst="rect">
+            <a:avLst/>
+          </a:prstGeom>
+          <a:solidFill>
+            <a:srgbClr val="FFFF00"/>
+          </a:solidFill>
+        </p:spPr>
+        <p:style>
+          <a:lnRef idx="2">
+            <a:schemeClr val="accent1">
+              <a:shade val="15000"/>
+            </a:schemeClr>
+          </a:lnRef>
+          <a:fillRef idx="1">
+            <a:schemeClr val="accent1"/>
+          </a:fillRef>
+          <a:effectRef idx="0">
+            <a:schemeClr val="accent1"/>
+          </a:effectRef>
+          <a:fontRef idx="minor">
+            <a:schemeClr val="lt1"/>
+          </a:fontRef>
+        </p:style>
+        <p:txBody>
+          <a:bodyPr rtlCol="0" anchor="ctr"/>
+          <a:lstStyle/>
+          <a:p>
+            <a:pPr algn="ctr"/>
+            <a:r>
+              <a:rPr kumimoji="1" lang="en-US" altLang="ko-KR" sz="1200" dirty="0">
+                <a:solidFill>
+                  <a:srgbClr val="FF0000"/>
+                </a:solidFill>
+                <a:latin typeface="DM Mono" panose="020B0509040201040103" pitchFamily="49" charset="0"/>
+              </a:rPr>
+              <a:t>20</a:t>
+            </a:r>
+            <a:endParaRPr kumimoji="1" lang="ko-KR" altLang="en-US" sz="1200" dirty="0">
+              <a:solidFill>
+                <a:srgbClr val="FF0000"/>
+              </a:solidFill>
+              <a:latin typeface="DM Mono" panose="020B0509040201040103" pitchFamily="49" charset="0"/>
+            </a:endParaRPr>
+          </a:p>
+        </p:txBody>
+      </p:sp>
+      <p:sp>
+        <p:nvSpPr>
+          <p:cNvPr id="9" name="TextBox 8">
+            <a:extLst>
+              <a:ext uri="{FF2B5EF4-FFF2-40B4-BE49-F238E27FC236}">
+                <a16:creationId xmlns:a16="http://schemas.microsoft.com/office/drawing/2014/main" id="{6C3683A3-A4A3-5B51-3881-A52E2CBE11D0}"/>
+              </a:ext>
+            </a:extLst>
+          </p:cNvPr>
+          <p:cNvSpPr txBox="1"/>
+          <p:nvPr/>
+        </p:nvSpPr>
+        <p:spPr>
+          <a:xfrm>
+            <a:off x="4926766" y="3975304"/>
+            <a:ext cx="694544" cy="276999"/>
+          </a:xfrm>
+          <a:prstGeom prst="rect">
+            <a:avLst/>
+          </a:prstGeom>
+          <a:noFill/>
+        </p:spPr>
+        <p:txBody>
+          <a:bodyPr wrap="square">
+            <a:spAutoFit/>
+          </a:bodyPr>
+          <a:lstStyle/>
+          <a:p>
+            <a:pPr algn="ctr"/>
+            <a:r>
+              <a:rPr lang="ko-KR" altLang="en-US" sz="1200" dirty="0">
+                <a:latin typeface="DM Mono" panose="020B0509040201040103" pitchFamily="49" charset="0"/>
+              </a:rPr>
+              <a:t>pt1</a:t>
+            </a:r>
+          </a:p>
+        </p:txBody>
+      </p:sp>
+      <p:sp>
+        <p:nvSpPr>
+          <p:cNvPr id="11" name="직사각형 10">
+            <a:extLst>
+              <a:ext uri="{FF2B5EF4-FFF2-40B4-BE49-F238E27FC236}">
+                <a16:creationId xmlns:a16="http://schemas.microsoft.com/office/drawing/2014/main" id="{CF948216-1FED-FA1C-FAA9-07A59622A43E}"/>
+              </a:ext>
+            </a:extLst>
+          </p:cNvPr>
+          <p:cNvSpPr/>
+          <p:nvPr/>
+        </p:nvSpPr>
+        <p:spPr>
+          <a:xfrm>
+            <a:off x="6997906" y="4292052"/>
+            <a:ext cx="894414" cy="489811"/>
+          </a:xfrm>
+          <a:prstGeom prst="rect">
+            <a:avLst/>
+          </a:prstGeom>
+          <a:solidFill>
+            <a:srgbClr val="FFFF00"/>
+          </a:solidFill>
+        </p:spPr>
+        <p:style>
+          <a:lnRef idx="2">
+            <a:schemeClr val="accent1">
+              <a:shade val="15000"/>
+            </a:schemeClr>
+          </a:lnRef>
+          <a:fillRef idx="1">
+            <a:schemeClr val="accent1"/>
+          </a:fillRef>
+          <a:effectRef idx="0">
+            <a:schemeClr val="accent1"/>
+          </a:effectRef>
+          <a:fontRef idx="minor">
+            <a:schemeClr val="lt1"/>
+          </a:fontRef>
+        </p:style>
+        <p:txBody>
+          <a:bodyPr rtlCol="0" anchor="ctr"/>
+          <a:lstStyle/>
+          <a:p>
+            <a:pPr algn="ctr"/>
+            <a:endParaRPr kumimoji="1" lang="ko-KR" altLang="en-US" sz="1200" dirty="0">
+              <a:solidFill>
+                <a:schemeClr val="tx1"/>
+              </a:solidFill>
+              <a:latin typeface="DM Mono" panose="020B0509040201040103" pitchFamily="49" charset="0"/>
+            </a:endParaRPr>
+          </a:p>
+        </p:txBody>
+      </p:sp>
+      <p:sp>
+        <p:nvSpPr>
+          <p:cNvPr id="12" name="직사각형 11">
+            <a:extLst>
+              <a:ext uri="{FF2B5EF4-FFF2-40B4-BE49-F238E27FC236}">
+                <a16:creationId xmlns:a16="http://schemas.microsoft.com/office/drawing/2014/main" id="{BEBF9B94-B8C6-FF21-125A-25A4058080CB}"/>
+              </a:ext>
+            </a:extLst>
+          </p:cNvPr>
+          <p:cNvSpPr/>
+          <p:nvPr/>
+        </p:nvSpPr>
+        <p:spPr>
+          <a:xfrm>
+            <a:off x="6997906" y="4781863"/>
+            <a:ext cx="894414" cy="489811"/>
+          </a:xfrm>
+          <a:prstGeom prst="rect">
+            <a:avLst/>
+          </a:prstGeom>
+          <a:solidFill>
+            <a:srgbClr val="FFFF00"/>
+          </a:solidFill>
+        </p:spPr>
+        <p:style>
+          <a:lnRef idx="2">
+            <a:schemeClr val="accent1">
+              <a:shade val="15000"/>
+            </a:schemeClr>
+          </a:lnRef>
+          <a:fillRef idx="1">
+            <a:schemeClr val="accent1"/>
+          </a:fillRef>
+          <a:effectRef idx="0">
+            <a:schemeClr val="accent1"/>
+          </a:effectRef>
+          <a:fontRef idx="minor">
+            <a:schemeClr val="lt1"/>
+          </a:fontRef>
+        </p:style>
+        <p:txBody>
+          <a:bodyPr rtlCol="0" anchor="ctr"/>
+          <a:lstStyle/>
+          <a:p>
+            <a:pPr algn="ctr"/>
+            <a:endParaRPr kumimoji="1" lang="ko-KR" altLang="en-US" sz="1200" dirty="0">
+              <a:solidFill>
+                <a:schemeClr val="tx1"/>
+              </a:solidFill>
+              <a:latin typeface="DM Mono" panose="020B0509040201040103" pitchFamily="49" charset="0"/>
+            </a:endParaRPr>
+          </a:p>
+        </p:txBody>
+      </p:sp>
+      <p:sp>
+        <p:nvSpPr>
+          <p:cNvPr id="13" name="TextBox 12">
+            <a:extLst>
+              <a:ext uri="{FF2B5EF4-FFF2-40B4-BE49-F238E27FC236}">
+                <a16:creationId xmlns:a16="http://schemas.microsoft.com/office/drawing/2014/main" id="{7B8F2939-5FC0-C0E3-CA26-4DC9FB3F9051}"/>
+              </a:ext>
+            </a:extLst>
+          </p:cNvPr>
+          <p:cNvSpPr txBox="1"/>
+          <p:nvPr/>
+        </p:nvSpPr>
+        <p:spPr>
+          <a:xfrm>
+            <a:off x="7097841" y="3975304"/>
+            <a:ext cx="694544" cy="276999"/>
+          </a:xfrm>
+          <a:prstGeom prst="rect">
+            <a:avLst/>
+          </a:prstGeom>
+          <a:noFill/>
+        </p:spPr>
+        <p:txBody>
+          <a:bodyPr wrap="square">
+            <a:spAutoFit/>
+          </a:bodyPr>
+          <a:lstStyle/>
+          <a:p>
+            <a:pPr algn="ctr"/>
+            <a:r>
+              <a:rPr lang="ko-KR" altLang="en-US" sz="1200" dirty="0" err="1">
+                <a:latin typeface="DM Mono" panose="020B0509040201040103" pitchFamily="49" charset="0"/>
+              </a:rPr>
+              <a:t>pt</a:t>
+            </a:r>
+            <a:r>
+              <a:rPr lang="en-US" altLang="ko-KR" sz="1200" dirty="0">
+                <a:latin typeface="DM Mono" panose="020B0509040201040103" pitchFamily="49" charset="0"/>
+              </a:rPr>
+              <a:t>2</a:t>
+            </a:r>
+            <a:endParaRPr lang="ko-KR" altLang="en-US" sz="1200" dirty="0">
+              <a:latin typeface="DM Mono" panose="020B0509040201040103" pitchFamily="49" charset="0"/>
+            </a:endParaRPr>
+          </a:p>
+        </p:txBody>
+      </p:sp>
+      <p:sp>
+        <p:nvSpPr>
+          <p:cNvPr id="14" name="TextBox 13">
+            <a:extLst>
+              <a:ext uri="{FF2B5EF4-FFF2-40B4-BE49-F238E27FC236}">
+                <a16:creationId xmlns:a16="http://schemas.microsoft.com/office/drawing/2014/main" id="{7B8D3D8A-83B0-16ED-6010-D127867DDC34}"/>
+              </a:ext>
+            </a:extLst>
+          </p:cNvPr>
+          <p:cNvSpPr txBox="1"/>
+          <p:nvPr/>
+        </p:nvSpPr>
+        <p:spPr>
+          <a:xfrm>
+            <a:off x="4132287" y="4399801"/>
+            <a:ext cx="694544" cy="276999"/>
+          </a:xfrm>
+          <a:prstGeom prst="rect">
+            <a:avLst/>
+          </a:prstGeom>
+          <a:noFill/>
+        </p:spPr>
+        <p:txBody>
+          <a:bodyPr wrap="square">
+            <a:spAutoFit/>
+          </a:bodyPr>
+          <a:lstStyle/>
+          <a:p>
+            <a:pPr algn="r"/>
+            <a:r>
+              <a:rPr lang="en-US" altLang="ko-KR" sz="1200" dirty="0">
+                <a:latin typeface="DM Mono" panose="020B0509040201040103" pitchFamily="49" charset="0"/>
+              </a:rPr>
+              <a:t>x</a:t>
+            </a:r>
+            <a:endParaRPr lang="ko-KR" altLang="en-US" sz="1200" dirty="0">
+              <a:latin typeface="DM Mono" panose="020B0509040201040103" pitchFamily="49" charset="0"/>
+            </a:endParaRPr>
+          </a:p>
+        </p:txBody>
+      </p:sp>
+      <p:sp>
+        <p:nvSpPr>
+          <p:cNvPr id="15" name="TextBox 14">
+            <a:extLst>
+              <a:ext uri="{FF2B5EF4-FFF2-40B4-BE49-F238E27FC236}">
+                <a16:creationId xmlns:a16="http://schemas.microsoft.com/office/drawing/2014/main" id="{52FBE72B-9F5D-3D91-2325-FC6269AF9E29}"/>
+              </a:ext>
+            </a:extLst>
+          </p:cNvPr>
+          <p:cNvSpPr txBox="1"/>
+          <p:nvPr/>
+        </p:nvSpPr>
+        <p:spPr>
+          <a:xfrm>
+            <a:off x="4132287" y="4886926"/>
+            <a:ext cx="694544" cy="276999"/>
+          </a:xfrm>
+          <a:prstGeom prst="rect">
+            <a:avLst/>
+          </a:prstGeom>
+          <a:noFill/>
+        </p:spPr>
+        <p:txBody>
+          <a:bodyPr wrap="square">
+            <a:spAutoFit/>
+          </a:bodyPr>
+          <a:lstStyle/>
+          <a:p>
+            <a:pPr algn="r"/>
+            <a:r>
+              <a:rPr lang="en-US" altLang="ko-KR" sz="1200" dirty="0">
+                <a:latin typeface="DM Mono" panose="020B0509040201040103" pitchFamily="49" charset="0"/>
+              </a:rPr>
+              <a:t>y</a:t>
+            </a:r>
+            <a:endParaRPr lang="ko-KR" altLang="en-US" sz="1200" dirty="0">
+              <a:latin typeface="DM Mono" panose="020B0509040201040103" pitchFamily="49" charset="0"/>
+            </a:endParaRPr>
+          </a:p>
+        </p:txBody>
+      </p:sp>
+      <p:sp>
+        <p:nvSpPr>
+          <p:cNvPr id="16" name="TextBox 15">
+            <a:extLst>
+              <a:ext uri="{FF2B5EF4-FFF2-40B4-BE49-F238E27FC236}">
+                <a16:creationId xmlns:a16="http://schemas.microsoft.com/office/drawing/2014/main" id="{FFC6CDD4-E241-D487-B453-995D7E652956}"/>
+              </a:ext>
+            </a:extLst>
+          </p:cNvPr>
+          <p:cNvSpPr txBox="1"/>
+          <p:nvPr/>
+        </p:nvSpPr>
+        <p:spPr>
+          <a:xfrm>
+            <a:off x="6303362" y="4399801"/>
+            <a:ext cx="694544" cy="276999"/>
+          </a:xfrm>
+          <a:prstGeom prst="rect">
+            <a:avLst/>
+          </a:prstGeom>
+          <a:noFill/>
+        </p:spPr>
+        <p:txBody>
+          <a:bodyPr wrap="square">
+            <a:spAutoFit/>
+          </a:bodyPr>
+          <a:lstStyle/>
+          <a:p>
+            <a:pPr algn="r"/>
+            <a:r>
+              <a:rPr lang="en-US" altLang="ko-KR" sz="1200" dirty="0">
+                <a:latin typeface="DM Mono" panose="020B0509040201040103" pitchFamily="49" charset="0"/>
+              </a:rPr>
+              <a:t>x</a:t>
+            </a:r>
+            <a:endParaRPr lang="ko-KR" altLang="en-US" sz="1200" dirty="0">
+              <a:latin typeface="DM Mono" panose="020B0509040201040103" pitchFamily="49" charset="0"/>
+            </a:endParaRPr>
+          </a:p>
+        </p:txBody>
+      </p:sp>
+      <p:sp>
+        <p:nvSpPr>
+          <p:cNvPr id="17" name="TextBox 16">
+            <a:extLst>
+              <a:ext uri="{FF2B5EF4-FFF2-40B4-BE49-F238E27FC236}">
+                <a16:creationId xmlns:a16="http://schemas.microsoft.com/office/drawing/2014/main" id="{06DD7A42-F96D-D40A-5C00-F280A639F83E}"/>
+              </a:ext>
+            </a:extLst>
+          </p:cNvPr>
+          <p:cNvSpPr txBox="1"/>
+          <p:nvPr/>
+        </p:nvSpPr>
+        <p:spPr>
+          <a:xfrm>
+            <a:off x="6303362" y="4886926"/>
+            <a:ext cx="694544" cy="276999"/>
+          </a:xfrm>
+          <a:prstGeom prst="rect">
+            <a:avLst/>
+          </a:prstGeom>
+          <a:noFill/>
+        </p:spPr>
+        <p:txBody>
+          <a:bodyPr wrap="square">
+            <a:spAutoFit/>
+          </a:bodyPr>
+          <a:lstStyle/>
+          <a:p>
+            <a:pPr algn="r"/>
+            <a:r>
+              <a:rPr lang="en-US" altLang="ko-KR" sz="1200" dirty="0">
+                <a:latin typeface="DM Mono" panose="020B0509040201040103" pitchFamily="49" charset="0"/>
+              </a:rPr>
+              <a:t>y</a:t>
+            </a:r>
+            <a:endParaRPr lang="ko-KR" altLang="en-US" sz="1200" dirty="0">
+              <a:latin typeface="DM Mono" panose="020B0509040201040103" pitchFamily="49" charset="0"/>
+            </a:endParaRPr>
+          </a:p>
+        </p:txBody>
+      </p:sp>
+      <p:sp>
+        <p:nvSpPr>
+          <p:cNvPr id="19" name="TextBox 18">
+            <a:extLst>
+              <a:ext uri="{FF2B5EF4-FFF2-40B4-BE49-F238E27FC236}">
+                <a16:creationId xmlns:a16="http://schemas.microsoft.com/office/drawing/2014/main" id="{AD22D008-43A8-0361-7711-1040865B16B9}"/>
+              </a:ext>
+            </a:extLst>
+          </p:cNvPr>
+          <p:cNvSpPr txBox="1"/>
+          <p:nvPr/>
+        </p:nvSpPr>
+        <p:spPr>
+          <a:xfrm>
+            <a:off x="4132287" y="1405368"/>
+            <a:ext cx="6096000" cy="1323439"/>
+          </a:xfrm>
+          <a:prstGeom prst="rect">
+            <a:avLst/>
+          </a:prstGeom>
+          <a:noFill/>
+        </p:spPr>
+        <p:txBody>
+          <a:bodyPr wrap="square">
+            <a:spAutoFit/>
+          </a:bodyPr>
+          <a:lstStyle/>
+          <a:p>
+            <a:r>
+              <a:rPr lang="ko-KR" altLang="en-US" sz="1600" dirty="0">
+                <a:latin typeface="DM Mono" panose="020B0509040201040103" pitchFamily="49" charset="0"/>
+              </a:rPr>
+              <a:t> </a:t>
+            </a:r>
+            <a:r>
+              <a:rPr lang="en-US" altLang="ko-KR" sz="1600" dirty="0">
+                <a:latin typeface="DM Mono" panose="020B0509040201040103" pitchFamily="49" charset="0"/>
+              </a:rPr>
+              <a:t>   </a:t>
+            </a:r>
+            <a:r>
+              <a:rPr lang="ko-KR" altLang="en-US" sz="1600" dirty="0" err="1">
+                <a:latin typeface="DM Mono" panose="020B0509040201040103" pitchFamily="49" charset="0"/>
+              </a:rPr>
+              <a:t>void</a:t>
+            </a:r>
+            <a:r>
+              <a:rPr lang="ko-KR" altLang="en-US" sz="1600" dirty="0">
+                <a:latin typeface="DM Mono" panose="020B0509040201040103" pitchFamily="49" charset="0"/>
+              </a:rPr>
+              <a:t> </a:t>
+            </a:r>
+            <a:r>
+              <a:rPr lang="en-US" altLang="ko-KR" sz="1600" dirty="0">
+                <a:latin typeface="DM Mono" panose="020B0509040201040103" pitchFamily="49" charset="0"/>
+              </a:rPr>
+              <a:t>Point::</a:t>
+            </a:r>
+            <a:r>
+              <a:rPr lang="ko-KR" altLang="en-US" sz="1600" dirty="0" err="1">
+                <a:latin typeface="DM Mono" panose="020B0509040201040103" pitchFamily="49" charset="0"/>
+              </a:rPr>
+              <a:t>Set</a:t>
+            </a:r>
+            <a:r>
+              <a:rPr lang="ko-KR" altLang="en-US" sz="1600" dirty="0">
+                <a:latin typeface="DM Mono" panose="020B0509040201040103" pitchFamily="49" charset="0"/>
+              </a:rPr>
+              <a:t>(</a:t>
+            </a:r>
+            <a:r>
+              <a:rPr lang="en-US" altLang="ko-KR" sz="1600" dirty="0">
+                <a:solidFill>
+                  <a:srgbClr val="FF0000"/>
+                </a:solidFill>
+                <a:latin typeface="DM Mono" panose="020B0509040201040103" pitchFamily="49" charset="0"/>
+              </a:rPr>
+              <a:t>Point* this</a:t>
+            </a:r>
+            <a:r>
+              <a:rPr lang="en-US" altLang="ko-KR" sz="1600" dirty="0">
+                <a:latin typeface="DM Mono" panose="020B0509040201040103" pitchFamily="49" charset="0"/>
+              </a:rPr>
+              <a:t>, </a:t>
+            </a:r>
+            <a:r>
+              <a:rPr lang="ko-KR" altLang="en-US" sz="1600" dirty="0" err="1">
+                <a:latin typeface="DM Mono" panose="020B0509040201040103" pitchFamily="49" charset="0"/>
+              </a:rPr>
+              <a:t>int</a:t>
+            </a:r>
+            <a:r>
+              <a:rPr lang="ko-KR" altLang="en-US" sz="1600" dirty="0">
+                <a:latin typeface="DM Mono" panose="020B0509040201040103" pitchFamily="49" charset="0"/>
+              </a:rPr>
+              <a:t> </a:t>
+            </a:r>
+            <a:r>
+              <a:rPr lang="ko-KR" altLang="en-US" sz="1600" dirty="0" err="1">
+                <a:latin typeface="DM Mono" panose="020B0509040201040103" pitchFamily="49" charset="0"/>
+              </a:rPr>
+              <a:t>a</a:t>
+            </a:r>
+            <a:r>
+              <a:rPr lang="ko-KR" altLang="en-US" sz="1600" dirty="0">
+                <a:latin typeface="DM Mono" panose="020B0509040201040103" pitchFamily="49" charset="0"/>
+              </a:rPr>
+              <a:t>, </a:t>
+            </a:r>
+            <a:r>
+              <a:rPr lang="ko-KR" altLang="en-US" sz="1600" dirty="0" err="1">
+                <a:latin typeface="DM Mono" panose="020B0509040201040103" pitchFamily="49" charset="0"/>
+              </a:rPr>
+              <a:t>int</a:t>
+            </a:r>
+            <a:r>
+              <a:rPr lang="ko-KR" altLang="en-US" sz="1600" dirty="0">
+                <a:latin typeface="DM Mono" panose="020B0509040201040103" pitchFamily="49" charset="0"/>
+              </a:rPr>
+              <a:t> </a:t>
+            </a:r>
+            <a:r>
+              <a:rPr lang="ko-KR" altLang="en-US" sz="1600" dirty="0" err="1">
+                <a:latin typeface="DM Mono" panose="020B0509040201040103" pitchFamily="49" charset="0"/>
+              </a:rPr>
+              <a:t>b</a:t>
+            </a:r>
+            <a:r>
+              <a:rPr lang="ko-KR" altLang="en-US" sz="1600" dirty="0">
+                <a:latin typeface="DM Mono" panose="020B0509040201040103" pitchFamily="49" charset="0"/>
+              </a:rPr>
+              <a:t>)</a:t>
+            </a:r>
+          </a:p>
+          <a:p>
+            <a:r>
+              <a:rPr lang="ko-KR" altLang="en-US" sz="1600" dirty="0">
+                <a:latin typeface="DM Mono" panose="020B0509040201040103" pitchFamily="49" charset="0"/>
+              </a:rPr>
+              <a:t>    {</a:t>
+            </a:r>
+          </a:p>
+          <a:p>
+            <a:r>
+              <a:rPr lang="ko-KR" altLang="en-US" sz="1600" dirty="0">
+                <a:latin typeface="DM Mono" panose="020B0509040201040103" pitchFamily="49" charset="0"/>
+              </a:rPr>
+              <a:t>        </a:t>
+            </a:r>
+            <a:r>
+              <a:rPr lang="en-US" altLang="ko-KR" sz="1600" dirty="0">
+                <a:solidFill>
+                  <a:srgbClr val="FF0000"/>
+                </a:solidFill>
+                <a:latin typeface="DM Mono" panose="020B0509040201040103" pitchFamily="49" charset="0"/>
+              </a:rPr>
+              <a:t>this-&gt;</a:t>
+            </a:r>
+            <a:r>
+              <a:rPr lang="ko-KR" altLang="en-US" sz="1600" dirty="0" err="1">
+                <a:latin typeface="DM Mono" panose="020B0509040201040103" pitchFamily="49" charset="0"/>
+              </a:rPr>
+              <a:t>x</a:t>
+            </a:r>
+            <a:r>
+              <a:rPr lang="ko-KR" altLang="en-US" sz="1600" dirty="0">
+                <a:latin typeface="DM Mono" panose="020B0509040201040103" pitchFamily="49" charset="0"/>
+              </a:rPr>
+              <a:t> = </a:t>
+            </a:r>
+            <a:r>
+              <a:rPr lang="ko-KR" altLang="en-US" sz="1600" dirty="0" err="1">
+                <a:latin typeface="DM Mono" panose="020B0509040201040103" pitchFamily="49" charset="0"/>
+              </a:rPr>
+              <a:t>a</a:t>
+            </a:r>
+            <a:r>
+              <a:rPr lang="ko-KR" altLang="en-US" sz="1600" dirty="0">
+                <a:latin typeface="DM Mono" panose="020B0509040201040103" pitchFamily="49" charset="0"/>
+              </a:rPr>
+              <a:t>;</a:t>
+            </a:r>
+          </a:p>
+          <a:p>
+            <a:r>
+              <a:rPr lang="ko-KR" altLang="en-US" sz="1600" dirty="0">
+                <a:latin typeface="DM Mono" panose="020B0509040201040103" pitchFamily="49" charset="0"/>
+              </a:rPr>
+              <a:t>        </a:t>
+            </a:r>
+            <a:r>
+              <a:rPr lang="en-US" altLang="ko-KR" sz="1600" dirty="0">
+                <a:solidFill>
+                  <a:srgbClr val="FF0000"/>
+                </a:solidFill>
+                <a:latin typeface="DM Mono" panose="020B0509040201040103" pitchFamily="49" charset="0"/>
+              </a:rPr>
+              <a:t>this-&gt;</a:t>
+            </a:r>
+            <a:r>
+              <a:rPr lang="ko-KR" altLang="en-US" sz="1600" dirty="0" err="1">
+                <a:latin typeface="DM Mono" panose="020B0509040201040103" pitchFamily="49" charset="0"/>
+              </a:rPr>
+              <a:t>y</a:t>
+            </a:r>
+            <a:r>
+              <a:rPr lang="ko-KR" altLang="en-US" sz="1600" dirty="0">
+                <a:latin typeface="DM Mono" panose="020B0509040201040103" pitchFamily="49" charset="0"/>
+              </a:rPr>
+              <a:t> = </a:t>
+            </a:r>
+            <a:r>
+              <a:rPr lang="ko-KR" altLang="en-US" sz="1600" dirty="0" err="1">
+                <a:latin typeface="DM Mono" panose="020B0509040201040103" pitchFamily="49" charset="0"/>
+              </a:rPr>
+              <a:t>b</a:t>
+            </a:r>
+            <a:r>
+              <a:rPr lang="ko-KR" altLang="en-US" sz="1600" dirty="0">
+                <a:latin typeface="DM Mono" panose="020B0509040201040103" pitchFamily="49" charset="0"/>
+              </a:rPr>
+              <a:t>;</a:t>
+            </a:r>
+          </a:p>
+          <a:p>
+            <a:r>
+              <a:rPr lang="ko-KR" altLang="en-US" sz="1600" dirty="0">
+                <a:latin typeface="DM Mono" panose="020B0509040201040103" pitchFamily="49" charset="0"/>
+              </a:rPr>
+              <a:t>    }</a:t>
+            </a:r>
+          </a:p>
+        </p:txBody>
+      </p:sp>
+      <p:sp>
+        <p:nvSpPr>
+          <p:cNvPr id="20" name="직사각형 19">
+            <a:extLst>
+              <a:ext uri="{FF2B5EF4-FFF2-40B4-BE49-F238E27FC236}">
+                <a16:creationId xmlns:a16="http://schemas.microsoft.com/office/drawing/2014/main" id="{352B7BFB-46A4-BBCD-DB13-421E590C05DB}"/>
+              </a:ext>
+            </a:extLst>
+          </p:cNvPr>
+          <p:cNvSpPr/>
+          <p:nvPr/>
+        </p:nvSpPr>
+        <p:spPr>
+          <a:xfrm>
+            <a:off x="874426" y="929803"/>
+            <a:ext cx="2468381" cy="1253764"/>
+          </a:xfrm>
+          <a:prstGeom prst="rect">
+            <a:avLst/>
+          </a:prstGeom>
+          <a:noFill/>
+        </p:spPr>
+        <p:style>
+          <a:lnRef idx="2">
+            <a:schemeClr val="accent1">
+              <a:shade val="15000"/>
+            </a:schemeClr>
+          </a:lnRef>
+          <a:fillRef idx="1">
+            <a:schemeClr val="accent1"/>
+          </a:fillRef>
+          <a:effectRef idx="0">
+            <a:schemeClr val="accent1"/>
+          </a:effectRef>
+          <a:fontRef idx="minor">
+            <a:schemeClr val="lt1"/>
+          </a:fontRef>
+        </p:style>
+        <p:txBody>
+          <a:bodyPr rtlCol="0" anchor="ctr"/>
+          <a:lstStyle/>
+          <a:p>
+            <a:pPr algn="ctr"/>
+            <a:endParaRPr kumimoji="1" lang="ko-KR" altLang="en-US"/>
+          </a:p>
+        </p:txBody>
+      </p:sp>
+      <p:cxnSp>
+        <p:nvCxnSpPr>
+          <p:cNvPr id="22" name="구부러진 연결선[U] 21">
+            <a:extLst>
+              <a:ext uri="{FF2B5EF4-FFF2-40B4-BE49-F238E27FC236}">
+                <a16:creationId xmlns:a16="http://schemas.microsoft.com/office/drawing/2014/main" id="{BDE9F4A6-8820-8E90-26AD-840D961E229C}"/>
+              </a:ext>
+            </a:extLst>
+          </p:cNvPr>
+          <p:cNvCxnSpPr>
+            <a:endCxn id="19" idx="1"/>
+          </p:cNvCxnSpPr>
+          <p:nvPr/>
+        </p:nvCxnSpPr>
+        <p:spPr>
+          <a:xfrm>
+            <a:off x="3332813" y="1533993"/>
+            <a:ext cx="799474" cy="533095"/>
+          </a:xfrm>
+          <a:prstGeom prst="curvedConnector3">
+            <a:avLst/>
+          </a:prstGeom>
+          <a:ln>
+            <a:tailEnd type="triangle"/>
+          </a:ln>
+        </p:spPr>
+        <p:style>
+          <a:lnRef idx="1">
+            <a:schemeClr val="accent1"/>
+          </a:lnRef>
+          <a:fillRef idx="0">
+            <a:schemeClr val="accent1"/>
+          </a:fillRef>
+          <a:effectRef idx="0">
+            <a:schemeClr val="accent1"/>
+          </a:effectRef>
+          <a:fontRef idx="minor">
+            <a:schemeClr val="tx1"/>
+          </a:fontRef>
+        </p:style>
+      </p:cxnSp>
+      <p:sp>
+        <p:nvSpPr>
+          <p:cNvPr id="2" name="직사각형 1">
+            <a:extLst>
+              <a:ext uri="{FF2B5EF4-FFF2-40B4-BE49-F238E27FC236}">
+                <a16:creationId xmlns:a16="http://schemas.microsoft.com/office/drawing/2014/main" id="{E1ED180E-2837-7773-E84F-62E94D46DE98}"/>
+              </a:ext>
+            </a:extLst>
+          </p:cNvPr>
+          <p:cNvSpPr/>
+          <p:nvPr/>
+        </p:nvSpPr>
+        <p:spPr>
+          <a:xfrm>
+            <a:off x="7445113" y="1400744"/>
+            <a:ext cx="589615" cy="336872"/>
+          </a:xfrm>
+          <a:prstGeom prst="rect">
+            <a:avLst/>
+          </a:prstGeom>
+          <a:noFill/>
+        </p:spPr>
+        <p:style>
+          <a:lnRef idx="2">
+            <a:schemeClr val="accent1">
+              <a:shade val="15000"/>
+            </a:schemeClr>
+          </a:lnRef>
+          <a:fillRef idx="1">
+            <a:schemeClr val="accent1"/>
+          </a:fillRef>
+          <a:effectRef idx="0">
+            <a:schemeClr val="accent1"/>
+          </a:effectRef>
+          <a:fontRef idx="minor">
+            <a:schemeClr val="lt1"/>
+          </a:fontRef>
+        </p:style>
+        <p:txBody>
+          <a:bodyPr rtlCol="0" anchor="ctr"/>
+          <a:lstStyle/>
+          <a:p>
+            <a:pPr algn="ctr"/>
+            <a:endParaRPr kumimoji="1" lang="ko-KR" altLang="en-US"/>
+          </a:p>
+        </p:txBody>
+      </p:sp>
+      <p:cxnSp>
+        <p:nvCxnSpPr>
+          <p:cNvPr id="4" name="구부러진 연결선[U] 3">
+            <a:extLst>
+              <a:ext uri="{FF2B5EF4-FFF2-40B4-BE49-F238E27FC236}">
+                <a16:creationId xmlns:a16="http://schemas.microsoft.com/office/drawing/2014/main" id="{0813B94D-D972-D49D-C1CD-7AD5546EA105}"/>
+              </a:ext>
+            </a:extLst>
+          </p:cNvPr>
+          <p:cNvCxnSpPr>
+            <a:endCxn id="6" idx="0"/>
+          </p:cNvCxnSpPr>
+          <p:nvPr/>
+        </p:nvCxnSpPr>
+        <p:spPr>
+          <a:xfrm rot="5400000">
+            <a:off x="5240377" y="1782514"/>
+            <a:ext cx="2543200" cy="2475877"/>
+          </a:xfrm>
+          <a:prstGeom prst="curvedConnector3">
+            <a:avLst/>
+          </a:prstGeom>
+          <a:ln>
+            <a:tailEnd type="triangle"/>
+          </a:ln>
+        </p:spPr>
+        <p:style>
+          <a:lnRef idx="1">
+            <a:schemeClr val="dk1"/>
+          </a:lnRef>
+          <a:fillRef idx="0">
+            <a:schemeClr val="dk1"/>
+          </a:fillRef>
+          <a:effectRef idx="0">
+            <a:schemeClr val="dk1"/>
+          </a:effectRef>
+          <a:fontRef idx="minor">
+            <a:schemeClr val="tx1"/>
+          </a:fontRef>
+        </p:style>
+      </p:cxnSp>
+    </p:spTree>
+    <p:extLst>
+      <p:ext uri="{BB962C8B-B14F-4D97-AF65-F5344CB8AC3E}">
+        <p14:creationId xmlns:p14="http://schemas.microsoft.com/office/powerpoint/2010/main" val="377993"/>
+      </p:ext>
+    </p:extLst>
+  </p:cSld>
+  <p:clrMapOvr>
+    <a:masterClrMapping/>
+  </p:clrMapOvr>
+</p:sld>
+</file>
+
+<file path=ppt/slides/slide13.xml><?xml version="1.0" encoding="utf-8"?>
+<p:sld xmlns:a="http://schemas.openxmlformats.org/drawingml/2006/main" xmlns:r="http://schemas.openxmlformats.org/officeDocument/2006/relationships" xmlns:p="http://schemas.openxmlformats.org/presentationml/2006/main">
+  <p:cSld>
+    <p:spTree>
+      <p:nvGrpSpPr>
+        <p:cNvPr id="1" name=""/>
+        <p:cNvGrpSpPr/>
+        <p:nvPr/>
+      </p:nvGrpSpPr>
+      <p:grpSpPr>
+        <a:xfrm>
+          <a:off x="0" y="0"/>
+          <a:ext cx="0" cy="0"/>
+          <a:chOff x="0" y="0"/>
+          <a:chExt cx="0" cy="0"/>
+        </a:xfrm>
+      </p:grpSpPr>
+      <p:sp>
+        <p:nvSpPr>
+          <p:cNvPr id="5" name="TextBox 4">
+            <a:extLst>
+              <a:ext uri="{FF2B5EF4-FFF2-40B4-BE49-F238E27FC236}">
+                <a16:creationId xmlns:a16="http://schemas.microsoft.com/office/drawing/2014/main" id="{9A9D1FFE-CF90-EAF6-40D0-19E8F9A89833}"/>
+              </a:ext>
+            </a:extLst>
+          </p:cNvPr>
+          <p:cNvSpPr txBox="1"/>
+          <p:nvPr/>
+        </p:nvSpPr>
+        <p:spPr>
+          <a:xfrm>
+            <a:off x="574623" y="83033"/>
+            <a:ext cx="3672590" cy="4154984"/>
+          </a:xfrm>
+          <a:prstGeom prst="rect">
+            <a:avLst/>
+          </a:prstGeom>
+          <a:noFill/>
+        </p:spPr>
+        <p:txBody>
+          <a:bodyPr wrap="square">
+            <a:spAutoFit/>
+          </a:bodyPr>
+          <a:lstStyle/>
+          <a:p>
+            <a:r>
+              <a:rPr lang="ko-KR" altLang="en-US" sz="1200" dirty="0" err="1">
+                <a:latin typeface="DM Mono" panose="020B0509040201040103" pitchFamily="49" charset="0"/>
+              </a:rPr>
+              <a:t>class</a:t>
+            </a:r>
+            <a:r>
+              <a:rPr lang="ko-KR" altLang="en-US" sz="1200" dirty="0">
+                <a:latin typeface="DM Mono" panose="020B0509040201040103" pitchFamily="49" charset="0"/>
+              </a:rPr>
+              <a:t> </a:t>
+            </a:r>
+            <a:r>
+              <a:rPr lang="ko-KR" altLang="en-US" sz="1200" dirty="0" err="1">
+                <a:latin typeface="DM Mono" panose="020B0509040201040103" pitchFamily="49" charset="0"/>
+              </a:rPr>
+              <a:t>Point</a:t>
+            </a:r>
+            <a:r>
+              <a:rPr lang="ko-KR" altLang="en-US" sz="1200" dirty="0">
+                <a:latin typeface="DM Mono" panose="020B0509040201040103" pitchFamily="49" charset="0"/>
+              </a:rPr>
+              <a:t> {</a:t>
+            </a:r>
+          </a:p>
+          <a:p>
+            <a:r>
+              <a:rPr lang="ko-KR" altLang="en-US" sz="1200" dirty="0">
+                <a:latin typeface="DM Mono" panose="020B0509040201040103" pitchFamily="49" charset="0"/>
+              </a:rPr>
+              <a:t>    </a:t>
+            </a:r>
+            <a:r>
+              <a:rPr lang="ko-KR" altLang="en-US" sz="1200" dirty="0" err="1">
+                <a:latin typeface="DM Mono" panose="020B0509040201040103" pitchFamily="49" charset="0"/>
+              </a:rPr>
+              <a:t>int</a:t>
+            </a:r>
+            <a:r>
+              <a:rPr lang="ko-KR" altLang="en-US" sz="1200" dirty="0">
+                <a:latin typeface="DM Mono" panose="020B0509040201040103" pitchFamily="49" charset="0"/>
+              </a:rPr>
+              <a:t> </a:t>
+            </a:r>
+            <a:r>
+              <a:rPr lang="ko-KR" altLang="en-US" sz="1200" dirty="0" err="1">
+                <a:latin typeface="DM Mono" panose="020B0509040201040103" pitchFamily="49" charset="0"/>
+              </a:rPr>
+              <a:t>x</a:t>
+            </a:r>
+            <a:r>
+              <a:rPr lang="ko-KR" altLang="en-US" sz="1200" dirty="0">
+                <a:latin typeface="DM Mono" panose="020B0509040201040103" pitchFamily="49" charset="0"/>
+              </a:rPr>
+              <a:t>;</a:t>
+            </a:r>
+          </a:p>
+          <a:p>
+            <a:r>
+              <a:rPr lang="ko-KR" altLang="en-US" sz="1200" dirty="0">
+                <a:latin typeface="DM Mono" panose="020B0509040201040103" pitchFamily="49" charset="0"/>
+              </a:rPr>
+              <a:t>    </a:t>
+            </a:r>
+            <a:r>
+              <a:rPr lang="ko-KR" altLang="en-US" sz="1200" dirty="0" err="1">
+                <a:latin typeface="DM Mono" panose="020B0509040201040103" pitchFamily="49" charset="0"/>
+              </a:rPr>
+              <a:t>int</a:t>
+            </a:r>
+            <a:r>
+              <a:rPr lang="ko-KR" altLang="en-US" sz="1200" dirty="0">
+                <a:latin typeface="DM Mono" panose="020B0509040201040103" pitchFamily="49" charset="0"/>
+              </a:rPr>
+              <a:t> </a:t>
+            </a:r>
+            <a:r>
+              <a:rPr lang="ko-KR" altLang="en-US" sz="1200" dirty="0" err="1">
+                <a:latin typeface="DM Mono" panose="020B0509040201040103" pitchFamily="49" charset="0"/>
+              </a:rPr>
+              <a:t>y</a:t>
+            </a:r>
+            <a:r>
+              <a:rPr lang="ko-KR" altLang="en-US" sz="1200" dirty="0">
+                <a:latin typeface="DM Mono" panose="020B0509040201040103" pitchFamily="49" charset="0"/>
+              </a:rPr>
+              <a:t>;</a:t>
+            </a:r>
+          </a:p>
+          <a:p>
+            <a:endParaRPr lang="ko-KR" altLang="en-US" sz="1200" dirty="0">
+              <a:latin typeface="DM Mono" panose="020B0509040201040103" pitchFamily="49" charset="0"/>
+            </a:endParaRPr>
+          </a:p>
+          <a:p>
+            <a:r>
+              <a:rPr lang="ko-KR" altLang="en-US" sz="1200" dirty="0" err="1">
+                <a:latin typeface="DM Mono" panose="020B0509040201040103" pitchFamily="49" charset="0"/>
+              </a:rPr>
+              <a:t>public</a:t>
+            </a:r>
+            <a:r>
+              <a:rPr lang="ko-KR" altLang="en-US" sz="1200" dirty="0">
+                <a:latin typeface="DM Mono" panose="020B0509040201040103" pitchFamily="49" charset="0"/>
+              </a:rPr>
+              <a:t>:</a:t>
+            </a:r>
+          </a:p>
+          <a:p>
+            <a:r>
+              <a:rPr lang="ko-KR" altLang="en-US" sz="1200" dirty="0">
+                <a:latin typeface="DM Mono" panose="020B0509040201040103" pitchFamily="49" charset="0"/>
+              </a:rPr>
+              <a:t>    </a:t>
+            </a:r>
+            <a:r>
+              <a:rPr lang="ko-KR" altLang="en-US" sz="1200" dirty="0" err="1">
+                <a:latin typeface="DM Mono" panose="020B0509040201040103" pitchFamily="49" charset="0"/>
+              </a:rPr>
+              <a:t>void</a:t>
+            </a:r>
+            <a:r>
+              <a:rPr lang="ko-KR" altLang="en-US" sz="1200" dirty="0">
+                <a:latin typeface="DM Mono" panose="020B0509040201040103" pitchFamily="49" charset="0"/>
+              </a:rPr>
+              <a:t> </a:t>
+            </a:r>
+            <a:r>
+              <a:rPr lang="ko-KR" altLang="en-US" sz="1200" dirty="0" err="1">
+                <a:latin typeface="DM Mono" panose="020B0509040201040103" pitchFamily="49" charset="0"/>
+              </a:rPr>
+              <a:t>Set</a:t>
+            </a:r>
+            <a:r>
+              <a:rPr lang="ko-KR" altLang="en-US" sz="1200" dirty="0">
+                <a:latin typeface="DM Mono" panose="020B0509040201040103" pitchFamily="49" charset="0"/>
+              </a:rPr>
+              <a:t>(</a:t>
+            </a:r>
+            <a:r>
+              <a:rPr lang="ko-KR" altLang="en-US" sz="1200" dirty="0" err="1">
+                <a:latin typeface="DM Mono" panose="020B0509040201040103" pitchFamily="49" charset="0"/>
+              </a:rPr>
+              <a:t>int</a:t>
+            </a:r>
+            <a:r>
+              <a:rPr lang="ko-KR" altLang="en-US" sz="1200" dirty="0">
+                <a:latin typeface="DM Mono" panose="020B0509040201040103" pitchFamily="49" charset="0"/>
+              </a:rPr>
+              <a:t> </a:t>
+            </a:r>
+            <a:r>
+              <a:rPr lang="ko-KR" altLang="en-US" sz="1200" dirty="0" err="1">
+                <a:latin typeface="DM Mono" panose="020B0509040201040103" pitchFamily="49" charset="0"/>
+              </a:rPr>
+              <a:t>a</a:t>
+            </a:r>
+            <a:r>
+              <a:rPr lang="ko-KR" altLang="en-US" sz="1200" dirty="0">
+                <a:latin typeface="DM Mono" panose="020B0509040201040103" pitchFamily="49" charset="0"/>
+              </a:rPr>
+              <a:t>, </a:t>
+            </a:r>
+            <a:r>
+              <a:rPr lang="ko-KR" altLang="en-US" sz="1200" dirty="0" err="1">
+                <a:latin typeface="DM Mono" panose="020B0509040201040103" pitchFamily="49" charset="0"/>
+              </a:rPr>
+              <a:t>int</a:t>
+            </a:r>
+            <a:r>
+              <a:rPr lang="ko-KR" altLang="en-US" sz="1200" dirty="0">
+                <a:latin typeface="DM Mono" panose="020B0509040201040103" pitchFamily="49" charset="0"/>
+              </a:rPr>
+              <a:t> </a:t>
+            </a:r>
+            <a:r>
+              <a:rPr lang="ko-KR" altLang="en-US" sz="1200" dirty="0" err="1">
+                <a:latin typeface="DM Mono" panose="020B0509040201040103" pitchFamily="49" charset="0"/>
+              </a:rPr>
+              <a:t>b</a:t>
+            </a:r>
+            <a:r>
+              <a:rPr lang="ko-KR" altLang="en-US" sz="1200" dirty="0">
+                <a:latin typeface="DM Mono" panose="020B0509040201040103" pitchFamily="49" charset="0"/>
+              </a:rPr>
+              <a:t>)</a:t>
+            </a:r>
+          </a:p>
+          <a:p>
+            <a:r>
+              <a:rPr lang="ko-KR" altLang="en-US" sz="1200" dirty="0">
+                <a:latin typeface="DM Mono" panose="020B0509040201040103" pitchFamily="49" charset="0"/>
+              </a:rPr>
+              <a:t>    {</a:t>
+            </a:r>
+          </a:p>
+          <a:p>
+            <a:r>
+              <a:rPr lang="ko-KR" altLang="en-US" sz="1200" dirty="0">
+                <a:latin typeface="DM Mono" panose="020B0509040201040103" pitchFamily="49" charset="0"/>
+              </a:rPr>
+              <a:t>        </a:t>
+            </a:r>
+            <a:r>
+              <a:rPr lang="ko-KR" altLang="en-US" sz="1200" dirty="0" err="1">
+                <a:latin typeface="DM Mono" panose="020B0509040201040103" pitchFamily="49" charset="0"/>
+              </a:rPr>
+              <a:t>x</a:t>
+            </a:r>
+            <a:r>
+              <a:rPr lang="ko-KR" altLang="en-US" sz="1200" dirty="0">
+                <a:latin typeface="DM Mono" panose="020B0509040201040103" pitchFamily="49" charset="0"/>
+              </a:rPr>
+              <a:t> = </a:t>
+            </a:r>
+            <a:r>
+              <a:rPr lang="ko-KR" altLang="en-US" sz="1200" dirty="0" err="1">
+                <a:latin typeface="DM Mono" panose="020B0509040201040103" pitchFamily="49" charset="0"/>
+              </a:rPr>
+              <a:t>a</a:t>
+            </a:r>
+            <a:r>
+              <a:rPr lang="ko-KR" altLang="en-US" sz="1200" dirty="0">
+                <a:latin typeface="DM Mono" panose="020B0509040201040103" pitchFamily="49" charset="0"/>
+              </a:rPr>
+              <a:t>;</a:t>
+            </a:r>
+          </a:p>
+          <a:p>
+            <a:r>
+              <a:rPr lang="ko-KR" altLang="en-US" sz="1200" dirty="0">
+                <a:latin typeface="DM Mono" panose="020B0509040201040103" pitchFamily="49" charset="0"/>
+              </a:rPr>
+              <a:t>        </a:t>
+            </a:r>
+            <a:r>
+              <a:rPr lang="ko-KR" altLang="en-US" sz="1200" dirty="0" err="1">
+                <a:latin typeface="DM Mono" panose="020B0509040201040103" pitchFamily="49" charset="0"/>
+              </a:rPr>
+              <a:t>y</a:t>
+            </a:r>
+            <a:r>
+              <a:rPr lang="ko-KR" altLang="en-US" sz="1200" dirty="0">
+                <a:latin typeface="DM Mono" panose="020B0509040201040103" pitchFamily="49" charset="0"/>
+              </a:rPr>
+              <a:t> = </a:t>
+            </a:r>
+            <a:r>
+              <a:rPr lang="ko-KR" altLang="en-US" sz="1200" dirty="0" err="1">
+                <a:latin typeface="DM Mono" panose="020B0509040201040103" pitchFamily="49" charset="0"/>
+              </a:rPr>
+              <a:t>b</a:t>
+            </a:r>
+            <a:r>
+              <a:rPr lang="ko-KR" altLang="en-US" sz="1200" dirty="0">
+                <a:latin typeface="DM Mono" panose="020B0509040201040103" pitchFamily="49" charset="0"/>
+              </a:rPr>
+              <a:t>;</a:t>
+            </a:r>
+          </a:p>
+          <a:p>
+            <a:r>
+              <a:rPr lang="ko-KR" altLang="en-US" sz="1200" dirty="0">
+                <a:latin typeface="DM Mono" panose="020B0509040201040103" pitchFamily="49" charset="0"/>
+              </a:rPr>
+              <a:t>    }</a:t>
+            </a:r>
+          </a:p>
+          <a:p>
+            <a:r>
+              <a:rPr lang="ko-KR" altLang="en-US" sz="1200" dirty="0">
+                <a:latin typeface="DM Mono" panose="020B0509040201040103" pitchFamily="49" charset="0"/>
+              </a:rPr>
+              <a:t>};</a:t>
+            </a:r>
+          </a:p>
+          <a:p>
+            <a:endParaRPr lang="ko-KR" altLang="en-US" sz="1200" dirty="0">
+              <a:latin typeface="DM Mono" panose="020B0509040201040103" pitchFamily="49" charset="0"/>
+            </a:endParaRPr>
+          </a:p>
+          <a:p>
+            <a:r>
+              <a:rPr lang="ko-KR" altLang="en-US" sz="1200" dirty="0" err="1">
+                <a:latin typeface="DM Mono" panose="020B0509040201040103" pitchFamily="49" charset="0"/>
+              </a:rPr>
+              <a:t>int</a:t>
+            </a:r>
+            <a:r>
+              <a:rPr lang="ko-KR" altLang="en-US" sz="1200" dirty="0">
+                <a:latin typeface="DM Mono" panose="020B0509040201040103" pitchFamily="49" charset="0"/>
+              </a:rPr>
+              <a:t> </a:t>
+            </a:r>
+            <a:r>
+              <a:rPr lang="ko-KR" altLang="en-US" sz="1200" dirty="0" err="1">
+                <a:latin typeface="DM Mono" panose="020B0509040201040103" pitchFamily="49" charset="0"/>
+              </a:rPr>
+              <a:t>main</a:t>
+            </a:r>
+            <a:r>
+              <a:rPr lang="ko-KR" altLang="en-US" sz="1200" dirty="0">
+                <a:latin typeface="DM Mono" panose="020B0509040201040103" pitchFamily="49" charset="0"/>
+              </a:rPr>
+              <a:t>()</a:t>
+            </a:r>
+          </a:p>
+          <a:p>
+            <a:r>
+              <a:rPr lang="ko-KR" altLang="en-US" sz="1200" dirty="0">
+                <a:latin typeface="DM Mono" panose="020B0509040201040103" pitchFamily="49" charset="0"/>
+              </a:rPr>
+              <a:t>{</a:t>
+            </a:r>
+          </a:p>
+          <a:p>
+            <a:r>
+              <a:rPr lang="ko-KR" altLang="en-US" sz="1200" dirty="0">
+                <a:latin typeface="DM Mono" panose="020B0509040201040103" pitchFamily="49" charset="0"/>
+              </a:rPr>
+              <a:t>    </a:t>
+            </a:r>
+            <a:r>
+              <a:rPr lang="ko-KR" altLang="en-US" sz="1200" dirty="0" err="1">
+                <a:latin typeface="DM Mono" panose="020B0509040201040103" pitchFamily="49" charset="0"/>
+              </a:rPr>
+              <a:t>Point</a:t>
+            </a:r>
+            <a:r>
+              <a:rPr lang="ko-KR" altLang="en-US" sz="1200" dirty="0">
+                <a:latin typeface="DM Mono" panose="020B0509040201040103" pitchFamily="49" charset="0"/>
+              </a:rPr>
+              <a:t> pt1, pt2;</a:t>
+            </a:r>
+          </a:p>
+          <a:p>
+            <a:endParaRPr lang="ko-KR" altLang="en-US" sz="1200" dirty="0">
+              <a:latin typeface="DM Mono" panose="020B0509040201040103" pitchFamily="49" charset="0"/>
+            </a:endParaRPr>
+          </a:p>
+          <a:p>
+            <a:r>
+              <a:rPr lang="ko-KR" altLang="en-US" sz="1200" dirty="0">
+                <a:latin typeface="DM Mono" panose="020B0509040201040103" pitchFamily="49" charset="0"/>
+              </a:rPr>
+              <a:t>    pt1.Set(10, 20);</a:t>
+            </a:r>
+            <a:endParaRPr lang="en-US" altLang="ko-KR" sz="1200" dirty="0">
+              <a:latin typeface="DM Mono" panose="020B0509040201040103" pitchFamily="49" charset="0"/>
+            </a:endParaRPr>
+          </a:p>
+          <a:p>
+            <a:r>
+              <a:rPr lang="en-US" altLang="ko-KR" sz="1200" dirty="0">
+                <a:latin typeface="DM Mono" panose="020B0509040201040103" pitchFamily="49" charset="0"/>
+              </a:rPr>
+              <a:t>    // Point::Set(&amp;pt1, 10, 20);</a:t>
+            </a:r>
+          </a:p>
+          <a:p>
+            <a:endParaRPr lang="ko-KR" altLang="en-US" sz="1200" dirty="0">
+              <a:solidFill>
+                <a:srgbClr val="FF0000"/>
+              </a:solidFill>
+              <a:latin typeface="DM Mono" panose="020B0509040201040103" pitchFamily="49" charset="0"/>
+            </a:endParaRPr>
+          </a:p>
+          <a:p>
+            <a:r>
+              <a:rPr lang="ko-KR" altLang="en-US" sz="1200" dirty="0">
+                <a:solidFill>
+                  <a:srgbClr val="FF0000"/>
+                </a:solidFill>
+                <a:latin typeface="DM Mono" panose="020B0509040201040103" pitchFamily="49" charset="0"/>
+              </a:rPr>
+              <a:t>    pt2.Set(100, 200);</a:t>
+            </a:r>
+            <a:endParaRPr lang="en-US" altLang="ko-KR" sz="1200" dirty="0">
+              <a:solidFill>
+                <a:srgbClr val="FF0000"/>
+              </a:solidFill>
+              <a:latin typeface="DM Mono" panose="020B0509040201040103" pitchFamily="49" charset="0"/>
+            </a:endParaRPr>
+          </a:p>
+          <a:p>
+            <a:r>
+              <a:rPr lang="en-US" altLang="ko-KR" sz="1200" dirty="0">
+                <a:solidFill>
+                  <a:srgbClr val="FF0000"/>
+                </a:solidFill>
+                <a:latin typeface="DM Mono" panose="020B0509040201040103" pitchFamily="49" charset="0"/>
+              </a:rPr>
+              <a:t>    // Point::Set(&amp;pt2, 100, 200);</a:t>
+            </a:r>
+            <a:endParaRPr lang="ko-KR" altLang="en-US" sz="1200" dirty="0">
+              <a:solidFill>
+                <a:srgbClr val="FF0000"/>
+              </a:solidFill>
+              <a:latin typeface="DM Mono" panose="020B0509040201040103" pitchFamily="49" charset="0"/>
+            </a:endParaRPr>
+          </a:p>
+          <a:p>
+            <a:r>
+              <a:rPr lang="ko-KR" altLang="en-US" sz="1200" dirty="0">
+                <a:latin typeface="DM Mono" panose="020B0509040201040103" pitchFamily="49" charset="0"/>
+              </a:rPr>
+              <a:t>}</a:t>
+            </a:r>
+          </a:p>
+        </p:txBody>
+      </p:sp>
+      <p:sp>
+        <p:nvSpPr>
+          <p:cNvPr id="6" name="직사각형 5">
+            <a:extLst>
+              <a:ext uri="{FF2B5EF4-FFF2-40B4-BE49-F238E27FC236}">
+                <a16:creationId xmlns:a16="http://schemas.microsoft.com/office/drawing/2014/main" id="{497AF81D-76D7-8056-0E48-A27D2DAED0B0}"/>
+              </a:ext>
+            </a:extLst>
+          </p:cNvPr>
+          <p:cNvSpPr/>
+          <p:nvPr/>
+        </p:nvSpPr>
+        <p:spPr>
+          <a:xfrm>
+            <a:off x="4826831" y="4292052"/>
+            <a:ext cx="894414" cy="489811"/>
+          </a:xfrm>
+          <a:prstGeom prst="rect">
+            <a:avLst/>
+          </a:prstGeom>
+          <a:solidFill>
+            <a:srgbClr val="FFFF00"/>
+          </a:solidFill>
+        </p:spPr>
+        <p:style>
+          <a:lnRef idx="2">
+            <a:schemeClr val="accent1">
+              <a:shade val="15000"/>
+            </a:schemeClr>
+          </a:lnRef>
+          <a:fillRef idx="1">
+            <a:schemeClr val="accent1"/>
+          </a:fillRef>
+          <a:effectRef idx="0">
+            <a:schemeClr val="accent1"/>
+          </a:effectRef>
+          <a:fontRef idx="minor">
+            <a:schemeClr val="lt1"/>
+          </a:fontRef>
+        </p:style>
+        <p:txBody>
+          <a:bodyPr rtlCol="0" anchor="ctr"/>
+          <a:lstStyle/>
+          <a:p>
+            <a:pPr algn="ctr"/>
+            <a:r>
+              <a:rPr kumimoji="1" lang="en-US" altLang="ko-KR" sz="1200" dirty="0">
+                <a:solidFill>
+                  <a:schemeClr val="tx1"/>
+                </a:solidFill>
+                <a:latin typeface="DM Mono" panose="020B0509040201040103" pitchFamily="49" charset="0"/>
+              </a:rPr>
+              <a:t>10</a:t>
+            </a:r>
+            <a:endParaRPr kumimoji="1" lang="ko-KR" altLang="en-US" sz="1200" dirty="0">
+              <a:solidFill>
+                <a:schemeClr val="tx1"/>
+              </a:solidFill>
+              <a:latin typeface="DM Mono" panose="020B0509040201040103" pitchFamily="49" charset="0"/>
+            </a:endParaRPr>
+          </a:p>
+        </p:txBody>
+      </p:sp>
+      <p:sp>
+        <p:nvSpPr>
+          <p:cNvPr id="7" name="직사각형 6">
+            <a:extLst>
+              <a:ext uri="{FF2B5EF4-FFF2-40B4-BE49-F238E27FC236}">
+                <a16:creationId xmlns:a16="http://schemas.microsoft.com/office/drawing/2014/main" id="{AF2EE9A3-8F09-096C-A367-508A10D26DAB}"/>
+              </a:ext>
+            </a:extLst>
+          </p:cNvPr>
+          <p:cNvSpPr/>
+          <p:nvPr/>
+        </p:nvSpPr>
+        <p:spPr>
+          <a:xfrm>
+            <a:off x="4826831" y="4781863"/>
+            <a:ext cx="894414" cy="489811"/>
+          </a:xfrm>
+          <a:prstGeom prst="rect">
+            <a:avLst/>
+          </a:prstGeom>
+          <a:solidFill>
+            <a:srgbClr val="FFFF00"/>
+          </a:solidFill>
+        </p:spPr>
+        <p:style>
+          <a:lnRef idx="2">
+            <a:schemeClr val="accent1">
+              <a:shade val="15000"/>
+            </a:schemeClr>
+          </a:lnRef>
+          <a:fillRef idx="1">
+            <a:schemeClr val="accent1"/>
+          </a:fillRef>
+          <a:effectRef idx="0">
+            <a:schemeClr val="accent1"/>
+          </a:effectRef>
+          <a:fontRef idx="minor">
+            <a:schemeClr val="lt1"/>
+          </a:fontRef>
+        </p:style>
+        <p:txBody>
+          <a:bodyPr rtlCol="0" anchor="ctr"/>
+          <a:lstStyle/>
+          <a:p>
+            <a:pPr algn="ctr"/>
+            <a:r>
+              <a:rPr kumimoji="1" lang="en-US" altLang="ko-KR" sz="1200" dirty="0">
+                <a:solidFill>
+                  <a:schemeClr val="tx1"/>
+                </a:solidFill>
+                <a:latin typeface="DM Mono" panose="020B0509040201040103" pitchFamily="49" charset="0"/>
+              </a:rPr>
+              <a:t>20</a:t>
+            </a:r>
+            <a:endParaRPr kumimoji="1" lang="ko-KR" altLang="en-US" sz="1200" dirty="0">
+              <a:solidFill>
+                <a:schemeClr val="tx1"/>
+              </a:solidFill>
+              <a:latin typeface="DM Mono" panose="020B0509040201040103" pitchFamily="49" charset="0"/>
+            </a:endParaRPr>
+          </a:p>
+        </p:txBody>
+      </p:sp>
+      <p:sp>
+        <p:nvSpPr>
+          <p:cNvPr id="9" name="TextBox 8">
+            <a:extLst>
+              <a:ext uri="{FF2B5EF4-FFF2-40B4-BE49-F238E27FC236}">
+                <a16:creationId xmlns:a16="http://schemas.microsoft.com/office/drawing/2014/main" id="{6C3683A3-A4A3-5B51-3881-A52E2CBE11D0}"/>
+              </a:ext>
+            </a:extLst>
+          </p:cNvPr>
+          <p:cNvSpPr txBox="1"/>
+          <p:nvPr/>
+        </p:nvSpPr>
+        <p:spPr>
+          <a:xfrm>
+            <a:off x="4926766" y="3975304"/>
+            <a:ext cx="694544" cy="276999"/>
+          </a:xfrm>
+          <a:prstGeom prst="rect">
+            <a:avLst/>
+          </a:prstGeom>
+          <a:noFill/>
+        </p:spPr>
+        <p:txBody>
+          <a:bodyPr wrap="square">
+            <a:spAutoFit/>
+          </a:bodyPr>
+          <a:lstStyle/>
+          <a:p>
+            <a:pPr algn="ctr"/>
+            <a:r>
+              <a:rPr lang="ko-KR" altLang="en-US" sz="1200" dirty="0">
+                <a:latin typeface="DM Mono" panose="020B0509040201040103" pitchFamily="49" charset="0"/>
+              </a:rPr>
+              <a:t>pt1</a:t>
+            </a:r>
+          </a:p>
+        </p:txBody>
+      </p:sp>
+      <p:sp>
+        <p:nvSpPr>
+          <p:cNvPr id="11" name="직사각형 10">
+            <a:extLst>
+              <a:ext uri="{FF2B5EF4-FFF2-40B4-BE49-F238E27FC236}">
+                <a16:creationId xmlns:a16="http://schemas.microsoft.com/office/drawing/2014/main" id="{CF948216-1FED-FA1C-FAA9-07A59622A43E}"/>
+              </a:ext>
+            </a:extLst>
+          </p:cNvPr>
+          <p:cNvSpPr/>
+          <p:nvPr/>
+        </p:nvSpPr>
+        <p:spPr>
+          <a:xfrm>
+            <a:off x="6997906" y="4292052"/>
+            <a:ext cx="894414" cy="489811"/>
+          </a:xfrm>
+          <a:prstGeom prst="rect">
+            <a:avLst/>
+          </a:prstGeom>
+          <a:solidFill>
+            <a:srgbClr val="FFFF00"/>
+          </a:solidFill>
+        </p:spPr>
+        <p:style>
+          <a:lnRef idx="2">
+            <a:schemeClr val="accent1">
+              <a:shade val="15000"/>
+            </a:schemeClr>
+          </a:lnRef>
+          <a:fillRef idx="1">
+            <a:schemeClr val="accent1"/>
+          </a:fillRef>
+          <a:effectRef idx="0">
+            <a:schemeClr val="accent1"/>
+          </a:effectRef>
+          <a:fontRef idx="minor">
+            <a:schemeClr val="lt1"/>
+          </a:fontRef>
+        </p:style>
+        <p:txBody>
+          <a:bodyPr rtlCol="0" anchor="ctr"/>
+          <a:lstStyle/>
+          <a:p>
+            <a:pPr algn="ctr"/>
+            <a:r>
+              <a:rPr kumimoji="1" lang="en-US" altLang="ko-KR" sz="1200" dirty="0">
+                <a:solidFill>
+                  <a:srgbClr val="FF0000"/>
+                </a:solidFill>
+                <a:latin typeface="DM Mono" panose="020B0509040201040103" pitchFamily="49" charset="0"/>
+              </a:rPr>
+              <a:t>100</a:t>
+            </a:r>
+            <a:endParaRPr kumimoji="1" lang="ko-KR" altLang="en-US" sz="1200" dirty="0">
+              <a:solidFill>
+                <a:srgbClr val="FF0000"/>
+              </a:solidFill>
+              <a:latin typeface="DM Mono" panose="020B0509040201040103" pitchFamily="49" charset="0"/>
+            </a:endParaRPr>
+          </a:p>
+        </p:txBody>
+      </p:sp>
+      <p:sp>
+        <p:nvSpPr>
+          <p:cNvPr id="12" name="직사각형 11">
+            <a:extLst>
+              <a:ext uri="{FF2B5EF4-FFF2-40B4-BE49-F238E27FC236}">
+                <a16:creationId xmlns:a16="http://schemas.microsoft.com/office/drawing/2014/main" id="{BEBF9B94-B8C6-FF21-125A-25A4058080CB}"/>
+              </a:ext>
+            </a:extLst>
+          </p:cNvPr>
+          <p:cNvSpPr/>
+          <p:nvPr/>
+        </p:nvSpPr>
+        <p:spPr>
+          <a:xfrm>
+            <a:off x="6997906" y="4781863"/>
+            <a:ext cx="894414" cy="489811"/>
+          </a:xfrm>
+          <a:prstGeom prst="rect">
+            <a:avLst/>
+          </a:prstGeom>
+          <a:solidFill>
+            <a:srgbClr val="FFFF00"/>
+          </a:solidFill>
+        </p:spPr>
+        <p:style>
+          <a:lnRef idx="2">
+            <a:schemeClr val="accent1">
+              <a:shade val="15000"/>
+            </a:schemeClr>
+          </a:lnRef>
+          <a:fillRef idx="1">
+            <a:schemeClr val="accent1"/>
+          </a:fillRef>
+          <a:effectRef idx="0">
+            <a:schemeClr val="accent1"/>
+          </a:effectRef>
+          <a:fontRef idx="minor">
+            <a:schemeClr val="lt1"/>
+          </a:fontRef>
+        </p:style>
+        <p:txBody>
+          <a:bodyPr rtlCol="0" anchor="ctr"/>
+          <a:lstStyle/>
+          <a:p>
+            <a:pPr algn="ctr"/>
+            <a:r>
+              <a:rPr kumimoji="1" lang="en-US" altLang="ko-KR" sz="1200" dirty="0">
+                <a:solidFill>
+                  <a:srgbClr val="FF0000"/>
+                </a:solidFill>
+                <a:latin typeface="DM Mono" panose="020B0509040201040103" pitchFamily="49" charset="0"/>
+              </a:rPr>
+              <a:t>200</a:t>
+            </a:r>
+            <a:endParaRPr kumimoji="1" lang="ko-KR" altLang="en-US" sz="1200" dirty="0">
+              <a:solidFill>
+                <a:srgbClr val="FF0000"/>
+              </a:solidFill>
+              <a:latin typeface="DM Mono" panose="020B0509040201040103" pitchFamily="49" charset="0"/>
+            </a:endParaRPr>
+          </a:p>
+        </p:txBody>
+      </p:sp>
+      <p:sp>
+        <p:nvSpPr>
+          <p:cNvPr id="13" name="TextBox 12">
+            <a:extLst>
+              <a:ext uri="{FF2B5EF4-FFF2-40B4-BE49-F238E27FC236}">
+                <a16:creationId xmlns:a16="http://schemas.microsoft.com/office/drawing/2014/main" id="{7B8F2939-5FC0-C0E3-CA26-4DC9FB3F9051}"/>
+              </a:ext>
+            </a:extLst>
+          </p:cNvPr>
+          <p:cNvSpPr txBox="1"/>
+          <p:nvPr/>
+        </p:nvSpPr>
+        <p:spPr>
+          <a:xfrm>
+            <a:off x="7097841" y="3975304"/>
+            <a:ext cx="694544" cy="276999"/>
+          </a:xfrm>
+          <a:prstGeom prst="rect">
+            <a:avLst/>
+          </a:prstGeom>
+          <a:noFill/>
+        </p:spPr>
+        <p:txBody>
+          <a:bodyPr wrap="square">
+            <a:spAutoFit/>
+          </a:bodyPr>
+          <a:lstStyle/>
+          <a:p>
+            <a:pPr algn="ctr"/>
+            <a:r>
+              <a:rPr lang="ko-KR" altLang="en-US" sz="1200" dirty="0" err="1">
+                <a:latin typeface="DM Mono" panose="020B0509040201040103" pitchFamily="49" charset="0"/>
+              </a:rPr>
+              <a:t>pt</a:t>
+            </a:r>
+            <a:r>
+              <a:rPr lang="en-US" altLang="ko-KR" sz="1200" dirty="0">
+                <a:latin typeface="DM Mono" panose="020B0509040201040103" pitchFamily="49" charset="0"/>
+              </a:rPr>
+              <a:t>2</a:t>
+            </a:r>
+            <a:endParaRPr lang="ko-KR" altLang="en-US" sz="1200" dirty="0">
+              <a:latin typeface="DM Mono" panose="020B0509040201040103" pitchFamily="49" charset="0"/>
+            </a:endParaRPr>
+          </a:p>
+        </p:txBody>
+      </p:sp>
+      <p:sp>
+        <p:nvSpPr>
+          <p:cNvPr id="14" name="TextBox 13">
+            <a:extLst>
+              <a:ext uri="{FF2B5EF4-FFF2-40B4-BE49-F238E27FC236}">
+                <a16:creationId xmlns:a16="http://schemas.microsoft.com/office/drawing/2014/main" id="{7B8D3D8A-83B0-16ED-6010-D127867DDC34}"/>
+              </a:ext>
+            </a:extLst>
+          </p:cNvPr>
+          <p:cNvSpPr txBox="1"/>
+          <p:nvPr/>
+        </p:nvSpPr>
+        <p:spPr>
+          <a:xfrm>
+            <a:off x="4132287" y="4399801"/>
+            <a:ext cx="694544" cy="276999"/>
+          </a:xfrm>
+          <a:prstGeom prst="rect">
+            <a:avLst/>
+          </a:prstGeom>
+          <a:noFill/>
+        </p:spPr>
+        <p:txBody>
+          <a:bodyPr wrap="square">
+            <a:spAutoFit/>
+          </a:bodyPr>
+          <a:lstStyle/>
+          <a:p>
+            <a:pPr algn="r"/>
+            <a:r>
+              <a:rPr lang="en-US" altLang="ko-KR" sz="1200" dirty="0">
+                <a:latin typeface="DM Mono" panose="020B0509040201040103" pitchFamily="49" charset="0"/>
+              </a:rPr>
+              <a:t>x</a:t>
+            </a:r>
+            <a:endParaRPr lang="ko-KR" altLang="en-US" sz="1200" dirty="0">
+              <a:latin typeface="DM Mono" panose="020B0509040201040103" pitchFamily="49" charset="0"/>
+            </a:endParaRPr>
+          </a:p>
+        </p:txBody>
+      </p:sp>
+      <p:sp>
+        <p:nvSpPr>
+          <p:cNvPr id="15" name="TextBox 14">
+            <a:extLst>
+              <a:ext uri="{FF2B5EF4-FFF2-40B4-BE49-F238E27FC236}">
+                <a16:creationId xmlns:a16="http://schemas.microsoft.com/office/drawing/2014/main" id="{52FBE72B-9F5D-3D91-2325-FC6269AF9E29}"/>
+              </a:ext>
+            </a:extLst>
+          </p:cNvPr>
+          <p:cNvSpPr txBox="1"/>
+          <p:nvPr/>
+        </p:nvSpPr>
+        <p:spPr>
+          <a:xfrm>
+            <a:off x="4132287" y="4886926"/>
+            <a:ext cx="694544" cy="276999"/>
+          </a:xfrm>
+          <a:prstGeom prst="rect">
+            <a:avLst/>
+          </a:prstGeom>
+          <a:noFill/>
+        </p:spPr>
+        <p:txBody>
+          <a:bodyPr wrap="square">
+            <a:spAutoFit/>
+          </a:bodyPr>
+          <a:lstStyle/>
+          <a:p>
+            <a:pPr algn="r"/>
+            <a:r>
+              <a:rPr lang="en-US" altLang="ko-KR" sz="1200" dirty="0">
+                <a:latin typeface="DM Mono" panose="020B0509040201040103" pitchFamily="49" charset="0"/>
+              </a:rPr>
+              <a:t>y</a:t>
+            </a:r>
+            <a:endParaRPr lang="ko-KR" altLang="en-US" sz="1200" dirty="0">
+              <a:latin typeface="DM Mono" panose="020B0509040201040103" pitchFamily="49" charset="0"/>
+            </a:endParaRPr>
+          </a:p>
+        </p:txBody>
+      </p:sp>
+      <p:sp>
+        <p:nvSpPr>
+          <p:cNvPr id="16" name="TextBox 15">
+            <a:extLst>
+              <a:ext uri="{FF2B5EF4-FFF2-40B4-BE49-F238E27FC236}">
+                <a16:creationId xmlns:a16="http://schemas.microsoft.com/office/drawing/2014/main" id="{FFC6CDD4-E241-D487-B453-995D7E652956}"/>
+              </a:ext>
+            </a:extLst>
+          </p:cNvPr>
+          <p:cNvSpPr txBox="1"/>
+          <p:nvPr/>
+        </p:nvSpPr>
+        <p:spPr>
+          <a:xfrm>
+            <a:off x="6303362" y="4399801"/>
+            <a:ext cx="694544" cy="276999"/>
+          </a:xfrm>
+          <a:prstGeom prst="rect">
+            <a:avLst/>
+          </a:prstGeom>
+          <a:noFill/>
+        </p:spPr>
+        <p:txBody>
+          <a:bodyPr wrap="square">
+            <a:spAutoFit/>
+          </a:bodyPr>
+          <a:lstStyle/>
+          <a:p>
+            <a:pPr algn="r"/>
+            <a:r>
+              <a:rPr lang="en-US" altLang="ko-KR" sz="1200" dirty="0">
+                <a:latin typeface="DM Mono" panose="020B0509040201040103" pitchFamily="49" charset="0"/>
+              </a:rPr>
+              <a:t>x</a:t>
+            </a:r>
+            <a:endParaRPr lang="ko-KR" altLang="en-US" sz="1200" dirty="0">
+              <a:latin typeface="DM Mono" panose="020B0509040201040103" pitchFamily="49" charset="0"/>
+            </a:endParaRPr>
+          </a:p>
+        </p:txBody>
+      </p:sp>
+      <p:sp>
+        <p:nvSpPr>
+          <p:cNvPr id="17" name="TextBox 16">
+            <a:extLst>
+              <a:ext uri="{FF2B5EF4-FFF2-40B4-BE49-F238E27FC236}">
+                <a16:creationId xmlns:a16="http://schemas.microsoft.com/office/drawing/2014/main" id="{06DD7A42-F96D-D40A-5C00-F280A639F83E}"/>
+              </a:ext>
+            </a:extLst>
+          </p:cNvPr>
+          <p:cNvSpPr txBox="1"/>
+          <p:nvPr/>
+        </p:nvSpPr>
+        <p:spPr>
+          <a:xfrm>
+            <a:off x="6303362" y="4886926"/>
+            <a:ext cx="694544" cy="276999"/>
+          </a:xfrm>
+          <a:prstGeom prst="rect">
+            <a:avLst/>
+          </a:prstGeom>
+          <a:noFill/>
+        </p:spPr>
+        <p:txBody>
+          <a:bodyPr wrap="square">
+            <a:spAutoFit/>
+          </a:bodyPr>
+          <a:lstStyle/>
+          <a:p>
+            <a:pPr algn="r"/>
+            <a:r>
+              <a:rPr lang="en-US" altLang="ko-KR" sz="1200" dirty="0">
+                <a:latin typeface="DM Mono" panose="020B0509040201040103" pitchFamily="49" charset="0"/>
+              </a:rPr>
+              <a:t>y</a:t>
+            </a:r>
+            <a:endParaRPr lang="ko-KR" altLang="en-US" sz="1200" dirty="0">
+              <a:latin typeface="DM Mono" panose="020B0509040201040103" pitchFamily="49" charset="0"/>
+            </a:endParaRPr>
+          </a:p>
+        </p:txBody>
+      </p:sp>
+      <p:sp>
+        <p:nvSpPr>
+          <p:cNvPr id="19" name="TextBox 18">
+            <a:extLst>
+              <a:ext uri="{FF2B5EF4-FFF2-40B4-BE49-F238E27FC236}">
+                <a16:creationId xmlns:a16="http://schemas.microsoft.com/office/drawing/2014/main" id="{AD22D008-43A8-0361-7711-1040865B16B9}"/>
+              </a:ext>
+            </a:extLst>
+          </p:cNvPr>
+          <p:cNvSpPr txBox="1"/>
+          <p:nvPr/>
+        </p:nvSpPr>
+        <p:spPr>
+          <a:xfrm>
+            <a:off x="4132287" y="1405368"/>
+            <a:ext cx="6096000" cy="1323439"/>
+          </a:xfrm>
+          <a:prstGeom prst="rect">
+            <a:avLst/>
+          </a:prstGeom>
+          <a:noFill/>
+        </p:spPr>
+        <p:txBody>
+          <a:bodyPr wrap="square">
+            <a:spAutoFit/>
+          </a:bodyPr>
+          <a:lstStyle/>
+          <a:p>
+            <a:r>
+              <a:rPr lang="ko-KR" altLang="en-US" sz="1600" dirty="0">
+                <a:latin typeface="DM Mono" panose="020B0509040201040103" pitchFamily="49" charset="0"/>
+              </a:rPr>
+              <a:t> </a:t>
+            </a:r>
+            <a:r>
+              <a:rPr lang="en-US" altLang="ko-KR" sz="1600" dirty="0">
+                <a:latin typeface="DM Mono" panose="020B0509040201040103" pitchFamily="49" charset="0"/>
+              </a:rPr>
+              <a:t>   </a:t>
+            </a:r>
+            <a:r>
+              <a:rPr lang="ko-KR" altLang="en-US" sz="1600" dirty="0" err="1">
+                <a:latin typeface="DM Mono" panose="020B0509040201040103" pitchFamily="49" charset="0"/>
+              </a:rPr>
+              <a:t>void</a:t>
+            </a:r>
+            <a:r>
+              <a:rPr lang="ko-KR" altLang="en-US" sz="1600" dirty="0">
+                <a:latin typeface="DM Mono" panose="020B0509040201040103" pitchFamily="49" charset="0"/>
+              </a:rPr>
+              <a:t> </a:t>
+            </a:r>
+            <a:r>
+              <a:rPr lang="en-US" altLang="ko-KR" sz="1600" dirty="0">
+                <a:latin typeface="DM Mono" panose="020B0509040201040103" pitchFamily="49" charset="0"/>
+              </a:rPr>
+              <a:t>Point::</a:t>
+            </a:r>
+            <a:r>
+              <a:rPr lang="ko-KR" altLang="en-US" sz="1600" dirty="0" err="1">
+                <a:latin typeface="DM Mono" panose="020B0509040201040103" pitchFamily="49" charset="0"/>
+              </a:rPr>
+              <a:t>Set</a:t>
+            </a:r>
+            <a:r>
+              <a:rPr lang="ko-KR" altLang="en-US" sz="1600" dirty="0">
+                <a:latin typeface="DM Mono" panose="020B0509040201040103" pitchFamily="49" charset="0"/>
+              </a:rPr>
+              <a:t>(</a:t>
+            </a:r>
+            <a:r>
+              <a:rPr lang="en-US" altLang="ko-KR" sz="1600" dirty="0">
+                <a:solidFill>
+                  <a:srgbClr val="FF0000"/>
+                </a:solidFill>
+                <a:latin typeface="DM Mono" panose="020B0509040201040103" pitchFamily="49" charset="0"/>
+              </a:rPr>
+              <a:t>Point* this</a:t>
+            </a:r>
+            <a:r>
+              <a:rPr lang="en-US" altLang="ko-KR" sz="1600" dirty="0">
+                <a:latin typeface="DM Mono" panose="020B0509040201040103" pitchFamily="49" charset="0"/>
+              </a:rPr>
+              <a:t>, </a:t>
+            </a:r>
+            <a:r>
+              <a:rPr lang="ko-KR" altLang="en-US" sz="1600" dirty="0" err="1">
+                <a:latin typeface="DM Mono" panose="020B0509040201040103" pitchFamily="49" charset="0"/>
+              </a:rPr>
+              <a:t>int</a:t>
+            </a:r>
+            <a:r>
+              <a:rPr lang="ko-KR" altLang="en-US" sz="1600" dirty="0">
+                <a:latin typeface="DM Mono" panose="020B0509040201040103" pitchFamily="49" charset="0"/>
+              </a:rPr>
+              <a:t> </a:t>
+            </a:r>
+            <a:r>
+              <a:rPr lang="ko-KR" altLang="en-US" sz="1600" dirty="0" err="1">
+                <a:latin typeface="DM Mono" panose="020B0509040201040103" pitchFamily="49" charset="0"/>
+              </a:rPr>
+              <a:t>a</a:t>
+            </a:r>
+            <a:r>
+              <a:rPr lang="ko-KR" altLang="en-US" sz="1600" dirty="0">
+                <a:latin typeface="DM Mono" panose="020B0509040201040103" pitchFamily="49" charset="0"/>
+              </a:rPr>
+              <a:t>, </a:t>
+            </a:r>
+            <a:r>
+              <a:rPr lang="ko-KR" altLang="en-US" sz="1600" dirty="0" err="1">
+                <a:latin typeface="DM Mono" panose="020B0509040201040103" pitchFamily="49" charset="0"/>
+              </a:rPr>
+              <a:t>int</a:t>
+            </a:r>
+            <a:r>
+              <a:rPr lang="ko-KR" altLang="en-US" sz="1600" dirty="0">
+                <a:latin typeface="DM Mono" panose="020B0509040201040103" pitchFamily="49" charset="0"/>
+              </a:rPr>
+              <a:t> </a:t>
+            </a:r>
+            <a:r>
+              <a:rPr lang="ko-KR" altLang="en-US" sz="1600" dirty="0" err="1">
+                <a:latin typeface="DM Mono" panose="020B0509040201040103" pitchFamily="49" charset="0"/>
+              </a:rPr>
+              <a:t>b</a:t>
+            </a:r>
+            <a:r>
+              <a:rPr lang="ko-KR" altLang="en-US" sz="1600" dirty="0">
+                <a:latin typeface="DM Mono" panose="020B0509040201040103" pitchFamily="49" charset="0"/>
+              </a:rPr>
+              <a:t>)</a:t>
+            </a:r>
+          </a:p>
+          <a:p>
+            <a:r>
+              <a:rPr lang="ko-KR" altLang="en-US" sz="1600" dirty="0">
+                <a:latin typeface="DM Mono" panose="020B0509040201040103" pitchFamily="49" charset="0"/>
+              </a:rPr>
+              <a:t>    {</a:t>
+            </a:r>
+          </a:p>
+          <a:p>
+            <a:r>
+              <a:rPr lang="ko-KR" altLang="en-US" sz="1600" dirty="0">
+                <a:latin typeface="DM Mono" panose="020B0509040201040103" pitchFamily="49" charset="0"/>
+              </a:rPr>
+              <a:t>        </a:t>
+            </a:r>
+            <a:r>
+              <a:rPr lang="en-US" altLang="ko-KR" sz="1600" dirty="0">
+                <a:solidFill>
+                  <a:srgbClr val="FF0000"/>
+                </a:solidFill>
+                <a:latin typeface="DM Mono" panose="020B0509040201040103" pitchFamily="49" charset="0"/>
+              </a:rPr>
+              <a:t>this-&gt;</a:t>
+            </a:r>
+            <a:r>
+              <a:rPr lang="ko-KR" altLang="en-US" sz="1600" dirty="0" err="1">
+                <a:latin typeface="DM Mono" panose="020B0509040201040103" pitchFamily="49" charset="0"/>
+              </a:rPr>
+              <a:t>x</a:t>
+            </a:r>
+            <a:r>
+              <a:rPr lang="ko-KR" altLang="en-US" sz="1600" dirty="0">
+                <a:latin typeface="DM Mono" panose="020B0509040201040103" pitchFamily="49" charset="0"/>
+              </a:rPr>
+              <a:t> = </a:t>
+            </a:r>
+            <a:r>
+              <a:rPr lang="ko-KR" altLang="en-US" sz="1600" dirty="0" err="1">
+                <a:latin typeface="DM Mono" panose="020B0509040201040103" pitchFamily="49" charset="0"/>
+              </a:rPr>
+              <a:t>a</a:t>
+            </a:r>
+            <a:r>
+              <a:rPr lang="ko-KR" altLang="en-US" sz="1600" dirty="0">
+                <a:latin typeface="DM Mono" panose="020B0509040201040103" pitchFamily="49" charset="0"/>
+              </a:rPr>
+              <a:t>;</a:t>
+            </a:r>
+          </a:p>
+          <a:p>
+            <a:r>
+              <a:rPr lang="ko-KR" altLang="en-US" sz="1600" dirty="0">
+                <a:latin typeface="DM Mono" panose="020B0509040201040103" pitchFamily="49" charset="0"/>
+              </a:rPr>
+              <a:t>        </a:t>
+            </a:r>
+            <a:r>
+              <a:rPr lang="en-US" altLang="ko-KR" sz="1600" dirty="0">
+                <a:solidFill>
+                  <a:srgbClr val="FF0000"/>
+                </a:solidFill>
+                <a:latin typeface="DM Mono" panose="020B0509040201040103" pitchFamily="49" charset="0"/>
+              </a:rPr>
+              <a:t>this-&gt;</a:t>
+            </a:r>
+            <a:r>
+              <a:rPr lang="ko-KR" altLang="en-US" sz="1600" dirty="0" err="1">
+                <a:latin typeface="DM Mono" panose="020B0509040201040103" pitchFamily="49" charset="0"/>
+              </a:rPr>
+              <a:t>y</a:t>
+            </a:r>
+            <a:r>
+              <a:rPr lang="ko-KR" altLang="en-US" sz="1600" dirty="0">
+                <a:latin typeface="DM Mono" panose="020B0509040201040103" pitchFamily="49" charset="0"/>
+              </a:rPr>
+              <a:t> = </a:t>
+            </a:r>
+            <a:r>
+              <a:rPr lang="ko-KR" altLang="en-US" sz="1600" dirty="0" err="1">
+                <a:latin typeface="DM Mono" panose="020B0509040201040103" pitchFamily="49" charset="0"/>
+              </a:rPr>
+              <a:t>b</a:t>
+            </a:r>
+            <a:r>
+              <a:rPr lang="ko-KR" altLang="en-US" sz="1600" dirty="0">
+                <a:latin typeface="DM Mono" panose="020B0509040201040103" pitchFamily="49" charset="0"/>
+              </a:rPr>
+              <a:t>;</a:t>
+            </a:r>
+          </a:p>
+          <a:p>
+            <a:r>
+              <a:rPr lang="ko-KR" altLang="en-US" sz="1600" dirty="0">
+                <a:latin typeface="DM Mono" panose="020B0509040201040103" pitchFamily="49" charset="0"/>
+              </a:rPr>
+              <a:t>    }</a:t>
+            </a:r>
+          </a:p>
+        </p:txBody>
+      </p:sp>
+      <p:sp>
+        <p:nvSpPr>
+          <p:cNvPr id="20" name="직사각형 19">
+            <a:extLst>
+              <a:ext uri="{FF2B5EF4-FFF2-40B4-BE49-F238E27FC236}">
+                <a16:creationId xmlns:a16="http://schemas.microsoft.com/office/drawing/2014/main" id="{352B7BFB-46A4-BBCD-DB13-421E590C05DB}"/>
+              </a:ext>
+            </a:extLst>
+          </p:cNvPr>
+          <p:cNvSpPr/>
+          <p:nvPr/>
+        </p:nvSpPr>
+        <p:spPr>
+          <a:xfrm>
+            <a:off x="874426" y="929803"/>
+            <a:ext cx="2468381" cy="1253764"/>
+          </a:xfrm>
+          <a:prstGeom prst="rect">
+            <a:avLst/>
+          </a:prstGeom>
+          <a:noFill/>
+        </p:spPr>
+        <p:style>
+          <a:lnRef idx="2">
+            <a:schemeClr val="accent1">
+              <a:shade val="15000"/>
+            </a:schemeClr>
+          </a:lnRef>
+          <a:fillRef idx="1">
+            <a:schemeClr val="accent1"/>
+          </a:fillRef>
+          <a:effectRef idx="0">
+            <a:schemeClr val="accent1"/>
+          </a:effectRef>
+          <a:fontRef idx="minor">
+            <a:schemeClr val="lt1"/>
+          </a:fontRef>
+        </p:style>
+        <p:txBody>
+          <a:bodyPr rtlCol="0" anchor="ctr"/>
+          <a:lstStyle/>
+          <a:p>
+            <a:pPr algn="ctr"/>
+            <a:endParaRPr kumimoji="1" lang="ko-KR" altLang="en-US"/>
+          </a:p>
+        </p:txBody>
+      </p:sp>
+      <p:cxnSp>
+        <p:nvCxnSpPr>
+          <p:cNvPr id="22" name="구부러진 연결선[U] 21">
+            <a:extLst>
+              <a:ext uri="{FF2B5EF4-FFF2-40B4-BE49-F238E27FC236}">
+                <a16:creationId xmlns:a16="http://schemas.microsoft.com/office/drawing/2014/main" id="{BDE9F4A6-8820-8E90-26AD-840D961E229C}"/>
+              </a:ext>
+            </a:extLst>
+          </p:cNvPr>
+          <p:cNvCxnSpPr>
+            <a:endCxn id="19" idx="1"/>
+          </p:cNvCxnSpPr>
+          <p:nvPr/>
+        </p:nvCxnSpPr>
+        <p:spPr>
+          <a:xfrm>
+            <a:off x="3332813" y="1533993"/>
+            <a:ext cx="799474" cy="533095"/>
+          </a:xfrm>
+          <a:prstGeom prst="curvedConnector3">
+            <a:avLst/>
+          </a:prstGeom>
+          <a:ln>
+            <a:tailEnd type="triangle"/>
+          </a:ln>
+        </p:spPr>
+        <p:style>
+          <a:lnRef idx="1">
+            <a:schemeClr val="accent1"/>
+          </a:lnRef>
+          <a:fillRef idx="0">
+            <a:schemeClr val="accent1"/>
+          </a:fillRef>
+          <a:effectRef idx="0">
+            <a:schemeClr val="accent1"/>
+          </a:effectRef>
+          <a:fontRef idx="minor">
+            <a:schemeClr val="tx1"/>
+          </a:fontRef>
+        </p:style>
+      </p:cxnSp>
+      <p:sp>
+        <p:nvSpPr>
+          <p:cNvPr id="2" name="직사각형 1">
+            <a:extLst>
+              <a:ext uri="{FF2B5EF4-FFF2-40B4-BE49-F238E27FC236}">
+                <a16:creationId xmlns:a16="http://schemas.microsoft.com/office/drawing/2014/main" id="{E1ED180E-2837-7773-E84F-62E94D46DE98}"/>
+              </a:ext>
+            </a:extLst>
+          </p:cNvPr>
+          <p:cNvSpPr/>
+          <p:nvPr/>
+        </p:nvSpPr>
+        <p:spPr>
+          <a:xfrm>
+            <a:off x="7445113" y="1400744"/>
+            <a:ext cx="589615" cy="336872"/>
+          </a:xfrm>
+          <a:prstGeom prst="rect">
+            <a:avLst/>
+          </a:prstGeom>
+          <a:noFill/>
+        </p:spPr>
+        <p:style>
+          <a:lnRef idx="2">
+            <a:schemeClr val="accent1">
+              <a:shade val="15000"/>
+            </a:schemeClr>
+          </a:lnRef>
+          <a:fillRef idx="1">
+            <a:schemeClr val="accent1"/>
+          </a:fillRef>
+          <a:effectRef idx="0">
+            <a:schemeClr val="accent1"/>
+          </a:effectRef>
+          <a:fontRef idx="minor">
+            <a:schemeClr val="lt1"/>
+          </a:fontRef>
+        </p:style>
+        <p:txBody>
+          <a:bodyPr rtlCol="0" anchor="ctr"/>
+          <a:lstStyle/>
+          <a:p>
+            <a:pPr algn="ctr"/>
+            <a:endParaRPr kumimoji="1" lang="ko-KR" altLang="en-US"/>
+          </a:p>
+        </p:txBody>
+      </p:sp>
+      <p:cxnSp>
+        <p:nvCxnSpPr>
+          <p:cNvPr id="4" name="구부러진 연결선[U] 3">
+            <a:extLst>
+              <a:ext uri="{FF2B5EF4-FFF2-40B4-BE49-F238E27FC236}">
+                <a16:creationId xmlns:a16="http://schemas.microsoft.com/office/drawing/2014/main" id="{0813B94D-D972-D49D-C1CD-7AD5546EA105}"/>
+              </a:ext>
+            </a:extLst>
+          </p:cNvPr>
+          <p:cNvCxnSpPr>
+            <a:cxnSpLocks/>
+            <a:endCxn id="11" idx="0"/>
+          </p:cNvCxnSpPr>
+          <p:nvPr/>
+        </p:nvCxnSpPr>
+        <p:spPr>
+          <a:xfrm rot="5400000">
+            <a:off x="6325917" y="2868050"/>
+            <a:ext cx="2543199" cy="304805"/>
+          </a:xfrm>
+          <a:prstGeom prst="curvedConnector3">
+            <a:avLst/>
+          </a:prstGeom>
+          <a:ln>
+            <a:tailEnd type="triangle"/>
+          </a:ln>
+        </p:spPr>
+        <p:style>
+          <a:lnRef idx="1">
+            <a:schemeClr val="dk1"/>
+          </a:lnRef>
+          <a:fillRef idx="0">
+            <a:schemeClr val="dk1"/>
+          </a:fillRef>
+          <a:effectRef idx="0">
+            <a:schemeClr val="dk1"/>
+          </a:effectRef>
+          <a:fontRef idx="minor">
+            <a:schemeClr val="tx1"/>
+          </a:fontRef>
+        </p:style>
+      </p:cxnSp>
+    </p:spTree>
+    <p:extLst>
+      <p:ext uri="{BB962C8B-B14F-4D97-AF65-F5344CB8AC3E}">
+        <p14:creationId xmlns:p14="http://schemas.microsoft.com/office/powerpoint/2010/main" val="1960758890"/>
+      </p:ext>
+    </p:extLst>
+  </p:cSld>
+  <p:clrMapOvr>
+    <a:masterClrMapping/>
+  </p:clrMapOvr>
+</p:sld>
+</file>
+
 <file path=ppt/slides/slide2.xml><?xml version="1.0" encoding="utf-8"?>
 <p:sld xmlns:a="http://schemas.openxmlformats.org/drawingml/2006/main" xmlns:r="http://schemas.openxmlformats.org/officeDocument/2006/relationships" xmlns:p="http://schemas.openxmlformats.org/presentationml/2006/main">
   <p:cSld>

--- a/cpp_231023.pptx
+++ b/cpp_231023.pptx
@@ -271,7 +271,7 @@
           <a:p>
             <a:fld id="{03F4DA63-DE34-4D44-8FF9-6910F7181B76}" type="datetimeFigureOut">
               <a:rPr kumimoji="1" lang="ko-KR" altLang="en-US" smtClean="0"/>
-              <a:t>2023. 10. 24.</a:t>
+              <a:t>2023. 10. 25.</a:t>
             </a:fld>
             <a:endParaRPr kumimoji="1" lang="ko-KR" altLang="en-US"/>
           </a:p>
@@ -469,7 +469,7 @@
           <a:p>
             <a:fld id="{03F4DA63-DE34-4D44-8FF9-6910F7181B76}" type="datetimeFigureOut">
               <a:rPr kumimoji="1" lang="ko-KR" altLang="en-US" smtClean="0"/>
-              <a:t>2023. 10. 24.</a:t>
+              <a:t>2023. 10. 25.</a:t>
             </a:fld>
             <a:endParaRPr kumimoji="1" lang="ko-KR" altLang="en-US"/>
           </a:p>
@@ -677,7 +677,7 @@
           <a:p>
             <a:fld id="{03F4DA63-DE34-4D44-8FF9-6910F7181B76}" type="datetimeFigureOut">
               <a:rPr kumimoji="1" lang="ko-KR" altLang="en-US" smtClean="0"/>
-              <a:t>2023. 10. 24.</a:t>
+              <a:t>2023. 10. 25.</a:t>
             </a:fld>
             <a:endParaRPr kumimoji="1" lang="ko-KR" altLang="en-US"/>
           </a:p>
@@ -875,7 +875,7 @@
           <a:p>
             <a:fld id="{03F4DA63-DE34-4D44-8FF9-6910F7181B76}" type="datetimeFigureOut">
               <a:rPr kumimoji="1" lang="ko-KR" altLang="en-US" smtClean="0"/>
-              <a:t>2023. 10. 24.</a:t>
+              <a:t>2023. 10. 25.</a:t>
             </a:fld>
             <a:endParaRPr kumimoji="1" lang="ko-KR" altLang="en-US"/>
           </a:p>
@@ -1150,7 +1150,7 @@
           <a:p>
             <a:fld id="{03F4DA63-DE34-4D44-8FF9-6910F7181B76}" type="datetimeFigureOut">
               <a:rPr kumimoji="1" lang="ko-KR" altLang="en-US" smtClean="0"/>
-              <a:t>2023. 10. 24.</a:t>
+              <a:t>2023. 10. 25.</a:t>
             </a:fld>
             <a:endParaRPr kumimoji="1" lang="ko-KR" altLang="en-US"/>
           </a:p>
@@ -1415,7 +1415,7 @@
           <a:p>
             <a:fld id="{03F4DA63-DE34-4D44-8FF9-6910F7181B76}" type="datetimeFigureOut">
               <a:rPr kumimoji="1" lang="ko-KR" altLang="en-US" smtClean="0"/>
-              <a:t>2023. 10. 24.</a:t>
+              <a:t>2023. 10. 25.</a:t>
             </a:fld>
             <a:endParaRPr kumimoji="1" lang="ko-KR" altLang="en-US"/>
           </a:p>
@@ -1827,7 +1827,7 @@
           <a:p>
             <a:fld id="{03F4DA63-DE34-4D44-8FF9-6910F7181B76}" type="datetimeFigureOut">
               <a:rPr kumimoji="1" lang="ko-KR" altLang="en-US" smtClean="0"/>
-              <a:t>2023. 10. 24.</a:t>
+              <a:t>2023. 10. 25.</a:t>
             </a:fld>
             <a:endParaRPr kumimoji="1" lang="ko-KR" altLang="en-US"/>
           </a:p>
@@ -1968,7 +1968,7 @@
           <a:p>
             <a:fld id="{03F4DA63-DE34-4D44-8FF9-6910F7181B76}" type="datetimeFigureOut">
               <a:rPr kumimoji="1" lang="ko-KR" altLang="en-US" smtClean="0"/>
-              <a:t>2023. 10. 24.</a:t>
+              <a:t>2023. 10. 25.</a:t>
             </a:fld>
             <a:endParaRPr kumimoji="1" lang="ko-KR" altLang="en-US"/>
           </a:p>
@@ -2081,7 +2081,7 @@
           <a:p>
             <a:fld id="{03F4DA63-DE34-4D44-8FF9-6910F7181B76}" type="datetimeFigureOut">
               <a:rPr kumimoji="1" lang="ko-KR" altLang="en-US" smtClean="0"/>
-              <a:t>2023. 10. 24.</a:t>
+              <a:t>2023. 10. 25.</a:t>
             </a:fld>
             <a:endParaRPr kumimoji="1" lang="ko-KR" altLang="en-US"/>
           </a:p>
@@ -2392,7 +2392,7 @@
           <a:p>
             <a:fld id="{03F4DA63-DE34-4D44-8FF9-6910F7181B76}" type="datetimeFigureOut">
               <a:rPr kumimoji="1" lang="ko-KR" altLang="en-US" smtClean="0"/>
-              <a:t>2023. 10. 24.</a:t>
+              <a:t>2023. 10. 25.</a:t>
             </a:fld>
             <a:endParaRPr kumimoji="1" lang="ko-KR" altLang="en-US"/>
           </a:p>
@@ -2680,7 +2680,7 @@
           <a:p>
             <a:fld id="{03F4DA63-DE34-4D44-8FF9-6910F7181B76}" type="datetimeFigureOut">
               <a:rPr kumimoji="1" lang="ko-KR" altLang="en-US" smtClean="0"/>
-              <a:t>2023. 10. 24.</a:t>
+              <a:t>2023. 10. 25.</a:t>
             </a:fld>
             <a:endParaRPr kumimoji="1" lang="ko-KR" altLang="en-US"/>
           </a:p>
@@ -2921,7 +2921,7 @@
           <a:p>
             <a:fld id="{03F4DA63-DE34-4D44-8FF9-6910F7181B76}" type="datetimeFigureOut">
               <a:rPr kumimoji="1" lang="ko-KR" altLang="en-US" smtClean="0"/>
-              <a:t>2023. 10. 24.</a:t>
+              <a:t>2023. 10. 25.</a:t>
             </a:fld>
             <a:endParaRPr kumimoji="1" lang="ko-KR" altLang="en-US"/>
           </a:p>

--- a/cpp_231023.pptx
+++ b/cpp_231023.pptx
@@ -18,6 +18,10 @@
     <p:sldId id="267" r:id="rId12"/>
     <p:sldId id="268" r:id="rId13"/>
     <p:sldId id="269" r:id="rId14"/>
+    <p:sldId id="270" r:id="rId15"/>
+    <p:sldId id="271" r:id="rId16"/>
+    <p:sldId id="272" r:id="rId17"/>
+    <p:sldId id="273" r:id="rId18"/>
   </p:sldIdLst>
   <p:sldSz cx="12192000" cy="6858000"/>
   <p:notesSz cx="6858000" cy="9144000"/>
@@ -8306,6 +8310,5268 @@
 </p:sld>
 </file>
 
+<file path=ppt/slides/slide14.xml><?xml version="1.0" encoding="utf-8"?>
+<p:sld xmlns:a="http://schemas.openxmlformats.org/drawingml/2006/main" xmlns:r="http://schemas.openxmlformats.org/officeDocument/2006/relationships" xmlns:p="http://schemas.openxmlformats.org/presentationml/2006/main">
+  <p:cSld>
+    <p:spTree>
+      <p:nvGrpSpPr>
+        <p:cNvPr id="1" name=""/>
+        <p:cNvGrpSpPr/>
+        <p:nvPr/>
+      </p:nvGrpSpPr>
+      <p:grpSpPr>
+        <a:xfrm>
+          <a:off x="0" y="0"/>
+          <a:ext cx="0" cy="0"/>
+          <a:chOff x="0" y="0"/>
+          <a:chExt cx="0" cy="0"/>
+        </a:xfrm>
+      </p:grpSpPr>
+      <p:sp>
+        <p:nvSpPr>
+          <p:cNvPr id="5" name="TextBox 4">
+            <a:extLst>
+              <a:ext uri="{FF2B5EF4-FFF2-40B4-BE49-F238E27FC236}">
+                <a16:creationId xmlns:a16="http://schemas.microsoft.com/office/drawing/2014/main" id="{FE57B69C-52B0-C1A2-CBE3-9CEA942B7DAA}"/>
+              </a:ext>
+            </a:extLst>
+          </p:cNvPr>
+          <p:cNvSpPr txBox="1"/>
+          <p:nvPr/>
+        </p:nvSpPr>
+        <p:spPr>
+          <a:xfrm>
+            <a:off x="519659" y="334784"/>
+            <a:ext cx="4542020" cy="4778231"/>
+          </a:xfrm>
+          <a:prstGeom prst="rect">
+            <a:avLst/>
+          </a:prstGeom>
+          <a:noFill/>
+        </p:spPr>
+        <p:txBody>
+          <a:bodyPr wrap="square">
+            <a:spAutoFit/>
+          </a:bodyPr>
+          <a:lstStyle/>
+          <a:p>
+            <a:r>
+              <a:rPr lang="ko-KR" altLang="en-US" sz="1050" dirty="0" err="1">
+                <a:latin typeface="DM Mono" panose="020B0509040201040103" pitchFamily="49" charset="0"/>
+              </a:rPr>
+              <a:t>class</a:t>
+            </a:r>
+            <a:r>
+              <a:rPr lang="ko-KR" altLang="en-US" sz="1050" dirty="0">
+                <a:latin typeface="DM Mono" panose="020B0509040201040103" pitchFamily="49" charset="0"/>
+              </a:rPr>
+              <a:t> </a:t>
+            </a:r>
+            <a:r>
+              <a:rPr lang="ko-KR" altLang="en-US" sz="1050" dirty="0" err="1">
+                <a:latin typeface="DM Mono" panose="020B0509040201040103" pitchFamily="49" charset="0"/>
+              </a:rPr>
+              <a:t>User</a:t>
+            </a:r>
+            <a:r>
+              <a:rPr lang="ko-KR" altLang="en-US" sz="1050" dirty="0">
+                <a:latin typeface="DM Mono" panose="020B0509040201040103" pitchFamily="49" charset="0"/>
+              </a:rPr>
+              <a:t> {</a:t>
+            </a:r>
+          </a:p>
+          <a:p>
+            <a:r>
+              <a:rPr lang="ko-KR" altLang="en-US" sz="1050" dirty="0">
+                <a:latin typeface="DM Mono" panose="020B0509040201040103" pitchFamily="49" charset="0"/>
+              </a:rPr>
+              <a:t>    </a:t>
+            </a:r>
+            <a:r>
+              <a:rPr lang="ko-KR" altLang="en-US" sz="1050" dirty="0" err="1">
+                <a:latin typeface="DM Mono" panose="020B0509040201040103" pitchFamily="49" charset="0"/>
+              </a:rPr>
+              <a:t>char</a:t>
+            </a:r>
+            <a:r>
+              <a:rPr lang="ko-KR" altLang="en-US" sz="1050" dirty="0">
+                <a:latin typeface="DM Mono" panose="020B0509040201040103" pitchFamily="49" charset="0"/>
+              </a:rPr>
+              <a:t>* </a:t>
+            </a:r>
+            <a:r>
+              <a:rPr lang="ko-KR" altLang="en-US" sz="1050" dirty="0" err="1">
+                <a:latin typeface="DM Mono" panose="020B0509040201040103" pitchFamily="49" charset="0"/>
+              </a:rPr>
+              <a:t>name</a:t>
+            </a:r>
+            <a:r>
+              <a:rPr lang="ko-KR" altLang="en-US" sz="1050" dirty="0">
+                <a:latin typeface="DM Mono" panose="020B0509040201040103" pitchFamily="49" charset="0"/>
+              </a:rPr>
+              <a:t>;</a:t>
+            </a:r>
+          </a:p>
+          <a:p>
+            <a:r>
+              <a:rPr lang="ko-KR" altLang="en-US" sz="1050" dirty="0">
+                <a:latin typeface="DM Mono" panose="020B0509040201040103" pitchFamily="49" charset="0"/>
+              </a:rPr>
+              <a:t>    </a:t>
+            </a:r>
+            <a:r>
+              <a:rPr lang="ko-KR" altLang="en-US" sz="1050" dirty="0" err="1">
+                <a:latin typeface="DM Mono" panose="020B0509040201040103" pitchFamily="49" charset="0"/>
+              </a:rPr>
+              <a:t>int</a:t>
+            </a:r>
+            <a:r>
+              <a:rPr lang="ko-KR" altLang="en-US" sz="1050" dirty="0">
+                <a:latin typeface="DM Mono" panose="020B0509040201040103" pitchFamily="49" charset="0"/>
+              </a:rPr>
+              <a:t> </a:t>
+            </a:r>
+            <a:r>
+              <a:rPr lang="ko-KR" altLang="en-US" sz="1050" dirty="0" err="1">
+                <a:latin typeface="DM Mono" panose="020B0509040201040103" pitchFamily="49" charset="0"/>
+              </a:rPr>
+              <a:t>age</a:t>
+            </a:r>
+            <a:r>
+              <a:rPr lang="ko-KR" altLang="en-US" sz="1050" dirty="0">
+                <a:latin typeface="DM Mono" panose="020B0509040201040103" pitchFamily="49" charset="0"/>
+              </a:rPr>
+              <a:t>;</a:t>
+            </a:r>
+          </a:p>
+          <a:p>
+            <a:endParaRPr lang="ko-KR" altLang="en-US" sz="1050" dirty="0">
+              <a:latin typeface="DM Mono" panose="020B0509040201040103" pitchFamily="49" charset="0"/>
+            </a:endParaRPr>
+          </a:p>
+          <a:p>
+            <a:r>
+              <a:rPr lang="ko-KR" altLang="en-US" sz="1050" dirty="0" err="1">
+                <a:latin typeface="DM Mono" panose="020B0509040201040103" pitchFamily="49" charset="0"/>
+              </a:rPr>
+              <a:t>public</a:t>
+            </a:r>
+            <a:r>
+              <a:rPr lang="ko-KR" altLang="en-US" sz="1050" dirty="0">
+                <a:latin typeface="DM Mono" panose="020B0509040201040103" pitchFamily="49" charset="0"/>
+              </a:rPr>
+              <a:t>:</a:t>
+            </a:r>
+          </a:p>
+          <a:p>
+            <a:r>
+              <a:rPr lang="ko-KR" altLang="en-US" sz="1050" dirty="0">
+                <a:latin typeface="DM Mono" panose="020B0509040201040103" pitchFamily="49" charset="0"/>
+              </a:rPr>
+              <a:t>    </a:t>
+            </a:r>
+            <a:r>
+              <a:rPr lang="ko-KR" altLang="en-US" sz="1050" dirty="0" err="1">
+                <a:latin typeface="DM Mono" panose="020B0509040201040103" pitchFamily="49" charset="0"/>
+              </a:rPr>
+              <a:t>User</a:t>
+            </a:r>
+            <a:r>
+              <a:rPr lang="ko-KR" altLang="en-US" sz="1050" dirty="0">
+                <a:latin typeface="DM Mono" panose="020B0509040201040103" pitchFamily="49" charset="0"/>
+              </a:rPr>
+              <a:t>(</a:t>
+            </a:r>
+            <a:r>
+              <a:rPr lang="ko-KR" altLang="en-US" sz="1050" dirty="0" err="1">
+                <a:latin typeface="DM Mono" panose="020B0509040201040103" pitchFamily="49" charset="0"/>
+              </a:rPr>
+              <a:t>const</a:t>
+            </a:r>
+            <a:r>
+              <a:rPr lang="ko-KR" altLang="en-US" sz="1050" dirty="0">
+                <a:latin typeface="DM Mono" panose="020B0509040201040103" pitchFamily="49" charset="0"/>
+              </a:rPr>
+              <a:t> </a:t>
+            </a:r>
+            <a:r>
+              <a:rPr lang="ko-KR" altLang="en-US" sz="1050" dirty="0" err="1">
+                <a:latin typeface="DM Mono" panose="020B0509040201040103" pitchFamily="49" charset="0"/>
+              </a:rPr>
+              <a:t>char</a:t>
+            </a:r>
+            <a:r>
+              <a:rPr lang="ko-KR" altLang="en-US" sz="1050" dirty="0">
+                <a:latin typeface="DM Mono" panose="020B0509040201040103" pitchFamily="49" charset="0"/>
+              </a:rPr>
+              <a:t>* </a:t>
+            </a:r>
+            <a:r>
+              <a:rPr lang="ko-KR" altLang="en-US" sz="1050" dirty="0" err="1">
+                <a:latin typeface="DM Mono" panose="020B0509040201040103" pitchFamily="49" charset="0"/>
+              </a:rPr>
+              <a:t>s</a:t>
+            </a:r>
+            <a:r>
+              <a:rPr lang="ko-KR" altLang="en-US" sz="1050" dirty="0">
+                <a:latin typeface="DM Mono" panose="020B0509040201040103" pitchFamily="49" charset="0"/>
+              </a:rPr>
+              <a:t>, </a:t>
+            </a:r>
+            <a:r>
+              <a:rPr lang="ko-KR" altLang="en-US" sz="1050" dirty="0" err="1">
+                <a:latin typeface="DM Mono" panose="020B0509040201040103" pitchFamily="49" charset="0"/>
+              </a:rPr>
+              <a:t>int</a:t>
+            </a:r>
+            <a:r>
+              <a:rPr lang="ko-KR" altLang="en-US" sz="1050" dirty="0">
+                <a:latin typeface="DM Mono" panose="020B0509040201040103" pitchFamily="49" charset="0"/>
+              </a:rPr>
+              <a:t> </a:t>
+            </a:r>
+            <a:r>
+              <a:rPr lang="ko-KR" altLang="en-US" sz="1050" dirty="0" err="1">
+                <a:latin typeface="DM Mono" panose="020B0509040201040103" pitchFamily="49" charset="0"/>
+              </a:rPr>
+              <a:t>n</a:t>
+            </a:r>
+            <a:r>
+              <a:rPr lang="ko-KR" altLang="en-US" sz="1050" dirty="0">
+                <a:latin typeface="DM Mono" panose="020B0509040201040103" pitchFamily="49" charset="0"/>
+              </a:rPr>
+              <a:t>)</a:t>
+            </a:r>
+          </a:p>
+          <a:p>
+            <a:r>
+              <a:rPr lang="ko-KR" altLang="en-US" sz="1050" dirty="0">
+                <a:latin typeface="DM Mono" panose="020B0509040201040103" pitchFamily="49" charset="0"/>
+              </a:rPr>
+              <a:t>        : </a:t>
+            </a:r>
+            <a:r>
+              <a:rPr lang="ko-KR" altLang="en-US" sz="1050" dirty="0" err="1">
+                <a:latin typeface="DM Mono" panose="020B0509040201040103" pitchFamily="49" charset="0"/>
+              </a:rPr>
+              <a:t>age</a:t>
+            </a:r>
+            <a:r>
+              <a:rPr lang="ko-KR" altLang="en-US" sz="1050" dirty="0">
+                <a:latin typeface="DM Mono" panose="020B0509040201040103" pitchFamily="49" charset="0"/>
+              </a:rPr>
+              <a:t> { </a:t>
+            </a:r>
+            <a:r>
+              <a:rPr lang="ko-KR" altLang="en-US" sz="1050" dirty="0" err="1">
+                <a:latin typeface="DM Mono" panose="020B0509040201040103" pitchFamily="49" charset="0"/>
+              </a:rPr>
+              <a:t>n</a:t>
+            </a:r>
+            <a:r>
+              <a:rPr lang="ko-KR" altLang="en-US" sz="1050" dirty="0">
+                <a:latin typeface="DM Mono" panose="020B0509040201040103" pitchFamily="49" charset="0"/>
+              </a:rPr>
+              <a:t> }</a:t>
+            </a:r>
+          </a:p>
+          <a:p>
+            <a:r>
+              <a:rPr lang="ko-KR" altLang="en-US" sz="1050" dirty="0">
+                <a:latin typeface="DM Mono" panose="020B0509040201040103" pitchFamily="49" charset="0"/>
+              </a:rPr>
+              <a:t>    {</a:t>
+            </a:r>
+          </a:p>
+          <a:p>
+            <a:r>
+              <a:rPr lang="ko-KR" altLang="en-US" sz="1050" dirty="0">
+                <a:latin typeface="DM Mono" panose="020B0509040201040103" pitchFamily="49" charset="0"/>
+              </a:rPr>
+              <a:t>        </a:t>
+            </a:r>
+            <a:r>
+              <a:rPr lang="ko-KR" altLang="en-US" sz="1050" dirty="0" err="1">
+                <a:latin typeface="DM Mono" panose="020B0509040201040103" pitchFamily="49" charset="0"/>
+              </a:rPr>
+              <a:t>name</a:t>
+            </a:r>
+            <a:r>
+              <a:rPr lang="ko-KR" altLang="en-US" sz="1050" dirty="0">
+                <a:latin typeface="DM Mono" panose="020B0509040201040103" pitchFamily="49" charset="0"/>
+              </a:rPr>
+              <a:t> = </a:t>
+            </a:r>
+            <a:r>
+              <a:rPr lang="ko-KR" altLang="en-US" sz="1050" dirty="0" err="1">
+                <a:latin typeface="DM Mono" panose="020B0509040201040103" pitchFamily="49" charset="0"/>
+              </a:rPr>
+              <a:t>new</a:t>
+            </a:r>
+            <a:r>
+              <a:rPr lang="ko-KR" altLang="en-US" sz="1050" dirty="0">
+                <a:latin typeface="DM Mono" panose="020B0509040201040103" pitchFamily="49" charset="0"/>
+              </a:rPr>
+              <a:t> </a:t>
+            </a:r>
+            <a:r>
+              <a:rPr lang="ko-KR" altLang="en-US" sz="1050" dirty="0" err="1">
+                <a:latin typeface="DM Mono" panose="020B0509040201040103" pitchFamily="49" charset="0"/>
+              </a:rPr>
+              <a:t>char</a:t>
+            </a:r>
+            <a:r>
+              <a:rPr lang="ko-KR" altLang="en-US" sz="1050" dirty="0">
+                <a:latin typeface="DM Mono" panose="020B0509040201040103" pitchFamily="49" charset="0"/>
+              </a:rPr>
+              <a:t>[</a:t>
+            </a:r>
+            <a:r>
+              <a:rPr lang="ko-KR" altLang="en-US" sz="1050" dirty="0" err="1">
+                <a:latin typeface="DM Mono" panose="020B0509040201040103" pitchFamily="49" charset="0"/>
+              </a:rPr>
+              <a:t>strlen</a:t>
+            </a:r>
+            <a:r>
+              <a:rPr lang="ko-KR" altLang="en-US" sz="1050" dirty="0">
+                <a:latin typeface="DM Mono" panose="020B0509040201040103" pitchFamily="49" charset="0"/>
+              </a:rPr>
+              <a:t>(</a:t>
+            </a:r>
+            <a:r>
+              <a:rPr lang="ko-KR" altLang="en-US" sz="1050" dirty="0" err="1">
+                <a:latin typeface="DM Mono" panose="020B0509040201040103" pitchFamily="49" charset="0"/>
+              </a:rPr>
+              <a:t>s</a:t>
+            </a:r>
+            <a:r>
+              <a:rPr lang="ko-KR" altLang="en-US" sz="1050" dirty="0">
+                <a:latin typeface="DM Mono" panose="020B0509040201040103" pitchFamily="49" charset="0"/>
+              </a:rPr>
+              <a:t>) + 1];</a:t>
+            </a:r>
+          </a:p>
+          <a:p>
+            <a:r>
+              <a:rPr lang="ko-KR" altLang="en-US" sz="1050" dirty="0">
+                <a:latin typeface="DM Mono" panose="020B0509040201040103" pitchFamily="49" charset="0"/>
+              </a:rPr>
+              <a:t>        </a:t>
+            </a:r>
+            <a:r>
+              <a:rPr lang="ko-KR" altLang="en-US" sz="1050" dirty="0" err="1">
+                <a:latin typeface="DM Mono" panose="020B0509040201040103" pitchFamily="49" charset="0"/>
+              </a:rPr>
+              <a:t>strcpy</a:t>
+            </a:r>
+            <a:r>
+              <a:rPr lang="ko-KR" altLang="en-US" sz="1050" dirty="0">
+                <a:latin typeface="DM Mono" panose="020B0509040201040103" pitchFamily="49" charset="0"/>
+              </a:rPr>
+              <a:t>(</a:t>
+            </a:r>
+            <a:r>
+              <a:rPr lang="ko-KR" altLang="en-US" sz="1050" dirty="0" err="1">
+                <a:latin typeface="DM Mono" panose="020B0509040201040103" pitchFamily="49" charset="0"/>
+              </a:rPr>
+              <a:t>name</a:t>
+            </a:r>
+            <a:r>
+              <a:rPr lang="ko-KR" altLang="en-US" sz="1050" dirty="0">
+                <a:latin typeface="DM Mono" panose="020B0509040201040103" pitchFamily="49" charset="0"/>
+              </a:rPr>
+              <a:t>, </a:t>
+            </a:r>
+            <a:r>
+              <a:rPr lang="ko-KR" altLang="en-US" sz="1050" dirty="0" err="1">
+                <a:latin typeface="DM Mono" panose="020B0509040201040103" pitchFamily="49" charset="0"/>
+              </a:rPr>
+              <a:t>s</a:t>
+            </a:r>
+            <a:r>
+              <a:rPr lang="ko-KR" altLang="en-US" sz="1050" dirty="0">
+                <a:latin typeface="DM Mono" panose="020B0509040201040103" pitchFamily="49" charset="0"/>
+              </a:rPr>
+              <a:t>);</a:t>
+            </a:r>
+          </a:p>
+          <a:p>
+            <a:r>
+              <a:rPr lang="ko-KR" altLang="en-US" sz="1050" dirty="0">
+                <a:latin typeface="DM Mono" panose="020B0509040201040103" pitchFamily="49" charset="0"/>
+              </a:rPr>
+              <a:t>    }</a:t>
+            </a:r>
+          </a:p>
+          <a:p>
+            <a:endParaRPr lang="ko-KR" altLang="en-US" sz="1050" dirty="0">
+              <a:latin typeface="DM Mono" panose="020B0509040201040103" pitchFamily="49" charset="0"/>
+            </a:endParaRPr>
+          </a:p>
+          <a:p>
+            <a:r>
+              <a:rPr lang="ko-KR" altLang="en-US" sz="1050" dirty="0">
+                <a:latin typeface="DM Mono" panose="020B0509040201040103" pitchFamily="49" charset="0"/>
+              </a:rPr>
+              <a:t>    ~</a:t>
+            </a:r>
+            <a:r>
+              <a:rPr lang="ko-KR" altLang="en-US" sz="1050" dirty="0" err="1">
+                <a:latin typeface="DM Mono" panose="020B0509040201040103" pitchFamily="49" charset="0"/>
+              </a:rPr>
+              <a:t>User</a:t>
+            </a:r>
+            <a:r>
+              <a:rPr lang="ko-KR" altLang="en-US" sz="1050" dirty="0">
+                <a:latin typeface="DM Mono" panose="020B0509040201040103" pitchFamily="49" charset="0"/>
+              </a:rPr>
+              <a:t>()</a:t>
+            </a:r>
+          </a:p>
+          <a:p>
+            <a:r>
+              <a:rPr lang="ko-KR" altLang="en-US" sz="1050" dirty="0">
+                <a:latin typeface="DM Mono" panose="020B0509040201040103" pitchFamily="49" charset="0"/>
+              </a:rPr>
+              <a:t>    {</a:t>
+            </a:r>
+          </a:p>
+          <a:p>
+            <a:r>
+              <a:rPr lang="ko-KR" altLang="en-US" sz="1050" dirty="0">
+                <a:latin typeface="DM Mono" panose="020B0509040201040103" pitchFamily="49" charset="0"/>
+              </a:rPr>
+              <a:t>        </a:t>
+            </a:r>
+            <a:r>
+              <a:rPr lang="ko-KR" altLang="en-US" sz="1050" dirty="0" err="1">
+                <a:latin typeface="DM Mono" panose="020B0509040201040103" pitchFamily="49" charset="0"/>
+              </a:rPr>
+              <a:t>delete</a:t>
+            </a:r>
+            <a:r>
+              <a:rPr lang="ko-KR" altLang="en-US" sz="1050" dirty="0">
+                <a:latin typeface="DM Mono" panose="020B0509040201040103" pitchFamily="49" charset="0"/>
+              </a:rPr>
+              <a:t>[] </a:t>
+            </a:r>
+            <a:r>
+              <a:rPr lang="ko-KR" altLang="en-US" sz="1050" dirty="0" err="1">
+                <a:latin typeface="DM Mono" panose="020B0509040201040103" pitchFamily="49" charset="0"/>
+              </a:rPr>
+              <a:t>name</a:t>
+            </a:r>
+            <a:r>
+              <a:rPr lang="ko-KR" altLang="en-US" sz="1050" dirty="0">
+                <a:latin typeface="DM Mono" panose="020B0509040201040103" pitchFamily="49" charset="0"/>
+              </a:rPr>
+              <a:t>;</a:t>
+            </a:r>
+          </a:p>
+          <a:p>
+            <a:r>
+              <a:rPr lang="ko-KR" altLang="en-US" sz="1050" dirty="0">
+                <a:latin typeface="DM Mono" panose="020B0509040201040103" pitchFamily="49" charset="0"/>
+              </a:rPr>
+              <a:t>    }</a:t>
+            </a:r>
+          </a:p>
+          <a:p>
+            <a:endParaRPr lang="ko-KR" altLang="en-US" sz="1050" dirty="0">
+              <a:latin typeface="DM Mono" panose="020B0509040201040103" pitchFamily="49" charset="0"/>
+            </a:endParaRPr>
+          </a:p>
+          <a:p>
+            <a:r>
+              <a:rPr lang="ko-KR" altLang="en-US" sz="1050" dirty="0">
+                <a:latin typeface="DM Mono" panose="020B0509040201040103" pitchFamily="49" charset="0"/>
+              </a:rPr>
+              <a:t>    </a:t>
+            </a:r>
+            <a:r>
+              <a:rPr lang="ko-KR" altLang="en-US" sz="1050" dirty="0" err="1">
+                <a:latin typeface="DM Mono" panose="020B0509040201040103" pitchFamily="49" charset="0"/>
+              </a:rPr>
+              <a:t>void</a:t>
+            </a:r>
+            <a:r>
+              <a:rPr lang="ko-KR" altLang="en-US" sz="1050" dirty="0">
+                <a:latin typeface="DM Mono" panose="020B0509040201040103" pitchFamily="49" charset="0"/>
+              </a:rPr>
+              <a:t> </a:t>
+            </a:r>
+            <a:r>
+              <a:rPr lang="ko-KR" altLang="en-US" sz="1050" dirty="0" err="1">
+                <a:latin typeface="DM Mono" panose="020B0509040201040103" pitchFamily="49" charset="0"/>
+              </a:rPr>
+              <a:t>Print</a:t>
+            </a:r>
+            <a:r>
+              <a:rPr lang="ko-KR" altLang="en-US" sz="1050" dirty="0">
+                <a:latin typeface="DM Mono" panose="020B0509040201040103" pitchFamily="49" charset="0"/>
+              </a:rPr>
+              <a:t>()</a:t>
+            </a:r>
+          </a:p>
+          <a:p>
+            <a:r>
+              <a:rPr lang="ko-KR" altLang="en-US" sz="1050" dirty="0">
+                <a:latin typeface="DM Mono" panose="020B0509040201040103" pitchFamily="49" charset="0"/>
+              </a:rPr>
+              <a:t>    {</a:t>
+            </a:r>
+          </a:p>
+          <a:p>
+            <a:r>
+              <a:rPr lang="ko-KR" altLang="en-US" sz="1050" dirty="0">
+                <a:latin typeface="DM Mono" panose="020B0509040201040103" pitchFamily="49" charset="0"/>
+              </a:rPr>
+              <a:t>        </a:t>
+            </a:r>
+            <a:r>
+              <a:rPr lang="ko-KR" altLang="en-US" sz="1050" dirty="0" err="1">
+                <a:latin typeface="DM Mono" panose="020B0509040201040103" pitchFamily="49" charset="0"/>
+              </a:rPr>
+              <a:t>cout</a:t>
+            </a:r>
+            <a:r>
+              <a:rPr lang="ko-KR" altLang="en-US" sz="1050" dirty="0">
+                <a:latin typeface="DM Mono" panose="020B0509040201040103" pitchFamily="49" charset="0"/>
+              </a:rPr>
+              <a:t> &lt;&lt; </a:t>
+            </a:r>
+            <a:r>
+              <a:rPr lang="ko-KR" altLang="en-US" sz="1050" dirty="0" err="1">
+                <a:latin typeface="DM Mono" panose="020B0509040201040103" pitchFamily="49" charset="0"/>
+              </a:rPr>
+              <a:t>name</a:t>
+            </a:r>
+            <a:r>
+              <a:rPr lang="ko-KR" altLang="en-US" sz="1050" dirty="0">
+                <a:latin typeface="DM Mono" panose="020B0509040201040103" pitchFamily="49" charset="0"/>
+              </a:rPr>
+              <a:t> &lt;&lt; ", " &lt;&lt; </a:t>
+            </a:r>
+            <a:r>
+              <a:rPr lang="ko-KR" altLang="en-US" sz="1050" dirty="0" err="1">
+                <a:latin typeface="DM Mono" panose="020B0509040201040103" pitchFamily="49" charset="0"/>
+              </a:rPr>
+              <a:t>age</a:t>
+            </a:r>
+            <a:r>
+              <a:rPr lang="ko-KR" altLang="en-US" sz="1050" dirty="0">
+                <a:latin typeface="DM Mono" panose="020B0509040201040103" pitchFamily="49" charset="0"/>
+              </a:rPr>
+              <a:t> &lt;&lt; </a:t>
+            </a:r>
+            <a:r>
+              <a:rPr lang="ko-KR" altLang="en-US" sz="1050" dirty="0" err="1">
+                <a:latin typeface="DM Mono" panose="020B0509040201040103" pitchFamily="49" charset="0"/>
+              </a:rPr>
+              <a:t>endl</a:t>
+            </a:r>
+            <a:r>
+              <a:rPr lang="ko-KR" altLang="en-US" sz="1050" dirty="0">
+                <a:latin typeface="DM Mono" panose="020B0509040201040103" pitchFamily="49" charset="0"/>
+              </a:rPr>
+              <a:t>;</a:t>
+            </a:r>
+          </a:p>
+          <a:p>
+            <a:r>
+              <a:rPr lang="ko-KR" altLang="en-US" sz="1050" dirty="0">
+                <a:latin typeface="DM Mono" panose="020B0509040201040103" pitchFamily="49" charset="0"/>
+              </a:rPr>
+              <a:t>    }</a:t>
+            </a:r>
+          </a:p>
+          <a:p>
+            <a:r>
+              <a:rPr lang="ko-KR" altLang="en-US" sz="1050" dirty="0">
+                <a:latin typeface="DM Mono" panose="020B0509040201040103" pitchFamily="49" charset="0"/>
+              </a:rPr>
+              <a:t>};</a:t>
+            </a:r>
+          </a:p>
+          <a:p>
+            <a:endParaRPr lang="ko-KR" altLang="en-US" sz="1050" dirty="0">
+              <a:latin typeface="DM Mono" panose="020B0509040201040103" pitchFamily="49" charset="0"/>
+            </a:endParaRPr>
+          </a:p>
+          <a:p>
+            <a:r>
+              <a:rPr lang="ko-KR" altLang="en-US" sz="1050" dirty="0" err="1">
+                <a:latin typeface="DM Mono" panose="020B0509040201040103" pitchFamily="49" charset="0"/>
+              </a:rPr>
+              <a:t>int</a:t>
+            </a:r>
+            <a:r>
+              <a:rPr lang="ko-KR" altLang="en-US" sz="1050" dirty="0">
+                <a:latin typeface="DM Mono" panose="020B0509040201040103" pitchFamily="49" charset="0"/>
+              </a:rPr>
+              <a:t> </a:t>
+            </a:r>
+            <a:r>
+              <a:rPr lang="ko-KR" altLang="en-US" sz="1050" dirty="0" err="1">
+                <a:latin typeface="DM Mono" panose="020B0509040201040103" pitchFamily="49" charset="0"/>
+              </a:rPr>
+              <a:t>main</a:t>
+            </a:r>
+            <a:r>
+              <a:rPr lang="ko-KR" altLang="en-US" sz="1050" dirty="0">
+                <a:latin typeface="DM Mono" panose="020B0509040201040103" pitchFamily="49" charset="0"/>
+              </a:rPr>
+              <a:t>()</a:t>
+            </a:r>
+          </a:p>
+          <a:p>
+            <a:r>
+              <a:rPr lang="ko-KR" altLang="en-US" sz="1050" dirty="0">
+                <a:latin typeface="DM Mono" panose="020B0509040201040103" pitchFamily="49" charset="0"/>
+              </a:rPr>
+              <a:t>{</a:t>
+            </a:r>
+          </a:p>
+          <a:p>
+            <a:r>
+              <a:rPr lang="ko-KR" altLang="en-US" sz="1050" dirty="0">
+                <a:solidFill>
+                  <a:srgbClr val="FF0000"/>
+                </a:solidFill>
+                <a:latin typeface="DM Mono" panose="020B0509040201040103" pitchFamily="49" charset="0"/>
+              </a:rPr>
+              <a:t>    </a:t>
+            </a:r>
+            <a:r>
+              <a:rPr lang="ko-KR" altLang="en-US" sz="1050" dirty="0" err="1">
+                <a:solidFill>
+                  <a:srgbClr val="FF0000"/>
+                </a:solidFill>
+                <a:latin typeface="DM Mono" panose="020B0509040201040103" pitchFamily="49" charset="0"/>
+              </a:rPr>
+              <a:t>User</a:t>
+            </a:r>
+            <a:r>
+              <a:rPr lang="ko-KR" altLang="en-US" sz="1050" dirty="0">
+                <a:solidFill>
+                  <a:srgbClr val="FF0000"/>
+                </a:solidFill>
+                <a:latin typeface="DM Mono" panose="020B0509040201040103" pitchFamily="49" charset="0"/>
+              </a:rPr>
+              <a:t> </a:t>
+            </a:r>
+            <a:r>
+              <a:rPr lang="ko-KR" altLang="en-US" sz="1050" dirty="0" err="1">
+                <a:solidFill>
+                  <a:srgbClr val="FF0000"/>
+                </a:solidFill>
+                <a:latin typeface="DM Mono" panose="020B0509040201040103" pitchFamily="49" charset="0"/>
+              </a:rPr>
+              <a:t>user</a:t>
+            </a:r>
+            <a:r>
+              <a:rPr lang="ko-KR" altLang="en-US" sz="1050" dirty="0">
+                <a:solidFill>
+                  <a:srgbClr val="FF0000"/>
+                </a:solidFill>
+                <a:latin typeface="DM Mono" panose="020B0509040201040103" pitchFamily="49" charset="0"/>
+              </a:rPr>
+              <a:t> { "</a:t>
+            </a:r>
+            <a:r>
+              <a:rPr lang="ko-KR" altLang="en-US" sz="1050" dirty="0" err="1">
+                <a:solidFill>
+                  <a:srgbClr val="FF0000"/>
+                </a:solidFill>
+                <a:latin typeface="DM Mono" panose="020B0509040201040103" pitchFamily="49" charset="0"/>
+              </a:rPr>
+              <a:t>Tom</a:t>
+            </a:r>
+            <a:r>
+              <a:rPr lang="ko-KR" altLang="en-US" sz="1050" dirty="0">
+                <a:solidFill>
+                  <a:srgbClr val="FF0000"/>
+                </a:solidFill>
+                <a:latin typeface="DM Mono" panose="020B0509040201040103" pitchFamily="49" charset="0"/>
+              </a:rPr>
+              <a:t>", 42 };</a:t>
+            </a:r>
+          </a:p>
+          <a:p>
+            <a:r>
+              <a:rPr lang="ko-KR" altLang="en-US" sz="1050" dirty="0">
+                <a:latin typeface="DM Mono" panose="020B0509040201040103" pitchFamily="49" charset="0"/>
+              </a:rPr>
+              <a:t>    </a:t>
+            </a:r>
+            <a:r>
+              <a:rPr lang="ko-KR" altLang="en-US" sz="1050" dirty="0" err="1">
+                <a:latin typeface="DM Mono" panose="020B0509040201040103" pitchFamily="49" charset="0"/>
+              </a:rPr>
+              <a:t>User</a:t>
+            </a:r>
+            <a:r>
+              <a:rPr lang="ko-KR" altLang="en-US" sz="1050" dirty="0">
+                <a:latin typeface="DM Mono" panose="020B0509040201040103" pitchFamily="49" charset="0"/>
+              </a:rPr>
+              <a:t> </a:t>
+            </a:r>
+            <a:r>
+              <a:rPr lang="ko-KR" altLang="en-US" sz="1050" dirty="0" err="1">
+                <a:latin typeface="DM Mono" panose="020B0509040201040103" pitchFamily="49" charset="0"/>
+              </a:rPr>
+              <a:t>other</a:t>
+            </a:r>
+            <a:r>
+              <a:rPr lang="ko-KR" altLang="en-US" sz="1050" dirty="0">
+                <a:latin typeface="DM Mono" panose="020B0509040201040103" pitchFamily="49" charset="0"/>
+              </a:rPr>
+              <a:t> = </a:t>
+            </a:r>
+            <a:r>
+              <a:rPr lang="ko-KR" altLang="en-US" sz="1050" dirty="0" err="1">
+                <a:latin typeface="DM Mono" panose="020B0509040201040103" pitchFamily="49" charset="0"/>
+              </a:rPr>
+              <a:t>user</a:t>
+            </a:r>
+            <a:r>
+              <a:rPr lang="ko-KR" altLang="en-US" sz="1050" dirty="0">
+                <a:latin typeface="DM Mono" panose="020B0509040201040103" pitchFamily="49" charset="0"/>
+              </a:rPr>
+              <a:t>;</a:t>
+            </a:r>
+          </a:p>
+          <a:p>
+            <a:r>
+              <a:rPr lang="ko-KR" altLang="en-US" sz="1050" dirty="0">
+                <a:latin typeface="DM Mono" panose="020B0509040201040103" pitchFamily="49" charset="0"/>
+              </a:rPr>
+              <a:t>}</a:t>
+            </a:r>
+          </a:p>
+        </p:txBody>
+      </p:sp>
+      <p:sp>
+        <p:nvSpPr>
+          <p:cNvPr id="6" name="직사각형 5">
+            <a:extLst>
+              <a:ext uri="{FF2B5EF4-FFF2-40B4-BE49-F238E27FC236}">
+                <a16:creationId xmlns:a16="http://schemas.microsoft.com/office/drawing/2014/main" id="{908EB3C3-304F-7045-6EB1-59391145DD48}"/>
+              </a:ext>
+            </a:extLst>
+          </p:cNvPr>
+          <p:cNvSpPr/>
+          <p:nvPr/>
+        </p:nvSpPr>
+        <p:spPr>
+          <a:xfrm>
+            <a:off x="7090345" y="964235"/>
+            <a:ext cx="894414" cy="489811"/>
+          </a:xfrm>
+          <a:prstGeom prst="rect">
+            <a:avLst/>
+          </a:prstGeom>
+          <a:solidFill>
+            <a:srgbClr val="FFFF00"/>
+          </a:solidFill>
+        </p:spPr>
+        <p:style>
+          <a:lnRef idx="2">
+            <a:schemeClr val="accent1">
+              <a:shade val="15000"/>
+            </a:schemeClr>
+          </a:lnRef>
+          <a:fillRef idx="1">
+            <a:schemeClr val="accent1"/>
+          </a:fillRef>
+          <a:effectRef idx="0">
+            <a:schemeClr val="accent1"/>
+          </a:effectRef>
+          <a:fontRef idx="minor">
+            <a:schemeClr val="lt1"/>
+          </a:fontRef>
+        </p:style>
+        <p:txBody>
+          <a:bodyPr rtlCol="0" anchor="ctr"/>
+          <a:lstStyle/>
+          <a:p>
+            <a:pPr algn="ctr"/>
+            <a:r>
+              <a:rPr kumimoji="1" lang="en-US" altLang="ko-KR" sz="1200" dirty="0">
+                <a:solidFill>
+                  <a:schemeClr val="tx1"/>
+                </a:solidFill>
+                <a:latin typeface="DM Mono" panose="020B0509040201040103" pitchFamily="49" charset="0"/>
+              </a:rPr>
+              <a:t>0x200</a:t>
+            </a:r>
+            <a:endParaRPr kumimoji="1" lang="ko-KR" altLang="en-US" sz="1200" dirty="0">
+              <a:solidFill>
+                <a:schemeClr val="tx1"/>
+              </a:solidFill>
+              <a:latin typeface="DM Mono" panose="020B0509040201040103" pitchFamily="49" charset="0"/>
+            </a:endParaRPr>
+          </a:p>
+        </p:txBody>
+      </p:sp>
+      <p:sp>
+        <p:nvSpPr>
+          <p:cNvPr id="7" name="직사각형 6">
+            <a:extLst>
+              <a:ext uri="{FF2B5EF4-FFF2-40B4-BE49-F238E27FC236}">
+                <a16:creationId xmlns:a16="http://schemas.microsoft.com/office/drawing/2014/main" id="{E95E48C3-88B7-8F38-7EEF-3CBBDC599471}"/>
+              </a:ext>
+            </a:extLst>
+          </p:cNvPr>
+          <p:cNvSpPr/>
+          <p:nvPr/>
+        </p:nvSpPr>
+        <p:spPr>
+          <a:xfrm>
+            <a:off x="7090345" y="1454046"/>
+            <a:ext cx="894414" cy="489811"/>
+          </a:xfrm>
+          <a:prstGeom prst="rect">
+            <a:avLst/>
+          </a:prstGeom>
+          <a:solidFill>
+            <a:srgbClr val="FFFF00"/>
+          </a:solidFill>
+        </p:spPr>
+        <p:style>
+          <a:lnRef idx="2">
+            <a:schemeClr val="accent1">
+              <a:shade val="15000"/>
+            </a:schemeClr>
+          </a:lnRef>
+          <a:fillRef idx="1">
+            <a:schemeClr val="accent1"/>
+          </a:fillRef>
+          <a:effectRef idx="0">
+            <a:schemeClr val="accent1"/>
+          </a:effectRef>
+          <a:fontRef idx="minor">
+            <a:schemeClr val="lt1"/>
+          </a:fontRef>
+        </p:style>
+        <p:txBody>
+          <a:bodyPr rtlCol="0" anchor="ctr"/>
+          <a:lstStyle/>
+          <a:p>
+            <a:pPr algn="ctr"/>
+            <a:r>
+              <a:rPr kumimoji="1" lang="en-US" altLang="ko-KR" sz="1200" dirty="0">
+                <a:solidFill>
+                  <a:schemeClr val="tx1"/>
+                </a:solidFill>
+                <a:latin typeface="DM Mono" panose="020B0509040201040103" pitchFamily="49" charset="0"/>
+              </a:rPr>
+              <a:t>42</a:t>
+            </a:r>
+            <a:endParaRPr kumimoji="1" lang="ko-KR" altLang="en-US" sz="1200" dirty="0">
+              <a:solidFill>
+                <a:schemeClr val="tx1"/>
+              </a:solidFill>
+              <a:latin typeface="DM Mono" panose="020B0509040201040103" pitchFamily="49" charset="0"/>
+            </a:endParaRPr>
+          </a:p>
+        </p:txBody>
+      </p:sp>
+      <p:sp>
+        <p:nvSpPr>
+          <p:cNvPr id="8" name="TextBox 7">
+            <a:extLst>
+              <a:ext uri="{FF2B5EF4-FFF2-40B4-BE49-F238E27FC236}">
+                <a16:creationId xmlns:a16="http://schemas.microsoft.com/office/drawing/2014/main" id="{7AA979D8-4780-5226-CBC4-ED682085048C}"/>
+              </a:ext>
+            </a:extLst>
+          </p:cNvPr>
+          <p:cNvSpPr txBox="1"/>
+          <p:nvPr/>
+        </p:nvSpPr>
+        <p:spPr>
+          <a:xfrm>
+            <a:off x="7190280" y="647487"/>
+            <a:ext cx="694544" cy="276999"/>
+          </a:xfrm>
+          <a:prstGeom prst="rect">
+            <a:avLst/>
+          </a:prstGeom>
+          <a:noFill/>
+        </p:spPr>
+        <p:txBody>
+          <a:bodyPr wrap="square">
+            <a:spAutoFit/>
+          </a:bodyPr>
+          <a:lstStyle/>
+          <a:p>
+            <a:pPr algn="ctr"/>
+            <a:r>
+              <a:rPr lang="en-US" altLang="ko-KR" sz="1200" dirty="0">
+                <a:latin typeface="DM Mono" panose="020B0509040201040103" pitchFamily="49" charset="0"/>
+              </a:rPr>
+              <a:t>user</a:t>
+            </a:r>
+            <a:endParaRPr lang="ko-KR" altLang="en-US" sz="1200" dirty="0">
+              <a:latin typeface="DM Mono" panose="020B0509040201040103" pitchFamily="49" charset="0"/>
+            </a:endParaRPr>
+          </a:p>
+        </p:txBody>
+      </p:sp>
+      <p:sp>
+        <p:nvSpPr>
+          <p:cNvPr id="9" name="TextBox 8">
+            <a:extLst>
+              <a:ext uri="{FF2B5EF4-FFF2-40B4-BE49-F238E27FC236}">
+                <a16:creationId xmlns:a16="http://schemas.microsoft.com/office/drawing/2014/main" id="{B1640A79-F7FC-C373-A32D-AFD724A2FE6F}"/>
+              </a:ext>
+            </a:extLst>
+          </p:cNvPr>
+          <p:cNvSpPr txBox="1"/>
+          <p:nvPr/>
+        </p:nvSpPr>
+        <p:spPr>
+          <a:xfrm>
+            <a:off x="6395801" y="1071984"/>
+            <a:ext cx="694544" cy="276999"/>
+          </a:xfrm>
+          <a:prstGeom prst="rect">
+            <a:avLst/>
+          </a:prstGeom>
+          <a:noFill/>
+        </p:spPr>
+        <p:txBody>
+          <a:bodyPr wrap="square">
+            <a:spAutoFit/>
+          </a:bodyPr>
+          <a:lstStyle/>
+          <a:p>
+            <a:pPr algn="r"/>
+            <a:r>
+              <a:rPr lang="en-US" altLang="ko-KR" sz="1200" dirty="0">
+                <a:latin typeface="DM Mono" panose="020B0509040201040103" pitchFamily="49" charset="0"/>
+              </a:rPr>
+              <a:t>name</a:t>
+            </a:r>
+            <a:endParaRPr lang="ko-KR" altLang="en-US" sz="1200" dirty="0">
+              <a:latin typeface="DM Mono" panose="020B0509040201040103" pitchFamily="49" charset="0"/>
+            </a:endParaRPr>
+          </a:p>
+        </p:txBody>
+      </p:sp>
+      <p:sp>
+        <p:nvSpPr>
+          <p:cNvPr id="10" name="TextBox 9">
+            <a:extLst>
+              <a:ext uri="{FF2B5EF4-FFF2-40B4-BE49-F238E27FC236}">
+                <a16:creationId xmlns:a16="http://schemas.microsoft.com/office/drawing/2014/main" id="{0A22048C-68EA-0BAD-6262-34D7A386611A}"/>
+              </a:ext>
+            </a:extLst>
+          </p:cNvPr>
+          <p:cNvSpPr txBox="1"/>
+          <p:nvPr/>
+        </p:nvSpPr>
+        <p:spPr>
+          <a:xfrm>
+            <a:off x="6395801" y="1559109"/>
+            <a:ext cx="694544" cy="276999"/>
+          </a:xfrm>
+          <a:prstGeom prst="rect">
+            <a:avLst/>
+          </a:prstGeom>
+          <a:noFill/>
+        </p:spPr>
+        <p:txBody>
+          <a:bodyPr wrap="square">
+            <a:spAutoFit/>
+          </a:bodyPr>
+          <a:lstStyle/>
+          <a:p>
+            <a:pPr algn="r"/>
+            <a:r>
+              <a:rPr lang="en-US" altLang="ko-KR" sz="1200" dirty="0">
+                <a:latin typeface="DM Mono" panose="020B0509040201040103" pitchFamily="49" charset="0"/>
+              </a:rPr>
+              <a:t>age</a:t>
+            </a:r>
+            <a:endParaRPr lang="ko-KR" altLang="en-US" sz="1200" dirty="0">
+              <a:latin typeface="DM Mono" panose="020B0509040201040103" pitchFamily="49" charset="0"/>
+            </a:endParaRPr>
+          </a:p>
+        </p:txBody>
+      </p:sp>
+      <p:sp>
+        <p:nvSpPr>
+          <p:cNvPr id="11" name="직사각형 10">
+            <a:extLst>
+              <a:ext uri="{FF2B5EF4-FFF2-40B4-BE49-F238E27FC236}">
+                <a16:creationId xmlns:a16="http://schemas.microsoft.com/office/drawing/2014/main" id="{B06002E1-7E0A-48FF-0039-C129E25527D5}"/>
+              </a:ext>
+            </a:extLst>
+          </p:cNvPr>
+          <p:cNvSpPr/>
+          <p:nvPr/>
+        </p:nvSpPr>
+        <p:spPr>
+          <a:xfrm>
+            <a:off x="10185812" y="479646"/>
+            <a:ext cx="1441557" cy="329823"/>
+          </a:xfrm>
+          <a:prstGeom prst="rect">
+            <a:avLst/>
+          </a:prstGeom>
+          <a:solidFill>
+            <a:srgbClr val="FFFF00"/>
+          </a:solidFill>
+        </p:spPr>
+        <p:style>
+          <a:lnRef idx="2">
+            <a:schemeClr val="accent1">
+              <a:shade val="15000"/>
+            </a:schemeClr>
+          </a:lnRef>
+          <a:fillRef idx="1">
+            <a:schemeClr val="accent1"/>
+          </a:fillRef>
+          <a:effectRef idx="0">
+            <a:schemeClr val="accent1"/>
+          </a:effectRef>
+          <a:fontRef idx="minor">
+            <a:schemeClr val="lt1"/>
+          </a:fontRef>
+        </p:style>
+        <p:txBody>
+          <a:bodyPr rtlCol="0" anchor="ctr"/>
+          <a:lstStyle/>
+          <a:p>
+            <a:pPr algn="ctr"/>
+            <a:r>
+              <a:rPr kumimoji="1" lang="en-US" altLang="ko-KR" sz="1200" dirty="0">
+                <a:solidFill>
+                  <a:schemeClr val="tx1"/>
+                </a:solidFill>
+                <a:latin typeface="DM Mono" panose="020B0509040201040103" pitchFamily="49" charset="0"/>
+              </a:rPr>
+              <a:t>“Tom”</a:t>
+            </a:r>
+            <a:endParaRPr kumimoji="1" lang="ko-KR" altLang="en-US" sz="1200" dirty="0">
+              <a:solidFill>
+                <a:schemeClr val="tx1"/>
+              </a:solidFill>
+              <a:latin typeface="DM Mono" panose="020B0509040201040103" pitchFamily="49" charset="0"/>
+            </a:endParaRPr>
+          </a:p>
+        </p:txBody>
+      </p:sp>
+      <p:cxnSp>
+        <p:nvCxnSpPr>
+          <p:cNvPr id="13" name="구부러진 연결선[U] 12">
+            <a:extLst>
+              <a:ext uri="{FF2B5EF4-FFF2-40B4-BE49-F238E27FC236}">
+                <a16:creationId xmlns:a16="http://schemas.microsoft.com/office/drawing/2014/main" id="{68E12808-F904-D961-0F53-6D2C59633C03}"/>
+              </a:ext>
+            </a:extLst>
+          </p:cNvPr>
+          <p:cNvCxnSpPr>
+            <a:stCxn id="6" idx="3"/>
+            <a:endCxn id="11" idx="1"/>
+          </p:cNvCxnSpPr>
+          <p:nvPr/>
+        </p:nvCxnSpPr>
+        <p:spPr>
+          <a:xfrm flipV="1">
+            <a:off x="7984759" y="644558"/>
+            <a:ext cx="2201053" cy="564583"/>
+          </a:xfrm>
+          <a:prstGeom prst="curvedConnector3">
+            <a:avLst/>
+          </a:prstGeom>
+          <a:ln>
+            <a:tailEnd type="triangle"/>
+          </a:ln>
+        </p:spPr>
+        <p:style>
+          <a:lnRef idx="1">
+            <a:schemeClr val="dk1"/>
+          </a:lnRef>
+          <a:fillRef idx="0">
+            <a:schemeClr val="dk1"/>
+          </a:fillRef>
+          <a:effectRef idx="0">
+            <a:schemeClr val="dk1"/>
+          </a:effectRef>
+          <a:fontRef idx="minor">
+            <a:schemeClr val="tx1"/>
+          </a:fontRef>
+        </p:style>
+      </p:cxnSp>
+      <p:sp>
+        <p:nvSpPr>
+          <p:cNvPr id="14" name="TextBox 13">
+            <a:extLst>
+              <a:ext uri="{FF2B5EF4-FFF2-40B4-BE49-F238E27FC236}">
+                <a16:creationId xmlns:a16="http://schemas.microsoft.com/office/drawing/2014/main" id="{13CCF594-2FD6-C4DC-05F5-C1D983C7E34A}"/>
+              </a:ext>
+            </a:extLst>
+          </p:cNvPr>
+          <p:cNvSpPr txBox="1"/>
+          <p:nvPr/>
+        </p:nvSpPr>
+        <p:spPr>
+          <a:xfrm>
+            <a:off x="9838540" y="212376"/>
+            <a:ext cx="694544" cy="276999"/>
+          </a:xfrm>
+          <a:prstGeom prst="rect">
+            <a:avLst/>
+          </a:prstGeom>
+          <a:noFill/>
+        </p:spPr>
+        <p:txBody>
+          <a:bodyPr wrap="square">
+            <a:spAutoFit/>
+          </a:bodyPr>
+          <a:lstStyle/>
+          <a:p>
+            <a:pPr algn="ctr"/>
+            <a:r>
+              <a:rPr lang="en-US" altLang="ko-KR" sz="1200" dirty="0">
+                <a:latin typeface="DM Mono" panose="020B0509040201040103" pitchFamily="49" charset="0"/>
+              </a:rPr>
+              <a:t>0x200</a:t>
+            </a:r>
+            <a:endParaRPr lang="ko-KR" altLang="en-US" sz="1200" dirty="0">
+              <a:latin typeface="DM Mono" panose="020B0509040201040103" pitchFamily="49" charset="0"/>
+            </a:endParaRPr>
+          </a:p>
+        </p:txBody>
+      </p:sp>
+    </p:spTree>
+    <p:extLst>
+      <p:ext uri="{BB962C8B-B14F-4D97-AF65-F5344CB8AC3E}">
+        <p14:creationId xmlns:p14="http://schemas.microsoft.com/office/powerpoint/2010/main" val="387051125"/>
+      </p:ext>
+    </p:extLst>
+  </p:cSld>
+  <p:clrMapOvr>
+    <a:masterClrMapping/>
+  </p:clrMapOvr>
+</p:sld>
+</file>
+
+<file path=ppt/slides/slide15.xml><?xml version="1.0" encoding="utf-8"?>
+<p:sld xmlns:a="http://schemas.openxmlformats.org/drawingml/2006/main" xmlns:r="http://schemas.openxmlformats.org/officeDocument/2006/relationships" xmlns:p="http://schemas.openxmlformats.org/presentationml/2006/main">
+  <p:cSld>
+    <p:spTree>
+      <p:nvGrpSpPr>
+        <p:cNvPr id="1" name=""/>
+        <p:cNvGrpSpPr/>
+        <p:nvPr/>
+      </p:nvGrpSpPr>
+      <p:grpSpPr>
+        <a:xfrm>
+          <a:off x="0" y="0"/>
+          <a:ext cx="0" cy="0"/>
+          <a:chOff x="0" y="0"/>
+          <a:chExt cx="0" cy="0"/>
+        </a:xfrm>
+      </p:grpSpPr>
+      <p:sp>
+        <p:nvSpPr>
+          <p:cNvPr id="5" name="TextBox 4">
+            <a:extLst>
+              <a:ext uri="{FF2B5EF4-FFF2-40B4-BE49-F238E27FC236}">
+                <a16:creationId xmlns:a16="http://schemas.microsoft.com/office/drawing/2014/main" id="{FE57B69C-52B0-C1A2-CBE3-9CEA942B7DAA}"/>
+              </a:ext>
+            </a:extLst>
+          </p:cNvPr>
+          <p:cNvSpPr txBox="1"/>
+          <p:nvPr/>
+        </p:nvSpPr>
+        <p:spPr>
+          <a:xfrm>
+            <a:off x="519659" y="334784"/>
+            <a:ext cx="4542020" cy="4778231"/>
+          </a:xfrm>
+          <a:prstGeom prst="rect">
+            <a:avLst/>
+          </a:prstGeom>
+          <a:noFill/>
+        </p:spPr>
+        <p:txBody>
+          <a:bodyPr wrap="square">
+            <a:spAutoFit/>
+          </a:bodyPr>
+          <a:lstStyle/>
+          <a:p>
+            <a:r>
+              <a:rPr lang="ko-KR" altLang="en-US" sz="1050" dirty="0" err="1">
+                <a:latin typeface="DM Mono" panose="020B0509040201040103" pitchFamily="49" charset="0"/>
+              </a:rPr>
+              <a:t>class</a:t>
+            </a:r>
+            <a:r>
+              <a:rPr lang="ko-KR" altLang="en-US" sz="1050" dirty="0">
+                <a:latin typeface="DM Mono" panose="020B0509040201040103" pitchFamily="49" charset="0"/>
+              </a:rPr>
+              <a:t> </a:t>
+            </a:r>
+            <a:r>
+              <a:rPr lang="ko-KR" altLang="en-US" sz="1050" dirty="0" err="1">
+                <a:latin typeface="DM Mono" panose="020B0509040201040103" pitchFamily="49" charset="0"/>
+              </a:rPr>
+              <a:t>User</a:t>
+            </a:r>
+            <a:r>
+              <a:rPr lang="ko-KR" altLang="en-US" sz="1050" dirty="0">
+                <a:latin typeface="DM Mono" panose="020B0509040201040103" pitchFamily="49" charset="0"/>
+              </a:rPr>
+              <a:t> {</a:t>
+            </a:r>
+          </a:p>
+          <a:p>
+            <a:r>
+              <a:rPr lang="ko-KR" altLang="en-US" sz="1050" dirty="0">
+                <a:latin typeface="DM Mono" panose="020B0509040201040103" pitchFamily="49" charset="0"/>
+              </a:rPr>
+              <a:t>    </a:t>
+            </a:r>
+            <a:r>
+              <a:rPr lang="ko-KR" altLang="en-US" sz="1050" dirty="0" err="1">
+                <a:latin typeface="DM Mono" panose="020B0509040201040103" pitchFamily="49" charset="0"/>
+              </a:rPr>
+              <a:t>char</a:t>
+            </a:r>
+            <a:r>
+              <a:rPr lang="ko-KR" altLang="en-US" sz="1050" dirty="0">
+                <a:latin typeface="DM Mono" panose="020B0509040201040103" pitchFamily="49" charset="0"/>
+              </a:rPr>
+              <a:t>* </a:t>
+            </a:r>
+            <a:r>
+              <a:rPr lang="ko-KR" altLang="en-US" sz="1050" dirty="0" err="1">
+                <a:latin typeface="DM Mono" panose="020B0509040201040103" pitchFamily="49" charset="0"/>
+              </a:rPr>
+              <a:t>name</a:t>
+            </a:r>
+            <a:r>
+              <a:rPr lang="ko-KR" altLang="en-US" sz="1050" dirty="0">
+                <a:latin typeface="DM Mono" panose="020B0509040201040103" pitchFamily="49" charset="0"/>
+              </a:rPr>
+              <a:t>;</a:t>
+            </a:r>
+          </a:p>
+          <a:p>
+            <a:r>
+              <a:rPr lang="ko-KR" altLang="en-US" sz="1050" dirty="0">
+                <a:latin typeface="DM Mono" panose="020B0509040201040103" pitchFamily="49" charset="0"/>
+              </a:rPr>
+              <a:t>    </a:t>
+            </a:r>
+            <a:r>
+              <a:rPr lang="ko-KR" altLang="en-US" sz="1050" dirty="0" err="1">
+                <a:latin typeface="DM Mono" panose="020B0509040201040103" pitchFamily="49" charset="0"/>
+              </a:rPr>
+              <a:t>int</a:t>
+            </a:r>
+            <a:r>
+              <a:rPr lang="ko-KR" altLang="en-US" sz="1050" dirty="0">
+                <a:latin typeface="DM Mono" panose="020B0509040201040103" pitchFamily="49" charset="0"/>
+              </a:rPr>
+              <a:t> </a:t>
+            </a:r>
+            <a:r>
+              <a:rPr lang="ko-KR" altLang="en-US" sz="1050" dirty="0" err="1">
+                <a:latin typeface="DM Mono" panose="020B0509040201040103" pitchFamily="49" charset="0"/>
+              </a:rPr>
+              <a:t>age</a:t>
+            </a:r>
+            <a:r>
+              <a:rPr lang="ko-KR" altLang="en-US" sz="1050" dirty="0">
+                <a:latin typeface="DM Mono" panose="020B0509040201040103" pitchFamily="49" charset="0"/>
+              </a:rPr>
+              <a:t>;</a:t>
+            </a:r>
+          </a:p>
+          <a:p>
+            <a:endParaRPr lang="ko-KR" altLang="en-US" sz="1050" dirty="0">
+              <a:latin typeface="DM Mono" panose="020B0509040201040103" pitchFamily="49" charset="0"/>
+            </a:endParaRPr>
+          </a:p>
+          <a:p>
+            <a:r>
+              <a:rPr lang="ko-KR" altLang="en-US" sz="1050" dirty="0" err="1">
+                <a:latin typeface="DM Mono" panose="020B0509040201040103" pitchFamily="49" charset="0"/>
+              </a:rPr>
+              <a:t>public</a:t>
+            </a:r>
+            <a:r>
+              <a:rPr lang="ko-KR" altLang="en-US" sz="1050" dirty="0">
+                <a:latin typeface="DM Mono" panose="020B0509040201040103" pitchFamily="49" charset="0"/>
+              </a:rPr>
+              <a:t>:</a:t>
+            </a:r>
+          </a:p>
+          <a:p>
+            <a:r>
+              <a:rPr lang="ko-KR" altLang="en-US" sz="1050" dirty="0">
+                <a:latin typeface="DM Mono" panose="020B0509040201040103" pitchFamily="49" charset="0"/>
+              </a:rPr>
+              <a:t>    </a:t>
+            </a:r>
+            <a:r>
+              <a:rPr lang="ko-KR" altLang="en-US" sz="1050" dirty="0" err="1">
+                <a:latin typeface="DM Mono" panose="020B0509040201040103" pitchFamily="49" charset="0"/>
+              </a:rPr>
+              <a:t>User</a:t>
+            </a:r>
+            <a:r>
+              <a:rPr lang="ko-KR" altLang="en-US" sz="1050" dirty="0">
+                <a:latin typeface="DM Mono" panose="020B0509040201040103" pitchFamily="49" charset="0"/>
+              </a:rPr>
+              <a:t>(</a:t>
+            </a:r>
+            <a:r>
+              <a:rPr lang="ko-KR" altLang="en-US" sz="1050" dirty="0" err="1">
+                <a:latin typeface="DM Mono" panose="020B0509040201040103" pitchFamily="49" charset="0"/>
+              </a:rPr>
+              <a:t>const</a:t>
+            </a:r>
+            <a:r>
+              <a:rPr lang="ko-KR" altLang="en-US" sz="1050" dirty="0">
+                <a:latin typeface="DM Mono" panose="020B0509040201040103" pitchFamily="49" charset="0"/>
+              </a:rPr>
+              <a:t> </a:t>
+            </a:r>
+            <a:r>
+              <a:rPr lang="ko-KR" altLang="en-US" sz="1050" dirty="0" err="1">
+                <a:latin typeface="DM Mono" panose="020B0509040201040103" pitchFamily="49" charset="0"/>
+              </a:rPr>
+              <a:t>char</a:t>
+            </a:r>
+            <a:r>
+              <a:rPr lang="ko-KR" altLang="en-US" sz="1050" dirty="0">
+                <a:latin typeface="DM Mono" panose="020B0509040201040103" pitchFamily="49" charset="0"/>
+              </a:rPr>
+              <a:t>* </a:t>
+            </a:r>
+            <a:r>
+              <a:rPr lang="ko-KR" altLang="en-US" sz="1050" dirty="0" err="1">
+                <a:latin typeface="DM Mono" panose="020B0509040201040103" pitchFamily="49" charset="0"/>
+              </a:rPr>
+              <a:t>s</a:t>
+            </a:r>
+            <a:r>
+              <a:rPr lang="ko-KR" altLang="en-US" sz="1050" dirty="0">
+                <a:latin typeface="DM Mono" panose="020B0509040201040103" pitchFamily="49" charset="0"/>
+              </a:rPr>
+              <a:t>, </a:t>
+            </a:r>
+            <a:r>
+              <a:rPr lang="ko-KR" altLang="en-US" sz="1050" dirty="0" err="1">
+                <a:latin typeface="DM Mono" panose="020B0509040201040103" pitchFamily="49" charset="0"/>
+              </a:rPr>
+              <a:t>int</a:t>
+            </a:r>
+            <a:r>
+              <a:rPr lang="ko-KR" altLang="en-US" sz="1050" dirty="0">
+                <a:latin typeface="DM Mono" panose="020B0509040201040103" pitchFamily="49" charset="0"/>
+              </a:rPr>
+              <a:t> </a:t>
+            </a:r>
+            <a:r>
+              <a:rPr lang="ko-KR" altLang="en-US" sz="1050" dirty="0" err="1">
+                <a:latin typeface="DM Mono" panose="020B0509040201040103" pitchFamily="49" charset="0"/>
+              </a:rPr>
+              <a:t>n</a:t>
+            </a:r>
+            <a:r>
+              <a:rPr lang="ko-KR" altLang="en-US" sz="1050" dirty="0">
+                <a:latin typeface="DM Mono" panose="020B0509040201040103" pitchFamily="49" charset="0"/>
+              </a:rPr>
+              <a:t>)</a:t>
+            </a:r>
+          </a:p>
+          <a:p>
+            <a:r>
+              <a:rPr lang="ko-KR" altLang="en-US" sz="1050" dirty="0">
+                <a:latin typeface="DM Mono" panose="020B0509040201040103" pitchFamily="49" charset="0"/>
+              </a:rPr>
+              <a:t>        : </a:t>
+            </a:r>
+            <a:r>
+              <a:rPr lang="ko-KR" altLang="en-US" sz="1050" dirty="0" err="1">
+                <a:latin typeface="DM Mono" panose="020B0509040201040103" pitchFamily="49" charset="0"/>
+              </a:rPr>
+              <a:t>age</a:t>
+            </a:r>
+            <a:r>
+              <a:rPr lang="ko-KR" altLang="en-US" sz="1050" dirty="0">
+                <a:latin typeface="DM Mono" panose="020B0509040201040103" pitchFamily="49" charset="0"/>
+              </a:rPr>
+              <a:t> { </a:t>
+            </a:r>
+            <a:r>
+              <a:rPr lang="ko-KR" altLang="en-US" sz="1050" dirty="0" err="1">
+                <a:latin typeface="DM Mono" panose="020B0509040201040103" pitchFamily="49" charset="0"/>
+              </a:rPr>
+              <a:t>n</a:t>
+            </a:r>
+            <a:r>
+              <a:rPr lang="ko-KR" altLang="en-US" sz="1050" dirty="0">
+                <a:latin typeface="DM Mono" panose="020B0509040201040103" pitchFamily="49" charset="0"/>
+              </a:rPr>
+              <a:t> }</a:t>
+            </a:r>
+          </a:p>
+          <a:p>
+            <a:r>
+              <a:rPr lang="ko-KR" altLang="en-US" sz="1050" dirty="0">
+                <a:latin typeface="DM Mono" panose="020B0509040201040103" pitchFamily="49" charset="0"/>
+              </a:rPr>
+              <a:t>    {</a:t>
+            </a:r>
+          </a:p>
+          <a:p>
+            <a:r>
+              <a:rPr lang="ko-KR" altLang="en-US" sz="1050" dirty="0">
+                <a:latin typeface="DM Mono" panose="020B0509040201040103" pitchFamily="49" charset="0"/>
+              </a:rPr>
+              <a:t>        </a:t>
+            </a:r>
+            <a:r>
+              <a:rPr lang="ko-KR" altLang="en-US" sz="1050" dirty="0" err="1">
+                <a:latin typeface="DM Mono" panose="020B0509040201040103" pitchFamily="49" charset="0"/>
+              </a:rPr>
+              <a:t>name</a:t>
+            </a:r>
+            <a:r>
+              <a:rPr lang="ko-KR" altLang="en-US" sz="1050" dirty="0">
+                <a:latin typeface="DM Mono" panose="020B0509040201040103" pitchFamily="49" charset="0"/>
+              </a:rPr>
+              <a:t> = </a:t>
+            </a:r>
+            <a:r>
+              <a:rPr lang="ko-KR" altLang="en-US" sz="1050" dirty="0" err="1">
+                <a:latin typeface="DM Mono" panose="020B0509040201040103" pitchFamily="49" charset="0"/>
+              </a:rPr>
+              <a:t>new</a:t>
+            </a:r>
+            <a:r>
+              <a:rPr lang="ko-KR" altLang="en-US" sz="1050" dirty="0">
+                <a:latin typeface="DM Mono" panose="020B0509040201040103" pitchFamily="49" charset="0"/>
+              </a:rPr>
+              <a:t> </a:t>
+            </a:r>
+            <a:r>
+              <a:rPr lang="ko-KR" altLang="en-US" sz="1050" dirty="0" err="1">
+                <a:latin typeface="DM Mono" panose="020B0509040201040103" pitchFamily="49" charset="0"/>
+              </a:rPr>
+              <a:t>char</a:t>
+            </a:r>
+            <a:r>
+              <a:rPr lang="ko-KR" altLang="en-US" sz="1050" dirty="0">
+                <a:latin typeface="DM Mono" panose="020B0509040201040103" pitchFamily="49" charset="0"/>
+              </a:rPr>
+              <a:t>[</a:t>
+            </a:r>
+            <a:r>
+              <a:rPr lang="ko-KR" altLang="en-US" sz="1050" dirty="0" err="1">
+                <a:latin typeface="DM Mono" panose="020B0509040201040103" pitchFamily="49" charset="0"/>
+              </a:rPr>
+              <a:t>strlen</a:t>
+            </a:r>
+            <a:r>
+              <a:rPr lang="ko-KR" altLang="en-US" sz="1050" dirty="0">
+                <a:latin typeface="DM Mono" panose="020B0509040201040103" pitchFamily="49" charset="0"/>
+              </a:rPr>
+              <a:t>(</a:t>
+            </a:r>
+            <a:r>
+              <a:rPr lang="ko-KR" altLang="en-US" sz="1050" dirty="0" err="1">
+                <a:latin typeface="DM Mono" panose="020B0509040201040103" pitchFamily="49" charset="0"/>
+              </a:rPr>
+              <a:t>s</a:t>
+            </a:r>
+            <a:r>
+              <a:rPr lang="ko-KR" altLang="en-US" sz="1050" dirty="0">
+                <a:latin typeface="DM Mono" panose="020B0509040201040103" pitchFamily="49" charset="0"/>
+              </a:rPr>
+              <a:t>) + 1];</a:t>
+            </a:r>
+          </a:p>
+          <a:p>
+            <a:r>
+              <a:rPr lang="ko-KR" altLang="en-US" sz="1050" dirty="0">
+                <a:latin typeface="DM Mono" panose="020B0509040201040103" pitchFamily="49" charset="0"/>
+              </a:rPr>
+              <a:t>        </a:t>
+            </a:r>
+            <a:r>
+              <a:rPr lang="ko-KR" altLang="en-US" sz="1050" dirty="0" err="1">
+                <a:latin typeface="DM Mono" panose="020B0509040201040103" pitchFamily="49" charset="0"/>
+              </a:rPr>
+              <a:t>strcpy</a:t>
+            </a:r>
+            <a:r>
+              <a:rPr lang="ko-KR" altLang="en-US" sz="1050" dirty="0">
+                <a:latin typeface="DM Mono" panose="020B0509040201040103" pitchFamily="49" charset="0"/>
+              </a:rPr>
+              <a:t>(</a:t>
+            </a:r>
+            <a:r>
+              <a:rPr lang="ko-KR" altLang="en-US" sz="1050" dirty="0" err="1">
+                <a:latin typeface="DM Mono" panose="020B0509040201040103" pitchFamily="49" charset="0"/>
+              </a:rPr>
+              <a:t>name</a:t>
+            </a:r>
+            <a:r>
+              <a:rPr lang="ko-KR" altLang="en-US" sz="1050" dirty="0">
+                <a:latin typeface="DM Mono" panose="020B0509040201040103" pitchFamily="49" charset="0"/>
+              </a:rPr>
+              <a:t>, </a:t>
+            </a:r>
+            <a:r>
+              <a:rPr lang="ko-KR" altLang="en-US" sz="1050" dirty="0" err="1">
+                <a:latin typeface="DM Mono" panose="020B0509040201040103" pitchFamily="49" charset="0"/>
+              </a:rPr>
+              <a:t>s</a:t>
+            </a:r>
+            <a:r>
+              <a:rPr lang="ko-KR" altLang="en-US" sz="1050" dirty="0">
+                <a:latin typeface="DM Mono" panose="020B0509040201040103" pitchFamily="49" charset="0"/>
+              </a:rPr>
+              <a:t>);</a:t>
+            </a:r>
+          </a:p>
+          <a:p>
+            <a:r>
+              <a:rPr lang="ko-KR" altLang="en-US" sz="1050" dirty="0">
+                <a:latin typeface="DM Mono" panose="020B0509040201040103" pitchFamily="49" charset="0"/>
+              </a:rPr>
+              <a:t>    }</a:t>
+            </a:r>
+          </a:p>
+          <a:p>
+            <a:endParaRPr lang="ko-KR" altLang="en-US" sz="1050" dirty="0">
+              <a:latin typeface="DM Mono" panose="020B0509040201040103" pitchFamily="49" charset="0"/>
+            </a:endParaRPr>
+          </a:p>
+          <a:p>
+            <a:r>
+              <a:rPr lang="ko-KR" altLang="en-US" sz="1050" dirty="0">
+                <a:latin typeface="DM Mono" panose="020B0509040201040103" pitchFamily="49" charset="0"/>
+              </a:rPr>
+              <a:t>    ~</a:t>
+            </a:r>
+            <a:r>
+              <a:rPr lang="ko-KR" altLang="en-US" sz="1050" dirty="0" err="1">
+                <a:latin typeface="DM Mono" panose="020B0509040201040103" pitchFamily="49" charset="0"/>
+              </a:rPr>
+              <a:t>User</a:t>
+            </a:r>
+            <a:r>
+              <a:rPr lang="ko-KR" altLang="en-US" sz="1050" dirty="0">
+                <a:latin typeface="DM Mono" panose="020B0509040201040103" pitchFamily="49" charset="0"/>
+              </a:rPr>
+              <a:t>()</a:t>
+            </a:r>
+          </a:p>
+          <a:p>
+            <a:r>
+              <a:rPr lang="ko-KR" altLang="en-US" sz="1050" dirty="0">
+                <a:latin typeface="DM Mono" panose="020B0509040201040103" pitchFamily="49" charset="0"/>
+              </a:rPr>
+              <a:t>    {</a:t>
+            </a:r>
+          </a:p>
+          <a:p>
+            <a:r>
+              <a:rPr lang="ko-KR" altLang="en-US" sz="1050" dirty="0">
+                <a:latin typeface="DM Mono" panose="020B0509040201040103" pitchFamily="49" charset="0"/>
+              </a:rPr>
+              <a:t>        </a:t>
+            </a:r>
+            <a:r>
+              <a:rPr lang="ko-KR" altLang="en-US" sz="1050" dirty="0" err="1">
+                <a:latin typeface="DM Mono" panose="020B0509040201040103" pitchFamily="49" charset="0"/>
+              </a:rPr>
+              <a:t>delete</a:t>
+            </a:r>
+            <a:r>
+              <a:rPr lang="ko-KR" altLang="en-US" sz="1050" dirty="0">
+                <a:latin typeface="DM Mono" panose="020B0509040201040103" pitchFamily="49" charset="0"/>
+              </a:rPr>
+              <a:t>[] </a:t>
+            </a:r>
+            <a:r>
+              <a:rPr lang="ko-KR" altLang="en-US" sz="1050" dirty="0" err="1">
+                <a:latin typeface="DM Mono" panose="020B0509040201040103" pitchFamily="49" charset="0"/>
+              </a:rPr>
+              <a:t>name</a:t>
+            </a:r>
+            <a:r>
+              <a:rPr lang="ko-KR" altLang="en-US" sz="1050" dirty="0">
+                <a:latin typeface="DM Mono" panose="020B0509040201040103" pitchFamily="49" charset="0"/>
+              </a:rPr>
+              <a:t>;</a:t>
+            </a:r>
+          </a:p>
+          <a:p>
+            <a:r>
+              <a:rPr lang="ko-KR" altLang="en-US" sz="1050" dirty="0">
+                <a:latin typeface="DM Mono" panose="020B0509040201040103" pitchFamily="49" charset="0"/>
+              </a:rPr>
+              <a:t>    }</a:t>
+            </a:r>
+          </a:p>
+          <a:p>
+            <a:endParaRPr lang="ko-KR" altLang="en-US" sz="1050" dirty="0">
+              <a:latin typeface="DM Mono" panose="020B0509040201040103" pitchFamily="49" charset="0"/>
+            </a:endParaRPr>
+          </a:p>
+          <a:p>
+            <a:r>
+              <a:rPr lang="ko-KR" altLang="en-US" sz="1050" dirty="0">
+                <a:latin typeface="DM Mono" panose="020B0509040201040103" pitchFamily="49" charset="0"/>
+              </a:rPr>
+              <a:t>    </a:t>
+            </a:r>
+            <a:r>
+              <a:rPr lang="ko-KR" altLang="en-US" sz="1050" dirty="0" err="1">
+                <a:latin typeface="DM Mono" panose="020B0509040201040103" pitchFamily="49" charset="0"/>
+              </a:rPr>
+              <a:t>void</a:t>
+            </a:r>
+            <a:r>
+              <a:rPr lang="ko-KR" altLang="en-US" sz="1050" dirty="0">
+                <a:latin typeface="DM Mono" panose="020B0509040201040103" pitchFamily="49" charset="0"/>
+              </a:rPr>
+              <a:t> </a:t>
+            </a:r>
+            <a:r>
+              <a:rPr lang="ko-KR" altLang="en-US" sz="1050" dirty="0" err="1">
+                <a:latin typeface="DM Mono" panose="020B0509040201040103" pitchFamily="49" charset="0"/>
+              </a:rPr>
+              <a:t>Print</a:t>
+            </a:r>
+            <a:r>
+              <a:rPr lang="ko-KR" altLang="en-US" sz="1050" dirty="0">
+                <a:latin typeface="DM Mono" panose="020B0509040201040103" pitchFamily="49" charset="0"/>
+              </a:rPr>
+              <a:t>()</a:t>
+            </a:r>
+          </a:p>
+          <a:p>
+            <a:r>
+              <a:rPr lang="ko-KR" altLang="en-US" sz="1050" dirty="0">
+                <a:latin typeface="DM Mono" panose="020B0509040201040103" pitchFamily="49" charset="0"/>
+              </a:rPr>
+              <a:t>    {</a:t>
+            </a:r>
+          </a:p>
+          <a:p>
+            <a:r>
+              <a:rPr lang="ko-KR" altLang="en-US" sz="1050" dirty="0">
+                <a:latin typeface="DM Mono" panose="020B0509040201040103" pitchFamily="49" charset="0"/>
+              </a:rPr>
+              <a:t>        </a:t>
+            </a:r>
+            <a:r>
+              <a:rPr lang="ko-KR" altLang="en-US" sz="1050" dirty="0" err="1">
+                <a:latin typeface="DM Mono" panose="020B0509040201040103" pitchFamily="49" charset="0"/>
+              </a:rPr>
+              <a:t>cout</a:t>
+            </a:r>
+            <a:r>
+              <a:rPr lang="ko-KR" altLang="en-US" sz="1050" dirty="0">
+                <a:latin typeface="DM Mono" panose="020B0509040201040103" pitchFamily="49" charset="0"/>
+              </a:rPr>
+              <a:t> &lt;&lt; </a:t>
+            </a:r>
+            <a:r>
+              <a:rPr lang="ko-KR" altLang="en-US" sz="1050" dirty="0" err="1">
+                <a:latin typeface="DM Mono" panose="020B0509040201040103" pitchFamily="49" charset="0"/>
+              </a:rPr>
+              <a:t>name</a:t>
+            </a:r>
+            <a:r>
+              <a:rPr lang="ko-KR" altLang="en-US" sz="1050" dirty="0">
+                <a:latin typeface="DM Mono" panose="020B0509040201040103" pitchFamily="49" charset="0"/>
+              </a:rPr>
+              <a:t> &lt;&lt; ", " &lt;&lt; </a:t>
+            </a:r>
+            <a:r>
+              <a:rPr lang="ko-KR" altLang="en-US" sz="1050" dirty="0" err="1">
+                <a:latin typeface="DM Mono" panose="020B0509040201040103" pitchFamily="49" charset="0"/>
+              </a:rPr>
+              <a:t>age</a:t>
+            </a:r>
+            <a:r>
+              <a:rPr lang="ko-KR" altLang="en-US" sz="1050" dirty="0">
+                <a:latin typeface="DM Mono" panose="020B0509040201040103" pitchFamily="49" charset="0"/>
+              </a:rPr>
+              <a:t> &lt;&lt; </a:t>
+            </a:r>
+            <a:r>
+              <a:rPr lang="ko-KR" altLang="en-US" sz="1050" dirty="0" err="1">
+                <a:latin typeface="DM Mono" panose="020B0509040201040103" pitchFamily="49" charset="0"/>
+              </a:rPr>
+              <a:t>endl</a:t>
+            </a:r>
+            <a:r>
+              <a:rPr lang="ko-KR" altLang="en-US" sz="1050" dirty="0">
+                <a:latin typeface="DM Mono" panose="020B0509040201040103" pitchFamily="49" charset="0"/>
+              </a:rPr>
+              <a:t>;</a:t>
+            </a:r>
+          </a:p>
+          <a:p>
+            <a:r>
+              <a:rPr lang="ko-KR" altLang="en-US" sz="1050" dirty="0">
+                <a:latin typeface="DM Mono" panose="020B0509040201040103" pitchFamily="49" charset="0"/>
+              </a:rPr>
+              <a:t>    }</a:t>
+            </a:r>
+          </a:p>
+          <a:p>
+            <a:r>
+              <a:rPr lang="ko-KR" altLang="en-US" sz="1050" dirty="0">
+                <a:latin typeface="DM Mono" panose="020B0509040201040103" pitchFamily="49" charset="0"/>
+              </a:rPr>
+              <a:t>};</a:t>
+            </a:r>
+          </a:p>
+          <a:p>
+            <a:endParaRPr lang="ko-KR" altLang="en-US" sz="1050" dirty="0">
+              <a:latin typeface="DM Mono" panose="020B0509040201040103" pitchFamily="49" charset="0"/>
+            </a:endParaRPr>
+          </a:p>
+          <a:p>
+            <a:r>
+              <a:rPr lang="ko-KR" altLang="en-US" sz="1050" dirty="0" err="1">
+                <a:latin typeface="DM Mono" panose="020B0509040201040103" pitchFamily="49" charset="0"/>
+              </a:rPr>
+              <a:t>int</a:t>
+            </a:r>
+            <a:r>
+              <a:rPr lang="ko-KR" altLang="en-US" sz="1050" dirty="0">
+                <a:latin typeface="DM Mono" panose="020B0509040201040103" pitchFamily="49" charset="0"/>
+              </a:rPr>
+              <a:t> </a:t>
+            </a:r>
+            <a:r>
+              <a:rPr lang="ko-KR" altLang="en-US" sz="1050" dirty="0" err="1">
+                <a:latin typeface="DM Mono" panose="020B0509040201040103" pitchFamily="49" charset="0"/>
+              </a:rPr>
+              <a:t>main</a:t>
+            </a:r>
+            <a:r>
+              <a:rPr lang="ko-KR" altLang="en-US" sz="1050" dirty="0">
+                <a:latin typeface="DM Mono" panose="020B0509040201040103" pitchFamily="49" charset="0"/>
+              </a:rPr>
+              <a:t>()</a:t>
+            </a:r>
+          </a:p>
+          <a:p>
+            <a:r>
+              <a:rPr lang="ko-KR" altLang="en-US" sz="1050" dirty="0">
+                <a:latin typeface="DM Mono" panose="020B0509040201040103" pitchFamily="49" charset="0"/>
+              </a:rPr>
+              <a:t>{</a:t>
+            </a:r>
+          </a:p>
+          <a:p>
+            <a:r>
+              <a:rPr lang="ko-KR" altLang="en-US" sz="1050" dirty="0">
+                <a:latin typeface="DM Mono" panose="020B0509040201040103" pitchFamily="49" charset="0"/>
+              </a:rPr>
+              <a:t>    </a:t>
+            </a:r>
+            <a:r>
+              <a:rPr lang="ko-KR" altLang="en-US" sz="1050" dirty="0" err="1">
+                <a:latin typeface="DM Mono" panose="020B0509040201040103" pitchFamily="49" charset="0"/>
+              </a:rPr>
+              <a:t>User</a:t>
+            </a:r>
+            <a:r>
+              <a:rPr lang="ko-KR" altLang="en-US" sz="1050" dirty="0">
+                <a:latin typeface="DM Mono" panose="020B0509040201040103" pitchFamily="49" charset="0"/>
+              </a:rPr>
+              <a:t> </a:t>
+            </a:r>
+            <a:r>
+              <a:rPr lang="ko-KR" altLang="en-US" sz="1050" dirty="0" err="1">
+                <a:latin typeface="DM Mono" panose="020B0509040201040103" pitchFamily="49" charset="0"/>
+              </a:rPr>
+              <a:t>user</a:t>
+            </a:r>
+            <a:r>
+              <a:rPr lang="ko-KR" altLang="en-US" sz="1050" dirty="0">
+                <a:latin typeface="DM Mono" panose="020B0509040201040103" pitchFamily="49" charset="0"/>
+              </a:rPr>
+              <a:t> { "</a:t>
+            </a:r>
+            <a:r>
+              <a:rPr lang="ko-KR" altLang="en-US" sz="1050" dirty="0" err="1">
+                <a:latin typeface="DM Mono" panose="020B0509040201040103" pitchFamily="49" charset="0"/>
+              </a:rPr>
+              <a:t>Tom</a:t>
+            </a:r>
+            <a:r>
+              <a:rPr lang="ko-KR" altLang="en-US" sz="1050" dirty="0">
+                <a:latin typeface="DM Mono" panose="020B0509040201040103" pitchFamily="49" charset="0"/>
+              </a:rPr>
+              <a:t>", 42 };</a:t>
+            </a:r>
+          </a:p>
+          <a:p>
+            <a:r>
+              <a:rPr lang="ko-KR" altLang="en-US" sz="1050" dirty="0">
+                <a:solidFill>
+                  <a:srgbClr val="FF0000"/>
+                </a:solidFill>
+                <a:latin typeface="DM Mono" panose="020B0509040201040103" pitchFamily="49" charset="0"/>
+              </a:rPr>
+              <a:t>    </a:t>
+            </a:r>
+            <a:r>
+              <a:rPr lang="ko-KR" altLang="en-US" sz="1050" dirty="0" err="1">
+                <a:solidFill>
+                  <a:srgbClr val="FF0000"/>
+                </a:solidFill>
+                <a:latin typeface="DM Mono" panose="020B0509040201040103" pitchFamily="49" charset="0"/>
+              </a:rPr>
+              <a:t>User</a:t>
+            </a:r>
+            <a:r>
+              <a:rPr lang="ko-KR" altLang="en-US" sz="1050" dirty="0">
+                <a:solidFill>
+                  <a:srgbClr val="FF0000"/>
+                </a:solidFill>
+                <a:latin typeface="DM Mono" panose="020B0509040201040103" pitchFamily="49" charset="0"/>
+              </a:rPr>
+              <a:t> </a:t>
+            </a:r>
+            <a:r>
+              <a:rPr lang="ko-KR" altLang="en-US" sz="1050" dirty="0" err="1">
+                <a:solidFill>
+                  <a:srgbClr val="FF0000"/>
+                </a:solidFill>
+                <a:latin typeface="DM Mono" panose="020B0509040201040103" pitchFamily="49" charset="0"/>
+              </a:rPr>
+              <a:t>other</a:t>
+            </a:r>
+            <a:r>
+              <a:rPr lang="ko-KR" altLang="en-US" sz="1050" dirty="0">
+                <a:solidFill>
+                  <a:srgbClr val="FF0000"/>
+                </a:solidFill>
+                <a:latin typeface="DM Mono" panose="020B0509040201040103" pitchFamily="49" charset="0"/>
+              </a:rPr>
+              <a:t> = </a:t>
+            </a:r>
+            <a:r>
+              <a:rPr lang="ko-KR" altLang="en-US" sz="1050" dirty="0" err="1">
+                <a:solidFill>
+                  <a:srgbClr val="FF0000"/>
+                </a:solidFill>
+                <a:latin typeface="DM Mono" panose="020B0509040201040103" pitchFamily="49" charset="0"/>
+              </a:rPr>
+              <a:t>user</a:t>
+            </a:r>
+            <a:r>
+              <a:rPr lang="ko-KR" altLang="en-US" sz="1050" dirty="0">
+                <a:solidFill>
+                  <a:srgbClr val="FF0000"/>
+                </a:solidFill>
+                <a:latin typeface="DM Mono" panose="020B0509040201040103" pitchFamily="49" charset="0"/>
+              </a:rPr>
+              <a:t>;</a:t>
+            </a:r>
+          </a:p>
+          <a:p>
+            <a:r>
+              <a:rPr lang="ko-KR" altLang="en-US" sz="1050" dirty="0">
+                <a:latin typeface="DM Mono" panose="020B0509040201040103" pitchFamily="49" charset="0"/>
+              </a:rPr>
+              <a:t>}</a:t>
+            </a:r>
+          </a:p>
+        </p:txBody>
+      </p:sp>
+      <p:sp>
+        <p:nvSpPr>
+          <p:cNvPr id="6" name="직사각형 5">
+            <a:extLst>
+              <a:ext uri="{FF2B5EF4-FFF2-40B4-BE49-F238E27FC236}">
+                <a16:creationId xmlns:a16="http://schemas.microsoft.com/office/drawing/2014/main" id="{908EB3C3-304F-7045-6EB1-59391145DD48}"/>
+              </a:ext>
+            </a:extLst>
+          </p:cNvPr>
+          <p:cNvSpPr/>
+          <p:nvPr/>
+        </p:nvSpPr>
+        <p:spPr>
+          <a:xfrm>
+            <a:off x="7090345" y="964235"/>
+            <a:ext cx="894414" cy="489811"/>
+          </a:xfrm>
+          <a:prstGeom prst="rect">
+            <a:avLst/>
+          </a:prstGeom>
+          <a:solidFill>
+            <a:srgbClr val="FFFF00"/>
+          </a:solidFill>
+        </p:spPr>
+        <p:style>
+          <a:lnRef idx="2">
+            <a:schemeClr val="accent1">
+              <a:shade val="15000"/>
+            </a:schemeClr>
+          </a:lnRef>
+          <a:fillRef idx="1">
+            <a:schemeClr val="accent1"/>
+          </a:fillRef>
+          <a:effectRef idx="0">
+            <a:schemeClr val="accent1"/>
+          </a:effectRef>
+          <a:fontRef idx="minor">
+            <a:schemeClr val="lt1"/>
+          </a:fontRef>
+        </p:style>
+        <p:txBody>
+          <a:bodyPr rtlCol="0" anchor="ctr"/>
+          <a:lstStyle/>
+          <a:p>
+            <a:pPr algn="ctr"/>
+            <a:r>
+              <a:rPr kumimoji="1" lang="en-US" altLang="ko-KR" sz="1200" dirty="0">
+                <a:solidFill>
+                  <a:schemeClr val="tx1"/>
+                </a:solidFill>
+                <a:latin typeface="DM Mono" panose="020B0509040201040103" pitchFamily="49" charset="0"/>
+              </a:rPr>
+              <a:t>0x200</a:t>
+            </a:r>
+            <a:endParaRPr kumimoji="1" lang="ko-KR" altLang="en-US" sz="1200" dirty="0">
+              <a:solidFill>
+                <a:schemeClr val="tx1"/>
+              </a:solidFill>
+              <a:latin typeface="DM Mono" panose="020B0509040201040103" pitchFamily="49" charset="0"/>
+            </a:endParaRPr>
+          </a:p>
+        </p:txBody>
+      </p:sp>
+      <p:sp>
+        <p:nvSpPr>
+          <p:cNvPr id="7" name="직사각형 6">
+            <a:extLst>
+              <a:ext uri="{FF2B5EF4-FFF2-40B4-BE49-F238E27FC236}">
+                <a16:creationId xmlns:a16="http://schemas.microsoft.com/office/drawing/2014/main" id="{E95E48C3-88B7-8F38-7EEF-3CBBDC599471}"/>
+              </a:ext>
+            </a:extLst>
+          </p:cNvPr>
+          <p:cNvSpPr/>
+          <p:nvPr/>
+        </p:nvSpPr>
+        <p:spPr>
+          <a:xfrm>
+            <a:off x="7090345" y="1454046"/>
+            <a:ext cx="894414" cy="489811"/>
+          </a:xfrm>
+          <a:prstGeom prst="rect">
+            <a:avLst/>
+          </a:prstGeom>
+          <a:solidFill>
+            <a:srgbClr val="FFFF00"/>
+          </a:solidFill>
+        </p:spPr>
+        <p:style>
+          <a:lnRef idx="2">
+            <a:schemeClr val="accent1">
+              <a:shade val="15000"/>
+            </a:schemeClr>
+          </a:lnRef>
+          <a:fillRef idx="1">
+            <a:schemeClr val="accent1"/>
+          </a:fillRef>
+          <a:effectRef idx="0">
+            <a:schemeClr val="accent1"/>
+          </a:effectRef>
+          <a:fontRef idx="minor">
+            <a:schemeClr val="lt1"/>
+          </a:fontRef>
+        </p:style>
+        <p:txBody>
+          <a:bodyPr rtlCol="0" anchor="ctr"/>
+          <a:lstStyle/>
+          <a:p>
+            <a:pPr algn="ctr"/>
+            <a:r>
+              <a:rPr kumimoji="1" lang="en-US" altLang="ko-KR" sz="1200" dirty="0">
+                <a:solidFill>
+                  <a:schemeClr val="tx1"/>
+                </a:solidFill>
+                <a:latin typeface="DM Mono" panose="020B0509040201040103" pitchFamily="49" charset="0"/>
+              </a:rPr>
+              <a:t>42</a:t>
+            </a:r>
+            <a:endParaRPr kumimoji="1" lang="ko-KR" altLang="en-US" sz="1200" dirty="0">
+              <a:solidFill>
+                <a:schemeClr val="tx1"/>
+              </a:solidFill>
+              <a:latin typeface="DM Mono" panose="020B0509040201040103" pitchFamily="49" charset="0"/>
+            </a:endParaRPr>
+          </a:p>
+        </p:txBody>
+      </p:sp>
+      <p:sp>
+        <p:nvSpPr>
+          <p:cNvPr id="8" name="TextBox 7">
+            <a:extLst>
+              <a:ext uri="{FF2B5EF4-FFF2-40B4-BE49-F238E27FC236}">
+                <a16:creationId xmlns:a16="http://schemas.microsoft.com/office/drawing/2014/main" id="{7AA979D8-4780-5226-CBC4-ED682085048C}"/>
+              </a:ext>
+            </a:extLst>
+          </p:cNvPr>
+          <p:cNvSpPr txBox="1"/>
+          <p:nvPr/>
+        </p:nvSpPr>
+        <p:spPr>
+          <a:xfrm>
+            <a:off x="7190280" y="647487"/>
+            <a:ext cx="694544" cy="276999"/>
+          </a:xfrm>
+          <a:prstGeom prst="rect">
+            <a:avLst/>
+          </a:prstGeom>
+          <a:noFill/>
+        </p:spPr>
+        <p:txBody>
+          <a:bodyPr wrap="square">
+            <a:spAutoFit/>
+          </a:bodyPr>
+          <a:lstStyle/>
+          <a:p>
+            <a:pPr algn="ctr"/>
+            <a:r>
+              <a:rPr lang="en-US" altLang="ko-KR" sz="1200" dirty="0">
+                <a:latin typeface="DM Mono" panose="020B0509040201040103" pitchFamily="49" charset="0"/>
+              </a:rPr>
+              <a:t>user</a:t>
+            </a:r>
+            <a:endParaRPr lang="ko-KR" altLang="en-US" sz="1200" dirty="0">
+              <a:latin typeface="DM Mono" panose="020B0509040201040103" pitchFamily="49" charset="0"/>
+            </a:endParaRPr>
+          </a:p>
+        </p:txBody>
+      </p:sp>
+      <p:sp>
+        <p:nvSpPr>
+          <p:cNvPr id="9" name="TextBox 8">
+            <a:extLst>
+              <a:ext uri="{FF2B5EF4-FFF2-40B4-BE49-F238E27FC236}">
+                <a16:creationId xmlns:a16="http://schemas.microsoft.com/office/drawing/2014/main" id="{B1640A79-F7FC-C373-A32D-AFD724A2FE6F}"/>
+              </a:ext>
+            </a:extLst>
+          </p:cNvPr>
+          <p:cNvSpPr txBox="1"/>
+          <p:nvPr/>
+        </p:nvSpPr>
+        <p:spPr>
+          <a:xfrm>
+            <a:off x="6395801" y="1071984"/>
+            <a:ext cx="694544" cy="276999"/>
+          </a:xfrm>
+          <a:prstGeom prst="rect">
+            <a:avLst/>
+          </a:prstGeom>
+          <a:noFill/>
+        </p:spPr>
+        <p:txBody>
+          <a:bodyPr wrap="square">
+            <a:spAutoFit/>
+          </a:bodyPr>
+          <a:lstStyle/>
+          <a:p>
+            <a:pPr algn="r"/>
+            <a:r>
+              <a:rPr lang="en-US" altLang="ko-KR" sz="1200" dirty="0">
+                <a:latin typeface="DM Mono" panose="020B0509040201040103" pitchFamily="49" charset="0"/>
+              </a:rPr>
+              <a:t>name</a:t>
+            </a:r>
+            <a:endParaRPr lang="ko-KR" altLang="en-US" sz="1200" dirty="0">
+              <a:latin typeface="DM Mono" panose="020B0509040201040103" pitchFamily="49" charset="0"/>
+            </a:endParaRPr>
+          </a:p>
+        </p:txBody>
+      </p:sp>
+      <p:sp>
+        <p:nvSpPr>
+          <p:cNvPr id="10" name="TextBox 9">
+            <a:extLst>
+              <a:ext uri="{FF2B5EF4-FFF2-40B4-BE49-F238E27FC236}">
+                <a16:creationId xmlns:a16="http://schemas.microsoft.com/office/drawing/2014/main" id="{0A22048C-68EA-0BAD-6262-34D7A386611A}"/>
+              </a:ext>
+            </a:extLst>
+          </p:cNvPr>
+          <p:cNvSpPr txBox="1"/>
+          <p:nvPr/>
+        </p:nvSpPr>
+        <p:spPr>
+          <a:xfrm>
+            <a:off x="6395801" y="1559109"/>
+            <a:ext cx="694544" cy="276999"/>
+          </a:xfrm>
+          <a:prstGeom prst="rect">
+            <a:avLst/>
+          </a:prstGeom>
+          <a:noFill/>
+        </p:spPr>
+        <p:txBody>
+          <a:bodyPr wrap="square">
+            <a:spAutoFit/>
+          </a:bodyPr>
+          <a:lstStyle/>
+          <a:p>
+            <a:pPr algn="r"/>
+            <a:r>
+              <a:rPr lang="en-US" altLang="ko-KR" sz="1200" dirty="0">
+                <a:latin typeface="DM Mono" panose="020B0509040201040103" pitchFamily="49" charset="0"/>
+              </a:rPr>
+              <a:t>age</a:t>
+            </a:r>
+            <a:endParaRPr lang="ko-KR" altLang="en-US" sz="1200" dirty="0">
+              <a:latin typeface="DM Mono" panose="020B0509040201040103" pitchFamily="49" charset="0"/>
+            </a:endParaRPr>
+          </a:p>
+        </p:txBody>
+      </p:sp>
+      <p:sp>
+        <p:nvSpPr>
+          <p:cNvPr id="11" name="직사각형 10">
+            <a:extLst>
+              <a:ext uri="{FF2B5EF4-FFF2-40B4-BE49-F238E27FC236}">
+                <a16:creationId xmlns:a16="http://schemas.microsoft.com/office/drawing/2014/main" id="{B06002E1-7E0A-48FF-0039-C129E25527D5}"/>
+              </a:ext>
+            </a:extLst>
+          </p:cNvPr>
+          <p:cNvSpPr/>
+          <p:nvPr/>
+        </p:nvSpPr>
+        <p:spPr>
+          <a:xfrm>
+            <a:off x="10185812" y="479646"/>
+            <a:ext cx="1441557" cy="329823"/>
+          </a:xfrm>
+          <a:prstGeom prst="rect">
+            <a:avLst/>
+          </a:prstGeom>
+          <a:solidFill>
+            <a:srgbClr val="FFFF00"/>
+          </a:solidFill>
+        </p:spPr>
+        <p:style>
+          <a:lnRef idx="2">
+            <a:schemeClr val="accent1">
+              <a:shade val="15000"/>
+            </a:schemeClr>
+          </a:lnRef>
+          <a:fillRef idx="1">
+            <a:schemeClr val="accent1"/>
+          </a:fillRef>
+          <a:effectRef idx="0">
+            <a:schemeClr val="accent1"/>
+          </a:effectRef>
+          <a:fontRef idx="minor">
+            <a:schemeClr val="lt1"/>
+          </a:fontRef>
+        </p:style>
+        <p:txBody>
+          <a:bodyPr rtlCol="0" anchor="ctr"/>
+          <a:lstStyle/>
+          <a:p>
+            <a:pPr algn="ctr"/>
+            <a:r>
+              <a:rPr kumimoji="1" lang="en-US" altLang="ko-KR" sz="1200" dirty="0">
+                <a:solidFill>
+                  <a:schemeClr val="tx1"/>
+                </a:solidFill>
+                <a:latin typeface="DM Mono" panose="020B0509040201040103" pitchFamily="49" charset="0"/>
+              </a:rPr>
+              <a:t>“Tom”</a:t>
+            </a:r>
+            <a:endParaRPr kumimoji="1" lang="ko-KR" altLang="en-US" sz="1200" dirty="0">
+              <a:solidFill>
+                <a:schemeClr val="tx1"/>
+              </a:solidFill>
+              <a:latin typeface="DM Mono" panose="020B0509040201040103" pitchFamily="49" charset="0"/>
+            </a:endParaRPr>
+          </a:p>
+        </p:txBody>
+      </p:sp>
+      <p:cxnSp>
+        <p:nvCxnSpPr>
+          <p:cNvPr id="13" name="구부러진 연결선[U] 12">
+            <a:extLst>
+              <a:ext uri="{FF2B5EF4-FFF2-40B4-BE49-F238E27FC236}">
+                <a16:creationId xmlns:a16="http://schemas.microsoft.com/office/drawing/2014/main" id="{68E12808-F904-D961-0F53-6D2C59633C03}"/>
+              </a:ext>
+            </a:extLst>
+          </p:cNvPr>
+          <p:cNvCxnSpPr>
+            <a:stCxn id="6" idx="3"/>
+            <a:endCxn id="11" idx="1"/>
+          </p:cNvCxnSpPr>
+          <p:nvPr/>
+        </p:nvCxnSpPr>
+        <p:spPr>
+          <a:xfrm flipV="1">
+            <a:off x="7984759" y="644558"/>
+            <a:ext cx="2201053" cy="564583"/>
+          </a:xfrm>
+          <a:prstGeom prst="curvedConnector3">
+            <a:avLst/>
+          </a:prstGeom>
+          <a:ln>
+            <a:tailEnd type="triangle"/>
+          </a:ln>
+        </p:spPr>
+        <p:style>
+          <a:lnRef idx="1">
+            <a:schemeClr val="dk1"/>
+          </a:lnRef>
+          <a:fillRef idx="0">
+            <a:schemeClr val="dk1"/>
+          </a:fillRef>
+          <a:effectRef idx="0">
+            <a:schemeClr val="dk1"/>
+          </a:effectRef>
+          <a:fontRef idx="minor">
+            <a:schemeClr val="tx1"/>
+          </a:fontRef>
+        </p:style>
+      </p:cxnSp>
+      <p:sp>
+        <p:nvSpPr>
+          <p:cNvPr id="14" name="TextBox 13">
+            <a:extLst>
+              <a:ext uri="{FF2B5EF4-FFF2-40B4-BE49-F238E27FC236}">
+                <a16:creationId xmlns:a16="http://schemas.microsoft.com/office/drawing/2014/main" id="{13CCF594-2FD6-C4DC-05F5-C1D983C7E34A}"/>
+              </a:ext>
+            </a:extLst>
+          </p:cNvPr>
+          <p:cNvSpPr txBox="1"/>
+          <p:nvPr/>
+        </p:nvSpPr>
+        <p:spPr>
+          <a:xfrm>
+            <a:off x="9838540" y="212376"/>
+            <a:ext cx="694544" cy="276999"/>
+          </a:xfrm>
+          <a:prstGeom prst="rect">
+            <a:avLst/>
+          </a:prstGeom>
+          <a:noFill/>
+        </p:spPr>
+        <p:txBody>
+          <a:bodyPr wrap="square">
+            <a:spAutoFit/>
+          </a:bodyPr>
+          <a:lstStyle/>
+          <a:p>
+            <a:pPr algn="ctr"/>
+            <a:r>
+              <a:rPr lang="en-US" altLang="ko-KR" sz="1200" dirty="0">
+                <a:latin typeface="DM Mono" panose="020B0509040201040103" pitchFamily="49" charset="0"/>
+              </a:rPr>
+              <a:t>0x200</a:t>
+            </a:r>
+            <a:endParaRPr lang="ko-KR" altLang="en-US" sz="1200" dirty="0">
+              <a:latin typeface="DM Mono" panose="020B0509040201040103" pitchFamily="49" charset="0"/>
+            </a:endParaRPr>
+          </a:p>
+        </p:txBody>
+      </p:sp>
+      <p:sp>
+        <p:nvSpPr>
+          <p:cNvPr id="2" name="직사각형 1">
+            <a:extLst>
+              <a:ext uri="{FF2B5EF4-FFF2-40B4-BE49-F238E27FC236}">
+                <a16:creationId xmlns:a16="http://schemas.microsoft.com/office/drawing/2014/main" id="{C6E3B20F-0BCF-117F-E077-05A4EF604465}"/>
+              </a:ext>
+            </a:extLst>
+          </p:cNvPr>
+          <p:cNvSpPr/>
+          <p:nvPr/>
+        </p:nvSpPr>
+        <p:spPr>
+          <a:xfrm>
+            <a:off x="7130323" y="2939189"/>
+            <a:ext cx="894414" cy="489811"/>
+          </a:xfrm>
+          <a:prstGeom prst="rect">
+            <a:avLst/>
+          </a:prstGeom>
+          <a:solidFill>
+            <a:srgbClr val="FFFF00"/>
+          </a:solidFill>
+        </p:spPr>
+        <p:style>
+          <a:lnRef idx="2">
+            <a:schemeClr val="accent1">
+              <a:shade val="15000"/>
+            </a:schemeClr>
+          </a:lnRef>
+          <a:fillRef idx="1">
+            <a:schemeClr val="accent1"/>
+          </a:fillRef>
+          <a:effectRef idx="0">
+            <a:schemeClr val="accent1"/>
+          </a:effectRef>
+          <a:fontRef idx="minor">
+            <a:schemeClr val="lt1"/>
+          </a:fontRef>
+        </p:style>
+        <p:txBody>
+          <a:bodyPr rtlCol="0" anchor="ctr"/>
+          <a:lstStyle/>
+          <a:p>
+            <a:pPr algn="ctr"/>
+            <a:r>
+              <a:rPr kumimoji="1" lang="en-US" altLang="ko-KR" sz="1200" dirty="0">
+                <a:solidFill>
+                  <a:srgbClr val="FF0000"/>
+                </a:solidFill>
+                <a:latin typeface="DM Mono" panose="020B0509040201040103" pitchFamily="49" charset="0"/>
+              </a:rPr>
+              <a:t>0x200</a:t>
+            </a:r>
+            <a:endParaRPr kumimoji="1" lang="ko-KR" altLang="en-US" sz="1200" dirty="0">
+              <a:solidFill>
+                <a:srgbClr val="FF0000"/>
+              </a:solidFill>
+              <a:latin typeface="DM Mono" panose="020B0509040201040103" pitchFamily="49" charset="0"/>
+            </a:endParaRPr>
+          </a:p>
+        </p:txBody>
+      </p:sp>
+      <p:sp>
+        <p:nvSpPr>
+          <p:cNvPr id="3" name="직사각형 2">
+            <a:extLst>
+              <a:ext uri="{FF2B5EF4-FFF2-40B4-BE49-F238E27FC236}">
+                <a16:creationId xmlns:a16="http://schemas.microsoft.com/office/drawing/2014/main" id="{5E8199D7-F09F-8B51-C829-128875C04A4C}"/>
+              </a:ext>
+            </a:extLst>
+          </p:cNvPr>
+          <p:cNvSpPr/>
+          <p:nvPr/>
+        </p:nvSpPr>
+        <p:spPr>
+          <a:xfrm>
+            <a:off x="7130323" y="3429000"/>
+            <a:ext cx="894414" cy="489811"/>
+          </a:xfrm>
+          <a:prstGeom prst="rect">
+            <a:avLst/>
+          </a:prstGeom>
+          <a:solidFill>
+            <a:srgbClr val="FFFF00"/>
+          </a:solidFill>
+        </p:spPr>
+        <p:style>
+          <a:lnRef idx="2">
+            <a:schemeClr val="accent1">
+              <a:shade val="15000"/>
+            </a:schemeClr>
+          </a:lnRef>
+          <a:fillRef idx="1">
+            <a:schemeClr val="accent1"/>
+          </a:fillRef>
+          <a:effectRef idx="0">
+            <a:schemeClr val="accent1"/>
+          </a:effectRef>
+          <a:fontRef idx="minor">
+            <a:schemeClr val="lt1"/>
+          </a:fontRef>
+        </p:style>
+        <p:txBody>
+          <a:bodyPr rtlCol="0" anchor="ctr"/>
+          <a:lstStyle/>
+          <a:p>
+            <a:pPr algn="ctr"/>
+            <a:r>
+              <a:rPr kumimoji="1" lang="en-US" altLang="ko-KR" sz="1200" dirty="0">
+                <a:solidFill>
+                  <a:srgbClr val="FF0000"/>
+                </a:solidFill>
+                <a:latin typeface="DM Mono" panose="020B0509040201040103" pitchFamily="49" charset="0"/>
+              </a:rPr>
+              <a:t>42</a:t>
+            </a:r>
+            <a:endParaRPr kumimoji="1" lang="ko-KR" altLang="en-US" sz="1200" dirty="0">
+              <a:solidFill>
+                <a:srgbClr val="FF0000"/>
+              </a:solidFill>
+              <a:latin typeface="DM Mono" panose="020B0509040201040103" pitchFamily="49" charset="0"/>
+            </a:endParaRPr>
+          </a:p>
+        </p:txBody>
+      </p:sp>
+      <p:sp>
+        <p:nvSpPr>
+          <p:cNvPr id="4" name="TextBox 3">
+            <a:extLst>
+              <a:ext uri="{FF2B5EF4-FFF2-40B4-BE49-F238E27FC236}">
+                <a16:creationId xmlns:a16="http://schemas.microsoft.com/office/drawing/2014/main" id="{6BB77FCB-5715-FDC2-7F33-F66F8544383C}"/>
+              </a:ext>
+            </a:extLst>
+          </p:cNvPr>
+          <p:cNvSpPr txBox="1"/>
+          <p:nvPr/>
+        </p:nvSpPr>
+        <p:spPr>
+          <a:xfrm>
+            <a:off x="7230258" y="2622441"/>
+            <a:ext cx="694544" cy="276999"/>
+          </a:xfrm>
+          <a:prstGeom prst="rect">
+            <a:avLst/>
+          </a:prstGeom>
+          <a:noFill/>
+        </p:spPr>
+        <p:txBody>
+          <a:bodyPr wrap="square">
+            <a:spAutoFit/>
+          </a:bodyPr>
+          <a:lstStyle/>
+          <a:p>
+            <a:pPr algn="ctr"/>
+            <a:r>
+              <a:rPr lang="en-US" altLang="ko-KR" sz="1200" dirty="0">
+                <a:latin typeface="DM Mono" panose="020B0509040201040103" pitchFamily="49" charset="0"/>
+              </a:rPr>
+              <a:t>other</a:t>
+            </a:r>
+            <a:endParaRPr lang="ko-KR" altLang="en-US" sz="1200" dirty="0">
+              <a:latin typeface="DM Mono" panose="020B0509040201040103" pitchFamily="49" charset="0"/>
+            </a:endParaRPr>
+          </a:p>
+        </p:txBody>
+      </p:sp>
+      <p:sp>
+        <p:nvSpPr>
+          <p:cNvPr id="12" name="TextBox 11">
+            <a:extLst>
+              <a:ext uri="{FF2B5EF4-FFF2-40B4-BE49-F238E27FC236}">
+                <a16:creationId xmlns:a16="http://schemas.microsoft.com/office/drawing/2014/main" id="{3F0404E7-D245-37AD-482F-7376082AFC82}"/>
+              </a:ext>
+            </a:extLst>
+          </p:cNvPr>
+          <p:cNvSpPr txBox="1"/>
+          <p:nvPr/>
+        </p:nvSpPr>
+        <p:spPr>
+          <a:xfrm>
+            <a:off x="6435779" y="3046938"/>
+            <a:ext cx="694544" cy="276999"/>
+          </a:xfrm>
+          <a:prstGeom prst="rect">
+            <a:avLst/>
+          </a:prstGeom>
+          <a:noFill/>
+        </p:spPr>
+        <p:txBody>
+          <a:bodyPr wrap="square">
+            <a:spAutoFit/>
+          </a:bodyPr>
+          <a:lstStyle/>
+          <a:p>
+            <a:pPr algn="r"/>
+            <a:r>
+              <a:rPr lang="en-US" altLang="ko-KR" sz="1200" dirty="0">
+                <a:latin typeface="DM Mono" panose="020B0509040201040103" pitchFamily="49" charset="0"/>
+              </a:rPr>
+              <a:t>name</a:t>
+            </a:r>
+            <a:endParaRPr lang="ko-KR" altLang="en-US" sz="1200" dirty="0">
+              <a:latin typeface="DM Mono" panose="020B0509040201040103" pitchFamily="49" charset="0"/>
+            </a:endParaRPr>
+          </a:p>
+        </p:txBody>
+      </p:sp>
+      <p:sp>
+        <p:nvSpPr>
+          <p:cNvPr id="15" name="TextBox 14">
+            <a:extLst>
+              <a:ext uri="{FF2B5EF4-FFF2-40B4-BE49-F238E27FC236}">
+                <a16:creationId xmlns:a16="http://schemas.microsoft.com/office/drawing/2014/main" id="{2D8D7724-731A-4B99-87FC-54B2929DBBE4}"/>
+              </a:ext>
+            </a:extLst>
+          </p:cNvPr>
+          <p:cNvSpPr txBox="1"/>
+          <p:nvPr/>
+        </p:nvSpPr>
+        <p:spPr>
+          <a:xfrm>
+            <a:off x="6435779" y="3534063"/>
+            <a:ext cx="694544" cy="276999"/>
+          </a:xfrm>
+          <a:prstGeom prst="rect">
+            <a:avLst/>
+          </a:prstGeom>
+          <a:noFill/>
+        </p:spPr>
+        <p:txBody>
+          <a:bodyPr wrap="square">
+            <a:spAutoFit/>
+          </a:bodyPr>
+          <a:lstStyle/>
+          <a:p>
+            <a:pPr algn="r"/>
+            <a:r>
+              <a:rPr lang="en-US" altLang="ko-KR" sz="1200" dirty="0">
+                <a:latin typeface="DM Mono" panose="020B0509040201040103" pitchFamily="49" charset="0"/>
+              </a:rPr>
+              <a:t>age</a:t>
+            </a:r>
+            <a:endParaRPr lang="ko-KR" altLang="en-US" sz="1200" dirty="0">
+              <a:latin typeface="DM Mono" panose="020B0509040201040103" pitchFamily="49" charset="0"/>
+            </a:endParaRPr>
+          </a:p>
+        </p:txBody>
+      </p:sp>
+      <p:cxnSp>
+        <p:nvCxnSpPr>
+          <p:cNvPr id="16" name="구부러진 연결선[U] 15">
+            <a:extLst>
+              <a:ext uri="{FF2B5EF4-FFF2-40B4-BE49-F238E27FC236}">
+                <a16:creationId xmlns:a16="http://schemas.microsoft.com/office/drawing/2014/main" id="{6600DE38-7F29-5358-6236-68CD14456190}"/>
+              </a:ext>
+            </a:extLst>
+          </p:cNvPr>
+          <p:cNvCxnSpPr>
+            <a:cxnSpLocks/>
+            <a:stCxn id="2" idx="3"/>
+            <a:endCxn id="11" idx="1"/>
+          </p:cNvCxnSpPr>
+          <p:nvPr/>
+        </p:nvCxnSpPr>
+        <p:spPr>
+          <a:xfrm flipV="1">
+            <a:off x="8024737" y="644558"/>
+            <a:ext cx="2161075" cy="2539537"/>
+          </a:xfrm>
+          <a:prstGeom prst="curvedConnector3">
+            <a:avLst>
+              <a:gd name="adj1" fmla="val 50000"/>
+            </a:avLst>
+          </a:prstGeom>
+          <a:ln>
+            <a:tailEnd type="triangle"/>
+          </a:ln>
+        </p:spPr>
+        <p:style>
+          <a:lnRef idx="1">
+            <a:schemeClr val="dk1"/>
+          </a:lnRef>
+          <a:fillRef idx="0">
+            <a:schemeClr val="dk1"/>
+          </a:fillRef>
+          <a:effectRef idx="0">
+            <a:schemeClr val="dk1"/>
+          </a:effectRef>
+          <a:fontRef idx="minor">
+            <a:schemeClr val="tx1"/>
+          </a:fontRef>
+        </p:style>
+      </p:cxnSp>
+    </p:spTree>
+    <p:extLst>
+      <p:ext uri="{BB962C8B-B14F-4D97-AF65-F5344CB8AC3E}">
+        <p14:creationId xmlns:p14="http://schemas.microsoft.com/office/powerpoint/2010/main" val="1576324582"/>
+      </p:ext>
+    </p:extLst>
+  </p:cSld>
+  <p:clrMapOvr>
+    <a:masterClrMapping/>
+  </p:clrMapOvr>
+</p:sld>
+</file>
+
+<file path=ppt/slides/slide16.xml><?xml version="1.0" encoding="utf-8"?>
+<p:sld xmlns:a="http://schemas.openxmlformats.org/drawingml/2006/main" xmlns:r="http://schemas.openxmlformats.org/officeDocument/2006/relationships" xmlns:p="http://schemas.openxmlformats.org/presentationml/2006/main">
+  <p:cSld>
+    <p:spTree>
+      <p:nvGrpSpPr>
+        <p:cNvPr id="1" name=""/>
+        <p:cNvGrpSpPr/>
+        <p:nvPr/>
+      </p:nvGrpSpPr>
+      <p:grpSpPr>
+        <a:xfrm>
+          <a:off x="0" y="0"/>
+          <a:ext cx="0" cy="0"/>
+          <a:chOff x="0" y="0"/>
+          <a:chExt cx="0" cy="0"/>
+        </a:xfrm>
+      </p:grpSpPr>
+      <p:sp>
+        <p:nvSpPr>
+          <p:cNvPr id="5" name="TextBox 4">
+            <a:extLst>
+              <a:ext uri="{FF2B5EF4-FFF2-40B4-BE49-F238E27FC236}">
+                <a16:creationId xmlns:a16="http://schemas.microsoft.com/office/drawing/2014/main" id="{FE57B69C-52B0-C1A2-CBE3-9CEA942B7DAA}"/>
+              </a:ext>
+            </a:extLst>
+          </p:cNvPr>
+          <p:cNvSpPr txBox="1"/>
+          <p:nvPr/>
+        </p:nvSpPr>
+        <p:spPr>
+          <a:xfrm>
+            <a:off x="519659" y="334784"/>
+            <a:ext cx="4542020" cy="4939814"/>
+          </a:xfrm>
+          <a:prstGeom prst="rect">
+            <a:avLst/>
+          </a:prstGeom>
+          <a:noFill/>
+        </p:spPr>
+        <p:txBody>
+          <a:bodyPr wrap="square">
+            <a:spAutoFit/>
+          </a:bodyPr>
+          <a:lstStyle/>
+          <a:p>
+            <a:r>
+              <a:rPr lang="ko-KR" altLang="en-US" sz="1050" dirty="0" err="1">
+                <a:latin typeface="DM Mono" panose="020B0509040201040103" pitchFamily="49" charset="0"/>
+              </a:rPr>
+              <a:t>class</a:t>
+            </a:r>
+            <a:r>
+              <a:rPr lang="ko-KR" altLang="en-US" sz="1050" dirty="0">
+                <a:latin typeface="DM Mono" panose="020B0509040201040103" pitchFamily="49" charset="0"/>
+              </a:rPr>
+              <a:t> </a:t>
+            </a:r>
+            <a:r>
+              <a:rPr lang="ko-KR" altLang="en-US" sz="1050" dirty="0" err="1">
+                <a:latin typeface="DM Mono" panose="020B0509040201040103" pitchFamily="49" charset="0"/>
+              </a:rPr>
+              <a:t>User</a:t>
+            </a:r>
+            <a:r>
+              <a:rPr lang="ko-KR" altLang="en-US" sz="1050" dirty="0">
+                <a:latin typeface="DM Mono" panose="020B0509040201040103" pitchFamily="49" charset="0"/>
+              </a:rPr>
+              <a:t> {</a:t>
+            </a:r>
+          </a:p>
+          <a:p>
+            <a:r>
+              <a:rPr lang="ko-KR" altLang="en-US" sz="1050" dirty="0">
+                <a:latin typeface="DM Mono" panose="020B0509040201040103" pitchFamily="49" charset="0"/>
+              </a:rPr>
+              <a:t>    </a:t>
+            </a:r>
+            <a:r>
+              <a:rPr lang="ko-KR" altLang="en-US" sz="1050" dirty="0" err="1">
+                <a:latin typeface="DM Mono" panose="020B0509040201040103" pitchFamily="49" charset="0"/>
+              </a:rPr>
+              <a:t>char</a:t>
+            </a:r>
+            <a:r>
+              <a:rPr lang="ko-KR" altLang="en-US" sz="1050" dirty="0">
+                <a:latin typeface="DM Mono" panose="020B0509040201040103" pitchFamily="49" charset="0"/>
+              </a:rPr>
+              <a:t>* </a:t>
+            </a:r>
+            <a:r>
+              <a:rPr lang="ko-KR" altLang="en-US" sz="1050" dirty="0" err="1">
+                <a:latin typeface="DM Mono" panose="020B0509040201040103" pitchFamily="49" charset="0"/>
+              </a:rPr>
+              <a:t>name</a:t>
+            </a:r>
+            <a:r>
+              <a:rPr lang="ko-KR" altLang="en-US" sz="1050" dirty="0">
+                <a:latin typeface="DM Mono" panose="020B0509040201040103" pitchFamily="49" charset="0"/>
+              </a:rPr>
+              <a:t>;</a:t>
+            </a:r>
+          </a:p>
+          <a:p>
+            <a:r>
+              <a:rPr lang="ko-KR" altLang="en-US" sz="1050" dirty="0">
+                <a:latin typeface="DM Mono" panose="020B0509040201040103" pitchFamily="49" charset="0"/>
+              </a:rPr>
+              <a:t>    </a:t>
+            </a:r>
+            <a:r>
+              <a:rPr lang="ko-KR" altLang="en-US" sz="1050" dirty="0" err="1">
+                <a:latin typeface="DM Mono" panose="020B0509040201040103" pitchFamily="49" charset="0"/>
+              </a:rPr>
+              <a:t>int</a:t>
+            </a:r>
+            <a:r>
+              <a:rPr lang="ko-KR" altLang="en-US" sz="1050" dirty="0">
+                <a:latin typeface="DM Mono" panose="020B0509040201040103" pitchFamily="49" charset="0"/>
+              </a:rPr>
+              <a:t> </a:t>
+            </a:r>
+            <a:r>
+              <a:rPr lang="ko-KR" altLang="en-US" sz="1050" dirty="0" err="1">
+                <a:latin typeface="DM Mono" panose="020B0509040201040103" pitchFamily="49" charset="0"/>
+              </a:rPr>
+              <a:t>age</a:t>
+            </a:r>
+            <a:r>
+              <a:rPr lang="ko-KR" altLang="en-US" sz="1050" dirty="0">
+                <a:latin typeface="DM Mono" panose="020B0509040201040103" pitchFamily="49" charset="0"/>
+              </a:rPr>
+              <a:t>;</a:t>
+            </a:r>
+          </a:p>
+          <a:p>
+            <a:endParaRPr lang="ko-KR" altLang="en-US" sz="1050" dirty="0">
+              <a:latin typeface="DM Mono" panose="020B0509040201040103" pitchFamily="49" charset="0"/>
+            </a:endParaRPr>
+          </a:p>
+          <a:p>
+            <a:r>
+              <a:rPr lang="ko-KR" altLang="en-US" sz="1050" dirty="0" err="1">
+                <a:latin typeface="DM Mono" panose="020B0509040201040103" pitchFamily="49" charset="0"/>
+              </a:rPr>
+              <a:t>public</a:t>
+            </a:r>
+            <a:r>
+              <a:rPr lang="ko-KR" altLang="en-US" sz="1050" dirty="0">
+                <a:latin typeface="DM Mono" panose="020B0509040201040103" pitchFamily="49" charset="0"/>
+              </a:rPr>
+              <a:t>:</a:t>
+            </a:r>
+          </a:p>
+          <a:p>
+            <a:r>
+              <a:rPr lang="ko-KR" altLang="en-US" sz="1050" dirty="0">
+                <a:latin typeface="DM Mono" panose="020B0509040201040103" pitchFamily="49" charset="0"/>
+              </a:rPr>
+              <a:t>    </a:t>
+            </a:r>
+            <a:r>
+              <a:rPr lang="ko-KR" altLang="en-US" sz="1050" dirty="0" err="1">
+                <a:latin typeface="DM Mono" panose="020B0509040201040103" pitchFamily="49" charset="0"/>
+              </a:rPr>
+              <a:t>User</a:t>
+            </a:r>
+            <a:r>
+              <a:rPr lang="ko-KR" altLang="en-US" sz="1050" dirty="0">
+                <a:latin typeface="DM Mono" panose="020B0509040201040103" pitchFamily="49" charset="0"/>
+              </a:rPr>
+              <a:t>(</a:t>
+            </a:r>
+            <a:r>
+              <a:rPr lang="ko-KR" altLang="en-US" sz="1050" dirty="0" err="1">
+                <a:latin typeface="DM Mono" panose="020B0509040201040103" pitchFamily="49" charset="0"/>
+              </a:rPr>
+              <a:t>const</a:t>
+            </a:r>
+            <a:r>
+              <a:rPr lang="ko-KR" altLang="en-US" sz="1050" dirty="0">
+                <a:latin typeface="DM Mono" panose="020B0509040201040103" pitchFamily="49" charset="0"/>
+              </a:rPr>
+              <a:t> </a:t>
+            </a:r>
+            <a:r>
+              <a:rPr lang="ko-KR" altLang="en-US" sz="1050" dirty="0" err="1">
+                <a:latin typeface="DM Mono" panose="020B0509040201040103" pitchFamily="49" charset="0"/>
+              </a:rPr>
+              <a:t>char</a:t>
+            </a:r>
+            <a:r>
+              <a:rPr lang="ko-KR" altLang="en-US" sz="1050" dirty="0">
+                <a:latin typeface="DM Mono" panose="020B0509040201040103" pitchFamily="49" charset="0"/>
+              </a:rPr>
+              <a:t>* </a:t>
+            </a:r>
+            <a:r>
+              <a:rPr lang="ko-KR" altLang="en-US" sz="1050" dirty="0" err="1">
+                <a:latin typeface="DM Mono" panose="020B0509040201040103" pitchFamily="49" charset="0"/>
+              </a:rPr>
+              <a:t>s</a:t>
+            </a:r>
+            <a:r>
+              <a:rPr lang="ko-KR" altLang="en-US" sz="1050" dirty="0">
+                <a:latin typeface="DM Mono" panose="020B0509040201040103" pitchFamily="49" charset="0"/>
+              </a:rPr>
+              <a:t>, </a:t>
+            </a:r>
+            <a:r>
+              <a:rPr lang="ko-KR" altLang="en-US" sz="1050" dirty="0" err="1">
+                <a:latin typeface="DM Mono" panose="020B0509040201040103" pitchFamily="49" charset="0"/>
+              </a:rPr>
+              <a:t>int</a:t>
+            </a:r>
+            <a:r>
+              <a:rPr lang="ko-KR" altLang="en-US" sz="1050" dirty="0">
+                <a:latin typeface="DM Mono" panose="020B0509040201040103" pitchFamily="49" charset="0"/>
+              </a:rPr>
+              <a:t> </a:t>
+            </a:r>
+            <a:r>
+              <a:rPr lang="ko-KR" altLang="en-US" sz="1050" dirty="0" err="1">
+                <a:latin typeface="DM Mono" panose="020B0509040201040103" pitchFamily="49" charset="0"/>
+              </a:rPr>
+              <a:t>n</a:t>
+            </a:r>
+            <a:r>
+              <a:rPr lang="ko-KR" altLang="en-US" sz="1050" dirty="0">
+                <a:latin typeface="DM Mono" panose="020B0509040201040103" pitchFamily="49" charset="0"/>
+              </a:rPr>
+              <a:t>)</a:t>
+            </a:r>
+          </a:p>
+          <a:p>
+            <a:r>
+              <a:rPr lang="ko-KR" altLang="en-US" sz="1050" dirty="0">
+                <a:latin typeface="DM Mono" panose="020B0509040201040103" pitchFamily="49" charset="0"/>
+              </a:rPr>
+              <a:t>        : </a:t>
+            </a:r>
+            <a:r>
+              <a:rPr lang="ko-KR" altLang="en-US" sz="1050" dirty="0" err="1">
+                <a:latin typeface="DM Mono" panose="020B0509040201040103" pitchFamily="49" charset="0"/>
+              </a:rPr>
+              <a:t>age</a:t>
+            </a:r>
+            <a:r>
+              <a:rPr lang="ko-KR" altLang="en-US" sz="1050" dirty="0">
+                <a:latin typeface="DM Mono" panose="020B0509040201040103" pitchFamily="49" charset="0"/>
+              </a:rPr>
+              <a:t> { </a:t>
+            </a:r>
+            <a:r>
+              <a:rPr lang="ko-KR" altLang="en-US" sz="1050" dirty="0" err="1">
+                <a:latin typeface="DM Mono" panose="020B0509040201040103" pitchFamily="49" charset="0"/>
+              </a:rPr>
+              <a:t>n</a:t>
+            </a:r>
+            <a:r>
+              <a:rPr lang="ko-KR" altLang="en-US" sz="1050" dirty="0">
+                <a:latin typeface="DM Mono" panose="020B0509040201040103" pitchFamily="49" charset="0"/>
+              </a:rPr>
+              <a:t> }</a:t>
+            </a:r>
+          </a:p>
+          <a:p>
+            <a:r>
+              <a:rPr lang="ko-KR" altLang="en-US" sz="1050" dirty="0">
+                <a:latin typeface="DM Mono" panose="020B0509040201040103" pitchFamily="49" charset="0"/>
+              </a:rPr>
+              <a:t>    {</a:t>
+            </a:r>
+          </a:p>
+          <a:p>
+            <a:r>
+              <a:rPr lang="ko-KR" altLang="en-US" sz="1050" dirty="0">
+                <a:latin typeface="DM Mono" panose="020B0509040201040103" pitchFamily="49" charset="0"/>
+              </a:rPr>
+              <a:t>        </a:t>
+            </a:r>
+            <a:r>
+              <a:rPr lang="ko-KR" altLang="en-US" sz="1050" dirty="0" err="1">
+                <a:latin typeface="DM Mono" panose="020B0509040201040103" pitchFamily="49" charset="0"/>
+              </a:rPr>
+              <a:t>name</a:t>
+            </a:r>
+            <a:r>
+              <a:rPr lang="ko-KR" altLang="en-US" sz="1050" dirty="0">
+                <a:latin typeface="DM Mono" panose="020B0509040201040103" pitchFamily="49" charset="0"/>
+              </a:rPr>
+              <a:t> = </a:t>
+            </a:r>
+            <a:r>
+              <a:rPr lang="ko-KR" altLang="en-US" sz="1050" dirty="0" err="1">
+                <a:latin typeface="DM Mono" panose="020B0509040201040103" pitchFamily="49" charset="0"/>
+              </a:rPr>
+              <a:t>new</a:t>
+            </a:r>
+            <a:r>
+              <a:rPr lang="ko-KR" altLang="en-US" sz="1050" dirty="0">
+                <a:latin typeface="DM Mono" panose="020B0509040201040103" pitchFamily="49" charset="0"/>
+              </a:rPr>
+              <a:t> </a:t>
+            </a:r>
+            <a:r>
+              <a:rPr lang="ko-KR" altLang="en-US" sz="1050" dirty="0" err="1">
+                <a:latin typeface="DM Mono" panose="020B0509040201040103" pitchFamily="49" charset="0"/>
+              </a:rPr>
+              <a:t>char</a:t>
+            </a:r>
+            <a:r>
+              <a:rPr lang="ko-KR" altLang="en-US" sz="1050" dirty="0">
+                <a:latin typeface="DM Mono" panose="020B0509040201040103" pitchFamily="49" charset="0"/>
+              </a:rPr>
+              <a:t>[</a:t>
+            </a:r>
+            <a:r>
+              <a:rPr lang="ko-KR" altLang="en-US" sz="1050" dirty="0" err="1">
+                <a:latin typeface="DM Mono" panose="020B0509040201040103" pitchFamily="49" charset="0"/>
+              </a:rPr>
+              <a:t>strlen</a:t>
+            </a:r>
+            <a:r>
+              <a:rPr lang="ko-KR" altLang="en-US" sz="1050" dirty="0">
+                <a:latin typeface="DM Mono" panose="020B0509040201040103" pitchFamily="49" charset="0"/>
+              </a:rPr>
+              <a:t>(</a:t>
+            </a:r>
+            <a:r>
+              <a:rPr lang="ko-KR" altLang="en-US" sz="1050" dirty="0" err="1">
+                <a:latin typeface="DM Mono" panose="020B0509040201040103" pitchFamily="49" charset="0"/>
+              </a:rPr>
+              <a:t>s</a:t>
+            </a:r>
+            <a:r>
+              <a:rPr lang="ko-KR" altLang="en-US" sz="1050" dirty="0">
+                <a:latin typeface="DM Mono" panose="020B0509040201040103" pitchFamily="49" charset="0"/>
+              </a:rPr>
+              <a:t>) + 1];</a:t>
+            </a:r>
+          </a:p>
+          <a:p>
+            <a:r>
+              <a:rPr lang="ko-KR" altLang="en-US" sz="1050" dirty="0">
+                <a:latin typeface="DM Mono" panose="020B0509040201040103" pitchFamily="49" charset="0"/>
+              </a:rPr>
+              <a:t>        </a:t>
+            </a:r>
+            <a:r>
+              <a:rPr lang="ko-KR" altLang="en-US" sz="1050" dirty="0" err="1">
+                <a:latin typeface="DM Mono" panose="020B0509040201040103" pitchFamily="49" charset="0"/>
+              </a:rPr>
+              <a:t>strcpy</a:t>
+            </a:r>
+            <a:r>
+              <a:rPr lang="ko-KR" altLang="en-US" sz="1050" dirty="0">
+                <a:latin typeface="DM Mono" panose="020B0509040201040103" pitchFamily="49" charset="0"/>
+              </a:rPr>
+              <a:t>(</a:t>
+            </a:r>
+            <a:r>
+              <a:rPr lang="ko-KR" altLang="en-US" sz="1050" dirty="0" err="1">
+                <a:latin typeface="DM Mono" panose="020B0509040201040103" pitchFamily="49" charset="0"/>
+              </a:rPr>
+              <a:t>name</a:t>
+            </a:r>
+            <a:r>
+              <a:rPr lang="ko-KR" altLang="en-US" sz="1050" dirty="0">
+                <a:latin typeface="DM Mono" panose="020B0509040201040103" pitchFamily="49" charset="0"/>
+              </a:rPr>
+              <a:t>, </a:t>
+            </a:r>
+            <a:r>
+              <a:rPr lang="ko-KR" altLang="en-US" sz="1050" dirty="0" err="1">
+                <a:latin typeface="DM Mono" panose="020B0509040201040103" pitchFamily="49" charset="0"/>
+              </a:rPr>
+              <a:t>s</a:t>
+            </a:r>
+            <a:r>
+              <a:rPr lang="ko-KR" altLang="en-US" sz="1050" dirty="0">
+                <a:latin typeface="DM Mono" panose="020B0509040201040103" pitchFamily="49" charset="0"/>
+              </a:rPr>
+              <a:t>);</a:t>
+            </a:r>
+          </a:p>
+          <a:p>
+            <a:r>
+              <a:rPr lang="ko-KR" altLang="en-US" sz="1050" dirty="0">
+                <a:latin typeface="DM Mono" panose="020B0509040201040103" pitchFamily="49" charset="0"/>
+              </a:rPr>
+              <a:t>    }</a:t>
+            </a:r>
+          </a:p>
+          <a:p>
+            <a:endParaRPr lang="ko-KR" altLang="en-US" sz="1050" dirty="0">
+              <a:latin typeface="DM Mono" panose="020B0509040201040103" pitchFamily="49" charset="0"/>
+            </a:endParaRPr>
+          </a:p>
+          <a:p>
+            <a:r>
+              <a:rPr lang="ko-KR" altLang="en-US" sz="1050" dirty="0">
+                <a:solidFill>
+                  <a:srgbClr val="FF0000"/>
+                </a:solidFill>
+                <a:latin typeface="DM Mono" panose="020B0509040201040103" pitchFamily="49" charset="0"/>
+              </a:rPr>
+              <a:t>    ~</a:t>
+            </a:r>
+            <a:r>
+              <a:rPr lang="ko-KR" altLang="en-US" sz="1050" dirty="0" err="1">
+                <a:solidFill>
+                  <a:srgbClr val="FF0000"/>
+                </a:solidFill>
+                <a:latin typeface="DM Mono" panose="020B0509040201040103" pitchFamily="49" charset="0"/>
+              </a:rPr>
+              <a:t>User</a:t>
+            </a:r>
+            <a:r>
+              <a:rPr lang="ko-KR" altLang="en-US" sz="1050" dirty="0">
+                <a:solidFill>
+                  <a:srgbClr val="FF0000"/>
+                </a:solidFill>
+                <a:latin typeface="DM Mono" panose="020B0509040201040103" pitchFamily="49" charset="0"/>
+              </a:rPr>
+              <a:t>()</a:t>
+            </a:r>
+          </a:p>
+          <a:p>
+            <a:r>
+              <a:rPr lang="ko-KR" altLang="en-US" sz="1050" dirty="0">
+                <a:solidFill>
+                  <a:srgbClr val="FF0000"/>
+                </a:solidFill>
+                <a:latin typeface="DM Mono" panose="020B0509040201040103" pitchFamily="49" charset="0"/>
+              </a:rPr>
+              <a:t>    {</a:t>
+            </a:r>
+          </a:p>
+          <a:p>
+            <a:r>
+              <a:rPr lang="ko-KR" altLang="en-US" sz="1050" dirty="0">
+                <a:solidFill>
+                  <a:srgbClr val="FF0000"/>
+                </a:solidFill>
+                <a:latin typeface="DM Mono" panose="020B0509040201040103" pitchFamily="49" charset="0"/>
+              </a:rPr>
+              <a:t>        </a:t>
+            </a:r>
+            <a:r>
+              <a:rPr lang="ko-KR" altLang="en-US" sz="1050" dirty="0" err="1">
+                <a:solidFill>
+                  <a:srgbClr val="FF0000"/>
+                </a:solidFill>
+                <a:latin typeface="DM Mono" panose="020B0509040201040103" pitchFamily="49" charset="0"/>
+              </a:rPr>
+              <a:t>delete</a:t>
+            </a:r>
+            <a:r>
+              <a:rPr lang="ko-KR" altLang="en-US" sz="1050" dirty="0">
+                <a:solidFill>
+                  <a:srgbClr val="FF0000"/>
+                </a:solidFill>
+                <a:latin typeface="DM Mono" panose="020B0509040201040103" pitchFamily="49" charset="0"/>
+              </a:rPr>
+              <a:t>[] </a:t>
+            </a:r>
+            <a:r>
+              <a:rPr lang="ko-KR" altLang="en-US" sz="1050" dirty="0" err="1">
+                <a:solidFill>
+                  <a:srgbClr val="FF0000"/>
+                </a:solidFill>
+                <a:latin typeface="DM Mono" panose="020B0509040201040103" pitchFamily="49" charset="0"/>
+              </a:rPr>
+              <a:t>name</a:t>
+            </a:r>
+            <a:r>
+              <a:rPr lang="ko-KR" altLang="en-US" sz="1050" dirty="0">
+                <a:solidFill>
+                  <a:srgbClr val="FF0000"/>
+                </a:solidFill>
+                <a:latin typeface="DM Mono" panose="020B0509040201040103" pitchFamily="49" charset="0"/>
+              </a:rPr>
+              <a:t>;</a:t>
+            </a:r>
+          </a:p>
+          <a:p>
+            <a:r>
+              <a:rPr lang="ko-KR" altLang="en-US" sz="1050" dirty="0">
+                <a:solidFill>
+                  <a:srgbClr val="FF0000"/>
+                </a:solidFill>
+                <a:latin typeface="DM Mono" panose="020B0509040201040103" pitchFamily="49" charset="0"/>
+              </a:rPr>
+              <a:t>    }</a:t>
+            </a:r>
+          </a:p>
+          <a:p>
+            <a:endParaRPr lang="ko-KR" altLang="en-US" sz="1050" dirty="0">
+              <a:latin typeface="DM Mono" panose="020B0509040201040103" pitchFamily="49" charset="0"/>
+            </a:endParaRPr>
+          </a:p>
+          <a:p>
+            <a:r>
+              <a:rPr lang="ko-KR" altLang="en-US" sz="1050" dirty="0">
+                <a:latin typeface="DM Mono" panose="020B0509040201040103" pitchFamily="49" charset="0"/>
+              </a:rPr>
+              <a:t>    </a:t>
+            </a:r>
+            <a:r>
+              <a:rPr lang="ko-KR" altLang="en-US" sz="1050" dirty="0" err="1">
+                <a:latin typeface="DM Mono" panose="020B0509040201040103" pitchFamily="49" charset="0"/>
+              </a:rPr>
+              <a:t>void</a:t>
+            </a:r>
+            <a:r>
+              <a:rPr lang="ko-KR" altLang="en-US" sz="1050" dirty="0">
+                <a:latin typeface="DM Mono" panose="020B0509040201040103" pitchFamily="49" charset="0"/>
+              </a:rPr>
+              <a:t> </a:t>
+            </a:r>
+            <a:r>
+              <a:rPr lang="ko-KR" altLang="en-US" sz="1050" dirty="0" err="1">
+                <a:latin typeface="DM Mono" panose="020B0509040201040103" pitchFamily="49" charset="0"/>
+              </a:rPr>
+              <a:t>Print</a:t>
+            </a:r>
+            <a:r>
+              <a:rPr lang="ko-KR" altLang="en-US" sz="1050" dirty="0">
+                <a:latin typeface="DM Mono" panose="020B0509040201040103" pitchFamily="49" charset="0"/>
+              </a:rPr>
+              <a:t>()</a:t>
+            </a:r>
+          </a:p>
+          <a:p>
+            <a:r>
+              <a:rPr lang="ko-KR" altLang="en-US" sz="1050" dirty="0">
+                <a:latin typeface="DM Mono" panose="020B0509040201040103" pitchFamily="49" charset="0"/>
+              </a:rPr>
+              <a:t>    {</a:t>
+            </a:r>
+          </a:p>
+          <a:p>
+            <a:r>
+              <a:rPr lang="ko-KR" altLang="en-US" sz="1050" dirty="0">
+                <a:latin typeface="DM Mono" panose="020B0509040201040103" pitchFamily="49" charset="0"/>
+              </a:rPr>
+              <a:t>        </a:t>
+            </a:r>
+            <a:r>
+              <a:rPr lang="ko-KR" altLang="en-US" sz="1050" dirty="0" err="1">
+                <a:latin typeface="DM Mono" panose="020B0509040201040103" pitchFamily="49" charset="0"/>
+              </a:rPr>
+              <a:t>cout</a:t>
+            </a:r>
+            <a:r>
+              <a:rPr lang="ko-KR" altLang="en-US" sz="1050" dirty="0">
+                <a:latin typeface="DM Mono" panose="020B0509040201040103" pitchFamily="49" charset="0"/>
+              </a:rPr>
+              <a:t> &lt;&lt; </a:t>
+            </a:r>
+            <a:r>
+              <a:rPr lang="ko-KR" altLang="en-US" sz="1050" dirty="0" err="1">
+                <a:latin typeface="DM Mono" panose="020B0509040201040103" pitchFamily="49" charset="0"/>
+              </a:rPr>
+              <a:t>name</a:t>
+            </a:r>
+            <a:r>
+              <a:rPr lang="ko-KR" altLang="en-US" sz="1050" dirty="0">
+                <a:latin typeface="DM Mono" panose="020B0509040201040103" pitchFamily="49" charset="0"/>
+              </a:rPr>
+              <a:t> &lt;&lt; ", " &lt;&lt; </a:t>
+            </a:r>
+            <a:r>
+              <a:rPr lang="ko-KR" altLang="en-US" sz="1050" dirty="0" err="1">
+                <a:latin typeface="DM Mono" panose="020B0509040201040103" pitchFamily="49" charset="0"/>
+              </a:rPr>
+              <a:t>age</a:t>
+            </a:r>
+            <a:r>
+              <a:rPr lang="ko-KR" altLang="en-US" sz="1050" dirty="0">
+                <a:latin typeface="DM Mono" panose="020B0509040201040103" pitchFamily="49" charset="0"/>
+              </a:rPr>
+              <a:t> &lt;&lt; </a:t>
+            </a:r>
+            <a:r>
+              <a:rPr lang="ko-KR" altLang="en-US" sz="1050" dirty="0" err="1">
+                <a:latin typeface="DM Mono" panose="020B0509040201040103" pitchFamily="49" charset="0"/>
+              </a:rPr>
+              <a:t>endl</a:t>
+            </a:r>
+            <a:r>
+              <a:rPr lang="ko-KR" altLang="en-US" sz="1050" dirty="0">
+                <a:latin typeface="DM Mono" panose="020B0509040201040103" pitchFamily="49" charset="0"/>
+              </a:rPr>
+              <a:t>;</a:t>
+            </a:r>
+          </a:p>
+          <a:p>
+            <a:r>
+              <a:rPr lang="ko-KR" altLang="en-US" sz="1050" dirty="0">
+                <a:latin typeface="DM Mono" panose="020B0509040201040103" pitchFamily="49" charset="0"/>
+              </a:rPr>
+              <a:t>    }</a:t>
+            </a:r>
+          </a:p>
+          <a:p>
+            <a:r>
+              <a:rPr lang="ko-KR" altLang="en-US" sz="1050" dirty="0">
+                <a:latin typeface="DM Mono" panose="020B0509040201040103" pitchFamily="49" charset="0"/>
+              </a:rPr>
+              <a:t>};</a:t>
+            </a:r>
+          </a:p>
+          <a:p>
+            <a:endParaRPr lang="ko-KR" altLang="en-US" sz="1050" dirty="0">
+              <a:latin typeface="DM Mono" panose="020B0509040201040103" pitchFamily="49" charset="0"/>
+            </a:endParaRPr>
+          </a:p>
+          <a:p>
+            <a:r>
+              <a:rPr lang="ko-KR" altLang="en-US" sz="1050" dirty="0" err="1">
+                <a:latin typeface="DM Mono" panose="020B0509040201040103" pitchFamily="49" charset="0"/>
+              </a:rPr>
+              <a:t>int</a:t>
+            </a:r>
+            <a:r>
+              <a:rPr lang="ko-KR" altLang="en-US" sz="1050" dirty="0">
+                <a:latin typeface="DM Mono" panose="020B0509040201040103" pitchFamily="49" charset="0"/>
+              </a:rPr>
+              <a:t> </a:t>
+            </a:r>
+            <a:r>
+              <a:rPr lang="ko-KR" altLang="en-US" sz="1050" dirty="0" err="1">
+                <a:latin typeface="DM Mono" panose="020B0509040201040103" pitchFamily="49" charset="0"/>
+              </a:rPr>
+              <a:t>main</a:t>
+            </a:r>
+            <a:r>
+              <a:rPr lang="ko-KR" altLang="en-US" sz="1050" dirty="0">
+                <a:latin typeface="DM Mono" panose="020B0509040201040103" pitchFamily="49" charset="0"/>
+              </a:rPr>
+              <a:t>()</a:t>
+            </a:r>
+          </a:p>
+          <a:p>
+            <a:r>
+              <a:rPr lang="ko-KR" altLang="en-US" sz="1050" dirty="0">
+                <a:latin typeface="DM Mono" panose="020B0509040201040103" pitchFamily="49" charset="0"/>
+              </a:rPr>
+              <a:t>{</a:t>
+            </a:r>
+          </a:p>
+          <a:p>
+            <a:r>
+              <a:rPr lang="ko-KR" altLang="en-US" sz="1050" dirty="0">
+                <a:latin typeface="DM Mono" panose="020B0509040201040103" pitchFamily="49" charset="0"/>
+              </a:rPr>
+              <a:t>    </a:t>
+            </a:r>
+            <a:r>
+              <a:rPr lang="ko-KR" altLang="en-US" sz="1050" dirty="0" err="1">
+                <a:latin typeface="DM Mono" panose="020B0509040201040103" pitchFamily="49" charset="0"/>
+              </a:rPr>
+              <a:t>User</a:t>
+            </a:r>
+            <a:r>
+              <a:rPr lang="ko-KR" altLang="en-US" sz="1050" dirty="0">
+                <a:latin typeface="DM Mono" panose="020B0509040201040103" pitchFamily="49" charset="0"/>
+              </a:rPr>
+              <a:t> </a:t>
+            </a:r>
+            <a:r>
+              <a:rPr lang="ko-KR" altLang="en-US" sz="1050" dirty="0" err="1">
+                <a:latin typeface="DM Mono" panose="020B0509040201040103" pitchFamily="49" charset="0"/>
+              </a:rPr>
+              <a:t>user</a:t>
+            </a:r>
+            <a:r>
+              <a:rPr lang="ko-KR" altLang="en-US" sz="1050" dirty="0">
+                <a:latin typeface="DM Mono" panose="020B0509040201040103" pitchFamily="49" charset="0"/>
+              </a:rPr>
+              <a:t> { "</a:t>
+            </a:r>
+            <a:r>
+              <a:rPr lang="ko-KR" altLang="en-US" sz="1050" dirty="0" err="1">
+                <a:latin typeface="DM Mono" panose="020B0509040201040103" pitchFamily="49" charset="0"/>
+              </a:rPr>
+              <a:t>Tom</a:t>
+            </a:r>
+            <a:r>
+              <a:rPr lang="ko-KR" altLang="en-US" sz="1050" dirty="0">
+                <a:latin typeface="DM Mono" panose="020B0509040201040103" pitchFamily="49" charset="0"/>
+              </a:rPr>
+              <a:t>", 42 };</a:t>
+            </a:r>
+          </a:p>
+          <a:p>
+            <a:r>
+              <a:rPr lang="ko-KR" altLang="en-US" sz="1050" dirty="0">
+                <a:latin typeface="DM Mono" panose="020B0509040201040103" pitchFamily="49" charset="0"/>
+              </a:rPr>
+              <a:t>    </a:t>
+            </a:r>
+            <a:r>
+              <a:rPr lang="ko-KR" altLang="en-US" sz="1050" dirty="0" err="1">
+                <a:latin typeface="DM Mono" panose="020B0509040201040103" pitchFamily="49" charset="0"/>
+              </a:rPr>
+              <a:t>User</a:t>
+            </a:r>
+            <a:r>
+              <a:rPr lang="ko-KR" altLang="en-US" sz="1050" dirty="0">
+                <a:latin typeface="DM Mono" panose="020B0509040201040103" pitchFamily="49" charset="0"/>
+              </a:rPr>
+              <a:t> </a:t>
+            </a:r>
+            <a:r>
+              <a:rPr lang="ko-KR" altLang="en-US" sz="1050" dirty="0" err="1">
+                <a:latin typeface="DM Mono" panose="020B0509040201040103" pitchFamily="49" charset="0"/>
+              </a:rPr>
+              <a:t>other</a:t>
+            </a:r>
+            <a:r>
+              <a:rPr lang="ko-KR" altLang="en-US" sz="1050" dirty="0">
+                <a:latin typeface="DM Mono" panose="020B0509040201040103" pitchFamily="49" charset="0"/>
+              </a:rPr>
+              <a:t> = </a:t>
+            </a:r>
+            <a:r>
+              <a:rPr lang="ko-KR" altLang="en-US" sz="1050" dirty="0" err="1">
+                <a:latin typeface="DM Mono" panose="020B0509040201040103" pitchFamily="49" charset="0"/>
+              </a:rPr>
+              <a:t>user</a:t>
+            </a:r>
+            <a:r>
+              <a:rPr lang="ko-KR" altLang="en-US" sz="1050" dirty="0">
+                <a:latin typeface="DM Mono" panose="020B0509040201040103" pitchFamily="49" charset="0"/>
+              </a:rPr>
+              <a:t>;</a:t>
+            </a:r>
+            <a:endParaRPr lang="en-US" altLang="ko-KR" sz="1050" dirty="0">
+              <a:latin typeface="DM Mono" panose="020B0509040201040103" pitchFamily="49" charset="0"/>
+            </a:endParaRPr>
+          </a:p>
+          <a:p>
+            <a:endParaRPr lang="ko-KR" altLang="en-US" sz="1050" dirty="0">
+              <a:latin typeface="DM Mono" panose="020B0509040201040103" pitchFamily="49" charset="0"/>
+            </a:endParaRPr>
+          </a:p>
+          <a:p>
+            <a:r>
+              <a:rPr lang="ko-KR" altLang="en-US" sz="1050" dirty="0">
+                <a:latin typeface="DM Mono" panose="020B0509040201040103" pitchFamily="49" charset="0"/>
+              </a:rPr>
+              <a:t>}</a:t>
+            </a:r>
+            <a:r>
+              <a:rPr lang="en-US" altLang="ko-KR" sz="1050" dirty="0">
+                <a:latin typeface="DM Mono" panose="020B0509040201040103" pitchFamily="49" charset="0"/>
+              </a:rPr>
+              <a:t> // ~User()</a:t>
+            </a:r>
+          </a:p>
+          <a:p>
+            <a:r>
+              <a:rPr lang="en-US" altLang="ko-KR" sz="1050" dirty="0">
+                <a:latin typeface="DM Mono" panose="020B0509040201040103" pitchFamily="49" charset="0"/>
+              </a:rPr>
+              <a:t>  // ~User()</a:t>
+            </a:r>
+            <a:endParaRPr lang="ko-KR" altLang="en-US" sz="1050" dirty="0">
+              <a:latin typeface="DM Mono" panose="020B0509040201040103" pitchFamily="49" charset="0"/>
+            </a:endParaRPr>
+          </a:p>
+        </p:txBody>
+      </p:sp>
+      <p:sp>
+        <p:nvSpPr>
+          <p:cNvPr id="6" name="직사각형 5">
+            <a:extLst>
+              <a:ext uri="{FF2B5EF4-FFF2-40B4-BE49-F238E27FC236}">
+                <a16:creationId xmlns:a16="http://schemas.microsoft.com/office/drawing/2014/main" id="{908EB3C3-304F-7045-6EB1-59391145DD48}"/>
+              </a:ext>
+            </a:extLst>
+          </p:cNvPr>
+          <p:cNvSpPr/>
+          <p:nvPr/>
+        </p:nvSpPr>
+        <p:spPr>
+          <a:xfrm>
+            <a:off x="7090345" y="964235"/>
+            <a:ext cx="894414" cy="489811"/>
+          </a:xfrm>
+          <a:prstGeom prst="rect">
+            <a:avLst/>
+          </a:prstGeom>
+          <a:solidFill>
+            <a:srgbClr val="FFFF00"/>
+          </a:solidFill>
+        </p:spPr>
+        <p:style>
+          <a:lnRef idx="2">
+            <a:schemeClr val="accent1">
+              <a:shade val="15000"/>
+            </a:schemeClr>
+          </a:lnRef>
+          <a:fillRef idx="1">
+            <a:schemeClr val="accent1"/>
+          </a:fillRef>
+          <a:effectRef idx="0">
+            <a:schemeClr val="accent1"/>
+          </a:effectRef>
+          <a:fontRef idx="minor">
+            <a:schemeClr val="lt1"/>
+          </a:fontRef>
+        </p:style>
+        <p:txBody>
+          <a:bodyPr rtlCol="0" anchor="ctr"/>
+          <a:lstStyle/>
+          <a:p>
+            <a:pPr algn="ctr"/>
+            <a:r>
+              <a:rPr kumimoji="1" lang="en-US" altLang="ko-KR" sz="1200" dirty="0">
+                <a:solidFill>
+                  <a:schemeClr val="tx1"/>
+                </a:solidFill>
+                <a:latin typeface="DM Mono" panose="020B0509040201040103" pitchFamily="49" charset="0"/>
+              </a:rPr>
+              <a:t>0x200</a:t>
+            </a:r>
+            <a:endParaRPr kumimoji="1" lang="ko-KR" altLang="en-US" sz="1200" dirty="0">
+              <a:solidFill>
+                <a:schemeClr val="tx1"/>
+              </a:solidFill>
+              <a:latin typeface="DM Mono" panose="020B0509040201040103" pitchFamily="49" charset="0"/>
+            </a:endParaRPr>
+          </a:p>
+        </p:txBody>
+      </p:sp>
+      <p:sp>
+        <p:nvSpPr>
+          <p:cNvPr id="7" name="직사각형 6">
+            <a:extLst>
+              <a:ext uri="{FF2B5EF4-FFF2-40B4-BE49-F238E27FC236}">
+                <a16:creationId xmlns:a16="http://schemas.microsoft.com/office/drawing/2014/main" id="{E95E48C3-88B7-8F38-7EEF-3CBBDC599471}"/>
+              </a:ext>
+            </a:extLst>
+          </p:cNvPr>
+          <p:cNvSpPr/>
+          <p:nvPr/>
+        </p:nvSpPr>
+        <p:spPr>
+          <a:xfrm>
+            <a:off x="7090345" y="1454046"/>
+            <a:ext cx="894414" cy="489811"/>
+          </a:xfrm>
+          <a:prstGeom prst="rect">
+            <a:avLst/>
+          </a:prstGeom>
+          <a:solidFill>
+            <a:srgbClr val="FFFF00"/>
+          </a:solidFill>
+        </p:spPr>
+        <p:style>
+          <a:lnRef idx="2">
+            <a:schemeClr val="accent1">
+              <a:shade val="15000"/>
+            </a:schemeClr>
+          </a:lnRef>
+          <a:fillRef idx="1">
+            <a:schemeClr val="accent1"/>
+          </a:fillRef>
+          <a:effectRef idx="0">
+            <a:schemeClr val="accent1"/>
+          </a:effectRef>
+          <a:fontRef idx="minor">
+            <a:schemeClr val="lt1"/>
+          </a:fontRef>
+        </p:style>
+        <p:txBody>
+          <a:bodyPr rtlCol="0" anchor="ctr"/>
+          <a:lstStyle/>
+          <a:p>
+            <a:pPr algn="ctr"/>
+            <a:r>
+              <a:rPr kumimoji="1" lang="en-US" altLang="ko-KR" sz="1200" dirty="0">
+                <a:solidFill>
+                  <a:schemeClr val="tx1"/>
+                </a:solidFill>
+                <a:latin typeface="DM Mono" panose="020B0509040201040103" pitchFamily="49" charset="0"/>
+              </a:rPr>
+              <a:t>42</a:t>
+            </a:r>
+            <a:endParaRPr kumimoji="1" lang="ko-KR" altLang="en-US" sz="1200" dirty="0">
+              <a:solidFill>
+                <a:schemeClr val="tx1"/>
+              </a:solidFill>
+              <a:latin typeface="DM Mono" panose="020B0509040201040103" pitchFamily="49" charset="0"/>
+            </a:endParaRPr>
+          </a:p>
+        </p:txBody>
+      </p:sp>
+      <p:sp>
+        <p:nvSpPr>
+          <p:cNvPr id="8" name="TextBox 7">
+            <a:extLst>
+              <a:ext uri="{FF2B5EF4-FFF2-40B4-BE49-F238E27FC236}">
+                <a16:creationId xmlns:a16="http://schemas.microsoft.com/office/drawing/2014/main" id="{7AA979D8-4780-5226-CBC4-ED682085048C}"/>
+              </a:ext>
+            </a:extLst>
+          </p:cNvPr>
+          <p:cNvSpPr txBox="1"/>
+          <p:nvPr/>
+        </p:nvSpPr>
+        <p:spPr>
+          <a:xfrm>
+            <a:off x="7190280" y="647487"/>
+            <a:ext cx="694544" cy="276999"/>
+          </a:xfrm>
+          <a:prstGeom prst="rect">
+            <a:avLst/>
+          </a:prstGeom>
+          <a:noFill/>
+        </p:spPr>
+        <p:txBody>
+          <a:bodyPr wrap="square">
+            <a:spAutoFit/>
+          </a:bodyPr>
+          <a:lstStyle/>
+          <a:p>
+            <a:pPr algn="ctr"/>
+            <a:r>
+              <a:rPr lang="en-US" altLang="ko-KR" sz="1200" dirty="0">
+                <a:latin typeface="DM Mono" panose="020B0509040201040103" pitchFamily="49" charset="0"/>
+              </a:rPr>
+              <a:t>user</a:t>
+            </a:r>
+            <a:endParaRPr lang="ko-KR" altLang="en-US" sz="1200" dirty="0">
+              <a:latin typeface="DM Mono" panose="020B0509040201040103" pitchFamily="49" charset="0"/>
+            </a:endParaRPr>
+          </a:p>
+        </p:txBody>
+      </p:sp>
+      <p:sp>
+        <p:nvSpPr>
+          <p:cNvPr id="9" name="TextBox 8">
+            <a:extLst>
+              <a:ext uri="{FF2B5EF4-FFF2-40B4-BE49-F238E27FC236}">
+                <a16:creationId xmlns:a16="http://schemas.microsoft.com/office/drawing/2014/main" id="{B1640A79-F7FC-C373-A32D-AFD724A2FE6F}"/>
+              </a:ext>
+            </a:extLst>
+          </p:cNvPr>
+          <p:cNvSpPr txBox="1"/>
+          <p:nvPr/>
+        </p:nvSpPr>
+        <p:spPr>
+          <a:xfrm>
+            <a:off x="6395801" y="1071984"/>
+            <a:ext cx="694544" cy="276999"/>
+          </a:xfrm>
+          <a:prstGeom prst="rect">
+            <a:avLst/>
+          </a:prstGeom>
+          <a:noFill/>
+        </p:spPr>
+        <p:txBody>
+          <a:bodyPr wrap="square">
+            <a:spAutoFit/>
+          </a:bodyPr>
+          <a:lstStyle/>
+          <a:p>
+            <a:pPr algn="r"/>
+            <a:r>
+              <a:rPr lang="en-US" altLang="ko-KR" sz="1200" dirty="0">
+                <a:latin typeface="DM Mono" panose="020B0509040201040103" pitchFamily="49" charset="0"/>
+              </a:rPr>
+              <a:t>name</a:t>
+            </a:r>
+            <a:endParaRPr lang="ko-KR" altLang="en-US" sz="1200" dirty="0">
+              <a:latin typeface="DM Mono" panose="020B0509040201040103" pitchFamily="49" charset="0"/>
+            </a:endParaRPr>
+          </a:p>
+        </p:txBody>
+      </p:sp>
+      <p:sp>
+        <p:nvSpPr>
+          <p:cNvPr id="10" name="TextBox 9">
+            <a:extLst>
+              <a:ext uri="{FF2B5EF4-FFF2-40B4-BE49-F238E27FC236}">
+                <a16:creationId xmlns:a16="http://schemas.microsoft.com/office/drawing/2014/main" id="{0A22048C-68EA-0BAD-6262-34D7A386611A}"/>
+              </a:ext>
+            </a:extLst>
+          </p:cNvPr>
+          <p:cNvSpPr txBox="1"/>
+          <p:nvPr/>
+        </p:nvSpPr>
+        <p:spPr>
+          <a:xfrm>
+            <a:off x="6395801" y="1559109"/>
+            <a:ext cx="694544" cy="276999"/>
+          </a:xfrm>
+          <a:prstGeom prst="rect">
+            <a:avLst/>
+          </a:prstGeom>
+          <a:noFill/>
+        </p:spPr>
+        <p:txBody>
+          <a:bodyPr wrap="square">
+            <a:spAutoFit/>
+          </a:bodyPr>
+          <a:lstStyle/>
+          <a:p>
+            <a:pPr algn="r"/>
+            <a:r>
+              <a:rPr lang="en-US" altLang="ko-KR" sz="1200" dirty="0">
+                <a:latin typeface="DM Mono" panose="020B0509040201040103" pitchFamily="49" charset="0"/>
+              </a:rPr>
+              <a:t>age</a:t>
+            </a:r>
+            <a:endParaRPr lang="ko-KR" altLang="en-US" sz="1200" dirty="0">
+              <a:latin typeface="DM Mono" panose="020B0509040201040103" pitchFamily="49" charset="0"/>
+            </a:endParaRPr>
+          </a:p>
+        </p:txBody>
+      </p:sp>
+      <p:sp>
+        <p:nvSpPr>
+          <p:cNvPr id="11" name="직사각형 10">
+            <a:extLst>
+              <a:ext uri="{FF2B5EF4-FFF2-40B4-BE49-F238E27FC236}">
+                <a16:creationId xmlns:a16="http://schemas.microsoft.com/office/drawing/2014/main" id="{B06002E1-7E0A-48FF-0039-C129E25527D5}"/>
+              </a:ext>
+            </a:extLst>
+          </p:cNvPr>
+          <p:cNvSpPr/>
+          <p:nvPr/>
+        </p:nvSpPr>
+        <p:spPr>
+          <a:xfrm>
+            <a:off x="10185812" y="479646"/>
+            <a:ext cx="1441557" cy="329823"/>
+          </a:xfrm>
+          <a:prstGeom prst="rect">
+            <a:avLst/>
+          </a:prstGeom>
+          <a:solidFill>
+            <a:srgbClr val="FF0000"/>
+          </a:solidFill>
+        </p:spPr>
+        <p:style>
+          <a:lnRef idx="2">
+            <a:schemeClr val="accent1">
+              <a:shade val="15000"/>
+            </a:schemeClr>
+          </a:lnRef>
+          <a:fillRef idx="1">
+            <a:schemeClr val="accent1"/>
+          </a:fillRef>
+          <a:effectRef idx="0">
+            <a:schemeClr val="accent1"/>
+          </a:effectRef>
+          <a:fontRef idx="minor">
+            <a:schemeClr val="lt1"/>
+          </a:fontRef>
+        </p:style>
+        <p:txBody>
+          <a:bodyPr rtlCol="0" anchor="ctr"/>
+          <a:lstStyle/>
+          <a:p>
+            <a:pPr algn="ctr"/>
+            <a:r>
+              <a:rPr kumimoji="1" lang="en-US" altLang="ko-KR" sz="1200" dirty="0">
+                <a:solidFill>
+                  <a:schemeClr val="tx1"/>
+                </a:solidFill>
+                <a:latin typeface="DM Mono" panose="020B0509040201040103" pitchFamily="49" charset="0"/>
+              </a:rPr>
+              <a:t>“Tom”</a:t>
+            </a:r>
+            <a:endParaRPr kumimoji="1" lang="ko-KR" altLang="en-US" sz="1200" dirty="0">
+              <a:solidFill>
+                <a:schemeClr val="tx1"/>
+              </a:solidFill>
+              <a:latin typeface="DM Mono" panose="020B0509040201040103" pitchFamily="49" charset="0"/>
+            </a:endParaRPr>
+          </a:p>
+        </p:txBody>
+      </p:sp>
+      <p:cxnSp>
+        <p:nvCxnSpPr>
+          <p:cNvPr id="13" name="구부러진 연결선[U] 12">
+            <a:extLst>
+              <a:ext uri="{FF2B5EF4-FFF2-40B4-BE49-F238E27FC236}">
+                <a16:creationId xmlns:a16="http://schemas.microsoft.com/office/drawing/2014/main" id="{68E12808-F904-D961-0F53-6D2C59633C03}"/>
+              </a:ext>
+            </a:extLst>
+          </p:cNvPr>
+          <p:cNvCxnSpPr>
+            <a:stCxn id="6" idx="3"/>
+            <a:endCxn id="11" idx="1"/>
+          </p:cNvCxnSpPr>
+          <p:nvPr/>
+        </p:nvCxnSpPr>
+        <p:spPr>
+          <a:xfrm flipV="1">
+            <a:off x="7984759" y="644558"/>
+            <a:ext cx="2201053" cy="564583"/>
+          </a:xfrm>
+          <a:prstGeom prst="curvedConnector3">
+            <a:avLst/>
+          </a:prstGeom>
+          <a:ln>
+            <a:tailEnd type="triangle"/>
+          </a:ln>
+        </p:spPr>
+        <p:style>
+          <a:lnRef idx="1">
+            <a:schemeClr val="dk1"/>
+          </a:lnRef>
+          <a:fillRef idx="0">
+            <a:schemeClr val="dk1"/>
+          </a:fillRef>
+          <a:effectRef idx="0">
+            <a:schemeClr val="dk1"/>
+          </a:effectRef>
+          <a:fontRef idx="minor">
+            <a:schemeClr val="tx1"/>
+          </a:fontRef>
+        </p:style>
+      </p:cxnSp>
+      <p:sp>
+        <p:nvSpPr>
+          <p:cNvPr id="14" name="TextBox 13">
+            <a:extLst>
+              <a:ext uri="{FF2B5EF4-FFF2-40B4-BE49-F238E27FC236}">
+                <a16:creationId xmlns:a16="http://schemas.microsoft.com/office/drawing/2014/main" id="{13CCF594-2FD6-C4DC-05F5-C1D983C7E34A}"/>
+              </a:ext>
+            </a:extLst>
+          </p:cNvPr>
+          <p:cNvSpPr txBox="1"/>
+          <p:nvPr/>
+        </p:nvSpPr>
+        <p:spPr>
+          <a:xfrm>
+            <a:off x="9838540" y="212376"/>
+            <a:ext cx="694544" cy="276999"/>
+          </a:xfrm>
+          <a:prstGeom prst="rect">
+            <a:avLst/>
+          </a:prstGeom>
+          <a:noFill/>
+        </p:spPr>
+        <p:txBody>
+          <a:bodyPr wrap="square">
+            <a:spAutoFit/>
+          </a:bodyPr>
+          <a:lstStyle/>
+          <a:p>
+            <a:pPr algn="ctr"/>
+            <a:r>
+              <a:rPr lang="en-US" altLang="ko-KR" sz="1200" dirty="0">
+                <a:latin typeface="DM Mono" panose="020B0509040201040103" pitchFamily="49" charset="0"/>
+              </a:rPr>
+              <a:t>0x200</a:t>
+            </a:r>
+            <a:endParaRPr lang="ko-KR" altLang="en-US" sz="1200" dirty="0">
+              <a:latin typeface="DM Mono" panose="020B0509040201040103" pitchFamily="49" charset="0"/>
+            </a:endParaRPr>
+          </a:p>
+        </p:txBody>
+      </p:sp>
+      <p:sp>
+        <p:nvSpPr>
+          <p:cNvPr id="2" name="직사각형 1">
+            <a:extLst>
+              <a:ext uri="{FF2B5EF4-FFF2-40B4-BE49-F238E27FC236}">
+                <a16:creationId xmlns:a16="http://schemas.microsoft.com/office/drawing/2014/main" id="{C6E3B20F-0BCF-117F-E077-05A4EF604465}"/>
+              </a:ext>
+            </a:extLst>
+          </p:cNvPr>
+          <p:cNvSpPr/>
+          <p:nvPr/>
+        </p:nvSpPr>
+        <p:spPr>
+          <a:xfrm>
+            <a:off x="7130323" y="2939189"/>
+            <a:ext cx="894414" cy="489811"/>
+          </a:xfrm>
+          <a:prstGeom prst="rect">
+            <a:avLst/>
+          </a:prstGeom>
+          <a:solidFill>
+            <a:srgbClr val="FFFF00"/>
+          </a:solidFill>
+          <a:ln w="38100">
+            <a:solidFill>
+              <a:srgbClr val="FF0000"/>
+            </a:solidFill>
+          </a:ln>
+        </p:spPr>
+        <p:style>
+          <a:lnRef idx="2">
+            <a:schemeClr val="accent1">
+              <a:shade val="15000"/>
+            </a:schemeClr>
+          </a:lnRef>
+          <a:fillRef idx="1">
+            <a:schemeClr val="accent1"/>
+          </a:fillRef>
+          <a:effectRef idx="0">
+            <a:schemeClr val="accent1"/>
+          </a:effectRef>
+          <a:fontRef idx="minor">
+            <a:schemeClr val="lt1"/>
+          </a:fontRef>
+        </p:style>
+        <p:txBody>
+          <a:bodyPr rtlCol="0" anchor="ctr"/>
+          <a:lstStyle/>
+          <a:p>
+            <a:pPr algn="ctr"/>
+            <a:r>
+              <a:rPr kumimoji="1" lang="en-US" altLang="ko-KR" sz="1200" dirty="0">
+                <a:solidFill>
+                  <a:srgbClr val="FF0000"/>
+                </a:solidFill>
+                <a:latin typeface="DM Mono" panose="020B0509040201040103" pitchFamily="49" charset="0"/>
+              </a:rPr>
+              <a:t>0x200</a:t>
+            </a:r>
+            <a:endParaRPr kumimoji="1" lang="ko-KR" altLang="en-US" sz="1200" dirty="0">
+              <a:solidFill>
+                <a:srgbClr val="FF0000"/>
+              </a:solidFill>
+              <a:latin typeface="DM Mono" panose="020B0509040201040103" pitchFamily="49" charset="0"/>
+            </a:endParaRPr>
+          </a:p>
+        </p:txBody>
+      </p:sp>
+      <p:sp>
+        <p:nvSpPr>
+          <p:cNvPr id="3" name="직사각형 2">
+            <a:extLst>
+              <a:ext uri="{FF2B5EF4-FFF2-40B4-BE49-F238E27FC236}">
+                <a16:creationId xmlns:a16="http://schemas.microsoft.com/office/drawing/2014/main" id="{5E8199D7-F09F-8B51-C829-128875C04A4C}"/>
+              </a:ext>
+            </a:extLst>
+          </p:cNvPr>
+          <p:cNvSpPr/>
+          <p:nvPr/>
+        </p:nvSpPr>
+        <p:spPr>
+          <a:xfrm>
+            <a:off x="7130323" y="3429000"/>
+            <a:ext cx="894414" cy="489811"/>
+          </a:xfrm>
+          <a:prstGeom prst="rect">
+            <a:avLst/>
+          </a:prstGeom>
+          <a:solidFill>
+            <a:srgbClr val="FFFF00"/>
+          </a:solidFill>
+          <a:ln w="38100">
+            <a:solidFill>
+              <a:srgbClr val="FF0000"/>
+            </a:solidFill>
+          </a:ln>
+        </p:spPr>
+        <p:style>
+          <a:lnRef idx="2">
+            <a:schemeClr val="accent1">
+              <a:shade val="15000"/>
+            </a:schemeClr>
+          </a:lnRef>
+          <a:fillRef idx="1">
+            <a:schemeClr val="accent1"/>
+          </a:fillRef>
+          <a:effectRef idx="0">
+            <a:schemeClr val="accent1"/>
+          </a:effectRef>
+          <a:fontRef idx="minor">
+            <a:schemeClr val="lt1"/>
+          </a:fontRef>
+        </p:style>
+        <p:txBody>
+          <a:bodyPr rtlCol="0" anchor="ctr"/>
+          <a:lstStyle/>
+          <a:p>
+            <a:pPr algn="ctr"/>
+            <a:r>
+              <a:rPr kumimoji="1" lang="en-US" altLang="ko-KR" sz="1200" dirty="0">
+                <a:solidFill>
+                  <a:srgbClr val="FF0000"/>
+                </a:solidFill>
+                <a:latin typeface="DM Mono" panose="020B0509040201040103" pitchFamily="49" charset="0"/>
+              </a:rPr>
+              <a:t>42</a:t>
+            </a:r>
+            <a:endParaRPr kumimoji="1" lang="ko-KR" altLang="en-US" sz="1200" dirty="0">
+              <a:solidFill>
+                <a:srgbClr val="FF0000"/>
+              </a:solidFill>
+              <a:latin typeface="DM Mono" panose="020B0509040201040103" pitchFamily="49" charset="0"/>
+            </a:endParaRPr>
+          </a:p>
+        </p:txBody>
+      </p:sp>
+      <p:sp>
+        <p:nvSpPr>
+          <p:cNvPr id="4" name="TextBox 3">
+            <a:extLst>
+              <a:ext uri="{FF2B5EF4-FFF2-40B4-BE49-F238E27FC236}">
+                <a16:creationId xmlns:a16="http://schemas.microsoft.com/office/drawing/2014/main" id="{6BB77FCB-5715-FDC2-7F33-F66F8544383C}"/>
+              </a:ext>
+            </a:extLst>
+          </p:cNvPr>
+          <p:cNvSpPr txBox="1"/>
+          <p:nvPr/>
+        </p:nvSpPr>
+        <p:spPr>
+          <a:xfrm>
+            <a:off x="7230258" y="2622441"/>
+            <a:ext cx="694544" cy="276999"/>
+          </a:xfrm>
+          <a:prstGeom prst="rect">
+            <a:avLst/>
+          </a:prstGeom>
+          <a:noFill/>
+        </p:spPr>
+        <p:txBody>
+          <a:bodyPr wrap="square">
+            <a:spAutoFit/>
+          </a:bodyPr>
+          <a:lstStyle/>
+          <a:p>
+            <a:pPr algn="ctr"/>
+            <a:r>
+              <a:rPr lang="en-US" altLang="ko-KR" sz="1200" dirty="0">
+                <a:latin typeface="DM Mono" panose="020B0509040201040103" pitchFamily="49" charset="0"/>
+              </a:rPr>
+              <a:t>other</a:t>
+            </a:r>
+            <a:endParaRPr lang="ko-KR" altLang="en-US" sz="1200" dirty="0">
+              <a:latin typeface="DM Mono" panose="020B0509040201040103" pitchFamily="49" charset="0"/>
+            </a:endParaRPr>
+          </a:p>
+        </p:txBody>
+      </p:sp>
+      <p:sp>
+        <p:nvSpPr>
+          <p:cNvPr id="12" name="TextBox 11">
+            <a:extLst>
+              <a:ext uri="{FF2B5EF4-FFF2-40B4-BE49-F238E27FC236}">
+                <a16:creationId xmlns:a16="http://schemas.microsoft.com/office/drawing/2014/main" id="{3F0404E7-D245-37AD-482F-7376082AFC82}"/>
+              </a:ext>
+            </a:extLst>
+          </p:cNvPr>
+          <p:cNvSpPr txBox="1"/>
+          <p:nvPr/>
+        </p:nvSpPr>
+        <p:spPr>
+          <a:xfrm>
+            <a:off x="6435779" y="3046938"/>
+            <a:ext cx="694544" cy="276999"/>
+          </a:xfrm>
+          <a:prstGeom prst="rect">
+            <a:avLst/>
+          </a:prstGeom>
+          <a:noFill/>
+        </p:spPr>
+        <p:txBody>
+          <a:bodyPr wrap="square">
+            <a:spAutoFit/>
+          </a:bodyPr>
+          <a:lstStyle/>
+          <a:p>
+            <a:pPr algn="r"/>
+            <a:r>
+              <a:rPr lang="en-US" altLang="ko-KR" sz="1200" dirty="0">
+                <a:latin typeface="DM Mono" panose="020B0509040201040103" pitchFamily="49" charset="0"/>
+              </a:rPr>
+              <a:t>name</a:t>
+            </a:r>
+            <a:endParaRPr lang="ko-KR" altLang="en-US" sz="1200" dirty="0">
+              <a:latin typeface="DM Mono" panose="020B0509040201040103" pitchFamily="49" charset="0"/>
+            </a:endParaRPr>
+          </a:p>
+        </p:txBody>
+      </p:sp>
+      <p:sp>
+        <p:nvSpPr>
+          <p:cNvPr id="15" name="TextBox 14">
+            <a:extLst>
+              <a:ext uri="{FF2B5EF4-FFF2-40B4-BE49-F238E27FC236}">
+                <a16:creationId xmlns:a16="http://schemas.microsoft.com/office/drawing/2014/main" id="{2D8D7724-731A-4B99-87FC-54B2929DBBE4}"/>
+              </a:ext>
+            </a:extLst>
+          </p:cNvPr>
+          <p:cNvSpPr txBox="1"/>
+          <p:nvPr/>
+        </p:nvSpPr>
+        <p:spPr>
+          <a:xfrm>
+            <a:off x="6435779" y="3534063"/>
+            <a:ext cx="694544" cy="276999"/>
+          </a:xfrm>
+          <a:prstGeom prst="rect">
+            <a:avLst/>
+          </a:prstGeom>
+          <a:noFill/>
+        </p:spPr>
+        <p:txBody>
+          <a:bodyPr wrap="square">
+            <a:spAutoFit/>
+          </a:bodyPr>
+          <a:lstStyle/>
+          <a:p>
+            <a:pPr algn="r"/>
+            <a:r>
+              <a:rPr lang="en-US" altLang="ko-KR" sz="1200" dirty="0">
+                <a:latin typeface="DM Mono" panose="020B0509040201040103" pitchFamily="49" charset="0"/>
+              </a:rPr>
+              <a:t>age</a:t>
+            </a:r>
+            <a:endParaRPr lang="ko-KR" altLang="en-US" sz="1200" dirty="0">
+              <a:latin typeface="DM Mono" panose="020B0509040201040103" pitchFamily="49" charset="0"/>
+            </a:endParaRPr>
+          </a:p>
+        </p:txBody>
+      </p:sp>
+      <p:cxnSp>
+        <p:nvCxnSpPr>
+          <p:cNvPr id="16" name="구부러진 연결선[U] 15">
+            <a:extLst>
+              <a:ext uri="{FF2B5EF4-FFF2-40B4-BE49-F238E27FC236}">
+                <a16:creationId xmlns:a16="http://schemas.microsoft.com/office/drawing/2014/main" id="{6600DE38-7F29-5358-6236-68CD14456190}"/>
+              </a:ext>
+            </a:extLst>
+          </p:cNvPr>
+          <p:cNvCxnSpPr>
+            <a:cxnSpLocks/>
+            <a:stCxn id="2" idx="3"/>
+            <a:endCxn id="11" idx="1"/>
+          </p:cNvCxnSpPr>
+          <p:nvPr/>
+        </p:nvCxnSpPr>
+        <p:spPr>
+          <a:xfrm flipV="1">
+            <a:off x="8024737" y="644558"/>
+            <a:ext cx="2161075" cy="2539537"/>
+          </a:xfrm>
+          <a:prstGeom prst="curvedConnector3">
+            <a:avLst>
+              <a:gd name="adj1" fmla="val 50000"/>
+            </a:avLst>
+          </a:prstGeom>
+          <a:ln>
+            <a:tailEnd type="triangle"/>
+          </a:ln>
+        </p:spPr>
+        <p:style>
+          <a:lnRef idx="1">
+            <a:schemeClr val="dk1"/>
+          </a:lnRef>
+          <a:fillRef idx="0">
+            <a:schemeClr val="dk1"/>
+          </a:fillRef>
+          <a:effectRef idx="0">
+            <a:schemeClr val="dk1"/>
+          </a:effectRef>
+          <a:fontRef idx="minor">
+            <a:schemeClr val="tx1"/>
+          </a:fontRef>
+        </p:style>
+      </p:cxnSp>
+    </p:spTree>
+    <p:extLst>
+      <p:ext uri="{BB962C8B-B14F-4D97-AF65-F5344CB8AC3E}">
+        <p14:creationId xmlns:p14="http://schemas.microsoft.com/office/powerpoint/2010/main" val="3930686668"/>
+      </p:ext>
+    </p:extLst>
+  </p:cSld>
+  <p:clrMapOvr>
+    <a:masterClrMapping/>
+  </p:clrMapOvr>
+</p:sld>
+</file>
+
+<file path=ppt/slides/slide17.xml><?xml version="1.0" encoding="utf-8"?>
+<p:sld xmlns:a="http://schemas.openxmlformats.org/drawingml/2006/main" xmlns:r="http://schemas.openxmlformats.org/officeDocument/2006/relationships" xmlns:p="http://schemas.openxmlformats.org/presentationml/2006/main">
+  <p:cSld>
+    <p:spTree>
+      <p:nvGrpSpPr>
+        <p:cNvPr id="1" name=""/>
+        <p:cNvGrpSpPr/>
+        <p:nvPr/>
+      </p:nvGrpSpPr>
+      <p:grpSpPr>
+        <a:xfrm>
+          <a:off x="0" y="0"/>
+          <a:ext cx="0" cy="0"/>
+          <a:chOff x="0" y="0"/>
+          <a:chExt cx="0" cy="0"/>
+        </a:xfrm>
+      </p:grpSpPr>
+      <p:sp>
+        <p:nvSpPr>
+          <p:cNvPr id="5" name="TextBox 4">
+            <a:extLst>
+              <a:ext uri="{FF2B5EF4-FFF2-40B4-BE49-F238E27FC236}">
+                <a16:creationId xmlns:a16="http://schemas.microsoft.com/office/drawing/2014/main" id="{FE57B69C-52B0-C1A2-CBE3-9CEA942B7DAA}"/>
+              </a:ext>
+            </a:extLst>
+          </p:cNvPr>
+          <p:cNvSpPr txBox="1"/>
+          <p:nvPr/>
+        </p:nvSpPr>
+        <p:spPr>
+          <a:xfrm>
+            <a:off x="519659" y="334784"/>
+            <a:ext cx="4542020" cy="4939814"/>
+          </a:xfrm>
+          <a:prstGeom prst="rect">
+            <a:avLst/>
+          </a:prstGeom>
+          <a:noFill/>
+        </p:spPr>
+        <p:txBody>
+          <a:bodyPr wrap="square">
+            <a:spAutoFit/>
+          </a:bodyPr>
+          <a:lstStyle/>
+          <a:p>
+            <a:r>
+              <a:rPr lang="ko-KR" altLang="en-US" sz="1050" dirty="0" err="1">
+                <a:latin typeface="DM Mono" panose="020B0509040201040103" pitchFamily="49" charset="0"/>
+              </a:rPr>
+              <a:t>class</a:t>
+            </a:r>
+            <a:r>
+              <a:rPr lang="ko-KR" altLang="en-US" sz="1050" dirty="0">
+                <a:latin typeface="DM Mono" panose="020B0509040201040103" pitchFamily="49" charset="0"/>
+              </a:rPr>
+              <a:t> </a:t>
+            </a:r>
+            <a:r>
+              <a:rPr lang="ko-KR" altLang="en-US" sz="1050" dirty="0" err="1">
+                <a:latin typeface="DM Mono" panose="020B0509040201040103" pitchFamily="49" charset="0"/>
+              </a:rPr>
+              <a:t>User</a:t>
+            </a:r>
+            <a:r>
+              <a:rPr lang="ko-KR" altLang="en-US" sz="1050" dirty="0">
+                <a:latin typeface="DM Mono" panose="020B0509040201040103" pitchFamily="49" charset="0"/>
+              </a:rPr>
+              <a:t> {</a:t>
+            </a:r>
+          </a:p>
+          <a:p>
+            <a:r>
+              <a:rPr lang="ko-KR" altLang="en-US" sz="1050" dirty="0">
+                <a:latin typeface="DM Mono" panose="020B0509040201040103" pitchFamily="49" charset="0"/>
+              </a:rPr>
+              <a:t>    </a:t>
+            </a:r>
+            <a:r>
+              <a:rPr lang="ko-KR" altLang="en-US" sz="1050" dirty="0" err="1">
+                <a:latin typeface="DM Mono" panose="020B0509040201040103" pitchFamily="49" charset="0"/>
+              </a:rPr>
+              <a:t>char</a:t>
+            </a:r>
+            <a:r>
+              <a:rPr lang="ko-KR" altLang="en-US" sz="1050" dirty="0">
+                <a:latin typeface="DM Mono" panose="020B0509040201040103" pitchFamily="49" charset="0"/>
+              </a:rPr>
+              <a:t>* </a:t>
+            </a:r>
+            <a:r>
+              <a:rPr lang="ko-KR" altLang="en-US" sz="1050" dirty="0" err="1">
+                <a:latin typeface="DM Mono" panose="020B0509040201040103" pitchFamily="49" charset="0"/>
+              </a:rPr>
+              <a:t>name</a:t>
+            </a:r>
+            <a:r>
+              <a:rPr lang="ko-KR" altLang="en-US" sz="1050" dirty="0">
+                <a:latin typeface="DM Mono" panose="020B0509040201040103" pitchFamily="49" charset="0"/>
+              </a:rPr>
+              <a:t>;</a:t>
+            </a:r>
+          </a:p>
+          <a:p>
+            <a:r>
+              <a:rPr lang="ko-KR" altLang="en-US" sz="1050" dirty="0">
+                <a:latin typeface="DM Mono" panose="020B0509040201040103" pitchFamily="49" charset="0"/>
+              </a:rPr>
+              <a:t>    </a:t>
+            </a:r>
+            <a:r>
+              <a:rPr lang="ko-KR" altLang="en-US" sz="1050" dirty="0" err="1">
+                <a:latin typeface="DM Mono" panose="020B0509040201040103" pitchFamily="49" charset="0"/>
+              </a:rPr>
+              <a:t>int</a:t>
+            </a:r>
+            <a:r>
+              <a:rPr lang="ko-KR" altLang="en-US" sz="1050" dirty="0">
+                <a:latin typeface="DM Mono" panose="020B0509040201040103" pitchFamily="49" charset="0"/>
+              </a:rPr>
+              <a:t> </a:t>
+            </a:r>
+            <a:r>
+              <a:rPr lang="ko-KR" altLang="en-US" sz="1050" dirty="0" err="1">
+                <a:latin typeface="DM Mono" panose="020B0509040201040103" pitchFamily="49" charset="0"/>
+              </a:rPr>
+              <a:t>age</a:t>
+            </a:r>
+            <a:r>
+              <a:rPr lang="ko-KR" altLang="en-US" sz="1050" dirty="0">
+                <a:latin typeface="DM Mono" panose="020B0509040201040103" pitchFamily="49" charset="0"/>
+              </a:rPr>
+              <a:t>;</a:t>
+            </a:r>
+          </a:p>
+          <a:p>
+            <a:endParaRPr lang="ko-KR" altLang="en-US" sz="1050" dirty="0">
+              <a:latin typeface="DM Mono" panose="020B0509040201040103" pitchFamily="49" charset="0"/>
+            </a:endParaRPr>
+          </a:p>
+          <a:p>
+            <a:r>
+              <a:rPr lang="ko-KR" altLang="en-US" sz="1050" dirty="0" err="1">
+                <a:latin typeface="DM Mono" panose="020B0509040201040103" pitchFamily="49" charset="0"/>
+              </a:rPr>
+              <a:t>public</a:t>
+            </a:r>
+            <a:r>
+              <a:rPr lang="ko-KR" altLang="en-US" sz="1050" dirty="0">
+                <a:latin typeface="DM Mono" panose="020B0509040201040103" pitchFamily="49" charset="0"/>
+              </a:rPr>
+              <a:t>:</a:t>
+            </a:r>
+          </a:p>
+          <a:p>
+            <a:r>
+              <a:rPr lang="ko-KR" altLang="en-US" sz="1050" dirty="0">
+                <a:latin typeface="DM Mono" panose="020B0509040201040103" pitchFamily="49" charset="0"/>
+              </a:rPr>
+              <a:t>    </a:t>
+            </a:r>
+            <a:r>
+              <a:rPr lang="ko-KR" altLang="en-US" sz="1050" dirty="0" err="1">
+                <a:latin typeface="DM Mono" panose="020B0509040201040103" pitchFamily="49" charset="0"/>
+              </a:rPr>
+              <a:t>User</a:t>
+            </a:r>
+            <a:r>
+              <a:rPr lang="ko-KR" altLang="en-US" sz="1050" dirty="0">
+                <a:latin typeface="DM Mono" panose="020B0509040201040103" pitchFamily="49" charset="0"/>
+              </a:rPr>
+              <a:t>(</a:t>
+            </a:r>
+            <a:r>
+              <a:rPr lang="ko-KR" altLang="en-US" sz="1050" dirty="0" err="1">
+                <a:latin typeface="DM Mono" panose="020B0509040201040103" pitchFamily="49" charset="0"/>
+              </a:rPr>
+              <a:t>const</a:t>
+            </a:r>
+            <a:r>
+              <a:rPr lang="ko-KR" altLang="en-US" sz="1050" dirty="0">
+                <a:latin typeface="DM Mono" panose="020B0509040201040103" pitchFamily="49" charset="0"/>
+              </a:rPr>
+              <a:t> </a:t>
+            </a:r>
+            <a:r>
+              <a:rPr lang="ko-KR" altLang="en-US" sz="1050" dirty="0" err="1">
+                <a:latin typeface="DM Mono" panose="020B0509040201040103" pitchFamily="49" charset="0"/>
+              </a:rPr>
+              <a:t>char</a:t>
+            </a:r>
+            <a:r>
+              <a:rPr lang="ko-KR" altLang="en-US" sz="1050" dirty="0">
+                <a:latin typeface="DM Mono" panose="020B0509040201040103" pitchFamily="49" charset="0"/>
+              </a:rPr>
+              <a:t>* </a:t>
+            </a:r>
+            <a:r>
+              <a:rPr lang="ko-KR" altLang="en-US" sz="1050" dirty="0" err="1">
+                <a:latin typeface="DM Mono" panose="020B0509040201040103" pitchFamily="49" charset="0"/>
+              </a:rPr>
+              <a:t>s</a:t>
+            </a:r>
+            <a:r>
+              <a:rPr lang="ko-KR" altLang="en-US" sz="1050" dirty="0">
+                <a:latin typeface="DM Mono" panose="020B0509040201040103" pitchFamily="49" charset="0"/>
+              </a:rPr>
+              <a:t>, </a:t>
+            </a:r>
+            <a:r>
+              <a:rPr lang="ko-KR" altLang="en-US" sz="1050" dirty="0" err="1">
+                <a:latin typeface="DM Mono" panose="020B0509040201040103" pitchFamily="49" charset="0"/>
+              </a:rPr>
+              <a:t>int</a:t>
+            </a:r>
+            <a:r>
+              <a:rPr lang="ko-KR" altLang="en-US" sz="1050" dirty="0">
+                <a:latin typeface="DM Mono" panose="020B0509040201040103" pitchFamily="49" charset="0"/>
+              </a:rPr>
+              <a:t> </a:t>
+            </a:r>
+            <a:r>
+              <a:rPr lang="ko-KR" altLang="en-US" sz="1050" dirty="0" err="1">
+                <a:latin typeface="DM Mono" panose="020B0509040201040103" pitchFamily="49" charset="0"/>
+              </a:rPr>
+              <a:t>n</a:t>
+            </a:r>
+            <a:r>
+              <a:rPr lang="ko-KR" altLang="en-US" sz="1050" dirty="0">
+                <a:latin typeface="DM Mono" panose="020B0509040201040103" pitchFamily="49" charset="0"/>
+              </a:rPr>
+              <a:t>)</a:t>
+            </a:r>
+          </a:p>
+          <a:p>
+            <a:r>
+              <a:rPr lang="ko-KR" altLang="en-US" sz="1050" dirty="0">
+                <a:latin typeface="DM Mono" panose="020B0509040201040103" pitchFamily="49" charset="0"/>
+              </a:rPr>
+              <a:t>        : </a:t>
+            </a:r>
+            <a:r>
+              <a:rPr lang="ko-KR" altLang="en-US" sz="1050" dirty="0" err="1">
+                <a:latin typeface="DM Mono" panose="020B0509040201040103" pitchFamily="49" charset="0"/>
+              </a:rPr>
+              <a:t>age</a:t>
+            </a:r>
+            <a:r>
+              <a:rPr lang="ko-KR" altLang="en-US" sz="1050" dirty="0">
+                <a:latin typeface="DM Mono" panose="020B0509040201040103" pitchFamily="49" charset="0"/>
+              </a:rPr>
+              <a:t> { </a:t>
+            </a:r>
+            <a:r>
+              <a:rPr lang="ko-KR" altLang="en-US" sz="1050" dirty="0" err="1">
+                <a:latin typeface="DM Mono" panose="020B0509040201040103" pitchFamily="49" charset="0"/>
+              </a:rPr>
+              <a:t>n</a:t>
+            </a:r>
+            <a:r>
+              <a:rPr lang="ko-KR" altLang="en-US" sz="1050" dirty="0">
+                <a:latin typeface="DM Mono" panose="020B0509040201040103" pitchFamily="49" charset="0"/>
+              </a:rPr>
+              <a:t> }</a:t>
+            </a:r>
+          </a:p>
+          <a:p>
+            <a:r>
+              <a:rPr lang="ko-KR" altLang="en-US" sz="1050" dirty="0">
+                <a:latin typeface="DM Mono" panose="020B0509040201040103" pitchFamily="49" charset="0"/>
+              </a:rPr>
+              <a:t>    {</a:t>
+            </a:r>
+          </a:p>
+          <a:p>
+            <a:r>
+              <a:rPr lang="ko-KR" altLang="en-US" sz="1050" dirty="0">
+                <a:latin typeface="DM Mono" panose="020B0509040201040103" pitchFamily="49" charset="0"/>
+              </a:rPr>
+              <a:t>        </a:t>
+            </a:r>
+            <a:r>
+              <a:rPr lang="ko-KR" altLang="en-US" sz="1050" dirty="0" err="1">
+                <a:latin typeface="DM Mono" panose="020B0509040201040103" pitchFamily="49" charset="0"/>
+              </a:rPr>
+              <a:t>name</a:t>
+            </a:r>
+            <a:r>
+              <a:rPr lang="ko-KR" altLang="en-US" sz="1050" dirty="0">
+                <a:latin typeface="DM Mono" panose="020B0509040201040103" pitchFamily="49" charset="0"/>
+              </a:rPr>
+              <a:t> = </a:t>
+            </a:r>
+            <a:r>
+              <a:rPr lang="ko-KR" altLang="en-US" sz="1050" dirty="0" err="1">
+                <a:latin typeface="DM Mono" panose="020B0509040201040103" pitchFamily="49" charset="0"/>
+              </a:rPr>
+              <a:t>new</a:t>
+            </a:r>
+            <a:r>
+              <a:rPr lang="ko-KR" altLang="en-US" sz="1050" dirty="0">
+                <a:latin typeface="DM Mono" panose="020B0509040201040103" pitchFamily="49" charset="0"/>
+              </a:rPr>
+              <a:t> </a:t>
+            </a:r>
+            <a:r>
+              <a:rPr lang="ko-KR" altLang="en-US" sz="1050" dirty="0" err="1">
+                <a:latin typeface="DM Mono" panose="020B0509040201040103" pitchFamily="49" charset="0"/>
+              </a:rPr>
+              <a:t>char</a:t>
+            </a:r>
+            <a:r>
+              <a:rPr lang="ko-KR" altLang="en-US" sz="1050" dirty="0">
+                <a:latin typeface="DM Mono" panose="020B0509040201040103" pitchFamily="49" charset="0"/>
+              </a:rPr>
+              <a:t>[</a:t>
+            </a:r>
+            <a:r>
+              <a:rPr lang="ko-KR" altLang="en-US" sz="1050" dirty="0" err="1">
+                <a:latin typeface="DM Mono" panose="020B0509040201040103" pitchFamily="49" charset="0"/>
+              </a:rPr>
+              <a:t>strlen</a:t>
+            </a:r>
+            <a:r>
+              <a:rPr lang="ko-KR" altLang="en-US" sz="1050" dirty="0">
+                <a:latin typeface="DM Mono" panose="020B0509040201040103" pitchFamily="49" charset="0"/>
+              </a:rPr>
+              <a:t>(</a:t>
+            </a:r>
+            <a:r>
+              <a:rPr lang="ko-KR" altLang="en-US" sz="1050" dirty="0" err="1">
+                <a:latin typeface="DM Mono" panose="020B0509040201040103" pitchFamily="49" charset="0"/>
+              </a:rPr>
+              <a:t>s</a:t>
+            </a:r>
+            <a:r>
+              <a:rPr lang="ko-KR" altLang="en-US" sz="1050" dirty="0">
+                <a:latin typeface="DM Mono" panose="020B0509040201040103" pitchFamily="49" charset="0"/>
+              </a:rPr>
+              <a:t>) + 1];</a:t>
+            </a:r>
+          </a:p>
+          <a:p>
+            <a:r>
+              <a:rPr lang="ko-KR" altLang="en-US" sz="1050" dirty="0">
+                <a:latin typeface="DM Mono" panose="020B0509040201040103" pitchFamily="49" charset="0"/>
+              </a:rPr>
+              <a:t>        </a:t>
+            </a:r>
+            <a:r>
+              <a:rPr lang="ko-KR" altLang="en-US" sz="1050" dirty="0" err="1">
+                <a:latin typeface="DM Mono" panose="020B0509040201040103" pitchFamily="49" charset="0"/>
+              </a:rPr>
+              <a:t>strcpy</a:t>
+            </a:r>
+            <a:r>
+              <a:rPr lang="ko-KR" altLang="en-US" sz="1050" dirty="0">
+                <a:latin typeface="DM Mono" panose="020B0509040201040103" pitchFamily="49" charset="0"/>
+              </a:rPr>
+              <a:t>(</a:t>
+            </a:r>
+            <a:r>
+              <a:rPr lang="ko-KR" altLang="en-US" sz="1050" dirty="0" err="1">
+                <a:latin typeface="DM Mono" panose="020B0509040201040103" pitchFamily="49" charset="0"/>
+              </a:rPr>
+              <a:t>name</a:t>
+            </a:r>
+            <a:r>
+              <a:rPr lang="ko-KR" altLang="en-US" sz="1050" dirty="0">
+                <a:latin typeface="DM Mono" panose="020B0509040201040103" pitchFamily="49" charset="0"/>
+              </a:rPr>
+              <a:t>, </a:t>
+            </a:r>
+            <a:r>
+              <a:rPr lang="ko-KR" altLang="en-US" sz="1050" dirty="0" err="1">
+                <a:latin typeface="DM Mono" panose="020B0509040201040103" pitchFamily="49" charset="0"/>
+              </a:rPr>
+              <a:t>s</a:t>
+            </a:r>
+            <a:r>
+              <a:rPr lang="ko-KR" altLang="en-US" sz="1050" dirty="0">
+                <a:latin typeface="DM Mono" panose="020B0509040201040103" pitchFamily="49" charset="0"/>
+              </a:rPr>
+              <a:t>);</a:t>
+            </a:r>
+          </a:p>
+          <a:p>
+            <a:r>
+              <a:rPr lang="ko-KR" altLang="en-US" sz="1050" dirty="0">
+                <a:latin typeface="DM Mono" panose="020B0509040201040103" pitchFamily="49" charset="0"/>
+              </a:rPr>
+              <a:t>    }</a:t>
+            </a:r>
+          </a:p>
+          <a:p>
+            <a:endParaRPr lang="ko-KR" altLang="en-US" sz="1050" dirty="0">
+              <a:latin typeface="DM Mono" panose="020B0509040201040103" pitchFamily="49" charset="0"/>
+            </a:endParaRPr>
+          </a:p>
+          <a:p>
+            <a:r>
+              <a:rPr lang="ko-KR" altLang="en-US" sz="1050" dirty="0">
+                <a:solidFill>
+                  <a:srgbClr val="FF0000"/>
+                </a:solidFill>
+                <a:latin typeface="DM Mono" panose="020B0509040201040103" pitchFamily="49" charset="0"/>
+              </a:rPr>
+              <a:t>    ~</a:t>
+            </a:r>
+            <a:r>
+              <a:rPr lang="ko-KR" altLang="en-US" sz="1050" dirty="0" err="1">
+                <a:solidFill>
+                  <a:srgbClr val="FF0000"/>
+                </a:solidFill>
+                <a:latin typeface="DM Mono" panose="020B0509040201040103" pitchFamily="49" charset="0"/>
+              </a:rPr>
+              <a:t>User</a:t>
+            </a:r>
+            <a:r>
+              <a:rPr lang="ko-KR" altLang="en-US" sz="1050" dirty="0">
+                <a:solidFill>
+                  <a:srgbClr val="FF0000"/>
+                </a:solidFill>
+                <a:latin typeface="DM Mono" panose="020B0509040201040103" pitchFamily="49" charset="0"/>
+              </a:rPr>
+              <a:t>()</a:t>
+            </a:r>
+          </a:p>
+          <a:p>
+            <a:r>
+              <a:rPr lang="ko-KR" altLang="en-US" sz="1050" dirty="0">
+                <a:solidFill>
+                  <a:srgbClr val="FF0000"/>
+                </a:solidFill>
+                <a:latin typeface="DM Mono" panose="020B0509040201040103" pitchFamily="49" charset="0"/>
+              </a:rPr>
+              <a:t>    {</a:t>
+            </a:r>
+          </a:p>
+          <a:p>
+            <a:r>
+              <a:rPr lang="ko-KR" altLang="en-US" sz="1050" dirty="0">
+                <a:solidFill>
+                  <a:srgbClr val="FF0000"/>
+                </a:solidFill>
+                <a:latin typeface="DM Mono" panose="020B0509040201040103" pitchFamily="49" charset="0"/>
+              </a:rPr>
+              <a:t>        </a:t>
+            </a:r>
+            <a:r>
+              <a:rPr lang="ko-KR" altLang="en-US" sz="1050" dirty="0" err="1">
+                <a:solidFill>
+                  <a:srgbClr val="FF0000"/>
+                </a:solidFill>
+                <a:latin typeface="DM Mono" panose="020B0509040201040103" pitchFamily="49" charset="0"/>
+              </a:rPr>
+              <a:t>delete</a:t>
+            </a:r>
+            <a:r>
+              <a:rPr lang="ko-KR" altLang="en-US" sz="1050" dirty="0">
+                <a:solidFill>
+                  <a:srgbClr val="FF0000"/>
+                </a:solidFill>
+                <a:latin typeface="DM Mono" panose="020B0509040201040103" pitchFamily="49" charset="0"/>
+              </a:rPr>
+              <a:t>[] </a:t>
+            </a:r>
+            <a:r>
+              <a:rPr lang="ko-KR" altLang="en-US" sz="1050" dirty="0" err="1">
+                <a:solidFill>
+                  <a:srgbClr val="FF0000"/>
+                </a:solidFill>
+                <a:latin typeface="DM Mono" panose="020B0509040201040103" pitchFamily="49" charset="0"/>
+              </a:rPr>
+              <a:t>name</a:t>
+            </a:r>
+            <a:r>
+              <a:rPr lang="ko-KR" altLang="en-US" sz="1050" dirty="0">
+                <a:solidFill>
+                  <a:srgbClr val="FF0000"/>
+                </a:solidFill>
+                <a:latin typeface="DM Mono" panose="020B0509040201040103" pitchFamily="49" charset="0"/>
+              </a:rPr>
+              <a:t>;</a:t>
+            </a:r>
+          </a:p>
+          <a:p>
+            <a:r>
+              <a:rPr lang="ko-KR" altLang="en-US" sz="1050" dirty="0">
+                <a:solidFill>
+                  <a:srgbClr val="FF0000"/>
+                </a:solidFill>
+                <a:latin typeface="DM Mono" panose="020B0509040201040103" pitchFamily="49" charset="0"/>
+              </a:rPr>
+              <a:t>    }</a:t>
+            </a:r>
+          </a:p>
+          <a:p>
+            <a:endParaRPr lang="ko-KR" altLang="en-US" sz="1050" dirty="0">
+              <a:latin typeface="DM Mono" panose="020B0509040201040103" pitchFamily="49" charset="0"/>
+            </a:endParaRPr>
+          </a:p>
+          <a:p>
+            <a:r>
+              <a:rPr lang="ko-KR" altLang="en-US" sz="1050" dirty="0">
+                <a:latin typeface="DM Mono" panose="020B0509040201040103" pitchFamily="49" charset="0"/>
+              </a:rPr>
+              <a:t>    </a:t>
+            </a:r>
+            <a:r>
+              <a:rPr lang="ko-KR" altLang="en-US" sz="1050" dirty="0" err="1">
+                <a:latin typeface="DM Mono" panose="020B0509040201040103" pitchFamily="49" charset="0"/>
+              </a:rPr>
+              <a:t>void</a:t>
+            </a:r>
+            <a:r>
+              <a:rPr lang="ko-KR" altLang="en-US" sz="1050" dirty="0">
+                <a:latin typeface="DM Mono" panose="020B0509040201040103" pitchFamily="49" charset="0"/>
+              </a:rPr>
+              <a:t> </a:t>
+            </a:r>
+            <a:r>
+              <a:rPr lang="ko-KR" altLang="en-US" sz="1050" dirty="0" err="1">
+                <a:latin typeface="DM Mono" panose="020B0509040201040103" pitchFamily="49" charset="0"/>
+              </a:rPr>
+              <a:t>Print</a:t>
+            </a:r>
+            <a:r>
+              <a:rPr lang="ko-KR" altLang="en-US" sz="1050" dirty="0">
+                <a:latin typeface="DM Mono" panose="020B0509040201040103" pitchFamily="49" charset="0"/>
+              </a:rPr>
+              <a:t>()</a:t>
+            </a:r>
+          </a:p>
+          <a:p>
+            <a:r>
+              <a:rPr lang="ko-KR" altLang="en-US" sz="1050" dirty="0">
+                <a:latin typeface="DM Mono" panose="020B0509040201040103" pitchFamily="49" charset="0"/>
+              </a:rPr>
+              <a:t>    {</a:t>
+            </a:r>
+          </a:p>
+          <a:p>
+            <a:r>
+              <a:rPr lang="ko-KR" altLang="en-US" sz="1050" dirty="0">
+                <a:latin typeface="DM Mono" panose="020B0509040201040103" pitchFamily="49" charset="0"/>
+              </a:rPr>
+              <a:t>        </a:t>
+            </a:r>
+            <a:r>
+              <a:rPr lang="ko-KR" altLang="en-US" sz="1050" dirty="0" err="1">
+                <a:latin typeface="DM Mono" panose="020B0509040201040103" pitchFamily="49" charset="0"/>
+              </a:rPr>
+              <a:t>cout</a:t>
+            </a:r>
+            <a:r>
+              <a:rPr lang="ko-KR" altLang="en-US" sz="1050" dirty="0">
+                <a:latin typeface="DM Mono" panose="020B0509040201040103" pitchFamily="49" charset="0"/>
+              </a:rPr>
+              <a:t> &lt;&lt; </a:t>
+            </a:r>
+            <a:r>
+              <a:rPr lang="ko-KR" altLang="en-US" sz="1050" dirty="0" err="1">
+                <a:latin typeface="DM Mono" panose="020B0509040201040103" pitchFamily="49" charset="0"/>
+              </a:rPr>
+              <a:t>name</a:t>
+            </a:r>
+            <a:r>
+              <a:rPr lang="ko-KR" altLang="en-US" sz="1050" dirty="0">
+                <a:latin typeface="DM Mono" panose="020B0509040201040103" pitchFamily="49" charset="0"/>
+              </a:rPr>
+              <a:t> &lt;&lt; ", " &lt;&lt; </a:t>
+            </a:r>
+            <a:r>
+              <a:rPr lang="ko-KR" altLang="en-US" sz="1050" dirty="0" err="1">
+                <a:latin typeface="DM Mono" panose="020B0509040201040103" pitchFamily="49" charset="0"/>
+              </a:rPr>
+              <a:t>age</a:t>
+            </a:r>
+            <a:r>
+              <a:rPr lang="ko-KR" altLang="en-US" sz="1050" dirty="0">
+                <a:latin typeface="DM Mono" panose="020B0509040201040103" pitchFamily="49" charset="0"/>
+              </a:rPr>
+              <a:t> &lt;&lt; </a:t>
+            </a:r>
+            <a:r>
+              <a:rPr lang="ko-KR" altLang="en-US" sz="1050" dirty="0" err="1">
+                <a:latin typeface="DM Mono" panose="020B0509040201040103" pitchFamily="49" charset="0"/>
+              </a:rPr>
+              <a:t>endl</a:t>
+            </a:r>
+            <a:r>
+              <a:rPr lang="ko-KR" altLang="en-US" sz="1050" dirty="0">
+                <a:latin typeface="DM Mono" panose="020B0509040201040103" pitchFamily="49" charset="0"/>
+              </a:rPr>
+              <a:t>;</a:t>
+            </a:r>
+          </a:p>
+          <a:p>
+            <a:r>
+              <a:rPr lang="ko-KR" altLang="en-US" sz="1050" dirty="0">
+                <a:latin typeface="DM Mono" panose="020B0509040201040103" pitchFamily="49" charset="0"/>
+              </a:rPr>
+              <a:t>    }</a:t>
+            </a:r>
+          </a:p>
+          <a:p>
+            <a:r>
+              <a:rPr lang="ko-KR" altLang="en-US" sz="1050" dirty="0">
+                <a:latin typeface="DM Mono" panose="020B0509040201040103" pitchFamily="49" charset="0"/>
+              </a:rPr>
+              <a:t>};</a:t>
+            </a:r>
+          </a:p>
+          <a:p>
+            <a:endParaRPr lang="ko-KR" altLang="en-US" sz="1050" dirty="0">
+              <a:latin typeface="DM Mono" panose="020B0509040201040103" pitchFamily="49" charset="0"/>
+            </a:endParaRPr>
+          </a:p>
+          <a:p>
+            <a:r>
+              <a:rPr lang="ko-KR" altLang="en-US" sz="1050" dirty="0" err="1">
+                <a:latin typeface="DM Mono" panose="020B0509040201040103" pitchFamily="49" charset="0"/>
+              </a:rPr>
+              <a:t>int</a:t>
+            </a:r>
+            <a:r>
+              <a:rPr lang="ko-KR" altLang="en-US" sz="1050" dirty="0">
+                <a:latin typeface="DM Mono" panose="020B0509040201040103" pitchFamily="49" charset="0"/>
+              </a:rPr>
+              <a:t> </a:t>
+            </a:r>
+            <a:r>
+              <a:rPr lang="ko-KR" altLang="en-US" sz="1050" dirty="0" err="1">
+                <a:latin typeface="DM Mono" panose="020B0509040201040103" pitchFamily="49" charset="0"/>
+              </a:rPr>
+              <a:t>main</a:t>
+            </a:r>
+            <a:r>
+              <a:rPr lang="ko-KR" altLang="en-US" sz="1050" dirty="0">
+                <a:latin typeface="DM Mono" panose="020B0509040201040103" pitchFamily="49" charset="0"/>
+              </a:rPr>
+              <a:t>()</a:t>
+            </a:r>
+          </a:p>
+          <a:p>
+            <a:r>
+              <a:rPr lang="ko-KR" altLang="en-US" sz="1050" dirty="0">
+                <a:latin typeface="DM Mono" panose="020B0509040201040103" pitchFamily="49" charset="0"/>
+              </a:rPr>
+              <a:t>{</a:t>
+            </a:r>
+          </a:p>
+          <a:p>
+            <a:r>
+              <a:rPr lang="ko-KR" altLang="en-US" sz="1050" dirty="0">
+                <a:latin typeface="DM Mono" panose="020B0509040201040103" pitchFamily="49" charset="0"/>
+              </a:rPr>
+              <a:t>    </a:t>
+            </a:r>
+            <a:r>
+              <a:rPr lang="ko-KR" altLang="en-US" sz="1050" dirty="0" err="1">
+                <a:latin typeface="DM Mono" panose="020B0509040201040103" pitchFamily="49" charset="0"/>
+              </a:rPr>
+              <a:t>User</a:t>
+            </a:r>
+            <a:r>
+              <a:rPr lang="ko-KR" altLang="en-US" sz="1050" dirty="0">
+                <a:latin typeface="DM Mono" panose="020B0509040201040103" pitchFamily="49" charset="0"/>
+              </a:rPr>
+              <a:t> </a:t>
+            </a:r>
+            <a:r>
+              <a:rPr lang="ko-KR" altLang="en-US" sz="1050" dirty="0" err="1">
+                <a:latin typeface="DM Mono" panose="020B0509040201040103" pitchFamily="49" charset="0"/>
+              </a:rPr>
+              <a:t>user</a:t>
+            </a:r>
+            <a:r>
+              <a:rPr lang="ko-KR" altLang="en-US" sz="1050" dirty="0">
+                <a:latin typeface="DM Mono" panose="020B0509040201040103" pitchFamily="49" charset="0"/>
+              </a:rPr>
+              <a:t> { "</a:t>
+            </a:r>
+            <a:r>
+              <a:rPr lang="ko-KR" altLang="en-US" sz="1050" dirty="0" err="1">
+                <a:latin typeface="DM Mono" panose="020B0509040201040103" pitchFamily="49" charset="0"/>
+              </a:rPr>
+              <a:t>Tom</a:t>
+            </a:r>
+            <a:r>
+              <a:rPr lang="ko-KR" altLang="en-US" sz="1050" dirty="0">
+                <a:latin typeface="DM Mono" panose="020B0509040201040103" pitchFamily="49" charset="0"/>
+              </a:rPr>
+              <a:t>", 42 };</a:t>
+            </a:r>
+          </a:p>
+          <a:p>
+            <a:r>
+              <a:rPr lang="ko-KR" altLang="en-US" sz="1050" dirty="0">
+                <a:latin typeface="DM Mono" panose="020B0509040201040103" pitchFamily="49" charset="0"/>
+              </a:rPr>
+              <a:t>    </a:t>
+            </a:r>
+            <a:r>
+              <a:rPr lang="ko-KR" altLang="en-US" sz="1050" dirty="0" err="1">
+                <a:latin typeface="DM Mono" panose="020B0509040201040103" pitchFamily="49" charset="0"/>
+              </a:rPr>
+              <a:t>User</a:t>
+            </a:r>
+            <a:r>
+              <a:rPr lang="ko-KR" altLang="en-US" sz="1050" dirty="0">
+                <a:latin typeface="DM Mono" panose="020B0509040201040103" pitchFamily="49" charset="0"/>
+              </a:rPr>
+              <a:t> </a:t>
+            </a:r>
+            <a:r>
+              <a:rPr lang="ko-KR" altLang="en-US" sz="1050" dirty="0" err="1">
+                <a:latin typeface="DM Mono" panose="020B0509040201040103" pitchFamily="49" charset="0"/>
+              </a:rPr>
+              <a:t>other</a:t>
+            </a:r>
+            <a:r>
+              <a:rPr lang="ko-KR" altLang="en-US" sz="1050" dirty="0">
+                <a:latin typeface="DM Mono" panose="020B0509040201040103" pitchFamily="49" charset="0"/>
+              </a:rPr>
+              <a:t> = </a:t>
+            </a:r>
+            <a:r>
+              <a:rPr lang="ko-KR" altLang="en-US" sz="1050" dirty="0" err="1">
+                <a:latin typeface="DM Mono" panose="020B0509040201040103" pitchFamily="49" charset="0"/>
+              </a:rPr>
+              <a:t>user</a:t>
+            </a:r>
+            <a:r>
+              <a:rPr lang="ko-KR" altLang="en-US" sz="1050" dirty="0">
+                <a:latin typeface="DM Mono" panose="020B0509040201040103" pitchFamily="49" charset="0"/>
+              </a:rPr>
+              <a:t>;</a:t>
+            </a:r>
+            <a:endParaRPr lang="en-US" altLang="ko-KR" sz="1050" dirty="0">
+              <a:latin typeface="DM Mono" panose="020B0509040201040103" pitchFamily="49" charset="0"/>
+            </a:endParaRPr>
+          </a:p>
+          <a:p>
+            <a:endParaRPr lang="ko-KR" altLang="en-US" sz="1050" dirty="0">
+              <a:latin typeface="DM Mono" panose="020B0509040201040103" pitchFamily="49" charset="0"/>
+            </a:endParaRPr>
+          </a:p>
+          <a:p>
+            <a:r>
+              <a:rPr lang="ko-KR" altLang="en-US" sz="1050" dirty="0">
+                <a:latin typeface="DM Mono" panose="020B0509040201040103" pitchFamily="49" charset="0"/>
+              </a:rPr>
+              <a:t>}</a:t>
+            </a:r>
+            <a:r>
+              <a:rPr lang="en-US" altLang="ko-KR" sz="1050" dirty="0">
+                <a:latin typeface="DM Mono" panose="020B0509040201040103" pitchFamily="49" charset="0"/>
+              </a:rPr>
+              <a:t> // ~User()</a:t>
+            </a:r>
+          </a:p>
+          <a:p>
+            <a:r>
+              <a:rPr lang="en-US" altLang="ko-KR" sz="1050" dirty="0">
+                <a:latin typeface="DM Mono" panose="020B0509040201040103" pitchFamily="49" charset="0"/>
+              </a:rPr>
+              <a:t>  // ~User()</a:t>
+            </a:r>
+            <a:endParaRPr lang="ko-KR" altLang="en-US" sz="1050" dirty="0">
+              <a:latin typeface="DM Mono" panose="020B0509040201040103" pitchFamily="49" charset="0"/>
+            </a:endParaRPr>
+          </a:p>
+        </p:txBody>
+      </p:sp>
+      <p:sp>
+        <p:nvSpPr>
+          <p:cNvPr id="6" name="직사각형 5">
+            <a:extLst>
+              <a:ext uri="{FF2B5EF4-FFF2-40B4-BE49-F238E27FC236}">
+                <a16:creationId xmlns:a16="http://schemas.microsoft.com/office/drawing/2014/main" id="{908EB3C3-304F-7045-6EB1-59391145DD48}"/>
+              </a:ext>
+            </a:extLst>
+          </p:cNvPr>
+          <p:cNvSpPr/>
+          <p:nvPr/>
+        </p:nvSpPr>
+        <p:spPr>
+          <a:xfrm>
+            <a:off x="7090345" y="964235"/>
+            <a:ext cx="894414" cy="489811"/>
+          </a:xfrm>
+          <a:prstGeom prst="rect">
+            <a:avLst/>
+          </a:prstGeom>
+          <a:solidFill>
+            <a:srgbClr val="FFFF00"/>
+          </a:solidFill>
+        </p:spPr>
+        <p:style>
+          <a:lnRef idx="2">
+            <a:schemeClr val="accent1">
+              <a:shade val="15000"/>
+            </a:schemeClr>
+          </a:lnRef>
+          <a:fillRef idx="1">
+            <a:schemeClr val="accent1"/>
+          </a:fillRef>
+          <a:effectRef idx="0">
+            <a:schemeClr val="accent1"/>
+          </a:effectRef>
+          <a:fontRef idx="minor">
+            <a:schemeClr val="lt1"/>
+          </a:fontRef>
+        </p:style>
+        <p:txBody>
+          <a:bodyPr rtlCol="0" anchor="ctr"/>
+          <a:lstStyle/>
+          <a:p>
+            <a:pPr algn="ctr"/>
+            <a:r>
+              <a:rPr kumimoji="1" lang="en-US" altLang="ko-KR" sz="1200" dirty="0">
+                <a:solidFill>
+                  <a:schemeClr val="tx1"/>
+                </a:solidFill>
+                <a:latin typeface="DM Mono" panose="020B0509040201040103" pitchFamily="49" charset="0"/>
+              </a:rPr>
+              <a:t>0x200</a:t>
+            </a:r>
+            <a:endParaRPr kumimoji="1" lang="ko-KR" altLang="en-US" sz="1200" dirty="0">
+              <a:solidFill>
+                <a:schemeClr val="tx1"/>
+              </a:solidFill>
+              <a:latin typeface="DM Mono" panose="020B0509040201040103" pitchFamily="49" charset="0"/>
+            </a:endParaRPr>
+          </a:p>
+        </p:txBody>
+      </p:sp>
+      <p:sp>
+        <p:nvSpPr>
+          <p:cNvPr id="7" name="직사각형 6">
+            <a:extLst>
+              <a:ext uri="{FF2B5EF4-FFF2-40B4-BE49-F238E27FC236}">
+                <a16:creationId xmlns:a16="http://schemas.microsoft.com/office/drawing/2014/main" id="{E95E48C3-88B7-8F38-7EEF-3CBBDC599471}"/>
+              </a:ext>
+            </a:extLst>
+          </p:cNvPr>
+          <p:cNvSpPr/>
+          <p:nvPr/>
+        </p:nvSpPr>
+        <p:spPr>
+          <a:xfrm>
+            <a:off x="7090345" y="1454046"/>
+            <a:ext cx="894414" cy="489811"/>
+          </a:xfrm>
+          <a:prstGeom prst="rect">
+            <a:avLst/>
+          </a:prstGeom>
+          <a:solidFill>
+            <a:srgbClr val="FFFF00"/>
+          </a:solidFill>
+        </p:spPr>
+        <p:style>
+          <a:lnRef idx="2">
+            <a:schemeClr val="accent1">
+              <a:shade val="15000"/>
+            </a:schemeClr>
+          </a:lnRef>
+          <a:fillRef idx="1">
+            <a:schemeClr val="accent1"/>
+          </a:fillRef>
+          <a:effectRef idx="0">
+            <a:schemeClr val="accent1"/>
+          </a:effectRef>
+          <a:fontRef idx="minor">
+            <a:schemeClr val="lt1"/>
+          </a:fontRef>
+        </p:style>
+        <p:txBody>
+          <a:bodyPr rtlCol="0" anchor="ctr"/>
+          <a:lstStyle/>
+          <a:p>
+            <a:pPr algn="ctr"/>
+            <a:r>
+              <a:rPr kumimoji="1" lang="en-US" altLang="ko-KR" sz="1200" dirty="0">
+                <a:solidFill>
+                  <a:schemeClr val="tx1"/>
+                </a:solidFill>
+                <a:latin typeface="DM Mono" panose="020B0509040201040103" pitchFamily="49" charset="0"/>
+              </a:rPr>
+              <a:t>42</a:t>
+            </a:r>
+            <a:endParaRPr kumimoji="1" lang="ko-KR" altLang="en-US" sz="1200" dirty="0">
+              <a:solidFill>
+                <a:schemeClr val="tx1"/>
+              </a:solidFill>
+              <a:latin typeface="DM Mono" panose="020B0509040201040103" pitchFamily="49" charset="0"/>
+            </a:endParaRPr>
+          </a:p>
+        </p:txBody>
+      </p:sp>
+      <p:sp>
+        <p:nvSpPr>
+          <p:cNvPr id="8" name="TextBox 7">
+            <a:extLst>
+              <a:ext uri="{FF2B5EF4-FFF2-40B4-BE49-F238E27FC236}">
+                <a16:creationId xmlns:a16="http://schemas.microsoft.com/office/drawing/2014/main" id="{7AA979D8-4780-5226-CBC4-ED682085048C}"/>
+              </a:ext>
+            </a:extLst>
+          </p:cNvPr>
+          <p:cNvSpPr txBox="1"/>
+          <p:nvPr/>
+        </p:nvSpPr>
+        <p:spPr>
+          <a:xfrm>
+            <a:off x="7190280" y="647487"/>
+            <a:ext cx="694544" cy="276999"/>
+          </a:xfrm>
+          <a:prstGeom prst="rect">
+            <a:avLst/>
+          </a:prstGeom>
+          <a:noFill/>
+        </p:spPr>
+        <p:txBody>
+          <a:bodyPr wrap="square">
+            <a:spAutoFit/>
+          </a:bodyPr>
+          <a:lstStyle/>
+          <a:p>
+            <a:pPr algn="ctr"/>
+            <a:r>
+              <a:rPr lang="en-US" altLang="ko-KR" sz="1200" dirty="0">
+                <a:latin typeface="DM Mono" panose="020B0509040201040103" pitchFamily="49" charset="0"/>
+              </a:rPr>
+              <a:t>user</a:t>
+            </a:r>
+            <a:endParaRPr lang="ko-KR" altLang="en-US" sz="1200" dirty="0">
+              <a:latin typeface="DM Mono" panose="020B0509040201040103" pitchFamily="49" charset="0"/>
+            </a:endParaRPr>
+          </a:p>
+        </p:txBody>
+      </p:sp>
+      <p:sp>
+        <p:nvSpPr>
+          <p:cNvPr id="9" name="TextBox 8">
+            <a:extLst>
+              <a:ext uri="{FF2B5EF4-FFF2-40B4-BE49-F238E27FC236}">
+                <a16:creationId xmlns:a16="http://schemas.microsoft.com/office/drawing/2014/main" id="{B1640A79-F7FC-C373-A32D-AFD724A2FE6F}"/>
+              </a:ext>
+            </a:extLst>
+          </p:cNvPr>
+          <p:cNvSpPr txBox="1"/>
+          <p:nvPr/>
+        </p:nvSpPr>
+        <p:spPr>
+          <a:xfrm>
+            <a:off x="6395801" y="1071984"/>
+            <a:ext cx="694544" cy="276999"/>
+          </a:xfrm>
+          <a:prstGeom prst="rect">
+            <a:avLst/>
+          </a:prstGeom>
+          <a:noFill/>
+        </p:spPr>
+        <p:txBody>
+          <a:bodyPr wrap="square">
+            <a:spAutoFit/>
+          </a:bodyPr>
+          <a:lstStyle/>
+          <a:p>
+            <a:pPr algn="r"/>
+            <a:r>
+              <a:rPr lang="en-US" altLang="ko-KR" sz="1200" dirty="0">
+                <a:latin typeface="DM Mono" panose="020B0509040201040103" pitchFamily="49" charset="0"/>
+              </a:rPr>
+              <a:t>name</a:t>
+            </a:r>
+            <a:endParaRPr lang="ko-KR" altLang="en-US" sz="1200" dirty="0">
+              <a:latin typeface="DM Mono" panose="020B0509040201040103" pitchFamily="49" charset="0"/>
+            </a:endParaRPr>
+          </a:p>
+        </p:txBody>
+      </p:sp>
+      <p:sp>
+        <p:nvSpPr>
+          <p:cNvPr id="10" name="TextBox 9">
+            <a:extLst>
+              <a:ext uri="{FF2B5EF4-FFF2-40B4-BE49-F238E27FC236}">
+                <a16:creationId xmlns:a16="http://schemas.microsoft.com/office/drawing/2014/main" id="{0A22048C-68EA-0BAD-6262-34D7A386611A}"/>
+              </a:ext>
+            </a:extLst>
+          </p:cNvPr>
+          <p:cNvSpPr txBox="1"/>
+          <p:nvPr/>
+        </p:nvSpPr>
+        <p:spPr>
+          <a:xfrm>
+            <a:off x="6395801" y="1559109"/>
+            <a:ext cx="694544" cy="276999"/>
+          </a:xfrm>
+          <a:prstGeom prst="rect">
+            <a:avLst/>
+          </a:prstGeom>
+          <a:noFill/>
+        </p:spPr>
+        <p:txBody>
+          <a:bodyPr wrap="square">
+            <a:spAutoFit/>
+          </a:bodyPr>
+          <a:lstStyle/>
+          <a:p>
+            <a:pPr algn="r"/>
+            <a:r>
+              <a:rPr lang="en-US" altLang="ko-KR" sz="1200" dirty="0">
+                <a:latin typeface="DM Mono" panose="020B0509040201040103" pitchFamily="49" charset="0"/>
+              </a:rPr>
+              <a:t>age</a:t>
+            </a:r>
+            <a:endParaRPr lang="ko-KR" altLang="en-US" sz="1200" dirty="0">
+              <a:latin typeface="DM Mono" panose="020B0509040201040103" pitchFamily="49" charset="0"/>
+            </a:endParaRPr>
+          </a:p>
+        </p:txBody>
+      </p:sp>
+      <p:sp>
+        <p:nvSpPr>
+          <p:cNvPr id="11" name="직사각형 10">
+            <a:extLst>
+              <a:ext uri="{FF2B5EF4-FFF2-40B4-BE49-F238E27FC236}">
+                <a16:creationId xmlns:a16="http://schemas.microsoft.com/office/drawing/2014/main" id="{B06002E1-7E0A-48FF-0039-C129E25527D5}"/>
+              </a:ext>
+            </a:extLst>
+          </p:cNvPr>
+          <p:cNvSpPr/>
+          <p:nvPr/>
+        </p:nvSpPr>
+        <p:spPr>
+          <a:xfrm>
+            <a:off x="10185812" y="479646"/>
+            <a:ext cx="1441557" cy="329823"/>
+          </a:xfrm>
+          <a:prstGeom prst="rect">
+            <a:avLst/>
+          </a:prstGeom>
+          <a:solidFill>
+            <a:srgbClr val="FF0000"/>
+          </a:solidFill>
+        </p:spPr>
+        <p:style>
+          <a:lnRef idx="2">
+            <a:schemeClr val="accent1">
+              <a:shade val="15000"/>
+            </a:schemeClr>
+          </a:lnRef>
+          <a:fillRef idx="1">
+            <a:schemeClr val="accent1"/>
+          </a:fillRef>
+          <a:effectRef idx="0">
+            <a:schemeClr val="accent1"/>
+          </a:effectRef>
+          <a:fontRef idx="minor">
+            <a:schemeClr val="lt1"/>
+          </a:fontRef>
+        </p:style>
+        <p:txBody>
+          <a:bodyPr rtlCol="0" anchor="ctr"/>
+          <a:lstStyle/>
+          <a:p>
+            <a:pPr algn="ctr"/>
+            <a:r>
+              <a:rPr kumimoji="1" lang="en-US" altLang="ko-KR" sz="1200" dirty="0">
+                <a:solidFill>
+                  <a:schemeClr val="tx1"/>
+                </a:solidFill>
+                <a:latin typeface="DM Mono" panose="020B0509040201040103" pitchFamily="49" charset="0"/>
+              </a:rPr>
+              <a:t>“Tom”</a:t>
+            </a:r>
+            <a:endParaRPr kumimoji="1" lang="ko-KR" altLang="en-US" sz="1200" dirty="0">
+              <a:solidFill>
+                <a:schemeClr val="tx1"/>
+              </a:solidFill>
+              <a:latin typeface="DM Mono" panose="020B0509040201040103" pitchFamily="49" charset="0"/>
+            </a:endParaRPr>
+          </a:p>
+        </p:txBody>
+      </p:sp>
+      <p:cxnSp>
+        <p:nvCxnSpPr>
+          <p:cNvPr id="13" name="구부러진 연결선[U] 12">
+            <a:extLst>
+              <a:ext uri="{FF2B5EF4-FFF2-40B4-BE49-F238E27FC236}">
+                <a16:creationId xmlns:a16="http://schemas.microsoft.com/office/drawing/2014/main" id="{68E12808-F904-D961-0F53-6D2C59633C03}"/>
+              </a:ext>
+            </a:extLst>
+          </p:cNvPr>
+          <p:cNvCxnSpPr>
+            <a:stCxn id="6" idx="3"/>
+            <a:endCxn id="11" idx="1"/>
+          </p:cNvCxnSpPr>
+          <p:nvPr/>
+        </p:nvCxnSpPr>
+        <p:spPr>
+          <a:xfrm flipV="1">
+            <a:off x="7984759" y="644558"/>
+            <a:ext cx="2201053" cy="564583"/>
+          </a:xfrm>
+          <a:prstGeom prst="curvedConnector3">
+            <a:avLst/>
+          </a:prstGeom>
+          <a:ln>
+            <a:tailEnd type="triangle"/>
+          </a:ln>
+        </p:spPr>
+        <p:style>
+          <a:lnRef idx="1">
+            <a:schemeClr val="dk1"/>
+          </a:lnRef>
+          <a:fillRef idx="0">
+            <a:schemeClr val="dk1"/>
+          </a:fillRef>
+          <a:effectRef idx="0">
+            <a:schemeClr val="dk1"/>
+          </a:effectRef>
+          <a:fontRef idx="minor">
+            <a:schemeClr val="tx1"/>
+          </a:fontRef>
+        </p:style>
+      </p:cxnSp>
+      <p:sp>
+        <p:nvSpPr>
+          <p:cNvPr id="14" name="TextBox 13">
+            <a:extLst>
+              <a:ext uri="{FF2B5EF4-FFF2-40B4-BE49-F238E27FC236}">
+                <a16:creationId xmlns:a16="http://schemas.microsoft.com/office/drawing/2014/main" id="{13CCF594-2FD6-C4DC-05F5-C1D983C7E34A}"/>
+              </a:ext>
+            </a:extLst>
+          </p:cNvPr>
+          <p:cNvSpPr txBox="1"/>
+          <p:nvPr/>
+        </p:nvSpPr>
+        <p:spPr>
+          <a:xfrm>
+            <a:off x="9838540" y="212376"/>
+            <a:ext cx="694544" cy="276999"/>
+          </a:xfrm>
+          <a:prstGeom prst="rect">
+            <a:avLst/>
+          </a:prstGeom>
+          <a:noFill/>
+        </p:spPr>
+        <p:txBody>
+          <a:bodyPr wrap="square">
+            <a:spAutoFit/>
+          </a:bodyPr>
+          <a:lstStyle/>
+          <a:p>
+            <a:pPr algn="ctr"/>
+            <a:r>
+              <a:rPr lang="en-US" altLang="ko-KR" sz="1200" dirty="0">
+                <a:latin typeface="DM Mono" panose="020B0509040201040103" pitchFamily="49" charset="0"/>
+              </a:rPr>
+              <a:t>0x200</a:t>
+            </a:r>
+            <a:endParaRPr lang="ko-KR" altLang="en-US" sz="1200" dirty="0">
+              <a:latin typeface="DM Mono" panose="020B0509040201040103" pitchFamily="49" charset="0"/>
+            </a:endParaRPr>
+          </a:p>
+        </p:txBody>
+      </p:sp>
+    </p:spTree>
+    <p:extLst>
+      <p:ext uri="{BB962C8B-B14F-4D97-AF65-F5344CB8AC3E}">
+        <p14:creationId xmlns:p14="http://schemas.microsoft.com/office/powerpoint/2010/main" val="2198477312"/>
+      </p:ext>
+    </p:extLst>
+  </p:cSld>
+  <p:clrMapOvr>
+    <a:masterClrMapping/>
+  </p:clrMapOvr>
+</p:sld>
+</file>
+
 <file path=ppt/slides/slide2.xml><?xml version="1.0" encoding="utf-8"?>
 <p:sld xmlns:a="http://schemas.openxmlformats.org/drawingml/2006/main" xmlns:r="http://schemas.openxmlformats.org/officeDocument/2006/relationships" xmlns:p="http://schemas.openxmlformats.org/presentationml/2006/main">
   <p:cSld>
@@ -12770,7 +18036,31 @@
       </a:bgFillStyleLst>
     </a:fmtScheme>
   </a:themeElements>
-  <a:objectDefaults/>
+  <a:objectDefaults>
+    <a:lnDef>
+      <a:spPr>
+        <a:ln>
+          <a:tailEnd type="triangle"/>
+        </a:ln>
+      </a:spPr>
+      <a:bodyPr/>
+      <a:lstStyle/>
+      <a:style>
+        <a:lnRef idx="1">
+          <a:schemeClr val="dk1"/>
+        </a:lnRef>
+        <a:fillRef idx="0">
+          <a:schemeClr val="dk1"/>
+        </a:fillRef>
+        <a:effectRef idx="0">
+          <a:schemeClr val="dk1"/>
+        </a:effectRef>
+        <a:fontRef idx="minor">
+          <a:schemeClr val="tx1"/>
+        </a:fontRef>
+      </a:style>
+    </a:lnDef>
+  </a:objectDefaults>
   <a:extraClrSchemeLst/>
   <a:extLst>
     <a:ext uri="{05A4C25C-085E-4340-85A3-A5531E510DB2}">

--- a/cpp_231023.pptx
+++ b/cpp_231023.pptx
@@ -4,6 +4,9 @@
   <p:sldMasterIdLst>
     <p:sldMasterId id="2147483648" r:id="rId1"/>
   </p:sldMasterIdLst>
+  <p:notesMasterIdLst>
+    <p:notesMasterId r:id="rId26"/>
+  </p:notesMasterIdLst>
   <p:sldIdLst>
     <p:sldId id="256" r:id="rId2"/>
     <p:sldId id="257" r:id="rId3"/>
@@ -22,6 +25,13 @@
     <p:sldId id="271" r:id="rId16"/>
     <p:sldId id="272" r:id="rId17"/>
     <p:sldId id="273" r:id="rId18"/>
+    <p:sldId id="274" r:id="rId19"/>
+    <p:sldId id="275" r:id="rId20"/>
+    <p:sldId id="276" r:id="rId21"/>
+    <p:sldId id="277" r:id="rId22"/>
+    <p:sldId id="278" r:id="rId23"/>
+    <p:sldId id="279" r:id="rId24"/>
+    <p:sldId id="280" r:id="rId25"/>
   </p:sldIdLst>
   <p:sldSz cx="12192000" cy="6858000"/>
   <p:notesSz cx="6858000" cy="9144000"/>
@@ -126,6 +136,859 @@
     </p:ext>
   </p:extLst>
 </p:presentation>
+</file>
+
+<file path=ppt/notesMasters/notesMaster1.xml><?xml version="1.0" encoding="utf-8"?>
+<p:notesMaster xmlns:a="http://schemas.openxmlformats.org/drawingml/2006/main" xmlns:r="http://schemas.openxmlformats.org/officeDocument/2006/relationships" xmlns:p="http://schemas.openxmlformats.org/presentationml/2006/main">
+  <p:cSld>
+    <p:bg>
+      <p:bgRef idx="1001">
+        <a:schemeClr val="bg1"/>
+      </p:bgRef>
+    </p:bg>
+    <p:spTree>
+      <p:nvGrpSpPr>
+        <p:cNvPr id="1" name=""/>
+        <p:cNvGrpSpPr/>
+        <p:nvPr/>
+      </p:nvGrpSpPr>
+      <p:grpSpPr>
+        <a:xfrm>
+          <a:off x="0" y="0"/>
+          <a:ext cx="0" cy="0"/>
+          <a:chOff x="0" y="0"/>
+          <a:chExt cx="0" cy="0"/>
+        </a:xfrm>
+      </p:grpSpPr>
+      <p:sp>
+        <p:nvSpPr>
+          <p:cNvPr id="2" name="머리글 개체 틀 1"/>
+          <p:cNvSpPr>
+            <a:spLocks noGrp="1"/>
+          </p:cNvSpPr>
+          <p:nvPr>
+            <p:ph type="hdr" sz="quarter"/>
+          </p:nvPr>
+        </p:nvSpPr>
+        <p:spPr>
+          <a:xfrm>
+            <a:off x="0" y="0"/>
+            <a:ext cx="2971800" cy="458788"/>
+          </a:xfrm>
+          <a:prstGeom prst="rect">
+            <a:avLst/>
+          </a:prstGeom>
+        </p:spPr>
+        <p:txBody>
+          <a:bodyPr vert="horz" lIns="91440" tIns="45720" rIns="91440" bIns="45720" rtlCol="0"/>
+          <a:lstStyle>
+            <a:lvl1pPr algn="l">
+              <a:defRPr sz="1200"/>
+            </a:lvl1pPr>
+          </a:lstStyle>
+          <a:p>
+            <a:endParaRPr kumimoji="1" lang="ko-KR" altLang="en-US"/>
+          </a:p>
+        </p:txBody>
+      </p:sp>
+      <p:sp>
+        <p:nvSpPr>
+          <p:cNvPr id="3" name="날짜 개체 틀 2"/>
+          <p:cNvSpPr>
+            <a:spLocks noGrp="1"/>
+          </p:cNvSpPr>
+          <p:nvPr>
+            <p:ph type="dt" idx="1"/>
+          </p:nvPr>
+        </p:nvSpPr>
+        <p:spPr>
+          <a:xfrm>
+            <a:off x="3884613" y="0"/>
+            <a:ext cx="2971800" cy="458788"/>
+          </a:xfrm>
+          <a:prstGeom prst="rect">
+            <a:avLst/>
+          </a:prstGeom>
+        </p:spPr>
+        <p:txBody>
+          <a:bodyPr vert="horz" lIns="91440" tIns="45720" rIns="91440" bIns="45720" rtlCol="0"/>
+          <a:lstStyle>
+            <a:lvl1pPr algn="r">
+              <a:defRPr sz="1200"/>
+            </a:lvl1pPr>
+          </a:lstStyle>
+          <a:p>
+            <a:fld id="{C1E36623-AB02-A945-A220-4785BF147D13}" type="datetimeFigureOut">
+              <a:rPr kumimoji="1" lang="ko-KR" altLang="en-US" smtClean="0"/>
+              <a:t>2023. 10. 25.</a:t>
+            </a:fld>
+            <a:endParaRPr kumimoji="1" lang="ko-KR" altLang="en-US"/>
+          </a:p>
+        </p:txBody>
+      </p:sp>
+      <p:sp>
+        <p:nvSpPr>
+          <p:cNvPr id="4" name="슬라이드 이미지 개체 틀 3"/>
+          <p:cNvSpPr>
+            <a:spLocks noGrp="1" noRot="1" noChangeAspect="1"/>
+          </p:cNvSpPr>
+          <p:nvPr>
+            <p:ph type="sldImg" idx="2"/>
+          </p:nvPr>
+        </p:nvSpPr>
+        <p:spPr>
+          <a:xfrm>
+            <a:off x="685800" y="1143000"/>
+            <a:ext cx="5486400" cy="3086100"/>
+          </a:xfrm>
+          <a:prstGeom prst="rect">
+            <a:avLst/>
+          </a:prstGeom>
+          <a:noFill/>
+          <a:ln w="12700">
+            <a:solidFill>
+              <a:prstClr val="black"/>
+            </a:solidFill>
+          </a:ln>
+        </p:spPr>
+        <p:txBody>
+          <a:bodyPr vert="horz" lIns="91440" tIns="45720" rIns="91440" bIns="45720" rtlCol="0" anchor="ctr"/>
+          <a:lstStyle/>
+          <a:p>
+            <a:endParaRPr lang="ko-KR" altLang="en-US"/>
+          </a:p>
+        </p:txBody>
+      </p:sp>
+      <p:sp>
+        <p:nvSpPr>
+          <p:cNvPr id="5" name="슬라이드 노트 개체 틀 4"/>
+          <p:cNvSpPr>
+            <a:spLocks noGrp="1"/>
+          </p:cNvSpPr>
+          <p:nvPr>
+            <p:ph type="body" sz="quarter" idx="3"/>
+          </p:nvPr>
+        </p:nvSpPr>
+        <p:spPr>
+          <a:xfrm>
+            <a:off x="685800" y="4400550"/>
+            <a:ext cx="5486400" cy="3600450"/>
+          </a:xfrm>
+          <a:prstGeom prst="rect">
+            <a:avLst/>
+          </a:prstGeom>
+        </p:spPr>
+        <p:txBody>
+          <a:bodyPr vert="horz" lIns="91440" tIns="45720" rIns="91440" bIns="45720" rtlCol="0"/>
+          <a:lstStyle/>
+          <a:p>
+            <a:pPr lvl="0"/>
+            <a:r>
+              <a:rPr kumimoji="1" lang="ko-KR" altLang="en-US"/>
+              <a:t>마스터 텍스트 스타일을 편집하려면 클릭</a:t>
+            </a:r>
+          </a:p>
+          <a:p>
+            <a:pPr lvl="1"/>
+            <a:r>
+              <a:rPr kumimoji="1" lang="ko-KR" altLang="en-US"/>
+              <a:t>두 번째 수준</a:t>
+            </a:r>
+          </a:p>
+          <a:p>
+            <a:pPr lvl="2"/>
+            <a:r>
+              <a:rPr kumimoji="1" lang="ko-KR" altLang="en-US"/>
+              <a:t>세 번째 수준</a:t>
+            </a:r>
+          </a:p>
+          <a:p>
+            <a:pPr lvl="3"/>
+            <a:r>
+              <a:rPr kumimoji="1" lang="ko-KR" altLang="en-US"/>
+              <a:t>네 번째 수준</a:t>
+            </a:r>
+          </a:p>
+          <a:p>
+            <a:pPr lvl="4"/>
+            <a:r>
+              <a:rPr kumimoji="1" lang="ko-KR" altLang="en-US"/>
+              <a:t>다섯 번째 수준</a:t>
+            </a:r>
+          </a:p>
+        </p:txBody>
+      </p:sp>
+      <p:sp>
+        <p:nvSpPr>
+          <p:cNvPr id="6" name="바닥글 개체 틀 5"/>
+          <p:cNvSpPr>
+            <a:spLocks noGrp="1"/>
+          </p:cNvSpPr>
+          <p:nvPr>
+            <p:ph type="ftr" sz="quarter" idx="4"/>
+          </p:nvPr>
+        </p:nvSpPr>
+        <p:spPr>
+          <a:xfrm>
+            <a:off x="0" y="8685213"/>
+            <a:ext cx="2971800" cy="458787"/>
+          </a:xfrm>
+          <a:prstGeom prst="rect">
+            <a:avLst/>
+          </a:prstGeom>
+        </p:spPr>
+        <p:txBody>
+          <a:bodyPr vert="horz" lIns="91440" tIns="45720" rIns="91440" bIns="45720" rtlCol="0" anchor="b"/>
+          <a:lstStyle>
+            <a:lvl1pPr algn="l">
+              <a:defRPr sz="1200"/>
+            </a:lvl1pPr>
+          </a:lstStyle>
+          <a:p>
+            <a:endParaRPr kumimoji="1" lang="ko-KR" altLang="en-US"/>
+          </a:p>
+        </p:txBody>
+      </p:sp>
+      <p:sp>
+        <p:nvSpPr>
+          <p:cNvPr id="7" name="슬라이드 번호 개체 틀 6"/>
+          <p:cNvSpPr>
+            <a:spLocks noGrp="1"/>
+          </p:cNvSpPr>
+          <p:nvPr>
+            <p:ph type="sldNum" sz="quarter" idx="5"/>
+          </p:nvPr>
+        </p:nvSpPr>
+        <p:spPr>
+          <a:xfrm>
+            <a:off x="3884613" y="8685213"/>
+            <a:ext cx="2971800" cy="458787"/>
+          </a:xfrm>
+          <a:prstGeom prst="rect">
+            <a:avLst/>
+          </a:prstGeom>
+        </p:spPr>
+        <p:txBody>
+          <a:bodyPr vert="horz" lIns="91440" tIns="45720" rIns="91440" bIns="45720" rtlCol="0" anchor="b"/>
+          <a:lstStyle>
+            <a:lvl1pPr algn="r">
+              <a:defRPr sz="1200"/>
+            </a:lvl1pPr>
+          </a:lstStyle>
+          <a:p>
+            <a:fld id="{E89D771D-6244-8F4C-B051-1E78AA19DAB7}" type="slidenum">
+              <a:rPr kumimoji="1" lang="ko-KR" altLang="en-US" smtClean="0"/>
+              <a:t>‹#›</a:t>
+            </a:fld>
+            <a:endParaRPr kumimoji="1" lang="ko-KR" altLang="en-US"/>
+          </a:p>
+        </p:txBody>
+      </p:sp>
+    </p:spTree>
+    <p:extLst>
+      <p:ext uri="{BB962C8B-B14F-4D97-AF65-F5344CB8AC3E}">
+        <p14:creationId xmlns:p14="http://schemas.microsoft.com/office/powerpoint/2010/main" val="4086455450"/>
+      </p:ext>
+    </p:extLst>
+  </p:cSld>
+  <p:clrMap bg1="lt1" tx1="dk1" bg2="lt2" tx2="dk2" accent1="accent1" accent2="accent2" accent3="accent3" accent4="accent4" accent5="accent5" accent6="accent6" hlink="hlink" folHlink="folHlink"/>
+  <p:notesStyle>
+    <a:lvl1pPr marL="0" algn="l" defTabSz="914400" rtl="0" eaLnBrk="1" latinLnBrk="1" hangingPunct="1">
+      <a:defRPr sz="1200" kern="1200">
+        <a:solidFill>
+          <a:schemeClr val="tx1"/>
+        </a:solidFill>
+        <a:latin typeface="+mn-lt"/>
+        <a:ea typeface="+mn-ea"/>
+        <a:cs typeface="+mn-cs"/>
+      </a:defRPr>
+    </a:lvl1pPr>
+    <a:lvl2pPr marL="457200" algn="l" defTabSz="914400" rtl="0" eaLnBrk="1" latinLnBrk="1" hangingPunct="1">
+      <a:defRPr sz="1200" kern="1200">
+        <a:solidFill>
+          <a:schemeClr val="tx1"/>
+        </a:solidFill>
+        <a:latin typeface="+mn-lt"/>
+        <a:ea typeface="+mn-ea"/>
+        <a:cs typeface="+mn-cs"/>
+      </a:defRPr>
+    </a:lvl2pPr>
+    <a:lvl3pPr marL="914400" algn="l" defTabSz="914400" rtl="0" eaLnBrk="1" latinLnBrk="1" hangingPunct="1">
+      <a:defRPr sz="1200" kern="1200">
+        <a:solidFill>
+          <a:schemeClr val="tx1"/>
+        </a:solidFill>
+        <a:latin typeface="+mn-lt"/>
+        <a:ea typeface="+mn-ea"/>
+        <a:cs typeface="+mn-cs"/>
+      </a:defRPr>
+    </a:lvl3pPr>
+    <a:lvl4pPr marL="1371600" algn="l" defTabSz="914400" rtl="0" eaLnBrk="1" latinLnBrk="1" hangingPunct="1">
+      <a:defRPr sz="1200" kern="1200">
+        <a:solidFill>
+          <a:schemeClr val="tx1"/>
+        </a:solidFill>
+        <a:latin typeface="+mn-lt"/>
+        <a:ea typeface="+mn-ea"/>
+        <a:cs typeface="+mn-cs"/>
+      </a:defRPr>
+    </a:lvl4pPr>
+    <a:lvl5pPr marL="1828800" algn="l" defTabSz="914400" rtl="0" eaLnBrk="1" latinLnBrk="1" hangingPunct="1">
+      <a:defRPr sz="1200" kern="1200">
+        <a:solidFill>
+          <a:schemeClr val="tx1"/>
+        </a:solidFill>
+        <a:latin typeface="+mn-lt"/>
+        <a:ea typeface="+mn-ea"/>
+        <a:cs typeface="+mn-cs"/>
+      </a:defRPr>
+    </a:lvl5pPr>
+    <a:lvl6pPr marL="2286000" algn="l" defTabSz="914400" rtl="0" eaLnBrk="1" latinLnBrk="1" hangingPunct="1">
+      <a:defRPr sz="1200" kern="1200">
+        <a:solidFill>
+          <a:schemeClr val="tx1"/>
+        </a:solidFill>
+        <a:latin typeface="+mn-lt"/>
+        <a:ea typeface="+mn-ea"/>
+        <a:cs typeface="+mn-cs"/>
+      </a:defRPr>
+    </a:lvl6pPr>
+    <a:lvl7pPr marL="2743200" algn="l" defTabSz="914400" rtl="0" eaLnBrk="1" latinLnBrk="1" hangingPunct="1">
+      <a:defRPr sz="1200" kern="1200">
+        <a:solidFill>
+          <a:schemeClr val="tx1"/>
+        </a:solidFill>
+        <a:latin typeface="+mn-lt"/>
+        <a:ea typeface="+mn-ea"/>
+        <a:cs typeface="+mn-cs"/>
+      </a:defRPr>
+    </a:lvl7pPr>
+    <a:lvl8pPr marL="3200400" algn="l" defTabSz="914400" rtl="0" eaLnBrk="1" latinLnBrk="1" hangingPunct="1">
+      <a:defRPr sz="1200" kern="1200">
+        <a:solidFill>
+          <a:schemeClr val="tx1"/>
+        </a:solidFill>
+        <a:latin typeface="+mn-lt"/>
+        <a:ea typeface="+mn-ea"/>
+        <a:cs typeface="+mn-cs"/>
+      </a:defRPr>
+    </a:lvl8pPr>
+    <a:lvl9pPr marL="3657600" algn="l" defTabSz="914400" rtl="0" eaLnBrk="1" latinLnBrk="1" hangingPunct="1">
+      <a:defRPr sz="1200" kern="1200">
+        <a:solidFill>
+          <a:schemeClr val="tx1"/>
+        </a:solidFill>
+        <a:latin typeface="+mn-lt"/>
+        <a:ea typeface="+mn-ea"/>
+        <a:cs typeface="+mn-cs"/>
+      </a:defRPr>
+    </a:lvl9pPr>
+  </p:notesStyle>
+</p:notesMaster>
+</file>
+
+<file path=ppt/notesSlides/notesSlide1.xml><?xml version="1.0" encoding="utf-8"?>
+<p:notes xmlns:a="http://schemas.openxmlformats.org/drawingml/2006/main" xmlns:r="http://schemas.openxmlformats.org/officeDocument/2006/relationships" xmlns:p="http://schemas.openxmlformats.org/presentationml/2006/main">
+  <p:cSld>
+    <p:spTree>
+      <p:nvGrpSpPr>
+        <p:cNvPr id="1" name=""/>
+        <p:cNvGrpSpPr/>
+        <p:nvPr/>
+      </p:nvGrpSpPr>
+      <p:grpSpPr>
+        <a:xfrm>
+          <a:off x="0" y="0"/>
+          <a:ext cx="0" cy="0"/>
+          <a:chOff x="0" y="0"/>
+          <a:chExt cx="0" cy="0"/>
+        </a:xfrm>
+      </p:grpSpPr>
+      <p:sp>
+        <p:nvSpPr>
+          <p:cNvPr id="2" name="슬라이드 이미지 개체 틀 1"/>
+          <p:cNvSpPr>
+            <a:spLocks noGrp="1" noRot="1" noChangeAspect="1"/>
+          </p:cNvSpPr>
+          <p:nvPr>
+            <p:ph type="sldImg"/>
+          </p:nvPr>
+        </p:nvSpPr>
+        <p:spPr/>
+      </p:sp>
+      <p:sp>
+        <p:nvSpPr>
+          <p:cNvPr id="3" name="슬라이드 노트 개체 틀 2"/>
+          <p:cNvSpPr>
+            <a:spLocks noGrp="1"/>
+          </p:cNvSpPr>
+          <p:nvPr>
+            <p:ph type="body" idx="1"/>
+          </p:nvPr>
+        </p:nvSpPr>
+        <p:spPr/>
+        <p:txBody>
+          <a:bodyPr/>
+          <a:lstStyle/>
+          <a:p>
+            <a:endParaRPr kumimoji="1" lang="ko-KR" altLang="en-US" dirty="0"/>
+          </a:p>
+        </p:txBody>
+      </p:sp>
+      <p:sp>
+        <p:nvSpPr>
+          <p:cNvPr id="4" name="슬라이드 번호 개체 틀 3"/>
+          <p:cNvSpPr>
+            <a:spLocks noGrp="1"/>
+          </p:cNvSpPr>
+          <p:nvPr>
+            <p:ph type="sldNum" sz="quarter" idx="5"/>
+          </p:nvPr>
+        </p:nvSpPr>
+        <p:spPr/>
+        <p:txBody>
+          <a:bodyPr/>
+          <a:lstStyle/>
+          <a:p>
+            <a:fld id="{E89D771D-6244-8F4C-B051-1E78AA19DAB7}" type="slidenum">
+              <a:rPr kumimoji="1" lang="ko-KR" altLang="en-US" smtClean="0"/>
+              <a:t>19</a:t>
+            </a:fld>
+            <a:endParaRPr kumimoji="1" lang="ko-KR" altLang="en-US"/>
+          </a:p>
+        </p:txBody>
+      </p:sp>
+    </p:spTree>
+    <p:extLst>
+      <p:ext uri="{BB962C8B-B14F-4D97-AF65-F5344CB8AC3E}">
+        <p14:creationId xmlns:p14="http://schemas.microsoft.com/office/powerpoint/2010/main" val="2512988427"/>
+      </p:ext>
+    </p:extLst>
+  </p:cSld>
+  <p:clrMapOvr>
+    <a:masterClrMapping/>
+  </p:clrMapOvr>
+</p:notes>
+</file>
+
+<file path=ppt/notesSlides/notesSlide2.xml><?xml version="1.0" encoding="utf-8"?>
+<p:notes xmlns:a="http://schemas.openxmlformats.org/drawingml/2006/main" xmlns:r="http://schemas.openxmlformats.org/officeDocument/2006/relationships" xmlns:p="http://schemas.openxmlformats.org/presentationml/2006/main">
+  <p:cSld>
+    <p:spTree>
+      <p:nvGrpSpPr>
+        <p:cNvPr id="1" name=""/>
+        <p:cNvGrpSpPr/>
+        <p:nvPr/>
+      </p:nvGrpSpPr>
+      <p:grpSpPr>
+        <a:xfrm>
+          <a:off x="0" y="0"/>
+          <a:ext cx="0" cy="0"/>
+          <a:chOff x="0" y="0"/>
+          <a:chExt cx="0" cy="0"/>
+        </a:xfrm>
+      </p:grpSpPr>
+      <p:sp>
+        <p:nvSpPr>
+          <p:cNvPr id="2" name="슬라이드 이미지 개체 틀 1"/>
+          <p:cNvSpPr>
+            <a:spLocks noGrp="1" noRot="1" noChangeAspect="1"/>
+          </p:cNvSpPr>
+          <p:nvPr>
+            <p:ph type="sldImg"/>
+          </p:nvPr>
+        </p:nvSpPr>
+        <p:spPr/>
+      </p:sp>
+      <p:sp>
+        <p:nvSpPr>
+          <p:cNvPr id="3" name="슬라이드 노트 개체 틀 2"/>
+          <p:cNvSpPr>
+            <a:spLocks noGrp="1"/>
+          </p:cNvSpPr>
+          <p:nvPr>
+            <p:ph type="body" idx="1"/>
+          </p:nvPr>
+        </p:nvSpPr>
+        <p:spPr/>
+        <p:txBody>
+          <a:bodyPr/>
+          <a:lstStyle/>
+          <a:p>
+            <a:endParaRPr kumimoji="1" lang="ko-KR" altLang="en-US" dirty="0"/>
+          </a:p>
+        </p:txBody>
+      </p:sp>
+      <p:sp>
+        <p:nvSpPr>
+          <p:cNvPr id="4" name="슬라이드 번호 개체 틀 3"/>
+          <p:cNvSpPr>
+            <a:spLocks noGrp="1"/>
+          </p:cNvSpPr>
+          <p:nvPr>
+            <p:ph type="sldNum" sz="quarter" idx="5"/>
+          </p:nvPr>
+        </p:nvSpPr>
+        <p:spPr/>
+        <p:txBody>
+          <a:bodyPr/>
+          <a:lstStyle/>
+          <a:p>
+            <a:fld id="{E89D771D-6244-8F4C-B051-1E78AA19DAB7}" type="slidenum">
+              <a:rPr kumimoji="1" lang="ko-KR" altLang="en-US" smtClean="0"/>
+              <a:t>20</a:t>
+            </a:fld>
+            <a:endParaRPr kumimoji="1" lang="ko-KR" altLang="en-US"/>
+          </a:p>
+        </p:txBody>
+      </p:sp>
+    </p:spTree>
+    <p:extLst>
+      <p:ext uri="{BB962C8B-B14F-4D97-AF65-F5344CB8AC3E}">
+        <p14:creationId xmlns:p14="http://schemas.microsoft.com/office/powerpoint/2010/main" val="2256971728"/>
+      </p:ext>
+    </p:extLst>
+  </p:cSld>
+  <p:clrMapOvr>
+    <a:masterClrMapping/>
+  </p:clrMapOvr>
+</p:notes>
+</file>
+
+<file path=ppt/notesSlides/notesSlide3.xml><?xml version="1.0" encoding="utf-8"?>
+<p:notes xmlns:a="http://schemas.openxmlformats.org/drawingml/2006/main" xmlns:r="http://schemas.openxmlformats.org/officeDocument/2006/relationships" xmlns:p="http://schemas.openxmlformats.org/presentationml/2006/main">
+  <p:cSld>
+    <p:spTree>
+      <p:nvGrpSpPr>
+        <p:cNvPr id="1" name=""/>
+        <p:cNvGrpSpPr/>
+        <p:nvPr/>
+      </p:nvGrpSpPr>
+      <p:grpSpPr>
+        <a:xfrm>
+          <a:off x="0" y="0"/>
+          <a:ext cx="0" cy="0"/>
+          <a:chOff x="0" y="0"/>
+          <a:chExt cx="0" cy="0"/>
+        </a:xfrm>
+      </p:grpSpPr>
+      <p:sp>
+        <p:nvSpPr>
+          <p:cNvPr id="2" name="슬라이드 이미지 개체 틀 1"/>
+          <p:cNvSpPr>
+            <a:spLocks noGrp="1" noRot="1" noChangeAspect="1"/>
+          </p:cNvSpPr>
+          <p:nvPr>
+            <p:ph type="sldImg"/>
+          </p:nvPr>
+        </p:nvSpPr>
+        <p:spPr/>
+      </p:sp>
+      <p:sp>
+        <p:nvSpPr>
+          <p:cNvPr id="3" name="슬라이드 노트 개체 틀 2"/>
+          <p:cNvSpPr>
+            <a:spLocks noGrp="1"/>
+          </p:cNvSpPr>
+          <p:nvPr>
+            <p:ph type="body" idx="1"/>
+          </p:nvPr>
+        </p:nvSpPr>
+        <p:spPr/>
+        <p:txBody>
+          <a:bodyPr/>
+          <a:lstStyle/>
+          <a:p>
+            <a:endParaRPr kumimoji="1" lang="ko-KR" altLang="en-US" dirty="0"/>
+          </a:p>
+        </p:txBody>
+      </p:sp>
+      <p:sp>
+        <p:nvSpPr>
+          <p:cNvPr id="4" name="슬라이드 번호 개체 틀 3"/>
+          <p:cNvSpPr>
+            <a:spLocks noGrp="1"/>
+          </p:cNvSpPr>
+          <p:nvPr>
+            <p:ph type="sldNum" sz="quarter" idx="5"/>
+          </p:nvPr>
+        </p:nvSpPr>
+        <p:spPr/>
+        <p:txBody>
+          <a:bodyPr/>
+          <a:lstStyle/>
+          <a:p>
+            <a:fld id="{E89D771D-6244-8F4C-B051-1E78AA19DAB7}" type="slidenum">
+              <a:rPr kumimoji="1" lang="ko-KR" altLang="en-US" smtClean="0"/>
+              <a:t>21</a:t>
+            </a:fld>
+            <a:endParaRPr kumimoji="1" lang="ko-KR" altLang="en-US"/>
+          </a:p>
+        </p:txBody>
+      </p:sp>
+    </p:spTree>
+    <p:extLst>
+      <p:ext uri="{BB962C8B-B14F-4D97-AF65-F5344CB8AC3E}">
+        <p14:creationId xmlns:p14="http://schemas.microsoft.com/office/powerpoint/2010/main" val="3401472529"/>
+      </p:ext>
+    </p:extLst>
+  </p:cSld>
+  <p:clrMapOvr>
+    <a:masterClrMapping/>
+  </p:clrMapOvr>
+</p:notes>
+</file>
+
+<file path=ppt/notesSlides/notesSlide4.xml><?xml version="1.0" encoding="utf-8"?>
+<p:notes xmlns:a="http://schemas.openxmlformats.org/drawingml/2006/main" xmlns:r="http://schemas.openxmlformats.org/officeDocument/2006/relationships" xmlns:p="http://schemas.openxmlformats.org/presentationml/2006/main">
+  <p:cSld>
+    <p:spTree>
+      <p:nvGrpSpPr>
+        <p:cNvPr id="1" name=""/>
+        <p:cNvGrpSpPr/>
+        <p:nvPr/>
+      </p:nvGrpSpPr>
+      <p:grpSpPr>
+        <a:xfrm>
+          <a:off x="0" y="0"/>
+          <a:ext cx="0" cy="0"/>
+          <a:chOff x="0" y="0"/>
+          <a:chExt cx="0" cy="0"/>
+        </a:xfrm>
+      </p:grpSpPr>
+      <p:sp>
+        <p:nvSpPr>
+          <p:cNvPr id="2" name="슬라이드 이미지 개체 틀 1"/>
+          <p:cNvSpPr>
+            <a:spLocks noGrp="1" noRot="1" noChangeAspect="1"/>
+          </p:cNvSpPr>
+          <p:nvPr>
+            <p:ph type="sldImg"/>
+          </p:nvPr>
+        </p:nvSpPr>
+        <p:spPr/>
+      </p:sp>
+      <p:sp>
+        <p:nvSpPr>
+          <p:cNvPr id="3" name="슬라이드 노트 개체 틀 2"/>
+          <p:cNvSpPr>
+            <a:spLocks noGrp="1"/>
+          </p:cNvSpPr>
+          <p:nvPr>
+            <p:ph type="body" idx="1"/>
+          </p:nvPr>
+        </p:nvSpPr>
+        <p:spPr/>
+        <p:txBody>
+          <a:bodyPr/>
+          <a:lstStyle/>
+          <a:p>
+            <a:endParaRPr kumimoji="1" lang="ko-KR" altLang="en-US" dirty="0"/>
+          </a:p>
+        </p:txBody>
+      </p:sp>
+      <p:sp>
+        <p:nvSpPr>
+          <p:cNvPr id="4" name="슬라이드 번호 개체 틀 3"/>
+          <p:cNvSpPr>
+            <a:spLocks noGrp="1"/>
+          </p:cNvSpPr>
+          <p:nvPr>
+            <p:ph type="sldNum" sz="quarter" idx="5"/>
+          </p:nvPr>
+        </p:nvSpPr>
+        <p:spPr/>
+        <p:txBody>
+          <a:bodyPr/>
+          <a:lstStyle/>
+          <a:p>
+            <a:fld id="{E89D771D-6244-8F4C-B051-1E78AA19DAB7}" type="slidenum">
+              <a:rPr kumimoji="1" lang="ko-KR" altLang="en-US" smtClean="0"/>
+              <a:t>22</a:t>
+            </a:fld>
+            <a:endParaRPr kumimoji="1" lang="ko-KR" altLang="en-US"/>
+          </a:p>
+        </p:txBody>
+      </p:sp>
+    </p:spTree>
+    <p:extLst>
+      <p:ext uri="{BB962C8B-B14F-4D97-AF65-F5344CB8AC3E}">
+        <p14:creationId xmlns:p14="http://schemas.microsoft.com/office/powerpoint/2010/main" val="1738769466"/>
+      </p:ext>
+    </p:extLst>
+  </p:cSld>
+  <p:clrMapOvr>
+    <a:masterClrMapping/>
+  </p:clrMapOvr>
+</p:notes>
+</file>
+
+<file path=ppt/notesSlides/notesSlide5.xml><?xml version="1.0" encoding="utf-8"?>
+<p:notes xmlns:a="http://schemas.openxmlformats.org/drawingml/2006/main" xmlns:r="http://schemas.openxmlformats.org/officeDocument/2006/relationships" xmlns:p="http://schemas.openxmlformats.org/presentationml/2006/main">
+  <p:cSld>
+    <p:spTree>
+      <p:nvGrpSpPr>
+        <p:cNvPr id="1" name=""/>
+        <p:cNvGrpSpPr/>
+        <p:nvPr/>
+      </p:nvGrpSpPr>
+      <p:grpSpPr>
+        <a:xfrm>
+          <a:off x="0" y="0"/>
+          <a:ext cx="0" cy="0"/>
+          <a:chOff x="0" y="0"/>
+          <a:chExt cx="0" cy="0"/>
+        </a:xfrm>
+      </p:grpSpPr>
+      <p:sp>
+        <p:nvSpPr>
+          <p:cNvPr id="2" name="슬라이드 이미지 개체 틀 1"/>
+          <p:cNvSpPr>
+            <a:spLocks noGrp="1" noRot="1" noChangeAspect="1"/>
+          </p:cNvSpPr>
+          <p:nvPr>
+            <p:ph type="sldImg"/>
+          </p:nvPr>
+        </p:nvSpPr>
+        <p:spPr/>
+      </p:sp>
+      <p:sp>
+        <p:nvSpPr>
+          <p:cNvPr id="3" name="슬라이드 노트 개체 틀 2"/>
+          <p:cNvSpPr>
+            <a:spLocks noGrp="1"/>
+          </p:cNvSpPr>
+          <p:nvPr>
+            <p:ph type="body" idx="1"/>
+          </p:nvPr>
+        </p:nvSpPr>
+        <p:spPr/>
+        <p:txBody>
+          <a:bodyPr/>
+          <a:lstStyle/>
+          <a:p>
+            <a:endParaRPr kumimoji="1" lang="ko-KR" altLang="en-US" dirty="0"/>
+          </a:p>
+        </p:txBody>
+      </p:sp>
+      <p:sp>
+        <p:nvSpPr>
+          <p:cNvPr id="4" name="슬라이드 번호 개체 틀 3"/>
+          <p:cNvSpPr>
+            <a:spLocks noGrp="1"/>
+          </p:cNvSpPr>
+          <p:nvPr>
+            <p:ph type="sldNum" sz="quarter" idx="5"/>
+          </p:nvPr>
+        </p:nvSpPr>
+        <p:spPr/>
+        <p:txBody>
+          <a:bodyPr/>
+          <a:lstStyle/>
+          <a:p>
+            <a:fld id="{E89D771D-6244-8F4C-B051-1E78AA19DAB7}" type="slidenum">
+              <a:rPr kumimoji="1" lang="ko-KR" altLang="en-US" smtClean="0"/>
+              <a:t>23</a:t>
+            </a:fld>
+            <a:endParaRPr kumimoji="1" lang="ko-KR" altLang="en-US"/>
+          </a:p>
+        </p:txBody>
+      </p:sp>
+    </p:spTree>
+    <p:extLst>
+      <p:ext uri="{BB962C8B-B14F-4D97-AF65-F5344CB8AC3E}">
+        <p14:creationId xmlns:p14="http://schemas.microsoft.com/office/powerpoint/2010/main" val="2768329781"/>
+      </p:ext>
+    </p:extLst>
+  </p:cSld>
+  <p:clrMapOvr>
+    <a:masterClrMapping/>
+  </p:clrMapOvr>
+</p:notes>
+</file>
+
+<file path=ppt/notesSlides/notesSlide6.xml><?xml version="1.0" encoding="utf-8"?>
+<p:notes xmlns:a="http://schemas.openxmlformats.org/drawingml/2006/main" xmlns:r="http://schemas.openxmlformats.org/officeDocument/2006/relationships" xmlns:p="http://schemas.openxmlformats.org/presentationml/2006/main">
+  <p:cSld>
+    <p:spTree>
+      <p:nvGrpSpPr>
+        <p:cNvPr id="1" name=""/>
+        <p:cNvGrpSpPr/>
+        <p:nvPr/>
+      </p:nvGrpSpPr>
+      <p:grpSpPr>
+        <a:xfrm>
+          <a:off x="0" y="0"/>
+          <a:ext cx="0" cy="0"/>
+          <a:chOff x="0" y="0"/>
+          <a:chExt cx="0" cy="0"/>
+        </a:xfrm>
+      </p:grpSpPr>
+      <p:sp>
+        <p:nvSpPr>
+          <p:cNvPr id="2" name="슬라이드 이미지 개체 틀 1"/>
+          <p:cNvSpPr>
+            <a:spLocks noGrp="1" noRot="1" noChangeAspect="1"/>
+          </p:cNvSpPr>
+          <p:nvPr>
+            <p:ph type="sldImg"/>
+          </p:nvPr>
+        </p:nvSpPr>
+        <p:spPr/>
+      </p:sp>
+      <p:sp>
+        <p:nvSpPr>
+          <p:cNvPr id="3" name="슬라이드 노트 개체 틀 2"/>
+          <p:cNvSpPr>
+            <a:spLocks noGrp="1"/>
+          </p:cNvSpPr>
+          <p:nvPr>
+            <p:ph type="body" idx="1"/>
+          </p:nvPr>
+        </p:nvSpPr>
+        <p:spPr/>
+        <p:txBody>
+          <a:bodyPr/>
+          <a:lstStyle/>
+          <a:p>
+            <a:endParaRPr kumimoji="1" lang="ko-KR" altLang="en-US" dirty="0"/>
+          </a:p>
+        </p:txBody>
+      </p:sp>
+      <p:sp>
+        <p:nvSpPr>
+          <p:cNvPr id="4" name="슬라이드 번호 개체 틀 3"/>
+          <p:cNvSpPr>
+            <a:spLocks noGrp="1"/>
+          </p:cNvSpPr>
+          <p:nvPr>
+            <p:ph type="sldNum" sz="quarter" idx="5"/>
+          </p:nvPr>
+        </p:nvSpPr>
+        <p:spPr/>
+        <p:txBody>
+          <a:bodyPr/>
+          <a:lstStyle/>
+          <a:p>
+            <a:fld id="{E89D771D-6244-8F4C-B051-1E78AA19DAB7}" type="slidenum">
+              <a:rPr kumimoji="1" lang="ko-KR" altLang="en-US" smtClean="0"/>
+              <a:t>24</a:t>
+            </a:fld>
+            <a:endParaRPr kumimoji="1" lang="ko-KR" altLang="en-US"/>
+          </a:p>
+        </p:txBody>
+      </p:sp>
+    </p:spTree>
+    <p:extLst>
+      <p:ext uri="{BB962C8B-B14F-4D97-AF65-F5344CB8AC3E}">
+        <p14:creationId xmlns:p14="http://schemas.microsoft.com/office/powerpoint/2010/main" val="1916589984"/>
+      </p:ext>
+    </p:extLst>
+  </p:cSld>
+  <p:clrMapOvr>
+    <a:masterClrMapping/>
+  </p:clrMapOvr>
+</p:notes>
 </file>
 
 <file path=ppt/slideLayouts/slideLayout1.xml><?xml version="1.0" encoding="utf-8"?>
@@ -13572,6 +14435,1704 @@
 </p:sld>
 </file>
 
+<file path=ppt/slides/slide18.xml><?xml version="1.0" encoding="utf-8"?>
+<p:sld xmlns:a="http://schemas.openxmlformats.org/drawingml/2006/main" xmlns:r="http://schemas.openxmlformats.org/officeDocument/2006/relationships" xmlns:p="http://schemas.openxmlformats.org/presentationml/2006/main">
+  <p:cSld>
+    <p:spTree>
+      <p:nvGrpSpPr>
+        <p:cNvPr id="1" name=""/>
+        <p:cNvGrpSpPr/>
+        <p:nvPr/>
+      </p:nvGrpSpPr>
+      <p:grpSpPr>
+        <a:xfrm>
+          <a:off x="0" y="0"/>
+          <a:ext cx="0" cy="0"/>
+          <a:chOff x="0" y="0"/>
+          <a:chExt cx="0" cy="0"/>
+        </a:xfrm>
+      </p:grpSpPr>
+      <p:sp>
+        <p:nvSpPr>
+          <p:cNvPr id="6" name="직사각형 5">
+            <a:extLst>
+              <a:ext uri="{FF2B5EF4-FFF2-40B4-BE49-F238E27FC236}">
+                <a16:creationId xmlns:a16="http://schemas.microsoft.com/office/drawing/2014/main" id="{908EB3C3-304F-7045-6EB1-59391145DD48}"/>
+              </a:ext>
+            </a:extLst>
+          </p:cNvPr>
+          <p:cNvSpPr/>
+          <p:nvPr/>
+        </p:nvSpPr>
+        <p:spPr>
+          <a:xfrm>
+            <a:off x="7090345" y="964235"/>
+            <a:ext cx="894414" cy="489811"/>
+          </a:xfrm>
+          <a:prstGeom prst="rect">
+            <a:avLst/>
+          </a:prstGeom>
+          <a:solidFill>
+            <a:srgbClr val="FFFF00"/>
+          </a:solidFill>
+        </p:spPr>
+        <p:style>
+          <a:lnRef idx="2">
+            <a:schemeClr val="accent1">
+              <a:shade val="15000"/>
+            </a:schemeClr>
+          </a:lnRef>
+          <a:fillRef idx="1">
+            <a:schemeClr val="accent1"/>
+          </a:fillRef>
+          <a:effectRef idx="0">
+            <a:schemeClr val="accent1"/>
+          </a:effectRef>
+          <a:fontRef idx="minor">
+            <a:schemeClr val="lt1"/>
+          </a:fontRef>
+        </p:style>
+        <p:txBody>
+          <a:bodyPr rtlCol="0" anchor="ctr"/>
+          <a:lstStyle/>
+          <a:p>
+            <a:pPr algn="ctr"/>
+            <a:r>
+              <a:rPr kumimoji="1" lang="en-US" altLang="ko-KR" sz="1200" dirty="0">
+                <a:solidFill>
+                  <a:schemeClr val="tx1"/>
+                </a:solidFill>
+                <a:latin typeface="DM Mono" panose="020B0509040201040103" pitchFamily="49" charset="0"/>
+              </a:rPr>
+              <a:t>0x200</a:t>
+            </a:r>
+            <a:endParaRPr kumimoji="1" lang="ko-KR" altLang="en-US" sz="1200" dirty="0">
+              <a:solidFill>
+                <a:schemeClr val="tx1"/>
+              </a:solidFill>
+              <a:latin typeface="DM Mono" panose="020B0509040201040103" pitchFamily="49" charset="0"/>
+            </a:endParaRPr>
+          </a:p>
+        </p:txBody>
+      </p:sp>
+      <p:sp>
+        <p:nvSpPr>
+          <p:cNvPr id="7" name="직사각형 6">
+            <a:extLst>
+              <a:ext uri="{FF2B5EF4-FFF2-40B4-BE49-F238E27FC236}">
+                <a16:creationId xmlns:a16="http://schemas.microsoft.com/office/drawing/2014/main" id="{E95E48C3-88B7-8F38-7EEF-3CBBDC599471}"/>
+              </a:ext>
+            </a:extLst>
+          </p:cNvPr>
+          <p:cNvSpPr/>
+          <p:nvPr/>
+        </p:nvSpPr>
+        <p:spPr>
+          <a:xfrm>
+            <a:off x="7090345" y="1454046"/>
+            <a:ext cx="894414" cy="489811"/>
+          </a:xfrm>
+          <a:prstGeom prst="rect">
+            <a:avLst/>
+          </a:prstGeom>
+          <a:solidFill>
+            <a:srgbClr val="FFFF00"/>
+          </a:solidFill>
+        </p:spPr>
+        <p:style>
+          <a:lnRef idx="2">
+            <a:schemeClr val="accent1">
+              <a:shade val="15000"/>
+            </a:schemeClr>
+          </a:lnRef>
+          <a:fillRef idx="1">
+            <a:schemeClr val="accent1"/>
+          </a:fillRef>
+          <a:effectRef idx="0">
+            <a:schemeClr val="accent1"/>
+          </a:effectRef>
+          <a:fontRef idx="minor">
+            <a:schemeClr val="lt1"/>
+          </a:fontRef>
+        </p:style>
+        <p:txBody>
+          <a:bodyPr rtlCol="0" anchor="ctr"/>
+          <a:lstStyle/>
+          <a:p>
+            <a:pPr algn="ctr"/>
+            <a:r>
+              <a:rPr kumimoji="1" lang="en-US" altLang="ko-KR" sz="1200" dirty="0">
+                <a:solidFill>
+                  <a:schemeClr val="tx1"/>
+                </a:solidFill>
+                <a:latin typeface="DM Mono" panose="020B0509040201040103" pitchFamily="49" charset="0"/>
+              </a:rPr>
+              <a:t>42</a:t>
+            </a:r>
+            <a:endParaRPr kumimoji="1" lang="ko-KR" altLang="en-US" sz="1200" dirty="0">
+              <a:solidFill>
+                <a:schemeClr val="tx1"/>
+              </a:solidFill>
+              <a:latin typeface="DM Mono" panose="020B0509040201040103" pitchFamily="49" charset="0"/>
+            </a:endParaRPr>
+          </a:p>
+        </p:txBody>
+      </p:sp>
+      <p:sp>
+        <p:nvSpPr>
+          <p:cNvPr id="8" name="TextBox 7">
+            <a:extLst>
+              <a:ext uri="{FF2B5EF4-FFF2-40B4-BE49-F238E27FC236}">
+                <a16:creationId xmlns:a16="http://schemas.microsoft.com/office/drawing/2014/main" id="{7AA979D8-4780-5226-CBC4-ED682085048C}"/>
+              </a:ext>
+            </a:extLst>
+          </p:cNvPr>
+          <p:cNvSpPr txBox="1"/>
+          <p:nvPr/>
+        </p:nvSpPr>
+        <p:spPr>
+          <a:xfrm>
+            <a:off x="7190280" y="647487"/>
+            <a:ext cx="694544" cy="276999"/>
+          </a:xfrm>
+          <a:prstGeom prst="rect">
+            <a:avLst/>
+          </a:prstGeom>
+          <a:noFill/>
+        </p:spPr>
+        <p:txBody>
+          <a:bodyPr wrap="square">
+            <a:spAutoFit/>
+          </a:bodyPr>
+          <a:lstStyle/>
+          <a:p>
+            <a:pPr algn="ctr"/>
+            <a:r>
+              <a:rPr lang="en-US" altLang="ko-KR" sz="1200" dirty="0">
+                <a:latin typeface="DM Mono" panose="020B0509040201040103" pitchFamily="49" charset="0"/>
+              </a:rPr>
+              <a:t>user</a:t>
+            </a:r>
+            <a:endParaRPr lang="ko-KR" altLang="en-US" sz="1200" dirty="0">
+              <a:latin typeface="DM Mono" panose="020B0509040201040103" pitchFamily="49" charset="0"/>
+            </a:endParaRPr>
+          </a:p>
+        </p:txBody>
+      </p:sp>
+      <p:sp>
+        <p:nvSpPr>
+          <p:cNvPr id="9" name="TextBox 8">
+            <a:extLst>
+              <a:ext uri="{FF2B5EF4-FFF2-40B4-BE49-F238E27FC236}">
+                <a16:creationId xmlns:a16="http://schemas.microsoft.com/office/drawing/2014/main" id="{B1640A79-F7FC-C373-A32D-AFD724A2FE6F}"/>
+              </a:ext>
+            </a:extLst>
+          </p:cNvPr>
+          <p:cNvSpPr txBox="1"/>
+          <p:nvPr/>
+        </p:nvSpPr>
+        <p:spPr>
+          <a:xfrm>
+            <a:off x="6395801" y="1071984"/>
+            <a:ext cx="694544" cy="276999"/>
+          </a:xfrm>
+          <a:prstGeom prst="rect">
+            <a:avLst/>
+          </a:prstGeom>
+          <a:noFill/>
+        </p:spPr>
+        <p:txBody>
+          <a:bodyPr wrap="square">
+            <a:spAutoFit/>
+          </a:bodyPr>
+          <a:lstStyle/>
+          <a:p>
+            <a:pPr algn="r"/>
+            <a:r>
+              <a:rPr lang="en-US" altLang="ko-KR" sz="1200" dirty="0">
+                <a:latin typeface="DM Mono" panose="020B0509040201040103" pitchFamily="49" charset="0"/>
+              </a:rPr>
+              <a:t>name</a:t>
+            </a:r>
+            <a:endParaRPr lang="ko-KR" altLang="en-US" sz="1200" dirty="0">
+              <a:latin typeface="DM Mono" panose="020B0509040201040103" pitchFamily="49" charset="0"/>
+            </a:endParaRPr>
+          </a:p>
+        </p:txBody>
+      </p:sp>
+      <p:sp>
+        <p:nvSpPr>
+          <p:cNvPr id="10" name="TextBox 9">
+            <a:extLst>
+              <a:ext uri="{FF2B5EF4-FFF2-40B4-BE49-F238E27FC236}">
+                <a16:creationId xmlns:a16="http://schemas.microsoft.com/office/drawing/2014/main" id="{0A22048C-68EA-0BAD-6262-34D7A386611A}"/>
+              </a:ext>
+            </a:extLst>
+          </p:cNvPr>
+          <p:cNvSpPr txBox="1"/>
+          <p:nvPr/>
+        </p:nvSpPr>
+        <p:spPr>
+          <a:xfrm>
+            <a:off x="6395801" y="1559109"/>
+            <a:ext cx="694544" cy="276999"/>
+          </a:xfrm>
+          <a:prstGeom prst="rect">
+            <a:avLst/>
+          </a:prstGeom>
+          <a:noFill/>
+        </p:spPr>
+        <p:txBody>
+          <a:bodyPr wrap="square">
+            <a:spAutoFit/>
+          </a:bodyPr>
+          <a:lstStyle/>
+          <a:p>
+            <a:pPr algn="r"/>
+            <a:r>
+              <a:rPr lang="en-US" altLang="ko-KR" sz="1200" dirty="0">
+                <a:latin typeface="DM Mono" panose="020B0509040201040103" pitchFamily="49" charset="0"/>
+              </a:rPr>
+              <a:t>age</a:t>
+            </a:r>
+            <a:endParaRPr lang="ko-KR" altLang="en-US" sz="1200" dirty="0">
+              <a:latin typeface="DM Mono" panose="020B0509040201040103" pitchFamily="49" charset="0"/>
+            </a:endParaRPr>
+          </a:p>
+        </p:txBody>
+      </p:sp>
+      <p:sp>
+        <p:nvSpPr>
+          <p:cNvPr id="11" name="직사각형 10">
+            <a:extLst>
+              <a:ext uri="{FF2B5EF4-FFF2-40B4-BE49-F238E27FC236}">
+                <a16:creationId xmlns:a16="http://schemas.microsoft.com/office/drawing/2014/main" id="{B06002E1-7E0A-48FF-0039-C129E25527D5}"/>
+              </a:ext>
+            </a:extLst>
+          </p:cNvPr>
+          <p:cNvSpPr/>
+          <p:nvPr/>
+        </p:nvSpPr>
+        <p:spPr>
+          <a:xfrm>
+            <a:off x="10185812" y="479646"/>
+            <a:ext cx="1441557" cy="329823"/>
+          </a:xfrm>
+          <a:prstGeom prst="rect">
+            <a:avLst/>
+          </a:prstGeom>
+          <a:solidFill>
+            <a:srgbClr val="FFFF00"/>
+          </a:solidFill>
+        </p:spPr>
+        <p:style>
+          <a:lnRef idx="2">
+            <a:schemeClr val="accent1">
+              <a:shade val="15000"/>
+            </a:schemeClr>
+          </a:lnRef>
+          <a:fillRef idx="1">
+            <a:schemeClr val="accent1"/>
+          </a:fillRef>
+          <a:effectRef idx="0">
+            <a:schemeClr val="accent1"/>
+          </a:effectRef>
+          <a:fontRef idx="minor">
+            <a:schemeClr val="lt1"/>
+          </a:fontRef>
+        </p:style>
+        <p:txBody>
+          <a:bodyPr rtlCol="0" anchor="ctr"/>
+          <a:lstStyle/>
+          <a:p>
+            <a:pPr algn="ctr"/>
+            <a:r>
+              <a:rPr kumimoji="1" lang="en-US" altLang="ko-KR" sz="1200" dirty="0">
+                <a:solidFill>
+                  <a:schemeClr val="tx1"/>
+                </a:solidFill>
+                <a:latin typeface="DM Mono" panose="020B0509040201040103" pitchFamily="49" charset="0"/>
+              </a:rPr>
+              <a:t>“Tom”</a:t>
+            </a:r>
+            <a:endParaRPr kumimoji="1" lang="ko-KR" altLang="en-US" sz="1200" dirty="0">
+              <a:solidFill>
+                <a:schemeClr val="tx1"/>
+              </a:solidFill>
+              <a:latin typeface="DM Mono" panose="020B0509040201040103" pitchFamily="49" charset="0"/>
+            </a:endParaRPr>
+          </a:p>
+        </p:txBody>
+      </p:sp>
+      <p:cxnSp>
+        <p:nvCxnSpPr>
+          <p:cNvPr id="13" name="구부러진 연결선[U] 12">
+            <a:extLst>
+              <a:ext uri="{FF2B5EF4-FFF2-40B4-BE49-F238E27FC236}">
+                <a16:creationId xmlns:a16="http://schemas.microsoft.com/office/drawing/2014/main" id="{68E12808-F904-D961-0F53-6D2C59633C03}"/>
+              </a:ext>
+            </a:extLst>
+          </p:cNvPr>
+          <p:cNvCxnSpPr>
+            <a:stCxn id="6" idx="3"/>
+            <a:endCxn id="11" idx="1"/>
+          </p:cNvCxnSpPr>
+          <p:nvPr/>
+        </p:nvCxnSpPr>
+        <p:spPr>
+          <a:xfrm flipV="1">
+            <a:off x="7984759" y="644558"/>
+            <a:ext cx="2201053" cy="564583"/>
+          </a:xfrm>
+          <a:prstGeom prst="curvedConnector3">
+            <a:avLst/>
+          </a:prstGeom>
+          <a:ln>
+            <a:tailEnd type="triangle"/>
+          </a:ln>
+        </p:spPr>
+        <p:style>
+          <a:lnRef idx="1">
+            <a:schemeClr val="dk1"/>
+          </a:lnRef>
+          <a:fillRef idx="0">
+            <a:schemeClr val="dk1"/>
+          </a:fillRef>
+          <a:effectRef idx="0">
+            <a:schemeClr val="dk1"/>
+          </a:effectRef>
+          <a:fontRef idx="minor">
+            <a:schemeClr val="tx1"/>
+          </a:fontRef>
+        </p:style>
+      </p:cxnSp>
+      <p:sp>
+        <p:nvSpPr>
+          <p:cNvPr id="14" name="TextBox 13">
+            <a:extLst>
+              <a:ext uri="{FF2B5EF4-FFF2-40B4-BE49-F238E27FC236}">
+                <a16:creationId xmlns:a16="http://schemas.microsoft.com/office/drawing/2014/main" id="{13CCF594-2FD6-C4DC-05F5-C1D983C7E34A}"/>
+              </a:ext>
+            </a:extLst>
+          </p:cNvPr>
+          <p:cNvSpPr txBox="1"/>
+          <p:nvPr/>
+        </p:nvSpPr>
+        <p:spPr>
+          <a:xfrm>
+            <a:off x="9838540" y="212376"/>
+            <a:ext cx="694544" cy="276999"/>
+          </a:xfrm>
+          <a:prstGeom prst="rect">
+            <a:avLst/>
+          </a:prstGeom>
+          <a:noFill/>
+        </p:spPr>
+        <p:txBody>
+          <a:bodyPr wrap="square">
+            <a:spAutoFit/>
+          </a:bodyPr>
+          <a:lstStyle/>
+          <a:p>
+            <a:pPr algn="ctr"/>
+            <a:r>
+              <a:rPr lang="en-US" altLang="ko-KR" sz="1200" dirty="0">
+                <a:latin typeface="DM Mono" panose="020B0509040201040103" pitchFamily="49" charset="0"/>
+              </a:rPr>
+              <a:t>0x200</a:t>
+            </a:r>
+            <a:endParaRPr lang="ko-KR" altLang="en-US" sz="1200" dirty="0">
+              <a:latin typeface="DM Mono" panose="020B0509040201040103" pitchFamily="49" charset="0"/>
+            </a:endParaRPr>
+          </a:p>
+        </p:txBody>
+      </p:sp>
+      <p:sp>
+        <p:nvSpPr>
+          <p:cNvPr id="2" name="직사각형 1">
+            <a:extLst>
+              <a:ext uri="{FF2B5EF4-FFF2-40B4-BE49-F238E27FC236}">
+                <a16:creationId xmlns:a16="http://schemas.microsoft.com/office/drawing/2014/main" id="{5C7681BF-B899-64A6-F851-E5185B9645BF}"/>
+              </a:ext>
+            </a:extLst>
+          </p:cNvPr>
+          <p:cNvSpPr/>
+          <p:nvPr/>
+        </p:nvSpPr>
+        <p:spPr>
+          <a:xfrm>
+            <a:off x="7090345" y="2795534"/>
+            <a:ext cx="894414" cy="489811"/>
+          </a:xfrm>
+          <a:prstGeom prst="rect">
+            <a:avLst/>
+          </a:prstGeom>
+          <a:solidFill>
+            <a:srgbClr val="FFFF00"/>
+          </a:solidFill>
+        </p:spPr>
+        <p:style>
+          <a:lnRef idx="2">
+            <a:schemeClr val="accent1">
+              <a:shade val="15000"/>
+            </a:schemeClr>
+          </a:lnRef>
+          <a:fillRef idx="1">
+            <a:schemeClr val="accent1"/>
+          </a:fillRef>
+          <a:effectRef idx="0">
+            <a:schemeClr val="accent1"/>
+          </a:effectRef>
+          <a:fontRef idx="minor">
+            <a:schemeClr val="lt1"/>
+          </a:fontRef>
+        </p:style>
+        <p:txBody>
+          <a:bodyPr rtlCol="0" anchor="ctr"/>
+          <a:lstStyle/>
+          <a:p>
+            <a:pPr algn="ctr"/>
+            <a:r>
+              <a:rPr kumimoji="1" lang="en-US" altLang="ko-KR" sz="1200" dirty="0">
+                <a:solidFill>
+                  <a:schemeClr val="tx1"/>
+                </a:solidFill>
+                <a:latin typeface="DM Mono" panose="020B0509040201040103" pitchFamily="49" charset="0"/>
+              </a:rPr>
+              <a:t>0x300</a:t>
+            </a:r>
+            <a:endParaRPr kumimoji="1" lang="ko-KR" altLang="en-US" sz="1200" dirty="0">
+              <a:solidFill>
+                <a:schemeClr val="tx1"/>
+              </a:solidFill>
+              <a:latin typeface="DM Mono" panose="020B0509040201040103" pitchFamily="49" charset="0"/>
+            </a:endParaRPr>
+          </a:p>
+        </p:txBody>
+      </p:sp>
+      <p:sp>
+        <p:nvSpPr>
+          <p:cNvPr id="3" name="직사각형 2">
+            <a:extLst>
+              <a:ext uri="{FF2B5EF4-FFF2-40B4-BE49-F238E27FC236}">
+                <a16:creationId xmlns:a16="http://schemas.microsoft.com/office/drawing/2014/main" id="{FB5FD168-6155-6201-AC12-0B59C43B8722}"/>
+              </a:ext>
+            </a:extLst>
+          </p:cNvPr>
+          <p:cNvSpPr/>
+          <p:nvPr/>
+        </p:nvSpPr>
+        <p:spPr>
+          <a:xfrm>
+            <a:off x="7090345" y="3285345"/>
+            <a:ext cx="894414" cy="489811"/>
+          </a:xfrm>
+          <a:prstGeom prst="rect">
+            <a:avLst/>
+          </a:prstGeom>
+          <a:solidFill>
+            <a:srgbClr val="FFFF00"/>
+          </a:solidFill>
+        </p:spPr>
+        <p:style>
+          <a:lnRef idx="2">
+            <a:schemeClr val="accent1">
+              <a:shade val="15000"/>
+            </a:schemeClr>
+          </a:lnRef>
+          <a:fillRef idx="1">
+            <a:schemeClr val="accent1"/>
+          </a:fillRef>
+          <a:effectRef idx="0">
+            <a:schemeClr val="accent1"/>
+          </a:effectRef>
+          <a:fontRef idx="minor">
+            <a:schemeClr val="lt1"/>
+          </a:fontRef>
+        </p:style>
+        <p:txBody>
+          <a:bodyPr rtlCol="0" anchor="ctr"/>
+          <a:lstStyle/>
+          <a:p>
+            <a:pPr algn="ctr"/>
+            <a:r>
+              <a:rPr kumimoji="1" lang="en-US" altLang="ko-KR" sz="1200" dirty="0">
+                <a:solidFill>
+                  <a:schemeClr val="tx1"/>
+                </a:solidFill>
+                <a:latin typeface="DM Mono" panose="020B0509040201040103" pitchFamily="49" charset="0"/>
+              </a:rPr>
+              <a:t>42</a:t>
+            </a:r>
+            <a:endParaRPr kumimoji="1" lang="ko-KR" altLang="en-US" sz="1200" dirty="0">
+              <a:solidFill>
+                <a:schemeClr val="tx1"/>
+              </a:solidFill>
+              <a:latin typeface="DM Mono" panose="020B0509040201040103" pitchFamily="49" charset="0"/>
+            </a:endParaRPr>
+          </a:p>
+        </p:txBody>
+      </p:sp>
+      <p:sp>
+        <p:nvSpPr>
+          <p:cNvPr id="4" name="TextBox 3">
+            <a:extLst>
+              <a:ext uri="{FF2B5EF4-FFF2-40B4-BE49-F238E27FC236}">
+                <a16:creationId xmlns:a16="http://schemas.microsoft.com/office/drawing/2014/main" id="{86AE15A2-4102-B495-33E4-BE79BFE025EC}"/>
+              </a:ext>
+            </a:extLst>
+          </p:cNvPr>
+          <p:cNvSpPr txBox="1"/>
+          <p:nvPr/>
+        </p:nvSpPr>
+        <p:spPr>
+          <a:xfrm>
+            <a:off x="7190280" y="2478786"/>
+            <a:ext cx="694544" cy="276999"/>
+          </a:xfrm>
+          <a:prstGeom prst="rect">
+            <a:avLst/>
+          </a:prstGeom>
+          <a:noFill/>
+        </p:spPr>
+        <p:txBody>
+          <a:bodyPr wrap="square">
+            <a:spAutoFit/>
+          </a:bodyPr>
+          <a:lstStyle/>
+          <a:p>
+            <a:pPr algn="ctr"/>
+            <a:r>
+              <a:rPr lang="en-US" altLang="ko-KR" sz="1200" dirty="0">
+                <a:latin typeface="DM Mono" panose="020B0509040201040103" pitchFamily="49" charset="0"/>
+              </a:rPr>
+              <a:t>other</a:t>
+            </a:r>
+            <a:endParaRPr lang="ko-KR" altLang="en-US" sz="1200" dirty="0">
+              <a:latin typeface="DM Mono" panose="020B0509040201040103" pitchFamily="49" charset="0"/>
+            </a:endParaRPr>
+          </a:p>
+        </p:txBody>
+      </p:sp>
+      <p:sp>
+        <p:nvSpPr>
+          <p:cNvPr id="12" name="TextBox 11">
+            <a:extLst>
+              <a:ext uri="{FF2B5EF4-FFF2-40B4-BE49-F238E27FC236}">
+                <a16:creationId xmlns:a16="http://schemas.microsoft.com/office/drawing/2014/main" id="{56F7EA1F-B3EC-F81D-F88A-447F457A4216}"/>
+              </a:ext>
+            </a:extLst>
+          </p:cNvPr>
+          <p:cNvSpPr txBox="1"/>
+          <p:nvPr/>
+        </p:nvSpPr>
+        <p:spPr>
+          <a:xfrm>
+            <a:off x="6395801" y="2903283"/>
+            <a:ext cx="694544" cy="276999"/>
+          </a:xfrm>
+          <a:prstGeom prst="rect">
+            <a:avLst/>
+          </a:prstGeom>
+          <a:noFill/>
+        </p:spPr>
+        <p:txBody>
+          <a:bodyPr wrap="square">
+            <a:spAutoFit/>
+          </a:bodyPr>
+          <a:lstStyle/>
+          <a:p>
+            <a:pPr algn="r"/>
+            <a:r>
+              <a:rPr lang="en-US" altLang="ko-KR" sz="1200" dirty="0">
+                <a:latin typeface="DM Mono" panose="020B0509040201040103" pitchFamily="49" charset="0"/>
+              </a:rPr>
+              <a:t>name</a:t>
+            </a:r>
+            <a:endParaRPr lang="ko-KR" altLang="en-US" sz="1200" dirty="0">
+              <a:latin typeface="DM Mono" panose="020B0509040201040103" pitchFamily="49" charset="0"/>
+            </a:endParaRPr>
+          </a:p>
+        </p:txBody>
+      </p:sp>
+      <p:sp>
+        <p:nvSpPr>
+          <p:cNvPr id="15" name="TextBox 14">
+            <a:extLst>
+              <a:ext uri="{FF2B5EF4-FFF2-40B4-BE49-F238E27FC236}">
+                <a16:creationId xmlns:a16="http://schemas.microsoft.com/office/drawing/2014/main" id="{45F8E536-89CF-0022-267E-C49EC5684ADE}"/>
+              </a:ext>
+            </a:extLst>
+          </p:cNvPr>
+          <p:cNvSpPr txBox="1"/>
+          <p:nvPr/>
+        </p:nvSpPr>
+        <p:spPr>
+          <a:xfrm>
+            <a:off x="6395801" y="3390408"/>
+            <a:ext cx="694544" cy="276999"/>
+          </a:xfrm>
+          <a:prstGeom prst="rect">
+            <a:avLst/>
+          </a:prstGeom>
+          <a:noFill/>
+        </p:spPr>
+        <p:txBody>
+          <a:bodyPr wrap="square">
+            <a:spAutoFit/>
+          </a:bodyPr>
+          <a:lstStyle/>
+          <a:p>
+            <a:pPr algn="r"/>
+            <a:r>
+              <a:rPr lang="en-US" altLang="ko-KR" sz="1200" dirty="0">
+                <a:latin typeface="DM Mono" panose="020B0509040201040103" pitchFamily="49" charset="0"/>
+              </a:rPr>
+              <a:t>age</a:t>
+            </a:r>
+            <a:endParaRPr lang="ko-KR" altLang="en-US" sz="1200" dirty="0">
+              <a:latin typeface="DM Mono" panose="020B0509040201040103" pitchFamily="49" charset="0"/>
+            </a:endParaRPr>
+          </a:p>
+        </p:txBody>
+      </p:sp>
+      <p:sp>
+        <p:nvSpPr>
+          <p:cNvPr id="16" name="직사각형 15">
+            <a:extLst>
+              <a:ext uri="{FF2B5EF4-FFF2-40B4-BE49-F238E27FC236}">
+                <a16:creationId xmlns:a16="http://schemas.microsoft.com/office/drawing/2014/main" id="{5B6C2E56-F3C4-8174-7F43-B6AA8861D9F2}"/>
+              </a:ext>
+            </a:extLst>
+          </p:cNvPr>
+          <p:cNvSpPr/>
+          <p:nvPr/>
+        </p:nvSpPr>
+        <p:spPr>
+          <a:xfrm>
+            <a:off x="10185811" y="2425962"/>
+            <a:ext cx="1441557" cy="329823"/>
+          </a:xfrm>
+          <a:prstGeom prst="rect">
+            <a:avLst/>
+          </a:prstGeom>
+          <a:solidFill>
+            <a:srgbClr val="FFFF00"/>
+          </a:solidFill>
+        </p:spPr>
+        <p:style>
+          <a:lnRef idx="2">
+            <a:schemeClr val="accent1">
+              <a:shade val="15000"/>
+            </a:schemeClr>
+          </a:lnRef>
+          <a:fillRef idx="1">
+            <a:schemeClr val="accent1"/>
+          </a:fillRef>
+          <a:effectRef idx="0">
+            <a:schemeClr val="accent1"/>
+          </a:effectRef>
+          <a:fontRef idx="minor">
+            <a:schemeClr val="lt1"/>
+          </a:fontRef>
+        </p:style>
+        <p:txBody>
+          <a:bodyPr rtlCol="0" anchor="ctr"/>
+          <a:lstStyle/>
+          <a:p>
+            <a:pPr algn="ctr"/>
+            <a:r>
+              <a:rPr kumimoji="1" lang="en-US" altLang="ko-KR" sz="1200" dirty="0">
+                <a:solidFill>
+                  <a:schemeClr val="tx1"/>
+                </a:solidFill>
+                <a:latin typeface="DM Mono" panose="020B0509040201040103" pitchFamily="49" charset="0"/>
+              </a:rPr>
+              <a:t>“Tom”</a:t>
+            </a:r>
+            <a:endParaRPr kumimoji="1" lang="ko-KR" altLang="en-US" sz="1200" dirty="0">
+              <a:solidFill>
+                <a:schemeClr val="tx1"/>
+              </a:solidFill>
+              <a:latin typeface="DM Mono" panose="020B0509040201040103" pitchFamily="49" charset="0"/>
+            </a:endParaRPr>
+          </a:p>
+        </p:txBody>
+      </p:sp>
+      <p:sp>
+        <p:nvSpPr>
+          <p:cNvPr id="17" name="TextBox 16">
+            <a:extLst>
+              <a:ext uri="{FF2B5EF4-FFF2-40B4-BE49-F238E27FC236}">
+                <a16:creationId xmlns:a16="http://schemas.microsoft.com/office/drawing/2014/main" id="{66737817-FC57-1097-755F-B15DC29CF655}"/>
+              </a:ext>
+            </a:extLst>
+          </p:cNvPr>
+          <p:cNvSpPr txBox="1"/>
+          <p:nvPr/>
+        </p:nvSpPr>
+        <p:spPr>
+          <a:xfrm>
+            <a:off x="9838540" y="2120838"/>
+            <a:ext cx="694544" cy="276999"/>
+          </a:xfrm>
+          <a:prstGeom prst="rect">
+            <a:avLst/>
+          </a:prstGeom>
+          <a:noFill/>
+        </p:spPr>
+        <p:txBody>
+          <a:bodyPr wrap="square">
+            <a:spAutoFit/>
+          </a:bodyPr>
+          <a:lstStyle/>
+          <a:p>
+            <a:pPr algn="ctr"/>
+            <a:r>
+              <a:rPr lang="en-US" altLang="ko-KR" sz="1200" dirty="0">
+                <a:latin typeface="DM Mono" panose="020B0509040201040103" pitchFamily="49" charset="0"/>
+              </a:rPr>
+              <a:t>0x300</a:t>
+            </a:r>
+            <a:endParaRPr lang="ko-KR" altLang="en-US" sz="1200" dirty="0">
+              <a:latin typeface="DM Mono" panose="020B0509040201040103" pitchFamily="49" charset="0"/>
+            </a:endParaRPr>
+          </a:p>
+        </p:txBody>
+      </p:sp>
+      <p:cxnSp>
+        <p:nvCxnSpPr>
+          <p:cNvPr id="18" name="구부러진 연결선[U] 17">
+            <a:extLst>
+              <a:ext uri="{FF2B5EF4-FFF2-40B4-BE49-F238E27FC236}">
+                <a16:creationId xmlns:a16="http://schemas.microsoft.com/office/drawing/2014/main" id="{743768FA-AAEC-0D04-5A9A-DCB2A8E6FCD6}"/>
+              </a:ext>
+            </a:extLst>
+          </p:cNvPr>
+          <p:cNvCxnSpPr>
+            <a:cxnSpLocks/>
+            <a:stCxn id="2" idx="3"/>
+            <a:endCxn id="16" idx="1"/>
+          </p:cNvCxnSpPr>
+          <p:nvPr/>
+        </p:nvCxnSpPr>
+        <p:spPr>
+          <a:xfrm flipV="1">
+            <a:off x="7984759" y="2590874"/>
+            <a:ext cx="2201052" cy="449566"/>
+          </a:xfrm>
+          <a:prstGeom prst="curvedConnector3">
+            <a:avLst/>
+          </a:prstGeom>
+          <a:ln>
+            <a:tailEnd type="triangle"/>
+          </a:ln>
+        </p:spPr>
+        <p:style>
+          <a:lnRef idx="1">
+            <a:schemeClr val="dk1"/>
+          </a:lnRef>
+          <a:fillRef idx="0">
+            <a:schemeClr val="dk1"/>
+          </a:fillRef>
+          <a:effectRef idx="0">
+            <a:schemeClr val="dk1"/>
+          </a:effectRef>
+          <a:fontRef idx="minor">
+            <a:schemeClr val="tx1"/>
+          </a:fontRef>
+        </p:style>
+      </p:cxnSp>
+      <p:sp>
+        <p:nvSpPr>
+          <p:cNvPr id="22" name="TextBox 21">
+            <a:extLst>
+              <a:ext uri="{FF2B5EF4-FFF2-40B4-BE49-F238E27FC236}">
+                <a16:creationId xmlns:a16="http://schemas.microsoft.com/office/drawing/2014/main" id="{E0AD6CFE-7D9C-4FEB-4F3E-B1ACC4D6BF57}"/>
+              </a:ext>
+            </a:extLst>
+          </p:cNvPr>
+          <p:cNvSpPr txBox="1"/>
+          <p:nvPr/>
+        </p:nvSpPr>
+        <p:spPr>
+          <a:xfrm>
+            <a:off x="384747" y="724460"/>
+            <a:ext cx="6096000" cy="1200329"/>
+          </a:xfrm>
+          <a:prstGeom prst="rect">
+            <a:avLst/>
+          </a:prstGeom>
+          <a:noFill/>
+        </p:spPr>
+        <p:txBody>
+          <a:bodyPr wrap="square">
+            <a:spAutoFit/>
+          </a:bodyPr>
+          <a:lstStyle/>
+          <a:p>
+            <a:r>
+              <a:rPr lang="ko-KR" altLang="en-US" sz="1200" dirty="0">
+                <a:latin typeface="DM Mono" panose="020B0509040201040103" pitchFamily="49" charset="0"/>
+              </a:rPr>
+              <a:t> </a:t>
+            </a:r>
+            <a:r>
+              <a:rPr lang="en-US" altLang="ko-KR" sz="1200" dirty="0">
+                <a:latin typeface="DM Mono" panose="020B0509040201040103" pitchFamily="49" charset="0"/>
+              </a:rPr>
+              <a:t>   </a:t>
+            </a:r>
+            <a:r>
+              <a:rPr lang="ko-KR" altLang="en-US" sz="1200" dirty="0" err="1">
+                <a:latin typeface="DM Mono" panose="020B0509040201040103" pitchFamily="49" charset="0"/>
+              </a:rPr>
+              <a:t>User</a:t>
+            </a:r>
+            <a:r>
+              <a:rPr lang="ko-KR" altLang="en-US" sz="1200" dirty="0">
+                <a:latin typeface="DM Mono" panose="020B0509040201040103" pitchFamily="49" charset="0"/>
+              </a:rPr>
+              <a:t>(</a:t>
+            </a:r>
+            <a:r>
+              <a:rPr lang="ko-KR" altLang="en-US" sz="1200" dirty="0" err="1">
+                <a:latin typeface="DM Mono" panose="020B0509040201040103" pitchFamily="49" charset="0"/>
+              </a:rPr>
+              <a:t>const</a:t>
+            </a:r>
+            <a:r>
+              <a:rPr lang="ko-KR" altLang="en-US" sz="1200" dirty="0">
+                <a:latin typeface="DM Mono" panose="020B0509040201040103" pitchFamily="49" charset="0"/>
+              </a:rPr>
+              <a:t> </a:t>
+            </a:r>
+            <a:r>
+              <a:rPr lang="ko-KR" altLang="en-US" sz="1200" dirty="0" err="1">
+                <a:latin typeface="DM Mono" panose="020B0509040201040103" pitchFamily="49" charset="0"/>
+              </a:rPr>
+              <a:t>User</a:t>
+            </a:r>
+            <a:r>
+              <a:rPr lang="ko-KR" altLang="en-US" sz="1200" dirty="0">
+                <a:latin typeface="DM Mono" panose="020B0509040201040103" pitchFamily="49" charset="0"/>
+              </a:rPr>
+              <a:t>&amp; </a:t>
+            </a:r>
+            <a:r>
+              <a:rPr lang="ko-KR" altLang="en-US" sz="1200" dirty="0" err="1">
+                <a:latin typeface="DM Mono" panose="020B0509040201040103" pitchFamily="49" charset="0"/>
+              </a:rPr>
+              <a:t>rhs</a:t>
+            </a:r>
+            <a:r>
+              <a:rPr lang="ko-KR" altLang="en-US" sz="1200" dirty="0">
+                <a:latin typeface="DM Mono" panose="020B0509040201040103" pitchFamily="49" charset="0"/>
+              </a:rPr>
+              <a:t>)</a:t>
+            </a:r>
+          </a:p>
+          <a:p>
+            <a:r>
+              <a:rPr lang="ko-KR" altLang="en-US" sz="1200" dirty="0">
+                <a:latin typeface="DM Mono" panose="020B0509040201040103" pitchFamily="49" charset="0"/>
+              </a:rPr>
+              <a:t>        : </a:t>
+            </a:r>
+            <a:r>
+              <a:rPr lang="ko-KR" altLang="en-US" sz="1200" dirty="0" err="1">
+                <a:latin typeface="DM Mono" panose="020B0509040201040103" pitchFamily="49" charset="0"/>
+              </a:rPr>
+              <a:t>age</a:t>
+            </a:r>
+            <a:r>
+              <a:rPr lang="ko-KR" altLang="en-US" sz="1200" dirty="0">
+                <a:latin typeface="DM Mono" panose="020B0509040201040103" pitchFamily="49" charset="0"/>
+              </a:rPr>
+              <a:t> { </a:t>
+            </a:r>
+            <a:r>
+              <a:rPr lang="ko-KR" altLang="en-US" sz="1200" dirty="0" err="1">
+                <a:latin typeface="DM Mono" panose="020B0509040201040103" pitchFamily="49" charset="0"/>
+              </a:rPr>
+              <a:t>rhs.age</a:t>
+            </a:r>
+            <a:r>
+              <a:rPr lang="ko-KR" altLang="en-US" sz="1200" dirty="0">
+                <a:latin typeface="DM Mono" panose="020B0509040201040103" pitchFamily="49" charset="0"/>
+              </a:rPr>
+              <a:t> }</a:t>
+            </a:r>
+          </a:p>
+          <a:p>
+            <a:r>
+              <a:rPr lang="ko-KR" altLang="en-US" sz="1200" dirty="0">
+                <a:latin typeface="DM Mono" panose="020B0509040201040103" pitchFamily="49" charset="0"/>
+              </a:rPr>
+              <a:t>    {</a:t>
+            </a:r>
+          </a:p>
+          <a:p>
+            <a:r>
+              <a:rPr lang="ko-KR" altLang="en-US" sz="1200" dirty="0">
+                <a:latin typeface="DM Mono" panose="020B0509040201040103" pitchFamily="49" charset="0"/>
+              </a:rPr>
+              <a:t>        </a:t>
+            </a:r>
+            <a:r>
+              <a:rPr lang="ko-KR" altLang="en-US" sz="1200" dirty="0" err="1">
+                <a:latin typeface="DM Mono" panose="020B0509040201040103" pitchFamily="49" charset="0"/>
+              </a:rPr>
+              <a:t>name</a:t>
+            </a:r>
+            <a:r>
+              <a:rPr lang="ko-KR" altLang="en-US" sz="1200" dirty="0">
+                <a:latin typeface="DM Mono" panose="020B0509040201040103" pitchFamily="49" charset="0"/>
+              </a:rPr>
+              <a:t> = </a:t>
+            </a:r>
+            <a:r>
+              <a:rPr lang="ko-KR" altLang="en-US" sz="1200" dirty="0" err="1">
+                <a:latin typeface="DM Mono" panose="020B0509040201040103" pitchFamily="49" charset="0"/>
+              </a:rPr>
+              <a:t>new</a:t>
+            </a:r>
+            <a:r>
+              <a:rPr lang="ko-KR" altLang="en-US" sz="1200" dirty="0">
+                <a:latin typeface="DM Mono" panose="020B0509040201040103" pitchFamily="49" charset="0"/>
+              </a:rPr>
+              <a:t> </a:t>
+            </a:r>
+            <a:r>
+              <a:rPr lang="ko-KR" altLang="en-US" sz="1200" dirty="0" err="1">
+                <a:latin typeface="DM Mono" panose="020B0509040201040103" pitchFamily="49" charset="0"/>
+              </a:rPr>
+              <a:t>char</a:t>
+            </a:r>
+            <a:r>
+              <a:rPr lang="ko-KR" altLang="en-US" sz="1200" dirty="0">
+                <a:latin typeface="DM Mono" panose="020B0509040201040103" pitchFamily="49" charset="0"/>
+              </a:rPr>
+              <a:t>[</a:t>
+            </a:r>
+            <a:r>
+              <a:rPr lang="ko-KR" altLang="en-US" sz="1200" dirty="0" err="1">
+                <a:latin typeface="DM Mono" panose="020B0509040201040103" pitchFamily="49" charset="0"/>
+              </a:rPr>
+              <a:t>strlen</a:t>
+            </a:r>
+            <a:r>
+              <a:rPr lang="ko-KR" altLang="en-US" sz="1200" dirty="0">
+                <a:latin typeface="DM Mono" panose="020B0509040201040103" pitchFamily="49" charset="0"/>
+              </a:rPr>
+              <a:t>(</a:t>
+            </a:r>
+            <a:r>
+              <a:rPr lang="ko-KR" altLang="en-US" sz="1200" dirty="0" err="1">
+                <a:latin typeface="DM Mono" panose="020B0509040201040103" pitchFamily="49" charset="0"/>
+              </a:rPr>
+              <a:t>rhs.name</a:t>
+            </a:r>
+            <a:r>
+              <a:rPr lang="ko-KR" altLang="en-US" sz="1200" dirty="0">
+                <a:latin typeface="DM Mono" panose="020B0509040201040103" pitchFamily="49" charset="0"/>
+              </a:rPr>
+              <a:t>) + 1];</a:t>
+            </a:r>
+          </a:p>
+          <a:p>
+            <a:r>
+              <a:rPr lang="ko-KR" altLang="en-US" sz="1200" dirty="0">
+                <a:latin typeface="DM Mono" panose="020B0509040201040103" pitchFamily="49" charset="0"/>
+              </a:rPr>
+              <a:t>        </a:t>
+            </a:r>
+            <a:r>
+              <a:rPr lang="ko-KR" altLang="en-US" sz="1200" dirty="0" err="1">
+                <a:latin typeface="DM Mono" panose="020B0509040201040103" pitchFamily="49" charset="0"/>
+              </a:rPr>
+              <a:t>strcpy</a:t>
+            </a:r>
+            <a:r>
+              <a:rPr lang="ko-KR" altLang="en-US" sz="1200" dirty="0">
+                <a:latin typeface="DM Mono" panose="020B0509040201040103" pitchFamily="49" charset="0"/>
+              </a:rPr>
+              <a:t>(</a:t>
+            </a:r>
+            <a:r>
+              <a:rPr lang="ko-KR" altLang="en-US" sz="1200" dirty="0" err="1">
+                <a:latin typeface="DM Mono" panose="020B0509040201040103" pitchFamily="49" charset="0"/>
+              </a:rPr>
+              <a:t>name</a:t>
+            </a:r>
+            <a:r>
+              <a:rPr lang="ko-KR" altLang="en-US" sz="1200" dirty="0">
+                <a:latin typeface="DM Mono" panose="020B0509040201040103" pitchFamily="49" charset="0"/>
+              </a:rPr>
+              <a:t>, </a:t>
+            </a:r>
+            <a:r>
+              <a:rPr lang="ko-KR" altLang="en-US" sz="1200" dirty="0" err="1">
+                <a:latin typeface="DM Mono" panose="020B0509040201040103" pitchFamily="49" charset="0"/>
+              </a:rPr>
+              <a:t>rhs.name</a:t>
+            </a:r>
+            <a:r>
+              <a:rPr lang="ko-KR" altLang="en-US" sz="1200" dirty="0">
+                <a:latin typeface="DM Mono" panose="020B0509040201040103" pitchFamily="49" charset="0"/>
+              </a:rPr>
+              <a:t>);</a:t>
+            </a:r>
+          </a:p>
+          <a:p>
+            <a:r>
+              <a:rPr lang="ko-KR" altLang="en-US" sz="1200" dirty="0">
+                <a:latin typeface="DM Mono" panose="020B0509040201040103" pitchFamily="49" charset="0"/>
+              </a:rPr>
+              <a:t>    }</a:t>
+            </a:r>
+          </a:p>
+        </p:txBody>
+      </p:sp>
+    </p:spTree>
+    <p:extLst>
+      <p:ext uri="{BB962C8B-B14F-4D97-AF65-F5344CB8AC3E}">
+        <p14:creationId xmlns:p14="http://schemas.microsoft.com/office/powerpoint/2010/main" val="1617382279"/>
+      </p:ext>
+    </p:extLst>
+  </p:cSld>
+  <p:clrMapOvr>
+    <a:masterClrMapping/>
+  </p:clrMapOvr>
+</p:sld>
+</file>
+
+<file path=ppt/slides/slide19.xml><?xml version="1.0" encoding="utf-8"?>
+<p:sld xmlns:a="http://schemas.openxmlformats.org/drawingml/2006/main" xmlns:r="http://schemas.openxmlformats.org/officeDocument/2006/relationships" xmlns:p="http://schemas.openxmlformats.org/presentationml/2006/main">
+  <p:cSld>
+    <p:spTree>
+      <p:nvGrpSpPr>
+        <p:cNvPr id="1" name=""/>
+        <p:cNvGrpSpPr/>
+        <p:nvPr/>
+      </p:nvGrpSpPr>
+      <p:grpSpPr>
+        <a:xfrm>
+          <a:off x="0" y="0"/>
+          <a:ext cx="0" cy="0"/>
+          <a:chOff x="0" y="0"/>
+          <a:chExt cx="0" cy="0"/>
+        </a:xfrm>
+      </p:grpSpPr>
+      <p:sp>
+        <p:nvSpPr>
+          <p:cNvPr id="6" name="직사각형 5">
+            <a:extLst>
+              <a:ext uri="{FF2B5EF4-FFF2-40B4-BE49-F238E27FC236}">
+                <a16:creationId xmlns:a16="http://schemas.microsoft.com/office/drawing/2014/main" id="{908EB3C3-304F-7045-6EB1-59391145DD48}"/>
+              </a:ext>
+            </a:extLst>
+          </p:cNvPr>
+          <p:cNvSpPr/>
+          <p:nvPr/>
+        </p:nvSpPr>
+        <p:spPr>
+          <a:xfrm>
+            <a:off x="7090345" y="964235"/>
+            <a:ext cx="894414" cy="489811"/>
+          </a:xfrm>
+          <a:prstGeom prst="rect">
+            <a:avLst/>
+          </a:prstGeom>
+          <a:solidFill>
+            <a:srgbClr val="FFFF00"/>
+          </a:solidFill>
+        </p:spPr>
+        <p:style>
+          <a:lnRef idx="2">
+            <a:schemeClr val="accent1">
+              <a:shade val="15000"/>
+            </a:schemeClr>
+          </a:lnRef>
+          <a:fillRef idx="1">
+            <a:schemeClr val="accent1"/>
+          </a:fillRef>
+          <a:effectRef idx="0">
+            <a:schemeClr val="accent1"/>
+          </a:effectRef>
+          <a:fontRef idx="minor">
+            <a:schemeClr val="lt1"/>
+          </a:fontRef>
+        </p:style>
+        <p:txBody>
+          <a:bodyPr rtlCol="0" anchor="ctr"/>
+          <a:lstStyle/>
+          <a:p>
+            <a:pPr algn="ctr"/>
+            <a:r>
+              <a:rPr kumimoji="1" lang="en-US" altLang="ko-KR" sz="1200" dirty="0">
+                <a:solidFill>
+                  <a:schemeClr val="tx1"/>
+                </a:solidFill>
+                <a:latin typeface="DM Mono" panose="020B0509040201040103" pitchFamily="49" charset="0"/>
+              </a:rPr>
+              <a:t>0x200</a:t>
+            </a:r>
+            <a:endParaRPr kumimoji="1" lang="ko-KR" altLang="en-US" sz="1200" dirty="0">
+              <a:solidFill>
+                <a:schemeClr val="tx1"/>
+              </a:solidFill>
+              <a:latin typeface="DM Mono" panose="020B0509040201040103" pitchFamily="49" charset="0"/>
+            </a:endParaRPr>
+          </a:p>
+        </p:txBody>
+      </p:sp>
+      <p:sp>
+        <p:nvSpPr>
+          <p:cNvPr id="7" name="직사각형 6">
+            <a:extLst>
+              <a:ext uri="{FF2B5EF4-FFF2-40B4-BE49-F238E27FC236}">
+                <a16:creationId xmlns:a16="http://schemas.microsoft.com/office/drawing/2014/main" id="{E95E48C3-88B7-8F38-7EEF-3CBBDC599471}"/>
+              </a:ext>
+            </a:extLst>
+          </p:cNvPr>
+          <p:cNvSpPr/>
+          <p:nvPr/>
+        </p:nvSpPr>
+        <p:spPr>
+          <a:xfrm>
+            <a:off x="7090345" y="1454046"/>
+            <a:ext cx="894414" cy="489811"/>
+          </a:xfrm>
+          <a:prstGeom prst="rect">
+            <a:avLst/>
+          </a:prstGeom>
+          <a:solidFill>
+            <a:srgbClr val="FFFF00"/>
+          </a:solidFill>
+        </p:spPr>
+        <p:style>
+          <a:lnRef idx="2">
+            <a:schemeClr val="accent1">
+              <a:shade val="15000"/>
+            </a:schemeClr>
+          </a:lnRef>
+          <a:fillRef idx="1">
+            <a:schemeClr val="accent1"/>
+          </a:fillRef>
+          <a:effectRef idx="0">
+            <a:schemeClr val="accent1"/>
+          </a:effectRef>
+          <a:fontRef idx="minor">
+            <a:schemeClr val="lt1"/>
+          </a:fontRef>
+        </p:style>
+        <p:txBody>
+          <a:bodyPr rtlCol="0" anchor="ctr"/>
+          <a:lstStyle/>
+          <a:p>
+            <a:pPr algn="ctr"/>
+            <a:r>
+              <a:rPr kumimoji="1" lang="en-US" altLang="ko-KR" sz="1200" dirty="0">
+                <a:solidFill>
+                  <a:schemeClr val="tx1"/>
+                </a:solidFill>
+                <a:latin typeface="DM Mono" panose="020B0509040201040103" pitchFamily="49" charset="0"/>
+              </a:rPr>
+              <a:t>42</a:t>
+            </a:r>
+            <a:endParaRPr kumimoji="1" lang="ko-KR" altLang="en-US" sz="1200" dirty="0">
+              <a:solidFill>
+                <a:schemeClr val="tx1"/>
+              </a:solidFill>
+              <a:latin typeface="DM Mono" panose="020B0509040201040103" pitchFamily="49" charset="0"/>
+            </a:endParaRPr>
+          </a:p>
+        </p:txBody>
+      </p:sp>
+      <p:sp>
+        <p:nvSpPr>
+          <p:cNvPr id="8" name="TextBox 7">
+            <a:extLst>
+              <a:ext uri="{FF2B5EF4-FFF2-40B4-BE49-F238E27FC236}">
+                <a16:creationId xmlns:a16="http://schemas.microsoft.com/office/drawing/2014/main" id="{7AA979D8-4780-5226-CBC4-ED682085048C}"/>
+              </a:ext>
+            </a:extLst>
+          </p:cNvPr>
+          <p:cNvSpPr txBox="1"/>
+          <p:nvPr/>
+        </p:nvSpPr>
+        <p:spPr>
+          <a:xfrm>
+            <a:off x="7190280" y="647487"/>
+            <a:ext cx="694544" cy="276999"/>
+          </a:xfrm>
+          <a:prstGeom prst="rect">
+            <a:avLst/>
+          </a:prstGeom>
+          <a:noFill/>
+        </p:spPr>
+        <p:txBody>
+          <a:bodyPr wrap="square">
+            <a:spAutoFit/>
+          </a:bodyPr>
+          <a:lstStyle/>
+          <a:p>
+            <a:pPr algn="ctr"/>
+            <a:r>
+              <a:rPr lang="en-US" altLang="ko-KR" sz="1200" dirty="0">
+                <a:latin typeface="DM Mono" panose="020B0509040201040103" pitchFamily="49" charset="0"/>
+              </a:rPr>
+              <a:t>user</a:t>
+            </a:r>
+            <a:endParaRPr lang="ko-KR" altLang="en-US" sz="1200" dirty="0">
+              <a:latin typeface="DM Mono" panose="020B0509040201040103" pitchFamily="49" charset="0"/>
+            </a:endParaRPr>
+          </a:p>
+        </p:txBody>
+      </p:sp>
+      <p:sp>
+        <p:nvSpPr>
+          <p:cNvPr id="9" name="TextBox 8">
+            <a:extLst>
+              <a:ext uri="{FF2B5EF4-FFF2-40B4-BE49-F238E27FC236}">
+                <a16:creationId xmlns:a16="http://schemas.microsoft.com/office/drawing/2014/main" id="{B1640A79-F7FC-C373-A32D-AFD724A2FE6F}"/>
+              </a:ext>
+            </a:extLst>
+          </p:cNvPr>
+          <p:cNvSpPr txBox="1"/>
+          <p:nvPr/>
+        </p:nvSpPr>
+        <p:spPr>
+          <a:xfrm>
+            <a:off x="6395801" y="1071984"/>
+            <a:ext cx="694544" cy="276999"/>
+          </a:xfrm>
+          <a:prstGeom prst="rect">
+            <a:avLst/>
+          </a:prstGeom>
+          <a:noFill/>
+        </p:spPr>
+        <p:txBody>
+          <a:bodyPr wrap="square">
+            <a:spAutoFit/>
+          </a:bodyPr>
+          <a:lstStyle/>
+          <a:p>
+            <a:pPr algn="r"/>
+            <a:r>
+              <a:rPr lang="en-US" altLang="ko-KR" sz="1200" dirty="0">
+                <a:latin typeface="DM Mono" panose="020B0509040201040103" pitchFamily="49" charset="0"/>
+              </a:rPr>
+              <a:t>name</a:t>
+            </a:r>
+            <a:endParaRPr lang="ko-KR" altLang="en-US" sz="1200" dirty="0">
+              <a:latin typeface="DM Mono" panose="020B0509040201040103" pitchFamily="49" charset="0"/>
+            </a:endParaRPr>
+          </a:p>
+        </p:txBody>
+      </p:sp>
+      <p:sp>
+        <p:nvSpPr>
+          <p:cNvPr id="10" name="TextBox 9">
+            <a:extLst>
+              <a:ext uri="{FF2B5EF4-FFF2-40B4-BE49-F238E27FC236}">
+                <a16:creationId xmlns:a16="http://schemas.microsoft.com/office/drawing/2014/main" id="{0A22048C-68EA-0BAD-6262-34D7A386611A}"/>
+              </a:ext>
+            </a:extLst>
+          </p:cNvPr>
+          <p:cNvSpPr txBox="1"/>
+          <p:nvPr/>
+        </p:nvSpPr>
+        <p:spPr>
+          <a:xfrm>
+            <a:off x="6395801" y="1559109"/>
+            <a:ext cx="694544" cy="276999"/>
+          </a:xfrm>
+          <a:prstGeom prst="rect">
+            <a:avLst/>
+          </a:prstGeom>
+          <a:noFill/>
+        </p:spPr>
+        <p:txBody>
+          <a:bodyPr wrap="square">
+            <a:spAutoFit/>
+          </a:bodyPr>
+          <a:lstStyle/>
+          <a:p>
+            <a:pPr algn="r"/>
+            <a:r>
+              <a:rPr lang="en-US" altLang="ko-KR" sz="1200" dirty="0">
+                <a:latin typeface="DM Mono" panose="020B0509040201040103" pitchFamily="49" charset="0"/>
+              </a:rPr>
+              <a:t>age</a:t>
+            </a:r>
+            <a:endParaRPr lang="ko-KR" altLang="en-US" sz="1200" dirty="0">
+              <a:latin typeface="DM Mono" panose="020B0509040201040103" pitchFamily="49" charset="0"/>
+            </a:endParaRPr>
+          </a:p>
+        </p:txBody>
+      </p:sp>
+      <p:sp>
+        <p:nvSpPr>
+          <p:cNvPr id="11" name="직사각형 10">
+            <a:extLst>
+              <a:ext uri="{FF2B5EF4-FFF2-40B4-BE49-F238E27FC236}">
+                <a16:creationId xmlns:a16="http://schemas.microsoft.com/office/drawing/2014/main" id="{B06002E1-7E0A-48FF-0039-C129E25527D5}"/>
+              </a:ext>
+            </a:extLst>
+          </p:cNvPr>
+          <p:cNvSpPr/>
+          <p:nvPr/>
+        </p:nvSpPr>
+        <p:spPr>
+          <a:xfrm>
+            <a:off x="10185812" y="479646"/>
+            <a:ext cx="1441557" cy="329823"/>
+          </a:xfrm>
+          <a:prstGeom prst="rect">
+            <a:avLst/>
+          </a:prstGeom>
+          <a:solidFill>
+            <a:srgbClr val="FFFF00"/>
+          </a:solidFill>
+        </p:spPr>
+        <p:style>
+          <a:lnRef idx="2">
+            <a:schemeClr val="accent1">
+              <a:shade val="15000"/>
+            </a:schemeClr>
+          </a:lnRef>
+          <a:fillRef idx="1">
+            <a:schemeClr val="accent1"/>
+          </a:fillRef>
+          <a:effectRef idx="0">
+            <a:schemeClr val="accent1"/>
+          </a:effectRef>
+          <a:fontRef idx="minor">
+            <a:schemeClr val="lt1"/>
+          </a:fontRef>
+        </p:style>
+        <p:txBody>
+          <a:bodyPr rtlCol="0" anchor="ctr"/>
+          <a:lstStyle/>
+          <a:p>
+            <a:pPr algn="ctr"/>
+            <a:r>
+              <a:rPr kumimoji="1" lang="en-US" altLang="ko-KR" sz="1200" dirty="0">
+                <a:solidFill>
+                  <a:schemeClr val="tx1"/>
+                </a:solidFill>
+                <a:latin typeface="DM Mono" panose="020B0509040201040103" pitchFamily="49" charset="0"/>
+              </a:rPr>
+              <a:t>“Tom”</a:t>
+            </a:r>
+            <a:endParaRPr kumimoji="1" lang="ko-KR" altLang="en-US" sz="1200" dirty="0">
+              <a:solidFill>
+                <a:schemeClr val="tx1"/>
+              </a:solidFill>
+              <a:latin typeface="DM Mono" panose="020B0509040201040103" pitchFamily="49" charset="0"/>
+            </a:endParaRPr>
+          </a:p>
+        </p:txBody>
+      </p:sp>
+      <p:cxnSp>
+        <p:nvCxnSpPr>
+          <p:cNvPr id="13" name="구부러진 연결선[U] 12">
+            <a:extLst>
+              <a:ext uri="{FF2B5EF4-FFF2-40B4-BE49-F238E27FC236}">
+                <a16:creationId xmlns:a16="http://schemas.microsoft.com/office/drawing/2014/main" id="{68E12808-F904-D961-0F53-6D2C59633C03}"/>
+              </a:ext>
+            </a:extLst>
+          </p:cNvPr>
+          <p:cNvCxnSpPr>
+            <a:stCxn id="6" idx="3"/>
+            <a:endCxn id="11" idx="1"/>
+          </p:cNvCxnSpPr>
+          <p:nvPr/>
+        </p:nvCxnSpPr>
+        <p:spPr>
+          <a:xfrm flipV="1">
+            <a:off x="7984759" y="644558"/>
+            <a:ext cx="2201053" cy="564583"/>
+          </a:xfrm>
+          <a:prstGeom prst="curvedConnector3">
+            <a:avLst/>
+          </a:prstGeom>
+          <a:ln>
+            <a:tailEnd type="triangle"/>
+          </a:ln>
+        </p:spPr>
+        <p:style>
+          <a:lnRef idx="1">
+            <a:schemeClr val="dk1"/>
+          </a:lnRef>
+          <a:fillRef idx="0">
+            <a:schemeClr val="dk1"/>
+          </a:fillRef>
+          <a:effectRef idx="0">
+            <a:schemeClr val="dk1"/>
+          </a:effectRef>
+          <a:fontRef idx="minor">
+            <a:schemeClr val="tx1"/>
+          </a:fontRef>
+        </p:style>
+      </p:cxnSp>
+      <p:sp>
+        <p:nvSpPr>
+          <p:cNvPr id="14" name="TextBox 13">
+            <a:extLst>
+              <a:ext uri="{FF2B5EF4-FFF2-40B4-BE49-F238E27FC236}">
+                <a16:creationId xmlns:a16="http://schemas.microsoft.com/office/drawing/2014/main" id="{13CCF594-2FD6-C4DC-05F5-C1D983C7E34A}"/>
+              </a:ext>
+            </a:extLst>
+          </p:cNvPr>
+          <p:cNvSpPr txBox="1"/>
+          <p:nvPr/>
+        </p:nvSpPr>
+        <p:spPr>
+          <a:xfrm>
+            <a:off x="9838540" y="212376"/>
+            <a:ext cx="694544" cy="276999"/>
+          </a:xfrm>
+          <a:prstGeom prst="rect">
+            <a:avLst/>
+          </a:prstGeom>
+          <a:noFill/>
+        </p:spPr>
+        <p:txBody>
+          <a:bodyPr wrap="square">
+            <a:spAutoFit/>
+          </a:bodyPr>
+          <a:lstStyle/>
+          <a:p>
+            <a:pPr algn="ctr"/>
+            <a:r>
+              <a:rPr lang="en-US" altLang="ko-KR" sz="1200" dirty="0">
+                <a:latin typeface="DM Mono" panose="020B0509040201040103" pitchFamily="49" charset="0"/>
+              </a:rPr>
+              <a:t>0x200</a:t>
+            </a:r>
+            <a:endParaRPr lang="ko-KR" altLang="en-US" sz="1200" dirty="0">
+              <a:latin typeface="DM Mono" panose="020B0509040201040103" pitchFamily="49" charset="0"/>
+            </a:endParaRPr>
+          </a:p>
+        </p:txBody>
+      </p:sp>
+      <p:sp>
+        <p:nvSpPr>
+          <p:cNvPr id="27" name="직사각형 26">
+            <a:extLst>
+              <a:ext uri="{FF2B5EF4-FFF2-40B4-BE49-F238E27FC236}">
+                <a16:creationId xmlns:a16="http://schemas.microsoft.com/office/drawing/2014/main" id="{982788D3-B123-3445-C895-251E97CDF298}"/>
+              </a:ext>
+            </a:extLst>
+          </p:cNvPr>
+          <p:cNvSpPr/>
+          <p:nvPr/>
+        </p:nvSpPr>
+        <p:spPr>
+          <a:xfrm>
+            <a:off x="7090345" y="1937405"/>
+            <a:ext cx="894414" cy="489811"/>
+          </a:xfrm>
+          <a:prstGeom prst="rect">
+            <a:avLst/>
+          </a:prstGeom>
+          <a:solidFill>
+            <a:srgbClr val="FFFF00"/>
+          </a:solidFill>
+        </p:spPr>
+        <p:style>
+          <a:lnRef idx="2">
+            <a:schemeClr val="accent1">
+              <a:shade val="15000"/>
+            </a:schemeClr>
+          </a:lnRef>
+          <a:fillRef idx="1">
+            <a:schemeClr val="accent1"/>
+          </a:fillRef>
+          <a:effectRef idx="0">
+            <a:schemeClr val="accent1"/>
+          </a:effectRef>
+          <a:fontRef idx="minor">
+            <a:schemeClr val="lt1"/>
+          </a:fontRef>
+        </p:style>
+        <p:txBody>
+          <a:bodyPr rtlCol="0" anchor="ctr"/>
+          <a:lstStyle/>
+          <a:p>
+            <a:pPr algn="ctr"/>
+            <a:endParaRPr kumimoji="1" lang="ko-KR" altLang="en-US" sz="1200" dirty="0">
+              <a:solidFill>
+                <a:schemeClr val="tx1"/>
+              </a:solidFill>
+              <a:latin typeface="DM Mono" panose="020B0509040201040103" pitchFamily="49" charset="0"/>
+            </a:endParaRPr>
+          </a:p>
+        </p:txBody>
+      </p:sp>
+      <p:sp>
+        <p:nvSpPr>
+          <p:cNvPr id="28" name="TextBox 27">
+            <a:extLst>
+              <a:ext uri="{FF2B5EF4-FFF2-40B4-BE49-F238E27FC236}">
+                <a16:creationId xmlns:a16="http://schemas.microsoft.com/office/drawing/2014/main" id="{8685850F-E767-3C17-2F9A-6F111DEB22F8}"/>
+              </a:ext>
+            </a:extLst>
+          </p:cNvPr>
+          <p:cNvSpPr txBox="1"/>
+          <p:nvPr/>
+        </p:nvSpPr>
+        <p:spPr>
+          <a:xfrm>
+            <a:off x="6400795" y="2043812"/>
+            <a:ext cx="694544" cy="276999"/>
+          </a:xfrm>
+          <a:prstGeom prst="rect">
+            <a:avLst/>
+          </a:prstGeom>
+          <a:noFill/>
+        </p:spPr>
+        <p:txBody>
+          <a:bodyPr wrap="square">
+            <a:spAutoFit/>
+          </a:bodyPr>
+          <a:lstStyle/>
+          <a:p>
+            <a:pPr algn="r"/>
+            <a:r>
+              <a:rPr lang="en-US" altLang="ko-KR" sz="1200" dirty="0">
+                <a:latin typeface="DM Mono" panose="020B0509040201040103" pitchFamily="49" charset="0"/>
+              </a:rPr>
+              <a:t>ref</a:t>
+            </a:r>
+            <a:endParaRPr lang="ko-KR" altLang="en-US" sz="1200" dirty="0">
+              <a:latin typeface="DM Mono" panose="020B0509040201040103" pitchFamily="49" charset="0"/>
+            </a:endParaRPr>
+          </a:p>
+        </p:txBody>
+      </p:sp>
+      <p:sp>
+        <p:nvSpPr>
+          <p:cNvPr id="29" name="직사각형 28">
+            <a:extLst>
+              <a:ext uri="{FF2B5EF4-FFF2-40B4-BE49-F238E27FC236}">
+                <a16:creationId xmlns:a16="http://schemas.microsoft.com/office/drawing/2014/main" id="{8885ED78-B486-A698-9658-35713024BF5E}"/>
+              </a:ext>
+            </a:extLst>
+          </p:cNvPr>
+          <p:cNvSpPr/>
+          <p:nvPr/>
+        </p:nvSpPr>
+        <p:spPr>
+          <a:xfrm>
+            <a:off x="10233282" y="1836108"/>
+            <a:ext cx="729526" cy="329823"/>
+          </a:xfrm>
+          <a:prstGeom prst="rect">
+            <a:avLst/>
+          </a:prstGeom>
+          <a:solidFill>
+            <a:srgbClr val="FFFF00"/>
+          </a:solidFill>
+        </p:spPr>
+        <p:style>
+          <a:lnRef idx="2">
+            <a:schemeClr val="accent1">
+              <a:shade val="15000"/>
+            </a:schemeClr>
+          </a:lnRef>
+          <a:fillRef idx="1">
+            <a:schemeClr val="accent1"/>
+          </a:fillRef>
+          <a:effectRef idx="0">
+            <a:schemeClr val="accent1"/>
+          </a:effectRef>
+          <a:fontRef idx="minor">
+            <a:schemeClr val="lt1"/>
+          </a:fontRef>
+        </p:style>
+        <p:txBody>
+          <a:bodyPr rtlCol="0" anchor="ctr"/>
+          <a:lstStyle/>
+          <a:p>
+            <a:pPr algn="ctr"/>
+            <a:r>
+              <a:rPr kumimoji="1" lang="en-US" altLang="ko-KR" sz="1200" dirty="0">
+                <a:solidFill>
+                  <a:schemeClr val="tx1"/>
+                </a:solidFill>
+                <a:latin typeface="DM Mono" panose="020B0509040201040103" pitchFamily="49" charset="0"/>
+              </a:rPr>
+              <a:t>1</a:t>
+            </a:r>
+            <a:endParaRPr kumimoji="1" lang="ko-KR" altLang="en-US" sz="1200" dirty="0">
+              <a:solidFill>
+                <a:schemeClr val="tx1"/>
+              </a:solidFill>
+              <a:latin typeface="DM Mono" panose="020B0509040201040103" pitchFamily="49" charset="0"/>
+            </a:endParaRPr>
+          </a:p>
+        </p:txBody>
+      </p:sp>
+      <p:cxnSp>
+        <p:nvCxnSpPr>
+          <p:cNvPr id="30" name="구부러진 연결선[U] 29">
+            <a:extLst>
+              <a:ext uri="{FF2B5EF4-FFF2-40B4-BE49-F238E27FC236}">
+                <a16:creationId xmlns:a16="http://schemas.microsoft.com/office/drawing/2014/main" id="{17CFC538-66DC-A2EF-35D7-89B2109494D6}"/>
+              </a:ext>
+            </a:extLst>
+          </p:cNvPr>
+          <p:cNvCxnSpPr>
+            <a:cxnSpLocks/>
+            <a:stCxn id="27" idx="3"/>
+            <a:endCxn id="29" idx="1"/>
+          </p:cNvCxnSpPr>
+          <p:nvPr/>
+        </p:nvCxnSpPr>
+        <p:spPr>
+          <a:xfrm flipV="1">
+            <a:off x="7984759" y="2001020"/>
+            <a:ext cx="2248523" cy="181291"/>
+          </a:xfrm>
+          <a:prstGeom prst="curvedConnector3">
+            <a:avLst/>
+          </a:prstGeom>
+          <a:ln>
+            <a:tailEnd type="triangle"/>
+          </a:ln>
+        </p:spPr>
+        <p:style>
+          <a:lnRef idx="1">
+            <a:schemeClr val="dk1"/>
+          </a:lnRef>
+          <a:fillRef idx="0">
+            <a:schemeClr val="dk1"/>
+          </a:fillRef>
+          <a:effectRef idx="0">
+            <a:schemeClr val="dk1"/>
+          </a:effectRef>
+          <a:fontRef idx="minor">
+            <a:schemeClr val="tx1"/>
+          </a:fontRef>
+        </p:style>
+      </p:cxnSp>
+    </p:spTree>
+    <p:extLst>
+      <p:ext uri="{BB962C8B-B14F-4D97-AF65-F5344CB8AC3E}">
+        <p14:creationId xmlns:p14="http://schemas.microsoft.com/office/powerpoint/2010/main" val="1777155289"/>
+      </p:ext>
+    </p:extLst>
+  </p:cSld>
+  <p:clrMapOvr>
+    <a:masterClrMapping/>
+  </p:clrMapOvr>
+</p:sld>
+</file>
+
 <file path=ppt/slides/slide2.xml><?xml version="1.0" encoding="utf-8"?>
 <p:sld xmlns:a="http://schemas.openxmlformats.org/drawingml/2006/main" xmlns:r="http://schemas.openxmlformats.org/officeDocument/2006/relationships" xmlns:p="http://schemas.openxmlformats.org/presentationml/2006/main">
   <p:cSld>
@@ -14053,6 +16614,5779 @@
     <p:extLst>
       <p:ext uri="{BB962C8B-B14F-4D97-AF65-F5344CB8AC3E}">
         <p14:creationId xmlns:p14="http://schemas.microsoft.com/office/powerpoint/2010/main" val="385937112"/>
+      </p:ext>
+    </p:extLst>
+  </p:cSld>
+  <p:clrMapOvr>
+    <a:masterClrMapping/>
+  </p:clrMapOvr>
+</p:sld>
+</file>
+
+<file path=ppt/slides/slide20.xml><?xml version="1.0" encoding="utf-8"?>
+<p:sld xmlns:a="http://schemas.openxmlformats.org/drawingml/2006/main" xmlns:r="http://schemas.openxmlformats.org/officeDocument/2006/relationships" xmlns:p="http://schemas.openxmlformats.org/presentationml/2006/main">
+  <p:cSld>
+    <p:spTree>
+      <p:nvGrpSpPr>
+        <p:cNvPr id="1" name=""/>
+        <p:cNvGrpSpPr/>
+        <p:nvPr/>
+      </p:nvGrpSpPr>
+      <p:grpSpPr>
+        <a:xfrm>
+          <a:off x="0" y="0"/>
+          <a:ext cx="0" cy="0"/>
+          <a:chOff x="0" y="0"/>
+          <a:chExt cx="0" cy="0"/>
+        </a:xfrm>
+      </p:grpSpPr>
+      <p:sp>
+        <p:nvSpPr>
+          <p:cNvPr id="6" name="직사각형 5">
+            <a:extLst>
+              <a:ext uri="{FF2B5EF4-FFF2-40B4-BE49-F238E27FC236}">
+                <a16:creationId xmlns:a16="http://schemas.microsoft.com/office/drawing/2014/main" id="{908EB3C3-304F-7045-6EB1-59391145DD48}"/>
+              </a:ext>
+            </a:extLst>
+          </p:cNvPr>
+          <p:cNvSpPr/>
+          <p:nvPr/>
+        </p:nvSpPr>
+        <p:spPr>
+          <a:xfrm>
+            <a:off x="7090345" y="964235"/>
+            <a:ext cx="894414" cy="489811"/>
+          </a:xfrm>
+          <a:prstGeom prst="rect">
+            <a:avLst/>
+          </a:prstGeom>
+          <a:solidFill>
+            <a:srgbClr val="FFFF00"/>
+          </a:solidFill>
+        </p:spPr>
+        <p:style>
+          <a:lnRef idx="2">
+            <a:schemeClr val="accent1">
+              <a:shade val="15000"/>
+            </a:schemeClr>
+          </a:lnRef>
+          <a:fillRef idx="1">
+            <a:schemeClr val="accent1"/>
+          </a:fillRef>
+          <a:effectRef idx="0">
+            <a:schemeClr val="accent1"/>
+          </a:effectRef>
+          <a:fontRef idx="minor">
+            <a:schemeClr val="lt1"/>
+          </a:fontRef>
+        </p:style>
+        <p:txBody>
+          <a:bodyPr rtlCol="0" anchor="ctr"/>
+          <a:lstStyle/>
+          <a:p>
+            <a:pPr algn="ctr"/>
+            <a:r>
+              <a:rPr kumimoji="1" lang="en-US" altLang="ko-KR" sz="1200" dirty="0">
+                <a:solidFill>
+                  <a:schemeClr val="tx1"/>
+                </a:solidFill>
+                <a:latin typeface="DM Mono" panose="020B0509040201040103" pitchFamily="49" charset="0"/>
+              </a:rPr>
+              <a:t>0x200</a:t>
+            </a:r>
+            <a:endParaRPr kumimoji="1" lang="ko-KR" altLang="en-US" sz="1200" dirty="0">
+              <a:solidFill>
+                <a:schemeClr val="tx1"/>
+              </a:solidFill>
+              <a:latin typeface="DM Mono" panose="020B0509040201040103" pitchFamily="49" charset="0"/>
+            </a:endParaRPr>
+          </a:p>
+        </p:txBody>
+      </p:sp>
+      <p:sp>
+        <p:nvSpPr>
+          <p:cNvPr id="7" name="직사각형 6">
+            <a:extLst>
+              <a:ext uri="{FF2B5EF4-FFF2-40B4-BE49-F238E27FC236}">
+                <a16:creationId xmlns:a16="http://schemas.microsoft.com/office/drawing/2014/main" id="{E95E48C3-88B7-8F38-7EEF-3CBBDC599471}"/>
+              </a:ext>
+            </a:extLst>
+          </p:cNvPr>
+          <p:cNvSpPr/>
+          <p:nvPr/>
+        </p:nvSpPr>
+        <p:spPr>
+          <a:xfrm>
+            <a:off x="7090345" y="1454046"/>
+            <a:ext cx="894414" cy="489811"/>
+          </a:xfrm>
+          <a:prstGeom prst="rect">
+            <a:avLst/>
+          </a:prstGeom>
+          <a:solidFill>
+            <a:srgbClr val="FFFF00"/>
+          </a:solidFill>
+        </p:spPr>
+        <p:style>
+          <a:lnRef idx="2">
+            <a:schemeClr val="accent1">
+              <a:shade val="15000"/>
+            </a:schemeClr>
+          </a:lnRef>
+          <a:fillRef idx="1">
+            <a:schemeClr val="accent1"/>
+          </a:fillRef>
+          <a:effectRef idx="0">
+            <a:schemeClr val="accent1"/>
+          </a:effectRef>
+          <a:fontRef idx="minor">
+            <a:schemeClr val="lt1"/>
+          </a:fontRef>
+        </p:style>
+        <p:txBody>
+          <a:bodyPr rtlCol="0" anchor="ctr"/>
+          <a:lstStyle/>
+          <a:p>
+            <a:pPr algn="ctr"/>
+            <a:r>
+              <a:rPr kumimoji="1" lang="en-US" altLang="ko-KR" sz="1200" dirty="0">
+                <a:solidFill>
+                  <a:schemeClr val="tx1"/>
+                </a:solidFill>
+                <a:latin typeface="DM Mono" panose="020B0509040201040103" pitchFamily="49" charset="0"/>
+              </a:rPr>
+              <a:t>42</a:t>
+            </a:r>
+            <a:endParaRPr kumimoji="1" lang="ko-KR" altLang="en-US" sz="1200" dirty="0">
+              <a:solidFill>
+                <a:schemeClr val="tx1"/>
+              </a:solidFill>
+              <a:latin typeface="DM Mono" panose="020B0509040201040103" pitchFamily="49" charset="0"/>
+            </a:endParaRPr>
+          </a:p>
+        </p:txBody>
+      </p:sp>
+      <p:sp>
+        <p:nvSpPr>
+          <p:cNvPr id="8" name="TextBox 7">
+            <a:extLst>
+              <a:ext uri="{FF2B5EF4-FFF2-40B4-BE49-F238E27FC236}">
+                <a16:creationId xmlns:a16="http://schemas.microsoft.com/office/drawing/2014/main" id="{7AA979D8-4780-5226-CBC4-ED682085048C}"/>
+              </a:ext>
+            </a:extLst>
+          </p:cNvPr>
+          <p:cNvSpPr txBox="1"/>
+          <p:nvPr/>
+        </p:nvSpPr>
+        <p:spPr>
+          <a:xfrm>
+            <a:off x="7190280" y="647487"/>
+            <a:ext cx="694544" cy="276999"/>
+          </a:xfrm>
+          <a:prstGeom prst="rect">
+            <a:avLst/>
+          </a:prstGeom>
+          <a:noFill/>
+        </p:spPr>
+        <p:txBody>
+          <a:bodyPr wrap="square">
+            <a:spAutoFit/>
+          </a:bodyPr>
+          <a:lstStyle/>
+          <a:p>
+            <a:pPr algn="ctr"/>
+            <a:r>
+              <a:rPr lang="en-US" altLang="ko-KR" sz="1200" dirty="0">
+                <a:latin typeface="DM Mono" panose="020B0509040201040103" pitchFamily="49" charset="0"/>
+              </a:rPr>
+              <a:t>user</a:t>
+            </a:r>
+            <a:endParaRPr lang="ko-KR" altLang="en-US" sz="1200" dirty="0">
+              <a:latin typeface="DM Mono" panose="020B0509040201040103" pitchFamily="49" charset="0"/>
+            </a:endParaRPr>
+          </a:p>
+        </p:txBody>
+      </p:sp>
+      <p:sp>
+        <p:nvSpPr>
+          <p:cNvPr id="9" name="TextBox 8">
+            <a:extLst>
+              <a:ext uri="{FF2B5EF4-FFF2-40B4-BE49-F238E27FC236}">
+                <a16:creationId xmlns:a16="http://schemas.microsoft.com/office/drawing/2014/main" id="{B1640A79-F7FC-C373-A32D-AFD724A2FE6F}"/>
+              </a:ext>
+            </a:extLst>
+          </p:cNvPr>
+          <p:cNvSpPr txBox="1"/>
+          <p:nvPr/>
+        </p:nvSpPr>
+        <p:spPr>
+          <a:xfrm>
+            <a:off x="6395801" y="1071984"/>
+            <a:ext cx="694544" cy="276999"/>
+          </a:xfrm>
+          <a:prstGeom prst="rect">
+            <a:avLst/>
+          </a:prstGeom>
+          <a:noFill/>
+        </p:spPr>
+        <p:txBody>
+          <a:bodyPr wrap="square">
+            <a:spAutoFit/>
+          </a:bodyPr>
+          <a:lstStyle/>
+          <a:p>
+            <a:pPr algn="r"/>
+            <a:r>
+              <a:rPr lang="en-US" altLang="ko-KR" sz="1200" dirty="0">
+                <a:latin typeface="DM Mono" panose="020B0509040201040103" pitchFamily="49" charset="0"/>
+              </a:rPr>
+              <a:t>name</a:t>
+            </a:r>
+            <a:endParaRPr lang="ko-KR" altLang="en-US" sz="1200" dirty="0">
+              <a:latin typeface="DM Mono" panose="020B0509040201040103" pitchFamily="49" charset="0"/>
+            </a:endParaRPr>
+          </a:p>
+        </p:txBody>
+      </p:sp>
+      <p:sp>
+        <p:nvSpPr>
+          <p:cNvPr id="10" name="TextBox 9">
+            <a:extLst>
+              <a:ext uri="{FF2B5EF4-FFF2-40B4-BE49-F238E27FC236}">
+                <a16:creationId xmlns:a16="http://schemas.microsoft.com/office/drawing/2014/main" id="{0A22048C-68EA-0BAD-6262-34D7A386611A}"/>
+              </a:ext>
+            </a:extLst>
+          </p:cNvPr>
+          <p:cNvSpPr txBox="1"/>
+          <p:nvPr/>
+        </p:nvSpPr>
+        <p:spPr>
+          <a:xfrm>
+            <a:off x="6395801" y="1559109"/>
+            <a:ext cx="694544" cy="276999"/>
+          </a:xfrm>
+          <a:prstGeom prst="rect">
+            <a:avLst/>
+          </a:prstGeom>
+          <a:noFill/>
+        </p:spPr>
+        <p:txBody>
+          <a:bodyPr wrap="square">
+            <a:spAutoFit/>
+          </a:bodyPr>
+          <a:lstStyle/>
+          <a:p>
+            <a:pPr algn="r"/>
+            <a:r>
+              <a:rPr lang="en-US" altLang="ko-KR" sz="1200" dirty="0">
+                <a:latin typeface="DM Mono" panose="020B0509040201040103" pitchFamily="49" charset="0"/>
+              </a:rPr>
+              <a:t>age</a:t>
+            </a:r>
+            <a:endParaRPr lang="ko-KR" altLang="en-US" sz="1200" dirty="0">
+              <a:latin typeface="DM Mono" panose="020B0509040201040103" pitchFamily="49" charset="0"/>
+            </a:endParaRPr>
+          </a:p>
+        </p:txBody>
+      </p:sp>
+      <p:sp>
+        <p:nvSpPr>
+          <p:cNvPr id="11" name="직사각형 10">
+            <a:extLst>
+              <a:ext uri="{FF2B5EF4-FFF2-40B4-BE49-F238E27FC236}">
+                <a16:creationId xmlns:a16="http://schemas.microsoft.com/office/drawing/2014/main" id="{B06002E1-7E0A-48FF-0039-C129E25527D5}"/>
+              </a:ext>
+            </a:extLst>
+          </p:cNvPr>
+          <p:cNvSpPr/>
+          <p:nvPr/>
+        </p:nvSpPr>
+        <p:spPr>
+          <a:xfrm>
+            <a:off x="10185812" y="479646"/>
+            <a:ext cx="1441557" cy="329823"/>
+          </a:xfrm>
+          <a:prstGeom prst="rect">
+            <a:avLst/>
+          </a:prstGeom>
+          <a:solidFill>
+            <a:srgbClr val="FFFF00"/>
+          </a:solidFill>
+        </p:spPr>
+        <p:style>
+          <a:lnRef idx="2">
+            <a:schemeClr val="accent1">
+              <a:shade val="15000"/>
+            </a:schemeClr>
+          </a:lnRef>
+          <a:fillRef idx="1">
+            <a:schemeClr val="accent1"/>
+          </a:fillRef>
+          <a:effectRef idx="0">
+            <a:schemeClr val="accent1"/>
+          </a:effectRef>
+          <a:fontRef idx="minor">
+            <a:schemeClr val="lt1"/>
+          </a:fontRef>
+        </p:style>
+        <p:txBody>
+          <a:bodyPr rtlCol="0" anchor="ctr"/>
+          <a:lstStyle/>
+          <a:p>
+            <a:pPr algn="ctr"/>
+            <a:r>
+              <a:rPr kumimoji="1" lang="en-US" altLang="ko-KR" sz="1200" dirty="0">
+                <a:solidFill>
+                  <a:schemeClr val="tx1"/>
+                </a:solidFill>
+                <a:latin typeface="DM Mono" panose="020B0509040201040103" pitchFamily="49" charset="0"/>
+              </a:rPr>
+              <a:t>“Tom”</a:t>
+            </a:r>
+            <a:endParaRPr kumimoji="1" lang="ko-KR" altLang="en-US" sz="1200" dirty="0">
+              <a:solidFill>
+                <a:schemeClr val="tx1"/>
+              </a:solidFill>
+              <a:latin typeface="DM Mono" panose="020B0509040201040103" pitchFamily="49" charset="0"/>
+            </a:endParaRPr>
+          </a:p>
+        </p:txBody>
+      </p:sp>
+      <p:cxnSp>
+        <p:nvCxnSpPr>
+          <p:cNvPr id="13" name="구부러진 연결선[U] 12">
+            <a:extLst>
+              <a:ext uri="{FF2B5EF4-FFF2-40B4-BE49-F238E27FC236}">
+                <a16:creationId xmlns:a16="http://schemas.microsoft.com/office/drawing/2014/main" id="{68E12808-F904-D961-0F53-6D2C59633C03}"/>
+              </a:ext>
+            </a:extLst>
+          </p:cNvPr>
+          <p:cNvCxnSpPr>
+            <a:stCxn id="6" idx="3"/>
+            <a:endCxn id="11" idx="1"/>
+          </p:cNvCxnSpPr>
+          <p:nvPr/>
+        </p:nvCxnSpPr>
+        <p:spPr>
+          <a:xfrm flipV="1">
+            <a:off x="7984759" y="644558"/>
+            <a:ext cx="2201053" cy="564583"/>
+          </a:xfrm>
+          <a:prstGeom prst="curvedConnector3">
+            <a:avLst/>
+          </a:prstGeom>
+          <a:ln>
+            <a:tailEnd type="triangle"/>
+          </a:ln>
+        </p:spPr>
+        <p:style>
+          <a:lnRef idx="1">
+            <a:schemeClr val="dk1"/>
+          </a:lnRef>
+          <a:fillRef idx="0">
+            <a:schemeClr val="dk1"/>
+          </a:fillRef>
+          <a:effectRef idx="0">
+            <a:schemeClr val="dk1"/>
+          </a:effectRef>
+          <a:fontRef idx="minor">
+            <a:schemeClr val="tx1"/>
+          </a:fontRef>
+        </p:style>
+      </p:cxnSp>
+      <p:sp>
+        <p:nvSpPr>
+          <p:cNvPr id="14" name="TextBox 13">
+            <a:extLst>
+              <a:ext uri="{FF2B5EF4-FFF2-40B4-BE49-F238E27FC236}">
+                <a16:creationId xmlns:a16="http://schemas.microsoft.com/office/drawing/2014/main" id="{13CCF594-2FD6-C4DC-05F5-C1D983C7E34A}"/>
+              </a:ext>
+            </a:extLst>
+          </p:cNvPr>
+          <p:cNvSpPr txBox="1"/>
+          <p:nvPr/>
+        </p:nvSpPr>
+        <p:spPr>
+          <a:xfrm>
+            <a:off x="9838540" y="212376"/>
+            <a:ext cx="694544" cy="276999"/>
+          </a:xfrm>
+          <a:prstGeom prst="rect">
+            <a:avLst/>
+          </a:prstGeom>
+          <a:noFill/>
+        </p:spPr>
+        <p:txBody>
+          <a:bodyPr wrap="square">
+            <a:spAutoFit/>
+          </a:bodyPr>
+          <a:lstStyle/>
+          <a:p>
+            <a:pPr algn="ctr"/>
+            <a:r>
+              <a:rPr lang="en-US" altLang="ko-KR" sz="1200" dirty="0">
+                <a:latin typeface="DM Mono" panose="020B0509040201040103" pitchFamily="49" charset="0"/>
+              </a:rPr>
+              <a:t>0x200</a:t>
+            </a:r>
+            <a:endParaRPr lang="ko-KR" altLang="en-US" sz="1200" dirty="0">
+              <a:latin typeface="DM Mono" panose="020B0509040201040103" pitchFamily="49" charset="0"/>
+            </a:endParaRPr>
+          </a:p>
+        </p:txBody>
+      </p:sp>
+      <p:sp>
+        <p:nvSpPr>
+          <p:cNvPr id="27" name="직사각형 26">
+            <a:extLst>
+              <a:ext uri="{FF2B5EF4-FFF2-40B4-BE49-F238E27FC236}">
+                <a16:creationId xmlns:a16="http://schemas.microsoft.com/office/drawing/2014/main" id="{982788D3-B123-3445-C895-251E97CDF298}"/>
+              </a:ext>
+            </a:extLst>
+          </p:cNvPr>
+          <p:cNvSpPr/>
+          <p:nvPr/>
+        </p:nvSpPr>
+        <p:spPr>
+          <a:xfrm>
+            <a:off x="7090345" y="1937405"/>
+            <a:ext cx="894414" cy="489811"/>
+          </a:xfrm>
+          <a:prstGeom prst="rect">
+            <a:avLst/>
+          </a:prstGeom>
+          <a:solidFill>
+            <a:srgbClr val="FFFF00"/>
+          </a:solidFill>
+        </p:spPr>
+        <p:style>
+          <a:lnRef idx="2">
+            <a:schemeClr val="accent1">
+              <a:shade val="15000"/>
+            </a:schemeClr>
+          </a:lnRef>
+          <a:fillRef idx="1">
+            <a:schemeClr val="accent1"/>
+          </a:fillRef>
+          <a:effectRef idx="0">
+            <a:schemeClr val="accent1"/>
+          </a:effectRef>
+          <a:fontRef idx="minor">
+            <a:schemeClr val="lt1"/>
+          </a:fontRef>
+        </p:style>
+        <p:txBody>
+          <a:bodyPr rtlCol="0" anchor="ctr"/>
+          <a:lstStyle/>
+          <a:p>
+            <a:pPr algn="ctr"/>
+            <a:endParaRPr kumimoji="1" lang="ko-KR" altLang="en-US" sz="1200" dirty="0">
+              <a:solidFill>
+                <a:schemeClr val="tx1"/>
+              </a:solidFill>
+              <a:latin typeface="DM Mono" panose="020B0509040201040103" pitchFamily="49" charset="0"/>
+            </a:endParaRPr>
+          </a:p>
+        </p:txBody>
+      </p:sp>
+      <p:sp>
+        <p:nvSpPr>
+          <p:cNvPr id="28" name="TextBox 27">
+            <a:extLst>
+              <a:ext uri="{FF2B5EF4-FFF2-40B4-BE49-F238E27FC236}">
+                <a16:creationId xmlns:a16="http://schemas.microsoft.com/office/drawing/2014/main" id="{8685850F-E767-3C17-2F9A-6F111DEB22F8}"/>
+              </a:ext>
+            </a:extLst>
+          </p:cNvPr>
+          <p:cNvSpPr txBox="1"/>
+          <p:nvPr/>
+        </p:nvSpPr>
+        <p:spPr>
+          <a:xfrm>
+            <a:off x="6400795" y="2043812"/>
+            <a:ext cx="694544" cy="276999"/>
+          </a:xfrm>
+          <a:prstGeom prst="rect">
+            <a:avLst/>
+          </a:prstGeom>
+          <a:noFill/>
+        </p:spPr>
+        <p:txBody>
+          <a:bodyPr wrap="square">
+            <a:spAutoFit/>
+          </a:bodyPr>
+          <a:lstStyle/>
+          <a:p>
+            <a:pPr algn="r"/>
+            <a:r>
+              <a:rPr lang="en-US" altLang="ko-KR" sz="1200" dirty="0">
+                <a:latin typeface="DM Mono" panose="020B0509040201040103" pitchFamily="49" charset="0"/>
+              </a:rPr>
+              <a:t>ref</a:t>
+            </a:r>
+            <a:endParaRPr lang="ko-KR" altLang="en-US" sz="1200" dirty="0">
+              <a:latin typeface="DM Mono" panose="020B0509040201040103" pitchFamily="49" charset="0"/>
+            </a:endParaRPr>
+          </a:p>
+        </p:txBody>
+      </p:sp>
+      <p:sp>
+        <p:nvSpPr>
+          <p:cNvPr id="29" name="직사각형 28">
+            <a:extLst>
+              <a:ext uri="{FF2B5EF4-FFF2-40B4-BE49-F238E27FC236}">
+                <a16:creationId xmlns:a16="http://schemas.microsoft.com/office/drawing/2014/main" id="{8885ED78-B486-A698-9658-35713024BF5E}"/>
+              </a:ext>
+            </a:extLst>
+          </p:cNvPr>
+          <p:cNvSpPr/>
+          <p:nvPr/>
+        </p:nvSpPr>
+        <p:spPr>
+          <a:xfrm>
+            <a:off x="10233282" y="1836108"/>
+            <a:ext cx="729526" cy="329823"/>
+          </a:xfrm>
+          <a:prstGeom prst="rect">
+            <a:avLst/>
+          </a:prstGeom>
+          <a:solidFill>
+            <a:srgbClr val="FFFF00"/>
+          </a:solidFill>
+        </p:spPr>
+        <p:style>
+          <a:lnRef idx="2">
+            <a:schemeClr val="accent1">
+              <a:shade val="15000"/>
+            </a:schemeClr>
+          </a:lnRef>
+          <a:fillRef idx="1">
+            <a:schemeClr val="accent1"/>
+          </a:fillRef>
+          <a:effectRef idx="0">
+            <a:schemeClr val="accent1"/>
+          </a:effectRef>
+          <a:fontRef idx="minor">
+            <a:schemeClr val="lt1"/>
+          </a:fontRef>
+        </p:style>
+        <p:txBody>
+          <a:bodyPr rtlCol="0" anchor="ctr"/>
+          <a:lstStyle/>
+          <a:p>
+            <a:pPr algn="ctr"/>
+            <a:r>
+              <a:rPr kumimoji="1" lang="en-US" altLang="ko-KR" sz="1200" dirty="0">
+                <a:solidFill>
+                  <a:srgbClr val="FF0000"/>
+                </a:solidFill>
+                <a:latin typeface="DM Mono" panose="020B0509040201040103" pitchFamily="49" charset="0"/>
+              </a:rPr>
+              <a:t>2</a:t>
+            </a:r>
+            <a:endParaRPr kumimoji="1" lang="ko-KR" altLang="en-US" sz="1200" dirty="0">
+              <a:solidFill>
+                <a:srgbClr val="FF0000"/>
+              </a:solidFill>
+              <a:latin typeface="DM Mono" panose="020B0509040201040103" pitchFamily="49" charset="0"/>
+            </a:endParaRPr>
+          </a:p>
+        </p:txBody>
+      </p:sp>
+      <p:cxnSp>
+        <p:nvCxnSpPr>
+          <p:cNvPr id="30" name="구부러진 연결선[U] 29">
+            <a:extLst>
+              <a:ext uri="{FF2B5EF4-FFF2-40B4-BE49-F238E27FC236}">
+                <a16:creationId xmlns:a16="http://schemas.microsoft.com/office/drawing/2014/main" id="{17CFC538-66DC-A2EF-35D7-89B2109494D6}"/>
+              </a:ext>
+            </a:extLst>
+          </p:cNvPr>
+          <p:cNvCxnSpPr>
+            <a:cxnSpLocks/>
+            <a:stCxn id="27" idx="3"/>
+            <a:endCxn id="29" idx="1"/>
+          </p:cNvCxnSpPr>
+          <p:nvPr/>
+        </p:nvCxnSpPr>
+        <p:spPr>
+          <a:xfrm flipV="1">
+            <a:off x="7984759" y="2001020"/>
+            <a:ext cx="2248523" cy="181291"/>
+          </a:xfrm>
+          <a:prstGeom prst="curvedConnector3">
+            <a:avLst/>
+          </a:prstGeom>
+          <a:ln>
+            <a:tailEnd type="triangle"/>
+          </a:ln>
+        </p:spPr>
+        <p:style>
+          <a:lnRef idx="1">
+            <a:schemeClr val="dk1"/>
+          </a:lnRef>
+          <a:fillRef idx="0">
+            <a:schemeClr val="dk1"/>
+          </a:fillRef>
+          <a:effectRef idx="0">
+            <a:schemeClr val="dk1"/>
+          </a:effectRef>
+          <a:fontRef idx="minor">
+            <a:schemeClr val="tx1"/>
+          </a:fontRef>
+        </p:style>
+      </p:cxnSp>
+      <p:sp>
+        <p:nvSpPr>
+          <p:cNvPr id="2" name="직사각형 1">
+            <a:extLst>
+              <a:ext uri="{FF2B5EF4-FFF2-40B4-BE49-F238E27FC236}">
+                <a16:creationId xmlns:a16="http://schemas.microsoft.com/office/drawing/2014/main" id="{BD4E44A1-B057-940B-7D25-75ECF4FFEFB5}"/>
+              </a:ext>
+            </a:extLst>
+          </p:cNvPr>
+          <p:cNvSpPr/>
+          <p:nvPr/>
+        </p:nvSpPr>
+        <p:spPr>
+          <a:xfrm>
+            <a:off x="7090345" y="2834610"/>
+            <a:ext cx="894414" cy="489811"/>
+          </a:xfrm>
+          <a:prstGeom prst="rect">
+            <a:avLst/>
+          </a:prstGeom>
+          <a:solidFill>
+            <a:srgbClr val="FFFF00"/>
+          </a:solidFill>
+        </p:spPr>
+        <p:style>
+          <a:lnRef idx="2">
+            <a:schemeClr val="accent1">
+              <a:shade val="15000"/>
+            </a:schemeClr>
+          </a:lnRef>
+          <a:fillRef idx="1">
+            <a:schemeClr val="accent1"/>
+          </a:fillRef>
+          <a:effectRef idx="0">
+            <a:schemeClr val="accent1"/>
+          </a:effectRef>
+          <a:fontRef idx="minor">
+            <a:schemeClr val="lt1"/>
+          </a:fontRef>
+        </p:style>
+        <p:txBody>
+          <a:bodyPr rtlCol="0" anchor="ctr"/>
+          <a:lstStyle/>
+          <a:p>
+            <a:pPr algn="ctr"/>
+            <a:r>
+              <a:rPr kumimoji="1" lang="en-US" altLang="ko-KR" sz="1200" dirty="0">
+                <a:solidFill>
+                  <a:schemeClr val="tx1"/>
+                </a:solidFill>
+                <a:latin typeface="DM Mono" panose="020B0509040201040103" pitchFamily="49" charset="0"/>
+              </a:rPr>
+              <a:t>0x200</a:t>
+            </a:r>
+            <a:endParaRPr kumimoji="1" lang="ko-KR" altLang="en-US" sz="1200" dirty="0">
+              <a:solidFill>
+                <a:schemeClr val="tx1"/>
+              </a:solidFill>
+              <a:latin typeface="DM Mono" panose="020B0509040201040103" pitchFamily="49" charset="0"/>
+            </a:endParaRPr>
+          </a:p>
+        </p:txBody>
+      </p:sp>
+      <p:sp>
+        <p:nvSpPr>
+          <p:cNvPr id="3" name="직사각형 2">
+            <a:extLst>
+              <a:ext uri="{FF2B5EF4-FFF2-40B4-BE49-F238E27FC236}">
+                <a16:creationId xmlns:a16="http://schemas.microsoft.com/office/drawing/2014/main" id="{56AD79C3-3B6A-4BC2-036B-A58D098964FC}"/>
+              </a:ext>
+            </a:extLst>
+          </p:cNvPr>
+          <p:cNvSpPr/>
+          <p:nvPr/>
+        </p:nvSpPr>
+        <p:spPr>
+          <a:xfrm>
+            <a:off x="7090345" y="3324421"/>
+            <a:ext cx="894414" cy="489811"/>
+          </a:xfrm>
+          <a:prstGeom prst="rect">
+            <a:avLst/>
+          </a:prstGeom>
+          <a:solidFill>
+            <a:srgbClr val="FFFF00"/>
+          </a:solidFill>
+        </p:spPr>
+        <p:style>
+          <a:lnRef idx="2">
+            <a:schemeClr val="accent1">
+              <a:shade val="15000"/>
+            </a:schemeClr>
+          </a:lnRef>
+          <a:fillRef idx="1">
+            <a:schemeClr val="accent1"/>
+          </a:fillRef>
+          <a:effectRef idx="0">
+            <a:schemeClr val="accent1"/>
+          </a:effectRef>
+          <a:fontRef idx="minor">
+            <a:schemeClr val="lt1"/>
+          </a:fontRef>
+        </p:style>
+        <p:txBody>
+          <a:bodyPr rtlCol="0" anchor="ctr"/>
+          <a:lstStyle/>
+          <a:p>
+            <a:pPr algn="ctr"/>
+            <a:r>
+              <a:rPr kumimoji="1" lang="en-US" altLang="ko-KR" sz="1200" dirty="0">
+                <a:solidFill>
+                  <a:schemeClr val="tx1"/>
+                </a:solidFill>
+                <a:latin typeface="DM Mono" panose="020B0509040201040103" pitchFamily="49" charset="0"/>
+              </a:rPr>
+              <a:t>42</a:t>
+            </a:r>
+            <a:endParaRPr kumimoji="1" lang="ko-KR" altLang="en-US" sz="1200" dirty="0">
+              <a:solidFill>
+                <a:schemeClr val="tx1"/>
+              </a:solidFill>
+              <a:latin typeface="DM Mono" panose="020B0509040201040103" pitchFamily="49" charset="0"/>
+            </a:endParaRPr>
+          </a:p>
+        </p:txBody>
+      </p:sp>
+      <p:sp>
+        <p:nvSpPr>
+          <p:cNvPr id="4" name="TextBox 3">
+            <a:extLst>
+              <a:ext uri="{FF2B5EF4-FFF2-40B4-BE49-F238E27FC236}">
+                <a16:creationId xmlns:a16="http://schemas.microsoft.com/office/drawing/2014/main" id="{8D6AAF52-121F-618D-4DC4-C805A18846A1}"/>
+              </a:ext>
+            </a:extLst>
+          </p:cNvPr>
+          <p:cNvSpPr txBox="1"/>
+          <p:nvPr/>
+        </p:nvSpPr>
+        <p:spPr>
+          <a:xfrm>
+            <a:off x="7190280" y="2517862"/>
+            <a:ext cx="694544" cy="276999"/>
+          </a:xfrm>
+          <a:prstGeom prst="rect">
+            <a:avLst/>
+          </a:prstGeom>
+          <a:noFill/>
+        </p:spPr>
+        <p:txBody>
+          <a:bodyPr wrap="square">
+            <a:spAutoFit/>
+          </a:bodyPr>
+          <a:lstStyle/>
+          <a:p>
+            <a:pPr algn="ctr"/>
+            <a:r>
+              <a:rPr lang="en-US" altLang="ko-KR" sz="1200" dirty="0">
+                <a:latin typeface="DM Mono" panose="020B0509040201040103" pitchFamily="49" charset="0"/>
+              </a:rPr>
+              <a:t>other</a:t>
+            </a:r>
+            <a:endParaRPr lang="ko-KR" altLang="en-US" sz="1200" dirty="0">
+              <a:latin typeface="DM Mono" panose="020B0509040201040103" pitchFamily="49" charset="0"/>
+            </a:endParaRPr>
+          </a:p>
+        </p:txBody>
+      </p:sp>
+      <p:sp>
+        <p:nvSpPr>
+          <p:cNvPr id="5" name="TextBox 4">
+            <a:extLst>
+              <a:ext uri="{FF2B5EF4-FFF2-40B4-BE49-F238E27FC236}">
+                <a16:creationId xmlns:a16="http://schemas.microsoft.com/office/drawing/2014/main" id="{90CDEA4D-58DD-C200-7929-E4550163C72E}"/>
+              </a:ext>
+            </a:extLst>
+          </p:cNvPr>
+          <p:cNvSpPr txBox="1"/>
+          <p:nvPr/>
+        </p:nvSpPr>
+        <p:spPr>
+          <a:xfrm>
+            <a:off x="6395801" y="2942359"/>
+            <a:ext cx="694544" cy="276999"/>
+          </a:xfrm>
+          <a:prstGeom prst="rect">
+            <a:avLst/>
+          </a:prstGeom>
+          <a:noFill/>
+        </p:spPr>
+        <p:txBody>
+          <a:bodyPr wrap="square">
+            <a:spAutoFit/>
+          </a:bodyPr>
+          <a:lstStyle/>
+          <a:p>
+            <a:pPr algn="r"/>
+            <a:r>
+              <a:rPr lang="en-US" altLang="ko-KR" sz="1200" dirty="0">
+                <a:latin typeface="DM Mono" panose="020B0509040201040103" pitchFamily="49" charset="0"/>
+              </a:rPr>
+              <a:t>name</a:t>
+            </a:r>
+            <a:endParaRPr lang="ko-KR" altLang="en-US" sz="1200" dirty="0">
+              <a:latin typeface="DM Mono" panose="020B0509040201040103" pitchFamily="49" charset="0"/>
+            </a:endParaRPr>
+          </a:p>
+        </p:txBody>
+      </p:sp>
+      <p:sp>
+        <p:nvSpPr>
+          <p:cNvPr id="12" name="TextBox 11">
+            <a:extLst>
+              <a:ext uri="{FF2B5EF4-FFF2-40B4-BE49-F238E27FC236}">
+                <a16:creationId xmlns:a16="http://schemas.microsoft.com/office/drawing/2014/main" id="{A89EEDA7-3083-6784-D71B-7F106471DFC4}"/>
+              </a:ext>
+            </a:extLst>
+          </p:cNvPr>
+          <p:cNvSpPr txBox="1"/>
+          <p:nvPr/>
+        </p:nvSpPr>
+        <p:spPr>
+          <a:xfrm>
+            <a:off x="6395801" y="3429484"/>
+            <a:ext cx="694544" cy="276999"/>
+          </a:xfrm>
+          <a:prstGeom prst="rect">
+            <a:avLst/>
+          </a:prstGeom>
+          <a:noFill/>
+        </p:spPr>
+        <p:txBody>
+          <a:bodyPr wrap="square">
+            <a:spAutoFit/>
+          </a:bodyPr>
+          <a:lstStyle/>
+          <a:p>
+            <a:pPr algn="r"/>
+            <a:r>
+              <a:rPr lang="en-US" altLang="ko-KR" sz="1200" dirty="0">
+                <a:latin typeface="DM Mono" panose="020B0509040201040103" pitchFamily="49" charset="0"/>
+              </a:rPr>
+              <a:t>age</a:t>
+            </a:r>
+            <a:endParaRPr lang="ko-KR" altLang="en-US" sz="1200" dirty="0">
+              <a:latin typeface="DM Mono" panose="020B0509040201040103" pitchFamily="49" charset="0"/>
+            </a:endParaRPr>
+          </a:p>
+        </p:txBody>
+      </p:sp>
+      <p:sp>
+        <p:nvSpPr>
+          <p:cNvPr id="15" name="직사각형 14">
+            <a:extLst>
+              <a:ext uri="{FF2B5EF4-FFF2-40B4-BE49-F238E27FC236}">
+                <a16:creationId xmlns:a16="http://schemas.microsoft.com/office/drawing/2014/main" id="{FA26B581-D919-FF5A-6562-82114DF43D9E}"/>
+              </a:ext>
+            </a:extLst>
+          </p:cNvPr>
+          <p:cNvSpPr/>
+          <p:nvPr/>
+        </p:nvSpPr>
+        <p:spPr>
+          <a:xfrm>
+            <a:off x="7090345" y="3807780"/>
+            <a:ext cx="894414" cy="489811"/>
+          </a:xfrm>
+          <a:prstGeom prst="rect">
+            <a:avLst/>
+          </a:prstGeom>
+          <a:solidFill>
+            <a:srgbClr val="FFFF00"/>
+          </a:solidFill>
+        </p:spPr>
+        <p:style>
+          <a:lnRef idx="2">
+            <a:schemeClr val="accent1">
+              <a:shade val="15000"/>
+            </a:schemeClr>
+          </a:lnRef>
+          <a:fillRef idx="1">
+            <a:schemeClr val="accent1"/>
+          </a:fillRef>
+          <a:effectRef idx="0">
+            <a:schemeClr val="accent1"/>
+          </a:effectRef>
+          <a:fontRef idx="minor">
+            <a:schemeClr val="lt1"/>
+          </a:fontRef>
+        </p:style>
+        <p:txBody>
+          <a:bodyPr rtlCol="0" anchor="ctr"/>
+          <a:lstStyle/>
+          <a:p>
+            <a:pPr algn="ctr"/>
+            <a:endParaRPr kumimoji="1" lang="ko-KR" altLang="en-US" sz="1200" dirty="0">
+              <a:solidFill>
+                <a:schemeClr val="tx1"/>
+              </a:solidFill>
+              <a:latin typeface="DM Mono" panose="020B0509040201040103" pitchFamily="49" charset="0"/>
+            </a:endParaRPr>
+          </a:p>
+        </p:txBody>
+      </p:sp>
+      <p:sp>
+        <p:nvSpPr>
+          <p:cNvPr id="16" name="TextBox 15">
+            <a:extLst>
+              <a:ext uri="{FF2B5EF4-FFF2-40B4-BE49-F238E27FC236}">
+                <a16:creationId xmlns:a16="http://schemas.microsoft.com/office/drawing/2014/main" id="{046411A4-A90F-E2EE-7B99-E29096A74983}"/>
+              </a:ext>
+            </a:extLst>
+          </p:cNvPr>
+          <p:cNvSpPr txBox="1"/>
+          <p:nvPr/>
+        </p:nvSpPr>
+        <p:spPr>
+          <a:xfrm>
+            <a:off x="6400795" y="3914187"/>
+            <a:ext cx="694544" cy="276999"/>
+          </a:xfrm>
+          <a:prstGeom prst="rect">
+            <a:avLst/>
+          </a:prstGeom>
+          <a:noFill/>
+        </p:spPr>
+        <p:txBody>
+          <a:bodyPr wrap="square">
+            <a:spAutoFit/>
+          </a:bodyPr>
+          <a:lstStyle/>
+          <a:p>
+            <a:pPr algn="r"/>
+            <a:r>
+              <a:rPr lang="en-US" altLang="ko-KR" sz="1200" dirty="0">
+                <a:latin typeface="DM Mono" panose="020B0509040201040103" pitchFamily="49" charset="0"/>
+              </a:rPr>
+              <a:t>ref</a:t>
+            </a:r>
+            <a:endParaRPr lang="ko-KR" altLang="en-US" sz="1200" dirty="0">
+              <a:latin typeface="DM Mono" panose="020B0509040201040103" pitchFamily="49" charset="0"/>
+            </a:endParaRPr>
+          </a:p>
+        </p:txBody>
+      </p:sp>
+      <p:cxnSp>
+        <p:nvCxnSpPr>
+          <p:cNvPr id="17" name="구부러진 연결선[U] 16">
+            <a:extLst>
+              <a:ext uri="{FF2B5EF4-FFF2-40B4-BE49-F238E27FC236}">
+                <a16:creationId xmlns:a16="http://schemas.microsoft.com/office/drawing/2014/main" id="{A48CA4D1-11AC-8C39-DBA8-376A6D16D422}"/>
+              </a:ext>
+            </a:extLst>
+          </p:cNvPr>
+          <p:cNvCxnSpPr>
+            <a:cxnSpLocks/>
+            <a:stCxn id="2" idx="3"/>
+            <a:endCxn id="11" idx="1"/>
+          </p:cNvCxnSpPr>
+          <p:nvPr/>
+        </p:nvCxnSpPr>
+        <p:spPr>
+          <a:xfrm flipV="1">
+            <a:off x="7984759" y="644558"/>
+            <a:ext cx="2201053" cy="2434958"/>
+          </a:xfrm>
+          <a:prstGeom prst="curvedConnector3">
+            <a:avLst/>
+          </a:prstGeom>
+          <a:ln>
+            <a:tailEnd type="triangle"/>
+          </a:ln>
+        </p:spPr>
+        <p:style>
+          <a:lnRef idx="1">
+            <a:schemeClr val="dk1"/>
+          </a:lnRef>
+          <a:fillRef idx="0">
+            <a:schemeClr val="dk1"/>
+          </a:fillRef>
+          <a:effectRef idx="0">
+            <a:schemeClr val="dk1"/>
+          </a:effectRef>
+          <a:fontRef idx="minor">
+            <a:schemeClr val="tx1"/>
+          </a:fontRef>
+        </p:style>
+      </p:cxnSp>
+      <p:cxnSp>
+        <p:nvCxnSpPr>
+          <p:cNvPr id="20" name="구부러진 연결선[U] 19">
+            <a:extLst>
+              <a:ext uri="{FF2B5EF4-FFF2-40B4-BE49-F238E27FC236}">
+                <a16:creationId xmlns:a16="http://schemas.microsoft.com/office/drawing/2014/main" id="{FE421B4E-0187-BC59-ADA0-147A65B9E602}"/>
+              </a:ext>
+            </a:extLst>
+          </p:cNvPr>
+          <p:cNvCxnSpPr>
+            <a:cxnSpLocks/>
+            <a:stCxn id="15" idx="3"/>
+            <a:endCxn id="29" idx="1"/>
+          </p:cNvCxnSpPr>
+          <p:nvPr/>
+        </p:nvCxnSpPr>
+        <p:spPr>
+          <a:xfrm flipV="1">
+            <a:off x="7984759" y="2001020"/>
+            <a:ext cx="2248523" cy="2051666"/>
+          </a:xfrm>
+          <a:prstGeom prst="curvedConnector3">
+            <a:avLst/>
+          </a:prstGeom>
+          <a:ln>
+            <a:tailEnd type="triangle"/>
+          </a:ln>
+        </p:spPr>
+        <p:style>
+          <a:lnRef idx="1">
+            <a:schemeClr val="dk1"/>
+          </a:lnRef>
+          <a:fillRef idx="0">
+            <a:schemeClr val="dk1"/>
+          </a:fillRef>
+          <a:effectRef idx="0">
+            <a:schemeClr val="dk1"/>
+          </a:effectRef>
+          <a:fontRef idx="minor">
+            <a:schemeClr val="tx1"/>
+          </a:fontRef>
+        </p:style>
+      </p:cxnSp>
+    </p:spTree>
+    <p:extLst>
+      <p:ext uri="{BB962C8B-B14F-4D97-AF65-F5344CB8AC3E}">
+        <p14:creationId xmlns:p14="http://schemas.microsoft.com/office/powerpoint/2010/main" val="2007512960"/>
+      </p:ext>
+    </p:extLst>
+  </p:cSld>
+  <p:clrMapOvr>
+    <a:masterClrMapping/>
+  </p:clrMapOvr>
+</p:sld>
+</file>
+
+<file path=ppt/slides/slide21.xml><?xml version="1.0" encoding="utf-8"?>
+<p:sld xmlns:a="http://schemas.openxmlformats.org/drawingml/2006/main" xmlns:r="http://schemas.openxmlformats.org/officeDocument/2006/relationships" xmlns:p="http://schemas.openxmlformats.org/presentationml/2006/main">
+  <p:cSld>
+    <p:spTree>
+      <p:nvGrpSpPr>
+        <p:cNvPr id="1" name=""/>
+        <p:cNvGrpSpPr/>
+        <p:nvPr/>
+      </p:nvGrpSpPr>
+      <p:grpSpPr>
+        <a:xfrm>
+          <a:off x="0" y="0"/>
+          <a:ext cx="0" cy="0"/>
+          <a:chOff x="0" y="0"/>
+          <a:chExt cx="0" cy="0"/>
+        </a:xfrm>
+      </p:grpSpPr>
+      <p:sp>
+        <p:nvSpPr>
+          <p:cNvPr id="6" name="직사각형 5">
+            <a:extLst>
+              <a:ext uri="{FF2B5EF4-FFF2-40B4-BE49-F238E27FC236}">
+                <a16:creationId xmlns:a16="http://schemas.microsoft.com/office/drawing/2014/main" id="{908EB3C3-304F-7045-6EB1-59391145DD48}"/>
+              </a:ext>
+            </a:extLst>
+          </p:cNvPr>
+          <p:cNvSpPr/>
+          <p:nvPr/>
+        </p:nvSpPr>
+        <p:spPr>
+          <a:xfrm>
+            <a:off x="7090345" y="964235"/>
+            <a:ext cx="894414" cy="489811"/>
+          </a:xfrm>
+          <a:prstGeom prst="rect">
+            <a:avLst/>
+          </a:prstGeom>
+          <a:solidFill>
+            <a:srgbClr val="FFFF00"/>
+          </a:solidFill>
+        </p:spPr>
+        <p:style>
+          <a:lnRef idx="2">
+            <a:schemeClr val="accent1">
+              <a:shade val="15000"/>
+            </a:schemeClr>
+          </a:lnRef>
+          <a:fillRef idx="1">
+            <a:schemeClr val="accent1"/>
+          </a:fillRef>
+          <a:effectRef idx="0">
+            <a:schemeClr val="accent1"/>
+          </a:effectRef>
+          <a:fontRef idx="minor">
+            <a:schemeClr val="lt1"/>
+          </a:fontRef>
+        </p:style>
+        <p:txBody>
+          <a:bodyPr rtlCol="0" anchor="ctr"/>
+          <a:lstStyle/>
+          <a:p>
+            <a:pPr algn="ctr"/>
+            <a:r>
+              <a:rPr kumimoji="1" lang="en-US" altLang="ko-KR" sz="1200" dirty="0">
+                <a:solidFill>
+                  <a:schemeClr val="tx1"/>
+                </a:solidFill>
+                <a:latin typeface="DM Mono" panose="020B0509040201040103" pitchFamily="49" charset="0"/>
+              </a:rPr>
+              <a:t>0x200</a:t>
+            </a:r>
+            <a:endParaRPr kumimoji="1" lang="ko-KR" altLang="en-US" sz="1200" dirty="0">
+              <a:solidFill>
+                <a:schemeClr val="tx1"/>
+              </a:solidFill>
+              <a:latin typeface="DM Mono" panose="020B0509040201040103" pitchFamily="49" charset="0"/>
+            </a:endParaRPr>
+          </a:p>
+        </p:txBody>
+      </p:sp>
+      <p:sp>
+        <p:nvSpPr>
+          <p:cNvPr id="7" name="직사각형 6">
+            <a:extLst>
+              <a:ext uri="{FF2B5EF4-FFF2-40B4-BE49-F238E27FC236}">
+                <a16:creationId xmlns:a16="http://schemas.microsoft.com/office/drawing/2014/main" id="{E95E48C3-88B7-8F38-7EEF-3CBBDC599471}"/>
+              </a:ext>
+            </a:extLst>
+          </p:cNvPr>
+          <p:cNvSpPr/>
+          <p:nvPr/>
+        </p:nvSpPr>
+        <p:spPr>
+          <a:xfrm>
+            <a:off x="7090345" y="1454046"/>
+            <a:ext cx="894414" cy="489811"/>
+          </a:xfrm>
+          <a:prstGeom prst="rect">
+            <a:avLst/>
+          </a:prstGeom>
+          <a:solidFill>
+            <a:srgbClr val="FFFF00"/>
+          </a:solidFill>
+        </p:spPr>
+        <p:style>
+          <a:lnRef idx="2">
+            <a:schemeClr val="accent1">
+              <a:shade val="15000"/>
+            </a:schemeClr>
+          </a:lnRef>
+          <a:fillRef idx="1">
+            <a:schemeClr val="accent1"/>
+          </a:fillRef>
+          <a:effectRef idx="0">
+            <a:schemeClr val="accent1"/>
+          </a:effectRef>
+          <a:fontRef idx="minor">
+            <a:schemeClr val="lt1"/>
+          </a:fontRef>
+        </p:style>
+        <p:txBody>
+          <a:bodyPr rtlCol="0" anchor="ctr"/>
+          <a:lstStyle/>
+          <a:p>
+            <a:pPr algn="ctr"/>
+            <a:r>
+              <a:rPr kumimoji="1" lang="en-US" altLang="ko-KR" sz="1200" dirty="0">
+                <a:solidFill>
+                  <a:schemeClr val="tx1"/>
+                </a:solidFill>
+                <a:latin typeface="DM Mono" panose="020B0509040201040103" pitchFamily="49" charset="0"/>
+              </a:rPr>
+              <a:t>42</a:t>
+            </a:r>
+            <a:endParaRPr kumimoji="1" lang="ko-KR" altLang="en-US" sz="1200" dirty="0">
+              <a:solidFill>
+                <a:schemeClr val="tx1"/>
+              </a:solidFill>
+              <a:latin typeface="DM Mono" panose="020B0509040201040103" pitchFamily="49" charset="0"/>
+            </a:endParaRPr>
+          </a:p>
+        </p:txBody>
+      </p:sp>
+      <p:sp>
+        <p:nvSpPr>
+          <p:cNvPr id="8" name="TextBox 7">
+            <a:extLst>
+              <a:ext uri="{FF2B5EF4-FFF2-40B4-BE49-F238E27FC236}">
+                <a16:creationId xmlns:a16="http://schemas.microsoft.com/office/drawing/2014/main" id="{7AA979D8-4780-5226-CBC4-ED682085048C}"/>
+              </a:ext>
+            </a:extLst>
+          </p:cNvPr>
+          <p:cNvSpPr txBox="1"/>
+          <p:nvPr/>
+        </p:nvSpPr>
+        <p:spPr>
+          <a:xfrm>
+            <a:off x="7190280" y="647487"/>
+            <a:ext cx="694544" cy="276999"/>
+          </a:xfrm>
+          <a:prstGeom prst="rect">
+            <a:avLst/>
+          </a:prstGeom>
+          <a:noFill/>
+        </p:spPr>
+        <p:txBody>
+          <a:bodyPr wrap="square">
+            <a:spAutoFit/>
+          </a:bodyPr>
+          <a:lstStyle/>
+          <a:p>
+            <a:pPr algn="ctr"/>
+            <a:r>
+              <a:rPr lang="en-US" altLang="ko-KR" sz="1200" dirty="0">
+                <a:latin typeface="DM Mono" panose="020B0509040201040103" pitchFamily="49" charset="0"/>
+              </a:rPr>
+              <a:t>user</a:t>
+            </a:r>
+            <a:endParaRPr lang="ko-KR" altLang="en-US" sz="1200" dirty="0">
+              <a:latin typeface="DM Mono" panose="020B0509040201040103" pitchFamily="49" charset="0"/>
+            </a:endParaRPr>
+          </a:p>
+        </p:txBody>
+      </p:sp>
+      <p:sp>
+        <p:nvSpPr>
+          <p:cNvPr id="9" name="TextBox 8">
+            <a:extLst>
+              <a:ext uri="{FF2B5EF4-FFF2-40B4-BE49-F238E27FC236}">
+                <a16:creationId xmlns:a16="http://schemas.microsoft.com/office/drawing/2014/main" id="{B1640A79-F7FC-C373-A32D-AFD724A2FE6F}"/>
+              </a:ext>
+            </a:extLst>
+          </p:cNvPr>
+          <p:cNvSpPr txBox="1"/>
+          <p:nvPr/>
+        </p:nvSpPr>
+        <p:spPr>
+          <a:xfrm>
+            <a:off x="6395801" y="1071984"/>
+            <a:ext cx="694544" cy="276999"/>
+          </a:xfrm>
+          <a:prstGeom prst="rect">
+            <a:avLst/>
+          </a:prstGeom>
+          <a:noFill/>
+        </p:spPr>
+        <p:txBody>
+          <a:bodyPr wrap="square">
+            <a:spAutoFit/>
+          </a:bodyPr>
+          <a:lstStyle/>
+          <a:p>
+            <a:pPr algn="r"/>
+            <a:r>
+              <a:rPr lang="en-US" altLang="ko-KR" sz="1200" dirty="0">
+                <a:latin typeface="DM Mono" panose="020B0509040201040103" pitchFamily="49" charset="0"/>
+              </a:rPr>
+              <a:t>name</a:t>
+            </a:r>
+            <a:endParaRPr lang="ko-KR" altLang="en-US" sz="1200" dirty="0">
+              <a:latin typeface="DM Mono" panose="020B0509040201040103" pitchFamily="49" charset="0"/>
+            </a:endParaRPr>
+          </a:p>
+        </p:txBody>
+      </p:sp>
+      <p:sp>
+        <p:nvSpPr>
+          <p:cNvPr id="10" name="TextBox 9">
+            <a:extLst>
+              <a:ext uri="{FF2B5EF4-FFF2-40B4-BE49-F238E27FC236}">
+                <a16:creationId xmlns:a16="http://schemas.microsoft.com/office/drawing/2014/main" id="{0A22048C-68EA-0BAD-6262-34D7A386611A}"/>
+              </a:ext>
+            </a:extLst>
+          </p:cNvPr>
+          <p:cNvSpPr txBox="1"/>
+          <p:nvPr/>
+        </p:nvSpPr>
+        <p:spPr>
+          <a:xfrm>
+            <a:off x="6395801" y="1559109"/>
+            <a:ext cx="694544" cy="276999"/>
+          </a:xfrm>
+          <a:prstGeom prst="rect">
+            <a:avLst/>
+          </a:prstGeom>
+          <a:noFill/>
+        </p:spPr>
+        <p:txBody>
+          <a:bodyPr wrap="square">
+            <a:spAutoFit/>
+          </a:bodyPr>
+          <a:lstStyle/>
+          <a:p>
+            <a:pPr algn="r"/>
+            <a:r>
+              <a:rPr lang="en-US" altLang="ko-KR" sz="1200" dirty="0">
+                <a:latin typeface="DM Mono" panose="020B0509040201040103" pitchFamily="49" charset="0"/>
+              </a:rPr>
+              <a:t>age</a:t>
+            </a:r>
+            <a:endParaRPr lang="ko-KR" altLang="en-US" sz="1200" dirty="0">
+              <a:latin typeface="DM Mono" panose="020B0509040201040103" pitchFamily="49" charset="0"/>
+            </a:endParaRPr>
+          </a:p>
+        </p:txBody>
+      </p:sp>
+      <p:sp>
+        <p:nvSpPr>
+          <p:cNvPr id="11" name="직사각형 10">
+            <a:extLst>
+              <a:ext uri="{FF2B5EF4-FFF2-40B4-BE49-F238E27FC236}">
+                <a16:creationId xmlns:a16="http://schemas.microsoft.com/office/drawing/2014/main" id="{B06002E1-7E0A-48FF-0039-C129E25527D5}"/>
+              </a:ext>
+            </a:extLst>
+          </p:cNvPr>
+          <p:cNvSpPr/>
+          <p:nvPr/>
+        </p:nvSpPr>
+        <p:spPr>
+          <a:xfrm>
+            <a:off x="10185812" y="479646"/>
+            <a:ext cx="1441557" cy="329823"/>
+          </a:xfrm>
+          <a:prstGeom prst="rect">
+            <a:avLst/>
+          </a:prstGeom>
+          <a:solidFill>
+            <a:srgbClr val="FFFF00"/>
+          </a:solidFill>
+        </p:spPr>
+        <p:style>
+          <a:lnRef idx="2">
+            <a:schemeClr val="accent1">
+              <a:shade val="15000"/>
+            </a:schemeClr>
+          </a:lnRef>
+          <a:fillRef idx="1">
+            <a:schemeClr val="accent1"/>
+          </a:fillRef>
+          <a:effectRef idx="0">
+            <a:schemeClr val="accent1"/>
+          </a:effectRef>
+          <a:fontRef idx="minor">
+            <a:schemeClr val="lt1"/>
+          </a:fontRef>
+        </p:style>
+        <p:txBody>
+          <a:bodyPr rtlCol="0" anchor="ctr"/>
+          <a:lstStyle/>
+          <a:p>
+            <a:pPr algn="ctr"/>
+            <a:r>
+              <a:rPr kumimoji="1" lang="en-US" altLang="ko-KR" sz="1200" dirty="0">
+                <a:solidFill>
+                  <a:schemeClr val="tx1"/>
+                </a:solidFill>
+                <a:latin typeface="DM Mono" panose="020B0509040201040103" pitchFamily="49" charset="0"/>
+              </a:rPr>
+              <a:t>“Tom”</a:t>
+            </a:r>
+            <a:endParaRPr kumimoji="1" lang="ko-KR" altLang="en-US" sz="1200" dirty="0">
+              <a:solidFill>
+                <a:schemeClr val="tx1"/>
+              </a:solidFill>
+              <a:latin typeface="DM Mono" panose="020B0509040201040103" pitchFamily="49" charset="0"/>
+            </a:endParaRPr>
+          </a:p>
+        </p:txBody>
+      </p:sp>
+      <p:cxnSp>
+        <p:nvCxnSpPr>
+          <p:cNvPr id="13" name="구부러진 연결선[U] 12">
+            <a:extLst>
+              <a:ext uri="{FF2B5EF4-FFF2-40B4-BE49-F238E27FC236}">
+                <a16:creationId xmlns:a16="http://schemas.microsoft.com/office/drawing/2014/main" id="{68E12808-F904-D961-0F53-6D2C59633C03}"/>
+              </a:ext>
+            </a:extLst>
+          </p:cNvPr>
+          <p:cNvCxnSpPr>
+            <a:stCxn id="6" idx="3"/>
+            <a:endCxn id="11" idx="1"/>
+          </p:cNvCxnSpPr>
+          <p:nvPr/>
+        </p:nvCxnSpPr>
+        <p:spPr>
+          <a:xfrm flipV="1">
+            <a:off x="7984759" y="644558"/>
+            <a:ext cx="2201053" cy="564583"/>
+          </a:xfrm>
+          <a:prstGeom prst="curvedConnector3">
+            <a:avLst/>
+          </a:prstGeom>
+          <a:ln>
+            <a:tailEnd type="triangle"/>
+          </a:ln>
+        </p:spPr>
+        <p:style>
+          <a:lnRef idx="1">
+            <a:schemeClr val="dk1"/>
+          </a:lnRef>
+          <a:fillRef idx="0">
+            <a:schemeClr val="dk1"/>
+          </a:fillRef>
+          <a:effectRef idx="0">
+            <a:schemeClr val="dk1"/>
+          </a:effectRef>
+          <a:fontRef idx="minor">
+            <a:schemeClr val="tx1"/>
+          </a:fontRef>
+        </p:style>
+      </p:cxnSp>
+      <p:sp>
+        <p:nvSpPr>
+          <p:cNvPr id="14" name="TextBox 13">
+            <a:extLst>
+              <a:ext uri="{FF2B5EF4-FFF2-40B4-BE49-F238E27FC236}">
+                <a16:creationId xmlns:a16="http://schemas.microsoft.com/office/drawing/2014/main" id="{13CCF594-2FD6-C4DC-05F5-C1D983C7E34A}"/>
+              </a:ext>
+            </a:extLst>
+          </p:cNvPr>
+          <p:cNvSpPr txBox="1"/>
+          <p:nvPr/>
+        </p:nvSpPr>
+        <p:spPr>
+          <a:xfrm>
+            <a:off x="9838540" y="212376"/>
+            <a:ext cx="694544" cy="276999"/>
+          </a:xfrm>
+          <a:prstGeom prst="rect">
+            <a:avLst/>
+          </a:prstGeom>
+          <a:noFill/>
+        </p:spPr>
+        <p:txBody>
+          <a:bodyPr wrap="square">
+            <a:spAutoFit/>
+          </a:bodyPr>
+          <a:lstStyle/>
+          <a:p>
+            <a:pPr algn="ctr"/>
+            <a:r>
+              <a:rPr lang="en-US" altLang="ko-KR" sz="1200" dirty="0">
+                <a:latin typeface="DM Mono" panose="020B0509040201040103" pitchFamily="49" charset="0"/>
+              </a:rPr>
+              <a:t>0x200</a:t>
+            </a:r>
+            <a:endParaRPr lang="ko-KR" altLang="en-US" sz="1200" dirty="0">
+              <a:latin typeface="DM Mono" panose="020B0509040201040103" pitchFamily="49" charset="0"/>
+            </a:endParaRPr>
+          </a:p>
+        </p:txBody>
+      </p:sp>
+      <p:sp>
+        <p:nvSpPr>
+          <p:cNvPr id="27" name="직사각형 26">
+            <a:extLst>
+              <a:ext uri="{FF2B5EF4-FFF2-40B4-BE49-F238E27FC236}">
+                <a16:creationId xmlns:a16="http://schemas.microsoft.com/office/drawing/2014/main" id="{982788D3-B123-3445-C895-251E97CDF298}"/>
+              </a:ext>
+            </a:extLst>
+          </p:cNvPr>
+          <p:cNvSpPr/>
+          <p:nvPr/>
+        </p:nvSpPr>
+        <p:spPr>
+          <a:xfrm>
+            <a:off x="7090345" y="1937405"/>
+            <a:ext cx="894414" cy="489811"/>
+          </a:xfrm>
+          <a:prstGeom prst="rect">
+            <a:avLst/>
+          </a:prstGeom>
+          <a:solidFill>
+            <a:srgbClr val="FFFF00"/>
+          </a:solidFill>
+        </p:spPr>
+        <p:style>
+          <a:lnRef idx="2">
+            <a:schemeClr val="accent1">
+              <a:shade val="15000"/>
+            </a:schemeClr>
+          </a:lnRef>
+          <a:fillRef idx="1">
+            <a:schemeClr val="accent1"/>
+          </a:fillRef>
+          <a:effectRef idx="0">
+            <a:schemeClr val="accent1"/>
+          </a:effectRef>
+          <a:fontRef idx="minor">
+            <a:schemeClr val="lt1"/>
+          </a:fontRef>
+        </p:style>
+        <p:txBody>
+          <a:bodyPr rtlCol="0" anchor="ctr"/>
+          <a:lstStyle/>
+          <a:p>
+            <a:pPr algn="ctr"/>
+            <a:endParaRPr kumimoji="1" lang="ko-KR" altLang="en-US" sz="1200" dirty="0">
+              <a:solidFill>
+                <a:schemeClr val="tx1"/>
+              </a:solidFill>
+              <a:latin typeface="DM Mono" panose="020B0509040201040103" pitchFamily="49" charset="0"/>
+            </a:endParaRPr>
+          </a:p>
+        </p:txBody>
+      </p:sp>
+      <p:sp>
+        <p:nvSpPr>
+          <p:cNvPr id="28" name="TextBox 27">
+            <a:extLst>
+              <a:ext uri="{FF2B5EF4-FFF2-40B4-BE49-F238E27FC236}">
+                <a16:creationId xmlns:a16="http://schemas.microsoft.com/office/drawing/2014/main" id="{8685850F-E767-3C17-2F9A-6F111DEB22F8}"/>
+              </a:ext>
+            </a:extLst>
+          </p:cNvPr>
+          <p:cNvSpPr txBox="1"/>
+          <p:nvPr/>
+        </p:nvSpPr>
+        <p:spPr>
+          <a:xfrm>
+            <a:off x="6400795" y="2043812"/>
+            <a:ext cx="694544" cy="276999"/>
+          </a:xfrm>
+          <a:prstGeom prst="rect">
+            <a:avLst/>
+          </a:prstGeom>
+          <a:noFill/>
+        </p:spPr>
+        <p:txBody>
+          <a:bodyPr wrap="square">
+            <a:spAutoFit/>
+          </a:bodyPr>
+          <a:lstStyle/>
+          <a:p>
+            <a:pPr algn="r"/>
+            <a:r>
+              <a:rPr lang="en-US" altLang="ko-KR" sz="1200" dirty="0">
+                <a:latin typeface="DM Mono" panose="020B0509040201040103" pitchFamily="49" charset="0"/>
+              </a:rPr>
+              <a:t>ref</a:t>
+            </a:r>
+            <a:endParaRPr lang="ko-KR" altLang="en-US" sz="1200" dirty="0">
+              <a:latin typeface="DM Mono" panose="020B0509040201040103" pitchFamily="49" charset="0"/>
+            </a:endParaRPr>
+          </a:p>
+        </p:txBody>
+      </p:sp>
+      <p:sp>
+        <p:nvSpPr>
+          <p:cNvPr id="29" name="직사각형 28">
+            <a:extLst>
+              <a:ext uri="{FF2B5EF4-FFF2-40B4-BE49-F238E27FC236}">
+                <a16:creationId xmlns:a16="http://schemas.microsoft.com/office/drawing/2014/main" id="{8885ED78-B486-A698-9658-35713024BF5E}"/>
+              </a:ext>
+            </a:extLst>
+          </p:cNvPr>
+          <p:cNvSpPr/>
+          <p:nvPr/>
+        </p:nvSpPr>
+        <p:spPr>
+          <a:xfrm>
+            <a:off x="10233282" y="1836108"/>
+            <a:ext cx="729526" cy="329823"/>
+          </a:xfrm>
+          <a:prstGeom prst="rect">
+            <a:avLst/>
+          </a:prstGeom>
+          <a:solidFill>
+            <a:srgbClr val="FFFF00"/>
+          </a:solidFill>
+        </p:spPr>
+        <p:style>
+          <a:lnRef idx="2">
+            <a:schemeClr val="accent1">
+              <a:shade val="15000"/>
+            </a:schemeClr>
+          </a:lnRef>
+          <a:fillRef idx="1">
+            <a:schemeClr val="accent1"/>
+          </a:fillRef>
+          <a:effectRef idx="0">
+            <a:schemeClr val="accent1"/>
+          </a:effectRef>
+          <a:fontRef idx="minor">
+            <a:schemeClr val="lt1"/>
+          </a:fontRef>
+        </p:style>
+        <p:txBody>
+          <a:bodyPr rtlCol="0" anchor="ctr"/>
+          <a:lstStyle/>
+          <a:p>
+            <a:pPr algn="ctr"/>
+            <a:r>
+              <a:rPr kumimoji="1" lang="en-US" altLang="ko-KR" sz="1200" dirty="0">
+                <a:solidFill>
+                  <a:srgbClr val="FF0000"/>
+                </a:solidFill>
+                <a:latin typeface="DM Mono" panose="020B0509040201040103" pitchFamily="49" charset="0"/>
+              </a:rPr>
+              <a:t>3</a:t>
+            </a:r>
+            <a:endParaRPr kumimoji="1" lang="ko-KR" altLang="en-US" sz="1200" dirty="0">
+              <a:solidFill>
+                <a:srgbClr val="FF0000"/>
+              </a:solidFill>
+              <a:latin typeface="DM Mono" panose="020B0509040201040103" pitchFamily="49" charset="0"/>
+            </a:endParaRPr>
+          </a:p>
+        </p:txBody>
+      </p:sp>
+      <p:cxnSp>
+        <p:nvCxnSpPr>
+          <p:cNvPr id="30" name="구부러진 연결선[U] 29">
+            <a:extLst>
+              <a:ext uri="{FF2B5EF4-FFF2-40B4-BE49-F238E27FC236}">
+                <a16:creationId xmlns:a16="http://schemas.microsoft.com/office/drawing/2014/main" id="{17CFC538-66DC-A2EF-35D7-89B2109494D6}"/>
+              </a:ext>
+            </a:extLst>
+          </p:cNvPr>
+          <p:cNvCxnSpPr>
+            <a:cxnSpLocks/>
+            <a:stCxn id="27" idx="3"/>
+            <a:endCxn id="29" idx="1"/>
+          </p:cNvCxnSpPr>
+          <p:nvPr/>
+        </p:nvCxnSpPr>
+        <p:spPr>
+          <a:xfrm flipV="1">
+            <a:off x="7984759" y="2001020"/>
+            <a:ext cx="2248523" cy="181291"/>
+          </a:xfrm>
+          <a:prstGeom prst="curvedConnector3">
+            <a:avLst/>
+          </a:prstGeom>
+          <a:ln>
+            <a:tailEnd type="triangle"/>
+          </a:ln>
+        </p:spPr>
+        <p:style>
+          <a:lnRef idx="1">
+            <a:schemeClr val="dk1"/>
+          </a:lnRef>
+          <a:fillRef idx="0">
+            <a:schemeClr val="dk1"/>
+          </a:fillRef>
+          <a:effectRef idx="0">
+            <a:schemeClr val="dk1"/>
+          </a:effectRef>
+          <a:fontRef idx="minor">
+            <a:schemeClr val="tx1"/>
+          </a:fontRef>
+        </p:style>
+      </p:cxnSp>
+      <p:sp>
+        <p:nvSpPr>
+          <p:cNvPr id="2" name="직사각형 1">
+            <a:extLst>
+              <a:ext uri="{FF2B5EF4-FFF2-40B4-BE49-F238E27FC236}">
+                <a16:creationId xmlns:a16="http://schemas.microsoft.com/office/drawing/2014/main" id="{BD4E44A1-B057-940B-7D25-75ECF4FFEFB5}"/>
+              </a:ext>
+            </a:extLst>
+          </p:cNvPr>
+          <p:cNvSpPr/>
+          <p:nvPr/>
+        </p:nvSpPr>
+        <p:spPr>
+          <a:xfrm>
+            <a:off x="7090345" y="2834610"/>
+            <a:ext cx="894414" cy="489811"/>
+          </a:xfrm>
+          <a:prstGeom prst="rect">
+            <a:avLst/>
+          </a:prstGeom>
+          <a:solidFill>
+            <a:srgbClr val="FFFF00"/>
+          </a:solidFill>
+        </p:spPr>
+        <p:style>
+          <a:lnRef idx="2">
+            <a:schemeClr val="accent1">
+              <a:shade val="15000"/>
+            </a:schemeClr>
+          </a:lnRef>
+          <a:fillRef idx="1">
+            <a:schemeClr val="accent1"/>
+          </a:fillRef>
+          <a:effectRef idx="0">
+            <a:schemeClr val="accent1"/>
+          </a:effectRef>
+          <a:fontRef idx="minor">
+            <a:schemeClr val="lt1"/>
+          </a:fontRef>
+        </p:style>
+        <p:txBody>
+          <a:bodyPr rtlCol="0" anchor="ctr"/>
+          <a:lstStyle/>
+          <a:p>
+            <a:pPr algn="ctr"/>
+            <a:r>
+              <a:rPr kumimoji="1" lang="en-US" altLang="ko-KR" sz="1200" dirty="0">
+                <a:solidFill>
+                  <a:schemeClr val="tx1"/>
+                </a:solidFill>
+                <a:latin typeface="DM Mono" panose="020B0509040201040103" pitchFamily="49" charset="0"/>
+              </a:rPr>
+              <a:t>0x200</a:t>
+            </a:r>
+            <a:endParaRPr kumimoji="1" lang="ko-KR" altLang="en-US" sz="1200" dirty="0">
+              <a:solidFill>
+                <a:schemeClr val="tx1"/>
+              </a:solidFill>
+              <a:latin typeface="DM Mono" panose="020B0509040201040103" pitchFamily="49" charset="0"/>
+            </a:endParaRPr>
+          </a:p>
+        </p:txBody>
+      </p:sp>
+      <p:sp>
+        <p:nvSpPr>
+          <p:cNvPr id="3" name="직사각형 2">
+            <a:extLst>
+              <a:ext uri="{FF2B5EF4-FFF2-40B4-BE49-F238E27FC236}">
+                <a16:creationId xmlns:a16="http://schemas.microsoft.com/office/drawing/2014/main" id="{56AD79C3-3B6A-4BC2-036B-A58D098964FC}"/>
+              </a:ext>
+            </a:extLst>
+          </p:cNvPr>
+          <p:cNvSpPr/>
+          <p:nvPr/>
+        </p:nvSpPr>
+        <p:spPr>
+          <a:xfrm>
+            <a:off x="7090345" y="3324421"/>
+            <a:ext cx="894414" cy="489811"/>
+          </a:xfrm>
+          <a:prstGeom prst="rect">
+            <a:avLst/>
+          </a:prstGeom>
+          <a:solidFill>
+            <a:srgbClr val="FFFF00"/>
+          </a:solidFill>
+        </p:spPr>
+        <p:style>
+          <a:lnRef idx="2">
+            <a:schemeClr val="accent1">
+              <a:shade val="15000"/>
+            </a:schemeClr>
+          </a:lnRef>
+          <a:fillRef idx="1">
+            <a:schemeClr val="accent1"/>
+          </a:fillRef>
+          <a:effectRef idx="0">
+            <a:schemeClr val="accent1"/>
+          </a:effectRef>
+          <a:fontRef idx="minor">
+            <a:schemeClr val="lt1"/>
+          </a:fontRef>
+        </p:style>
+        <p:txBody>
+          <a:bodyPr rtlCol="0" anchor="ctr"/>
+          <a:lstStyle/>
+          <a:p>
+            <a:pPr algn="ctr"/>
+            <a:r>
+              <a:rPr kumimoji="1" lang="en-US" altLang="ko-KR" sz="1200" dirty="0">
+                <a:solidFill>
+                  <a:schemeClr val="tx1"/>
+                </a:solidFill>
+                <a:latin typeface="DM Mono" panose="020B0509040201040103" pitchFamily="49" charset="0"/>
+              </a:rPr>
+              <a:t>42</a:t>
+            </a:r>
+            <a:endParaRPr kumimoji="1" lang="ko-KR" altLang="en-US" sz="1200" dirty="0">
+              <a:solidFill>
+                <a:schemeClr val="tx1"/>
+              </a:solidFill>
+              <a:latin typeface="DM Mono" panose="020B0509040201040103" pitchFamily="49" charset="0"/>
+            </a:endParaRPr>
+          </a:p>
+        </p:txBody>
+      </p:sp>
+      <p:sp>
+        <p:nvSpPr>
+          <p:cNvPr id="4" name="TextBox 3">
+            <a:extLst>
+              <a:ext uri="{FF2B5EF4-FFF2-40B4-BE49-F238E27FC236}">
+                <a16:creationId xmlns:a16="http://schemas.microsoft.com/office/drawing/2014/main" id="{8D6AAF52-121F-618D-4DC4-C805A18846A1}"/>
+              </a:ext>
+            </a:extLst>
+          </p:cNvPr>
+          <p:cNvSpPr txBox="1"/>
+          <p:nvPr/>
+        </p:nvSpPr>
+        <p:spPr>
+          <a:xfrm>
+            <a:off x="7190280" y="2517862"/>
+            <a:ext cx="694544" cy="276999"/>
+          </a:xfrm>
+          <a:prstGeom prst="rect">
+            <a:avLst/>
+          </a:prstGeom>
+          <a:noFill/>
+        </p:spPr>
+        <p:txBody>
+          <a:bodyPr wrap="square">
+            <a:spAutoFit/>
+          </a:bodyPr>
+          <a:lstStyle/>
+          <a:p>
+            <a:pPr algn="ctr"/>
+            <a:r>
+              <a:rPr lang="en-US" altLang="ko-KR" sz="1200" dirty="0">
+                <a:latin typeface="DM Mono" panose="020B0509040201040103" pitchFamily="49" charset="0"/>
+              </a:rPr>
+              <a:t>other</a:t>
+            </a:r>
+            <a:endParaRPr lang="ko-KR" altLang="en-US" sz="1200" dirty="0">
+              <a:latin typeface="DM Mono" panose="020B0509040201040103" pitchFamily="49" charset="0"/>
+            </a:endParaRPr>
+          </a:p>
+        </p:txBody>
+      </p:sp>
+      <p:sp>
+        <p:nvSpPr>
+          <p:cNvPr id="5" name="TextBox 4">
+            <a:extLst>
+              <a:ext uri="{FF2B5EF4-FFF2-40B4-BE49-F238E27FC236}">
+                <a16:creationId xmlns:a16="http://schemas.microsoft.com/office/drawing/2014/main" id="{90CDEA4D-58DD-C200-7929-E4550163C72E}"/>
+              </a:ext>
+            </a:extLst>
+          </p:cNvPr>
+          <p:cNvSpPr txBox="1"/>
+          <p:nvPr/>
+        </p:nvSpPr>
+        <p:spPr>
+          <a:xfrm>
+            <a:off x="6395801" y="2942359"/>
+            <a:ext cx="694544" cy="276999"/>
+          </a:xfrm>
+          <a:prstGeom prst="rect">
+            <a:avLst/>
+          </a:prstGeom>
+          <a:noFill/>
+        </p:spPr>
+        <p:txBody>
+          <a:bodyPr wrap="square">
+            <a:spAutoFit/>
+          </a:bodyPr>
+          <a:lstStyle/>
+          <a:p>
+            <a:pPr algn="r"/>
+            <a:r>
+              <a:rPr lang="en-US" altLang="ko-KR" sz="1200" dirty="0">
+                <a:latin typeface="DM Mono" panose="020B0509040201040103" pitchFamily="49" charset="0"/>
+              </a:rPr>
+              <a:t>name</a:t>
+            </a:r>
+            <a:endParaRPr lang="ko-KR" altLang="en-US" sz="1200" dirty="0">
+              <a:latin typeface="DM Mono" panose="020B0509040201040103" pitchFamily="49" charset="0"/>
+            </a:endParaRPr>
+          </a:p>
+        </p:txBody>
+      </p:sp>
+      <p:sp>
+        <p:nvSpPr>
+          <p:cNvPr id="12" name="TextBox 11">
+            <a:extLst>
+              <a:ext uri="{FF2B5EF4-FFF2-40B4-BE49-F238E27FC236}">
+                <a16:creationId xmlns:a16="http://schemas.microsoft.com/office/drawing/2014/main" id="{A89EEDA7-3083-6784-D71B-7F106471DFC4}"/>
+              </a:ext>
+            </a:extLst>
+          </p:cNvPr>
+          <p:cNvSpPr txBox="1"/>
+          <p:nvPr/>
+        </p:nvSpPr>
+        <p:spPr>
+          <a:xfrm>
+            <a:off x="6395801" y="3429484"/>
+            <a:ext cx="694544" cy="276999"/>
+          </a:xfrm>
+          <a:prstGeom prst="rect">
+            <a:avLst/>
+          </a:prstGeom>
+          <a:noFill/>
+        </p:spPr>
+        <p:txBody>
+          <a:bodyPr wrap="square">
+            <a:spAutoFit/>
+          </a:bodyPr>
+          <a:lstStyle/>
+          <a:p>
+            <a:pPr algn="r"/>
+            <a:r>
+              <a:rPr lang="en-US" altLang="ko-KR" sz="1200" dirty="0">
+                <a:latin typeface="DM Mono" panose="020B0509040201040103" pitchFamily="49" charset="0"/>
+              </a:rPr>
+              <a:t>age</a:t>
+            </a:r>
+            <a:endParaRPr lang="ko-KR" altLang="en-US" sz="1200" dirty="0">
+              <a:latin typeface="DM Mono" panose="020B0509040201040103" pitchFamily="49" charset="0"/>
+            </a:endParaRPr>
+          </a:p>
+        </p:txBody>
+      </p:sp>
+      <p:sp>
+        <p:nvSpPr>
+          <p:cNvPr id="15" name="직사각형 14">
+            <a:extLst>
+              <a:ext uri="{FF2B5EF4-FFF2-40B4-BE49-F238E27FC236}">
+                <a16:creationId xmlns:a16="http://schemas.microsoft.com/office/drawing/2014/main" id="{FA26B581-D919-FF5A-6562-82114DF43D9E}"/>
+              </a:ext>
+            </a:extLst>
+          </p:cNvPr>
+          <p:cNvSpPr/>
+          <p:nvPr/>
+        </p:nvSpPr>
+        <p:spPr>
+          <a:xfrm>
+            <a:off x="7090345" y="3807780"/>
+            <a:ext cx="894414" cy="489811"/>
+          </a:xfrm>
+          <a:prstGeom prst="rect">
+            <a:avLst/>
+          </a:prstGeom>
+          <a:solidFill>
+            <a:srgbClr val="FFFF00"/>
+          </a:solidFill>
+        </p:spPr>
+        <p:style>
+          <a:lnRef idx="2">
+            <a:schemeClr val="accent1">
+              <a:shade val="15000"/>
+            </a:schemeClr>
+          </a:lnRef>
+          <a:fillRef idx="1">
+            <a:schemeClr val="accent1"/>
+          </a:fillRef>
+          <a:effectRef idx="0">
+            <a:schemeClr val="accent1"/>
+          </a:effectRef>
+          <a:fontRef idx="minor">
+            <a:schemeClr val="lt1"/>
+          </a:fontRef>
+        </p:style>
+        <p:txBody>
+          <a:bodyPr rtlCol="0" anchor="ctr"/>
+          <a:lstStyle/>
+          <a:p>
+            <a:pPr algn="ctr"/>
+            <a:endParaRPr kumimoji="1" lang="ko-KR" altLang="en-US" sz="1200" dirty="0">
+              <a:solidFill>
+                <a:schemeClr val="tx1"/>
+              </a:solidFill>
+              <a:latin typeface="DM Mono" panose="020B0509040201040103" pitchFamily="49" charset="0"/>
+            </a:endParaRPr>
+          </a:p>
+        </p:txBody>
+      </p:sp>
+      <p:sp>
+        <p:nvSpPr>
+          <p:cNvPr id="16" name="TextBox 15">
+            <a:extLst>
+              <a:ext uri="{FF2B5EF4-FFF2-40B4-BE49-F238E27FC236}">
+                <a16:creationId xmlns:a16="http://schemas.microsoft.com/office/drawing/2014/main" id="{046411A4-A90F-E2EE-7B99-E29096A74983}"/>
+              </a:ext>
+            </a:extLst>
+          </p:cNvPr>
+          <p:cNvSpPr txBox="1"/>
+          <p:nvPr/>
+        </p:nvSpPr>
+        <p:spPr>
+          <a:xfrm>
+            <a:off x="6400795" y="3914187"/>
+            <a:ext cx="694544" cy="276999"/>
+          </a:xfrm>
+          <a:prstGeom prst="rect">
+            <a:avLst/>
+          </a:prstGeom>
+          <a:noFill/>
+        </p:spPr>
+        <p:txBody>
+          <a:bodyPr wrap="square">
+            <a:spAutoFit/>
+          </a:bodyPr>
+          <a:lstStyle/>
+          <a:p>
+            <a:pPr algn="r"/>
+            <a:r>
+              <a:rPr lang="en-US" altLang="ko-KR" sz="1200" dirty="0">
+                <a:latin typeface="DM Mono" panose="020B0509040201040103" pitchFamily="49" charset="0"/>
+              </a:rPr>
+              <a:t>ref</a:t>
+            </a:r>
+            <a:endParaRPr lang="ko-KR" altLang="en-US" sz="1200" dirty="0">
+              <a:latin typeface="DM Mono" panose="020B0509040201040103" pitchFamily="49" charset="0"/>
+            </a:endParaRPr>
+          </a:p>
+        </p:txBody>
+      </p:sp>
+      <p:cxnSp>
+        <p:nvCxnSpPr>
+          <p:cNvPr id="17" name="구부러진 연결선[U] 16">
+            <a:extLst>
+              <a:ext uri="{FF2B5EF4-FFF2-40B4-BE49-F238E27FC236}">
+                <a16:creationId xmlns:a16="http://schemas.microsoft.com/office/drawing/2014/main" id="{A48CA4D1-11AC-8C39-DBA8-376A6D16D422}"/>
+              </a:ext>
+            </a:extLst>
+          </p:cNvPr>
+          <p:cNvCxnSpPr>
+            <a:cxnSpLocks/>
+            <a:stCxn id="2" idx="3"/>
+            <a:endCxn id="11" idx="1"/>
+          </p:cNvCxnSpPr>
+          <p:nvPr/>
+        </p:nvCxnSpPr>
+        <p:spPr>
+          <a:xfrm flipV="1">
+            <a:off x="7984759" y="644558"/>
+            <a:ext cx="2201053" cy="2434958"/>
+          </a:xfrm>
+          <a:prstGeom prst="curvedConnector3">
+            <a:avLst/>
+          </a:prstGeom>
+          <a:ln>
+            <a:tailEnd type="triangle"/>
+          </a:ln>
+        </p:spPr>
+        <p:style>
+          <a:lnRef idx="1">
+            <a:schemeClr val="dk1"/>
+          </a:lnRef>
+          <a:fillRef idx="0">
+            <a:schemeClr val="dk1"/>
+          </a:fillRef>
+          <a:effectRef idx="0">
+            <a:schemeClr val="dk1"/>
+          </a:effectRef>
+          <a:fontRef idx="minor">
+            <a:schemeClr val="tx1"/>
+          </a:fontRef>
+        </p:style>
+      </p:cxnSp>
+      <p:cxnSp>
+        <p:nvCxnSpPr>
+          <p:cNvPr id="20" name="구부러진 연결선[U] 19">
+            <a:extLst>
+              <a:ext uri="{FF2B5EF4-FFF2-40B4-BE49-F238E27FC236}">
+                <a16:creationId xmlns:a16="http://schemas.microsoft.com/office/drawing/2014/main" id="{FE421B4E-0187-BC59-ADA0-147A65B9E602}"/>
+              </a:ext>
+            </a:extLst>
+          </p:cNvPr>
+          <p:cNvCxnSpPr>
+            <a:cxnSpLocks/>
+            <a:stCxn id="15" idx="3"/>
+            <a:endCxn id="29" idx="1"/>
+          </p:cNvCxnSpPr>
+          <p:nvPr/>
+        </p:nvCxnSpPr>
+        <p:spPr>
+          <a:xfrm flipV="1">
+            <a:off x="7984759" y="2001020"/>
+            <a:ext cx="2248523" cy="2051666"/>
+          </a:xfrm>
+          <a:prstGeom prst="curvedConnector3">
+            <a:avLst/>
+          </a:prstGeom>
+          <a:ln>
+            <a:tailEnd type="triangle"/>
+          </a:ln>
+        </p:spPr>
+        <p:style>
+          <a:lnRef idx="1">
+            <a:schemeClr val="dk1"/>
+          </a:lnRef>
+          <a:fillRef idx="0">
+            <a:schemeClr val="dk1"/>
+          </a:fillRef>
+          <a:effectRef idx="0">
+            <a:schemeClr val="dk1"/>
+          </a:effectRef>
+          <a:fontRef idx="minor">
+            <a:schemeClr val="tx1"/>
+          </a:fontRef>
+        </p:style>
+      </p:cxnSp>
+      <p:sp>
+        <p:nvSpPr>
+          <p:cNvPr id="18" name="직사각형 17">
+            <a:extLst>
+              <a:ext uri="{FF2B5EF4-FFF2-40B4-BE49-F238E27FC236}">
+                <a16:creationId xmlns:a16="http://schemas.microsoft.com/office/drawing/2014/main" id="{038AE078-71FC-6FF7-4254-F284DEE75EBF}"/>
+              </a:ext>
+            </a:extLst>
+          </p:cNvPr>
+          <p:cNvSpPr/>
+          <p:nvPr/>
+        </p:nvSpPr>
+        <p:spPr>
+          <a:xfrm>
+            <a:off x="7105334" y="4871188"/>
+            <a:ext cx="894414" cy="489811"/>
+          </a:xfrm>
+          <a:prstGeom prst="rect">
+            <a:avLst/>
+          </a:prstGeom>
+          <a:solidFill>
+            <a:srgbClr val="FFFF00"/>
+          </a:solidFill>
+        </p:spPr>
+        <p:style>
+          <a:lnRef idx="2">
+            <a:schemeClr val="accent1">
+              <a:shade val="15000"/>
+            </a:schemeClr>
+          </a:lnRef>
+          <a:fillRef idx="1">
+            <a:schemeClr val="accent1"/>
+          </a:fillRef>
+          <a:effectRef idx="0">
+            <a:schemeClr val="accent1"/>
+          </a:effectRef>
+          <a:fontRef idx="minor">
+            <a:schemeClr val="lt1"/>
+          </a:fontRef>
+        </p:style>
+        <p:txBody>
+          <a:bodyPr rtlCol="0" anchor="ctr"/>
+          <a:lstStyle/>
+          <a:p>
+            <a:pPr algn="ctr"/>
+            <a:r>
+              <a:rPr kumimoji="1" lang="en-US" altLang="ko-KR" sz="1200" dirty="0">
+                <a:solidFill>
+                  <a:schemeClr val="tx1"/>
+                </a:solidFill>
+                <a:latin typeface="DM Mono" panose="020B0509040201040103" pitchFamily="49" charset="0"/>
+              </a:rPr>
+              <a:t>0x200</a:t>
+            </a:r>
+            <a:endParaRPr kumimoji="1" lang="ko-KR" altLang="en-US" sz="1200" dirty="0">
+              <a:solidFill>
+                <a:schemeClr val="tx1"/>
+              </a:solidFill>
+              <a:latin typeface="DM Mono" panose="020B0509040201040103" pitchFamily="49" charset="0"/>
+            </a:endParaRPr>
+          </a:p>
+        </p:txBody>
+      </p:sp>
+      <p:sp>
+        <p:nvSpPr>
+          <p:cNvPr id="19" name="직사각형 18">
+            <a:extLst>
+              <a:ext uri="{FF2B5EF4-FFF2-40B4-BE49-F238E27FC236}">
+                <a16:creationId xmlns:a16="http://schemas.microsoft.com/office/drawing/2014/main" id="{D20572A5-1A06-D19D-6373-02E35E8E6E06}"/>
+              </a:ext>
+            </a:extLst>
+          </p:cNvPr>
+          <p:cNvSpPr/>
+          <p:nvPr/>
+        </p:nvSpPr>
+        <p:spPr>
+          <a:xfrm>
+            <a:off x="7105334" y="5360999"/>
+            <a:ext cx="894414" cy="489811"/>
+          </a:xfrm>
+          <a:prstGeom prst="rect">
+            <a:avLst/>
+          </a:prstGeom>
+          <a:solidFill>
+            <a:srgbClr val="FFFF00"/>
+          </a:solidFill>
+        </p:spPr>
+        <p:style>
+          <a:lnRef idx="2">
+            <a:schemeClr val="accent1">
+              <a:shade val="15000"/>
+            </a:schemeClr>
+          </a:lnRef>
+          <a:fillRef idx="1">
+            <a:schemeClr val="accent1"/>
+          </a:fillRef>
+          <a:effectRef idx="0">
+            <a:schemeClr val="accent1"/>
+          </a:effectRef>
+          <a:fontRef idx="minor">
+            <a:schemeClr val="lt1"/>
+          </a:fontRef>
+        </p:style>
+        <p:txBody>
+          <a:bodyPr rtlCol="0" anchor="ctr"/>
+          <a:lstStyle/>
+          <a:p>
+            <a:pPr algn="ctr"/>
+            <a:r>
+              <a:rPr kumimoji="1" lang="en-US" altLang="ko-KR" sz="1200" dirty="0">
+                <a:solidFill>
+                  <a:schemeClr val="tx1"/>
+                </a:solidFill>
+                <a:latin typeface="DM Mono" panose="020B0509040201040103" pitchFamily="49" charset="0"/>
+              </a:rPr>
+              <a:t>42</a:t>
+            </a:r>
+            <a:endParaRPr kumimoji="1" lang="ko-KR" altLang="en-US" sz="1200" dirty="0">
+              <a:solidFill>
+                <a:schemeClr val="tx1"/>
+              </a:solidFill>
+              <a:latin typeface="DM Mono" panose="020B0509040201040103" pitchFamily="49" charset="0"/>
+            </a:endParaRPr>
+          </a:p>
+        </p:txBody>
+      </p:sp>
+      <p:sp>
+        <p:nvSpPr>
+          <p:cNvPr id="21" name="TextBox 20">
+            <a:extLst>
+              <a:ext uri="{FF2B5EF4-FFF2-40B4-BE49-F238E27FC236}">
+                <a16:creationId xmlns:a16="http://schemas.microsoft.com/office/drawing/2014/main" id="{7C4D2182-AC28-D510-03BE-258F369BEACB}"/>
+              </a:ext>
+            </a:extLst>
+          </p:cNvPr>
+          <p:cNvSpPr txBox="1"/>
+          <p:nvPr/>
+        </p:nvSpPr>
+        <p:spPr>
+          <a:xfrm>
+            <a:off x="7140312" y="4594189"/>
+            <a:ext cx="794479" cy="276999"/>
+          </a:xfrm>
+          <a:prstGeom prst="rect">
+            <a:avLst/>
+          </a:prstGeom>
+          <a:noFill/>
+        </p:spPr>
+        <p:txBody>
+          <a:bodyPr wrap="square">
+            <a:spAutoFit/>
+          </a:bodyPr>
+          <a:lstStyle/>
+          <a:p>
+            <a:pPr algn="ctr"/>
+            <a:r>
+              <a:rPr lang="en-US" altLang="ko-KR" sz="1200" dirty="0">
+                <a:latin typeface="DM Mono" panose="020B0509040201040103" pitchFamily="49" charset="0"/>
+              </a:rPr>
+              <a:t>other2</a:t>
+            </a:r>
+            <a:endParaRPr lang="ko-KR" altLang="en-US" sz="1200" dirty="0">
+              <a:latin typeface="DM Mono" panose="020B0509040201040103" pitchFamily="49" charset="0"/>
+            </a:endParaRPr>
+          </a:p>
+        </p:txBody>
+      </p:sp>
+      <p:sp>
+        <p:nvSpPr>
+          <p:cNvPr id="22" name="TextBox 21">
+            <a:extLst>
+              <a:ext uri="{FF2B5EF4-FFF2-40B4-BE49-F238E27FC236}">
+                <a16:creationId xmlns:a16="http://schemas.microsoft.com/office/drawing/2014/main" id="{9F40D970-2845-942E-FAF8-27816D9D927B}"/>
+              </a:ext>
+            </a:extLst>
+          </p:cNvPr>
+          <p:cNvSpPr txBox="1"/>
+          <p:nvPr/>
+        </p:nvSpPr>
+        <p:spPr>
+          <a:xfrm>
+            <a:off x="6410790" y="4978937"/>
+            <a:ext cx="694544" cy="276999"/>
+          </a:xfrm>
+          <a:prstGeom prst="rect">
+            <a:avLst/>
+          </a:prstGeom>
+          <a:noFill/>
+        </p:spPr>
+        <p:txBody>
+          <a:bodyPr wrap="square">
+            <a:spAutoFit/>
+          </a:bodyPr>
+          <a:lstStyle/>
+          <a:p>
+            <a:pPr algn="r"/>
+            <a:r>
+              <a:rPr lang="en-US" altLang="ko-KR" sz="1200" dirty="0">
+                <a:latin typeface="DM Mono" panose="020B0509040201040103" pitchFamily="49" charset="0"/>
+              </a:rPr>
+              <a:t>name</a:t>
+            </a:r>
+            <a:endParaRPr lang="ko-KR" altLang="en-US" sz="1200" dirty="0">
+              <a:latin typeface="DM Mono" panose="020B0509040201040103" pitchFamily="49" charset="0"/>
+            </a:endParaRPr>
+          </a:p>
+        </p:txBody>
+      </p:sp>
+      <p:sp>
+        <p:nvSpPr>
+          <p:cNvPr id="23" name="TextBox 22">
+            <a:extLst>
+              <a:ext uri="{FF2B5EF4-FFF2-40B4-BE49-F238E27FC236}">
+                <a16:creationId xmlns:a16="http://schemas.microsoft.com/office/drawing/2014/main" id="{2984C2F3-D3AD-F266-CB64-F01E9CFB13DD}"/>
+              </a:ext>
+            </a:extLst>
+          </p:cNvPr>
+          <p:cNvSpPr txBox="1"/>
+          <p:nvPr/>
+        </p:nvSpPr>
+        <p:spPr>
+          <a:xfrm>
+            <a:off x="6410790" y="5466062"/>
+            <a:ext cx="694544" cy="276999"/>
+          </a:xfrm>
+          <a:prstGeom prst="rect">
+            <a:avLst/>
+          </a:prstGeom>
+          <a:noFill/>
+        </p:spPr>
+        <p:txBody>
+          <a:bodyPr wrap="square">
+            <a:spAutoFit/>
+          </a:bodyPr>
+          <a:lstStyle/>
+          <a:p>
+            <a:pPr algn="r"/>
+            <a:r>
+              <a:rPr lang="en-US" altLang="ko-KR" sz="1200" dirty="0">
+                <a:latin typeface="DM Mono" panose="020B0509040201040103" pitchFamily="49" charset="0"/>
+              </a:rPr>
+              <a:t>age</a:t>
+            </a:r>
+            <a:endParaRPr lang="ko-KR" altLang="en-US" sz="1200" dirty="0">
+              <a:latin typeface="DM Mono" panose="020B0509040201040103" pitchFamily="49" charset="0"/>
+            </a:endParaRPr>
+          </a:p>
+        </p:txBody>
+      </p:sp>
+      <p:sp>
+        <p:nvSpPr>
+          <p:cNvPr id="24" name="직사각형 23">
+            <a:extLst>
+              <a:ext uri="{FF2B5EF4-FFF2-40B4-BE49-F238E27FC236}">
+                <a16:creationId xmlns:a16="http://schemas.microsoft.com/office/drawing/2014/main" id="{70BFE691-63AB-5720-9BFE-BBE35BF30BC0}"/>
+              </a:ext>
+            </a:extLst>
+          </p:cNvPr>
+          <p:cNvSpPr/>
+          <p:nvPr/>
+        </p:nvSpPr>
+        <p:spPr>
+          <a:xfrm>
+            <a:off x="7105334" y="5844358"/>
+            <a:ext cx="894414" cy="489811"/>
+          </a:xfrm>
+          <a:prstGeom prst="rect">
+            <a:avLst/>
+          </a:prstGeom>
+          <a:solidFill>
+            <a:srgbClr val="FFFF00"/>
+          </a:solidFill>
+        </p:spPr>
+        <p:style>
+          <a:lnRef idx="2">
+            <a:schemeClr val="accent1">
+              <a:shade val="15000"/>
+            </a:schemeClr>
+          </a:lnRef>
+          <a:fillRef idx="1">
+            <a:schemeClr val="accent1"/>
+          </a:fillRef>
+          <a:effectRef idx="0">
+            <a:schemeClr val="accent1"/>
+          </a:effectRef>
+          <a:fontRef idx="minor">
+            <a:schemeClr val="lt1"/>
+          </a:fontRef>
+        </p:style>
+        <p:txBody>
+          <a:bodyPr rtlCol="0" anchor="ctr"/>
+          <a:lstStyle/>
+          <a:p>
+            <a:pPr algn="ctr"/>
+            <a:endParaRPr kumimoji="1" lang="ko-KR" altLang="en-US" sz="1200" dirty="0">
+              <a:solidFill>
+                <a:schemeClr val="tx1"/>
+              </a:solidFill>
+              <a:latin typeface="DM Mono" panose="020B0509040201040103" pitchFamily="49" charset="0"/>
+            </a:endParaRPr>
+          </a:p>
+        </p:txBody>
+      </p:sp>
+      <p:sp>
+        <p:nvSpPr>
+          <p:cNvPr id="25" name="TextBox 24">
+            <a:extLst>
+              <a:ext uri="{FF2B5EF4-FFF2-40B4-BE49-F238E27FC236}">
+                <a16:creationId xmlns:a16="http://schemas.microsoft.com/office/drawing/2014/main" id="{55E37999-7D31-A0CA-0F58-7BB43075E023}"/>
+              </a:ext>
+            </a:extLst>
+          </p:cNvPr>
+          <p:cNvSpPr txBox="1"/>
+          <p:nvPr/>
+        </p:nvSpPr>
+        <p:spPr>
+          <a:xfrm>
+            <a:off x="6415784" y="5950765"/>
+            <a:ext cx="694544" cy="276999"/>
+          </a:xfrm>
+          <a:prstGeom prst="rect">
+            <a:avLst/>
+          </a:prstGeom>
+          <a:noFill/>
+        </p:spPr>
+        <p:txBody>
+          <a:bodyPr wrap="square">
+            <a:spAutoFit/>
+          </a:bodyPr>
+          <a:lstStyle/>
+          <a:p>
+            <a:pPr algn="r"/>
+            <a:r>
+              <a:rPr lang="en-US" altLang="ko-KR" sz="1200" dirty="0">
+                <a:latin typeface="DM Mono" panose="020B0509040201040103" pitchFamily="49" charset="0"/>
+              </a:rPr>
+              <a:t>ref</a:t>
+            </a:r>
+            <a:endParaRPr lang="ko-KR" altLang="en-US" sz="1200" dirty="0">
+              <a:latin typeface="DM Mono" panose="020B0509040201040103" pitchFamily="49" charset="0"/>
+            </a:endParaRPr>
+          </a:p>
+        </p:txBody>
+      </p:sp>
+      <p:cxnSp>
+        <p:nvCxnSpPr>
+          <p:cNvPr id="26" name="구부러진 연결선[U] 25">
+            <a:extLst>
+              <a:ext uri="{FF2B5EF4-FFF2-40B4-BE49-F238E27FC236}">
+                <a16:creationId xmlns:a16="http://schemas.microsoft.com/office/drawing/2014/main" id="{112A4B89-FBBE-0B75-673A-8AD533B9C2D4}"/>
+              </a:ext>
+            </a:extLst>
+          </p:cNvPr>
+          <p:cNvCxnSpPr>
+            <a:cxnSpLocks/>
+            <a:stCxn id="18" idx="3"/>
+            <a:endCxn id="11" idx="1"/>
+          </p:cNvCxnSpPr>
+          <p:nvPr/>
+        </p:nvCxnSpPr>
+        <p:spPr>
+          <a:xfrm flipV="1">
+            <a:off x="7999748" y="644558"/>
+            <a:ext cx="2186064" cy="4471536"/>
+          </a:xfrm>
+          <a:prstGeom prst="curvedConnector3">
+            <a:avLst>
+              <a:gd name="adj1" fmla="val 50000"/>
+            </a:avLst>
+          </a:prstGeom>
+          <a:ln>
+            <a:tailEnd type="triangle"/>
+          </a:ln>
+        </p:spPr>
+        <p:style>
+          <a:lnRef idx="1">
+            <a:schemeClr val="dk1"/>
+          </a:lnRef>
+          <a:fillRef idx="0">
+            <a:schemeClr val="dk1"/>
+          </a:fillRef>
+          <a:effectRef idx="0">
+            <a:schemeClr val="dk1"/>
+          </a:effectRef>
+          <a:fontRef idx="minor">
+            <a:schemeClr val="tx1"/>
+          </a:fontRef>
+        </p:style>
+      </p:cxnSp>
+      <p:cxnSp>
+        <p:nvCxnSpPr>
+          <p:cNvPr id="33" name="구부러진 연결선[U] 32">
+            <a:extLst>
+              <a:ext uri="{FF2B5EF4-FFF2-40B4-BE49-F238E27FC236}">
+                <a16:creationId xmlns:a16="http://schemas.microsoft.com/office/drawing/2014/main" id="{48AE38D2-40AD-E54A-1A32-BFB550DCB787}"/>
+              </a:ext>
+            </a:extLst>
+          </p:cNvPr>
+          <p:cNvCxnSpPr>
+            <a:cxnSpLocks/>
+            <a:stCxn id="24" idx="3"/>
+            <a:endCxn id="29" idx="1"/>
+          </p:cNvCxnSpPr>
+          <p:nvPr/>
+        </p:nvCxnSpPr>
+        <p:spPr>
+          <a:xfrm flipV="1">
+            <a:off x="7999748" y="2001020"/>
+            <a:ext cx="2233534" cy="4088244"/>
+          </a:xfrm>
+          <a:prstGeom prst="curvedConnector3">
+            <a:avLst>
+              <a:gd name="adj1" fmla="val 50000"/>
+            </a:avLst>
+          </a:prstGeom>
+          <a:ln>
+            <a:tailEnd type="triangle"/>
+          </a:ln>
+        </p:spPr>
+        <p:style>
+          <a:lnRef idx="1">
+            <a:schemeClr val="dk1"/>
+          </a:lnRef>
+          <a:fillRef idx="0">
+            <a:schemeClr val="dk1"/>
+          </a:fillRef>
+          <a:effectRef idx="0">
+            <a:schemeClr val="dk1"/>
+          </a:effectRef>
+          <a:fontRef idx="minor">
+            <a:schemeClr val="tx1"/>
+          </a:fontRef>
+        </p:style>
+      </p:cxnSp>
+    </p:spTree>
+    <p:extLst>
+      <p:ext uri="{BB962C8B-B14F-4D97-AF65-F5344CB8AC3E}">
+        <p14:creationId xmlns:p14="http://schemas.microsoft.com/office/powerpoint/2010/main" val="3841973139"/>
+      </p:ext>
+    </p:extLst>
+  </p:cSld>
+  <p:clrMapOvr>
+    <a:masterClrMapping/>
+  </p:clrMapOvr>
+</p:sld>
+</file>
+
+<file path=ppt/slides/slide22.xml><?xml version="1.0" encoding="utf-8"?>
+<p:sld xmlns:a="http://schemas.openxmlformats.org/drawingml/2006/main" xmlns:r="http://schemas.openxmlformats.org/officeDocument/2006/relationships" xmlns:p="http://schemas.openxmlformats.org/presentationml/2006/main">
+  <p:cSld>
+    <p:spTree>
+      <p:nvGrpSpPr>
+        <p:cNvPr id="1" name=""/>
+        <p:cNvGrpSpPr/>
+        <p:nvPr/>
+      </p:nvGrpSpPr>
+      <p:grpSpPr>
+        <a:xfrm>
+          <a:off x="0" y="0"/>
+          <a:ext cx="0" cy="0"/>
+          <a:chOff x="0" y="0"/>
+          <a:chExt cx="0" cy="0"/>
+        </a:xfrm>
+      </p:grpSpPr>
+      <p:sp>
+        <p:nvSpPr>
+          <p:cNvPr id="6" name="직사각형 5">
+            <a:extLst>
+              <a:ext uri="{FF2B5EF4-FFF2-40B4-BE49-F238E27FC236}">
+                <a16:creationId xmlns:a16="http://schemas.microsoft.com/office/drawing/2014/main" id="{908EB3C3-304F-7045-6EB1-59391145DD48}"/>
+              </a:ext>
+            </a:extLst>
+          </p:cNvPr>
+          <p:cNvSpPr/>
+          <p:nvPr/>
+        </p:nvSpPr>
+        <p:spPr>
+          <a:xfrm>
+            <a:off x="7090345" y="964235"/>
+            <a:ext cx="894414" cy="489811"/>
+          </a:xfrm>
+          <a:prstGeom prst="rect">
+            <a:avLst/>
+          </a:prstGeom>
+          <a:solidFill>
+            <a:srgbClr val="FFFF00"/>
+          </a:solidFill>
+        </p:spPr>
+        <p:style>
+          <a:lnRef idx="2">
+            <a:schemeClr val="accent1">
+              <a:shade val="15000"/>
+            </a:schemeClr>
+          </a:lnRef>
+          <a:fillRef idx="1">
+            <a:schemeClr val="accent1"/>
+          </a:fillRef>
+          <a:effectRef idx="0">
+            <a:schemeClr val="accent1"/>
+          </a:effectRef>
+          <a:fontRef idx="minor">
+            <a:schemeClr val="lt1"/>
+          </a:fontRef>
+        </p:style>
+        <p:txBody>
+          <a:bodyPr rtlCol="0" anchor="ctr"/>
+          <a:lstStyle/>
+          <a:p>
+            <a:pPr algn="ctr"/>
+            <a:r>
+              <a:rPr kumimoji="1" lang="en-US" altLang="ko-KR" sz="1200" dirty="0">
+                <a:solidFill>
+                  <a:schemeClr val="tx1"/>
+                </a:solidFill>
+                <a:latin typeface="DM Mono" panose="020B0509040201040103" pitchFamily="49" charset="0"/>
+              </a:rPr>
+              <a:t>0x200</a:t>
+            </a:r>
+            <a:endParaRPr kumimoji="1" lang="ko-KR" altLang="en-US" sz="1200" dirty="0">
+              <a:solidFill>
+                <a:schemeClr val="tx1"/>
+              </a:solidFill>
+              <a:latin typeface="DM Mono" panose="020B0509040201040103" pitchFamily="49" charset="0"/>
+            </a:endParaRPr>
+          </a:p>
+        </p:txBody>
+      </p:sp>
+      <p:sp>
+        <p:nvSpPr>
+          <p:cNvPr id="7" name="직사각형 6">
+            <a:extLst>
+              <a:ext uri="{FF2B5EF4-FFF2-40B4-BE49-F238E27FC236}">
+                <a16:creationId xmlns:a16="http://schemas.microsoft.com/office/drawing/2014/main" id="{E95E48C3-88B7-8F38-7EEF-3CBBDC599471}"/>
+              </a:ext>
+            </a:extLst>
+          </p:cNvPr>
+          <p:cNvSpPr/>
+          <p:nvPr/>
+        </p:nvSpPr>
+        <p:spPr>
+          <a:xfrm>
+            <a:off x="7090345" y="1454046"/>
+            <a:ext cx="894414" cy="489811"/>
+          </a:xfrm>
+          <a:prstGeom prst="rect">
+            <a:avLst/>
+          </a:prstGeom>
+          <a:solidFill>
+            <a:srgbClr val="FFFF00"/>
+          </a:solidFill>
+        </p:spPr>
+        <p:style>
+          <a:lnRef idx="2">
+            <a:schemeClr val="accent1">
+              <a:shade val="15000"/>
+            </a:schemeClr>
+          </a:lnRef>
+          <a:fillRef idx="1">
+            <a:schemeClr val="accent1"/>
+          </a:fillRef>
+          <a:effectRef idx="0">
+            <a:schemeClr val="accent1"/>
+          </a:effectRef>
+          <a:fontRef idx="minor">
+            <a:schemeClr val="lt1"/>
+          </a:fontRef>
+        </p:style>
+        <p:txBody>
+          <a:bodyPr rtlCol="0" anchor="ctr"/>
+          <a:lstStyle/>
+          <a:p>
+            <a:pPr algn="ctr"/>
+            <a:r>
+              <a:rPr kumimoji="1" lang="en-US" altLang="ko-KR" sz="1200" dirty="0">
+                <a:solidFill>
+                  <a:schemeClr val="tx1"/>
+                </a:solidFill>
+                <a:latin typeface="DM Mono" panose="020B0509040201040103" pitchFamily="49" charset="0"/>
+              </a:rPr>
+              <a:t>42</a:t>
+            </a:r>
+            <a:endParaRPr kumimoji="1" lang="ko-KR" altLang="en-US" sz="1200" dirty="0">
+              <a:solidFill>
+                <a:schemeClr val="tx1"/>
+              </a:solidFill>
+              <a:latin typeface="DM Mono" panose="020B0509040201040103" pitchFamily="49" charset="0"/>
+            </a:endParaRPr>
+          </a:p>
+        </p:txBody>
+      </p:sp>
+      <p:sp>
+        <p:nvSpPr>
+          <p:cNvPr id="8" name="TextBox 7">
+            <a:extLst>
+              <a:ext uri="{FF2B5EF4-FFF2-40B4-BE49-F238E27FC236}">
+                <a16:creationId xmlns:a16="http://schemas.microsoft.com/office/drawing/2014/main" id="{7AA979D8-4780-5226-CBC4-ED682085048C}"/>
+              </a:ext>
+            </a:extLst>
+          </p:cNvPr>
+          <p:cNvSpPr txBox="1"/>
+          <p:nvPr/>
+        </p:nvSpPr>
+        <p:spPr>
+          <a:xfrm>
+            <a:off x="7190280" y="647487"/>
+            <a:ext cx="694544" cy="276999"/>
+          </a:xfrm>
+          <a:prstGeom prst="rect">
+            <a:avLst/>
+          </a:prstGeom>
+          <a:noFill/>
+        </p:spPr>
+        <p:txBody>
+          <a:bodyPr wrap="square">
+            <a:spAutoFit/>
+          </a:bodyPr>
+          <a:lstStyle/>
+          <a:p>
+            <a:pPr algn="ctr"/>
+            <a:r>
+              <a:rPr lang="en-US" altLang="ko-KR" sz="1200" dirty="0">
+                <a:latin typeface="DM Mono" panose="020B0509040201040103" pitchFamily="49" charset="0"/>
+              </a:rPr>
+              <a:t>user</a:t>
+            </a:r>
+            <a:endParaRPr lang="ko-KR" altLang="en-US" sz="1200" dirty="0">
+              <a:latin typeface="DM Mono" panose="020B0509040201040103" pitchFamily="49" charset="0"/>
+            </a:endParaRPr>
+          </a:p>
+        </p:txBody>
+      </p:sp>
+      <p:sp>
+        <p:nvSpPr>
+          <p:cNvPr id="9" name="TextBox 8">
+            <a:extLst>
+              <a:ext uri="{FF2B5EF4-FFF2-40B4-BE49-F238E27FC236}">
+                <a16:creationId xmlns:a16="http://schemas.microsoft.com/office/drawing/2014/main" id="{B1640A79-F7FC-C373-A32D-AFD724A2FE6F}"/>
+              </a:ext>
+            </a:extLst>
+          </p:cNvPr>
+          <p:cNvSpPr txBox="1"/>
+          <p:nvPr/>
+        </p:nvSpPr>
+        <p:spPr>
+          <a:xfrm>
+            <a:off x="6395801" y="1071984"/>
+            <a:ext cx="694544" cy="276999"/>
+          </a:xfrm>
+          <a:prstGeom prst="rect">
+            <a:avLst/>
+          </a:prstGeom>
+          <a:noFill/>
+        </p:spPr>
+        <p:txBody>
+          <a:bodyPr wrap="square">
+            <a:spAutoFit/>
+          </a:bodyPr>
+          <a:lstStyle/>
+          <a:p>
+            <a:pPr algn="r"/>
+            <a:r>
+              <a:rPr lang="en-US" altLang="ko-KR" sz="1200" dirty="0">
+                <a:latin typeface="DM Mono" panose="020B0509040201040103" pitchFamily="49" charset="0"/>
+              </a:rPr>
+              <a:t>name</a:t>
+            </a:r>
+            <a:endParaRPr lang="ko-KR" altLang="en-US" sz="1200" dirty="0">
+              <a:latin typeface="DM Mono" panose="020B0509040201040103" pitchFamily="49" charset="0"/>
+            </a:endParaRPr>
+          </a:p>
+        </p:txBody>
+      </p:sp>
+      <p:sp>
+        <p:nvSpPr>
+          <p:cNvPr id="10" name="TextBox 9">
+            <a:extLst>
+              <a:ext uri="{FF2B5EF4-FFF2-40B4-BE49-F238E27FC236}">
+                <a16:creationId xmlns:a16="http://schemas.microsoft.com/office/drawing/2014/main" id="{0A22048C-68EA-0BAD-6262-34D7A386611A}"/>
+              </a:ext>
+            </a:extLst>
+          </p:cNvPr>
+          <p:cNvSpPr txBox="1"/>
+          <p:nvPr/>
+        </p:nvSpPr>
+        <p:spPr>
+          <a:xfrm>
+            <a:off x="6395801" y="1559109"/>
+            <a:ext cx="694544" cy="276999"/>
+          </a:xfrm>
+          <a:prstGeom prst="rect">
+            <a:avLst/>
+          </a:prstGeom>
+          <a:noFill/>
+        </p:spPr>
+        <p:txBody>
+          <a:bodyPr wrap="square">
+            <a:spAutoFit/>
+          </a:bodyPr>
+          <a:lstStyle/>
+          <a:p>
+            <a:pPr algn="r"/>
+            <a:r>
+              <a:rPr lang="en-US" altLang="ko-KR" sz="1200" dirty="0">
+                <a:latin typeface="DM Mono" panose="020B0509040201040103" pitchFamily="49" charset="0"/>
+              </a:rPr>
+              <a:t>age</a:t>
+            </a:r>
+            <a:endParaRPr lang="ko-KR" altLang="en-US" sz="1200" dirty="0">
+              <a:latin typeface="DM Mono" panose="020B0509040201040103" pitchFamily="49" charset="0"/>
+            </a:endParaRPr>
+          </a:p>
+        </p:txBody>
+      </p:sp>
+      <p:sp>
+        <p:nvSpPr>
+          <p:cNvPr id="11" name="직사각형 10">
+            <a:extLst>
+              <a:ext uri="{FF2B5EF4-FFF2-40B4-BE49-F238E27FC236}">
+                <a16:creationId xmlns:a16="http://schemas.microsoft.com/office/drawing/2014/main" id="{B06002E1-7E0A-48FF-0039-C129E25527D5}"/>
+              </a:ext>
+            </a:extLst>
+          </p:cNvPr>
+          <p:cNvSpPr/>
+          <p:nvPr/>
+        </p:nvSpPr>
+        <p:spPr>
+          <a:xfrm>
+            <a:off x="10185812" y="479646"/>
+            <a:ext cx="1441557" cy="329823"/>
+          </a:xfrm>
+          <a:prstGeom prst="rect">
+            <a:avLst/>
+          </a:prstGeom>
+          <a:solidFill>
+            <a:srgbClr val="FFFF00"/>
+          </a:solidFill>
+        </p:spPr>
+        <p:style>
+          <a:lnRef idx="2">
+            <a:schemeClr val="accent1">
+              <a:shade val="15000"/>
+            </a:schemeClr>
+          </a:lnRef>
+          <a:fillRef idx="1">
+            <a:schemeClr val="accent1"/>
+          </a:fillRef>
+          <a:effectRef idx="0">
+            <a:schemeClr val="accent1"/>
+          </a:effectRef>
+          <a:fontRef idx="minor">
+            <a:schemeClr val="lt1"/>
+          </a:fontRef>
+        </p:style>
+        <p:txBody>
+          <a:bodyPr rtlCol="0" anchor="ctr"/>
+          <a:lstStyle/>
+          <a:p>
+            <a:pPr algn="ctr"/>
+            <a:r>
+              <a:rPr kumimoji="1" lang="en-US" altLang="ko-KR" sz="1200" dirty="0">
+                <a:solidFill>
+                  <a:schemeClr val="tx1"/>
+                </a:solidFill>
+                <a:latin typeface="DM Mono" panose="020B0509040201040103" pitchFamily="49" charset="0"/>
+              </a:rPr>
+              <a:t>“Tom”</a:t>
+            </a:r>
+            <a:endParaRPr kumimoji="1" lang="ko-KR" altLang="en-US" sz="1200" dirty="0">
+              <a:solidFill>
+                <a:schemeClr val="tx1"/>
+              </a:solidFill>
+              <a:latin typeface="DM Mono" panose="020B0509040201040103" pitchFamily="49" charset="0"/>
+            </a:endParaRPr>
+          </a:p>
+        </p:txBody>
+      </p:sp>
+      <p:cxnSp>
+        <p:nvCxnSpPr>
+          <p:cNvPr id="13" name="구부러진 연결선[U] 12">
+            <a:extLst>
+              <a:ext uri="{FF2B5EF4-FFF2-40B4-BE49-F238E27FC236}">
+                <a16:creationId xmlns:a16="http://schemas.microsoft.com/office/drawing/2014/main" id="{68E12808-F904-D961-0F53-6D2C59633C03}"/>
+              </a:ext>
+            </a:extLst>
+          </p:cNvPr>
+          <p:cNvCxnSpPr>
+            <a:stCxn id="6" idx="3"/>
+            <a:endCxn id="11" idx="1"/>
+          </p:cNvCxnSpPr>
+          <p:nvPr/>
+        </p:nvCxnSpPr>
+        <p:spPr>
+          <a:xfrm flipV="1">
+            <a:off x="7984759" y="644558"/>
+            <a:ext cx="2201053" cy="564583"/>
+          </a:xfrm>
+          <a:prstGeom prst="curvedConnector3">
+            <a:avLst/>
+          </a:prstGeom>
+          <a:ln>
+            <a:tailEnd type="triangle"/>
+          </a:ln>
+        </p:spPr>
+        <p:style>
+          <a:lnRef idx="1">
+            <a:schemeClr val="dk1"/>
+          </a:lnRef>
+          <a:fillRef idx="0">
+            <a:schemeClr val="dk1"/>
+          </a:fillRef>
+          <a:effectRef idx="0">
+            <a:schemeClr val="dk1"/>
+          </a:effectRef>
+          <a:fontRef idx="minor">
+            <a:schemeClr val="tx1"/>
+          </a:fontRef>
+        </p:style>
+      </p:cxnSp>
+      <p:sp>
+        <p:nvSpPr>
+          <p:cNvPr id="14" name="TextBox 13">
+            <a:extLst>
+              <a:ext uri="{FF2B5EF4-FFF2-40B4-BE49-F238E27FC236}">
+                <a16:creationId xmlns:a16="http://schemas.microsoft.com/office/drawing/2014/main" id="{13CCF594-2FD6-C4DC-05F5-C1D983C7E34A}"/>
+              </a:ext>
+            </a:extLst>
+          </p:cNvPr>
+          <p:cNvSpPr txBox="1"/>
+          <p:nvPr/>
+        </p:nvSpPr>
+        <p:spPr>
+          <a:xfrm>
+            <a:off x="9838540" y="212376"/>
+            <a:ext cx="694544" cy="276999"/>
+          </a:xfrm>
+          <a:prstGeom prst="rect">
+            <a:avLst/>
+          </a:prstGeom>
+          <a:noFill/>
+        </p:spPr>
+        <p:txBody>
+          <a:bodyPr wrap="square">
+            <a:spAutoFit/>
+          </a:bodyPr>
+          <a:lstStyle/>
+          <a:p>
+            <a:pPr algn="ctr"/>
+            <a:r>
+              <a:rPr lang="en-US" altLang="ko-KR" sz="1200" dirty="0">
+                <a:latin typeface="DM Mono" panose="020B0509040201040103" pitchFamily="49" charset="0"/>
+              </a:rPr>
+              <a:t>0x200</a:t>
+            </a:r>
+            <a:endParaRPr lang="ko-KR" altLang="en-US" sz="1200" dirty="0">
+              <a:latin typeface="DM Mono" panose="020B0509040201040103" pitchFamily="49" charset="0"/>
+            </a:endParaRPr>
+          </a:p>
+        </p:txBody>
+      </p:sp>
+      <p:sp>
+        <p:nvSpPr>
+          <p:cNvPr id="27" name="직사각형 26">
+            <a:extLst>
+              <a:ext uri="{FF2B5EF4-FFF2-40B4-BE49-F238E27FC236}">
+                <a16:creationId xmlns:a16="http://schemas.microsoft.com/office/drawing/2014/main" id="{982788D3-B123-3445-C895-251E97CDF298}"/>
+              </a:ext>
+            </a:extLst>
+          </p:cNvPr>
+          <p:cNvSpPr/>
+          <p:nvPr/>
+        </p:nvSpPr>
+        <p:spPr>
+          <a:xfrm>
+            <a:off x="7090345" y="1937405"/>
+            <a:ext cx="894414" cy="489811"/>
+          </a:xfrm>
+          <a:prstGeom prst="rect">
+            <a:avLst/>
+          </a:prstGeom>
+          <a:solidFill>
+            <a:srgbClr val="FFFF00"/>
+          </a:solidFill>
+        </p:spPr>
+        <p:style>
+          <a:lnRef idx="2">
+            <a:schemeClr val="accent1">
+              <a:shade val="15000"/>
+            </a:schemeClr>
+          </a:lnRef>
+          <a:fillRef idx="1">
+            <a:schemeClr val="accent1"/>
+          </a:fillRef>
+          <a:effectRef idx="0">
+            <a:schemeClr val="accent1"/>
+          </a:effectRef>
+          <a:fontRef idx="minor">
+            <a:schemeClr val="lt1"/>
+          </a:fontRef>
+        </p:style>
+        <p:txBody>
+          <a:bodyPr rtlCol="0" anchor="ctr"/>
+          <a:lstStyle/>
+          <a:p>
+            <a:pPr algn="ctr"/>
+            <a:endParaRPr kumimoji="1" lang="ko-KR" altLang="en-US" sz="1200" dirty="0">
+              <a:solidFill>
+                <a:schemeClr val="tx1"/>
+              </a:solidFill>
+              <a:latin typeface="DM Mono" panose="020B0509040201040103" pitchFamily="49" charset="0"/>
+            </a:endParaRPr>
+          </a:p>
+        </p:txBody>
+      </p:sp>
+      <p:sp>
+        <p:nvSpPr>
+          <p:cNvPr id="28" name="TextBox 27">
+            <a:extLst>
+              <a:ext uri="{FF2B5EF4-FFF2-40B4-BE49-F238E27FC236}">
+                <a16:creationId xmlns:a16="http://schemas.microsoft.com/office/drawing/2014/main" id="{8685850F-E767-3C17-2F9A-6F111DEB22F8}"/>
+              </a:ext>
+            </a:extLst>
+          </p:cNvPr>
+          <p:cNvSpPr txBox="1"/>
+          <p:nvPr/>
+        </p:nvSpPr>
+        <p:spPr>
+          <a:xfrm>
+            <a:off x="6400795" y="2043812"/>
+            <a:ext cx="694544" cy="276999"/>
+          </a:xfrm>
+          <a:prstGeom prst="rect">
+            <a:avLst/>
+          </a:prstGeom>
+          <a:noFill/>
+        </p:spPr>
+        <p:txBody>
+          <a:bodyPr wrap="square">
+            <a:spAutoFit/>
+          </a:bodyPr>
+          <a:lstStyle/>
+          <a:p>
+            <a:pPr algn="r"/>
+            <a:r>
+              <a:rPr lang="en-US" altLang="ko-KR" sz="1200" dirty="0">
+                <a:latin typeface="DM Mono" panose="020B0509040201040103" pitchFamily="49" charset="0"/>
+              </a:rPr>
+              <a:t>ref</a:t>
+            </a:r>
+            <a:endParaRPr lang="ko-KR" altLang="en-US" sz="1200" dirty="0">
+              <a:latin typeface="DM Mono" panose="020B0509040201040103" pitchFamily="49" charset="0"/>
+            </a:endParaRPr>
+          </a:p>
+        </p:txBody>
+      </p:sp>
+      <p:sp>
+        <p:nvSpPr>
+          <p:cNvPr id="29" name="직사각형 28">
+            <a:extLst>
+              <a:ext uri="{FF2B5EF4-FFF2-40B4-BE49-F238E27FC236}">
+                <a16:creationId xmlns:a16="http://schemas.microsoft.com/office/drawing/2014/main" id="{8885ED78-B486-A698-9658-35713024BF5E}"/>
+              </a:ext>
+            </a:extLst>
+          </p:cNvPr>
+          <p:cNvSpPr/>
+          <p:nvPr/>
+        </p:nvSpPr>
+        <p:spPr>
+          <a:xfrm>
+            <a:off x="10233282" y="1836108"/>
+            <a:ext cx="729526" cy="329823"/>
+          </a:xfrm>
+          <a:prstGeom prst="rect">
+            <a:avLst/>
+          </a:prstGeom>
+          <a:solidFill>
+            <a:srgbClr val="FFFF00"/>
+          </a:solidFill>
+        </p:spPr>
+        <p:style>
+          <a:lnRef idx="2">
+            <a:schemeClr val="accent1">
+              <a:shade val="15000"/>
+            </a:schemeClr>
+          </a:lnRef>
+          <a:fillRef idx="1">
+            <a:schemeClr val="accent1"/>
+          </a:fillRef>
+          <a:effectRef idx="0">
+            <a:schemeClr val="accent1"/>
+          </a:effectRef>
+          <a:fontRef idx="minor">
+            <a:schemeClr val="lt1"/>
+          </a:fontRef>
+        </p:style>
+        <p:txBody>
+          <a:bodyPr rtlCol="0" anchor="ctr"/>
+          <a:lstStyle/>
+          <a:p>
+            <a:pPr algn="ctr"/>
+            <a:r>
+              <a:rPr kumimoji="1" lang="en-US" altLang="ko-KR" sz="1200" dirty="0">
+                <a:solidFill>
+                  <a:srgbClr val="FF0000"/>
+                </a:solidFill>
+                <a:latin typeface="DM Mono" panose="020B0509040201040103" pitchFamily="49" charset="0"/>
+              </a:rPr>
+              <a:t>2</a:t>
+            </a:r>
+            <a:endParaRPr kumimoji="1" lang="ko-KR" altLang="en-US" sz="1200" dirty="0">
+              <a:solidFill>
+                <a:srgbClr val="FF0000"/>
+              </a:solidFill>
+              <a:latin typeface="DM Mono" panose="020B0509040201040103" pitchFamily="49" charset="0"/>
+            </a:endParaRPr>
+          </a:p>
+        </p:txBody>
+      </p:sp>
+      <p:cxnSp>
+        <p:nvCxnSpPr>
+          <p:cNvPr id="30" name="구부러진 연결선[U] 29">
+            <a:extLst>
+              <a:ext uri="{FF2B5EF4-FFF2-40B4-BE49-F238E27FC236}">
+                <a16:creationId xmlns:a16="http://schemas.microsoft.com/office/drawing/2014/main" id="{17CFC538-66DC-A2EF-35D7-89B2109494D6}"/>
+              </a:ext>
+            </a:extLst>
+          </p:cNvPr>
+          <p:cNvCxnSpPr>
+            <a:cxnSpLocks/>
+            <a:stCxn id="27" idx="3"/>
+            <a:endCxn id="29" idx="1"/>
+          </p:cNvCxnSpPr>
+          <p:nvPr/>
+        </p:nvCxnSpPr>
+        <p:spPr>
+          <a:xfrm flipV="1">
+            <a:off x="7984759" y="2001020"/>
+            <a:ext cx="2248523" cy="181291"/>
+          </a:xfrm>
+          <a:prstGeom prst="curvedConnector3">
+            <a:avLst/>
+          </a:prstGeom>
+          <a:ln>
+            <a:tailEnd type="triangle"/>
+          </a:ln>
+        </p:spPr>
+        <p:style>
+          <a:lnRef idx="1">
+            <a:schemeClr val="dk1"/>
+          </a:lnRef>
+          <a:fillRef idx="0">
+            <a:schemeClr val="dk1"/>
+          </a:fillRef>
+          <a:effectRef idx="0">
+            <a:schemeClr val="dk1"/>
+          </a:effectRef>
+          <a:fontRef idx="minor">
+            <a:schemeClr val="tx1"/>
+          </a:fontRef>
+        </p:style>
+      </p:cxnSp>
+      <p:sp>
+        <p:nvSpPr>
+          <p:cNvPr id="2" name="직사각형 1">
+            <a:extLst>
+              <a:ext uri="{FF2B5EF4-FFF2-40B4-BE49-F238E27FC236}">
+                <a16:creationId xmlns:a16="http://schemas.microsoft.com/office/drawing/2014/main" id="{BD4E44A1-B057-940B-7D25-75ECF4FFEFB5}"/>
+              </a:ext>
+            </a:extLst>
+          </p:cNvPr>
+          <p:cNvSpPr/>
+          <p:nvPr/>
+        </p:nvSpPr>
+        <p:spPr>
+          <a:xfrm>
+            <a:off x="7090345" y="2834610"/>
+            <a:ext cx="894414" cy="489811"/>
+          </a:xfrm>
+          <a:prstGeom prst="rect">
+            <a:avLst/>
+          </a:prstGeom>
+          <a:solidFill>
+            <a:srgbClr val="FFFF00"/>
+          </a:solidFill>
+        </p:spPr>
+        <p:style>
+          <a:lnRef idx="2">
+            <a:schemeClr val="accent1">
+              <a:shade val="15000"/>
+            </a:schemeClr>
+          </a:lnRef>
+          <a:fillRef idx="1">
+            <a:schemeClr val="accent1"/>
+          </a:fillRef>
+          <a:effectRef idx="0">
+            <a:schemeClr val="accent1"/>
+          </a:effectRef>
+          <a:fontRef idx="minor">
+            <a:schemeClr val="lt1"/>
+          </a:fontRef>
+        </p:style>
+        <p:txBody>
+          <a:bodyPr rtlCol="0" anchor="ctr"/>
+          <a:lstStyle/>
+          <a:p>
+            <a:pPr algn="ctr"/>
+            <a:r>
+              <a:rPr kumimoji="1" lang="en-US" altLang="ko-KR" sz="1200" dirty="0">
+                <a:solidFill>
+                  <a:schemeClr val="tx1"/>
+                </a:solidFill>
+                <a:latin typeface="DM Mono" panose="020B0509040201040103" pitchFamily="49" charset="0"/>
+              </a:rPr>
+              <a:t>0x200</a:t>
+            </a:r>
+            <a:endParaRPr kumimoji="1" lang="ko-KR" altLang="en-US" sz="1200" dirty="0">
+              <a:solidFill>
+                <a:schemeClr val="tx1"/>
+              </a:solidFill>
+              <a:latin typeface="DM Mono" panose="020B0509040201040103" pitchFamily="49" charset="0"/>
+            </a:endParaRPr>
+          </a:p>
+        </p:txBody>
+      </p:sp>
+      <p:sp>
+        <p:nvSpPr>
+          <p:cNvPr id="3" name="직사각형 2">
+            <a:extLst>
+              <a:ext uri="{FF2B5EF4-FFF2-40B4-BE49-F238E27FC236}">
+                <a16:creationId xmlns:a16="http://schemas.microsoft.com/office/drawing/2014/main" id="{56AD79C3-3B6A-4BC2-036B-A58D098964FC}"/>
+              </a:ext>
+            </a:extLst>
+          </p:cNvPr>
+          <p:cNvSpPr/>
+          <p:nvPr/>
+        </p:nvSpPr>
+        <p:spPr>
+          <a:xfrm>
+            <a:off x="7090345" y="3324421"/>
+            <a:ext cx="894414" cy="489811"/>
+          </a:xfrm>
+          <a:prstGeom prst="rect">
+            <a:avLst/>
+          </a:prstGeom>
+          <a:solidFill>
+            <a:srgbClr val="FFFF00"/>
+          </a:solidFill>
+        </p:spPr>
+        <p:style>
+          <a:lnRef idx="2">
+            <a:schemeClr val="accent1">
+              <a:shade val="15000"/>
+            </a:schemeClr>
+          </a:lnRef>
+          <a:fillRef idx="1">
+            <a:schemeClr val="accent1"/>
+          </a:fillRef>
+          <a:effectRef idx="0">
+            <a:schemeClr val="accent1"/>
+          </a:effectRef>
+          <a:fontRef idx="minor">
+            <a:schemeClr val="lt1"/>
+          </a:fontRef>
+        </p:style>
+        <p:txBody>
+          <a:bodyPr rtlCol="0" anchor="ctr"/>
+          <a:lstStyle/>
+          <a:p>
+            <a:pPr algn="ctr"/>
+            <a:r>
+              <a:rPr kumimoji="1" lang="en-US" altLang="ko-KR" sz="1200" dirty="0">
+                <a:solidFill>
+                  <a:schemeClr val="tx1"/>
+                </a:solidFill>
+                <a:latin typeface="DM Mono" panose="020B0509040201040103" pitchFamily="49" charset="0"/>
+              </a:rPr>
+              <a:t>42</a:t>
+            </a:r>
+            <a:endParaRPr kumimoji="1" lang="ko-KR" altLang="en-US" sz="1200" dirty="0">
+              <a:solidFill>
+                <a:schemeClr val="tx1"/>
+              </a:solidFill>
+              <a:latin typeface="DM Mono" panose="020B0509040201040103" pitchFamily="49" charset="0"/>
+            </a:endParaRPr>
+          </a:p>
+        </p:txBody>
+      </p:sp>
+      <p:sp>
+        <p:nvSpPr>
+          <p:cNvPr id="4" name="TextBox 3">
+            <a:extLst>
+              <a:ext uri="{FF2B5EF4-FFF2-40B4-BE49-F238E27FC236}">
+                <a16:creationId xmlns:a16="http://schemas.microsoft.com/office/drawing/2014/main" id="{8D6AAF52-121F-618D-4DC4-C805A18846A1}"/>
+              </a:ext>
+            </a:extLst>
+          </p:cNvPr>
+          <p:cNvSpPr txBox="1"/>
+          <p:nvPr/>
+        </p:nvSpPr>
+        <p:spPr>
+          <a:xfrm>
+            <a:off x="7190280" y="2517862"/>
+            <a:ext cx="694544" cy="276999"/>
+          </a:xfrm>
+          <a:prstGeom prst="rect">
+            <a:avLst/>
+          </a:prstGeom>
+          <a:noFill/>
+        </p:spPr>
+        <p:txBody>
+          <a:bodyPr wrap="square">
+            <a:spAutoFit/>
+          </a:bodyPr>
+          <a:lstStyle/>
+          <a:p>
+            <a:pPr algn="ctr"/>
+            <a:r>
+              <a:rPr lang="en-US" altLang="ko-KR" sz="1200" dirty="0">
+                <a:latin typeface="DM Mono" panose="020B0509040201040103" pitchFamily="49" charset="0"/>
+              </a:rPr>
+              <a:t>other</a:t>
+            </a:r>
+            <a:endParaRPr lang="ko-KR" altLang="en-US" sz="1200" dirty="0">
+              <a:latin typeface="DM Mono" panose="020B0509040201040103" pitchFamily="49" charset="0"/>
+            </a:endParaRPr>
+          </a:p>
+        </p:txBody>
+      </p:sp>
+      <p:sp>
+        <p:nvSpPr>
+          <p:cNvPr id="5" name="TextBox 4">
+            <a:extLst>
+              <a:ext uri="{FF2B5EF4-FFF2-40B4-BE49-F238E27FC236}">
+                <a16:creationId xmlns:a16="http://schemas.microsoft.com/office/drawing/2014/main" id="{90CDEA4D-58DD-C200-7929-E4550163C72E}"/>
+              </a:ext>
+            </a:extLst>
+          </p:cNvPr>
+          <p:cNvSpPr txBox="1"/>
+          <p:nvPr/>
+        </p:nvSpPr>
+        <p:spPr>
+          <a:xfrm>
+            <a:off x="6395801" y="2942359"/>
+            <a:ext cx="694544" cy="276999"/>
+          </a:xfrm>
+          <a:prstGeom prst="rect">
+            <a:avLst/>
+          </a:prstGeom>
+          <a:noFill/>
+        </p:spPr>
+        <p:txBody>
+          <a:bodyPr wrap="square">
+            <a:spAutoFit/>
+          </a:bodyPr>
+          <a:lstStyle/>
+          <a:p>
+            <a:pPr algn="r"/>
+            <a:r>
+              <a:rPr lang="en-US" altLang="ko-KR" sz="1200" dirty="0">
+                <a:latin typeface="DM Mono" panose="020B0509040201040103" pitchFamily="49" charset="0"/>
+              </a:rPr>
+              <a:t>name</a:t>
+            </a:r>
+            <a:endParaRPr lang="ko-KR" altLang="en-US" sz="1200" dirty="0">
+              <a:latin typeface="DM Mono" panose="020B0509040201040103" pitchFamily="49" charset="0"/>
+            </a:endParaRPr>
+          </a:p>
+        </p:txBody>
+      </p:sp>
+      <p:sp>
+        <p:nvSpPr>
+          <p:cNvPr id="12" name="TextBox 11">
+            <a:extLst>
+              <a:ext uri="{FF2B5EF4-FFF2-40B4-BE49-F238E27FC236}">
+                <a16:creationId xmlns:a16="http://schemas.microsoft.com/office/drawing/2014/main" id="{A89EEDA7-3083-6784-D71B-7F106471DFC4}"/>
+              </a:ext>
+            </a:extLst>
+          </p:cNvPr>
+          <p:cNvSpPr txBox="1"/>
+          <p:nvPr/>
+        </p:nvSpPr>
+        <p:spPr>
+          <a:xfrm>
+            <a:off x="6395801" y="3429484"/>
+            <a:ext cx="694544" cy="276999"/>
+          </a:xfrm>
+          <a:prstGeom prst="rect">
+            <a:avLst/>
+          </a:prstGeom>
+          <a:noFill/>
+        </p:spPr>
+        <p:txBody>
+          <a:bodyPr wrap="square">
+            <a:spAutoFit/>
+          </a:bodyPr>
+          <a:lstStyle/>
+          <a:p>
+            <a:pPr algn="r"/>
+            <a:r>
+              <a:rPr lang="en-US" altLang="ko-KR" sz="1200" dirty="0">
+                <a:latin typeface="DM Mono" panose="020B0509040201040103" pitchFamily="49" charset="0"/>
+              </a:rPr>
+              <a:t>age</a:t>
+            </a:r>
+            <a:endParaRPr lang="ko-KR" altLang="en-US" sz="1200" dirty="0">
+              <a:latin typeface="DM Mono" panose="020B0509040201040103" pitchFamily="49" charset="0"/>
+            </a:endParaRPr>
+          </a:p>
+        </p:txBody>
+      </p:sp>
+      <p:sp>
+        <p:nvSpPr>
+          <p:cNvPr id="15" name="직사각형 14">
+            <a:extLst>
+              <a:ext uri="{FF2B5EF4-FFF2-40B4-BE49-F238E27FC236}">
+                <a16:creationId xmlns:a16="http://schemas.microsoft.com/office/drawing/2014/main" id="{FA26B581-D919-FF5A-6562-82114DF43D9E}"/>
+              </a:ext>
+            </a:extLst>
+          </p:cNvPr>
+          <p:cNvSpPr/>
+          <p:nvPr/>
+        </p:nvSpPr>
+        <p:spPr>
+          <a:xfrm>
+            <a:off x="7090345" y="3807780"/>
+            <a:ext cx="894414" cy="489811"/>
+          </a:xfrm>
+          <a:prstGeom prst="rect">
+            <a:avLst/>
+          </a:prstGeom>
+          <a:solidFill>
+            <a:srgbClr val="FFFF00"/>
+          </a:solidFill>
+        </p:spPr>
+        <p:style>
+          <a:lnRef idx="2">
+            <a:schemeClr val="accent1">
+              <a:shade val="15000"/>
+            </a:schemeClr>
+          </a:lnRef>
+          <a:fillRef idx="1">
+            <a:schemeClr val="accent1"/>
+          </a:fillRef>
+          <a:effectRef idx="0">
+            <a:schemeClr val="accent1"/>
+          </a:effectRef>
+          <a:fontRef idx="minor">
+            <a:schemeClr val="lt1"/>
+          </a:fontRef>
+        </p:style>
+        <p:txBody>
+          <a:bodyPr rtlCol="0" anchor="ctr"/>
+          <a:lstStyle/>
+          <a:p>
+            <a:pPr algn="ctr"/>
+            <a:endParaRPr kumimoji="1" lang="ko-KR" altLang="en-US" sz="1200" dirty="0">
+              <a:solidFill>
+                <a:schemeClr val="tx1"/>
+              </a:solidFill>
+              <a:latin typeface="DM Mono" panose="020B0509040201040103" pitchFamily="49" charset="0"/>
+            </a:endParaRPr>
+          </a:p>
+        </p:txBody>
+      </p:sp>
+      <p:sp>
+        <p:nvSpPr>
+          <p:cNvPr id="16" name="TextBox 15">
+            <a:extLst>
+              <a:ext uri="{FF2B5EF4-FFF2-40B4-BE49-F238E27FC236}">
+                <a16:creationId xmlns:a16="http://schemas.microsoft.com/office/drawing/2014/main" id="{046411A4-A90F-E2EE-7B99-E29096A74983}"/>
+              </a:ext>
+            </a:extLst>
+          </p:cNvPr>
+          <p:cNvSpPr txBox="1"/>
+          <p:nvPr/>
+        </p:nvSpPr>
+        <p:spPr>
+          <a:xfrm>
+            <a:off x="6400795" y="3914187"/>
+            <a:ext cx="694544" cy="276999"/>
+          </a:xfrm>
+          <a:prstGeom prst="rect">
+            <a:avLst/>
+          </a:prstGeom>
+          <a:noFill/>
+        </p:spPr>
+        <p:txBody>
+          <a:bodyPr wrap="square">
+            <a:spAutoFit/>
+          </a:bodyPr>
+          <a:lstStyle/>
+          <a:p>
+            <a:pPr algn="r"/>
+            <a:r>
+              <a:rPr lang="en-US" altLang="ko-KR" sz="1200" dirty="0">
+                <a:latin typeface="DM Mono" panose="020B0509040201040103" pitchFamily="49" charset="0"/>
+              </a:rPr>
+              <a:t>ref</a:t>
+            </a:r>
+            <a:endParaRPr lang="ko-KR" altLang="en-US" sz="1200" dirty="0">
+              <a:latin typeface="DM Mono" panose="020B0509040201040103" pitchFamily="49" charset="0"/>
+            </a:endParaRPr>
+          </a:p>
+        </p:txBody>
+      </p:sp>
+      <p:cxnSp>
+        <p:nvCxnSpPr>
+          <p:cNvPr id="17" name="구부러진 연결선[U] 16">
+            <a:extLst>
+              <a:ext uri="{FF2B5EF4-FFF2-40B4-BE49-F238E27FC236}">
+                <a16:creationId xmlns:a16="http://schemas.microsoft.com/office/drawing/2014/main" id="{A48CA4D1-11AC-8C39-DBA8-376A6D16D422}"/>
+              </a:ext>
+            </a:extLst>
+          </p:cNvPr>
+          <p:cNvCxnSpPr>
+            <a:cxnSpLocks/>
+            <a:stCxn id="2" idx="3"/>
+            <a:endCxn id="11" idx="1"/>
+          </p:cNvCxnSpPr>
+          <p:nvPr/>
+        </p:nvCxnSpPr>
+        <p:spPr>
+          <a:xfrm flipV="1">
+            <a:off x="7984759" y="644558"/>
+            <a:ext cx="2201053" cy="2434958"/>
+          </a:xfrm>
+          <a:prstGeom prst="curvedConnector3">
+            <a:avLst/>
+          </a:prstGeom>
+          <a:ln>
+            <a:tailEnd type="triangle"/>
+          </a:ln>
+        </p:spPr>
+        <p:style>
+          <a:lnRef idx="1">
+            <a:schemeClr val="dk1"/>
+          </a:lnRef>
+          <a:fillRef idx="0">
+            <a:schemeClr val="dk1"/>
+          </a:fillRef>
+          <a:effectRef idx="0">
+            <a:schemeClr val="dk1"/>
+          </a:effectRef>
+          <a:fontRef idx="minor">
+            <a:schemeClr val="tx1"/>
+          </a:fontRef>
+        </p:style>
+      </p:cxnSp>
+      <p:cxnSp>
+        <p:nvCxnSpPr>
+          <p:cNvPr id="20" name="구부러진 연결선[U] 19">
+            <a:extLst>
+              <a:ext uri="{FF2B5EF4-FFF2-40B4-BE49-F238E27FC236}">
+                <a16:creationId xmlns:a16="http://schemas.microsoft.com/office/drawing/2014/main" id="{FE421B4E-0187-BC59-ADA0-147A65B9E602}"/>
+              </a:ext>
+            </a:extLst>
+          </p:cNvPr>
+          <p:cNvCxnSpPr>
+            <a:cxnSpLocks/>
+            <a:stCxn id="15" idx="3"/>
+            <a:endCxn id="29" idx="1"/>
+          </p:cNvCxnSpPr>
+          <p:nvPr/>
+        </p:nvCxnSpPr>
+        <p:spPr>
+          <a:xfrm flipV="1">
+            <a:off x="7984759" y="2001020"/>
+            <a:ext cx="2248523" cy="2051666"/>
+          </a:xfrm>
+          <a:prstGeom prst="curvedConnector3">
+            <a:avLst/>
+          </a:prstGeom>
+          <a:ln>
+            <a:tailEnd type="triangle"/>
+          </a:ln>
+        </p:spPr>
+        <p:style>
+          <a:lnRef idx="1">
+            <a:schemeClr val="dk1"/>
+          </a:lnRef>
+          <a:fillRef idx="0">
+            <a:schemeClr val="dk1"/>
+          </a:fillRef>
+          <a:effectRef idx="0">
+            <a:schemeClr val="dk1"/>
+          </a:effectRef>
+          <a:fontRef idx="minor">
+            <a:schemeClr val="tx1"/>
+          </a:fontRef>
+        </p:style>
+      </p:cxnSp>
+      <p:sp>
+        <p:nvSpPr>
+          <p:cNvPr id="18" name="직사각형 17">
+            <a:extLst>
+              <a:ext uri="{FF2B5EF4-FFF2-40B4-BE49-F238E27FC236}">
+                <a16:creationId xmlns:a16="http://schemas.microsoft.com/office/drawing/2014/main" id="{038AE078-71FC-6FF7-4254-F284DEE75EBF}"/>
+              </a:ext>
+            </a:extLst>
+          </p:cNvPr>
+          <p:cNvSpPr/>
+          <p:nvPr/>
+        </p:nvSpPr>
+        <p:spPr>
+          <a:xfrm>
+            <a:off x="7105334" y="4871188"/>
+            <a:ext cx="894414" cy="489811"/>
+          </a:xfrm>
+          <a:prstGeom prst="rect">
+            <a:avLst/>
+          </a:prstGeom>
+          <a:solidFill>
+            <a:srgbClr val="FFFF00"/>
+          </a:solidFill>
+          <a:ln w="28575">
+            <a:solidFill>
+              <a:srgbClr val="FF0000"/>
+            </a:solidFill>
+          </a:ln>
+        </p:spPr>
+        <p:style>
+          <a:lnRef idx="2">
+            <a:schemeClr val="accent1">
+              <a:shade val="15000"/>
+            </a:schemeClr>
+          </a:lnRef>
+          <a:fillRef idx="1">
+            <a:schemeClr val="accent1"/>
+          </a:fillRef>
+          <a:effectRef idx="0">
+            <a:schemeClr val="accent1"/>
+          </a:effectRef>
+          <a:fontRef idx="minor">
+            <a:schemeClr val="lt1"/>
+          </a:fontRef>
+        </p:style>
+        <p:txBody>
+          <a:bodyPr rtlCol="0" anchor="ctr"/>
+          <a:lstStyle/>
+          <a:p>
+            <a:pPr algn="ctr"/>
+            <a:r>
+              <a:rPr kumimoji="1" lang="en-US" altLang="ko-KR" sz="1200" dirty="0">
+                <a:solidFill>
+                  <a:schemeClr val="tx1"/>
+                </a:solidFill>
+                <a:latin typeface="DM Mono" panose="020B0509040201040103" pitchFamily="49" charset="0"/>
+              </a:rPr>
+              <a:t>0x200</a:t>
+            </a:r>
+            <a:endParaRPr kumimoji="1" lang="ko-KR" altLang="en-US" sz="1200" dirty="0">
+              <a:solidFill>
+                <a:schemeClr val="tx1"/>
+              </a:solidFill>
+              <a:latin typeface="DM Mono" panose="020B0509040201040103" pitchFamily="49" charset="0"/>
+            </a:endParaRPr>
+          </a:p>
+        </p:txBody>
+      </p:sp>
+      <p:sp>
+        <p:nvSpPr>
+          <p:cNvPr id="19" name="직사각형 18">
+            <a:extLst>
+              <a:ext uri="{FF2B5EF4-FFF2-40B4-BE49-F238E27FC236}">
+                <a16:creationId xmlns:a16="http://schemas.microsoft.com/office/drawing/2014/main" id="{D20572A5-1A06-D19D-6373-02E35E8E6E06}"/>
+              </a:ext>
+            </a:extLst>
+          </p:cNvPr>
+          <p:cNvSpPr/>
+          <p:nvPr/>
+        </p:nvSpPr>
+        <p:spPr>
+          <a:xfrm>
+            <a:off x="7105334" y="5360999"/>
+            <a:ext cx="894414" cy="489811"/>
+          </a:xfrm>
+          <a:prstGeom prst="rect">
+            <a:avLst/>
+          </a:prstGeom>
+          <a:solidFill>
+            <a:srgbClr val="FFFF00"/>
+          </a:solidFill>
+          <a:ln w="28575">
+            <a:solidFill>
+              <a:srgbClr val="FF0000"/>
+            </a:solidFill>
+          </a:ln>
+        </p:spPr>
+        <p:style>
+          <a:lnRef idx="2">
+            <a:schemeClr val="accent1">
+              <a:shade val="15000"/>
+            </a:schemeClr>
+          </a:lnRef>
+          <a:fillRef idx="1">
+            <a:schemeClr val="accent1"/>
+          </a:fillRef>
+          <a:effectRef idx="0">
+            <a:schemeClr val="accent1"/>
+          </a:effectRef>
+          <a:fontRef idx="minor">
+            <a:schemeClr val="lt1"/>
+          </a:fontRef>
+        </p:style>
+        <p:txBody>
+          <a:bodyPr rtlCol="0" anchor="ctr"/>
+          <a:lstStyle/>
+          <a:p>
+            <a:pPr algn="ctr"/>
+            <a:r>
+              <a:rPr kumimoji="1" lang="en-US" altLang="ko-KR" sz="1200" dirty="0">
+                <a:solidFill>
+                  <a:schemeClr val="tx1"/>
+                </a:solidFill>
+                <a:latin typeface="DM Mono" panose="020B0509040201040103" pitchFamily="49" charset="0"/>
+              </a:rPr>
+              <a:t>42</a:t>
+            </a:r>
+            <a:endParaRPr kumimoji="1" lang="ko-KR" altLang="en-US" sz="1200" dirty="0">
+              <a:solidFill>
+                <a:schemeClr val="tx1"/>
+              </a:solidFill>
+              <a:latin typeface="DM Mono" panose="020B0509040201040103" pitchFamily="49" charset="0"/>
+            </a:endParaRPr>
+          </a:p>
+        </p:txBody>
+      </p:sp>
+      <p:sp>
+        <p:nvSpPr>
+          <p:cNvPr id="21" name="TextBox 20">
+            <a:extLst>
+              <a:ext uri="{FF2B5EF4-FFF2-40B4-BE49-F238E27FC236}">
+                <a16:creationId xmlns:a16="http://schemas.microsoft.com/office/drawing/2014/main" id="{7C4D2182-AC28-D510-03BE-258F369BEACB}"/>
+              </a:ext>
+            </a:extLst>
+          </p:cNvPr>
+          <p:cNvSpPr txBox="1"/>
+          <p:nvPr/>
+        </p:nvSpPr>
+        <p:spPr>
+          <a:xfrm>
+            <a:off x="7140312" y="4594189"/>
+            <a:ext cx="794479" cy="276999"/>
+          </a:xfrm>
+          <a:prstGeom prst="rect">
+            <a:avLst/>
+          </a:prstGeom>
+          <a:noFill/>
+        </p:spPr>
+        <p:txBody>
+          <a:bodyPr wrap="square">
+            <a:spAutoFit/>
+          </a:bodyPr>
+          <a:lstStyle/>
+          <a:p>
+            <a:pPr algn="ctr"/>
+            <a:r>
+              <a:rPr lang="en-US" altLang="ko-KR" sz="1200" dirty="0">
+                <a:latin typeface="DM Mono" panose="020B0509040201040103" pitchFamily="49" charset="0"/>
+              </a:rPr>
+              <a:t>other2</a:t>
+            </a:r>
+            <a:endParaRPr lang="ko-KR" altLang="en-US" sz="1200" dirty="0">
+              <a:latin typeface="DM Mono" panose="020B0509040201040103" pitchFamily="49" charset="0"/>
+            </a:endParaRPr>
+          </a:p>
+        </p:txBody>
+      </p:sp>
+      <p:sp>
+        <p:nvSpPr>
+          <p:cNvPr id="22" name="TextBox 21">
+            <a:extLst>
+              <a:ext uri="{FF2B5EF4-FFF2-40B4-BE49-F238E27FC236}">
+                <a16:creationId xmlns:a16="http://schemas.microsoft.com/office/drawing/2014/main" id="{9F40D970-2845-942E-FAF8-27816D9D927B}"/>
+              </a:ext>
+            </a:extLst>
+          </p:cNvPr>
+          <p:cNvSpPr txBox="1"/>
+          <p:nvPr/>
+        </p:nvSpPr>
+        <p:spPr>
+          <a:xfrm>
+            <a:off x="6410790" y="4978937"/>
+            <a:ext cx="694544" cy="276999"/>
+          </a:xfrm>
+          <a:prstGeom prst="rect">
+            <a:avLst/>
+          </a:prstGeom>
+          <a:noFill/>
+        </p:spPr>
+        <p:txBody>
+          <a:bodyPr wrap="square">
+            <a:spAutoFit/>
+          </a:bodyPr>
+          <a:lstStyle/>
+          <a:p>
+            <a:pPr algn="r"/>
+            <a:r>
+              <a:rPr lang="en-US" altLang="ko-KR" sz="1200" dirty="0">
+                <a:latin typeface="DM Mono" panose="020B0509040201040103" pitchFamily="49" charset="0"/>
+              </a:rPr>
+              <a:t>name</a:t>
+            </a:r>
+            <a:endParaRPr lang="ko-KR" altLang="en-US" sz="1200" dirty="0">
+              <a:latin typeface="DM Mono" panose="020B0509040201040103" pitchFamily="49" charset="0"/>
+            </a:endParaRPr>
+          </a:p>
+        </p:txBody>
+      </p:sp>
+      <p:sp>
+        <p:nvSpPr>
+          <p:cNvPr id="23" name="TextBox 22">
+            <a:extLst>
+              <a:ext uri="{FF2B5EF4-FFF2-40B4-BE49-F238E27FC236}">
+                <a16:creationId xmlns:a16="http://schemas.microsoft.com/office/drawing/2014/main" id="{2984C2F3-D3AD-F266-CB64-F01E9CFB13DD}"/>
+              </a:ext>
+            </a:extLst>
+          </p:cNvPr>
+          <p:cNvSpPr txBox="1"/>
+          <p:nvPr/>
+        </p:nvSpPr>
+        <p:spPr>
+          <a:xfrm>
+            <a:off x="6410790" y="5466062"/>
+            <a:ext cx="694544" cy="276999"/>
+          </a:xfrm>
+          <a:prstGeom prst="rect">
+            <a:avLst/>
+          </a:prstGeom>
+          <a:noFill/>
+        </p:spPr>
+        <p:txBody>
+          <a:bodyPr wrap="square">
+            <a:spAutoFit/>
+          </a:bodyPr>
+          <a:lstStyle/>
+          <a:p>
+            <a:pPr algn="r"/>
+            <a:r>
+              <a:rPr lang="en-US" altLang="ko-KR" sz="1200" dirty="0">
+                <a:latin typeface="DM Mono" panose="020B0509040201040103" pitchFamily="49" charset="0"/>
+              </a:rPr>
+              <a:t>age</a:t>
+            </a:r>
+            <a:endParaRPr lang="ko-KR" altLang="en-US" sz="1200" dirty="0">
+              <a:latin typeface="DM Mono" panose="020B0509040201040103" pitchFamily="49" charset="0"/>
+            </a:endParaRPr>
+          </a:p>
+        </p:txBody>
+      </p:sp>
+      <p:sp>
+        <p:nvSpPr>
+          <p:cNvPr id="24" name="직사각형 23">
+            <a:extLst>
+              <a:ext uri="{FF2B5EF4-FFF2-40B4-BE49-F238E27FC236}">
+                <a16:creationId xmlns:a16="http://schemas.microsoft.com/office/drawing/2014/main" id="{70BFE691-63AB-5720-9BFE-BBE35BF30BC0}"/>
+              </a:ext>
+            </a:extLst>
+          </p:cNvPr>
+          <p:cNvSpPr/>
+          <p:nvPr/>
+        </p:nvSpPr>
+        <p:spPr>
+          <a:xfrm>
+            <a:off x="7105334" y="5844358"/>
+            <a:ext cx="894414" cy="489811"/>
+          </a:xfrm>
+          <a:prstGeom prst="rect">
+            <a:avLst/>
+          </a:prstGeom>
+          <a:solidFill>
+            <a:srgbClr val="FFFF00"/>
+          </a:solidFill>
+          <a:ln w="28575">
+            <a:solidFill>
+              <a:srgbClr val="FF0000"/>
+            </a:solidFill>
+          </a:ln>
+        </p:spPr>
+        <p:style>
+          <a:lnRef idx="2">
+            <a:schemeClr val="accent1">
+              <a:shade val="15000"/>
+            </a:schemeClr>
+          </a:lnRef>
+          <a:fillRef idx="1">
+            <a:schemeClr val="accent1"/>
+          </a:fillRef>
+          <a:effectRef idx="0">
+            <a:schemeClr val="accent1"/>
+          </a:effectRef>
+          <a:fontRef idx="minor">
+            <a:schemeClr val="lt1"/>
+          </a:fontRef>
+        </p:style>
+        <p:txBody>
+          <a:bodyPr rtlCol="0" anchor="ctr"/>
+          <a:lstStyle/>
+          <a:p>
+            <a:pPr algn="ctr"/>
+            <a:endParaRPr kumimoji="1" lang="ko-KR" altLang="en-US" sz="1200" dirty="0">
+              <a:solidFill>
+                <a:schemeClr val="tx1"/>
+              </a:solidFill>
+              <a:latin typeface="DM Mono" panose="020B0509040201040103" pitchFamily="49" charset="0"/>
+            </a:endParaRPr>
+          </a:p>
+        </p:txBody>
+      </p:sp>
+      <p:sp>
+        <p:nvSpPr>
+          <p:cNvPr id="25" name="TextBox 24">
+            <a:extLst>
+              <a:ext uri="{FF2B5EF4-FFF2-40B4-BE49-F238E27FC236}">
+                <a16:creationId xmlns:a16="http://schemas.microsoft.com/office/drawing/2014/main" id="{55E37999-7D31-A0CA-0F58-7BB43075E023}"/>
+              </a:ext>
+            </a:extLst>
+          </p:cNvPr>
+          <p:cNvSpPr txBox="1"/>
+          <p:nvPr/>
+        </p:nvSpPr>
+        <p:spPr>
+          <a:xfrm>
+            <a:off x="6415784" y="5950765"/>
+            <a:ext cx="694544" cy="276999"/>
+          </a:xfrm>
+          <a:prstGeom prst="rect">
+            <a:avLst/>
+          </a:prstGeom>
+          <a:noFill/>
+        </p:spPr>
+        <p:txBody>
+          <a:bodyPr wrap="square">
+            <a:spAutoFit/>
+          </a:bodyPr>
+          <a:lstStyle/>
+          <a:p>
+            <a:pPr algn="r"/>
+            <a:r>
+              <a:rPr lang="en-US" altLang="ko-KR" sz="1200" dirty="0">
+                <a:latin typeface="DM Mono" panose="020B0509040201040103" pitchFamily="49" charset="0"/>
+              </a:rPr>
+              <a:t>ref</a:t>
+            </a:r>
+            <a:endParaRPr lang="ko-KR" altLang="en-US" sz="1200" dirty="0">
+              <a:latin typeface="DM Mono" panose="020B0509040201040103" pitchFamily="49" charset="0"/>
+            </a:endParaRPr>
+          </a:p>
+        </p:txBody>
+      </p:sp>
+      <p:cxnSp>
+        <p:nvCxnSpPr>
+          <p:cNvPr id="26" name="구부러진 연결선[U] 25">
+            <a:extLst>
+              <a:ext uri="{FF2B5EF4-FFF2-40B4-BE49-F238E27FC236}">
+                <a16:creationId xmlns:a16="http://schemas.microsoft.com/office/drawing/2014/main" id="{112A4B89-FBBE-0B75-673A-8AD533B9C2D4}"/>
+              </a:ext>
+            </a:extLst>
+          </p:cNvPr>
+          <p:cNvCxnSpPr>
+            <a:cxnSpLocks/>
+            <a:stCxn id="18" idx="3"/>
+            <a:endCxn id="11" idx="1"/>
+          </p:cNvCxnSpPr>
+          <p:nvPr/>
+        </p:nvCxnSpPr>
+        <p:spPr>
+          <a:xfrm flipV="1">
+            <a:off x="7999748" y="644558"/>
+            <a:ext cx="2186064" cy="4471536"/>
+          </a:xfrm>
+          <a:prstGeom prst="curvedConnector3">
+            <a:avLst>
+              <a:gd name="adj1" fmla="val 50000"/>
+            </a:avLst>
+          </a:prstGeom>
+          <a:ln>
+            <a:tailEnd type="triangle"/>
+          </a:ln>
+        </p:spPr>
+        <p:style>
+          <a:lnRef idx="1">
+            <a:schemeClr val="dk1"/>
+          </a:lnRef>
+          <a:fillRef idx="0">
+            <a:schemeClr val="dk1"/>
+          </a:fillRef>
+          <a:effectRef idx="0">
+            <a:schemeClr val="dk1"/>
+          </a:effectRef>
+          <a:fontRef idx="minor">
+            <a:schemeClr val="tx1"/>
+          </a:fontRef>
+        </p:style>
+      </p:cxnSp>
+      <p:cxnSp>
+        <p:nvCxnSpPr>
+          <p:cNvPr id="33" name="구부러진 연결선[U] 32">
+            <a:extLst>
+              <a:ext uri="{FF2B5EF4-FFF2-40B4-BE49-F238E27FC236}">
+                <a16:creationId xmlns:a16="http://schemas.microsoft.com/office/drawing/2014/main" id="{48AE38D2-40AD-E54A-1A32-BFB550DCB787}"/>
+              </a:ext>
+            </a:extLst>
+          </p:cNvPr>
+          <p:cNvCxnSpPr>
+            <a:cxnSpLocks/>
+            <a:stCxn id="24" idx="3"/>
+            <a:endCxn id="29" idx="1"/>
+          </p:cNvCxnSpPr>
+          <p:nvPr/>
+        </p:nvCxnSpPr>
+        <p:spPr>
+          <a:xfrm flipV="1">
+            <a:off x="7999748" y="2001020"/>
+            <a:ext cx="2233534" cy="4088244"/>
+          </a:xfrm>
+          <a:prstGeom prst="curvedConnector3">
+            <a:avLst>
+              <a:gd name="adj1" fmla="val 50000"/>
+            </a:avLst>
+          </a:prstGeom>
+          <a:ln>
+            <a:tailEnd type="triangle"/>
+          </a:ln>
+        </p:spPr>
+        <p:style>
+          <a:lnRef idx="1">
+            <a:schemeClr val="dk1"/>
+          </a:lnRef>
+          <a:fillRef idx="0">
+            <a:schemeClr val="dk1"/>
+          </a:fillRef>
+          <a:effectRef idx="0">
+            <a:schemeClr val="dk1"/>
+          </a:effectRef>
+          <a:fontRef idx="minor">
+            <a:schemeClr val="tx1"/>
+          </a:fontRef>
+        </p:style>
+      </p:cxnSp>
+    </p:spTree>
+    <p:extLst>
+      <p:ext uri="{BB962C8B-B14F-4D97-AF65-F5344CB8AC3E}">
+        <p14:creationId xmlns:p14="http://schemas.microsoft.com/office/powerpoint/2010/main" val="1532009302"/>
+      </p:ext>
+    </p:extLst>
+  </p:cSld>
+  <p:clrMapOvr>
+    <a:masterClrMapping/>
+  </p:clrMapOvr>
+</p:sld>
+</file>
+
+<file path=ppt/slides/slide23.xml><?xml version="1.0" encoding="utf-8"?>
+<p:sld xmlns:a="http://schemas.openxmlformats.org/drawingml/2006/main" xmlns:r="http://schemas.openxmlformats.org/officeDocument/2006/relationships" xmlns:p="http://schemas.openxmlformats.org/presentationml/2006/main">
+  <p:cSld>
+    <p:spTree>
+      <p:nvGrpSpPr>
+        <p:cNvPr id="1" name=""/>
+        <p:cNvGrpSpPr/>
+        <p:nvPr/>
+      </p:nvGrpSpPr>
+      <p:grpSpPr>
+        <a:xfrm>
+          <a:off x="0" y="0"/>
+          <a:ext cx="0" cy="0"/>
+          <a:chOff x="0" y="0"/>
+          <a:chExt cx="0" cy="0"/>
+        </a:xfrm>
+      </p:grpSpPr>
+      <p:sp>
+        <p:nvSpPr>
+          <p:cNvPr id="6" name="직사각형 5">
+            <a:extLst>
+              <a:ext uri="{FF2B5EF4-FFF2-40B4-BE49-F238E27FC236}">
+                <a16:creationId xmlns:a16="http://schemas.microsoft.com/office/drawing/2014/main" id="{908EB3C3-304F-7045-6EB1-59391145DD48}"/>
+              </a:ext>
+            </a:extLst>
+          </p:cNvPr>
+          <p:cNvSpPr/>
+          <p:nvPr/>
+        </p:nvSpPr>
+        <p:spPr>
+          <a:xfrm>
+            <a:off x="7090345" y="964235"/>
+            <a:ext cx="894414" cy="489811"/>
+          </a:xfrm>
+          <a:prstGeom prst="rect">
+            <a:avLst/>
+          </a:prstGeom>
+          <a:solidFill>
+            <a:srgbClr val="FFFF00"/>
+          </a:solidFill>
+        </p:spPr>
+        <p:style>
+          <a:lnRef idx="2">
+            <a:schemeClr val="accent1">
+              <a:shade val="15000"/>
+            </a:schemeClr>
+          </a:lnRef>
+          <a:fillRef idx="1">
+            <a:schemeClr val="accent1"/>
+          </a:fillRef>
+          <a:effectRef idx="0">
+            <a:schemeClr val="accent1"/>
+          </a:effectRef>
+          <a:fontRef idx="minor">
+            <a:schemeClr val="lt1"/>
+          </a:fontRef>
+        </p:style>
+        <p:txBody>
+          <a:bodyPr rtlCol="0" anchor="ctr"/>
+          <a:lstStyle/>
+          <a:p>
+            <a:pPr algn="ctr"/>
+            <a:r>
+              <a:rPr kumimoji="1" lang="en-US" altLang="ko-KR" sz="1200" dirty="0">
+                <a:solidFill>
+                  <a:schemeClr val="tx1"/>
+                </a:solidFill>
+                <a:latin typeface="DM Mono" panose="020B0509040201040103" pitchFamily="49" charset="0"/>
+              </a:rPr>
+              <a:t>0x200</a:t>
+            </a:r>
+            <a:endParaRPr kumimoji="1" lang="ko-KR" altLang="en-US" sz="1200" dirty="0">
+              <a:solidFill>
+                <a:schemeClr val="tx1"/>
+              </a:solidFill>
+              <a:latin typeface="DM Mono" panose="020B0509040201040103" pitchFamily="49" charset="0"/>
+            </a:endParaRPr>
+          </a:p>
+        </p:txBody>
+      </p:sp>
+      <p:sp>
+        <p:nvSpPr>
+          <p:cNvPr id="7" name="직사각형 6">
+            <a:extLst>
+              <a:ext uri="{FF2B5EF4-FFF2-40B4-BE49-F238E27FC236}">
+                <a16:creationId xmlns:a16="http://schemas.microsoft.com/office/drawing/2014/main" id="{E95E48C3-88B7-8F38-7EEF-3CBBDC599471}"/>
+              </a:ext>
+            </a:extLst>
+          </p:cNvPr>
+          <p:cNvSpPr/>
+          <p:nvPr/>
+        </p:nvSpPr>
+        <p:spPr>
+          <a:xfrm>
+            <a:off x="7090345" y="1454046"/>
+            <a:ext cx="894414" cy="489811"/>
+          </a:xfrm>
+          <a:prstGeom prst="rect">
+            <a:avLst/>
+          </a:prstGeom>
+          <a:solidFill>
+            <a:srgbClr val="FFFF00"/>
+          </a:solidFill>
+        </p:spPr>
+        <p:style>
+          <a:lnRef idx="2">
+            <a:schemeClr val="accent1">
+              <a:shade val="15000"/>
+            </a:schemeClr>
+          </a:lnRef>
+          <a:fillRef idx="1">
+            <a:schemeClr val="accent1"/>
+          </a:fillRef>
+          <a:effectRef idx="0">
+            <a:schemeClr val="accent1"/>
+          </a:effectRef>
+          <a:fontRef idx="minor">
+            <a:schemeClr val="lt1"/>
+          </a:fontRef>
+        </p:style>
+        <p:txBody>
+          <a:bodyPr rtlCol="0" anchor="ctr"/>
+          <a:lstStyle/>
+          <a:p>
+            <a:pPr algn="ctr"/>
+            <a:r>
+              <a:rPr kumimoji="1" lang="en-US" altLang="ko-KR" sz="1200" dirty="0">
+                <a:solidFill>
+                  <a:schemeClr val="tx1"/>
+                </a:solidFill>
+                <a:latin typeface="DM Mono" panose="020B0509040201040103" pitchFamily="49" charset="0"/>
+              </a:rPr>
+              <a:t>42</a:t>
+            </a:r>
+            <a:endParaRPr kumimoji="1" lang="ko-KR" altLang="en-US" sz="1200" dirty="0">
+              <a:solidFill>
+                <a:schemeClr val="tx1"/>
+              </a:solidFill>
+              <a:latin typeface="DM Mono" panose="020B0509040201040103" pitchFamily="49" charset="0"/>
+            </a:endParaRPr>
+          </a:p>
+        </p:txBody>
+      </p:sp>
+      <p:sp>
+        <p:nvSpPr>
+          <p:cNvPr id="8" name="TextBox 7">
+            <a:extLst>
+              <a:ext uri="{FF2B5EF4-FFF2-40B4-BE49-F238E27FC236}">
+                <a16:creationId xmlns:a16="http://schemas.microsoft.com/office/drawing/2014/main" id="{7AA979D8-4780-5226-CBC4-ED682085048C}"/>
+              </a:ext>
+            </a:extLst>
+          </p:cNvPr>
+          <p:cNvSpPr txBox="1"/>
+          <p:nvPr/>
+        </p:nvSpPr>
+        <p:spPr>
+          <a:xfrm>
+            <a:off x="7190280" y="647487"/>
+            <a:ext cx="694544" cy="276999"/>
+          </a:xfrm>
+          <a:prstGeom prst="rect">
+            <a:avLst/>
+          </a:prstGeom>
+          <a:noFill/>
+        </p:spPr>
+        <p:txBody>
+          <a:bodyPr wrap="square">
+            <a:spAutoFit/>
+          </a:bodyPr>
+          <a:lstStyle/>
+          <a:p>
+            <a:pPr algn="ctr"/>
+            <a:r>
+              <a:rPr lang="en-US" altLang="ko-KR" sz="1200" dirty="0">
+                <a:latin typeface="DM Mono" panose="020B0509040201040103" pitchFamily="49" charset="0"/>
+              </a:rPr>
+              <a:t>user</a:t>
+            </a:r>
+            <a:endParaRPr lang="ko-KR" altLang="en-US" sz="1200" dirty="0">
+              <a:latin typeface="DM Mono" panose="020B0509040201040103" pitchFamily="49" charset="0"/>
+            </a:endParaRPr>
+          </a:p>
+        </p:txBody>
+      </p:sp>
+      <p:sp>
+        <p:nvSpPr>
+          <p:cNvPr id="9" name="TextBox 8">
+            <a:extLst>
+              <a:ext uri="{FF2B5EF4-FFF2-40B4-BE49-F238E27FC236}">
+                <a16:creationId xmlns:a16="http://schemas.microsoft.com/office/drawing/2014/main" id="{B1640A79-F7FC-C373-A32D-AFD724A2FE6F}"/>
+              </a:ext>
+            </a:extLst>
+          </p:cNvPr>
+          <p:cNvSpPr txBox="1"/>
+          <p:nvPr/>
+        </p:nvSpPr>
+        <p:spPr>
+          <a:xfrm>
+            <a:off x="6395801" y="1071984"/>
+            <a:ext cx="694544" cy="276999"/>
+          </a:xfrm>
+          <a:prstGeom prst="rect">
+            <a:avLst/>
+          </a:prstGeom>
+          <a:noFill/>
+        </p:spPr>
+        <p:txBody>
+          <a:bodyPr wrap="square">
+            <a:spAutoFit/>
+          </a:bodyPr>
+          <a:lstStyle/>
+          <a:p>
+            <a:pPr algn="r"/>
+            <a:r>
+              <a:rPr lang="en-US" altLang="ko-KR" sz="1200" dirty="0">
+                <a:latin typeface="DM Mono" panose="020B0509040201040103" pitchFamily="49" charset="0"/>
+              </a:rPr>
+              <a:t>name</a:t>
+            </a:r>
+            <a:endParaRPr lang="ko-KR" altLang="en-US" sz="1200" dirty="0">
+              <a:latin typeface="DM Mono" panose="020B0509040201040103" pitchFamily="49" charset="0"/>
+            </a:endParaRPr>
+          </a:p>
+        </p:txBody>
+      </p:sp>
+      <p:sp>
+        <p:nvSpPr>
+          <p:cNvPr id="10" name="TextBox 9">
+            <a:extLst>
+              <a:ext uri="{FF2B5EF4-FFF2-40B4-BE49-F238E27FC236}">
+                <a16:creationId xmlns:a16="http://schemas.microsoft.com/office/drawing/2014/main" id="{0A22048C-68EA-0BAD-6262-34D7A386611A}"/>
+              </a:ext>
+            </a:extLst>
+          </p:cNvPr>
+          <p:cNvSpPr txBox="1"/>
+          <p:nvPr/>
+        </p:nvSpPr>
+        <p:spPr>
+          <a:xfrm>
+            <a:off x="6395801" y="1559109"/>
+            <a:ext cx="694544" cy="276999"/>
+          </a:xfrm>
+          <a:prstGeom prst="rect">
+            <a:avLst/>
+          </a:prstGeom>
+          <a:noFill/>
+        </p:spPr>
+        <p:txBody>
+          <a:bodyPr wrap="square">
+            <a:spAutoFit/>
+          </a:bodyPr>
+          <a:lstStyle/>
+          <a:p>
+            <a:pPr algn="r"/>
+            <a:r>
+              <a:rPr lang="en-US" altLang="ko-KR" sz="1200" dirty="0">
+                <a:latin typeface="DM Mono" panose="020B0509040201040103" pitchFamily="49" charset="0"/>
+              </a:rPr>
+              <a:t>age</a:t>
+            </a:r>
+            <a:endParaRPr lang="ko-KR" altLang="en-US" sz="1200" dirty="0">
+              <a:latin typeface="DM Mono" panose="020B0509040201040103" pitchFamily="49" charset="0"/>
+            </a:endParaRPr>
+          </a:p>
+        </p:txBody>
+      </p:sp>
+      <p:sp>
+        <p:nvSpPr>
+          <p:cNvPr id="11" name="직사각형 10">
+            <a:extLst>
+              <a:ext uri="{FF2B5EF4-FFF2-40B4-BE49-F238E27FC236}">
+                <a16:creationId xmlns:a16="http://schemas.microsoft.com/office/drawing/2014/main" id="{B06002E1-7E0A-48FF-0039-C129E25527D5}"/>
+              </a:ext>
+            </a:extLst>
+          </p:cNvPr>
+          <p:cNvSpPr/>
+          <p:nvPr/>
+        </p:nvSpPr>
+        <p:spPr>
+          <a:xfrm>
+            <a:off x="10185812" y="479646"/>
+            <a:ext cx="1441557" cy="329823"/>
+          </a:xfrm>
+          <a:prstGeom prst="rect">
+            <a:avLst/>
+          </a:prstGeom>
+          <a:solidFill>
+            <a:srgbClr val="FFFF00"/>
+          </a:solidFill>
+        </p:spPr>
+        <p:style>
+          <a:lnRef idx="2">
+            <a:schemeClr val="accent1">
+              <a:shade val="15000"/>
+            </a:schemeClr>
+          </a:lnRef>
+          <a:fillRef idx="1">
+            <a:schemeClr val="accent1"/>
+          </a:fillRef>
+          <a:effectRef idx="0">
+            <a:schemeClr val="accent1"/>
+          </a:effectRef>
+          <a:fontRef idx="minor">
+            <a:schemeClr val="lt1"/>
+          </a:fontRef>
+        </p:style>
+        <p:txBody>
+          <a:bodyPr rtlCol="0" anchor="ctr"/>
+          <a:lstStyle/>
+          <a:p>
+            <a:pPr algn="ctr"/>
+            <a:r>
+              <a:rPr kumimoji="1" lang="en-US" altLang="ko-KR" sz="1200" dirty="0">
+                <a:solidFill>
+                  <a:schemeClr val="tx1"/>
+                </a:solidFill>
+                <a:latin typeface="DM Mono" panose="020B0509040201040103" pitchFamily="49" charset="0"/>
+              </a:rPr>
+              <a:t>“Tom”</a:t>
+            </a:r>
+            <a:endParaRPr kumimoji="1" lang="ko-KR" altLang="en-US" sz="1200" dirty="0">
+              <a:solidFill>
+                <a:schemeClr val="tx1"/>
+              </a:solidFill>
+              <a:latin typeface="DM Mono" panose="020B0509040201040103" pitchFamily="49" charset="0"/>
+            </a:endParaRPr>
+          </a:p>
+        </p:txBody>
+      </p:sp>
+      <p:cxnSp>
+        <p:nvCxnSpPr>
+          <p:cNvPr id="13" name="구부러진 연결선[U] 12">
+            <a:extLst>
+              <a:ext uri="{FF2B5EF4-FFF2-40B4-BE49-F238E27FC236}">
+                <a16:creationId xmlns:a16="http://schemas.microsoft.com/office/drawing/2014/main" id="{68E12808-F904-D961-0F53-6D2C59633C03}"/>
+              </a:ext>
+            </a:extLst>
+          </p:cNvPr>
+          <p:cNvCxnSpPr>
+            <a:stCxn id="6" idx="3"/>
+            <a:endCxn id="11" idx="1"/>
+          </p:cNvCxnSpPr>
+          <p:nvPr/>
+        </p:nvCxnSpPr>
+        <p:spPr>
+          <a:xfrm flipV="1">
+            <a:off x="7984759" y="644558"/>
+            <a:ext cx="2201053" cy="564583"/>
+          </a:xfrm>
+          <a:prstGeom prst="curvedConnector3">
+            <a:avLst/>
+          </a:prstGeom>
+          <a:ln>
+            <a:tailEnd type="triangle"/>
+          </a:ln>
+        </p:spPr>
+        <p:style>
+          <a:lnRef idx="1">
+            <a:schemeClr val="dk1"/>
+          </a:lnRef>
+          <a:fillRef idx="0">
+            <a:schemeClr val="dk1"/>
+          </a:fillRef>
+          <a:effectRef idx="0">
+            <a:schemeClr val="dk1"/>
+          </a:effectRef>
+          <a:fontRef idx="minor">
+            <a:schemeClr val="tx1"/>
+          </a:fontRef>
+        </p:style>
+      </p:cxnSp>
+      <p:sp>
+        <p:nvSpPr>
+          <p:cNvPr id="14" name="TextBox 13">
+            <a:extLst>
+              <a:ext uri="{FF2B5EF4-FFF2-40B4-BE49-F238E27FC236}">
+                <a16:creationId xmlns:a16="http://schemas.microsoft.com/office/drawing/2014/main" id="{13CCF594-2FD6-C4DC-05F5-C1D983C7E34A}"/>
+              </a:ext>
+            </a:extLst>
+          </p:cNvPr>
+          <p:cNvSpPr txBox="1"/>
+          <p:nvPr/>
+        </p:nvSpPr>
+        <p:spPr>
+          <a:xfrm>
+            <a:off x="9838540" y="212376"/>
+            <a:ext cx="694544" cy="276999"/>
+          </a:xfrm>
+          <a:prstGeom prst="rect">
+            <a:avLst/>
+          </a:prstGeom>
+          <a:noFill/>
+        </p:spPr>
+        <p:txBody>
+          <a:bodyPr wrap="square">
+            <a:spAutoFit/>
+          </a:bodyPr>
+          <a:lstStyle/>
+          <a:p>
+            <a:pPr algn="ctr"/>
+            <a:r>
+              <a:rPr lang="en-US" altLang="ko-KR" sz="1200" dirty="0">
+                <a:latin typeface="DM Mono" panose="020B0509040201040103" pitchFamily="49" charset="0"/>
+              </a:rPr>
+              <a:t>0x200</a:t>
+            </a:r>
+            <a:endParaRPr lang="ko-KR" altLang="en-US" sz="1200" dirty="0">
+              <a:latin typeface="DM Mono" panose="020B0509040201040103" pitchFamily="49" charset="0"/>
+            </a:endParaRPr>
+          </a:p>
+        </p:txBody>
+      </p:sp>
+      <p:sp>
+        <p:nvSpPr>
+          <p:cNvPr id="27" name="직사각형 26">
+            <a:extLst>
+              <a:ext uri="{FF2B5EF4-FFF2-40B4-BE49-F238E27FC236}">
+                <a16:creationId xmlns:a16="http://schemas.microsoft.com/office/drawing/2014/main" id="{982788D3-B123-3445-C895-251E97CDF298}"/>
+              </a:ext>
+            </a:extLst>
+          </p:cNvPr>
+          <p:cNvSpPr/>
+          <p:nvPr/>
+        </p:nvSpPr>
+        <p:spPr>
+          <a:xfrm>
+            <a:off x="7090345" y="1937405"/>
+            <a:ext cx="894414" cy="489811"/>
+          </a:xfrm>
+          <a:prstGeom prst="rect">
+            <a:avLst/>
+          </a:prstGeom>
+          <a:solidFill>
+            <a:srgbClr val="FFFF00"/>
+          </a:solidFill>
+        </p:spPr>
+        <p:style>
+          <a:lnRef idx="2">
+            <a:schemeClr val="accent1">
+              <a:shade val="15000"/>
+            </a:schemeClr>
+          </a:lnRef>
+          <a:fillRef idx="1">
+            <a:schemeClr val="accent1"/>
+          </a:fillRef>
+          <a:effectRef idx="0">
+            <a:schemeClr val="accent1"/>
+          </a:effectRef>
+          <a:fontRef idx="minor">
+            <a:schemeClr val="lt1"/>
+          </a:fontRef>
+        </p:style>
+        <p:txBody>
+          <a:bodyPr rtlCol="0" anchor="ctr"/>
+          <a:lstStyle/>
+          <a:p>
+            <a:pPr algn="ctr"/>
+            <a:endParaRPr kumimoji="1" lang="ko-KR" altLang="en-US" sz="1200" dirty="0">
+              <a:solidFill>
+                <a:schemeClr val="tx1"/>
+              </a:solidFill>
+              <a:latin typeface="DM Mono" panose="020B0509040201040103" pitchFamily="49" charset="0"/>
+            </a:endParaRPr>
+          </a:p>
+        </p:txBody>
+      </p:sp>
+      <p:sp>
+        <p:nvSpPr>
+          <p:cNvPr id="28" name="TextBox 27">
+            <a:extLst>
+              <a:ext uri="{FF2B5EF4-FFF2-40B4-BE49-F238E27FC236}">
+                <a16:creationId xmlns:a16="http://schemas.microsoft.com/office/drawing/2014/main" id="{8685850F-E767-3C17-2F9A-6F111DEB22F8}"/>
+              </a:ext>
+            </a:extLst>
+          </p:cNvPr>
+          <p:cNvSpPr txBox="1"/>
+          <p:nvPr/>
+        </p:nvSpPr>
+        <p:spPr>
+          <a:xfrm>
+            <a:off x="6400795" y="2043812"/>
+            <a:ext cx="694544" cy="276999"/>
+          </a:xfrm>
+          <a:prstGeom prst="rect">
+            <a:avLst/>
+          </a:prstGeom>
+          <a:noFill/>
+        </p:spPr>
+        <p:txBody>
+          <a:bodyPr wrap="square">
+            <a:spAutoFit/>
+          </a:bodyPr>
+          <a:lstStyle/>
+          <a:p>
+            <a:pPr algn="r"/>
+            <a:r>
+              <a:rPr lang="en-US" altLang="ko-KR" sz="1200" dirty="0">
+                <a:latin typeface="DM Mono" panose="020B0509040201040103" pitchFamily="49" charset="0"/>
+              </a:rPr>
+              <a:t>ref</a:t>
+            </a:r>
+            <a:endParaRPr lang="ko-KR" altLang="en-US" sz="1200" dirty="0">
+              <a:latin typeface="DM Mono" panose="020B0509040201040103" pitchFamily="49" charset="0"/>
+            </a:endParaRPr>
+          </a:p>
+        </p:txBody>
+      </p:sp>
+      <p:sp>
+        <p:nvSpPr>
+          <p:cNvPr id="29" name="직사각형 28">
+            <a:extLst>
+              <a:ext uri="{FF2B5EF4-FFF2-40B4-BE49-F238E27FC236}">
+                <a16:creationId xmlns:a16="http://schemas.microsoft.com/office/drawing/2014/main" id="{8885ED78-B486-A698-9658-35713024BF5E}"/>
+              </a:ext>
+            </a:extLst>
+          </p:cNvPr>
+          <p:cNvSpPr/>
+          <p:nvPr/>
+        </p:nvSpPr>
+        <p:spPr>
+          <a:xfrm>
+            <a:off x="10233282" y="1836108"/>
+            <a:ext cx="729526" cy="329823"/>
+          </a:xfrm>
+          <a:prstGeom prst="rect">
+            <a:avLst/>
+          </a:prstGeom>
+          <a:solidFill>
+            <a:srgbClr val="FFFF00"/>
+          </a:solidFill>
+        </p:spPr>
+        <p:style>
+          <a:lnRef idx="2">
+            <a:schemeClr val="accent1">
+              <a:shade val="15000"/>
+            </a:schemeClr>
+          </a:lnRef>
+          <a:fillRef idx="1">
+            <a:schemeClr val="accent1"/>
+          </a:fillRef>
+          <a:effectRef idx="0">
+            <a:schemeClr val="accent1"/>
+          </a:effectRef>
+          <a:fontRef idx="minor">
+            <a:schemeClr val="lt1"/>
+          </a:fontRef>
+        </p:style>
+        <p:txBody>
+          <a:bodyPr rtlCol="0" anchor="ctr"/>
+          <a:lstStyle/>
+          <a:p>
+            <a:pPr algn="ctr"/>
+            <a:r>
+              <a:rPr kumimoji="1" lang="en-US" altLang="ko-KR" sz="1200" dirty="0">
+                <a:solidFill>
+                  <a:srgbClr val="FF0000"/>
+                </a:solidFill>
+                <a:latin typeface="DM Mono" panose="020B0509040201040103" pitchFamily="49" charset="0"/>
+              </a:rPr>
+              <a:t>1</a:t>
+            </a:r>
+            <a:endParaRPr kumimoji="1" lang="ko-KR" altLang="en-US" sz="1200" dirty="0">
+              <a:solidFill>
+                <a:srgbClr val="FF0000"/>
+              </a:solidFill>
+              <a:latin typeface="DM Mono" panose="020B0509040201040103" pitchFamily="49" charset="0"/>
+            </a:endParaRPr>
+          </a:p>
+        </p:txBody>
+      </p:sp>
+      <p:cxnSp>
+        <p:nvCxnSpPr>
+          <p:cNvPr id="30" name="구부러진 연결선[U] 29">
+            <a:extLst>
+              <a:ext uri="{FF2B5EF4-FFF2-40B4-BE49-F238E27FC236}">
+                <a16:creationId xmlns:a16="http://schemas.microsoft.com/office/drawing/2014/main" id="{17CFC538-66DC-A2EF-35D7-89B2109494D6}"/>
+              </a:ext>
+            </a:extLst>
+          </p:cNvPr>
+          <p:cNvCxnSpPr>
+            <a:cxnSpLocks/>
+            <a:stCxn id="27" idx="3"/>
+            <a:endCxn id="29" idx="1"/>
+          </p:cNvCxnSpPr>
+          <p:nvPr/>
+        </p:nvCxnSpPr>
+        <p:spPr>
+          <a:xfrm flipV="1">
+            <a:off x="7984759" y="2001020"/>
+            <a:ext cx="2248523" cy="181291"/>
+          </a:xfrm>
+          <a:prstGeom prst="curvedConnector3">
+            <a:avLst/>
+          </a:prstGeom>
+          <a:ln>
+            <a:tailEnd type="triangle"/>
+          </a:ln>
+        </p:spPr>
+        <p:style>
+          <a:lnRef idx="1">
+            <a:schemeClr val="dk1"/>
+          </a:lnRef>
+          <a:fillRef idx="0">
+            <a:schemeClr val="dk1"/>
+          </a:fillRef>
+          <a:effectRef idx="0">
+            <a:schemeClr val="dk1"/>
+          </a:effectRef>
+          <a:fontRef idx="minor">
+            <a:schemeClr val="tx1"/>
+          </a:fontRef>
+        </p:style>
+      </p:cxnSp>
+      <p:sp>
+        <p:nvSpPr>
+          <p:cNvPr id="2" name="직사각형 1">
+            <a:extLst>
+              <a:ext uri="{FF2B5EF4-FFF2-40B4-BE49-F238E27FC236}">
+                <a16:creationId xmlns:a16="http://schemas.microsoft.com/office/drawing/2014/main" id="{BD4E44A1-B057-940B-7D25-75ECF4FFEFB5}"/>
+              </a:ext>
+            </a:extLst>
+          </p:cNvPr>
+          <p:cNvSpPr/>
+          <p:nvPr/>
+        </p:nvSpPr>
+        <p:spPr>
+          <a:xfrm>
+            <a:off x="7090345" y="2834610"/>
+            <a:ext cx="894414" cy="489811"/>
+          </a:xfrm>
+          <a:prstGeom prst="rect">
+            <a:avLst/>
+          </a:prstGeom>
+          <a:solidFill>
+            <a:srgbClr val="FFFF00"/>
+          </a:solidFill>
+          <a:ln w="28575">
+            <a:solidFill>
+              <a:srgbClr val="FF0000"/>
+            </a:solidFill>
+          </a:ln>
+        </p:spPr>
+        <p:style>
+          <a:lnRef idx="2">
+            <a:schemeClr val="accent1">
+              <a:shade val="15000"/>
+            </a:schemeClr>
+          </a:lnRef>
+          <a:fillRef idx="1">
+            <a:schemeClr val="accent1"/>
+          </a:fillRef>
+          <a:effectRef idx="0">
+            <a:schemeClr val="accent1"/>
+          </a:effectRef>
+          <a:fontRef idx="minor">
+            <a:schemeClr val="lt1"/>
+          </a:fontRef>
+        </p:style>
+        <p:txBody>
+          <a:bodyPr rtlCol="0" anchor="ctr"/>
+          <a:lstStyle/>
+          <a:p>
+            <a:pPr algn="ctr"/>
+            <a:r>
+              <a:rPr kumimoji="1" lang="en-US" altLang="ko-KR" sz="1200" dirty="0">
+                <a:solidFill>
+                  <a:schemeClr val="tx1"/>
+                </a:solidFill>
+                <a:latin typeface="DM Mono" panose="020B0509040201040103" pitchFamily="49" charset="0"/>
+              </a:rPr>
+              <a:t>0x200</a:t>
+            </a:r>
+            <a:endParaRPr kumimoji="1" lang="ko-KR" altLang="en-US" sz="1200" dirty="0">
+              <a:solidFill>
+                <a:schemeClr val="tx1"/>
+              </a:solidFill>
+              <a:latin typeface="DM Mono" panose="020B0509040201040103" pitchFamily="49" charset="0"/>
+            </a:endParaRPr>
+          </a:p>
+        </p:txBody>
+      </p:sp>
+      <p:sp>
+        <p:nvSpPr>
+          <p:cNvPr id="3" name="직사각형 2">
+            <a:extLst>
+              <a:ext uri="{FF2B5EF4-FFF2-40B4-BE49-F238E27FC236}">
+                <a16:creationId xmlns:a16="http://schemas.microsoft.com/office/drawing/2014/main" id="{56AD79C3-3B6A-4BC2-036B-A58D098964FC}"/>
+              </a:ext>
+            </a:extLst>
+          </p:cNvPr>
+          <p:cNvSpPr/>
+          <p:nvPr/>
+        </p:nvSpPr>
+        <p:spPr>
+          <a:xfrm>
+            <a:off x="7090345" y="3324421"/>
+            <a:ext cx="894414" cy="489811"/>
+          </a:xfrm>
+          <a:prstGeom prst="rect">
+            <a:avLst/>
+          </a:prstGeom>
+          <a:solidFill>
+            <a:srgbClr val="FFFF00"/>
+          </a:solidFill>
+          <a:ln w="28575">
+            <a:solidFill>
+              <a:srgbClr val="FF0000"/>
+            </a:solidFill>
+          </a:ln>
+        </p:spPr>
+        <p:style>
+          <a:lnRef idx="2">
+            <a:schemeClr val="accent1">
+              <a:shade val="15000"/>
+            </a:schemeClr>
+          </a:lnRef>
+          <a:fillRef idx="1">
+            <a:schemeClr val="accent1"/>
+          </a:fillRef>
+          <a:effectRef idx="0">
+            <a:schemeClr val="accent1"/>
+          </a:effectRef>
+          <a:fontRef idx="minor">
+            <a:schemeClr val="lt1"/>
+          </a:fontRef>
+        </p:style>
+        <p:txBody>
+          <a:bodyPr rtlCol="0" anchor="ctr"/>
+          <a:lstStyle/>
+          <a:p>
+            <a:pPr algn="ctr"/>
+            <a:r>
+              <a:rPr kumimoji="1" lang="en-US" altLang="ko-KR" sz="1200" dirty="0">
+                <a:solidFill>
+                  <a:schemeClr val="tx1"/>
+                </a:solidFill>
+                <a:latin typeface="DM Mono" panose="020B0509040201040103" pitchFamily="49" charset="0"/>
+              </a:rPr>
+              <a:t>42</a:t>
+            </a:r>
+            <a:endParaRPr kumimoji="1" lang="ko-KR" altLang="en-US" sz="1200" dirty="0">
+              <a:solidFill>
+                <a:schemeClr val="tx1"/>
+              </a:solidFill>
+              <a:latin typeface="DM Mono" panose="020B0509040201040103" pitchFamily="49" charset="0"/>
+            </a:endParaRPr>
+          </a:p>
+        </p:txBody>
+      </p:sp>
+      <p:sp>
+        <p:nvSpPr>
+          <p:cNvPr id="4" name="TextBox 3">
+            <a:extLst>
+              <a:ext uri="{FF2B5EF4-FFF2-40B4-BE49-F238E27FC236}">
+                <a16:creationId xmlns:a16="http://schemas.microsoft.com/office/drawing/2014/main" id="{8D6AAF52-121F-618D-4DC4-C805A18846A1}"/>
+              </a:ext>
+            </a:extLst>
+          </p:cNvPr>
+          <p:cNvSpPr txBox="1"/>
+          <p:nvPr/>
+        </p:nvSpPr>
+        <p:spPr>
+          <a:xfrm>
+            <a:off x="7190280" y="2517862"/>
+            <a:ext cx="694544" cy="276999"/>
+          </a:xfrm>
+          <a:prstGeom prst="rect">
+            <a:avLst/>
+          </a:prstGeom>
+          <a:noFill/>
+        </p:spPr>
+        <p:txBody>
+          <a:bodyPr wrap="square">
+            <a:spAutoFit/>
+          </a:bodyPr>
+          <a:lstStyle/>
+          <a:p>
+            <a:pPr algn="ctr"/>
+            <a:r>
+              <a:rPr lang="en-US" altLang="ko-KR" sz="1200" dirty="0">
+                <a:latin typeface="DM Mono" panose="020B0509040201040103" pitchFamily="49" charset="0"/>
+              </a:rPr>
+              <a:t>other</a:t>
+            </a:r>
+            <a:endParaRPr lang="ko-KR" altLang="en-US" sz="1200" dirty="0">
+              <a:latin typeface="DM Mono" panose="020B0509040201040103" pitchFamily="49" charset="0"/>
+            </a:endParaRPr>
+          </a:p>
+        </p:txBody>
+      </p:sp>
+      <p:sp>
+        <p:nvSpPr>
+          <p:cNvPr id="5" name="TextBox 4">
+            <a:extLst>
+              <a:ext uri="{FF2B5EF4-FFF2-40B4-BE49-F238E27FC236}">
+                <a16:creationId xmlns:a16="http://schemas.microsoft.com/office/drawing/2014/main" id="{90CDEA4D-58DD-C200-7929-E4550163C72E}"/>
+              </a:ext>
+            </a:extLst>
+          </p:cNvPr>
+          <p:cNvSpPr txBox="1"/>
+          <p:nvPr/>
+        </p:nvSpPr>
+        <p:spPr>
+          <a:xfrm>
+            <a:off x="6395801" y="2942359"/>
+            <a:ext cx="694544" cy="276999"/>
+          </a:xfrm>
+          <a:prstGeom prst="rect">
+            <a:avLst/>
+          </a:prstGeom>
+          <a:noFill/>
+        </p:spPr>
+        <p:txBody>
+          <a:bodyPr wrap="square">
+            <a:spAutoFit/>
+          </a:bodyPr>
+          <a:lstStyle/>
+          <a:p>
+            <a:pPr algn="r"/>
+            <a:r>
+              <a:rPr lang="en-US" altLang="ko-KR" sz="1200" dirty="0">
+                <a:latin typeface="DM Mono" panose="020B0509040201040103" pitchFamily="49" charset="0"/>
+              </a:rPr>
+              <a:t>name</a:t>
+            </a:r>
+            <a:endParaRPr lang="ko-KR" altLang="en-US" sz="1200" dirty="0">
+              <a:latin typeface="DM Mono" panose="020B0509040201040103" pitchFamily="49" charset="0"/>
+            </a:endParaRPr>
+          </a:p>
+        </p:txBody>
+      </p:sp>
+      <p:sp>
+        <p:nvSpPr>
+          <p:cNvPr id="12" name="TextBox 11">
+            <a:extLst>
+              <a:ext uri="{FF2B5EF4-FFF2-40B4-BE49-F238E27FC236}">
+                <a16:creationId xmlns:a16="http://schemas.microsoft.com/office/drawing/2014/main" id="{A89EEDA7-3083-6784-D71B-7F106471DFC4}"/>
+              </a:ext>
+            </a:extLst>
+          </p:cNvPr>
+          <p:cNvSpPr txBox="1"/>
+          <p:nvPr/>
+        </p:nvSpPr>
+        <p:spPr>
+          <a:xfrm>
+            <a:off x="6395801" y="3429484"/>
+            <a:ext cx="694544" cy="276999"/>
+          </a:xfrm>
+          <a:prstGeom prst="rect">
+            <a:avLst/>
+          </a:prstGeom>
+          <a:noFill/>
+        </p:spPr>
+        <p:txBody>
+          <a:bodyPr wrap="square">
+            <a:spAutoFit/>
+          </a:bodyPr>
+          <a:lstStyle/>
+          <a:p>
+            <a:pPr algn="r"/>
+            <a:r>
+              <a:rPr lang="en-US" altLang="ko-KR" sz="1200" dirty="0">
+                <a:latin typeface="DM Mono" panose="020B0509040201040103" pitchFamily="49" charset="0"/>
+              </a:rPr>
+              <a:t>age</a:t>
+            </a:r>
+            <a:endParaRPr lang="ko-KR" altLang="en-US" sz="1200" dirty="0">
+              <a:latin typeface="DM Mono" panose="020B0509040201040103" pitchFamily="49" charset="0"/>
+            </a:endParaRPr>
+          </a:p>
+        </p:txBody>
+      </p:sp>
+      <p:sp>
+        <p:nvSpPr>
+          <p:cNvPr id="15" name="직사각형 14">
+            <a:extLst>
+              <a:ext uri="{FF2B5EF4-FFF2-40B4-BE49-F238E27FC236}">
+                <a16:creationId xmlns:a16="http://schemas.microsoft.com/office/drawing/2014/main" id="{FA26B581-D919-FF5A-6562-82114DF43D9E}"/>
+              </a:ext>
+            </a:extLst>
+          </p:cNvPr>
+          <p:cNvSpPr/>
+          <p:nvPr/>
+        </p:nvSpPr>
+        <p:spPr>
+          <a:xfrm>
+            <a:off x="7090345" y="3807780"/>
+            <a:ext cx="894414" cy="489811"/>
+          </a:xfrm>
+          <a:prstGeom prst="rect">
+            <a:avLst/>
+          </a:prstGeom>
+          <a:solidFill>
+            <a:srgbClr val="FFFF00"/>
+          </a:solidFill>
+          <a:ln w="28575">
+            <a:solidFill>
+              <a:srgbClr val="FF0000"/>
+            </a:solidFill>
+          </a:ln>
+        </p:spPr>
+        <p:style>
+          <a:lnRef idx="2">
+            <a:schemeClr val="accent1">
+              <a:shade val="15000"/>
+            </a:schemeClr>
+          </a:lnRef>
+          <a:fillRef idx="1">
+            <a:schemeClr val="accent1"/>
+          </a:fillRef>
+          <a:effectRef idx="0">
+            <a:schemeClr val="accent1"/>
+          </a:effectRef>
+          <a:fontRef idx="minor">
+            <a:schemeClr val="lt1"/>
+          </a:fontRef>
+        </p:style>
+        <p:txBody>
+          <a:bodyPr rtlCol="0" anchor="ctr"/>
+          <a:lstStyle/>
+          <a:p>
+            <a:pPr algn="ctr"/>
+            <a:endParaRPr kumimoji="1" lang="ko-KR" altLang="en-US" sz="1200" dirty="0">
+              <a:solidFill>
+                <a:schemeClr val="tx1"/>
+              </a:solidFill>
+              <a:latin typeface="DM Mono" panose="020B0509040201040103" pitchFamily="49" charset="0"/>
+            </a:endParaRPr>
+          </a:p>
+        </p:txBody>
+      </p:sp>
+      <p:sp>
+        <p:nvSpPr>
+          <p:cNvPr id="16" name="TextBox 15">
+            <a:extLst>
+              <a:ext uri="{FF2B5EF4-FFF2-40B4-BE49-F238E27FC236}">
+                <a16:creationId xmlns:a16="http://schemas.microsoft.com/office/drawing/2014/main" id="{046411A4-A90F-E2EE-7B99-E29096A74983}"/>
+              </a:ext>
+            </a:extLst>
+          </p:cNvPr>
+          <p:cNvSpPr txBox="1"/>
+          <p:nvPr/>
+        </p:nvSpPr>
+        <p:spPr>
+          <a:xfrm>
+            <a:off x="6400795" y="3914187"/>
+            <a:ext cx="694544" cy="276999"/>
+          </a:xfrm>
+          <a:prstGeom prst="rect">
+            <a:avLst/>
+          </a:prstGeom>
+          <a:noFill/>
+        </p:spPr>
+        <p:txBody>
+          <a:bodyPr wrap="square">
+            <a:spAutoFit/>
+          </a:bodyPr>
+          <a:lstStyle/>
+          <a:p>
+            <a:pPr algn="r"/>
+            <a:r>
+              <a:rPr lang="en-US" altLang="ko-KR" sz="1200" dirty="0">
+                <a:latin typeface="DM Mono" panose="020B0509040201040103" pitchFamily="49" charset="0"/>
+              </a:rPr>
+              <a:t>ref</a:t>
+            </a:r>
+            <a:endParaRPr lang="ko-KR" altLang="en-US" sz="1200" dirty="0">
+              <a:latin typeface="DM Mono" panose="020B0509040201040103" pitchFamily="49" charset="0"/>
+            </a:endParaRPr>
+          </a:p>
+        </p:txBody>
+      </p:sp>
+      <p:cxnSp>
+        <p:nvCxnSpPr>
+          <p:cNvPr id="17" name="구부러진 연결선[U] 16">
+            <a:extLst>
+              <a:ext uri="{FF2B5EF4-FFF2-40B4-BE49-F238E27FC236}">
+                <a16:creationId xmlns:a16="http://schemas.microsoft.com/office/drawing/2014/main" id="{A48CA4D1-11AC-8C39-DBA8-376A6D16D422}"/>
+              </a:ext>
+            </a:extLst>
+          </p:cNvPr>
+          <p:cNvCxnSpPr>
+            <a:cxnSpLocks/>
+            <a:stCxn id="2" idx="3"/>
+            <a:endCxn id="11" idx="1"/>
+          </p:cNvCxnSpPr>
+          <p:nvPr/>
+        </p:nvCxnSpPr>
+        <p:spPr>
+          <a:xfrm flipV="1">
+            <a:off x="7984759" y="644558"/>
+            <a:ext cx="2201053" cy="2434958"/>
+          </a:xfrm>
+          <a:prstGeom prst="curvedConnector3">
+            <a:avLst/>
+          </a:prstGeom>
+          <a:ln>
+            <a:tailEnd type="triangle"/>
+          </a:ln>
+        </p:spPr>
+        <p:style>
+          <a:lnRef idx="1">
+            <a:schemeClr val="dk1"/>
+          </a:lnRef>
+          <a:fillRef idx="0">
+            <a:schemeClr val="dk1"/>
+          </a:fillRef>
+          <a:effectRef idx="0">
+            <a:schemeClr val="dk1"/>
+          </a:effectRef>
+          <a:fontRef idx="minor">
+            <a:schemeClr val="tx1"/>
+          </a:fontRef>
+        </p:style>
+      </p:cxnSp>
+      <p:cxnSp>
+        <p:nvCxnSpPr>
+          <p:cNvPr id="20" name="구부러진 연결선[U] 19">
+            <a:extLst>
+              <a:ext uri="{FF2B5EF4-FFF2-40B4-BE49-F238E27FC236}">
+                <a16:creationId xmlns:a16="http://schemas.microsoft.com/office/drawing/2014/main" id="{FE421B4E-0187-BC59-ADA0-147A65B9E602}"/>
+              </a:ext>
+            </a:extLst>
+          </p:cNvPr>
+          <p:cNvCxnSpPr>
+            <a:cxnSpLocks/>
+            <a:stCxn id="15" idx="3"/>
+            <a:endCxn id="29" idx="1"/>
+          </p:cNvCxnSpPr>
+          <p:nvPr/>
+        </p:nvCxnSpPr>
+        <p:spPr>
+          <a:xfrm flipV="1">
+            <a:off x="7984759" y="2001020"/>
+            <a:ext cx="2248523" cy="2051666"/>
+          </a:xfrm>
+          <a:prstGeom prst="curvedConnector3">
+            <a:avLst/>
+          </a:prstGeom>
+          <a:ln>
+            <a:tailEnd type="triangle"/>
+          </a:ln>
+        </p:spPr>
+        <p:style>
+          <a:lnRef idx="1">
+            <a:schemeClr val="dk1"/>
+          </a:lnRef>
+          <a:fillRef idx="0">
+            <a:schemeClr val="dk1"/>
+          </a:fillRef>
+          <a:effectRef idx="0">
+            <a:schemeClr val="dk1"/>
+          </a:effectRef>
+          <a:fontRef idx="minor">
+            <a:schemeClr val="tx1"/>
+          </a:fontRef>
+        </p:style>
+      </p:cxnSp>
+    </p:spTree>
+    <p:extLst>
+      <p:ext uri="{BB962C8B-B14F-4D97-AF65-F5344CB8AC3E}">
+        <p14:creationId xmlns:p14="http://schemas.microsoft.com/office/powerpoint/2010/main" val="1222073760"/>
+      </p:ext>
+    </p:extLst>
+  </p:cSld>
+  <p:clrMapOvr>
+    <a:masterClrMapping/>
+  </p:clrMapOvr>
+</p:sld>
+</file>
+
+<file path=ppt/slides/slide24.xml><?xml version="1.0" encoding="utf-8"?>
+<p:sld xmlns:a="http://schemas.openxmlformats.org/drawingml/2006/main" xmlns:r="http://schemas.openxmlformats.org/officeDocument/2006/relationships" xmlns:p="http://schemas.openxmlformats.org/presentationml/2006/main">
+  <p:cSld>
+    <p:spTree>
+      <p:nvGrpSpPr>
+        <p:cNvPr id="1" name=""/>
+        <p:cNvGrpSpPr/>
+        <p:nvPr/>
+      </p:nvGrpSpPr>
+      <p:grpSpPr>
+        <a:xfrm>
+          <a:off x="0" y="0"/>
+          <a:ext cx="0" cy="0"/>
+          <a:chOff x="0" y="0"/>
+          <a:chExt cx="0" cy="0"/>
+        </a:xfrm>
+      </p:grpSpPr>
+      <p:sp>
+        <p:nvSpPr>
+          <p:cNvPr id="6" name="직사각형 5">
+            <a:extLst>
+              <a:ext uri="{FF2B5EF4-FFF2-40B4-BE49-F238E27FC236}">
+                <a16:creationId xmlns:a16="http://schemas.microsoft.com/office/drawing/2014/main" id="{908EB3C3-304F-7045-6EB1-59391145DD48}"/>
+              </a:ext>
+            </a:extLst>
+          </p:cNvPr>
+          <p:cNvSpPr/>
+          <p:nvPr/>
+        </p:nvSpPr>
+        <p:spPr>
+          <a:xfrm>
+            <a:off x="7090345" y="964235"/>
+            <a:ext cx="894414" cy="489811"/>
+          </a:xfrm>
+          <a:prstGeom prst="rect">
+            <a:avLst/>
+          </a:prstGeom>
+          <a:solidFill>
+            <a:srgbClr val="FFFF00"/>
+          </a:solidFill>
+          <a:ln w="28575">
+            <a:solidFill>
+              <a:srgbClr val="FF0000"/>
+            </a:solidFill>
+          </a:ln>
+        </p:spPr>
+        <p:style>
+          <a:lnRef idx="2">
+            <a:schemeClr val="accent1">
+              <a:shade val="15000"/>
+            </a:schemeClr>
+          </a:lnRef>
+          <a:fillRef idx="1">
+            <a:schemeClr val="accent1"/>
+          </a:fillRef>
+          <a:effectRef idx="0">
+            <a:schemeClr val="accent1"/>
+          </a:effectRef>
+          <a:fontRef idx="minor">
+            <a:schemeClr val="lt1"/>
+          </a:fontRef>
+        </p:style>
+        <p:txBody>
+          <a:bodyPr rtlCol="0" anchor="ctr"/>
+          <a:lstStyle/>
+          <a:p>
+            <a:pPr algn="ctr"/>
+            <a:r>
+              <a:rPr kumimoji="1" lang="en-US" altLang="ko-KR" sz="1200" dirty="0">
+                <a:solidFill>
+                  <a:schemeClr val="tx1"/>
+                </a:solidFill>
+                <a:latin typeface="DM Mono" panose="020B0509040201040103" pitchFamily="49" charset="0"/>
+              </a:rPr>
+              <a:t>0x200</a:t>
+            </a:r>
+            <a:endParaRPr kumimoji="1" lang="ko-KR" altLang="en-US" sz="1200" dirty="0">
+              <a:solidFill>
+                <a:schemeClr val="tx1"/>
+              </a:solidFill>
+              <a:latin typeface="DM Mono" panose="020B0509040201040103" pitchFamily="49" charset="0"/>
+            </a:endParaRPr>
+          </a:p>
+        </p:txBody>
+      </p:sp>
+      <p:sp>
+        <p:nvSpPr>
+          <p:cNvPr id="7" name="직사각형 6">
+            <a:extLst>
+              <a:ext uri="{FF2B5EF4-FFF2-40B4-BE49-F238E27FC236}">
+                <a16:creationId xmlns:a16="http://schemas.microsoft.com/office/drawing/2014/main" id="{E95E48C3-88B7-8F38-7EEF-3CBBDC599471}"/>
+              </a:ext>
+            </a:extLst>
+          </p:cNvPr>
+          <p:cNvSpPr/>
+          <p:nvPr/>
+        </p:nvSpPr>
+        <p:spPr>
+          <a:xfrm>
+            <a:off x="7090345" y="1454046"/>
+            <a:ext cx="894414" cy="489811"/>
+          </a:xfrm>
+          <a:prstGeom prst="rect">
+            <a:avLst/>
+          </a:prstGeom>
+          <a:solidFill>
+            <a:srgbClr val="FFFF00"/>
+          </a:solidFill>
+          <a:ln w="28575">
+            <a:solidFill>
+              <a:srgbClr val="FF0000"/>
+            </a:solidFill>
+          </a:ln>
+        </p:spPr>
+        <p:style>
+          <a:lnRef idx="2">
+            <a:schemeClr val="accent1">
+              <a:shade val="15000"/>
+            </a:schemeClr>
+          </a:lnRef>
+          <a:fillRef idx="1">
+            <a:schemeClr val="accent1"/>
+          </a:fillRef>
+          <a:effectRef idx="0">
+            <a:schemeClr val="accent1"/>
+          </a:effectRef>
+          <a:fontRef idx="minor">
+            <a:schemeClr val="lt1"/>
+          </a:fontRef>
+        </p:style>
+        <p:txBody>
+          <a:bodyPr rtlCol="0" anchor="ctr"/>
+          <a:lstStyle/>
+          <a:p>
+            <a:pPr algn="ctr"/>
+            <a:r>
+              <a:rPr kumimoji="1" lang="en-US" altLang="ko-KR" sz="1200" dirty="0">
+                <a:solidFill>
+                  <a:schemeClr val="tx1"/>
+                </a:solidFill>
+                <a:latin typeface="DM Mono" panose="020B0509040201040103" pitchFamily="49" charset="0"/>
+              </a:rPr>
+              <a:t>42</a:t>
+            </a:r>
+            <a:endParaRPr kumimoji="1" lang="ko-KR" altLang="en-US" sz="1200" dirty="0">
+              <a:solidFill>
+                <a:schemeClr val="tx1"/>
+              </a:solidFill>
+              <a:latin typeface="DM Mono" panose="020B0509040201040103" pitchFamily="49" charset="0"/>
+            </a:endParaRPr>
+          </a:p>
+        </p:txBody>
+      </p:sp>
+      <p:sp>
+        <p:nvSpPr>
+          <p:cNvPr id="8" name="TextBox 7">
+            <a:extLst>
+              <a:ext uri="{FF2B5EF4-FFF2-40B4-BE49-F238E27FC236}">
+                <a16:creationId xmlns:a16="http://schemas.microsoft.com/office/drawing/2014/main" id="{7AA979D8-4780-5226-CBC4-ED682085048C}"/>
+              </a:ext>
+            </a:extLst>
+          </p:cNvPr>
+          <p:cNvSpPr txBox="1"/>
+          <p:nvPr/>
+        </p:nvSpPr>
+        <p:spPr>
+          <a:xfrm>
+            <a:off x="7190280" y="647487"/>
+            <a:ext cx="694544" cy="276999"/>
+          </a:xfrm>
+          <a:prstGeom prst="rect">
+            <a:avLst/>
+          </a:prstGeom>
+          <a:noFill/>
+        </p:spPr>
+        <p:txBody>
+          <a:bodyPr wrap="square">
+            <a:spAutoFit/>
+          </a:bodyPr>
+          <a:lstStyle/>
+          <a:p>
+            <a:pPr algn="ctr"/>
+            <a:r>
+              <a:rPr lang="en-US" altLang="ko-KR" sz="1200" dirty="0">
+                <a:latin typeface="DM Mono" panose="020B0509040201040103" pitchFamily="49" charset="0"/>
+              </a:rPr>
+              <a:t>user</a:t>
+            </a:r>
+            <a:endParaRPr lang="ko-KR" altLang="en-US" sz="1200" dirty="0">
+              <a:latin typeface="DM Mono" panose="020B0509040201040103" pitchFamily="49" charset="0"/>
+            </a:endParaRPr>
+          </a:p>
+        </p:txBody>
+      </p:sp>
+      <p:sp>
+        <p:nvSpPr>
+          <p:cNvPr id="9" name="TextBox 8">
+            <a:extLst>
+              <a:ext uri="{FF2B5EF4-FFF2-40B4-BE49-F238E27FC236}">
+                <a16:creationId xmlns:a16="http://schemas.microsoft.com/office/drawing/2014/main" id="{B1640A79-F7FC-C373-A32D-AFD724A2FE6F}"/>
+              </a:ext>
+            </a:extLst>
+          </p:cNvPr>
+          <p:cNvSpPr txBox="1"/>
+          <p:nvPr/>
+        </p:nvSpPr>
+        <p:spPr>
+          <a:xfrm>
+            <a:off x="6395801" y="1071984"/>
+            <a:ext cx="694544" cy="276999"/>
+          </a:xfrm>
+          <a:prstGeom prst="rect">
+            <a:avLst/>
+          </a:prstGeom>
+          <a:noFill/>
+        </p:spPr>
+        <p:txBody>
+          <a:bodyPr wrap="square">
+            <a:spAutoFit/>
+          </a:bodyPr>
+          <a:lstStyle/>
+          <a:p>
+            <a:pPr algn="r"/>
+            <a:r>
+              <a:rPr lang="en-US" altLang="ko-KR" sz="1200" dirty="0">
+                <a:latin typeface="DM Mono" panose="020B0509040201040103" pitchFamily="49" charset="0"/>
+              </a:rPr>
+              <a:t>name</a:t>
+            </a:r>
+            <a:endParaRPr lang="ko-KR" altLang="en-US" sz="1200" dirty="0">
+              <a:latin typeface="DM Mono" panose="020B0509040201040103" pitchFamily="49" charset="0"/>
+            </a:endParaRPr>
+          </a:p>
+        </p:txBody>
+      </p:sp>
+      <p:sp>
+        <p:nvSpPr>
+          <p:cNvPr id="10" name="TextBox 9">
+            <a:extLst>
+              <a:ext uri="{FF2B5EF4-FFF2-40B4-BE49-F238E27FC236}">
+                <a16:creationId xmlns:a16="http://schemas.microsoft.com/office/drawing/2014/main" id="{0A22048C-68EA-0BAD-6262-34D7A386611A}"/>
+              </a:ext>
+            </a:extLst>
+          </p:cNvPr>
+          <p:cNvSpPr txBox="1"/>
+          <p:nvPr/>
+        </p:nvSpPr>
+        <p:spPr>
+          <a:xfrm>
+            <a:off x="6395801" y="1559109"/>
+            <a:ext cx="694544" cy="276999"/>
+          </a:xfrm>
+          <a:prstGeom prst="rect">
+            <a:avLst/>
+          </a:prstGeom>
+          <a:noFill/>
+        </p:spPr>
+        <p:txBody>
+          <a:bodyPr wrap="square">
+            <a:spAutoFit/>
+          </a:bodyPr>
+          <a:lstStyle/>
+          <a:p>
+            <a:pPr algn="r"/>
+            <a:r>
+              <a:rPr lang="en-US" altLang="ko-KR" sz="1200" dirty="0">
+                <a:latin typeface="DM Mono" panose="020B0509040201040103" pitchFamily="49" charset="0"/>
+              </a:rPr>
+              <a:t>age</a:t>
+            </a:r>
+            <a:endParaRPr lang="ko-KR" altLang="en-US" sz="1200" dirty="0">
+              <a:latin typeface="DM Mono" panose="020B0509040201040103" pitchFamily="49" charset="0"/>
+            </a:endParaRPr>
+          </a:p>
+        </p:txBody>
+      </p:sp>
+      <p:sp>
+        <p:nvSpPr>
+          <p:cNvPr id="11" name="직사각형 10">
+            <a:extLst>
+              <a:ext uri="{FF2B5EF4-FFF2-40B4-BE49-F238E27FC236}">
+                <a16:creationId xmlns:a16="http://schemas.microsoft.com/office/drawing/2014/main" id="{B06002E1-7E0A-48FF-0039-C129E25527D5}"/>
+              </a:ext>
+            </a:extLst>
+          </p:cNvPr>
+          <p:cNvSpPr/>
+          <p:nvPr/>
+        </p:nvSpPr>
+        <p:spPr>
+          <a:xfrm>
+            <a:off x="10185812" y="479646"/>
+            <a:ext cx="1441557" cy="329823"/>
+          </a:xfrm>
+          <a:prstGeom prst="rect">
+            <a:avLst/>
+          </a:prstGeom>
+          <a:solidFill>
+            <a:srgbClr val="FFFF00"/>
+          </a:solidFill>
+          <a:ln w="28575">
+            <a:solidFill>
+              <a:srgbClr val="FF0000"/>
+            </a:solidFill>
+          </a:ln>
+        </p:spPr>
+        <p:style>
+          <a:lnRef idx="2">
+            <a:schemeClr val="accent1">
+              <a:shade val="15000"/>
+            </a:schemeClr>
+          </a:lnRef>
+          <a:fillRef idx="1">
+            <a:schemeClr val="accent1"/>
+          </a:fillRef>
+          <a:effectRef idx="0">
+            <a:schemeClr val="accent1"/>
+          </a:effectRef>
+          <a:fontRef idx="minor">
+            <a:schemeClr val="lt1"/>
+          </a:fontRef>
+        </p:style>
+        <p:txBody>
+          <a:bodyPr rtlCol="0" anchor="ctr"/>
+          <a:lstStyle/>
+          <a:p>
+            <a:pPr algn="ctr"/>
+            <a:r>
+              <a:rPr kumimoji="1" lang="en-US" altLang="ko-KR" sz="1200" dirty="0">
+                <a:solidFill>
+                  <a:schemeClr val="tx1"/>
+                </a:solidFill>
+                <a:latin typeface="DM Mono" panose="020B0509040201040103" pitchFamily="49" charset="0"/>
+              </a:rPr>
+              <a:t>“Tom”</a:t>
+            </a:r>
+            <a:endParaRPr kumimoji="1" lang="ko-KR" altLang="en-US" sz="1200" dirty="0">
+              <a:solidFill>
+                <a:schemeClr val="tx1"/>
+              </a:solidFill>
+              <a:latin typeface="DM Mono" panose="020B0509040201040103" pitchFamily="49" charset="0"/>
+            </a:endParaRPr>
+          </a:p>
+        </p:txBody>
+      </p:sp>
+      <p:cxnSp>
+        <p:nvCxnSpPr>
+          <p:cNvPr id="13" name="구부러진 연결선[U] 12">
+            <a:extLst>
+              <a:ext uri="{FF2B5EF4-FFF2-40B4-BE49-F238E27FC236}">
+                <a16:creationId xmlns:a16="http://schemas.microsoft.com/office/drawing/2014/main" id="{68E12808-F904-D961-0F53-6D2C59633C03}"/>
+              </a:ext>
+            </a:extLst>
+          </p:cNvPr>
+          <p:cNvCxnSpPr>
+            <a:stCxn id="6" idx="3"/>
+            <a:endCxn id="11" idx="1"/>
+          </p:cNvCxnSpPr>
+          <p:nvPr/>
+        </p:nvCxnSpPr>
+        <p:spPr>
+          <a:xfrm flipV="1">
+            <a:off x="7984759" y="644558"/>
+            <a:ext cx="2201053" cy="564583"/>
+          </a:xfrm>
+          <a:prstGeom prst="curvedConnector3">
+            <a:avLst/>
+          </a:prstGeom>
+          <a:ln>
+            <a:tailEnd type="triangle"/>
+          </a:ln>
+        </p:spPr>
+        <p:style>
+          <a:lnRef idx="1">
+            <a:schemeClr val="dk1"/>
+          </a:lnRef>
+          <a:fillRef idx="0">
+            <a:schemeClr val="dk1"/>
+          </a:fillRef>
+          <a:effectRef idx="0">
+            <a:schemeClr val="dk1"/>
+          </a:effectRef>
+          <a:fontRef idx="minor">
+            <a:schemeClr val="tx1"/>
+          </a:fontRef>
+        </p:style>
+      </p:cxnSp>
+      <p:sp>
+        <p:nvSpPr>
+          <p:cNvPr id="14" name="TextBox 13">
+            <a:extLst>
+              <a:ext uri="{FF2B5EF4-FFF2-40B4-BE49-F238E27FC236}">
+                <a16:creationId xmlns:a16="http://schemas.microsoft.com/office/drawing/2014/main" id="{13CCF594-2FD6-C4DC-05F5-C1D983C7E34A}"/>
+              </a:ext>
+            </a:extLst>
+          </p:cNvPr>
+          <p:cNvSpPr txBox="1"/>
+          <p:nvPr/>
+        </p:nvSpPr>
+        <p:spPr>
+          <a:xfrm>
+            <a:off x="9838540" y="212376"/>
+            <a:ext cx="694544" cy="276999"/>
+          </a:xfrm>
+          <a:prstGeom prst="rect">
+            <a:avLst/>
+          </a:prstGeom>
+          <a:noFill/>
+        </p:spPr>
+        <p:txBody>
+          <a:bodyPr wrap="square">
+            <a:spAutoFit/>
+          </a:bodyPr>
+          <a:lstStyle/>
+          <a:p>
+            <a:pPr algn="ctr"/>
+            <a:r>
+              <a:rPr lang="en-US" altLang="ko-KR" sz="1200" dirty="0">
+                <a:latin typeface="DM Mono" panose="020B0509040201040103" pitchFamily="49" charset="0"/>
+              </a:rPr>
+              <a:t>0x200</a:t>
+            </a:r>
+            <a:endParaRPr lang="ko-KR" altLang="en-US" sz="1200" dirty="0">
+              <a:latin typeface="DM Mono" panose="020B0509040201040103" pitchFamily="49" charset="0"/>
+            </a:endParaRPr>
+          </a:p>
+        </p:txBody>
+      </p:sp>
+      <p:sp>
+        <p:nvSpPr>
+          <p:cNvPr id="27" name="직사각형 26">
+            <a:extLst>
+              <a:ext uri="{FF2B5EF4-FFF2-40B4-BE49-F238E27FC236}">
+                <a16:creationId xmlns:a16="http://schemas.microsoft.com/office/drawing/2014/main" id="{982788D3-B123-3445-C895-251E97CDF298}"/>
+              </a:ext>
+            </a:extLst>
+          </p:cNvPr>
+          <p:cNvSpPr/>
+          <p:nvPr/>
+        </p:nvSpPr>
+        <p:spPr>
+          <a:xfrm>
+            <a:off x="7090345" y="1937405"/>
+            <a:ext cx="894414" cy="489811"/>
+          </a:xfrm>
+          <a:prstGeom prst="rect">
+            <a:avLst/>
+          </a:prstGeom>
+          <a:solidFill>
+            <a:srgbClr val="FFFF00"/>
+          </a:solidFill>
+          <a:ln w="28575">
+            <a:solidFill>
+              <a:srgbClr val="FF0000"/>
+            </a:solidFill>
+          </a:ln>
+        </p:spPr>
+        <p:style>
+          <a:lnRef idx="2">
+            <a:schemeClr val="accent1">
+              <a:shade val="15000"/>
+            </a:schemeClr>
+          </a:lnRef>
+          <a:fillRef idx="1">
+            <a:schemeClr val="accent1"/>
+          </a:fillRef>
+          <a:effectRef idx="0">
+            <a:schemeClr val="accent1"/>
+          </a:effectRef>
+          <a:fontRef idx="minor">
+            <a:schemeClr val="lt1"/>
+          </a:fontRef>
+        </p:style>
+        <p:txBody>
+          <a:bodyPr rtlCol="0" anchor="ctr"/>
+          <a:lstStyle/>
+          <a:p>
+            <a:pPr algn="ctr"/>
+            <a:endParaRPr kumimoji="1" lang="ko-KR" altLang="en-US" sz="1200" dirty="0">
+              <a:solidFill>
+                <a:schemeClr val="tx1"/>
+              </a:solidFill>
+              <a:latin typeface="DM Mono" panose="020B0509040201040103" pitchFamily="49" charset="0"/>
+            </a:endParaRPr>
+          </a:p>
+        </p:txBody>
+      </p:sp>
+      <p:sp>
+        <p:nvSpPr>
+          <p:cNvPr id="28" name="TextBox 27">
+            <a:extLst>
+              <a:ext uri="{FF2B5EF4-FFF2-40B4-BE49-F238E27FC236}">
+                <a16:creationId xmlns:a16="http://schemas.microsoft.com/office/drawing/2014/main" id="{8685850F-E767-3C17-2F9A-6F111DEB22F8}"/>
+              </a:ext>
+            </a:extLst>
+          </p:cNvPr>
+          <p:cNvSpPr txBox="1"/>
+          <p:nvPr/>
+        </p:nvSpPr>
+        <p:spPr>
+          <a:xfrm>
+            <a:off x="6400795" y="2043812"/>
+            <a:ext cx="694544" cy="276999"/>
+          </a:xfrm>
+          <a:prstGeom prst="rect">
+            <a:avLst/>
+          </a:prstGeom>
+          <a:noFill/>
+        </p:spPr>
+        <p:txBody>
+          <a:bodyPr wrap="square">
+            <a:spAutoFit/>
+          </a:bodyPr>
+          <a:lstStyle/>
+          <a:p>
+            <a:pPr algn="r"/>
+            <a:r>
+              <a:rPr lang="en-US" altLang="ko-KR" sz="1200" dirty="0">
+                <a:latin typeface="DM Mono" panose="020B0509040201040103" pitchFamily="49" charset="0"/>
+              </a:rPr>
+              <a:t>ref</a:t>
+            </a:r>
+            <a:endParaRPr lang="ko-KR" altLang="en-US" sz="1200" dirty="0">
+              <a:latin typeface="DM Mono" panose="020B0509040201040103" pitchFamily="49" charset="0"/>
+            </a:endParaRPr>
+          </a:p>
+        </p:txBody>
+      </p:sp>
+      <p:sp>
+        <p:nvSpPr>
+          <p:cNvPr id="29" name="직사각형 28">
+            <a:extLst>
+              <a:ext uri="{FF2B5EF4-FFF2-40B4-BE49-F238E27FC236}">
+                <a16:creationId xmlns:a16="http://schemas.microsoft.com/office/drawing/2014/main" id="{8885ED78-B486-A698-9658-35713024BF5E}"/>
+              </a:ext>
+            </a:extLst>
+          </p:cNvPr>
+          <p:cNvSpPr/>
+          <p:nvPr/>
+        </p:nvSpPr>
+        <p:spPr>
+          <a:xfrm>
+            <a:off x="10233282" y="1836108"/>
+            <a:ext cx="729526" cy="329823"/>
+          </a:xfrm>
+          <a:prstGeom prst="rect">
+            <a:avLst/>
+          </a:prstGeom>
+          <a:solidFill>
+            <a:srgbClr val="FFFF00"/>
+          </a:solidFill>
+          <a:ln w="28575">
+            <a:solidFill>
+              <a:srgbClr val="FF0000"/>
+            </a:solidFill>
+          </a:ln>
+        </p:spPr>
+        <p:style>
+          <a:lnRef idx="2">
+            <a:schemeClr val="accent1">
+              <a:shade val="15000"/>
+            </a:schemeClr>
+          </a:lnRef>
+          <a:fillRef idx="1">
+            <a:schemeClr val="accent1"/>
+          </a:fillRef>
+          <a:effectRef idx="0">
+            <a:schemeClr val="accent1"/>
+          </a:effectRef>
+          <a:fontRef idx="minor">
+            <a:schemeClr val="lt1"/>
+          </a:fontRef>
+        </p:style>
+        <p:txBody>
+          <a:bodyPr rtlCol="0" anchor="ctr"/>
+          <a:lstStyle/>
+          <a:p>
+            <a:pPr algn="ctr"/>
+            <a:r>
+              <a:rPr kumimoji="1" lang="en-US" altLang="ko-KR" sz="1200" dirty="0">
+                <a:solidFill>
+                  <a:srgbClr val="FF0000"/>
+                </a:solidFill>
+                <a:latin typeface="DM Mono" panose="020B0509040201040103" pitchFamily="49" charset="0"/>
+              </a:rPr>
+              <a:t>0</a:t>
+            </a:r>
+            <a:endParaRPr kumimoji="1" lang="ko-KR" altLang="en-US" sz="1200" dirty="0">
+              <a:solidFill>
+                <a:srgbClr val="FF0000"/>
+              </a:solidFill>
+              <a:latin typeface="DM Mono" panose="020B0509040201040103" pitchFamily="49" charset="0"/>
+            </a:endParaRPr>
+          </a:p>
+        </p:txBody>
+      </p:sp>
+      <p:cxnSp>
+        <p:nvCxnSpPr>
+          <p:cNvPr id="30" name="구부러진 연결선[U] 29">
+            <a:extLst>
+              <a:ext uri="{FF2B5EF4-FFF2-40B4-BE49-F238E27FC236}">
+                <a16:creationId xmlns:a16="http://schemas.microsoft.com/office/drawing/2014/main" id="{17CFC538-66DC-A2EF-35D7-89B2109494D6}"/>
+              </a:ext>
+            </a:extLst>
+          </p:cNvPr>
+          <p:cNvCxnSpPr>
+            <a:cxnSpLocks/>
+            <a:stCxn id="27" idx="3"/>
+            <a:endCxn id="29" idx="1"/>
+          </p:cNvCxnSpPr>
+          <p:nvPr/>
+        </p:nvCxnSpPr>
+        <p:spPr>
+          <a:xfrm flipV="1">
+            <a:off x="7984759" y="2001020"/>
+            <a:ext cx="2248523" cy="181291"/>
+          </a:xfrm>
+          <a:prstGeom prst="curvedConnector3">
+            <a:avLst/>
+          </a:prstGeom>
+          <a:ln>
+            <a:tailEnd type="triangle"/>
+          </a:ln>
+        </p:spPr>
+        <p:style>
+          <a:lnRef idx="1">
+            <a:schemeClr val="dk1"/>
+          </a:lnRef>
+          <a:fillRef idx="0">
+            <a:schemeClr val="dk1"/>
+          </a:fillRef>
+          <a:effectRef idx="0">
+            <a:schemeClr val="dk1"/>
+          </a:effectRef>
+          <a:fontRef idx="minor">
+            <a:schemeClr val="tx1"/>
+          </a:fontRef>
+        </p:style>
+      </p:cxnSp>
+    </p:spTree>
+    <p:extLst>
+      <p:ext uri="{BB962C8B-B14F-4D97-AF65-F5344CB8AC3E}">
+        <p14:creationId xmlns:p14="http://schemas.microsoft.com/office/powerpoint/2010/main" val="1781733571"/>
       </p:ext>
     </p:extLst>
   </p:cSld>
@@ -18068,4 +26402,299 @@
     </a:ext>
   </a:extLst>
 </a:theme>
+</file>
+
+<file path=ppt/theme/theme2.xml><?xml version="1.0" encoding="utf-8"?>
+<a:theme xmlns:a="http://schemas.openxmlformats.org/drawingml/2006/main" name="Office 테마">
+  <a:themeElements>
+    <a:clrScheme name="Office">
+      <a:dk1>
+        <a:sysClr val="windowText" lastClr="000000"/>
+      </a:dk1>
+      <a:lt1>
+        <a:sysClr val="window" lastClr="FFFFFF"/>
+      </a:lt1>
+      <a:dk2>
+        <a:srgbClr val="44546A"/>
+      </a:dk2>
+      <a:lt2>
+        <a:srgbClr val="E7E6E6"/>
+      </a:lt2>
+      <a:accent1>
+        <a:srgbClr val="4472C4"/>
+      </a:accent1>
+      <a:accent2>
+        <a:srgbClr val="ED7D31"/>
+      </a:accent2>
+      <a:accent3>
+        <a:srgbClr val="A5A5A5"/>
+      </a:accent3>
+      <a:accent4>
+        <a:srgbClr val="FFC000"/>
+      </a:accent4>
+      <a:accent5>
+        <a:srgbClr val="5B9BD5"/>
+      </a:accent5>
+      <a:accent6>
+        <a:srgbClr val="70AD47"/>
+      </a:accent6>
+      <a:hlink>
+        <a:srgbClr val="0563C1"/>
+      </a:hlink>
+      <a:folHlink>
+        <a:srgbClr val="954F72"/>
+      </a:folHlink>
+    </a:clrScheme>
+    <a:fontScheme name="Office">
+      <a:majorFont>
+        <a:latin typeface="맑은 고딕" panose="020F0302020204030204"/>
+        <a:ea typeface=""/>
+        <a:cs typeface=""/>
+        <a:font script="Jpan" typeface="游ゴシック Light"/>
+        <a:font script="Hang" typeface="맑은 고딕"/>
+        <a:font script="Hans" typeface="等线 Light"/>
+        <a:font script="Hant" typeface="新細明體"/>
+        <a:font script="Arab" typeface="Times New Roman"/>
+        <a:font script="Hebr" typeface="Times New Roman"/>
+        <a:font script="Thai" typeface="Angsana New"/>
+        <a:font script="Ethi" typeface="Nyala"/>
+        <a:font script="Beng" typeface="Vrinda"/>
+        <a:font script="Gujr" typeface="Shruti"/>
+        <a:font script="Khmr" typeface="MoolBoran"/>
+        <a:font script="Knda" typeface="Tunga"/>
+        <a:font script="Guru" typeface="Raavi"/>
+        <a:font script="Cans" typeface="Euphemia"/>
+        <a:font script="Cher" typeface="Plantagenet Cherokee"/>
+        <a:font script="Yiii" typeface="Microsoft Yi Baiti"/>
+        <a:font script="Tibt" typeface="Microsoft Himalaya"/>
+        <a:font script="Thaa" typeface="MV Boli"/>
+        <a:font script="Deva" typeface="Mangal"/>
+        <a:font script="Telu" typeface="Gautami"/>
+        <a:font script="Taml" typeface="Latha"/>
+        <a:font script="Syrc" typeface="Estrangelo Edessa"/>
+        <a:font script="Orya" typeface="Kalinga"/>
+        <a:font script="Mlym" typeface="Kartika"/>
+        <a:font script="Laoo" typeface="DokChampa"/>
+        <a:font script="Sinh" typeface="Iskoola Pota"/>
+        <a:font script="Mong" typeface="Mongolian Baiti"/>
+        <a:font script="Viet" typeface="Times New Roman"/>
+        <a:font script="Uigh" typeface="Microsoft Uighur"/>
+        <a:font script="Geor" typeface="Sylfaen"/>
+        <a:font script="Armn" typeface="Arial"/>
+        <a:font script="Bugi" typeface="Leelawadee UI"/>
+        <a:font script="Bopo" typeface="Microsoft JhengHei"/>
+        <a:font script="Java" typeface="Javanese Text"/>
+        <a:font script="Lisu" typeface="Segoe UI"/>
+        <a:font script="Mymr" typeface="Myanmar Text"/>
+        <a:font script="Nkoo" typeface="Ebrima"/>
+        <a:font script="Olck" typeface="Nirmala UI"/>
+        <a:font script="Osma" typeface="Ebrima"/>
+        <a:font script="Phag" typeface="Phagspa"/>
+        <a:font script="Syrn" typeface="Estrangelo Edessa"/>
+        <a:font script="Syrj" typeface="Estrangelo Edessa"/>
+        <a:font script="Syre" typeface="Estrangelo Edessa"/>
+        <a:font script="Sora" typeface="Nirmala UI"/>
+        <a:font script="Tale" typeface="Microsoft Tai Le"/>
+        <a:font script="Talu" typeface="Microsoft New Tai Lue"/>
+        <a:font script="Tfng" typeface="Ebrima"/>
+      </a:majorFont>
+      <a:minorFont>
+        <a:latin typeface="맑은 고딕" panose="020F0502020204030204"/>
+        <a:ea typeface=""/>
+        <a:cs typeface=""/>
+        <a:font script="Jpan" typeface="游ゴシック"/>
+        <a:font script="Hang" typeface="맑은 고딕"/>
+        <a:font script="Hans" typeface="等线"/>
+        <a:font script="Hant" typeface="新細明體"/>
+        <a:font script="Arab" typeface="Arial"/>
+        <a:font script="Hebr" typeface="Arial"/>
+        <a:font script="Thai" typeface="Cordia New"/>
+        <a:font script="Ethi" typeface="Nyala"/>
+        <a:font script="Beng" typeface="Vrinda"/>
+        <a:font script="Gujr" typeface="Shruti"/>
+        <a:font script="Khmr" typeface="DaunPenh"/>
+        <a:font script="Knda" typeface="Tunga"/>
+        <a:font script="Guru" typeface="Raavi"/>
+        <a:font script="Cans" typeface="Euphemia"/>
+        <a:font script="Cher" typeface="Plantagenet Cherokee"/>
+        <a:font script="Yiii" typeface="Microsoft Yi Baiti"/>
+        <a:font script="Tibt" typeface="Microsoft Himalaya"/>
+        <a:font script="Thaa" typeface="MV Boli"/>
+        <a:font script="Deva" typeface="Mangal"/>
+        <a:font script="Telu" typeface="Gautami"/>
+        <a:font script="Taml" typeface="Latha"/>
+        <a:font script="Syrc" typeface="Estrangelo Edessa"/>
+        <a:font script="Orya" typeface="Kalinga"/>
+        <a:font script="Mlym" typeface="Kartika"/>
+        <a:font script="Laoo" typeface="DokChampa"/>
+        <a:font script="Sinh" typeface="Iskoola Pota"/>
+        <a:font script="Mong" typeface="Mongolian Baiti"/>
+        <a:font script="Viet" typeface="Arial"/>
+        <a:font script="Uigh" typeface="Microsoft Uighur"/>
+        <a:font script="Geor" typeface="Sylfaen"/>
+        <a:font script="Armn" typeface="Arial"/>
+        <a:font script="Bugi" typeface="Leelawadee UI"/>
+        <a:font script="Bopo" typeface="Microsoft JhengHei"/>
+        <a:font script="Java" typeface="Javanese Text"/>
+        <a:font script="Lisu" typeface="Segoe UI"/>
+        <a:font script="Mymr" typeface="Myanmar Text"/>
+        <a:font script="Nkoo" typeface="Ebrima"/>
+        <a:font script="Olck" typeface="Nirmala UI"/>
+        <a:font script="Osma" typeface="Ebrima"/>
+        <a:font script="Phag" typeface="Phagspa"/>
+        <a:font script="Syrn" typeface="Estrangelo Edessa"/>
+        <a:font script="Syrj" typeface="Estrangelo Edessa"/>
+        <a:font script="Syre" typeface="Estrangelo Edessa"/>
+        <a:font script="Sora" typeface="Nirmala UI"/>
+        <a:font script="Tale" typeface="Microsoft Tai Le"/>
+        <a:font script="Talu" typeface="Microsoft New Tai Lue"/>
+        <a:font script="Tfng" typeface="Ebrima"/>
+      </a:minorFont>
+    </a:fontScheme>
+    <a:fmtScheme name="Office">
+      <a:fillStyleLst>
+        <a:solidFill>
+          <a:schemeClr val="phClr"/>
+        </a:solidFill>
+        <a:gradFill rotWithShape="1">
+          <a:gsLst>
+            <a:gs pos="0">
+              <a:schemeClr val="phClr">
+                <a:lumMod val="110000"/>
+                <a:satMod val="105000"/>
+                <a:tint val="67000"/>
+              </a:schemeClr>
+            </a:gs>
+            <a:gs pos="50000">
+              <a:schemeClr val="phClr">
+                <a:lumMod val="105000"/>
+                <a:satMod val="103000"/>
+                <a:tint val="73000"/>
+              </a:schemeClr>
+            </a:gs>
+            <a:gs pos="100000">
+              <a:schemeClr val="phClr">
+                <a:lumMod val="105000"/>
+                <a:satMod val="109000"/>
+                <a:tint val="81000"/>
+              </a:schemeClr>
+            </a:gs>
+          </a:gsLst>
+          <a:lin ang="5400000" scaled="0"/>
+        </a:gradFill>
+        <a:gradFill rotWithShape="1">
+          <a:gsLst>
+            <a:gs pos="0">
+              <a:schemeClr val="phClr">
+                <a:satMod val="103000"/>
+                <a:lumMod val="102000"/>
+                <a:tint val="94000"/>
+              </a:schemeClr>
+            </a:gs>
+            <a:gs pos="50000">
+              <a:schemeClr val="phClr">
+                <a:satMod val="110000"/>
+                <a:lumMod val="100000"/>
+                <a:shade val="100000"/>
+              </a:schemeClr>
+            </a:gs>
+            <a:gs pos="100000">
+              <a:schemeClr val="phClr">
+                <a:lumMod val="99000"/>
+                <a:satMod val="120000"/>
+                <a:shade val="78000"/>
+              </a:schemeClr>
+            </a:gs>
+          </a:gsLst>
+          <a:lin ang="5400000" scaled="0"/>
+        </a:gradFill>
+      </a:fillStyleLst>
+      <a:lnStyleLst>
+        <a:ln w="6350" cap="flat" cmpd="sng" algn="ctr">
+          <a:solidFill>
+            <a:schemeClr val="phClr"/>
+          </a:solidFill>
+          <a:prstDash val="solid"/>
+          <a:miter lim="800000"/>
+        </a:ln>
+        <a:ln w="12700" cap="flat" cmpd="sng" algn="ctr">
+          <a:solidFill>
+            <a:schemeClr val="phClr"/>
+          </a:solidFill>
+          <a:prstDash val="solid"/>
+          <a:miter lim="800000"/>
+        </a:ln>
+        <a:ln w="19050" cap="flat" cmpd="sng" algn="ctr">
+          <a:solidFill>
+            <a:schemeClr val="phClr"/>
+          </a:solidFill>
+          <a:prstDash val="solid"/>
+          <a:miter lim="800000"/>
+        </a:ln>
+      </a:lnStyleLst>
+      <a:effectStyleLst>
+        <a:effectStyle>
+          <a:effectLst/>
+        </a:effectStyle>
+        <a:effectStyle>
+          <a:effectLst/>
+        </a:effectStyle>
+        <a:effectStyle>
+          <a:effectLst>
+            <a:outerShdw blurRad="57150" dist="19050" dir="5400000" algn="ctr" rotWithShape="0">
+              <a:srgbClr val="000000">
+                <a:alpha val="63000"/>
+              </a:srgbClr>
+            </a:outerShdw>
+          </a:effectLst>
+        </a:effectStyle>
+      </a:effectStyleLst>
+      <a:bgFillStyleLst>
+        <a:solidFill>
+          <a:schemeClr val="phClr"/>
+        </a:solidFill>
+        <a:solidFill>
+          <a:schemeClr val="phClr">
+            <a:tint val="95000"/>
+            <a:satMod val="170000"/>
+          </a:schemeClr>
+        </a:solidFill>
+        <a:gradFill rotWithShape="1">
+          <a:gsLst>
+            <a:gs pos="0">
+              <a:schemeClr val="phClr">
+                <a:tint val="93000"/>
+                <a:satMod val="150000"/>
+                <a:shade val="98000"/>
+                <a:lumMod val="102000"/>
+              </a:schemeClr>
+            </a:gs>
+            <a:gs pos="50000">
+              <a:schemeClr val="phClr">
+                <a:tint val="98000"/>
+                <a:satMod val="130000"/>
+                <a:shade val="90000"/>
+                <a:lumMod val="103000"/>
+              </a:schemeClr>
+            </a:gs>
+            <a:gs pos="100000">
+              <a:schemeClr val="phClr">
+                <a:shade val="63000"/>
+                <a:satMod val="120000"/>
+              </a:schemeClr>
+            </a:gs>
+          </a:gsLst>
+          <a:lin ang="5400000" scaled="0"/>
+        </a:gradFill>
+      </a:bgFillStyleLst>
+    </a:fmtScheme>
+  </a:themeElements>
+  <a:objectDefaults/>
+  <a:extraClrSchemeLst/>
+  <a:extLst>
+    <a:ext uri="{05A4C25C-085E-4340-85A3-A5531E510DB2}">
+      <thm15:themeFamily xmlns:thm15="http://schemas.microsoft.com/office/thememl/2012/main" name="Office Theme" id="{62F939B6-93AF-4DB8-9C6B-D6C7DFDC589F}" vid="{4A3C46E8-61CC-4603-A589-7422A47A8E4A}"/>
+    </a:ext>
+  </a:extLst>
+</a:theme>
 </file>
--- a/cpp_231023.pptx
+++ b/cpp_231023.pptx
@@ -16120,6 +16120,330 @@
           </a:fontRef>
         </p:style>
       </p:cxnSp>
+      <p:sp>
+        <p:nvSpPr>
+          <p:cNvPr id="35" name="TextBox 34">
+            <a:extLst>
+              <a:ext uri="{FF2B5EF4-FFF2-40B4-BE49-F238E27FC236}">
+                <a16:creationId xmlns:a16="http://schemas.microsoft.com/office/drawing/2014/main" id="{4840E927-F610-5A57-6729-23CD292A1830}"/>
+              </a:ext>
+            </a:extLst>
+          </p:cNvPr>
+          <p:cNvSpPr txBox="1"/>
+          <p:nvPr/>
+        </p:nvSpPr>
+        <p:spPr>
+          <a:xfrm>
+            <a:off x="248954" y="521543"/>
+            <a:ext cx="6096880" cy="1569660"/>
+          </a:xfrm>
+          <a:prstGeom prst="rect">
+            <a:avLst/>
+          </a:prstGeom>
+          <a:noFill/>
+        </p:spPr>
+        <p:txBody>
+          <a:bodyPr wrap="square">
+            <a:spAutoFit/>
+          </a:bodyPr>
+          <a:lstStyle/>
+          <a:p>
+            <a:r>
+              <a:rPr lang="ko-KR" altLang="en-US" sz="1200" dirty="0">
+                <a:latin typeface="DM Mono" panose="020B0509040201040103" pitchFamily="49" charset="0"/>
+              </a:rPr>
+              <a:t> </a:t>
+            </a:r>
+            <a:r>
+              <a:rPr lang="en-US" altLang="ko-KR" sz="1200" dirty="0">
+                <a:latin typeface="DM Mono" panose="020B0509040201040103" pitchFamily="49" charset="0"/>
+              </a:rPr>
+              <a:t>   </a:t>
+            </a:r>
+            <a:r>
+              <a:rPr lang="ko-KR" altLang="en-US" sz="1200" dirty="0" err="1">
+                <a:latin typeface="DM Mono" panose="020B0509040201040103" pitchFamily="49" charset="0"/>
+              </a:rPr>
+              <a:t>User</a:t>
+            </a:r>
+            <a:r>
+              <a:rPr lang="ko-KR" altLang="en-US" sz="1200" dirty="0">
+                <a:latin typeface="DM Mono" panose="020B0509040201040103" pitchFamily="49" charset="0"/>
+              </a:rPr>
+              <a:t>(</a:t>
+            </a:r>
+            <a:r>
+              <a:rPr lang="ko-KR" altLang="en-US" sz="1200" dirty="0" err="1">
+                <a:latin typeface="DM Mono" panose="020B0509040201040103" pitchFamily="49" charset="0"/>
+              </a:rPr>
+              <a:t>const</a:t>
+            </a:r>
+            <a:r>
+              <a:rPr lang="ko-KR" altLang="en-US" sz="1200" dirty="0">
+                <a:latin typeface="DM Mono" panose="020B0509040201040103" pitchFamily="49" charset="0"/>
+              </a:rPr>
+              <a:t> </a:t>
+            </a:r>
+            <a:r>
+              <a:rPr lang="ko-KR" altLang="en-US" sz="1200" dirty="0" err="1">
+                <a:latin typeface="DM Mono" panose="020B0509040201040103" pitchFamily="49" charset="0"/>
+              </a:rPr>
+              <a:t>char</a:t>
+            </a:r>
+            <a:r>
+              <a:rPr lang="ko-KR" altLang="en-US" sz="1200" dirty="0">
+                <a:latin typeface="DM Mono" panose="020B0509040201040103" pitchFamily="49" charset="0"/>
+              </a:rPr>
+              <a:t>* </a:t>
+            </a:r>
+            <a:r>
+              <a:rPr lang="ko-KR" altLang="en-US" sz="1200" dirty="0" err="1">
+                <a:latin typeface="DM Mono" panose="020B0509040201040103" pitchFamily="49" charset="0"/>
+              </a:rPr>
+              <a:t>s</a:t>
+            </a:r>
+            <a:r>
+              <a:rPr lang="ko-KR" altLang="en-US" sz="1200" dirty="0">
+                <a:latin typeface="DM Mono" panose="020B0509040201040103" pitchFamily="49" charset="0"/>
+              </a:rPr>
+              <a:t>, </a:t>
+            </a:r>
+            <a:r>
+              <a:rPr lang="ko-KR" altLang="en-US" sz="1200" dirty="0" err="1">
+                <a:latin typeface="DM Mono" panose="020B0509040201040103" pitchFamily="49" charset="0"/>
+              </a:rPr>
+              <a:t>int</a:t>
+            </a:r>
+            <a:r>
+              <a:rPr lang="ko-KR" altLang="en-US" sz="1200" dirty="0">
+                <a:latin typeface="DM Mono" panose="020B0509040201040103" pitchFamily="49" charset="0"/>
+              </a:rPr>
+              <a:t> </a:t>
+            </a:r>
+            <a:r>
+              <a:rPr lang="ko-KR" altLang="en-US" sz="1200" dirty="0" err="1">
+                <a:latin typeface="DM Mono" panose="020B0509040201040103" pitchFamily="49" charset="0"/>
+              </a:rPr>
+              <a:t>n</a:t>
+            </a:r>
+            <a:r>
+              <a:rPr lang="ko-KR" altLang="en-US" sz="1200" dirty="0">
+                <a:latin typeface="DM Mono" panose="020B0509040201040103" pitchFamily="49" charset="0"/>
+              </a:rPr>
+              <a:t>)</a:t>
+            </a:r>
+          </a:p>
+          <a:p>
+            <a:r>
+              <a:rPr lang="ko-KR" altLang="en-US" sz="1200" dirty="0">
+                <a:latin typeface="DM Mono" panose="020B0509040201040103" pitchFamily="49" charset="0"/>
+              </a:rPr>
+              <a:t>        : </a:t>
+            </a:r>
+            <a:r>
+              <a:rPr lang="ko-KR" altLang="en-US" sz="1200" dirty="0" err="1">
+                <a:latin typeface="DM Mono" panose="020B0509040201040103" pitchFamily="49" charset="0"/>
+              </a:rPr>
+              <a:t>age</a:t>
+            </a:r>
+            <a:r>
+              <a:rPr lang="ko-KR" altLang="en-US" sz="1200" dirty="0">
+                <a:latin typeface="DM Mono" panose="020B0509040201040103" pitchFamily="49" charset="0"/>
+              </a:rPr>
+              <a:t> { </a:t>
+            </a:r>
+            <a:r>
+              <a:rPr lang="ko-KR" altLang="en-US" sz="1200" dirty="0" err="1">
+                <a:latin typeface="DM Mono" panose="020B0509040201040103" pitchFamily="49" charset="0"/>
+              </a:rPr>
+              <a:t>n</a:t>
+            </a:r>
+            <a:r>
+              <a:rPr lang="ko-KR" altLang="en-US" sz="1200" dirty="0">
+                <a:latin typeface="DM Mono" panose="020B0509040201040103" pitchFamily="49" charset="0"/>
+              </a:rPr>
+              <a:t> }</a:t>
+            </a:r>
+          </a:p>
+          <a:p>
+            <a:r>
+              <a:rPr lang="ko-KR" altLang="en-US" sz="1200" dirty="0">
+                <a:latin typeface="DM Mono" panose="020B0509040201040103" pitchFamily="49" charset="0"/>
+              </a:rPr>
+              <a:t>    {</a:t>
+            </a:r>
+          </a:p>
+          <a:p>
+            <a:r>
+              <a:rPr lang="ko-KR" altLang="en-US" sz="1200" dirty="0">
+                <a:latin typeface="DM Mono" panose="020B0509040201040103" pitchFamily="49" charset="0"/>
+              </a:rPr>
+              <a:t>        </a:t>
+            </a:r>
+            <a:r>
+              <a:rPr lang="ko-KR" altLang="en-US" sz="1200" dirty="0" err="1">
+                <a:latin typeface="DM Mono" panose="020B0509040201040103" pitchFamily="49" charset="0"/>
+              </a:rPr>
+              <a:t>name</a:t>
+            </a:r>
+            <a:r>
+              <a:rPr lang="ko-KR" altLang="en-US" sz="1200" dirty="0">
+                <a:latin typeface="DM Mono" panose="020B0509040201040103" pitchFamily="49" charset="0"/>
+              </a:rPr>
+              <a:t> = </a:t>
+            </a:r>
+            <a:r>
+              <a:rPr lang="ko-KR" altLang="en-US" sz="1200" dirty="0" err="1">
+                <a:latin typeface="DM Mono" panose="020B0509040201040103" pitchFamily="49" charset="0"/>
+              </a:rPr>
+              <a:t>new</a:t>
+            </a:r>
+            <a:r>
+              <a:rPr lang="ko-KR" altLang="en-US" sz="1200" dirty="0">
+                <a:latin typeface="DM Mono" panose="020B0509040201040103" pitchFamily="49" charset="0"/>
+              </a:rPr>
+              <a:t> </a:t>
+            </a:r>
+            <a:r>
+              <a:rPr lang="ko-KR" altLang="en-US" sz="1200" dirty="0" err="1">
+                <a:latin typeface="DM Mono" panose="020B0509040201040103" pitchFamily="49" charset="0"/>
+              </a:rPr>
+              <a:t>char</a:t>
+            </a:r>
+            <a:r>
+              <a:rPr lang="ko-KR" altLang="en-US" sz="1200" dirty="0">
+                <a:latin typeface="DM Mono" panose="020B0509040201040103" pitchFamily="49" charset="0"/>
+              </a:rPr>
+              <a:t>[</a:t>
+            </a:r>
+            <a:r>
+              <a:rPr lang="ko-KR" altLang="en-US" sz="1200" dirty="0" err="1">
+                <a:latin typeface="DM Mono" panose="020B0509040201040103" pitchFamily="49" charset="0"/>
+              </a:rPr>
+              <a:t>strlen</a:t>
+            </a:r>
+            <a:r>
+              <a:rPr lang="ko-KR" altLang="en-US" sz="1200" dirty="0">
+                <a:latin typeface="DM Mono" panose="020B0509040201040103" pitchFamily="49" charset="0"/>
+              </a:rPr>
+              <a:t>(</a:t>
+            </a:r>
+            <a:r>
+              <a:rPr lang="ko-KR" altLang="en-US" sz="1200" dirty="0" err="1">
+                <a:latin typeface="DM Mono" panose="020B0509040201040103" pitchFamily="49" charset="0"/>
+              </a:rPr>
+              <a:t>s</a:t>
+            </a:r>
+            <a:r>
+              <a:rPr lang="ko-KR" altLang="en-US" sz="1200" dirty="0">
+                <a:latin typeface="DM Mono" panose="020B0509040201040103" pitchFamily="49" charset="0"/>
+              </a:rPr>
+              <a:t>) + 1];</a:t>
+            </a:r>
+          </a:p>
+          <a:p>
+            <a:r>
+              <a:rPr lang="ko-KR" altLang="en-US" sz="1200" dirty="0">
+                <a:latin typeface="DM Mono" panose="020B0509040201040103" pitchFamily="49" charset="0"/>
+              </a:rPr>
+              <a:t>        </a:t>
+            </a:r>
+            <a:r>
+              <a:rPr lang="ko-KR" altLang="en-US" sz="1200" dirty="0" err="1">
+                <a:latin typeface="DM Mono" panose="020B0509040201040103" pitchFamily="49" charset="0"/>
+              </a:rPr>
+              <a:t>strcpy</a:t>
+            </a:r>
+            <a:r>
+              <a:rPr lang="ko-KR" altLang="en-US" sz="1200" dirty="0">
+                <a:latin typeface="DM Mono" panose="020B0509040201040103" pitchFamily="49" charset="0"/>
+              </a:rPr>
+              <a:t>(</a:t>
+            </a:r>
+            <a:r>
+              <a:rPr lang="ko-KR" altLang="en-US" sz="1200" dirty="0" err="1">
+                <a:latin typeface="DM Mono" panose="020B0509040201040103" pitchFamily="49" charset="0"/>
+              </a:rPr>
+              <a:t>name</a:t>
+            </a:r>
+            <a:r>
+              <a:rPr lang="ko-KR" altLang="en-US" sz="1200" dirty="0">
+                <a:latin typeface="DM Mono" panose="020B0509040201040103" pitchFamily="49" charset="0"/>
+              </a:rPr>
+              <a:t>, </a:t>
+            </a:r>
+            <a:r>
+              <a:rPr lang="ko-KR" altLang="en-US" sz="1200" dirty="0" err="1">
+                <a:latin typeface="DM Mono" panose="020B0509040201040103" pitchFamily="49" charset="0"/>
+              </a:rPr>
+              <a:t>s</a:t>
+            </a:r>
+            <a:r>
+              <a:rPr lang="ko-KR" altLang="en-US" sz="1200" dirty="0">
+                <a:latin typeface="DM Mono" panose="020B0509040201040103" pitchFamily="49" charset="0"/>
+              </a:rPr>
+              <a:t>);</a:t>
+            </a:r>
+          </a:p>
+          <a:p>
+            <a:endParaRPr lang="ko-KR" altLang="en-US" sz="1200" dirty="0">
+              <a:latin typeface="DM Mono" panose="020B0509040201040103" pitchFamily="49" charset="0"/>
+            </a:endParaRPr>
+          </a:p>
+          <a:p>
+            <a:r>
+              <a:rPr lang="ko-KR" altLang="en-US" sz="1200" dirty="0">
+                <a:latin typeface="DM Mono" panose="020B0509040201040103" pitchFamily="49" charset="0"/>
+              </a:rPr>
+              <a:t>        </a:t>
+            </a:r>
+            <a:r>
+              <a:rPr lang="ko-KR" altLang="en-US" sz="1200" dirty="0" err="1">
+                <a:latin typeface="DM Mono" panose="020B0509040201040103" pitchFamily="49" charset="0"/>
+              </a:rPr>
+              <a:t>ref</a:t>
+            </a:r>
+            <a:r>
+              <a:rPr lang="ko-KR" altLang="en-US" sz="1200" dirty="0">
+                <a:latin typeface="DM Mono" panose="020B0509040201040103" pitchFamily="49" charset="0"/>
+              </a:rPr>
+              <a:t> = </a:t>
+            </a:r>
+            <a:r>
+              <a:rPr lang="ko-KR" altLang="en-US" sz="1200" dirty="0" err="1">
+                <a:latin typeface="DM Mono" panose="020B0509040201040103" pitchFamily="49" charset="0"/>
+              </a:rPr>
+              <a:t>new</a:t>
+            </a:r>
+            <a:r>
+              <a:rPr lang="ko-KR" altLang="en-US" sz="1200" dirty="0">
+                <a:latin typeface="DM Mono" panose="020B0509040201040103" pitchFamily="49" charset="0"/>
+              </a:rPr>
+              <a:t> </a:t>
+            </a:r>
+            <a:r>
+              <a:rPr lang="ko-KR" altLang="en-US" sz="1200" dirty="0" err="1">
+                <a:latin typeface="DM Mono" panose="020B0509040201040103" pitchFamily="49" charset="0"/>
+              </a:rPr>
+              <a:t>int</a:t>
+            </a:r>
+            <a:r>
+              <a:rPr lang="ko-KR" altLang="en-US" sz="1200" dirty="0">
+                <a:latin typeface="DM Mono" panose="020B0509040201040103" pitchFamily="49" charset="0"/>
+              </a:rPr>
+              <a:t> { 1 }; // !!</a:t>
+            </a:r>
+          </a:p>
+          <a:p>
+            <a:r>
+              <a:rPr lang="ko-KR" altLang="en-US" sz="1200" dirty="0">
+                <a:latin typeface="DM Mono" panose="020B0509040201040103" pitchFamily="49" charset="0"/>
+              </a:rPr>
+              <a:t>    }</a:t>
+            </a:r>
+          </a:p>
+        </p:txBody>
+      </p:sp>
     </p:spTree>
     <p:extLst>
       <p:ext uri="{BB962C8B-B14F-4D97-AF65-F5344CB8AC3E}">
@@ -17666,6 +17990,250 @@
           </a:fontRef>
         </p:style>
       </p:cxnSp>
+      <p:sp>
+        <p:nvSpPr>
+          <p:cNvPr id="24" name="TextBox 23">
+            <a:extLst>
+              <a:ext uri="{FF2B5EF4-FFF2-40B4-BE49-F238E27FC236}">
+                <a16:creationId xmlns:a16="http://schemas.microsoft.com/office/drawing/2014/main" id="{DD11A218-5003-ECFC-4D2D-2630A6FD6B12}"/>
+              </a:ext>
+            </a:extLst>
+          </p:cNvPr>
+          <p:cNvSpPr txBox="1"/>
+          <p:nvPr/>
+        </p:nvSpPr>
+        <p:spPr>
+          <a:xfrm>
+            <a:off x="298921" y="625036"/>
+            <a:ext cx="6096880" cy="1600438"/>
+          </a:xfrm>
+          <a:prstGeom prst="rect">
+            <a:avLst/>
+          </a:prstGeom>
+          <a:noFill/>
+        </p:spPr>
+        <p:txBody>
+          <a:bodyPr wrap="square">
+            <a:spAutoFit/>
+          </a:bodyPr>
+          <a:lstStyle/>
+          <a:p>
+            <a:r>
+              <a:rPr lang="ko-KR" altLang="en-US" sz="1400" dirty="0">
+                <a:latin typeface="DM Mono" panose="020B0509040201040103" pitchFamily="49" charset="0"/>
+              </a:rPr>
+              <a:t> </a:t>
+            </a:r>
+            <a:r>
+              <a:rPr lang="en-US" altLang="ko-KR" sz="1400" dirty="0">
+                <a:latin typeface="DM Mono" panose="020B0509040201040103" pitchFamily="49" charset="0"/>
+              </a:rPr>
+              <a:t>   </a:t>
+            </a:r>
+            <a:r>
+              <a:rPr lang="ko-KR" altLang="en-US" sz="1400" dirty="0" err="1">
+                <a:latin typeface="DM Mono" panose="020B0509040201040103" pitchFamily="49" charset="0"/>
+              </a:rPr>
+              <a:t>User</a:t>
+            </a:r>
+            <a:r>
+              <a:rPr lang="ko-KR" altLang="en-US" sz="1400" dirty="0">
+                <a:latin typeface="DM Mono" panose="020B0509040201040103" pitchFamily="49" charset="0"/>
+              </a:rPr>
+              <a:t>(</a:t>
+            </a:r>
+            <a:r>
+              <a:rPr lang="ko-KR" altLang="en-US" sz="1400" dirty="0" err="1">
+                <a:latin typeface="DM Mono" panose="020B0509040201040103" pitchFamily="49" charset="0"/>
+              </a:rPr>
+              <a:t>const</a:t>
+            </a:r>
+            <a:r>
+              <a:rPr lang="ko-KR" altLang="en-US" sz="1400" dirty="0">
+                <a:latin typeface="DM Mono" panose="020B0509040201040103" pitchFamily="49" charset="0"/>
+              </a:rPr>
+              <a:t> </a:t>
+            </a:r>
+            <a:r>
+              <a:rPr lang="ko-KR" altLang="en-US" sz="1400" dirty="0" err="1">
+                <a:latin typeface="DM Mono" panose="020B0509040201040103" pitchFamily="49" charset="0"/>
+              </a:rPr>
+              <a:t>User</a:t>
+            </a:r>
+            <a:r>
+              <a:rPr lang="ko-KR" altLang="en-US" sz="1400" dirty="0">
+                <a:latin typeface="DM Mono" panose="020B0509040201040103" pitchFamily="49" charset="0"/>
+              </a:rPr>
+              <a:t>&amp; </a:t>
+            </a:r>
+            <a:r>
+              <a:rPr lang="ko-KR" altLang="en-US" sz="1400" dirty="0" err="1">
+                <a:latin typeface="DM Mono" panose="020B0509040201040103" pitchFamily="49" charset="0"/>
+              </a:rPr>
+              <a:t>rhs</a:t>
+            </a:r>
+            <a:r>
+              <a:rPr lang="ko-KR" altLang="en-US" sz="1400" dirty="0">
+                <a:latin typeface="DM Mono" panose="020B0509040201040103" pitchFamily="49" charset="0"/>
+              </a:rPr>
+              <a:t>)</a:t>
+            </a:r>
+          </a:p>
+          <a:p>
+            <a:r>
+              <a:rPr lang="ko-KR" altLang="en-US" sz="1400" dirty="0">
+                <a:latin typeface="DM Mono" panose="020B0509040201040103" pitchFamily="49" charset="0"/>
+              </a:rPr>
+              <a:t>        : </a:t>
+            </a:r>
+            <a:r>
+              <a:rPr lang="ko-KR" altLang="en-US" sz="1400" dirty="0" err="1">
+                <a:latin typeface="DM Mono" panose="020B0509040201040103" pitchFamily="49" charset="0"/>
+              </a:rPr>
+              <a:t>name</a:t>
+            </a:r>
+            <a:r>
+              <a:rPr lang="ko-KR" altLang="en-US" sz="1400" dirty="0">
+                <a:latin typeface="DM Mono" panose="020B0509040201040103" pitchFamily="49" charset="0"/>
+              </a:rPr>
+              <a:t> { </a:t>
+            </a:r>
+            <a:r>
+              <a:rPr lang="ko-KR" altLang="en-US" sz="1400" dirty="0" err="1">
+                <a:latin typeface="DM Mono" panose="020B0509040201040103" pitchFamily="49" charset="0"/>
+              </a:rPr>
+              <a:t>rhs.name</a:t>
+            </a:r>
+            <a:r>
+              <a:rPr lang="ko-KR" altLang="en-US" sz="1400" dirty="0">
+                <a:latin typeface="DM Mono" panose="020B0509040201040103" pitchFamily="49" charset="0"/>
+              </a:rPr>
+              <a:t> }</a:t>
+            </a:r>
+          </a:p>
+          <a:p>
+            <a:r>
+              <a:rPr lang="ko-KR" altLang="en-US" sz="1400" dirty="0">
+                <a:latin typeface="DM Mono" panose="020B0509040201040103" pitchFamily="49" charset="0"/>
+              </a:rPr>
+              <a:t>        , </a:t>
+            </a:r>
+            <a:r>
+              <a:rPr lang="ko-KR" altLang="en-US" sz="1400" dirty="0" err="1">
+                <a:latin typeface="DM Mono" panose="020B0509040201040103" pitchFamily="49" charset="0"/>
+              </a:rPr>
+              <a:t>age</a:t>
+            </a:r>
+            <a:r>
+              <a:rPr lang="ko-KR" altLang="en-US" sz="1400" dirty="0">
+                <a:latin typeface="DM Mono" panose="020B0509040201040103" pitchFamily="49" charset="0"/>
+              </a:rPr>
+              <a:t> { </a:t>
+            </a:r>
+            <a:r>
+              <a:rPr lang="ko-KR" altLang="en-US" sz="1400" dirty="0" err="1">
+                <a:latin typeface="DM Mono" panose="020B0509040201040103" pitchFamily="49" charset="0"/>
+              </a:rPr>
+              <a:t>rhs.age</a:t>
+            </a:r>
+            <a:r>
+              <a:rPr lang="ko-KR" altLang="en-US" sz="1400" dirty="0">
+                <a:latin typeface="DM Mono" panose="020B0509040201040103" pitchFamily="49" charset="0"/>
+              </a:rPr>
+              <a:t> }</a:t>
+            </a:r>
+          </a:p>
+          <a:p>
+            <a:r>
+              <a:rPr lang="ko-KR" altLang="en-US" sz="1400" dirty="0">
+                <a:latin typeface="DM Mono" panose="020B0509040201040103" pitchFamily="49" charset="0"/>
+              </a:rPr>
+              <a:t>        , </a:t>
+            </a:r>
+            <a:r>
+              <a:rPr lang="ko-KR" altLang="en-US" sz="1400" dirty="0" err="1">
+                <a:latin typeface="DM Mono" panose="020B0509040201040103" pitchFamily="49" charset="0"/>
+              </a:rPr>
+              <a:t>ref</a:t>
+            </a:r>
+            <a:r>
+              <a:rPr lang="ko-KR" altLang="en-US" sz="1400" dirty="0">
+                <a:latin typeface="DM Mono" panose="020B0509040201040103" pitchFamily="49" charset="0"/>
+              </a:rPr>
+              <a:t> { </a:t>
+            </a:r>
+            <a:r>
+              <a:rPr lang="ko-KR" altLang="en-US" sz="1400" dirty="0" err="1">
+                <a:latin typeface="DM Mono" panose="020B0509040201040103" pitchFamily="49" charset="0"/>
+              </a:rPr>
+              <a:t>rhs.ref</a:t>
+            </a:r>
+            <a:r>
+              <a:rPr lang="ko-KR" altLang="en-US" sz="1400" dirty="0">
+                <a:latin typeface="DM Mono" panose="020B0509040201040103" pitchFamily="49" charset="0"/>
+              </a:rPr>
+              <a:t> }</a:t>
+            </a:r>
+          </a:p>
+          <a:p>
+            <a:r>
+              <a:rPr lang="ko-KR" altLang="en-US" sz="1400" dirty="0">
+                <a:latin typeface="DM Mono" panose="020B0509040201040103" pitchFamily="49" charset="0"/>
+              </a:rPr>
+              <a:t>    {</a:t>
+            </a:r>
+          </a:p>
+          <a:p>
+            <a:r>
+              <a:rPr lang="ko-KR" altLang="en-US" sz="1400" dirty="0">
+                <a:latin typeface="DM Mono" panose="020B0509040201040103" pitchFamily="49" charset="0"/>
+              </a:rPr>
+              <a:t>        </a:t>
+            </a:r>
+            <a:r>
+              <a:rPr lang="ko-KR" altLang="en-US" sz="1400" dirty="0">
+                <a:solidFill>
+                  <a:srgbClr val="FF0000"/>
+                </a:solidFill>
+                <a:latin typeface="DM Mono" panose="020B0509040201040103" pitchFamily="49" charset="0"/>
+              </a:rPr>
+              <a:t>++(*</a:t>
+            </a:r>
+            <a:r>
+              <a:rPr lang="ko-KR" altLang="en-US" sz="1400" dirty="0" err="1">
+                <a:solidFill>
+                  <a:srgbClr val="FF0000"/>
+                </a:solidFill>
+                <a:latin typeface="DM Mono" panose="020B0509040201040103" pitchFamily="49" charset="0"/>
+              </a:rPr>
+              <a:t>ref</a:t>
+            </a:r>
+            <a:r>
+              <a:rPr lang="ko-KR" altLang="en-US" sz="1400" dirty="0">
+                <a:solidFill>
+                  <a:srgbClr val="FF0000"/>
+                </a:solidFill>
+                <a:latin typeface="DM Mono" panose="020B0509040201040103" pitchFamily="49" charset="0"/>
+              </a:rPr>
+              <a:t>); </a:t>
+            </a:r>
+            <a:r>
+              <a:rPr lang="ko-KR" altLang="en-US" sz="1400" dirty="0">
+                <a:latin typeface="DM Mono" panose="020B0509040201040103" pitchFamily="49" charset="0"/>
+              </a:rPr>
+              <a:t>// !!!</a:t>
+            </a:r>
+          </a:p>
+          <a:p>
+            <a:r>
+              <a:rPr lang="ko-KR" altLang="en-US" sz="1400" dirty="0">
+                <a:latin typeface="DM Mono" panose="020B0509040201040103" pitchFamily="49" charset="0"/>
+              </a:rPr>
+              <a:t>    }</a:t>
+            </a:r>
+          </a:p>
+        </p:txBody>
+      </p:sp>
     </p:spTree>
     <p:extLst>
       <p:ext uri="{BB962C8B-B14F-4D97-AF65-F5344CB8AC3E}">
@@ -19156,6 +19724,250 @@
           </a:fontRef>
         </p:style>
       </p:cxnSp>
+      <p:sp>
+        <p:nvSpPr>
+          <p:cNvPr id="36" name="TextBox 35">
+            <a:extLst>
+              <a:ext uri="{FF2B5EF4-FFF2-40B4-BE49-F238E27FC236}">
+                <a16:creationId xmlns:a16="http://schemas.microsoft.com/office/drawing/2014/main" id="{AE344541-3373-EF8D-75A4-3C22BB281C2E}"/>
+              </a:ext>
+            </a:extLst>
+          </p:cNvPr>
+          <p:cNvSpPr txBox="1"/>
+          <p:nvPr/>
+        </p:nvSpPr>
+        <p:spPr>
+          <a:xfrm>
+            <a:off x="298921" y="625036"/>
+            <a:ext cx="6096880" cy="1600438"/>
+          </a:xfrm>
+          <a:prstGeom prst="rect">
+            <a:avLst/>
+          </a:prstGeom>
+          <a:noFill/>
+        </p:spPr>
+        <p:txBody>
+          <a:bodyPr wrap="square">
+            <a:spAutoFit/>
+          </a:bodyPr>
+          <a:lstStyle/>
+          <a:p>
+            <a:r>
+              <a:rPr lang="ko-KR" altLang="en-US" sz="1400" dirty="0">
+                <a:latin typeface="DM Mono" panose="020B0509040201040103" pitchFamily="49" charset="0"/>
+              </a:rPr>
+              <a:t> </a:t>
+            </a:r>
+            <a:r>
+              <a:rPr lang="en-US" altLang="ko-KR" sz="1400" dirty="0">
+                <a:latin typeface="DM Mono" panose="020B0509040201040103" pitchFamily="49" charset="0"/>
+              </a:rPr>
+              <a:t>   </a:t>
+            </a:r>
+            <a:r>
+              <a:rPr lang="ko-KR" altLang="en-US" sz="1400" dirty="0" err="1">
+                <a:latin typeface="DM Mono" panose="020B0509040201040103" pitchFamily="49" charset="0"/>
+              </a:rPr>
+              <a:t>User</a:t>
+            </a:r>
+            <a:r>
+              <a:rPr lang="ko-KR" altLang="en-US" sz="1400" dirty="0">
+                <a:latin typeface="DM Mono" panose="020B0509040201040103" pitchFamily="49" charset="0"/>
+              </a:rPr>
+              <a:t>(</a:t>
+            </a:r>
+            <a:r>
+              <a:rPr lang="ko-KR" altLang="en-US" sz="1400" dirty="0" err="1">
+                <a:latin typeface="DM Mono" panose="020B0509040201040103" pitchFamily="49" charset="0"/>
+              </a:rPr>
+              <a:t>const</a:t>
+            </a:r>
+            <a:r>
+              <a:rPr lang="ko-KR" altLang="en-US" sz="1400" dirty="0">
+                <a:latin typeface="DM Mono" panose="020B0509040201040103" pitchFamily="49" charset="0"/>
+              </a:rPr>
+              <a:t> </a:t>
+            </a:r>
+            <a:r>
+              <a:rPr lang="ko-KR" altLang="en-US" sz="1400" dirty="0" err="1">
+                <a:latin typeface="DM Mono" panose="020B0509040201040103" pitchFamily="49" charset="0"/>
+              </a:rPr>
+              <a:t>User</a:t>
+            </a:r>
+            <a:r>
+              <a:rPr lang="ko-KR" altLang="en-US" sz="1400" dirty="0">
+                <a:latin typeface="DM Mono" panose="020B0509040201040103" pitchFamily="49" charset="0"/>
+              </a:rPr>
+              <a:t>&amp; </a:t>
+            </a:r>
+            <a:r>
+              <a:rPr lang="ko-KR" altLang="en-US" sz="1400" dirty="0" err="1">
+                <a:latin typeface="DM Mono" panose="020B0509040201040103" pitchFamily="49" charset="0"/>
+              </a:rPr>
+              <a:t>rhs</a:t>
+            </a:r>
+            <a:r>
+              <a:rPr lang="ko-KR" altLang="en-US" sz="1400" dirty="0">
+                <a:latin typeface="DM Mono" panose="020B0509040201040103" pitchFamily="49" charset="0"/>
+              </a:rPr>
+              <a:t>)</a:t>
+            </a:r>
+          </a:p>
+          <a:p>
+            <a:r>
+              <a:rPr lang="ko-KR" altLang="en-US" sz="1400" dirty="0">
+                <a:latin typeface="DM Mono" panose="020B0509040201040103" pitchFamily="49" charset="0"/>
+              </a:rPr>
+              <a:t>        : </a:t>
+            </a:r>
+            <a:r>
+              <a:rPr lang="ko-KR" altLang="en-US" sz="1400" dirty="0" err="1">
+                <a:latin typeface="DM Mono" panose="020B0509040201040103" pitchFamily="49" charset="0"/>
+              </a:rPr>
+              <a:t>name</a:t>
+            </a:r>
+            <a:r>
+              <a:rPr lang="ko-KR" altLang="en-US" sz="1400" dirty="0">
+                <a:latin typeface="DM Mono" panose="020B0509040201040103" pitchFamily="49" charset="0"/>
+              </a:rPr>
+              <a:t> { </a:t>
+            </a:r>
+            <a:r>
+              <a:rPr lang="ko-KR" altLang="en-US" sz="1400" dirty="0" err="1">
+                <a:latin typeface="DM Mono" panose="020B0509040201040103" pitchFamily="49" charset="0"/>
+              </a:rPr>
+              <a:t>rhs.name</a:t>
+            </a:r>
+            <a:r>
+              <a:rPr lang="ko-KR" altLang="en-US" sz="1400" dirty="0">
+                <a:latin typeface="DM Mono" panose="020B0509040201040103" pitchFamily="49" charset="0"/>
+              </a:rPr>
+              <a:t> }</a:t>
+            </a:r>
+          </a:p>
+          <a:p>
+            <a:r>
+              <a:rPr lang="ko-KR" altLang="en-US" sz="1400" dirty="0">
+                <a:latin typeface="DM Mono" panose="020B0509040201040103" pitchFamily="49" charset="0"/>
+              </a:rPr>
+              <a:t>        , </a:t>
+            </a:r>
+            <a:r>
+              <a:rPr lang="ko-KR" altLang="en-US" sz="1400" dirty="0" err="1">
+                <a:latin typeface="DM Mono" panose="020B0509040201040103" pitchFamily="49" charset="0"/>
+              </a:rPr>
+              <a:t>age</a:t>
+            </a:r>
+            <a:r>
+              <a:rPr lang="ko-KR" altLang="en-US" sz="1400" dirty="0">
+                <a:latin typeface="DM Mono" panose="020B0509040201040103" pitchFamily="49" charset="0"/>
+              </a:rPr>
+              <a:t> { </a:t>
+            </a:r>
+            <a:r>
+              <a:rPr lang="ko-KR" altLang="en-US" sz="1400" dirty="0" err="1">
+                <a:latin typeface="DM Mono" panose="020B0509040201040103" pitchFamily="49" charset="0"/>
+              </a:rPr>
+              <a:t>rhs.age</a:t>
+            </a:r>
+            <a:r>
+              <a:rPr lang="ko-KR" altLang="en-US" sz="1400" dirty="0">
+                <a:latin typeface="DM Mono" panose="020B0509040201040103" pitchFamily="49" charset="0"/>
+              </a:rPr>
+              <a:t> }</a:t>
+            </a:r>
+          </a:p>
+          <a:p>
+            <a:r>
+              <a:rPr lang="ko-KR" altLang="en-US" sz="1400" dirty="0">
+                <a:latin typeface="DM Mono" panose="020B0509040201040103" pitchFamily="49" charset="0"/>
+              </a:rPr>
+              <a:t>        , </a:t>
+            </a:r>
+            <a:r>
+              <a:rPr lang="ko-KR" altLang="en-US" sz="1400" dirty="0" err="1">
+                <a:latin typeface="DM Mono" panose="020B0509040201040103" pitchFamily="49" charset="0"/>
+              </a:rPr>
+              <a:t>ref</a:t>
+            </a:r>
+            <a:r>
+              <a:rPr lang="ko-KR" altLang="en-US" sz="1400" dirty="0">
+                <a:latin typeface="DM Mono" panose="020B0509040201040103" pitchFamily="49" charset="0"/>
+              </a:rPr>
+              <a:t> { </a:t>
+            </a:r>
+            <a:r>
+              <a:rPr lang="ko-KR" altLang="en-US" sz="1400" dirty="0" err="1">
+                <a:latin typeface="DM Mono" panose="020B0509040201040103" pitchFamily="49" charset="0"/>
+              </a:rPr>
+              <a:t>rhs.ref</a:t>
+            </a:r>
+            <a:r>
+              <a:rPr lang="ko-KR" altLang="en-US" sz="1400" dirty="0">
+                <a:latin typeface="DM Mono" panose="020B0509040201040103" pitchFamily="49" charset="0"/>
+              </a:rPr>
+              <a:t> }</a:t>
+            </a:r>
+          </a:p>
+          <a:p>
+            <a:r>
+              <a:rPr lang="ko-KR" altLang="en-US" sz="1400" dirty="0">
+                <a:latin typeface="DM Mono" panose="020B0509040201040103" pitchFamily="49" charset="0"/>
+              </a:rPr>
+              <a:t>    {</a:t>
+            </a:r>
+          </a:p>
+          <a:p>
+            <a:r>
+              <a:rPr lang="ko-KR" altLang="en-US" sz="1400" dirty="0">
+                <a:latin typeface="DM Mono" panose="020B0509040201040103" pitchFamily="49" charset="0"/>
+              </a:rPr>
+              <a:t>        </a:t>
+            </a:r>
+            <a:r>
+              <a:rPr lang="ko-KR" altLang="en-US" sz="1400" dirty="0">
+                <a:solidFill>
+                  <a:srgbClr val="FF0000"/>
+                </a:solidFill>
+                <a:latin typeface="DM Mono" panose="020B0509040201040103" pitchFamily="49" charset="0"/>
+              </a:rPr>
+              <a:t>++(*</a:t>
+            </a:r>
+            <a:r>
+              <a:rPr lang="ko-KR" altLang="en-US" sz="1400" dirty="0" err="1">
+                <a:solidFill>
+                  <a:srgbClr val="FF0000"/>
+                </a:solidFill>
+                <a:latin typeface="DM Mono" panose="020B0509040201040103" pitchFamily="49" charset="0"/>
+              </a:rPr>
+              <a:t>ref</a:t>
+            </a:r>
+            <a:r>
+              <a:rPr lang="ko-KR" altLang="en-US" sz="1400" dirty="0">
+                <a:solidFill>
+                  <a:srgbClr val="FF0000"/>
+                </a:solidFill>
+                <a:latin typeface="DM Mono" panose="020B0509040201040103" pitchFamily="49" charset="0"/>
+              </a:rPr>
+              <a:t>); </a:t>
+            </a:r>
+            <a:r>
+              <a:rPr lang="ko-KR" altLang="en-US" sz="1400" dirty="0">
+                <a:latin typeface="DM Mono" panose="020B0509040201040103" pitchFamily="49" charset="0"/>
+              </a:rPr>
+              <a:t>// !!!</a:t>
+            </a:r>
+          </a:p>
+          <a:p>
+            <a:r>
+              <a:rPr lang="ko-KR" altLang="en-US" sz="1400" dirty="0">
+                <a:latin typeface="DM Mono" panose="020B0509040201040103" pitchFamily="49" charset="0"/>
+              </a:rPr>
+              <a:t>    }</a:t>
+            </a:r>
+          </a:p>
+        </p:txBody>
+      </p:sp>
     </p:spTree>
     <p:extLst>
       <p:ext uri="{BB962C8B-B14F-4D97-AF65-F5344CB8AC3E}">
@@ -20661,6 +21473,205 @@
           </a:fontRef>
         </p:style>
       </p:cxnSp>
+      <p:sp>
+        <p:nvSpPr>
+          <p:cNvPr id="32" name="TextBox 31">
+            <a:extLst>
+              <a:ext uri="{FF2B5EF4-FFF2-40B4-BE49-F238E27FC236}">
+                <a16:creationId xmlns:a16="http://schemas.microsoft.com/office/drawing/2014/main" id="{84170CBC-D672-1DB1-3832-5AE318240BCE}"/>
+              </a:ext>
+            </a:extLst>
+          </p:cNvPr>
+          <p:cNvSpPr txBox="1"/>
+          <p:nvPr/>
+        </p:nvSpPr>
+        <p:spPr>
+          <a:xfrm>
+            <a:off x="313910" y="651820"/>
+            <a:ext cx="6096880" cy="1600438"/>
+          </a:xfrm>
+          <a:prstGeom prst="rect">
+            <a:avLst/>
+          </a:prstGeom>
+          <a:noFill/>
+        </p:spPr>
+        <p:txBody>
+          <a:bodyPr wrap="square">
+            <a:spAutoFit/>
+          </a:bodyPr>
+          <a:lstStyle/>
+          <a:p>
+            <a:r>
+              <a:rPr lang="ko-KR" altLang="en-US" sz="1400" dirty="0">
+                <a:latin typeface="DM Mono" panose="020B0509040201040103" pitchFamily="49" charset="0"/>
+              </a:rPr>
+              <a:t> </a:t>
+            </a:r>
+            <a:r>
+              <a:rPr lang="en-US" altLang="ko-KR" sz="1400" dirty="0">
+                <a:latin typeface="DM Mono" panose="020B0509040201040103" pitchFamily="49" charset="0"/>
+              </a:rPr>
+              <a:t>   </a:t>
+            </a:r>
+            <a:r>
+              <a:rPr lang="ko-KR" altLang="en-US" sz="1400" dirty="0">
+                <a:latin typeface="DM Mono" panose="020B0509040201040103" pitchFamily="49" charset="0"/>
+              </a:rPr>
+              <a:t>~</a:t>
+            </a:r>
+            <a:r>
+              <a:rPr lang="ko-KR" altLang="en-US" sz="1400" dirty="0" err="1">
+                <a:latin typeface="DM Mono" panose="020B0509040201040103" pitchFamily="49" charset="0"/>
+              </a:rPr>
+              <a:t>User</a:t>
+            </a:r>
+            <a:r>
+              <a:rPr lang="ko-KR" altLang="en-US" sz="1400" dirty="0">
+                <a:latin typeface="DM Mono" panose="020B0509040201040103" pitchFamily="49" charset="0"/>
+              </a:rPr>
+              <a:t>()</a:t>
+            </a:r>
+          </a:p>
+          <a:p>
+            <a:r>
+              <a:rPr lang="ko-KR" altLang="en-US" sz="1400" dirty="0">
+                <a:latin typeface="DM Mono" panose="020B0509040201040103" pitchFamily="49" charset="0"/>
+              </a:rPr>
+              <a:t>    {</a:t>
+            </a:r>
+          </a:p>
+          <a:p>
+            <a:r>
+              <a:rPr lang="ko-KR" altLang="en-US" sz="1400" dirty="0">
+                <a:latin typeface="DM Mono" panose="020B0509040201040103" pitchFamily="49" charset="0"/>
+              </a:rPr>
+              <a:t>        </a:t>
+            </a:r>
+            <a:r>
+              <a:rPr lang="ko-KR" altLang="en-US" sz="1400" dirty="0" err="1">
+                <a:solidFill>
+                  <a:srgbClr val="FF0000"/>
+                </a:solidFill>
+                <a:latin typeface="DM Mono" panose="020B0509040201040103" pitchFamily="49" charset="0"/>
+              </a:rPr>
+              <a:t>if</a:t>
+            </a:r>
+            <a:r>
+              <a:rPr lang="ko-KR" altLang="en-US" sz="1400" dirty="0">
+                <a:solidFill>
+                  <a:srgbClr val="FF0000"/>
+                </a:solidFill>
+                <a:latin typeface="DM Mono" panose="020B0509040201040103" pitchFamily="49" charset="0"/>
+              </a:rPr>
+              <a:t> (--(*</a:t>
+            </a:r>
+            <a:r>
+              <a:rPr lang="ko-KR" altLang="en-US" sz="1400" dirty="0" err="1">
+                <a:solidFill>
+                  <a:srgbClr val="FF0000"/>
+                </a:solidFill>
+                <a:latin typeface="DM Mono" panose="020B0509040201040103" pitchFamily="49" charset="0"/>
+              </a:rPr>
+              <a:t>ref</a:t>
+            </a:r>
+            <a:r>
+              <a:rPr lang="ko-KR" altLang="en-US" sz="1400" dirty="0">
+                <a:solidFill>
+                  <a:srgbClr val="FF0000"/>
+                </a:solidFill>
+                <a:latin typeface="DM Mono" panose="020B0509040201040103" pitchFamily="49" charset="0"/>
+              </a:rPr>
+              <a:t>) == 0) </a:t>
+            </a:r>
+            <a:r>
+              <a:rPr lang="ko-KR" altLang="en-US" sz="1400" dirty="0">
+                <a:latin typeface="DM Mono" panose="020B0509040201040103" pitchFamily="49" charset="0"/>
+              </a:rPr>
+              <a:t>{</a:t>
+            </a:r>
+          </a:p>
+          <a:p>
+            <a:r>
+              <a:rPr lang="ko-KR" altLang="en-US" sz="1400" dirty="0">
+                <a:latin typeface="DM Mono" panose="020B0509040201040103" pitchFamily="49" charset="0"/>
+              </a:rPr>
+              <a:t>            </a:t>
+            </a:r>
+            <a:r>
+              <a:rPr lang="ko-KR" altLang="en-US" sz="1400" dirty="0" err="1">
+                <a:latin typeface="DM Mono" panose="020B0509040201040103" pitchFamily="49" charset="0"/>
+              </a:rPr>
+              <a:t>delete</a:t>
+            </a:r>
+            <a:r>
+              <a:rPr lang="ko-KR" altLang="en-US" sz="1400" dirty="0">
+                <a:latin typeface="DM Mono" panose="020B0509040201040103" pitchFamily="49" charset="0"/>
+              </a:rPr>
+              <a:t>[] </a:t>
+            </a:r>
+            <a:r>
+              <a:rPr lang="ko-KR" altLang="en-US" sz="1400" dirty="0" err="1">
+                <a:latin typeface="DM Mono" panose="020B0509040201040103" pitchFamily="49" charset="0"/>
+              </a:rPr>
+              <a:t>name</a:t>
+            </a:r>
+            <a:r>
+              <a:rPr lang="ko-KR" altLang="en-US" sz="1400" dirty="0">
+                <a:latin typeface="DM Mono" panose="020B0509040201040103" pitchFamily="49" charset="0"/>
+              </a:rPr>
+              <a:t>;</a:t>
+            </a:r>
+          </a:p>
+          <a:p>
+            <a:r>
+              <a:rPr lang="ko-KR" altLang="en-US" sz="1400" dirty="0">
+                <a:latin typeface="DM Mono" panose="020B0509040201040103" pitchFamily="49" charset="0"/>
+              </a:rPr>
+              <a:t>            </a:t>
+            </a:r>
+            <a:r>
+              <a:rPr lang="ko-KR" altLang="en-US" sz="1400" dirty="0" err="1">
+                <a:latin typeface="DM Mono" panose="020B0509040201040103" pitchFamily="49" charset="0"/>
+              </a:rPr>
+              <a:t>delete</a:t>
+            </a:r>
+            <a:r>
+              <a:rPr lang="ko-KR" altLang="en-US" sz="1400" dirty="0">
+                <a:latin typeface="DM Mono" panose="020B0509040201040103" pitchFamily="49" charset="0"/>
+              </a:rPr>
+              <a:t> </a:t>
+            </a:r>
+            <a:r>
+              <a:rPr lang="ko-KR" altLang="en-US" sz="1400" dirty="0" err="1">
+                <a:latin typeface="DM Mono" panose="020B0509040201040103" pitchFamily="49" charset="0"/>
+              </a:rPr>
+              <a:t>ref</a:t>
+            </a:r>
+            <a:r>
+              <a:rPr lang="ko-KR" altLang="en-US" sz="1400" dirty="0">
+                <a:latin typeface="DM Mono" panose="020B0509040201040103" pitchFamily="49" charset="0"/>
+              </a:rPr>
+              <a:t>;</a:t>
+            </a:r>
+          </a:p>
+          <a:p>
+            <a:r>
+              <a:rPr lang="ko-KR" altLang="en-US" sz="1400" dirty="0">
+                <a:latin typeface="DM Mono" panose="020B0509040201040103" pitchFamily="49" charset="0"/>
+              </a:rPr>
+              <a:t>        }</a:t>
+            </a:r>
+          </a:p>
+          <a:p>
+            <a:r>
+              <a:rPr lang="ko-KR" altLang="en-US" sz="1400" dirty="0">
+                <a:latin typeface="DM Mono" panose="020B0509040201040103" pitchFamily="49" charset="0"/>
+              </a:rPr>
+              <a:t>    }</a:t>
+            </a:r>
+          </a:p>
+        </p:txBody>
+      </p:sp>
     </p:spTree>
     <p:extLst>
       <p:ext uri="{BB962C8B-B14F-4D97-AF65-F5344CB8AC3E}">
@@ -21732,6 +22743,205 @@
           </a:fontRef>
         </p:style>
       </p:cxnSp>
+      <p:sp>
+        <p:nvSpPr>
+          <p:cNvPr id="31" name="TextBox 30">
+            <a:extLst>
+              <a:ext uri="{FF2B5EF4-FFF2-40B4-BE49-F238E27FC236}">
+                <a16:creationId xmlns:a16="http://schemas.microsoft.com/office/drawing/2014/main" id="{ADF2EA24-AC11-2411-3639-A2CCB628B998}"/>
+              </a:ext>
+            </a:extLst>
+          </p:cNvPr>
+          <p:cNvSpPr txBox="1"/>
+          <p:nvPr/>
+        </p:nvSpPr>
+        <p:spPr>
+          <a:xfrm>
+            <a:off x="313910" y="651820"/>
+            <a:ext cx="6096880" cy="1600438"/>
+          </a:xfrm>
+          <a:prstGeom prst="rect">
+            <a:avLst/>
+          </a:prstGeom>
+          <a:noFill/>
+        </p:spPr>
+        <p:txBody>
+          <a:bodyPr wrap="square">
+            <a:spAutoFit/>
+          </a:bodyPr>
+          <a:lstStyle/>
+          <a:p>
+            <a:r>
+              <a:rPr lang="ko-KR" altLang="en-US" sz="1400" dirty="0">
+                <a:latin typeface="DM Mono" panose="020B0509040201040103" pitchFamily="49" charset="0"/>
+              </a:rPr>
+              <a:t> </a:t>
+            </a:r>
+            <a:r>
+              <a:rPr lang="en-US" altLang="ko-KR" sz="1400" dirty="0">
+                <a:latin typeface="DM Mono" panose="020B0509040201040103" pitchFamily="49" charset="0"/>
+              </a:rPr>
+              <a:t>   </a:t>
+            </a:r>
+            <a:r>
+              <a:rPr lang="ko-KR" altLang="en-US" sz="1400" dirty="0">
+                <a:latin typeface="DM Mono" panose="020B0509040201040103" pitchFamily="49" charset="0"/>
+              </a:rPr>
+              <a:t>~</a:t>
+            </a:r>
+            <a:r>
+              <a:rPr lang="ko-KR" altLang="en-US" sz="1400" dirty="0" err="1">
+                <a:latin typeface="DM Mono" panose="020B0509040201040103" pitchFamily="49" charset="0"/>
+              </a:rPr>
+              <a:t>User</a:t>
+            </a:r>
+            <a:r>
+              <a:rPr lang="ko-KR" altLang="en-US" sz="1400" dirty="0">
+                <a:latin typeface="DM Mono" panose="020B0509040201040103" pitchFamily="49" charset="0"/>
+              </a:rPr>
+              <a:t>()</a:t>
+            </a:r>
+          </a:p>
+          <a:p>
+            <a:r>
+              <a:rPr lang="ko-KR" altLang="en-US" sz="1400" dirty="0">
+                <a:latin typeface="DM Mono" panose="020B0509040201040103" pitchFamily="49" charset="0"/>
+              </a:rPr>
+              <a:t>    {</a:t>
+            </a:r>
+          </a:p>
+          <a:p>
+            <a:r>
+              <a:rPr lang="ko-KR" altLang="en-US" sz="1400" dirty="0">
+                <a:latin typeface="DM Mono" panose="020B0509040201040103" pitchFamily="49" charset="0"/>
+              </a:rPr>
+              <a:t>        </a:t>
+            </a:r>
+            <a:r>
+              <a:rPr lang="ko-KR" altLang="en-US" sz="1400" dirty="0" err="1">
+                <a:solidFill>
+                  <a:srgbClr val="FF0000"/>
+                </a:solidFill>
+                <a:latin typeface="DM Mono" panose="020B0509040201040103" pitchFamily="49" charset="0"/>
+              </a:rPr>
+              <a:t>if</a:t>
+            </a:r>
+            <a:r>
+              <a:rPr lang="ko-KR" altLang="en-US" sz="1400" dirty="0">
+                <a:solidFill>
+                  <a:srgbClr val="FF0000"/>
+                </a:solidFill>
+                <a:latin typeface="DM Mono" panose="020B0509040201040103" pitchFamily="49" charset="0"/>
+              </a:rPr>
+              <a:t> (--(*</a:t>
+            </a:r>
+            <a:r>
+              <a:rPr lang="ko-KR" altLang="en-US" sz="1400" dirty="0" err="1">
+                <a:solidFill>
+                  <a:srgbClr val="FF0000"/>
+                </a:solidFill>
+                <a:latin typeface="DM Mono" panose="020B0509040201040103" pitchFamily="49" charset="0"/>
+              </a:rPr>
+              <a:t>ref</a:t>
+            </a:r>
+            <a:r>
+              <a:rPr lang="ko-KR" altLang="en-US" sz="1400" dirty="0">
+                <a:solidFill>
+                  <a:srgbClr val="FF0000"/>
+                </a:solidFill>
+                <a:latin typeface="DM Mono" panose="020B0509040201040103" pitchFamily="49" charset="0"/>
+              </a:rPr>
+              <a:t>) == 0) </a:t>
+            </a:r>
+            <a:r>
+              <a:rPr lang="ko-KR" altLang="en-US" sz="1400" dirty="0">
+                <a:latin typeface="DM Mono" panose="020B0509040201040103" pitchFamily="49" charset="0"/>
+              </a:rPr>
+              <a:t>{</a:t>
+            </a:r>
+          </a:p>
+          <a:p>
+            <a:r>
+              <a:rPr lang="ko-KR" altLang="en-US" sz="1400" dirty="0">
+                <a:latin typeface="DM Mono" panose="020B0509040201040103" pitchFamily="49" charset="0"/>
+              </a:rPr>
+              <a:t>            </a:t>
+            </a:r>
+            <a:r>
+              <a:rPr lang="ko-KR" altLang="en-US" sz="1400" dirty="0" err="1">
+                <a:latin typeface="DM Mono" panose="020B0509040201040103" pitchFamily="49" charset="0"/>
+              </a:rPr>
+              <a:t>delete</a:t>
+            </a:r>
+            <a:r>
+              <a:rPr lang="ko-KR" altLang="en-US" sz="1400" dirty="0">
+                <a:latin typeface="DM Mono" panose="020B0509040201040103" pitchFamily="49" charset="0"/>
+              </a:rPr>
+              <a:t>[] </a:t>
+            </a:r>
+            <a:r>
+              <a:rPr lang="ko-KR" altLang="en-US" sz="1400" dirty="0" err="1">
+                <a:latin typeface="DM Mono" panose="020B0509040201040103" pitchFamily="49" charset="0"/>
+              </a:rPr>
+              <a:t>name</a:t>
+            </a:r>
+            <a:r>
+              <a:rPr lang="ko-KR" altLang="en-US" sz="1400" dirty="0">
+                <a:latin typeface="DM Mono" panose="020B0509040201040103" pitchFamily="49" charset="0"/>
+              </a:rPr>
+              <a:t>;</a:t>
+            </a:r>
+          </a:p>
+          <a:p>
+            <a:r>
+              <a:rPr lang="ko-KR" altLang="en-US" sz="1400" dirty="0">
+                <a:latin typeface="DM Mono" panose="020B0509040201040103" pitchFamily="49" charset="0"/>
+              </a:rPr>
+              <a:t>            </a:t>
+            </a:r>
+            <a:r>
+              <a:rPr lang="ko-KR" altLang="en-US" sz="1400" dirty="0" err="1">
+                <a:latin typeface="DM Mono" panose="020B0509040201040103" pitchFamily="49" charset="0"/>
+              </a:rPr>
+              <a:t>delete</a:t>
+            </a:r>
+            <a:r>
+              <a:rPr lang="ko-KR" altLang="en-US" sz="1400" dirty="0">
+                <a:latin typeface="DM Mono" panose="020B0509040201040103" pitchFamily="49" charset="0"/>
+              </a:rPr>
+              <a:t> </a:t>
+            </a:r>
+            <a:r>
+              <a:rPr lang="ko-KR" altLang="en-US" sz="1400" dirty="0" err="1">
+                <a:latin typeface="DM Mono" panose="020B0509040201040103" pitchFamily="49" charset="0"/>
+              </a:rPr>
+              <a:t>ref</a:t>
+            </a:r>
+            <a:r>
+              <a:rPr lang="ko-KR" altLang="en-US" sz="1400" dirty="0">
+                <a:latin typeface="DM Mono" panose="020B0509040201040103" pitchFamily="49" charset="0"/>
+              </a:rPr>
+              <a:t>;</a:t>
+            </a:r>
+          </a:p>
+          <a:p>
+            <a:r>
+              <a:rPr lang="ko-KR" altLang="en-US" sz="1400" dirty="0">
+                <a:latin typeface="DM Mono" panose="020B0509040201040103" pitchFamily="49" charset="0"/>
+              </a:rPr>
+              <a:t>        }</a:t>
+            </a:r>
+          </a:p>
+          <a:p>
+            <a:r>
+              <a:rPr lang="ko-KR" altLang="en-US" sz="1400" dirty="0">
+                <a:latin typeface="DM Mono" panose="020B0509040201040103" pitchFamily="49" charset="0"/>
+              </a:rPr>
+              <a:t>    }</a:t>
+            </a:r>
+          </a:p>
+        </p:txBody>
+      </p:sp>
     </p:spTree>
     <p:extLst>
       <p:ext uri="{BB962C8B-B14F-4D97-AF65-F5344CB8AC3E}">
@@ -22383,6 +23593,232 @@
           </a:fontRef>
         </p:style>
       </p:cxnSp>
+      <p:sp>
+        <p:nvSpPr>
+          <p:cNvPr id="18" name="TextBox 17">
+            <a:extLst>
+              <a:ext uri="{FF2B5EF4-FFF2-40B4-BE49-F238E27FC236}">
+                <a16:creationId xmlns:a16="http://schemas.microsoft.com/office/drawing/2014/main" id="{6A1675CF-08DA-6276-7B41-331FBA1A3BC3}"/>
+              </a:ext>
+            </a:extLst>
+          </p:cNvPr>
+          <p:cNvSpPr txBox="1"/>
+          <p:nvPr/>
+        </p:nvSpPr>
+        <p:spPr>
+          <a:xfrm>
+            <a:off x="313910" y="651820"/>
+            <a:ext cx="6096880" cy="1600438"/>
+          </a:xfrm>
+          <a:prstGeom prst="rect">
+            <a:avLst/>
+          </a:prstGeom>
+          <a:noFill/>
+        </p:spPr>
+        <p:txBody>
+          <a:bodyPr wrap="square">
+            <a:spAutoFit/>
+          </a:bodyPr>
+          <a:lstStyle/>
+          <a:p>
+            <a:r>
+              <a:rPr lang="ko-KR" altLang="en-US" sz="1400" dirty="0">
+                <a:latin typeface="DM Mono" panose="020B0509040201040103" pitchFamily="49" charset="0"/>
+              </a:rPr>
+              <a:t> </a:t>
+            </a:r>
+            <a:r>
+              <a:rPr lang="en-US" altLang="ko-KR" sz="1400" dirty="0">
+                <a:latin typeface="DM Mono" panose="020B0509040201040103" pitchFamily="49" charset="0"/>
+              </a:rPr>
+              <a:t>   </a:t>
+            </a:r>
+            <a:r>
+              <a:rPr lang="ko-KR" altLang="en-US" sz="1400" dirty="0">
+                <a:latin typeface="DM Mono" panose="020B0509040201040103" pitchFamily="49" charset="0"/>
+              </a:rPr>
+              <a:t>~</a:t>
+            </a:r>
+            <a:r>
+              <a:rPr lang="ko-KR" altLang="en-US" sz="1400" dirty="0" err="1">
+                <a:latin typeface="DM Mono" panose="020B0509040201040103" pitchFamily="49" charset="0"/>
+              </a:rPr>
+              <a:t>User</a:t>
+            </a:r>
+            <a:r>
+              <a:rPr lang="ko-KR" altLang="en-US" sz="1400" dirty="0">
+                <a:latin typeface="DM Mono" panose="020B0509040201040103" pitchFamily="49" charset="0"/>
+              </a:rPr>
+              <a:t>()</a:t>
+            </a:r>
+          </a:p>
+          <a:p>
+            <a:r>
+              <a:rPr lang="ko-KR" altLang="en-US" sz="1400" dirty="0">
+                <a:latin typeface="DM Mono" panose="020B0509040201040103" pitchFamily="49" charset="0"/>
+              </a:rPr>
+              <a:t>    {</a:t>
+            </a:r>
+          </a:p>
+          <a:p>
+            <a:r>
+              <a:rPr lang="ko-KR" altLang="en-US" sz="1400" dirty="0">
+                <a:latin typeface="DM Mono" panose="020B0509040201040103" pitchFamily="49" charset="0"/>
+              </a:rPr>
+              <a:t>        </a:t>
+            </a:r>
+            <a:r>
+              <a:rPr lang="ko-KR" altLang="en-US" sz="1400" dirty="0" err="1">
+                <a:solidFill>
+                  <a:srgbClr val="FF0000"/>
+                </a:solidFill>
+                <a:latin typeface="DM Mono" panose="020B0509040201040103" pitchFamily="49" charset="0"/>
+              </a:rPr>
+              <a:t>if</a:t>
+            </a:r>
+            <a:r>
+              <a:rPr lang="ko-KR" altLang="en-US" sz="1400" dirty="0">
+                <a:solidFill>
+                  <a:srgbClr val="FF0000"/>
+                </a:solidFill>
+                <a:latin typeface="DM Mono" panose="020B0509040201040103" pitchFamily="49" charset="0"/>
+              </a:rPr>
+              <a:t> (--(*</a:t>
+            </a:r>
+            <a:r>
+              <a:rPr lang="ko-KR" altLang="en-US" sz="1400" dirty="0" err="1">
+                <a:solidFill>
+                  <a:srgbClr val="FF0000"/>
+                </a:solidFill>
+                <a:latin typeface="DM Mono" panose="020B0509040201040103" pitchFamily="49" charset="0"/>
+              </a:rPr>
+              <a:t>ref</a:t>
+            </a:r>
+            <a:r>
+              <a:rPr lang="ko-KR" altLang="en-US" sz="1400" dirty="0">
+                <a:solidFill>
+                  <a:srgbClr val="FF0000"/>
+                </a:solidFill>
+                <a:latin typeface="DM Mono" panose="020B0509040201040103" pitchFamily="49" charset="0"/>
+              </a:rPr>
+              <a:t>) == 0) {</a:t>
+            </a:r>
+          </a:p>
+          <a:p>
+            <a:r>
+              <a:rPr lang="ko-KR" altLang="en-US" sz="1400" dirty="0">
+                <a:solidFill>
+                  <a:srgbClr val="FF0000"/>
+                </a:solidFill>
+                <a:latin typeface="DM Mono" panose="020B0509040201040103" pitchFamily="49" charset="0"/>
+              </a:rPr>
+              <a:t>            </a:t>
+            </a:r>
+            <a:r>
+              <a:rPr lang="ko-KR" altLang="en-US" sz="1400" dirty="0" err="1">
+                <a:solidFill>
+                  <a:srgbClr val="FF0000"/>
+                </a:solidFill>
+                <a:latin typeface="DM Mono" panose="020B0509040201040103" pitchFamily="49" charset="0"/>
+              </a:rPr>
+              <a:t>delete</a:t>
+            </a:r>
+            <a:r>
+              <a:rPr lang="ko-KR" altLang="en-US" sz="1400" dirty="0">
+                <a:solidFill>
+                  <a:srgbClr val="FF0000"/>
+                </a:solidFill>
+                <a:latin typeface="DM Mono" panose="020B0509040201040103" pitchFamily="49" charset="0"/>
+              </a:rPr>
+              <a:t>[] </a:t>
+            </a:r>
+            <a:r>
+              <a:rPr lang="ko-KR" altLang="en-US" sz="1400" dirty="0" err="1">
+                <a:solidFill>
+                  <a:srgbClr val="FF0000"/>
+                </a:solidFill>
+                <a:latin typeface="DM Mono" panose="020B0509040201040103" pitchFamily="49" charset="0"/>
+              </a:rPr>
+              <a:t>name</a:t>
+            </a:r>
+            <a:r>
+              <a:rPr lang="ko-KR" altLang="en-US" sz="1400" dirty="0">
+                <a:solidFill>
+                  <a:srgbClr val="FF0000"/>
+                </a:solidFill>
+                <a:latin typeface="DM Mono" panose="020B0509040201040103" pitchFamily="49" charset="0"/>
+              </a:rPr>
+              <a:t>;</a:t>
+            </a:r>
+          </a:p>
+          <a:p>
+            <a:r>
+              <a:rPr lang="ko-KR" altLang="en-US" sz="1400" dirty="0">
+                <a:solidFill>
+                  <a:srgbClr val="FF0000"/>
+                </a:solidFill>
+                <a:latin typeface="DM Mono" panose="020B0509040201040103" pitchFamily="49" charset="0"/>
+              </a:rPr>
+              <a:t>            </a:t>
+            </a:r>
+            <a:r>
+              <a:rPr lang="ko-KR" altLang="en-US" sz="1400" dirty="0" err="1">
+                <a:solidFill>
+                  <a:srgbClr val="FF0000"/>
+                </a:solidFill>
+                <a:latin typeface="DM Mono" panose="020B0509040201040103" pitchFamily="49" charset="0"/>
+              </a:rPr>
+              <a:t>delete</a:t>
+            </a:r>
+            <a:r>
+              <a:rPr lang="ko-KR" altLang="en-US" sz="1400" dirty="0">
+                <a:solidFill>
+                  <a:srgbClr val="FF0000"/>
+                </a:solidFill>
+                <a:latin typeface="DM Mono" panose="020B0509040201040103" pitchFamily="49" charset="0"/>
+              </a:rPr>
+              <a:t> </a:t>
+            </a:r>
+            <a:r>
+              <a:rPr lang="ko-KR" altLang="en-US" sz="1400" dirty="0" err="1">
+                <a:solidFill>
+                  <a:srgbClr val="FF0000"/>
+                </a:solidFill>
+                <a:latin typeface="DM Mono" panose="020B0509040201040103" pitchFamily="49" charset="0"/>
+              </a:rPr>
+              <a:t>ref</a:t>
+            </a:r>
+            <a:r>
+              <a:rPr lang="ko-KR" altLang="en-US" sz="1400" dirty="0">
+                <a:solidFill>
+                  <a:srgbClr val="FF0000"/>
+                </a:solidFill>
+                <a:latin typeface="DM Mono" panose="020B0509040201040103" pitchFamily="49" charset="0"/>
+              </a:rPr>
+              <a:t>;</a:t>
+            </a:r>
+          </a:p>
+          <a:p>
+            <a:r>
+              <a:rPr lang="ko-KR" altLang="en-US" sz="1400" dirty="0">
+                <a:solidFill>
+                  <a:srgbClr val="FF0000"/>
+                </a:solidFill>
+                <a:latin typeface="DM Mono" panose="020B0509040201040103" pitchFamily="49" charset="0"/>
+              </a:rPr>
+              <a:t>        }</a:t>
+            </a:r>
+          </a:p>
+          <a:p>
+            <a:r>
+              <a:rPr lang="ko-KR" altLang="en-US" sz="1400" dirty="0">
+                <a:latin typeface="DM Mono" panose="020B0509040201040103" pitchFamily="49" charset="0"/>
+              </a:rPr>
+              <a:t>    }</a:t>
+            </a:r>
+          </a:p>
+        </p:txBody>
+      </p:sp>
     </p:spTree>
     <p:extLst>
       <p:ext uri="{BB962C8B-B14F-4D97-AF65-F5344CB8AC3E}">

--- a/cpp_231023.pptx
+++ b/cpp_231023.pptx
@@ -5,7 +5,7 @@
     <p:sldMasterId id="2147483648" r:id="rId1"/>
   </p:sldMasterIdLst>
   <p:notesMasterIdLst>
-    <p:notesMasterId r:id="rId26"/>
+    <p:notesMasterId r:id="rId28"/>
   </p:notesMasterIdLst>
   <p:sldIdLst>
     <p:sldId id="256" r:id="rId2"/>
@@ -32,6 +32,8 @@
     <p:sldId id="278" r:id="rId23"/>
     <p:sldId id="279" r:id="rId24"/>
     <p:sldId id="280" r:id="rId25"/>
+    <p:sldId id="281" r:id="rId26"/>
+    <p:sldId id="282" r:id="rId27"/>
   </p:sldIdLst>
   <p:sldSz cx="12192000" cy="6858000"/>
   <p:notesSz cx="6858000" cy="9144000"/>
@@ -23823,6 +23825,711 @@
     <p:extLst>
       <p:ext uri="{BB962C8B-B14F-4D97-AF65-F5344CB8AC3E}">
         <p14:creationId xmlns:p14="http://schemas.microsoft.com/office/powerpoint/2010/main" val="1781733571"/>
+      </p:ext>
+    </p:extLst>
+  </p:cSld>
+  <p:clrMapOvr>
+    <a:masterClrMapping/>
+  </p:clrMapOvr>
+</p:sld>
+</file>
+
+<file path=ppt/slides/slide25.xml><?xml version="1.0" encoding="utf-8"?>
+<p:sld xmlns:a="http://schemas.openxmlformats.org/drawingml/2006/main" xmlns:r="http://schemas.openxmlformats.org/officeDocument/2006/relationships" xmlns:p="http://schemas.openxmlformats.org/presentationml/2006/main">
+  <p:cSld>
+    <p:spTree>
+      <p:nvGrpSpPr>
+        <p:cNvPr id="1" name=""/>
+        <p:cNvGrpSpPr/>
+        <p:nvPr/>
+      </p:nvGrpSpPr>
+      <p:grpSpPr>
+        <a:xfrm>
+          <a:off x="0" y="0"/>
+          <a:ext cx="0" cy="0"/>
+          <a:chOff x="0" y="0"/>
+          <a:chExt cx="0" cy="0"/>
+        </a:xfrm>
+      </p:grpSpPr>
+    </p:spTree>
+    <p:extLst>
+      <p:ext uri="{BB962C8B-B14F-4D97-AF65-F5344CB8AC3E}">
+        <p14:creationId xmlns:p14="http://schemas.microsoft.com/office/powerpoint/2010/main" val="4109859759"/>
+      </p:ext>
+    </p:extLst>
+  </p:cSld>
+  <p:clrMapOvr>
+    <a:masterClrMapping/>
+  </p:clrMapOvr>
+</p:sld>
+</file>
+
+<file path=ppt/slides/slide26.xml><?xml version="1.0" encoding="utf-8"?>
+<p:sld xmlns:a="http://schemas.openxmlformats.org/drawingml/2006/main" xmlns:r="http://schemas.openxmlformats.org/officeDocument/2006/relationships" xmlns:p="http://schemas.openxmlformats.org/presentationml/2006/main">
+  <p:cSld>
+    <p:spTree>
+      <p:nvGrpSpPr>
+        <p:cNvPr id="1" name=""/>
+        <p:cNvGrpSpPr/>
+        <p:nvPr/>
+      </p:nvGrpSpPr>
+      <p:grpSpPr>
+        <a:xfrm>
+          <a:off x="0" y="0"/>
+          <a:ext cx="0" cy="0"/>
+          <a:chOff x="0" y="0"/>
+          <a:chExt cx="0" cy="0"/>
+        </a:xfrm>
+      </p:grpSpPr>
+      <p:sp>
+        <p:nvSpPr>
+          <p:cNvPr id="6" name="직사각형 5">
+            <a:extLst>
+              <a:ext uri="{FF2B5EF4-FFF2-40B4-BE49-F238E27FC236}">
+                <a16:creationId xmlns:a16="http://schemas.microsoft.com/office/drawing/2014/main" id="{908EB3C3-304F-7045-6EB1-59391145DD48}"/>
+              </a:ext>
+            </a:extLst>
+          </p:cNvPr>
+          <p:cNvSpPr/>
+          <p:nvPr/>
+        </p:nvSpPr>
+        <p:spPr>
+          <a:xfrm>
+            <a:off x="7090345" y="964235"/>
+            <a:ext cx="894414" cy="489811"/>
+          </a:xfrm>
+          <a:prstGeom prst="rect">
+            <a:avLst/>
+          </a:prstGeom>
+          <a:solidFill>
+            <a:srgbClr val="FFFF00"/>
+          </a:solidFill>
+        </p:spPr>
+        <p:style>
+          <a:lnRef idx="2">
+            <a:schemeClr val="accent1">
+              <a:shade val="15000"/>
+            </a:schemeClr>
+          </a:lnRef>
+          <a:fillRef idx="1">
+            <a:schemeClr val="accent1"/>
+          </a:fillRef>
+          <a:effectRef idx="0">
+            <a:schemeClr val="accent1"/>
+          </a:effectRef>
+          <a:fontRef idx="minor">
+            <a:schemeClr val="lt1"/>
+          </a:fontRef>
+        </p:style>
+        <p:txBody>
+          <a:bodyPr rtlCol="0" anchor="ctr"/>
+          <a:lstStyle/>
+          <a:p>
+            <a:pPr algn="ctr"/>
+            <a:r>
+              <a:rPr kumimoji="1" lang="en-US" altLang="ko-KR" sz="1200" dirty="0" err="1">
+                <a:solidFill>
+                  <a:srgbClr val="FF0000"/>
+                </a:solidFill>
+                <a:latin typeface="DM Mono" panose="020B0509040201040103" pitchFamily="49" charset="0"/>
+              </a:rPr>
+              <a:t>nullptr</a:t>
+            </a:r>
+            <a:endParaRPr kumimoji="1" lang="ko-KR" altLang="en-US" sz="1200" dirty="0">
+              <a:solidFill>
+                <a:srgbClr val="FF0000"/>
+              </a:solidFill>
+              <a:latin typeface="DM Mono" panose="020B0509040201040103" pitchFamily="49" charset="0"/>
+            </a:endParaRPr>
+          </a:p>
+        </p:txBody>
+      </p:sp>
+      <p:sp>
+        <p:nvSpPr>
+          <p:cNvPr id="7" name="직사각형 6">
+            <a:extLst>
+              <a:ext uri="{FF2B5EF4-FFF2-40B4-BE49-F238E27FC236}">
+                <a16:creationId xmlns:a16="http://schemas.microsoft.com/office/drawing/2014/main" id="{E95E48C3-88B7-8F38-7EEF-3CBBDC599471}"/>
+              </a:ext>
+            </a:extLst>
+          </p:cNvPr>
+          <p:cNvSpPr/>
+          <p:nvPr/>
+        </p:nvSpPr>
+        <p:spPr>
+          <a:xfrm>
+            <a:off x="7090345" y="1454046"/>
+            <a:ext cx="894414" cy="489811"/>
+          </a:xfrm>
+          <a:prstGeom prst="rect">
+            <a:avLst/>
+          </a:prstGeom>
+          <a:solidFill>
+            <a:srgbClr val="FFFF00"/>
+          </a:solidFill>
+        </p:spPr>
+        <p:style>
+          <a:lnRef idx="2">
+            <a:schemeClr val="accent1">
+              <a:shade val="15000"/>
+            </a:schemeClr>
+          </a:lnRef>
+          <a:fillRef idx="1">
+            <a:schemeClr val="accent1"/>
+          </a:fillRef>
+          <a:effectRef idx="0">
+            <a:schemeClr val="accent1"/>
+          </a:effectRef>
+          <a:fontRef idx="minor">
+            <a:schemeClr val="lt1"/>
+          </a:fontRef>
+        </p:style>
+        <p:txBody>
+          <a:bodyPr rtlCol="0" anchor="ctr"/>
+          <a:lstStyle/>
+          <a:p>
+            <a:pPr algn="ctr"/>
+            <a:r>
+              <a:rPr kumimoji="1" lang="en-US" altLang="ko-KR" sz="1200" dirty="0">
+                <a:solidFill>
+                  <a:schemeClr val="tx1"/>
+                </a:solidFill>
+                <a:latin typeface="DM Mono" panose="020B0509040201040103" pitchFamily="49" charset="0"/>
+              </a:rPr>
+              <a:t>42</a:t>
+            </a:r>
+            <a:endParaRPr kumimoji="1" lang="ko-KR" altLang="en-US" sz="1200" dirty="0">
+              <a:solidFill>
+                <a:schemeClr val="tx1"/>
+              </a:solidFill>
+              <a:latin typeface="DM Mono" panose="020B0509040201040103" pitchFamily="49" charset="0"/>
+            </a:endParaRPr>
+          </a:p>
+        </p:txBody>
+      </p:sp>
+      <p:sp>
+        <p:nvSpPr>
+          <p:cNvPr id="8" name="TextBox 7">
+            <a:extLst>
+              <a:ext uri="{FF2B5EF4-FFF2-40B4-BE49-F238E27FC236}">
+                <a16:creationId xmlns:a16="http://schemas.microsoft.com/office/drawing/2014/main" id="{7AA979D8-4780-5226-CBC4-ED682085048C}"/>
+              </a:ext>
+            </a:extLst>
+          </p:cNvPr>
+          <p:cNvSpPr txBox="1"/>
+          <p:nvPr/>
+        </p:nvSpPr>
+        <p:spPr>
+          <a:xfrm>
+            <a:off x="6985790" y="650820"/>
+            <a:ext cx="998969" cy="276999"/>
+          </a:xfrm>
+          <a:prstGeom prst="rect">
+            <a:avLst/>
+          </a:prstGeom>
+          <a:noFill/>
+        </p:spPr>
+        <p:txBody>
+          <a:bodyPr wrap="square">
+            <a:spAutoFit/>
+          </a:bodyPr>
+          <a:lstStyle/>
+          <a:p>
+            <a:pPr algn="ctr"/>
+            <a:r>
+              <a:rPr lang="en-US" altLang="ko-KR" sz="1200" dirty="0">
+                <a:latin typeface="DM Mono" panose="020B0509040201040103" pitchFamily="49" charset="0"/>
+              </a:rPr>
+              <a:t>user</a:t>
+            </a:r>
+            <a:endParaRPr lang="ko-KR" altLang="en-US" sz="1200" dirty="0">
+              <a:latin typeface="DM Mono" panose="020B0509040201040103" pitchFamily="49" charset="0"/>
+            </a:endParaRPr>
+          </a:p>
+        </p:txBody>
+      </p:sp>
+      <p:sp>
+        <p:nvSpPr>
+          <p:cNvPr id="9" name="TextBox 8">
+            <a:extLst>
+              <a:ext uri="{FF2B5EF4-FFF2-40B4-BE49-F238E27FC236}">
+                <a16:creationId xmlns:a16="http://schemas.microsoft.com/office/drawing/2014/main" id="{B1640A79-F7FC-C373-A32D-AFD724A2FE6F}"/>
+              </a:ext>
+            </a:extLst>
+          </p:cNvPr>
+          <p:cNvSpPr txBox="1"/>
+          <p:nvPr/>
+        </p:nvSpPr>
+        <p:spPr>
+          <a:xfrm>
+            <a:off x="6395801" y="1071984"/>
+            <a:ext cx="694544" cy="276999"/>
+          </a:xfrm>
+          <a:prstGeom prst="rect">
+            <a:avLst/>
+          </a:prstGeom>
+          <a:noFill/>
+        </p:spPr>
+        <p:txBody>
+          <a:bodyPr wrap="square">
+            <a:spAutoFit/>
+          </a:bodyPr>
+          <a:lstStyle/>
+          <a:p>
+            <a:pPr algn="r"/>
+            <a:r>
+              <a:rPr lang="en-US" altLang="ko-KR" sz="1200" dirty="0">
+                <a:latin typeface="DM Mono" panose="020B0509040201040103" pitchFamily="49" charset="0"/>
+              </a:rPr>
+              <a:t>name</a:t>
+            </a:r>
+            <a:endParaRPr lang="ko-KR" altLang="en-US" sz="1200" dirty="0">
+              <a:latin typeface="DM Mono" panose="020B0509040201040103" pitchFamily="49" charset="0"/>
+            </a:endParaRPr>
+          </a:p>
+        </p:txBody>
+      </p:sp>
+      <p:sp>
+        <p:nvSpPr>
+          <p:cNvPr id="10" name="TextBox 9">
+            <a:extLst>
+              <a:ext uri="{FF2B5EF4-FFF2-40B4-BE49-F238E27FC236}">
+                <a16:creationId xmlns:a16="http://schemas.microsoft.com/office/drawing/2014/main" id="{0A22048C-68EA-0BAD-6262-34D7A386611A}"/>
+              </a:ext>
+            </a:extLst>
+          </p:cNvPr>
+          <p:cNvSpPr txBox="1"/>
+          <p:nvPr/>
+        </p:nvSpPr>
+        <p:spPr>
+          <a:xfrm>
+            <a:off x="6395801" y="1559109"/>
+            <a:ext cx="694544" cy="276999"/>
+          </a:xfrm>
+          <a:prstGeom prst="rect">
+            <a:avLst/>
+          </a:prstGeom>
+          <a:noFill/>
+        </p:spPr>
+        <p:txBody>
+          <a:bodyPr wrap="square">
+            <a:spAutoFit/>
+          </a:bodyPr>
+          <a:lstStyle/>
+          <a:p>
+            <a:pPr algn="r"/>
+            <a:r>
+              <a:rPr lang="en-US" altLang="ko-KR" sz="1200" dirty="0">
+                <a:latin typeface="DM Mono" panose="020B0509040201040103" pitchFamily="49" charset="0"/>
+              </a:rPr>
+              <a:t>age</a:t>
+            </a:r>
+            <a:endParaRPr lang="ko-KR" altLang="en-US" sz="1200" dirty="0">
+              <a:latin typeface="DM Mono" panose="020B0509040201040103" pitchFamily="49" charset="0"/>
+            </a:endParaRPr>
+          </a:p>
+        </p:txBody>
+      </p:sp>
+      <p:sp>
+        <p:nvSpPr>
+          <p:cNvPr id="11" name="직사각형 10">
+            <a:extLst>
+              <a:ext uri="{FF2B5EF4-FFF2-40B4-BE49-F238E27FC236}">
+                <a16:creationId xmlns:a16="http://schemas.microsoft.com/office/drawing/2014/main" id="{B06002E1-7E0A-48FF-0039-C129E25527D5}"/>
+              </a:ext>
+            </a:extLst>
+          </p:cNvPr>
+          <p:cNvSpPr/>
+          <p:nvPr/>
+        </p:nvSpPr>
+        <p:spPr>
+          <a:xfrm>
+            <a:off x="10185812" y="479646"/>
+            <a:ext cx="1441557" cy="329823"/>
+          </a:xfrm>
+          <a:prstGeom prst="rect">
+            <a:avLst/>
+          </a:prstGeom>
+          <a:solidFill>
+            <a:srgbClr val="FFFF00"/>
+          </a:solidFill>
+        </p:spPr>
+        <p:style>
+          <a:lnRef idx="2">
+            <a:schemeClr val="accent1">
+              <a:shade val="15000"/>
+            </a:schemeClr>
+          </a:lnRef>
+          <a:fillRef idx="1">
+            <a:schemeClr val="accent1"/>
+          </a:fillRef>
+          <a:effectRef idx="0">
+            <a:schemeClr val="accent1"/>
+          </a:effectRef>
+          <a:fontRef idx="minor">
+            <a:schemeClr val="lt1"/>
+          </a:fontRef>
+        </p:style>
+        <p:txBody>
+          <a:bodyPr rtlCol="0" anchor="ctr"/>
+          <a:lstStyle/>
+          <a:p>
+            <a:pPr algn="ctr"/>
+            <a:r>
+              <a:rPr kumimoji="1" lang="en-US" altLang="ko-KR" sz="1200" dirty="0">
+                <a:solidFill>
+                  <a:schemeClr val="tx1"/>
+                </a:solidFill>
+                <a:latin typeface="DM Mono" panose="020B0509040201040103" pitchFamily="49" charset="0"/>
+              </a:rPr>
+              <a:t>“Tom”</a:t>
+            </a:r>
+            <a:endParaRPr kumimoji="1" lang="ko-KR" altLang="en-US" sz="1200" dirty="0">
+              <a:solidFill>
+                <a:schemeClr val="tx1"/>
+              </a:solidFill>
+              <a:latin typeface="DM Mono" panose="020B0509040201040103" pitchFamily="49" charset="0"/>
+            </a:endParaRPr>
+          </a:p>
+        </p:txBody>
+      </p:sp>
+      <p:sp>
+        <p:nvSpPr>
+          <p:cNvPr id="14" name="TextBox 13">
+            <a:extLst>
+              <a:ext uri="{FF2B5EF4-FFF2-40B4-BE49-F238E27FC236}">
+                <a16:creationId xmlns:a16="http://schemas.microsoft.com/office/drawing/2014/main" id="{13CCF594-2FD6-C4DC-05F5-C1D983C7E34A}"/>
+              </a:ext>
+            </a:extLst>
+          </p:cNvPr>
+          <p:cNvSpPr txBox="1"/>
+          <p:nvPr/>
+        </p:nvSpPr>
+        <p:spPr>
+          <a:xfrm>
+            <a:off x="9838540" y="212376"/>
+            <a:ext cx="694544" cy="276999"/>
+          </a:xfrm>
+          <a:prstGeom prst="rect">
+            <a:avLst/>
+          </a:prstGeom>
+          <a:noFill/>
+        </p:spPr>
+        <p:txBody>
+          <a:bodyPr wrap="square">
+            <a:spAutoFit/>
+          </a:bodyPr>
+          <a:lstStyle/>
+          <a:p>
+            <a:pPr algn="ctr"/>
+            <a:r>
+              <a:rPr lang="en-US" altLang="ko-KR" sz="1200" dirty="0">
+                <a:latin typeface="DM Mono" panose="020B0509040201040103" pitchFamily="49" charset="0"/>
+              </a:rPr>
+              <a:t>0x200</a:t>
+            </a:r>
+            <a:endParaRPr lang="ko-KR" altLang="en-US" sz="1200" dirty="0">
+              <a:latin typeface="DM Mono" panose="020B0509040201040103" pitchFamily="49" charset="0"/>
+            </a:endParaRPr>
+          </a:p>
+        </p:txBody>
+      </p:sp>
+      <p:sp>
+        <p:nvSpPr>
+          <p:cNvPr id="2" name="직사각형 1">
+            <a:extLst>
+              <a:ext uri="{FF2B5EF4-FFF2-40B4-BE49-F238E27FC236}">
+                <a16:creationId xmlns:a16="http://schemas.microsoft.com/office/drawing/2014/main" id="{5C7681BF-B899-64A6-F851-E5185B9645BF}"/>
+              </a:ext>
+            </a:extLst>
+          </p:cNvPr>
+          <p:cNvSpPr/>
+          <p:nvPr/>
+        </p:nvSpPr>
+        <p:spPr>
+          <a:xfrm>
+            <a:off x="7090345" y="2795534"/>
+            <a:ext cx="894414" cy="489811"/>
+          </a:xfrm>
+          <a:prstGeom prst="rect">
+            <a:avLst/>
+          </a:prstGeom>
+          <a:solidFill>
+            <a:srgbClr val="FFFF00"/>
+          </a:solidFill>
+        </p:spPr>
+        <p:style>
+          <a:lnRef idx="2">
+            <a:schemeClr val="accent1">
+              <a:shade val="15000"/>
+            </a:schemeClr>
+          </a:lnRef>
+          <a:fillRef idx="1">
+            <a:schemeClr val="accent1"/>
+          </a:fillRef>
+          <a:effectRef idx="0">
+            <a:schemeClr val="accent1"/>
+          </a:effectRef>
+          <a:fontRef idx="minor">
+            <a:schemeClr val="lt1"/>
+          </a:fontRef>
+        </p:style>
+        <p:txBody>
+          <a:bodyPr rtlCol="0" anchor="ctr"/>
+          <a:lstStyle/>
+          <a:p>
+            <a:pPr algn="ctr"/>
+            <a:r>
+              <a:rPr kumimoji="1" lang="en-US" altLang="ko-KR" sz="1200" dirty="0">
+                <a:solidFill>
+                  <a:schemeClr val="tx1"/>
+                </a:solidFill>
+                <a:latin typeface="DM Mono" panose="020B0509040201040103" pitchFamily="49" charset="0"/>
+              </a:rPr>
+              <a:t>0x200</a:t>
+            </a:r>
+            <a:endParaRPr kumimoji="1" lang="ko-KR" altLang="en-US" sz="1200" dirty="0">
+              <a:solidFill>
+                <a:schemeClr val="tx1"/>
+              </a:solidFill>
+              <a:latin typeface="DM Mono" panose="020B0509040201040103" pitchFamily="49" charset="0"/>
+            </a:endParaRPr>
+          </a:p>
+        </p:txBody>
+      </p:sp>
+      <p:sp>
+        <p:nvSpPr>
+          <p:cNvPr id="3" name="직사각형 2">
+            <a:extLst>
+              <a:ext uri="{FF2B5EF4-FFF2-40B4-BE49-F238E27FC236}">
+                <a16:creationId xmlns:a16="http://schemas.microsoft.com/office/drawing/2014/main" id="{FB5FD168-6155-6201-AC12-0B59C43B8722}"/>
+              </a:ext>
+            </a:extLst>
+          </p:cNvPr>
+          <p:cNvSpPr/>
+          <p:nvPr/>
+        </p:nvSpPr>
+        <p:spPr>
+          <a:xfrm>
+            <a:off x="7090345" y="3285345"/>
+            <a:ext cx="894414" cy="489811"/>
+          </a:xfrm>
+          <a:prstGeom prst="rect">
+            <a:avLst/>
+          </a:prstGeom>
+          <a:solidFill>
+            <a:srgbClr val="FFFF00"/>
+          </a:solidFill>
+        </p:spPr>
+        <p:style>
+          <a:lnRef idx="2">
+            <a:schemeClr val="accent1">
+              <a:shade val="15000"/>
+            </a:schemeClr>
+          </a:lnRef>
+          <a:fillRef idx="1">
+            <a:schemeClr val="accent1"/>
+          </a:fillRef>
+          <a:effectRef idx="0">
+            <a:schemeClr val="accent1"/>
+          </a:effectRef>
+          <a:fontRef idx="minor">
+            <a:schemeClr val="lt1"/>
+          </a:fontRef>
+        </p:style>
+        <p:txBody>
+          <a:bodyPr rtlCol="0" anchor="ctr"/>
+          <a:lstStyle/>
+          <a:p>
+            <a:pPr algn="ctr"/>
+            <a:r>
+              <a:rPr kumimoji="1" lang="en-US" altLang="ko-KR" sz="1200" dirty="0">
+                <a:solidFill>
+                  <a:schemeClr val="tx1"/>
+                </a:solidFill>
+                <a:latin typeface="DM Mono" panose="020B0509040201040103" pitchFamily="49" charset="0"/>
+              </a:rPr>
+              <a:t>42</a:t>
+            </a:r>
+            <a:endParaRPr kumimoji="1" lang="ko-KR" altLang="en-US" sz="1200" dirty="0">
+              <a:solidFill>
+                <a:schemeClr val="tx1"/>
+              </a:solidFill>
+              <a:latin typeface="DM Mono" panose="020B0509040201040103" pitchFamily="49" charset="0"/>
+            </a:endParaRPr>
+          </a:p>
+        </p:txBody>
+      </p:sp>
+      <p:sp>
+        <p:nvSpPr>
+          <p:cNvPr id="4" name="TextBox 3">
+            <a:extLst>
+              <a:ext uri="{FF2B5EF4-FFF2-40B4-BE49-F238E27FC236}">
+                <a16:creationId xmlns:a16="http://schemas.microsoft.com/office/drawing/2014/main" id="{86AE15A2-4102-B495-33E4-BE79BFE025EC}"/>
+              </a:ext>
+            </a:extLst>
+          </p:cNvPr>
+          <p:cNvSpPr txBox="1"/>
+          <p:nvPr/>
+        </p:nvSpPr>
+        <p:spPr>
+          <a:xfrm>
+            <a:off x="7190280" y="2478786"/>
+            <a:ext cx="694544" cy="276999"/>
+          </a:xfrm>
+          <a:prstGeom prst="rect">
+            <a:avLst/>
+          </a:prstGeom>
+          <a:noFill/>
+        </p:spPr>
+        <p:txBody>
+          <a:bodyPr wrap="square">
+            <a:spAutoFit/>
+          </a:bodyPr>
+          <a:lstStyle/>
+          <a:p>
+            <a:pPr algn="ctr"/>
+            <a:r>
+              <a:rPr lang="en-US" altLang="ko-KR" sz="1200" dirty="0">
+                <a:latin typeface="DM Mono" panose="020B0509040201040103" pitchFamily="49" charset="0"/>
+              </a:rPr>
+              <a:t>other</a:t>
+            </a:r>
+            <a:endParaRPr lang="ko-KR" altLang="en-US" sz="1200" dirty="0">
+              <a:latin typeface="DM Mono" panose="020B0509040201040103" pitchFamily="49" charset="0"/>
+            </a:endParaRPr>
+          </a:p>
+        </p:txBody>
+      </p:sp>
+      <p:sp>
+        <p:nvSpPr>
+          <p:cNvPr id="12" name="TextBox 11">
+            <a:extLst>
+              <a:ext uri="{FF2B5EF4-FFF2-40B4-BE49-F238E27FC236}">
+                <a16:creationId xmlns:a16="http://schemas.microsoft.com/office/drawing/2014/main" id="{56F7EA1F-B3EC-F81D-F88A-447F457A4216}"/>
+              </a:ext>
+            </a:extLst>
+          </p:cNvPr>
+          <p:cNvSpPr txBox="1"/>
+          <p:nvPr/>
+        </p:nvSpPr>
+        <p:spPr>
+          <a:xfrm>
+            <a:off x="6395801" y="2903283"/>
+            <a:ext cx="694544" cy="276999"/>
+          </a:xfrm>
+          <a:prstGeom prst="rect">
+            <a:avLst/>
+          </a:prstGeom>
+          <a:noFill/>
+        </p:spPr>
+        <p:txBody>
+          <a:bodyPr wrap="square">
+            <a:spAutoFit/>
+          </a:bodyPr>
+          <a:lstStyle/>
+          <a:p>
+            <a:pPr algn="r"/>
+            <a:r>
+              <a:rPr lang="en-US" altLang="ko-KR" sz="1200" dirty="0">
+                <a:latin typeface="DM Mono" panose="020B0509040201040103" pitchFamily="49" charset="0"/>
+              </a:rPr>
+              <a:t>name</a:t>
+            </a:r>
+            <a:endParaRPr lang="ko-KR" altLang="en-US" sz="1200" dirty="0">
+              <a:latin typeface="DM Mono" panose="020B0509040201040103" pitchFamily="49" charset="0"/>
+            </a:endParaRPr>
+          </a:p>
+        </p:txBody>
+      </p:sp>
+      <p:sp>
+        <p:nvSpPr>
+          <p:cNvPr id="15" name="TextBox 14">
+            <a:extLst>
+              <a:ext uri="{FF2B5EF4-FFF2-40B4-BE49-F238E27FC236}">
+                <a16:creationId xmlns:a16="http://schemas.microsoft.com/office/drawing/2014/main" id="{45F8E536-89CF-0022-267E-C49EC5684ADE}"/>
+              </a:ext>
+            </a:extLst>
+          </p:cNvPr>
+          <p:cNvSpPr txBox="1"/>
+          <p:nvPr/>
+        </p:nvSpPr>
+        <p:spPr>
+          <a:xfrm>
+            <a:off x="6395801" y="3390408"/>
+            <a:ext cx="694544" cy="276999"/>
+          </a:xfrm>
+          <a:prstGeom prst="rect">
+            <a:avLst/>
+          </a:prstGeom>
+          <a:noFill/>
+        </p:spPr>
+        <p:txBody>
+          <a:bodyPr wrap="square">
+            <a:spAutoFit/>
+          </a:bodyPr>
+          <a:lstStyle/>
+          <a:p>
+            <a:pPr algn="r"/>
+            <a:r>
+              <a:rPr lang="en-US" altLang="ko-KR" sz="1200" dirty="0">
+                <a:latin typeface="DM Mono" panose="020B0509040201040103" pitchFamily="49" charset="0"/>
+              </a:rPr>
+              <a:t>age</a:t>
+            </a:r>
+            <a:endParaRPr lang="ko-KR" altLang="en-US" sz="1200" dirty="0">
+              <a:latin typeface="DM Mono" panose="020B0509040201040103" pitchFamily="49" charset="0"/>
+            </a:endParaRPr>
+          </a:p>
+        </p:txBody>
+      </p:sp>
+      <p:cxnSp>
+        <p:nvCxnSpPr>
+          <p:cNvPr id="25" name="구부러진 연결선[U] 24">
+            <a:extLst>
+              <a:ext uri="{FF2B5EF4-FFF2-40B4-BE49-F238E27FC236}">
+                <a16:creationId xmlns:a16="http://schemas.microsoft.com/office/drawing/2014/main" id="{A4FAAEC7-92DE-BD35-37CF-50613C581C75}"/>
+              </a:ext>
+            </a:extLst>
+          </p:cNvPr>
+          <p:cNvCxnSpPr>
+            <a:cxnSpLocks/>
+            <a:stCxn id="2" idx="3"/>
+            <a:endCxn id="11" idx="1"/>
+          </p:cNvCxnSpPr>
+          <p:nvPr/>
+        </p:nvCxnSpPr>
+        <p:spPr>
+          <a:xfrm flipV="1">
+            <a:off x="7984759" y="644558"/>
+            <a:ext cx="2201053" cy="2395882"/>
+          </a:xfrm>
+          <a:prstGeom prst="curvedConnector3">
+            <a:avLst/>
+          </a:prstGeom>
+          <a:ln>
+            <a:tailEnd type="triangle"/>
+          </a:ln>
+        </p:spPr>
+        <p:style>
+          <a:lnRef idx="1">
+            <a:schemeClr val="dk1"/>
+          </a:lnRef>
+          <a:fillRef idx="0">
+            <a:schemeClr val="dk1"/>
+          </a:fillRef>
+          <a:effectRef idx="0">
+            <a:schemeClr val="dk1"/>
+          </a:effectRef>
+          <a:fontRef idx="minor">
+            <a:schemeClr val="tx1"/>
+          </a:fontRef>
+        </p:style>
+      </p:cxnSp>
+    </p:spTree>
+    <p:extLst>
+      <p:ext uri="{BB962C8B-B14F-4D97-AF65-F5344CB8AC3E}">
+        <p14:creationId xmlns:p14="http://schemas.microsoft.com/office/powerpoint/2010/main" val="2782663493"/>
       </p:ext>
     </p:extLst>
   </p:cSld>

--- a/cpp_231023.pptx
+++ b/cpp_231023.pptx
@@ -5,7 +5,7 @@
     <p:sldMasterId id="2147483648" r:id="rId1"/>
   </p:sldMasterIdLst>
   <p:notesMasterIdLst>
-    <p:notesMasterId r:id="rId28"/>
+    <p:notesMasterId r:id="rId29"/>
   </p:notesMasterIdLst>
   <p:sldIdLst>
     <p:sldId id="256" r:id="rId2"/>
@@ -34,6 +34,7 @@
     <p:sldId id="280" r:id="rId25"/>
     <p:sldId id="281" r:id="rId26"/>
     <p:sldId id="282" r:id="rId27"/>
+    <p:sldId id="283" r:id="rId28"/>
   </p:sldIdLst>
   <p:sldSz cx="12192000" cy="6858000"/>
   <p:notesSz cx="6858000" cy="9144000"/>
@@ -24530,6 +24531,530 @@
     <p:extLst>
       <p:ext uri="{BB962C8B-B14F-4D97-AF65-F5344CB8AC3E}">
         <p14:creationId xmlns:p14="http://schemas.microsoft.com/office/powerpoint/2010/main" val="2782663493"/>
+      </p:ext>
+    </p:extLst>
+  </p:cSld>
+  <p:clrMapOvr>
+    <a:masterClrMapping/>
+  </p:clrMapOvr>
+</p:sld>
+</file>
+
+<file path=ppt/slides/slide27.xml><?xml version="1.0" encoding="utf-8"?>
+<p:sld xmlns:a="http://schemas.openxmlformats.org/drawingml/2006/main" xmlns:r="http://schemas.openxmlformats.org/officeDocument/2006/relationships" xmlns:p="http://schemas.openxmlformats.org/presentationml/2006/main">
+  <p:cSld>
+    <p:spTree>
+      <p:nvGrpSpPr>
+        <p:cNvPr id="1" name=""/>
+        <p:cNvGrpSpPr/>
+        <p:nvPr/>
+      </p:nvGrpSpPr>
+      <p:grpSpPr>
+        <a:xfrm>
+          <a:off x="0" y="0"/>
+          <a:ext cx="0" cy="0"/>
+          <a:chOff x="0" y="0"/>
+          <a:chExt cx="0" cy="0"/>
+        </a:xfrm>
+      </p:grpSpPr>
+      <p:sp>
+        <p:nvSpPr>
+          <p:cNvPr id="5" name="직사각형 4">
+            <a:extLst>
+              <a:ext uri="{FF2B5EF4-FFF2-40B4-BE49-F238E27FC236}">
+                <a16:creationId xmlns:a16="http://schemas.microsoft.com/office/drawing/2014/main" id="{9997FF58-5842-8FE8-9985-E3AB3C7ADF44}"/>
+              </a:ext>
+            </a:extLst>
+          </p:cNvPr>
+          <p:cNvSpPr/>
+          <p:nvPr/>
+        </p:nvSpPr>
+        <p:spPr>
+          <a:xfrm>
+            <a:off x="3582646" y="4024727"/>
+            <a:ext cx="894414" cy="489811"/>
+          </a:xfrm>
+          <a:prstGeom prst="rect">
+            <a:avLst/>
+          </a:prstGeom>
+          <a:solidFill>
+            <a:srgbClr val="FFFF00"/>
+          </a:solidFill>
+        </p:spPr>
+        <p:style>
+          <a:lnRef idx="2">
+            <a:schemeClr val="accent1">
+              <a:shade val="15000"/>
+            </a:schemeClr>
+          </a:lnRef>
+          <a:fillRef idx="1">
+            <a:schemeClr val="accent1"/>
+          </a:fillRef>
+          <a:effectRef idx="0">
+            <a:schemeClr val="accent1"/>
+          </a:effectRef>
+          <a:fontRef idx="minor">
+            <a:schemeClr val="lt1"/>
+          </a:fontRef>
+        </p:style>
+        <p:txBody>
+          <a:bodyPr rtlCol="0" anchor="ctr"/>
+          <a:lstStyle/>
+          <a:p>
+            <a:pPr algn="ctr"/>
+            <a:endParaRPr kumimoji="1" lang="ko-KR" altLang="en-US" sz="1200" dirty="0">
+              <a:solidFill>
+                <a:schemeClr val="tx1"/>
+              </a:solidFill>
+              <a:latin typeface="DM Mono" panose="020B0509040201040103" pitchFamily="49" charset="0"/>
+            </a:endParaRPr>
+          </a:p>
+        </p:txBody>
+      </p:sp>
+      <p:sp>
+        <p:nvSpPr>
+          <p:cNvPr id="13" name="TextBox 12">
+            <a:extLst>
+              <a:ext uri="{FF2B5EF4-FFF2-40B4-BE49-F238E27FC236}">
+                <a16:creationId xmlns:a16="http://schemas.microsoft.com/office/drawing/2014/main" id="{10856E7D-0E04-77FE-7446-30F92CE001EF}"/>
+              </a:ext>
+            </a:extLst>
+          </p:cNvPr>
+          <p:cNvSpPr txBox="1"/>
+          <p:nvPr/>
+        </p:nvSpPr>
+        <p:spPr>
+          <a:xfrm>
+            <a:off x="3682581" y="3707979"/>
+            <a:ext cx="694544" cy="276999"/>
+          </a:xfrm>
+          <a:prstGeom prst="rect">
+            <a:avLst/>
+          </a:prstGeom>
+          <a:noFill/>
+        </p:spPr>
+        <p:txBody>
+          <a:bodyPr wrap="square">
+            <a:spAutoFit/>
+          </a:bodyPr>
+          <a:lstStyle/>
+          <a:p>
+            <a:pPr algn="ctr"/>
+            <a:r>
+              <a:rPr lang="en-US" altLang="ko-KR" sz="1200" dirty="0">
+                <a:latin typeface="DM Mono" panose="020B0509040201040103" pitchFamily="49" charset="0"/>
+              </a:rPr>
+              <a:t>c1</a:t>
+            </a:r>
+            <a:endParaRPr lang="ko-KR" altLang="en-US" sz="1200" dirty="0">
+              <a:latin typeface="DM Mono" panose="020B0509040201040103" pitchFamily="49" charset="0"/>
+            </a:endParaRPr>
+          </a:p>
+        </p:txBody>
+      </p:sp>
+      <p:sp>
+        <p:nvSpPr>
+          <p:cNvPr id="16" name="TextBox 15">
+            <a:extLst>
+              <a:ext uri="{FF2B5EF4-FFF2-40B4-BE49-F238E27FC236}">
+                <a16:creationId xmlns:a16="http://schemas.microsoft.com/office/drawing/2014/main" id="{207E1316-1A2E-B6AF-06E9-7ED5310E9B00}"/>
+              </a:ext>
+            </a:extLst>
+          </p:cNvPr>
+          <p:cNvSpPr txBox="1"/>
+          <p:nvPr/>
+        </p:nvSpPr>
+        <p:spPr>
+          <a:xfrm>
+            <a:off x="2888102" y="4132476"/>
+            <a:ext cx="694544" cy="276999"/>
+          </a:xfrm>
+          <a:prstGeom prst="rect">
+            <a:avLst/>
+          </a:prstGeom>
+          <a:noFill/>
+        </p:spPr>
+        <p:txBody>
+          <a:bodyPr wrap="square">
+            <a:spAutoFit/>
+          </a:bodyPr>
+          <a:lstStyle/>
+          <a:p>
+            <a:pPr algn="r"/>
+            <a:r>
+              <a:rPr lang="en-US" altLang="ko-KR" sz="1200" dirty="0">
+                <a:latin typeface="DM Mono" panose="020B0509040201040103" pitchFamily="49" charset="0"/>
+              </a:rPr>
+              <a:t>name</a:t>
+            </a:r>
+            <a:endParaRPr lang="ko-KR" altLang="en-US" sz="1200" dirty="0">
+              <a:latin typeface="DM Mono" panose="020B0509040201040103" pitchFamily="49" charset="0"/>
+            </a:endParaRPr>
+          </a:p>
+        </p:txBody>
+      </p:sp>
+      <p:sp>
+        <p:nvSpPr>
+          <p:cNvPr id="17" name="직사각형 16">
+            <a:extLst>
+              <a:ext uri="{FF2B5EF4-FFF2-40B4-BE49-F238E27FC236}">
+                <a16:creationId xmlns:a16="http://schemas.microsoft.com/office/drawing/2014/main" id="{001D2535-FA05-4FC0-1137-A0A4CEBED240}"/>
+              </a:ext>
+            </a:extLst>
+          </p:cNvPr>
+          <p:cNvSpPr/>
+          <p:nvPr/>
+        </p:nvSpPr>
+        <p:spPr>
+          <a:xfrm>
+            <a:off x="5593827" y="4027094"/>
+            <a:ext cx="894414" cy="489811"/>
+          </a:xfrm>
+          <a:prstGeom prst="rect">
+            <a:avLst/>
+          </a:prstGeom>
+          <a:solidFill>
+            <a:srgbClr val="FFFF00"/>
+          </a:solidFill>
+        </p:spPr>
+        <p:style>
+          <a:lnRef idx="2">
+            <a:schemeClr val="accent1">
+              <a:shade val="15000"/>
+            </a:schemeClr>
+          </a:lnRef>
+          <a:fillRef idx="1">
+            <a:schemeClr val="accent1"/>
+          </a:fillRef>
+          <a:effectRef idx="0">
+            <a:schemeClr val="accent1"/>
+          </a:effectRef>
+          <a:fontRef idx="minor">
+            <a:schemeClr val="lt1"/>
+          </a:fontRef>
+        </p:style>
+        <p:txBody>
+          <a:bodyPr rtlCol="0" anchor="ctr"/>
+          <a:lstStyle/>
+          <a:p>
+            <a:pPr algn="ctr"/>
+            <a:endParaRPr kumimoji="1" lang="ko-KR" altLang="en-US" sz="1200" dirty="0">
+              <a:solidFill>
+                <a:schemeClr val="tx1"/>
+              </a:solidFill>
+              <a:latin typeface="DM Mono" panose="020B0509040201040103" pitchFamily="49" charset="0"/>
+            </a:endParaRPr>
+          </a:p>
+        </p:txBody>
+      </p:sp>
+      <p:sp>
+        <p:nvSpPr>
+          <p:cNvPr id="18" name="TextBox 17">
+            <a:extLst>
+              <a:ext uri="{FF2B5EF4-FFF2-40B4-BE49-F238E27FC236}">
+                <a16:creationId xmlns:a16="http://schemas.microsoft.com/office/drawing/2014/main" id="{CDCCB194-DB56-DD2D-5E8A-92201EAB6E8A}"/>
+              </a:ext>
+            </a:extLst>
+          </p:cNvPr>
+          <p:cNvSpPr txBox="1"/>
+          <p:nvPr/>
+        </p:nvSpPr>
+        <p:spPr>
+          <a:xfrm>
+            <a:off x="5693762" y="3710346"/>
+            <a:ext cx="694544" cy="276999"/>
+          </a:xfrm>
+          <a:prstGeom prst="rect">
+            <a:avLst/>
+          </a:prstGeom>
+          <a:noFill/>
+        </p:spPr>
+        <p:txBody>
+          <a:bodyPr wrap="square">
+            <a:spAutoFit/>
+          </a:bodyPr>
+          <a:lstStyle/>
+          <a:p>
+            <a:pPr algn="ctr"/>
+            <a:r>
+              <a:rPr lang="en-US" altLang="ko-KR" sz="1200" dirty="0">
+                <a:latin typeface="DM Mono" panose="020B0509040201040103" pitchFamily="49" charset="0"/>
+              </a:rPr>
+              <a:t>c2</a:t>
+            </a:r>
+            <a:endParaRPr lang="ko-KR" altLang="en-US" sz="1200" dirty="0">
+              <a:latin typeface="DM Mono" panose="020B0509040201040103" pitchFamily="49" charset="0"/>
+            </a:endParaRPr>
+          </a:p>
+        </p:txBody>
+      </p:sp>
+      <p:sp>
+        <p:nvSpPr>
+          <p:cNvPr id="19" name="TextBox 18">
+            <a:extLst>
+              <a:ext uri="{FF2B5EF4-FFF2-40B4-BE49-F238E27FC236}">
+                <a16:creationId xmlns:a16="http://schemas.microsoft.com/office/drawing/2014/main" id="{368F3466-639A-FE15-AC26-B958A326B11F}"/>
+              </a:ext>
+            </a:extLst>
+          </p:cNvPr>
+          <p:cNvSpPr txBox="1"/>
+          <p:nvPr/>
+        </p:nvSpPr>
+        <p:spPr>
+          <a:xfrm>
+            <a:off x="4899283" y="4134843"/>
+            <a:ext cx="694544" cy="276999"/>
+          </a:xfrm>
+          <a:prstGeom prst="rect">
+            <a:avLst/>
+          </a:prstGeom>
+          <a:noFill/>
+        </p:spPr>
+        <p:txBody>
+          <a:bodyPr wrap="square">
+            <a:spAutoFit/>
+          </a:bodyPr>
+          <a:lstStyle/>
+          <a:p>
+            <a:pPr algn="r"/>
+            <a:r>
+              <a:rPr lang="en-US" altLang="ko-KR" sz="1200" dirty="0">
+                <a:latin typeface="DM Mono" panose="020B0509040201040103" pitchFamily="49" charset="0"/>
+              </a:rPr>
+              <a:t>name</a:t>
+            </a:r>
+            <a:endParaRPr lang="ko-KR" altLang="en-US" sz="1200" dirty="0">
+              <a:latin typeface="DM Mono" panose="020B0509040201040103" pitchFamily="49" charset="0"/>
+            </a:endParaRPr>
+          </a:p>
+        </p:txBody>
+      </p:sp>
+      <p:sp>
+        <p:nvSpPr>
+          <p:cNvPr id="20" name="직사각형 19">
+            <a:extLst>
+              <a:ext uri="{FF2B5EF4-FFF2-40B4-BE49-F238E27FC236}">
+                <a16:creationId xmlns:a16="http://schemas.microsoft.com/office/drawing/2014/main" id="{1F9F081B-8414-650D-0703-0D05C4E7A054}"/>
+              </a:ext>
+            </a:extLst>
+          </p:cNvPr>
+          <p:cNvSpPr/>
+          <p:nvPr/>
+        </p:nvSpPr>
+        <p:spPr>
+          <a:xfrm>
+            <a:off x="10373191" y="376989"/>
+            <a:ext cx="894414" cy="489811"/>
+          </a:xfrm>
+          <a:prstGeom prst="rect">
+            <a:avLst/>
+          </a:prstGeom>
+          <a:solidFill>
+            <a:srgbClr val="FFFF00"/>
+          </a:solidFill>
+        </p:spPr>
+        <p:style>
+          <a:lnRef idx="2">
+            <a:schemeClr val="accent1">
+              <a:shade val="15000"/>
+            </a:schemeClr>
+          </a:lnRef>
+          <a:fillRef idx="1">
+            <a:schemeClr val="accent1"/>
+          </a:fillRef>
+          <a:effectRef idx="0">
+            <a:schemeClr val="accent1"/>
+          </a:effectRef>
+          <a:fontRef idx="minor">
+            <a:schemeClr val="lt1"/>
+          </a:fontRef>
+        </p:style>
+        <p:txBody>
+          <a:bodyPr rtlCol="0" anchor="ctr"/>
+          <a:lstStyle/>
+          <a:p>
+            <a:pPr algn="ctr"/>
+            <a:endParaRPr kumimoji="1" lang="ko-KR" altLang="en-US" sz="1200" dirty="0">
+              <a:solidFill>
+                <a:schemeClr val="tx1"/>
+              </a:solidFill>
+              <a:latin typeface="DM Mono" panose="020B0509040201040103" pitchFamily="49" charset="0"/>
+            </a:endParaRPr>
+          </a:p>
+        </p:txBody>
+      </p:sp>
+      <p:sp>
+        <p:nvSpPr>
+          <p:cNvPr id="21" name="TextBox 20">
+            <a:extLst>
+              <a:ext uri="{FF2B5EF4-FFF2-40B4-BE49-F238E27FC236}">
+                <a16:creationId xmlns:a16="http://schemas.microsoft.com/office/drawing/2014/main" id="{94C6612F-4E01-422A-E855-10ADBC7DBC28}"/>
+              </a:ext>
+            </a:extLst>
+          </p:cNvPr>
+          <p:cNvSpPr txBox="1"/>
+          <p:nvPr/>
+        </p:nvSpPr>
+        <p:spPr>
+          <a:xfrm>
+            <a:off x="9263921" y="484738"/>
+            <a:ext cx="1109270" cy="276999"/>
+          </a:xfrm>
+          <a:prstGeom prst="rect">
+            <a:avLst/>
+          </a:prstGeom>
+          <a:noFill/>
+        </p:spPr>
+        <p:txBody>
+          <a:bodyPr wrap="square">
+            <a:spAutoFit/>
+          </a:bodyPr>
+          <a:lstStyle/>
+          <a:p>
+            <a:pPr algn="r"/>
+            <a:r>
+              <a:rPr lang="en-US" altLang="ko-KR" sz="1200" dirty="0">
+                <a:latin typeface="DM Mono" panose="020B0509040201040103" pitchFamily="49" charset="0"/>
+              </a:rPr>
+              <a:t>Car::</a:t>
+            </a:r>
+            <a:r>
+              <a:rPr lang="en-US" altLang="ko-KR" sz="1200" dirty="0" err="1">
+                <a:latin typeface="DM Mono" panose="020B0509040201040103" pitchFamily="49" charset="0"/>
+              </a:rPr>
+              <a:t>cnt</a:t>
+            </a:r>
+            <a:endParaRPr lang="ko-KR" altLang="en-US" sz="1200" dirty="0">
+              <a:latin typeface="DM Mono" panose="020B0509040201040103" pitchFamily="49" charset="0"/>
+            </a:endParaRPr>
+          </a:p>
+        </p:txBody>
+      </p:sp>
+      <p:sp>
+        <p:nvSpPr>
+          <p:cNvPr id="23" name="TextBox 22">
+            <a:extLst>
+              <a:ext uri="{FF2B5EF4-FFF2-40B4-BE49-F238E27FC236}">
+                <a16:creationId xmlns:a16="http://schemas.microsoft.com/office/drawing/2014/main" id="{D28D2FF1-2C49-0081-AF36-EB139E32AE55}"/>
+              </a:ext>
+            </a:extLst>
+          </p:cNvPr>
+          <p:cNvSpPr txBox="1"/>
+          <p:nvPr/>
+        </p:nvSpPr>
+        <p:spPr>
+          <a:xfrm>
+            <a:off x="392241" y="376989"/>
+            <a:ext cx="6096000" cy="954107"/>
+          </a:xfrm>
+          <a:prstGeom prst="rect">
+            <a:avLst/>
+          </a:prstGeom>
+          <a:noFill/>
+        </p:spPr>
+        <p:txBody>
+          <a:bodyPr wrap="square">
+            <a:spAutoFit/>
+          </a:bodyPr>
+          <a:lstStyle/>
+          <a:p>
+            <a:r>
+              <a:rPr lang="ko-KR" altLang="en-US" sz="1400" dirty="0" err="1">
+                <a:latin typeface="DM Mono" panose="020B0509040201040103" pitchFamily="49" charset="0"/>
+              </a:rPr>
+              <a:t>class</a:t>
+            </a:r>
+            <a:r>
+              <a:rPr lang="ko-KR" altLang="en-US" sz="1400" dirty="0">
+                <a:latin typeface="DM Mono" panose="020B0509040201040103" pitchFamily="49" charset="0"/>
+              </a:rPr>
+              <a:t> </a:t>
+            </a:r>
+            <a:r>
+              <a:rPr lang="ko-KR" altLang="en-US" sz="1400" dirty="0" err="1">
+                <a:latin typeface="DM Mono" panose="020B0509040201040103" pitchFamily="49" charset="0"/>
+              </a:rPr>
+              <a:t>Car</a:t>
+            </a:r>
+            <a:r>
+              <a:rPr lang="ko-KR" altLang="en-US" sz="1400" dirty="0">
+                <a:latin typeface="DM Mono" panose="020B0509040201040103" pitchFamily="49" charset="0"/>
+              </a:rPr>
+              <a:t> {</a:t>
+            </a:r>
+            <a:endParaRPr lang="en-US" altLang="ko-KR" sz="1400" dirty="0">
+              <a:latin typeface="DM Mono" panose="020B0509040201040103" pitchFamily="49" charset="0"/>
+            </a:endParaRPr>
+          </a:p>
+          <a:p>
+            <a:r>
+              <a:rPr lang="en-US" altLang="ko-KR" sz="1400" dirty="0">
+                <a:latin typeface="DM Mono" panose="020B0509040201040103" pitchFamily="49" charset="0"/>
+              </a:rPr>
+              <a:t>   string name;</a:t>
+            </a:r>
+            <a:endParaRPr lang="ko-KR" altLang="en-US" sz="1400" dirty="0">
+              <a:latin typeface="DM Mono" panose="020B0509040201040103" pitchFamily="49" charset="0"/>
+            </a:endParaRPr>
+          </a:p>
+          <a:p>
+            <a:r>
+              <a:rPr lang="en-US" altLang="ko-KR" sz="1400" dirty="0">
+                <a:latin typeface="DM Mono" panose="020B0509040201040103" pitchFamily="49" charset="0"/>
+              </a:rPr>
+              <a:t>   </a:t>
+            </a:r>
+            <a:r>
+              <a:rPr lang="ko-KR" altLang="en-US" sz="1400" dirty="0" err="1">
+                <a:latin typeface="DM Mono" panose="020B0509040201040103" pitchFamily="49" charset="0"/>
+              </a:rPr>
+              <a:t>static</a:t>
+            </a:r>
+            <a:r>
+              <a:rPr lang="ko-KR" altLang="en-US" sz="1400" dirty="0">
+                <a:latin typeface="DM Mono" panose="020B0509040201040103" pitchFamily="49" charset="0"/>
+              </a:rPr>
+              <a:t> </a:t>
+            </a:r>
+            <a:r>
+              <a:rPr lang="ko-KR" altLang="en-US" sz="1400" dirty="0" err="1">
+                <a:latin typeface="DM Mono" panose="020B0509040201040103" pitchFamily="49" charset="0"/>
+              </a:rPr>
+              <a:t>int</a:t>
+            </a:r>
+            <a:r>
+              <a:rPr lang="ko-KR" altLang="en-US" sz="1400" dirty="0">
+                <a:latin typeface="DM Mono" panose="020B0509040201040103" pitchFamily="49" charset="0"/>
+              </a:rPr>
+              <a:t> </a:t>
+            </a:r>
+            <a:r>
+              <a:rPr lang="ko-KR" altLang="en-US" sz="1400" dirty="0" err="1">
+                <a:latin typeface="DM Mono" panose="020B0509040201040103" pitchFamily="49" charset="0"/>
+              </a:rPr>
+              <a:t>cnt</a:t>
+            </a:r>
+            <a:r>
+              <a:rPr lang="ko-KR" altLang="en-US" sz="1400" dirty="0">
+                <a:latin typeface="DM Mono" panose="020B0509040201040103" pitchFamily="49" charset="0"/>
+              </a:rPr>
+              <a:t>; </a:t>
+            </a:r>
+          </a:p>
+          <a:p>
+            <a:r>
+              <a:rPr lang="ko-KR" altLang="en-US" sz="1400" dirty="0">
+                <a:latin typeface="DM Mono" panose="020B0509040201040103" pitchFamily="49" charset="0"/>
+              </a:rPr>
+              <a:t>};</a:t>
+            </a:r>
+          </a:p>
+        </p:txBody>
+      </p:sp>
+    </p:spTree>
+    <p:extLst>
+      <p:ext uri="{BB962C8B-B14F-4D97-AF65-F5344CB8AC3E}">
+        <p14:creationId xmlns:p14="http://schemas.microsoft.com/office/powerpoint/2010/main" val="438179418"/>
       </p:ext>
     </p:extLst>
   </p:cSld>

--- a/cpp_231023.pptx
+++ b/cpp_231023.pptx
@@ -5,7 +5,7 @@
     <p:sldMasterId id="2147483648" r:id="rId1"/>
   </p:sldMasterIdLst>
   <p:notesMasterIdLst>
-    <p:notesMasterId r:id="rId29"/>
+    <p:notesMasterId r:id="rId31"/>
   </p:notesMasterIdLst>
   <p:sldIdLst>
     <p:sldId id="256" r:id="rId2"/>
@@ -35,6 +35,8 @@
     <p:sldId id="281" r:id="rId26"/>
     <p:sldId id="282" r:id="rId27"/>
     <p:sldId id="283" r:id="rId28"/>
+    <p:sldId id="284" r:id="rId29"/>
+    <p:sldId id="285" r:id="rId30"/>
   </p:sldIdLst>
   <p:sldSz cx="12192000" cy="6858000"/>
   <p:notesSz cx="6858000" cy="9144000"/>
@@ -25055,6 +25057,971 @@
     <p:extLst>
       <p:ext uri="{BB962C8B-B14F-4D97-AF65-F5344CB8AC3E}">
         <p14:creationId xmlns:p14="http://schemas.microsoft.com/office/powerpoint/2010/main" val="438179418"/>
+      </p:ext>
+    </p:extLst>
+  </p:cSld>
+  <p:clrMapOvr>
+    <a:masterClrMapping/>
+  </p:clrMapOvr>
+</p:sld>
+</file>
+
+<file path=ppt/slides/slide28.xml><?xml version="1.0" encoding="utf-8"?>
+<p:sld xmlns:a="http://schemas.openxmlformats.org/drawingml/2006/main" xmlns:r="http://schemas.openxmlformats.org/officeDocument/2006/relationships" xmlns:p="http://schemas.openxmlformats.org/presentationml/2006/main">
+  <p:cSld>
+    <p:spTree>
+      <p:nvGrpSpPr>
+        <p:cNvPr id="1" name=""/>
+        <p:cNvGrpSpPr/>
+        <p:nvPr/>
+      </p:nvGrpSpPr>
+      <p:grpSpPr>
+        <a:xfrm>
+          <a:off x="0" y="0"/>
+          <a:ext cx="0" cy="0"/>
+          <a:chOff x="0" y="0"/>
+          <a:chExt cx="0" cy="0"/>
+        </a:xfrm>
+      </p:grpSpPr>
+      <p:sp>
+        <p:nvSpPr>
+          <p:cNvPr id="5" name="직사각형 4">
+            <a:extLst>
+              <a:ext uri="{FF2B5EF4-FFF2-40B4-BE49-F238E27FC236}">
+                <a16:creationId xmlns:a16="http://schemas.microsoft.com/office/drawing/2014/main" id="{9997FF58-5842-8FE8-9985-E3AB3C7ADF44}"/>
+              </a:ext>
+            </a:extLst>
+          </p:cNvPr>
+          <p:cNvSpPr/>
+          <p:nvPr/>
+        </p:nvSpPr>
+        <p:spPr>
+          <a:xfrm>
+            <a:off x="3582646" y="4024727"/>
+            <a:ext cx="894414" cy="489811"/>
+          </a:xfrm>
+          <a:prstGeom prst="rect">
+            <a:avLst/>
+          </a:prstGeom>
+          <a:solidFill>
+            <a:srgbClr val="FFFF00"/>
+          </a:solidFill>
+        </p:spPr>
+        <p:style>
+          <a:lnRef idx="2">
+            <a:schemeClr val="accent1">
+              <a:shade val="15000"/>
+            </a:schemeClr>
+          </a:lnRef>
+          <a:fillRef idx="1">
+            <a:schemeClr val="accent1"/>
+          </a:fillRef>
+          <a:effectRef idx="0">
+            <a:schemeClr val="accent1"/>
+          </a:effectRef>
+          <a:fontRef idx="minor">
+            <a:schemeClr val="lt1"/>
+          </a:fontRef>
+        </p:style>
+        <p:txBody>
+          <a:bodyPr rtlCol="0" anchor="ctr"/>
+          <a:lstStyle/>
+          <a:p>
+            <a:pPr algn="ctr"/>
+            <a:endParaRPr kumimoji="1" lang="ko-KR" altLang="en-US" sz="1200" dirty="0">
+              <a:solidFill>
+                <a:schemeClr val="tx1"/>
+              </a:solidFill>
+              <a:latin typeface="DM Mono" panose="020B0509040201040103" pitchFamily="49" charset="0"/>
+            </a:endParaRPr>
+          </a:p>
+        </p:txBody>
+      </p:sp>
+      <p:sp>
+        <p:nvSpPr>
+          <p:cNvPr id="13" name="TextBox 12">
+            <a:extLst>
+              <a:ext uri="{FF2B5EF4-FFF2-40B4-BE49-F238E27FC236}">
+                <a16:creationId xmlns:a16="http://schemas.microsoft.com/office/drawing/2014/main" id="{10856E7D-0E04-77FE-7446-30F92CE001EF}"/>
+              </a:ext>
+            </a:extLst>
+          </p:cNvPr>
+          <p:cNvSpPr txBox="1"/>
+          <p:nvPr/>
+        </p:nvSpPr>
+        <p:spPr>
+          <a:xfrm>
+            <a:off x="3682581" y="3707979"/>
+            <a:ext cx="694544" cy="276999"/>
+          </a:xfrm>
+          <a:prstGeom prst="rect">
+            <a:avLst/>
+          </a:prstGeom>
+          <a:noFill/>
+        </p:spPr>
+        <p:txBody>
+          <a:bodyPr wrap="square">
+            <a:spAutoFit/>
+          </a:bodyPr>
+          <a:lstStyle/>
+          <a:p>
+            <a:pPr algn="ctr"/>
+            <a:r>
+              <a:rPr lang="en-US" altLang="ko-KR" sz="1200" dirty="0">
+                <a:latin typeface="DM Mono" panose="020B0509040201040103" pitchFamily="49" charset="0"/>
+              </a:rPr>
+              <a:t>Dog d</a:t>
+            </a:r>
+            <a:endParaRPr lang="ko-KR" altLang="en-US" sz="1200" dirty="0">
+              <a:latin typeface="DM Mono" panose="020B0509040201040103" pitchFamily="49" charset="0"/>
+            </a:endParaRPr>
+          </a:p>
+        </p:txBody>
+      </p:sp>
+      <p:sp>
+        <p:nvSpPr>
+          <p:cNvPr id="16" name="TextBox 15">
+            <a:extLst>
+              <a:ext uri="{FF2B5EF4-FFF2-40B4-BE49-F238E27FC236}">
+                <a16:creationId xmlns:a16="http://schemas.microsoft.com/office/drawing/2014/main" id="{207E1316-1A2E-B6AF-06E9-7ED5310E9B00}"/>
+              </a:ext>
+            </a:extLst>
+          </p:cNvPr>
+          <p:cNvSpPr txBox="1"/>
+          <p:nvPr/>
+        </p:nvSpPr>
+        <p:spPr>
+          <a:xfrm>
+            <a:off x="2888102" y="4132476"/>
+            <a:ext cx="694544" cy="276999"/>
+          </a:xfrm>
+          <a:prstGeom prst="rect">
+            <a:avLst/>
+          </a:prstGeom>
+          <a:noFill/>
+        </p:spPr>
+        <p:txBody>
+          <a:bodyPr wrap="square">
+            <a:spAutoFit/>
+          </a:bodyPr>
+          <a:lstStyle/>
+          <a:p>
+            <a:pPr algn="r"/>
+            <a:r>
+              <a:rPr lang="en-US" altLang="ko-KR" sz="1200" dirty="0">
+                <a:latin typeface="DM Mono" panose="020B0509040201040103" pitchFamily="49" charset="0"/>
+              </a:rPr>
+              <a:t>age</a:t>
+            </a:r>
+            <a:endParaRPr lang="ko-KR" altLang="en-US" sz="1200" dirty="0">
+              <a:latin typeface="DM Mono" panose="020B0509040201040103" pitchFamily="49" charset="0"/>
+            </a:endParaRPr>
+          </a:p>
+        </p:txBody>
+      </p:sp>
+      <p:sp>
+        <p:nvSpPr>
+          <p:cNvPr id="23" name="TextBox 22">
+            <a:extLst>
+              <a:ext uri="{FF2B5EF4-FFF2-40B4-BE49-F238E27FC236}">
+                <a16:creationId xmlns:a16="http://schemas.microsoft.com/office/drawing/2014/main" id="{D28D2FF1-2C49-0081-AF36-EB139E32AE55}"/>
+              </a:ext>
+            </a:extLst>
+          </p:cNvPr>
+          <p:cNvSpPr txBox="1"/>
+          <p:nvPr/>
+        </p:nvSpPr>
+        <p:spPr>
+          <a:xfrm>
+            <a:off x="392241" y="376989"/>
+            <a:ext cx="6096000" cy="1169551"/>
+          </a:xfrm>
+          <a:prstGeom prst="rect">
+            <a:avLst/>
+          </a:prstGeom>
+          <a:noFill/>
+        </p:spPr>
+        <p:txBody>
+          <a:bodyPr wrap="square">
+            <a:spAutoFit/>
+          </a:bodyPr>
+          <a:lstStyle/>
+          <a:p>
+            <a:r>
+              <a:rPr lang="en" altLang="ko-KR" sz="1400" dirty="0">
+                <a:latin typeface="DM Mono" panose="020B0509040201040103" pitchFamily="49" charset="0"/>
+              </a:rPr>
+              <a:t>class Dog {</a:t>
+            </a:r>
+          </a:p>
+          <a:p>
+            <a:r>
+              <a:rPr lang="en" altLang="ko-KR" sz="1400" dirty="0">
+                <a:latin typeface="DM Mono" panose="020B0509040201040103" pitchFamily="49" charset="0"/>
+              </a:rPr>
+              <a:t>    int age;</a:t>
+            </a:r>
+          </a:p>
+          <a:p>
+            <a:r>
+              <a:rPr lang="en" altLang="ko-KR" sz="1400" dirty="0">
+                <a:latin typeface="DM Mono" panose="020B0509040201040103" pitchFamily="49" charset="0"/>
+              </a:rPr>
+              <a:t>    int color;</a:t>
+            </a:r>
+          </a:p>
+          <a:p>
+            <a:r>
+              <a:rPr lang="en" altLang="ko-KR" sz="1400" dirty="0">
+                <a:latin typeface="DM Mono" panose="020B0509040201040103" pitchFamily="49" charset="0"/>
+              </a:rPr>
+              <a:t>    int speed;</a:t>
+            </a:r>
+          </a:p>
+          <a:p>
+            <a:r>
+              <a:rPr lang="en" altLang="ko-KR" sz="1400" dirty="0">
+                <a:latin typeface="DM Mono" panose="020B0509040201040103" pitchFamily="49" charset="0"/>
+              </a:rPr>
+              <a:t>};</a:t>
+            </a:r>
+            <a:endParaRPr lang="ko-KR" altLang="en-US" sz="1400" dirty="0">
+              <a:latin typeface="DM Mono" panose="020B0509040201040103" pitchFamily="49" charset="0"/>
+            </a:endParaRPr>
+          </a:p>
+        </p:txBody>
+      </p:sp>
+      <p:sp>
+        <p:nvSpPr>
+          <p:cNvPr id="2" name="직사각형 1">
+            <a:extLst>
+              <a:ext uri="{FF2B5EF4-FFF2-40B4-BE49-F238E27FC236}">
+                <a16:creationId xmlns:a16="http://schemas.microsoft.com/office/drawing/2014/main" id="{D57A11C9-2CF8-8993-529E-284B891D8CA9}"/>
+              </a:ext>
+            </a:extLst>
+          </p:cNvPr>
+          <p:cNvSpPr/>
+          <p:nvPr/>
+        </p:nvSpPr>
+        <p:spPr>
+          <a:xfrm>
+            <a:off x="3582646" y="4514538"/>
+            <a:ext cx="894414" cy="489811"/>
+          </a:xfrm>
+          <a:prstGeom prst="rect">
+            <a:avLst/>
+          </a:prstGeom>
+          <a:solidFill>
+            <a:srgbClr val="FFFF00"/>
+          </a:solidFill>
+        </p:spPr>
+        <p:style>
+          <a:lnRef idx="2">
+            <a:schemeClr val="accent1">
+              <a:shade val="15000"/>
+            </a:schemeClr>
+          </a:lnRef>
+          <a:fillRef idx="1">
+            <a:schemeClr val="accent1"/>
+          </a:fillRef>
+          <a:effectRef idx="0">
+            <a:schemeClr val="accent1"/>
+          </a:effectRef>
+          <a:fontRef idx="minor">
+            <a:schemeClr val="lt1"/>
+          </a:fontRef>
+        </p:style>
+        <p:txBody>
+          <a:bodyPr rtlCol="0" anchor="ctr"/>
+          <a:lstStyle/>
+          <a:p>
+            <a:pPr algn="ctr"/>
+            <a:endParaRPr kumimoji="1" lang="ko-KR" altLang="en-US" sz="1200" dirty="0">
+              <a:solidFill>
+                <a:schemeClr val="tx1"/>
+              </a:solidFill>
+              <a:latin typeface="DM Mono" panose="020B0509040201040103" pitchFamily="49" charset="0"/>
+            </a:endParaRPr>
+          </a:p>
+        </p:txBody>
+      </p:sp>
+      <p:sp>
+        <p:nvSpPr>
+          <p:cNvPr id="3" name="TextBox 2">
+            <a:extLst>
+              <a:ext uri="{FF2B5EF4-FFF2-40B4-BE49-F238E27FC236}">
+                <a16:creationId xmlns:a16="http://schemas.microsoft.com/office/drawing/2014/main" id="{53D970D4-421E-2137-D25B-1C9E6307270F}"/>
+              </a:ext>
+            </a:extLst>
+          </p:cNvPr>
+          <p:cNvSpPr txBox="1"/>
+          <p:nvPr/>
+        </p:nvSpPr>
+        <p:spPr>
+          <a:xfrm>
+            <a:off x="2888102" y="4622287"/>
+            <a:ext cx="694544" cy="276999"/>
+          </a:xfrm>
+          <a:prstGeom prst="rect">
+            <a:avLst/>
+          </a:prstGeom>
+          <a:noFill/>
+        </p:spPr>
+        <p:txBody>
+          <a:bodyPr wrap="square">
+            <a:spAutoFit/>
+          </a:bodyPr>
+          <a:lstStyle/>
+          <a:p>
+            <a:pPr algn="r"/>
+            <a:r>
+              <a:rPr lang="en-US" altLang="ko-KR" sz="1200" dirty="0">
+                <a:latin typeface="DM Mono" panose="020B0509040201040103" pitchFamily="49" charset="0"/>
+              </a:rPr>
+              <a:t>color</a:t>
+            </a:r>
+            <a:endParaRPr lang="ko-KR" altLang="en-US" sz="1200" dirty="0">
+              <a:latin typeface="DM Mono" panose="020B0509040201040103" pitchFamily="49" charset="0"/>
+            </a:endParaRPr>
+          </a:p>
+        </p:txBody>
+      </p:sp>
+      <p:sp>
+        <p:nvSpPr>
+          <p:cNvPr id="4" name="직사각형 3">
+            <a:extLst>
+              <a:ext uri="{FF2B5EF4-FFF2-40B4-BE49-F238E27FC236}">
+                <a16:creationId xmlns:a16="http://schemas.microsoft.com/office/drawing/2014/main" id="{9853D966-9691-4CA1-5461-1DFE7246EB3F}"/>
+              </a:ext>
+            </a:extLst>
+          </p:cNvPr>
+          <p:cNvSpPr/>
+          <p:nvPr/>
+        </p:nvSpPr>
+        <p:spPr>
+          <a:xfrm>
+            <a:off x="3582646" y="5004349"/>
+            <a:ext cx="894414" cy="489811"/>
+          </a:xfrm>
+          <a:prstGeom prst="rect">
+            <a:avLst/>
+          </a:prstGeom>
+          <a:solidFill>
+            <a:srgbClr val="FFFF00"/>
+          </a:solidFill>
+        </p:spPr>
+        <p:style>
+          <a:lnRef idx="2">
+            <a:schemeClr val="accent1">
+              <a:shade val="15000"/>
+            </a:schemeClr>
+          </a:lnRef>
+          <a:fillRef idx="1">
+            <a:schemeClr val="accent1"/>
+          </a:fillRef>
+          <a:effectRef idx="0">
+            <a:schemeClr val="accent1"/>
+          </a:effectRef>
+          <a:fontRef idx="minor">
+            <a:schemeClr val="lt1"/>
+          </a:fontRef>
+        </p:style>
+        <p:txBody>
+          <a:bodyPr rtlCol="0" anchor="ctr"/>
+          <a:lstStyle/>
+          <a:p>
+            <a:pPr algn="ctr"/>
+            <a:endParaRPr kumimoji="1" lang="ko-KR" altLang="en-US" sz="1200" dirty="0">
+              <a:solidFill>
+                <a:schemeClr val="tx1"/>
+              </a:solidFill>
+              <a:latin typeface="DM Mono" panose="020B0509040201040103" pitchFamily="49" charset="0"/>
+            </a:endParaRPr>
+          </a:p>
+        </p:txBody>
+      </p:sp>
+      <p:sp>
+        <p:nvSpPr>
+          <p:cNvPr id="6" name="TextBox 5">
+            <a:extLst>
+              <a:ext uri="{FF2B5EF4-FFF2-40B4-BE49-F238E27FC236}">
+                <a16:creationId xmlns:a16="http://schemas.microsoft.com/office/drawing/2014/main" id="{0C201356-3F05-A16C-E451-967083C0740F}"/>
+              </a:ext>
+            </a:extLst>
+          </p:cNvPr>
+          <p:cNvSpPr txBox="1"/>
+          <p:nvPr/>
+        </p:nvSpPr>
+        <p:spPr>
+          <a:xfrm>
+            <a:off x="2888102" y="5112098"/>
+            <a:ext cx="694544" cy="276999"/>
+          </a:xfrm>
+          <a:prstGeom prst="rect">
+            <a:avLst/>
+          </a:prstGeom>
+          <a:noFill/>
+        </p:spPr>
+        <p:txBody>
+          <a:bodyPr wrap="square">
+            <a:spAutoFit/>
+          </a:bodyPr>
+          <a:lstStyle/>
+          <a:p>
+            <a:pPr algn="r"/>
+            <a:r>
+              <a:rPr lang="en-US" altLang="ko-KR" sz="1200" dirty="0">
+                <a:latin typeface="DM Mono" panose="020B0509040201040103" pitchFamily="49" charset="0"/>
+              </a:rPr>
+              <a:t>speed</a:t>
+            </a:r>
+            <a:endParaRPr lang="ko-KR" altLang="en-US" sz="1200" dirty="0">
+              <a:latin typeface="DM Mono" panose="020B0509040201040103" pitchFamily="49" charset="0"/>
+            </a:endParaRPr>
+          </a:p>
+        </p:txBody>
+      </p:sp>
+    </p:spTree>
+    <p:extLst>
+      <p:ext uri="{BB962C8B-B14F-4D97-AF65-F5344CB8AC3E}">
+        <p14:creationId xmlns:p14="http://schemas.microsoft.com/office/powerpoint/2010/main" val="2298424210"/>
+      </p:ext>
+    </p:extLst>
+  </p:cSld>
+  <p:clrMapOvr>
+    <a:masterClrMapping/>
+  </p:clrMapOvr>
+</p:sld>
+</file>
+
+<file path=ppt/slides/slide29.xml><?xml version="1.0" encoding="utf-8"?>
+<p:sld xmlns:a="http://schemas.openxmlformats.org/drawingml/2006/main" xmlns:r="http://schemas.openxmlformats.org/officeDocument/2006/relationships" xmlns:p="http://schemas.openxmlformats.org/presentationml/2006/main">
+  <p:cSld>
+    <p:spTree>
+      <p:nvGrpSpPr>
+        <p:cNvPr id="1" name=""/>
+        <p:cNvGrpSpPr/>
+        <p:nvPr/>
+      </p:nvGrpSpPr>
+      <p:grpSpPr>
+        <a:xfrm>
+          <a:off x="0" y="0"/>
+          <a:ext cx="0" cy="0"/>
+          <a:chOff x="0" y="0"/>
+          <a:chExt cx="0" cy="0"/>
+        </a:xfrm>
+      </p:grpSpPr>
+      <p:sp>
+        <p:nvSpPr>
+          <p:cNvPr id="5" name="직사각형 4">
+            <a:extLst>
+              <a:ext uri="{FF2B5EF4-FFF2-40B4-BE49-F238E27FC236}">
+                <a16:creationId xmlns:a16="http://schemas.microsoft.com/office/drawing/2014/main" id="{9997FF58-5842-8FE8-9985-E3AB3C7ADF44}"/>
+              </a:ext>
+            </a:extLst>
+          </p:cNvPr>
+          <p:cNvSpPr/>
+          <p:nvPr/>
+        </p:nvSpPr>
+        <p:spPr>
+          <a:xfrm>
+            <a:off x="3582646" y="4024727"/>
+            <a:ext cx="894414" cy="489811"/>
+          </a:xfrm>
+          <a:prstGeom prst="rect">
+            <a:avLst/>
+          </a:prstGeom>
+          <a:solidFill>
+            <a:srgbClr val="00B0F0"/>
+          </a:solidFill>
+        </p:spPr>
+        <p:style>
+          <a:lnRef idx="2">
+            <a:schemeClr val="accent1">
+              <a:shade val="15000"/>
+            </a:schemeClr>
+          </a:lnRef>
+          <a:fillRef idx="1">
+            <a:schemeClr val="accent1"/>
+          </a:fillRef>
+          <a:effectRef idx="0">
+            <a:schemeClr val="accent1"/>
+          </a:effectRef>
+          <a:fontRef idx="minor">
+            <a:schemeClr val="lt1"/>
+          </a:fontRef>
+        </p:style>
+        <p:txBody>
+          <a:bodyPr rtlCol="0" anchor="ctr"/>
+          <a:lstStyle/>
+          <a:p>
+            <a:pPr algn="ctr"/>
+            <a:endParaRPr kumimoji="1" lang="ko-KR" altLang="en-US" sz="1200" dirty="0">
+              <a:solidFill>
+                <a:schemeClr val="tx1"/>
+              </a:solidFill>
+              <a:latin typeface="DM Mono" panose="020B0509040201040103" pitchFamily="49" charset="0"/>
+            </a:endParaRPr>
+          </a:p>
+        </p:txBody>
+      </p:sp>
+      <p:sp>
+        <p:nvSpPr>
+          <p:cNvPr id="13" name="TextBox 12">
+            <a:extLst>
+              <a:ext uri="{FF2B5EF4-FFF2-40B4-BE49-F238E27FC236}">
+                <a16:creationId xmlns:a16="http://schemas.microsoft.com/office/drawing/2014/main" id="{10856E7D-0E04-77FE-7446-30F92CE001EF}"/>
+              </a:ext>
+            </a:extLst>
+          </p:cNvPr>
+          <p:cNvSpPr txBox="1"/>
+          <p:nvPr/>
+        </p:nvSpPr>
+        <p:spPr>
+          <a:xfrm>
+            <a:off x="3682581" y="3707979"/>
+            <a:ext cx="694544" cy="276999"/>
+          </a:xfrm>
+          <a:prstGeom prst="rect">
+            <a:avLst/>
+          </a:prstGeom>
+          <a:noFill/>
+        </p:spPr>
+        <p:txBody>
+          <a:bodyPr wrap="square">
+            <a:spAutoFit/>
+          </a:bodyPr>
+          <a:lstStyle/>
+          <a:p>
+            <a:pPr algn="ctr"/>
+            <a:r>
+              <a:rPr lang="en-US" altLang="ko-KR" sz="1200" dirty="0">
+                <a:latin typeface="DM Mono" panose="020B0509040201040103" pitchFamily="49" charset="0"/>
+              </a:rPr>
+              <a:t>Dog d</a:t>
+            </a:r>
+            <a:endParaRPr lang="ko-KR" altLang="en-US" sz="1200" dirty="0">
+              <a:latin typeface="DM Mono" panose="020B0509040201040103" pitchFamily="49" charset="0"/>
+            </a:endParaRPr>
+          </a:p>
+        </p:txBody>
+      </p:sp>
+      <p:sp>
+        <p:nvSpPr>
+          <p:cNvPr id="16" name="TextBox 15">
+            <a:extLst>
+              <a:ext uri="{FF2B5EF4-FFF2-40B4-BE49-F238E27FC236}">
+                <a16:creationId xmlns:a16="http://schemas.microsoft.com/office/drawing/2014/main" id="{207E1316-1A2E-B6AF-06E9-7ED5310E9B00}"/>
+              </a:ext>
+            </a:extLst>
+          </p:cNvPr>
+          <p:cNvSpPr txBox="1"/>
+          <p:nvPr/>
+        </p:nvSpPr>
+        <p:spPr>
+          <a:xfrm>
+            <a:off x="2888102" y="4132476"/>
+            <a:ext cx="694544" cy="276999"/>
+          </a:xfrm>
+          <a:prstGeom prst="rect">
+            <a:avLst/>
+          </a:prstGeom>
+          <a:noFill/>
+        </p:spPr>
+        <p:txBody>
+          <a:bodyPr wrap="square">
+            <a:spAutoFit/>
+          </a:bodyPr>
+          <a:lstStyle/>
+          <a:p>
+            <a:pPr algn="r"/>
+            <a:r>
+              <a:rPr lang="en-US" altLang="ko-KR" sz="1200" dirty="0">
+                <a:latin typeface="DM Mono" panose="020B0509040201040103" pitchFamily="49" charset="0"/>
+              </a:rPr>
+              <a:t>age</a:t>
+            </a:r>
+            <a:endParaRPr lang="ko-KR" altLang="en-US" sz="1200" dirty="0">
+              <a:latin typeface="DM Mono" panose="020B0509040201040103" pitchFamily="49" charset="0"/>
+            </a:endParaRPr>
+          </a:p>
+        </p:txBody>
+      </p:sp>
+      <p:sp>
+        <p:nvSpPr>
+          <p:cNvPr id="23" name="TextBox 22">
+            <a:extLst>
+              <a:ext uri="{FF2B5EF4-FFF2-40B4-BE49-F238E27FC236}">
+                <a16:creationId xmlns:a16="http://schemas.microsoft.com/office/drawing/2014/main" id="{D28D2FF1-2C49-0081-AF36-EB139E32AE55}"/>
+              </a:ext>
+            </a:extLst>
+          </p:cNvPr>
+          <p:cNvSpPr txBox="1"/>
+          <p:nvPr/>
+        </p:nvSpPr>
+        <p:spPr>
+          <a:xfrm>
+            <a:off x="392241" y="376989"/>
+            <a:ext cx="6096000" cy="1815882"/>
+          </a:xfrm>
+          <a:prstGeom prst="rect">
+            <a:avLst/>
+          </a:prstGeom>
+          <a:noFill/>
+        </p:spPr>
+        <p:txBody>
+          <a:bodyPr wrap="square">
+            <a:spAutoFit/>
+          </a:bodyPr>
+          <a:lstStyle/>
+          <a:p>
+            <a:r>
+              <a:rPr lang="en" altLang="ko-KR" sz="1400" dirty="0">
+                <a:latin typeface="DM Mono" panose="020B0509040201040103" pitchFamily="49" charset="0"/>
+              </a:rPr>
+              <a:t>class Animal {</a:t>
+            </a:r>
+          </a:p>
+          <a:p>
+            <a:r>
+              <a:rPr lang="en" altLang="ko-KR" sz="1400" dirty="0">
+                <a:latin typeface="DM Mono" panose="020B0509040201040103" pitchFamily="49" charset="0"/>
+              </a:rPr>
+              <a:t>    int age;</a:t>
+            </a:r>
+          </a:p>
+          <a:p>
+            <a:r>
+              <a:rPr lang="en" altLang="ko-KR" sz="1400" dirty="0">
+                <a:latin typeface="DM Mono" panose="020B0509040201040103" pitchFamily="49" charset="0"/>
+              </a:rPr>
+              <a:t>    int color;</a:t>
+            </a:r>
+          </a:p>
+          <a:p>
+            <a:r>
+              <a:rPr lang="en" altLang="ko-KR" sz="1400" dirty="0">
+                <a:latin typeface="DM Mono" panose="020B0509040201040103" pitchFamily="49" charset="0"/>
+              </a:rPr>
+              <a:t>};</a:t>
+            </a:r>
+          </a:p>
+          <a:p>
+            <a:endParaRPr lang="en" altLang="ko-KR" sz="1400" dirty="0">
+              <a:latin typeface="DM Mono" panose="020B0509040201040103" pitchFamily="49" charset="0"/>
+            </a:endParaRPr>
+          </a:p>
+          <a:p>
+            <a:r>
+              <a:rPr lang="en" altLang="ko-KR" sz="1400" dirty="0">
+                <a:latin typeface="DM Mono" panose="020B0509040201040103" pitchFamily="49" charset="0"/>
+              </a:rPr>
+              <a:t>class Dog: public Animal {</a:t>
+            </a:r>
+          </a:p>
+          <a:p>
+            <a:r>
+              <a:rPr lang="en" altLang="ko-KR" sz="1400" dirty="0">
+                <a:latin typeface="DM Mono" panose="020B0509040201040103" pitchFamily="49" charset="0"/>
+              </a:rPr>
+              <a:t>   int speed;</a:t>
+            </a:r>
+          </a:p>
+          <a:p>
+            <a:r>
+              <a:rPr lang="en" altLang="ko-KR" sz="1400" dirty="0">
+                <a:latin typeface="DM Mono" panose="020B0509040201040103" pitchFamily="49" charset="0"/>
+              </a:rPr>
+              <a:t>};</a:t>
+            </a:r>
+            <a:endParaRPr lang="ko-KR" altLang="en-US" sz="1400" dirty="0">
+              <a:latin typeface="DM Mono" panose="020B0509040201040103" pitchFamily="49" charset="0"/>
+            </a:endParaRPr>
+          </a:p>
+        </p:txBody>
+      </p:sp>
+      <p:sp>
+        <p:nvSpPr>
+          <p:cNvPr id="2" name="직사각형 1">
+            <a:extLst>
+              <a:ext uri="{FF2B5EF4-FFF2-40B4-BE49-F238E27FC236}">
+                <a16:creationId xmlns:a16="http://schemas.microsoft.com/office/drawing/2014/main" id="{D57A11C9-2CF8-8993-529E-284B891D8CA9}"/>
+              </a:ext>
+            </a:extLst>
+          </p:cNvPr>
+          <p:cNvSpPr/>
+          <p:nvPr/>
+        </p:nvSpPr>
+        <p:spPr>
+          <a:xfrm>
+            <a:off x="3582646" y="4514538"/>
+            <a:ext cx="894414" cy="489811"/>
+          </a:xfrm>
+          <a:prstGeom prst="rect">
+            <a:avLst/>
+          </a:prstGeom>
+          <a:solidFill>
+            <a:srgbClr val="00B0F0"/>
+          </a:solidFill>
+        </p:spPr>
+        <p:style>
+          <a:lnRef idx="2">
+            <a:schemeClr val="accent1">
+              <a:shade val="15000"/>
+            </a:schemeClr>
+          </a:lnRef>
+          <a:fillRef idx="1">
+            <a:schemeClr val="accent1"/>
+          </a:fillRef>
+          <a:effectRef idx="0">
+            <a:schemeClr val="accent1"/>
+          </a:effectRef>
+          <a:fontRef idx="minor">
+            <a:schemeClr val="lt1"/>
+          </a:fontRef>
+        </p:style>
+        <p:txBody>
+          <a:bodyPr rtlCol="0" anchor="ctr"/>
+          <a:lstStyle/>
+          <a:p>
+            <a:pPr algn="ctr"/>
+            <a:endParaRPr kumimoji="1" lang="ko-KR" altLang="en-US" sz="1200" dirty="0">
+              <a:solidFill>
+                <a:schemeClr val="tx1"/>
+              </a:solidFill>
+              <a:latin typeface="DM Mono" panose="020B0509040201040103" pitchFamily="49" charset="0"/>
+            </a:endParaRPr>
+          </a:p>
+        </p:txBody>
+      </p:sp>
+      <p:sp>
+        <p:nvSpPr>
+          <p:cNvPr id="3" name="TextBox 2">
+            <a:extLst>
+              <a:ext uri="{FF2B5EF4-FFF2-40B4-BE49-F238E27FC236}">
+                <a16:creationId xmlns:a16="http://schemas.microsoft.com/office/drawing/2014/main" id="{53D970D4-421E-2137-D25B-1C9E6307270F}"/>
+              </a:ext>
+            </a:extLst>
+          </p:cNvPr>
+          <p:cNvSpPr txBox="1"/>
+          <p:nvPr/>
+        </p:nvSpPr>
+        <p:spPr>
+          <a:xfrm>
+            <a:off x="2888102" y="4622287"/>
+            <a:ext cx="694544" cy="276999"/>
+          </a:xfrm>
+          <a:prstGeom prst="rect">
+            <a:avLst/>
+          </a:prstGeom>
+          <a:noFill/>
+        </p:spPr>
+        <p:txBody>
+          <a:bodyPr wrap="square">
+            <a:spAutoFit/>
+          </a:bodyPr>
+          <a:lstStyle/>
+          <a:p>
+            <a:pPr algn="r"/>
+            <a:r>
+              <a:rPr lang="en-US" altLang="ko-KR" sz="1200" dirty="0">
+                <a:latin typeface="DM Mono" panose="020B0509040201040103" pitchFamily="49" charset="0"/>
+              </a:rPr>
+              <a:t>color</a:t>
+            </a:r>
+            <a:endParaRPr lang="ko-KR" altLang="en-US" sz="1200" dirty="0">
+              <a:latin typeface="DM Mono" panose="020B0509040201040103" pitchFamily="49" charset="0"/>
+            </a:endParaRPr>
+          </a:p>
+        </p:txBody>
+      </p:sp>
+      <p:sp>
+        <p:nvSpPr>
+          <p:cNvPr id="4" name="직사각형 3">
+            <a:extLst>
+              <a:ext uri="{FF2B5EF4-FFF2-40B4-BE49-F238E27FC236}">
+                <a16:creationId xmlns:a16="http://schemas.microsoft.com/office/drawing/2014/main" id="{9853D966-9691-4CA1-5461-1DFE7246EB3F}"/>
+              </a:ext>
+            </a:extLst>
+          </p:cNvPr>
+          <p:cNvSpPr/>
+          <p:nvPr/>
+        </p:nvSpPr>
+        <p:spPr>
+          <a:xfrm>
+            <a:off x="3582646" y="5004349"/>
+            <a:ext cx="894414" cy="489811"/>
+          </a:xfrm>
+          <a:prstGeom prst="rect">
+            <a:avLst/>
+          </a:prstGeom>
+          <a:solidFill>
+            <a:srgbClr val="FFFF00"/>
+          </a:solidFill>
+        </p:spPr>
+        <p:style>
+          <a:lnRef idx="2">
+            <a:schemeClr val="accent1">
+              <a:shade val="15000"/>
+            </a:schemeClr>
+          </a:lnRef>
+          <a:fillRef idx="1">
+            <a:schemeClr val="accent1"/>
+          </a:fillRef>
+          <a:effectRef idx="0">
+            <a:schemeClr val="accent1"/>
+          </a:effectRef>
+          <a:fontRef idx="minor">
+            <a:schemeClr val="lt1"/>
+          </a:fontRef>
+        </p:style>
+        <p:txBody>
+          <a:bodyPr rtlCol="0" anchor="ctr"/>
+          <a:lstStyle/>
+          <a:p>
+            <a:pPr algn="ctr"/>
+            <a:endParaRPr kumimoji="1" lang="ko-KR" altLang="en-US" sz="1200" dirty="0">
+              <a:solidFill>
+                <a:schemeClr val="tx1"/>
+              </a:solidFill>
+              <a:latin typeface="DM Mono" panose="020B0509040201040103" pitchFamily="49" charset="0"/>
+            </a:endParaRPr>
+          </a:p>
+        </p:txBody>
+      </p:sp>
+      <p:sp>
+        <p:nvSpPr>
+          <p:cNvPr id="6" name="TextBox 5">
+            <a:extLst>
+              <a:ext uri="{FF2B5EF4-FFF2-40B4-BE49-F238E27FC236}">
+                <a16:creationId xmlns:a16="http://schemas.microsoft.com/office/drawing/2014/main" id="{0C201356-3F05-A16C-E451-967083C0740F}"/>
+              </a:ext>
+            </a:extLst>
+          </p:cNvPr>
+          <p:cNvSpPr txBox="1"/>
+          <p:nvPr/>
+        </p:nvSpPr>
+        <p:spPr>
+          <a:xfrm>
+            <a:off x="2888102" y="5112098"/>
+            <a:ext cx="694544" cy="276999"/>
+          </a:xfrm>
+          <a:prstGeom prst="rect">
+            <a:avLst/>
+          </a:prstGeom>
+          <a:noFill/>
+        </p:spPr>
+        <p:txBody>
+          <a:bodyPr wrap="square">
+            <a:spAutoFit/>
+          </a:bodyPr>
+          <a:lstStyle/>
+          <a:p>
+            <a:pPr algn="r"/>
+            <a:r>
+              <a:rPr lang="en-US" altLang="ko-KR" sz="1200" dirty="0">
+                <a:latin typeface="DM Mono" panose="020B0509040201040103" pitchFamily="49" charset="0"/>
+              </a:rPr>
+              <a:t>speed</a:t>
+            </a:r>
+            <a:endParaRPr lang="ko-KR" altLang="en-US" sz="1200" dirty="0">
+              <a:latin typeface="DM Mono" panose="020B0509040201040103" pitchFamily="49" charset="0"/>
+            </a:endParaRPr>
+          </a:p>
+        </p:txBody>
+      </p:sp>
+      <p:sp>
+        <p:nvSpPr>
+          <p:cNvPr id="7" name="TextBox 6">
+            <a:extLst>
+              <a:ext uri="{FF2B5EF4-FFF2-40B4-BE49-F238E27FC236}">
+                <a16:creationId xmlns:a16="http://schemas.microsoft.com/office/drawing/2014/main" id="{052862C1-74FC-D3A8-EA54-3C9117B59951}"/>
+              </a:ext>
+            </a:extLst>
+          </p:cNvPr>
+          <p:cNvSpPr txBox="1"/>
+          <p:nvPr/>
+        </p:nvSpPr>
+        <p:spPr>
+          <a:xfrm>
+            <a:off x="4720001" y="4376038"/>
+            <a:ext cx="811438" cy="276999"/>
+          </a:xfrm>
+          <a:prstGeom prst="rect">
+            <a:avLst/>
+          </a:prstGeom>
+          <a:noFill/>
+        </p:spPr>
+        <p:txBody>
+          <a:bodyPr wrap="square">
+            <a:spAutoFit/>
+          </a:bodyPr>
+          <a:lstStyle/>
+          <a:p>
+            <a:pPr algn="ctr"/>
+            <a:r>
+              <a:rPr lang="en-US" altLang="ko-KR" sz="1200" dirty="0">
+                <a:latin typeface="DM Mono" panose="020B0509040201040103" pitchFamily="49" charset="0"/>
+              </a:rPr>
+              <a:t>Animal</a:t>
+            </a:r>
+            <a:endParaRPr lang="ko-KR" altLang="en-US" sz="1200" dirty="0">
+              <a:latin typeface="DM Mono" panose="020B0509040201040103" pitchFamily="49" charset="0"/>
+            </a:endParaRPr>
+          </a:p>
+        </p:txBody>
+      </p:sp>
+      <p:sp>
+        <p:nvSpPr>
+          <p:cNvPr id="8" name="오른쪽 중괄호[R] 7">
+            <a:extLst>
+              <a:ext uri="{FF2B5EF4-FFF2-40B4-BE49-F238E27FC236}">
+                <a16:creationId xmlns:a16="http://schemas.microsoft.com/office/drawing/2014/main" id="{DA911269-8DBC-3731-8908-546FABE3BFB9}"/>
+              </a:ext>
+            </a:extLst>
+          </p:cNvPr>
+          <p:cNvSpPr/>
+          <p:nvPr/>
+        </p:nvSpPr>
+        <p:spPr>
+          <a:xfrm>
+            <a:off x="4561429" y="4024727"/>
+            <a:ext cx="179709" cy="979622"/>
+          </a:xfrm>
+          <a:prstGeom prst="rightBrace">
+            <a:avLst/>
+          </a:prstGeom>
+          <a:ln>
+            <a:tailEnd type="triangle"/>
+          </a:ln>
+        </p:spPr>
+        <p:style>
+          <a:lnRef idx="1">
+            <a:schemeClr val="dk1"/>
+          </a:lnRef>
+          <a:fillRef idx="0">
+            <a:schemeClr val="dk1"/>
+          </a:fillRef>
+          <a:effectRef idx="0">
+            <a:schemeClr val="dk1"/>
+          </a:effectRef>
+          <a:fontRef idx="minor">
+            <a:schemeClr val="tx1"/>
+          </a:fontRef>
+        </p:style>
+        <p:txBody>
+          <a:bodyPr rtlCol="0" anchor="ctr"/>
+          <a:lstStyle/>
+          <a:p>
+            <a:pPr algn="ctr"/>
+            <a:endParaRPr kumimoji="1" lang="ko-KR" altLang="en-US"/>
+          </a:p>
+        </p:txBody>
+      </p:sp>
+    </p:spTree>
+    <p:extLst>
+      <p:ext uri="{BB962C8B-B14F-4D97-AF65-F5344CB8AC3E}">
+        <p14:creationId xmlns:p14="http://schemas.microsoft.com/office/powerpoint/2010/main" val="778473836"/>
       </p:ext>
     </p:extLst>
   </p:cSld>

--- a/cpp_231023.pptx
+++ b/cpp_231023.pptx
@@ -225,7 +225,7 @@
           <a:p>
             <a:fld id="{C1E36623-AB02-A945-A220-4785BF147D13}" type="datetimeFigureOut">
               <a:rPr kumimoji="1" lang="ko-KR" altLang="en-US" smtClean="0"/>
-              <a:t>2023. 10. 25.</a:t>
+              <a:t>2023. 10. 26.</a:t>
             </a:fld>
             <a:endParaRPr kumimoji="1" lang="ko-KR" altLang="en-US"/>
           </a:p>
@@ -1143,7 +1143,7 @@
           <a:p>
             <a:fld id="{03F4DA63-DE34-4D44-8FF9-6910F7181B76}" type="datetimeFigureOut">
               <a:rPr kumimoji="1" lang="ko-KR" altLang="en-US" smtClean="0"/>
-              <a:t>2023. 10. 25.</a:t>
+              <a:t>2023. 10. 26.</a:t>
             </a:fld>
             <a:endParaRPr kumimoji="1" lang="ko-KR" altLang="en-US"/>
           </a:p>
@@ -1341,7 +1341,7 @@
           <a:p>
             <a:fld id="{03F4DA63-DE34-4D44-8FF9-6910F7181B76}" type="datetimeFigureOut">
               <a:rPr kumimoji="1" lang="ko-KR" altLang="en-US" smtClean="0"/>
-              <a:t>2023. 10. 25.</a:t>
+              <a:t>2023. 10. 26.</a:t>
             </a:fld>
             <a:endParaRPr kumimoji="1" lang="ko-KR" altLang="en-US"/>
           </a:p>
@@ -1549,7 +1549,7 @@
           <a:p>
             <a:fld id="{03F4DA63-DE34-4D44-8FF9-6910F7181B76}" type="datetimeFigureOut">
               <a:rPr kumimoji="1" lang="ko-KR" altLang="en-US" smtClean="0"/>
-              <a:t>2023. 10. 25.</a:t>
+              <a:t>2023. 10. 26.</a:t>
             </a:fld>
             <a:endParaRPr kumimoji="1" lang="ko-KR" altLang="en-US"/>
           </a:p>
@@ -1747,7 +1747,7 @@
           <a:p>
             <a:fld id="{03F4DA63-DE34-4D44-8FF9-6910F7181B76}" type="datetimeFigureOut">
               <a:rPr kumimoji="1" lang="ko-KR" altLang="en-US" smtClean="0"/>
-              <a:t>2023. 10. 25.</a:t>
+              <a:t>2023. 10. 26.</a:t>
             </a:fld>
             <a:endParaRPr kumimoji="1" lang="ko-KR" altLang="en-US"/>
           </a:p>
@@ -2022,7 +2022,7 @@
           <a:p>
             <a:fld id="{03F4DA63-DE34-4D44-8FF9-6910F7181B76}" type="datetimeFigureOut">
               <a:rPr kumimoji="1" lang="ko-KR" altLang="en-US" smtClean="0"/>
-              <a:t>2023. 10. 25.</a:t>
+              <a:t>2023. 10. 26.</a:t>
             </a:fld>
             <a:endParaRPr kumimoji="1" lang="ko-KR" altLang="en-US"/>
           </a:p>
@@ -2287,7 +2287,7 @@
           <a:p>
             <a:fld id="{03F4DA63-DE34-4D44-8FF9-6910F7181B76}" type="datetimeFigureOut">
               <a:rPr kumimoji="1" lang="ko-KR" altLang="en-US" smtClean="0"/>
-              <a:t>2023. 10. 25.</a:t>
+              <a:t>2023. 10. 26.</a:t>
             </a:fld>
             <a:endParaRPr kumimoji="1" lang="ko-KR" altLang="en-US"/>
           </a:p>
@@ -2699,7 +2699,7 @@
           <a:p>
             <a:fld id="{03F4DA63-DE34-4D44-8FF9-6910F7181B76}" type="datetimeFigureOut">
               <a:rPr kumimoji="1" lang="ko-KR" altLang="en-US" smtClean="0"/>
-              <a:t>2023. 10. 25.</a:t>
+              <a:t>2023. 10. 26.</a:t>
             </a:fld>
             <a:endParaRPr kumimoji="1" lang="ko-KR" altLang="en-US"/>
           </a:p>
@@ -2840,7 +2840,7 @@
           <a:p>
             <a:fld id="{03F4DA63-DE34-4D44-8FF9-6910F7181B76}" type="datetimeFigureOut">
               <a:rPr kumimoji="1" lang="ko-KR" altLang="en-US" smtClean="0"/>
-              <a:t>2023. 10. 25.</a:t>
+              <a:t>2023. 10. 26.</a:t>
             </a:fld>
             <a:endParaRPr kumimoji="1" lang="ko-KR" altLang="en-US"/>
           </a:p>
@@ -2953,7 +2953,7 @@
           <a:p>
             <a:fld id="{03F4DA63-DE34-4D44-8FF9-6910F7181B76}" type="datetimeFigureOut">
               <a:rPr kumimoji="1" lang="ko-KR" altLang="en-US" smtClean="0"/>
-              <a:t>2023. 10. 25.</a:t>
+              <a:t>2023. 10. 26.</a:t>
             </a:fld>
             <a:endParaRPr kumimoji="1" lang="ko-KR" altLang="en-US"/>
           </a:p>
@@ -3264,7 +3264,7 @@
           <a:p>
             <a:fld id="{03F4DA63-DE34-4D44-8FF9-6910F7181B76}" type="datetimeFigureOut">
               <a:rPr kumimoji="1" lang="ko-KR" altLang="en-US" smtClean="0"/>
-              <a:t>2023. 10. 25.</a:t>
+              <a:t>2023. 10. 26.</a:t>
             </a:fld>
             <a:endParaRPr kumimoji="1" lang="ko-KR" altLang="en-US"/>
           </a:p>
@@ -3552,7 +3552,7 @@
           <a:p>
             <a:fld id="{03F4DA63-DE34-4D44-8FF9-6910F7181B76}" type="datetimeFigureOut">
               <a:rPr kumimoji="1" lang="ko-KR" altLang="en-US" smtClean="0"/>
-              <a:t>2023. 10. 25.</a:t>
+              <a:t>2023. 10. 26.</a:t>
             </a:fld>
             <a:endParaRPr kumimoji="1" lang="ko-KR" altLang="en-US"/>
           </a:p>
@@ -3793,7 +3793,7 @@
           <a:p>
             <a:fld id="{03F4DA63-DE34-4D44-8FF9-6910F7181B76}" type="datetimeFigureOut">
               <a:rPr kumimoji="1" lang="ko-KR" altLang="en-US" smtClean="0"/>
-              <a:t>2023. 10. 25.</a:t>
+              <a:t>2023. 10. 26.</a:t>
             </a:fld>
             <a:endParaRPr kumimoji="1" lang="ko-KR" altLang="en-US"/>
           </a:p>
@@ -24040,7 +24040,7 @@
           <a:p>
             <a:pPr algn="ctr"/>
             <a:r>
-              <a:rPr lang="en-US" altLang="ko-KR" sz="1200" dirty="0">
+              <a:rPr lang="en-US" altLang="ko-KR" sz="1200">
                 <a:latin typeface="DM Mono" panose="020B0509040201040103" pitchFamily="49" charset="0"/>
               </a:rPr>
               <a:t>user</a:t>
@@ -24282,15 +24282,6 @@
           <a:lstStyle/>
           <a:p>
             <a:pPr algn="ctr"/>
-            <a:r>
-              <a:rPr kumimoji="1" lang="en-US" altLang="ko-KR" sz="1200" dirty="0">
-                <a:solidFill>
-                  <a:schemeClr val="tx1"/>
-                </a:solidFill>
-                <a:latin typeface="DM Mono" panose="020B0509040201040103" pitchFamily="49" charset="0"/>
-              </a:rPr>
-              <a:t>0x200</a:t>
-            </a:r>
             <a:endParaRPr kumimoji="1" lang="ko-KR" altLang="en-US" sz="1200" dirty="0">
               <a:solidFill>
                 <a:schemeClr val="tx1"/>
@@ -24488,26 +24479,25 @@
       </p:sp>
       <p:cxnSp>
         <p:nvCxnSpPr>
-          <p:cNvPr id="25" name="구부러진 연결선[U] 24">
-            <a:extLst>
-              <a:ext uri="{FF2B5EF4-FFF2-40B4-BE49-F238E27FC236}">
-                <a16:creationId xmlns:a16="http://schemas.microsoft.com/office/drawing/2014/main" id="{A4FAAEC7-92DE-BD35-37CF-50613C581C75}"/>
+          <p:cNvPr id="16" name="구부러진 연결선[U] 15">
+            <a:extLst>
+              <a:ext uri="{FF2B5EF4-FFF2-40B4-BE49-F238E27FC236}">
+                <a16:creationId xmlns:a16="http://schemas.microsoft.com/office/drawing/2014/main" id="{9BA4384A-3138-730A-B4F6-BB6CAB091EBF}"/>
               </a:ext>
             </a:extLst>
           </p:cNvPr>
           <p:cNvCxnSpPr>
             <a:cxnSpLocks/>
-            <a:stCxn id="2" idx="3"/>
             <a:endCxn id="11" idx="1"/>
           </p:cNvCxnSpPr>
           <p:nvPr/>
         </p:nvCxnSpPr>
         <p:spPr>
-          <a:xfrm flipV="1">
-            <a:off x="7984759" y="644558"/>
-            <a:ext cx="2201053" cy="2395882"/>
-          </a:xfrm>
-          <a:prstGeom prst="curvedConnector3">
+          <a:xfrm rot="5400000" flipH="1" flipV="1">
+            <a:off x="7869881" y="759435"/>
+            <a:ext cx="2430808" cy="2201054"/>
+          </a:xfrm>
+          <a:prstGeom prst="curvedConnector2">
             <a:avLst/>
           </a:prstGeom>
           <a:ln>

--- a/cpp_231023.pptx
+++ b/cpp_231023.pptx
@@ -230,7 +230,7 @@
           <a:p>
             <a:fld id="{C1E36623-AB02-A945-A220-4785BF147D13}" type="datetimeFigureOut">
               <a:rPr kumimoji="1" lang="ko-KR" altLang="en-US" smtClean="0"/>
-              <a:t>2023. 10. 26.</a:t>
+              <a:t>2023. 10. 27.</a:t>
             </a:fld>
             <a:endParaRPr kumimoji="1" lang="ko-KR" altLang="en-US"/>
           </a:p>
@@ -1148,7 +1148,7 @@
           <a:p>
             <a:fld id="{03F4DA63-DE34-4D44-8FF9-6910F7181B76}" type="datetimeFigureOut">
               <a:rPr kumimoji="1" lang="ko-KR" altLang="en-US" smtClean="0"/>
-              <a:t>2023. 10. 26.</a:t>
+              <a:t>2023. 10. 27.</a:t>
             </a:fld>
             <a:endParaRPr kumimoji="1" lang="ko-KR" altLang="en-US"/>
           </a:p>
@@ -1346,7 +1346,7 @@
           <a:p>
             <a:fld id="{03F4DA63-DE34-4D44-8FF9-6910F7181B76}" type="datetimeFigureOut">
               <a:rPr kumimoji="1" lang="ko-KR" altLang="en-US" smtClean="0"/>
-              <a:t>2023. 10. 26.</a:t>
+              <a:t>2023. 10. 27.</a:t>
             </a:fld>
             <a:endParaRPr kumimoji="1" lang="ko-KR" altLang="en-US"/>
           </a:p>
@@ -1554,7 +1554,7 @@
           <a:p>
             <a:fld id="{03F4DA63-DE34-4D44-8FF9-6910F7181B76}" type="datetimeFigureOut">
               <a:rPr kumimoji="1" lang="ko-KR" altLang="en-US" smtClean="0"/>
-              <a:t>2023. 10. 26.</a:t>
+              <a:t>2023. 10. 27.</a:t>
             </a:fld>
             <a:endParaRPr kumimoji="1" lang="ko-KR" altLang="en-US"/>
           </a:p>
@@ -1752,7 +1752,7 @@
           <a:p>
             <a:fld id="{03F4DA63-DE34-4D44-8FF9-6910F7181B76}" type="datetimeFigureOut">
               <a:rPr kumimoji="1" lang="ko-KR" altLang="en-US" smtClean="0"/>
-              <a:t>2023. 10. 26.</a:t>
+              <a:t>2023. 10. 27.</a:t>
             </a:fld>
             <a:endParaRPr kumimoji="1" lang="ko-KR" altLang="en-US"/>
           </a:p>
@@ -2027,7 +2027,7 @@
           <a:p>
             <a:fld id="{03F4DA63-DE34-4D44-8FF9-6910F7181B76}" type="datetimeFigureOut">
               <a:rPr kumimoji="1" lang="ko-KR" altLang="en-US" smtClean="0"/>
-              <a:t>2023. 10. 26.</a:t>
+              <a:t>2023. 10. 27.</a:t>
             </a:fld>
             <a:endParaRPr kumimoji="1" lang="ko-KR" altLang="en-US"/>
           </a:p>
@@ -2292,7 +2292,7 @@
           <a:p>
             <a:fld id="{03F4DA63-DE34-4D44-8FF9-6910F7181B76}" type="datetimeFigureOut">
               <a:rPr kumimoji="1" lang="ko-KR" altLang="en-US" smtClean="0"/>
-              <a:t>2023. 10. 26.</a:t>
+              <a:t>2023. 10. 27.</a:t>
             </a:fld>
             <a:endParaRPr kumimoji="1" lang="ko-KR" altLang="en-US"/>
           </a:p>
@@ -2704,7 +2704,7 @@
           <a:p>
             <a:fld id="{03F4DA63-DE34-4D44-8FF9-6910F7181B76}" type="datetimeFigureOut">
               <a:rPr kumimoji="1" lang="ko-KR" altLang="en-US" smtClean="0"/>
-              <a:t>2023. 10. 26.</a:t>
+              <a:t>2023. 10. 27.</a:t>
             </a:fld>
             <a:endParaRPr kumimoji="1" lang="ko-KR" altLang="en-US"/>
           </a:p>
@@ -2845,7 +2845,7 @@
           <a:p>
             <a:fld id="{03F4DA63-DE34-4D44-8FF9-6910F7181B76}" type="datetimeFigureOut">
               <a:rPr kumimoji="1" lang="ko-KR" altLang="en-US" smtClean="0"/>
-              <a:t>2023. 10. 26.</a:t>
+              <a:t>2023. 10. 27.</a:t>
             </a:fld>
             <a:endParaRPr kumimoji="1" lang="ko-KR" altLang="en-US"/>
           </a:p>
@@ -2958,7 +2958,7 @@
           <a:p>
             <a:fld id="{03F4DA63-DE34-4D44-8FF9-6910F7181B76}" type="datetimeFigureOut">
               <a:rPr kumimoji="1" lang="ko-KR" altLang="en-US" smtClean="0"/>
-              <a:t>2023. 10. 26.</a:t>
+              <a:t>2023. 10. 27.</a:t>
             </a:fld>
             <a:endParaRPr kumimoji="1" lang="ko-KR" altLang="en-US"/>
           </a:p>
@@ -3269,7 +3269,7 @@
           <a:p>
             <a:fld id="{03F4DA63-DE34-4D44-8FF9-6910F7181B76}" type="datetimeFigureOut">
               <a:rPr kumimoji="1" lang="ko-KR" altLang="en-US" smtClean="0"/>
-              <a:t>2023. 10. 26.</a:t>
+              <a:t>2023. 10. 27.</a:t>
             </a:fld>
             <a:endParaRPr kumimoji="1" lang="ko-KR" altLang="en-US"/>
           </a:p>
@@ -3557,7 +3557,7 @@
           <a:p>
             <a:fld id="{03F4DA63-DE34-4D44-8FF9-6910F7181B76}" type="datetimeFigureOut">
               <a:rPr kumimoji="1" lang="ko-KR" altLang="en-US" smtClean="0"/>
-              <a:t>2023. 10. 26.</a:t>
+              <a:t>2023. 10. 27.</a:t>
             </a:fld>
             <a:endParaRPr kumimoji="1" lang="ko-KR" altLang="en-US"/>
           </a:p>
@@ -3798,7 +3798,7 @@
           <a:p>
             <a:fld id="{03F4DA63-DE34-4D44-8FF9-6910F7181B76}" type="datetimeFigureOut">
               <a:rPr kumimoji="1" lang="ko-KR" altLang="en-US" smtClean="0"/>
-              <a:t>2023. 10. 26.</a:t>
+              <a:t>2023. 10. 27.</a:t>
             </a:fld>
             <a:endParaRPr kumimoji="1" lang="ko-KR" altLang="en-US"/>
           </a:p>
